--- a/doc/プレゼン資料_F3_なかおっち.pptx
+++ b/doc/プレゼン資料_F3_なかおっち.pptx
@@ -5,33 +5,34 @@
     <p:sldMasterId id="2147483648" r:id="rId1"/>
   </p:sldMasterIdLst>
   <p:notesMasterIdLst>
-    <p:notesMasterId r:id="rId26"/>
+    <p:notesMasterId r:id="rId27"/>
   </p:notesMasterIdLst>
   <p:sldIdLst>
     <p:sldId id="256" r:id="rId2"/>
     <p:sldId id="257" r:id="rId3"/>
     <p:sldId id="263" r:id="rId4"/>
     <p:sldId id="299" r:id="rId5"/>
-    <p:sldId id="262" r:id="rId6"/>
-    <p:sldId id="294" r:id="rId7"/>
-    <p:sldId id="273" r:id="rId8"/>
-    <p:sldId id="276" r:id="rId9"/>
-    <p:sldId id="274" r:id="rId10"/>
-    <p:sldId id="275" r:id="rId11"/>
-    <p:sldId id="277" r:id="rId12"/>
-    <p:sldId id="278" r:id="rId13"/>
-    <p:sldId id="295" r:id="rId14"/>
-    <p:sldId id="296" r:id="rId15"/>
-    <p:sldId id="259" r:id="rId16"/>
-    <p:sldId id="284" r:id="rId17"/>
-    <p:sldId id="297" r:id="rId18"/>
-    <p:sldId id="260" r:id="rId19"/>
-    <p:sldId id="290" r:id="rId20"/>
-    <p:sldId id="291" r:id="rId21"/>
-    <p:sldId id="292" r:id="rId22"/>
-    <p:sldId id="293" r:id="rId23"/>
-    <p:sldId id="298" r:id="rId24"/>
-    <p:sldId id="268" r:id="rId25"/>
+    <p:sldId id="300" r:id="rId6"/>
+    <p:sldId id="262" r:id="rId7"/>
+    <p:sldId id="294" r:id="rId8"/>
+    <p:sldId id="273" r:id="rId9"/>
+    <p:sldId id="276" r:id="rId10"/>
+    <p:sldId id="274" r:id="rId11"/>
+    <p:sldId id="275" r:id="rId12"/>
+    <p:sldId id="277" r:id="rId13"/>
+    <p:sldId id="278" r:id="rId14"/>
+    <p:sldId id="295" r:id="rId15"/>
+    <p:sldId id="296" r:id="rId16"/>
+    <p:sldId id="259" r:id="rId17"/>
+    <p:sldId id="284" r:id="rId18"/>
+    <p:sldId id="297" r:id="rId19"/>
+    <p:sldId id="260" r:id="rId20"/>
+    <p:sldId id="290" r:id="rId21"/>
+    <p:sldId id="291" r:id="rId22"/>
+    <p:sldId id="292" r:id="rId23"/>
+    <p:sldId id="293" r:id="rId24"/>
+    <p:sldId id="298" r:id="rId25"/>
+    <p:sldId id="268" r:id="rId26"/>
   </p:sldIdLst>
   <p:sldSz cx="12192000" cy="6858000"/>
   <p:notesSz cx="6858000" cy="9144000"/>
@@ -220,7 +221,7 @@
           <a:p>
             <a:fld id="{85B45B40-20F4-4BB7-A9AD-AD3E8AF4E576}" type="datetimeFigureOut">
               <a:rPr kumimoji="1" lang="ja-JP" altLang="en-US" smtClean="0"/>
-              <a:t>2022/6/21</a:t>
+              <a:t>2022/6/22</a:t>
             </a:fld>
             <a:endParaRPr kumimoji="1" lang="ja-JP" altLang="en-US"/>
           </a:p>
@@ -563,7 +564,10 @@
           <a:bodyPr/>
           <a:lstStyle/>
           <a:p>
-            <a:endParaRPr kumimoji="1" lang="ja-JP" altLang="en-US" dirty="0"/>
+            <a:r>
+              <a:rPr kumimoji="1" lang="ja-JP" altLang="en-US" dirty="0"/>
+              <a:t>上になかおっちのフリガナはいるか？</a:t>
+            </a:r>
           </a:p>
         </p:txBody>
       </p:sp>
@@ -584,7 +588,7 @@
           <a:p>
             <a:fld id="{4FB5F70D-02C0-4F83-8937-892046578496}" type="slidenum">
               <a:rPr kumimoji="1" lang="ja-JP" altLang="en-US" smtClean="0"/>
-              <a:t>2</a:t>
+              <a:t>1</a:t>
             </a:fld>
             <a:endParaRPr kumimoji="1" lang="ja-JP" altLang="en-US"/>
           </a:p>
@@ -593,7 +597,91 @@
     </p:spTree>
     <p:extLst>
       <p:ext uri="{BB962C8B-B14F-4D97-AF65-F5344CB8AC3E}">
-        <p14:creationId xmlns:p14="http://schemas.microsoft.com/office/powerpoint/2010/main" val="1994899498"/>
+        <p14:creationId xmlns:p14="http://schemas.microsoft.com/office/powerpoint/2010/main" val="3858690546"/>
+      </p:ext>
+    </p:extLst>
+  </p:cSld>
+  <p:clrMapOvr>
+    <a:masterClrMapping/>
+  </p:clrMapOvr>
+</p:notes>
+</file>
+
+<file path=ppt/notesSlides/notesSlide10.xml><?xml version="1.0" encoding="utf-8"?>
+<p:notes xmlns:a="http://schemas.openxmlformats.org/drawingml/2006/main" xmlns:r="http://schemas.openxmlformats.org/officeDocument/2006/relationships" xmlns:p="http://schemas.openxmlformats.org/presentationml/2006/main">
+  <p:cSld>
+    <p:spTree>
+      <p:nvGrpSpPr>
+        <p:cNvPr id="1" name=""/>
+        <p:cNvGrpSpPr/>
+        <p:nvPr/>
+      </p:nvGrpSpPr>
+      <p:grpSpPr>
+        <a:xfrm>
+          <a:off x="0" y="0"/>
+          <a:ext cx="0" cy="0"/>
+          <a:chOff x="0" y="0"/>
+          <a:chExt cx="0" cy="0"/>
+        </a:xfrm>
+      </p:grpSpPr>
+      <p:sp>
+        <p:nvSpPr>
+          <p:cNvPr id="2" name="スライド イメージ プレースホルダー 1"/>
+          <p:cNvSpPr>
+            <a:spLocks noGrp="1" noRot="1" noChangeAspect="1"/>
+          </p:cNvSpPr>
+          <p:nvPr>
+            <p:ph type="sldImg"/>
+          </p:nvPr>
+        </p:nvSpPr>
+        <p:spPr/>
+      </p:sp>
+      <p:sp>
+        <p:nvSpPr>
+          <p:cNvPr id="3" name="ノート プレースホルダー 2"/>
+          <p:cNvSpPr>
+            <a:spLocks noGrp="1"/>
+          </p:cNvSpPr>
+          <p:nvPr>
+            <p:ph type="body" idx="1"/>
+          </p:nvPr>
+        </p:nvSpPr>
+        <p:spPr/>
+        <p:txBody>
+          <a:bodyPr/>
+          <a:lstStyle/>
+          <a:p>
+            <a:endParaRPr kumimoji="1" lang="ja-JP" altLang="en-US" dirty="0"/>
+          </a:p>
+        </p:txBody>
+      </p:sp>
+      <p:sp>
+        <p:nvSpPr>
+          <p:cNvPr id="4" name="スライド番号プレースホルダー 3"/>
+          <p:cNvSpPr>
+            <a:spLocks noGrp="1"/>
+          </p:cNvSpPr>
+          <p:nvPr>
+            <p:ph type="sldNum" sz="quarter" idx="5"/>
+          </p:nvPr>
+        </p:nvSpPr>
+        <p:spPr/>
+        <p:txBody>
+          <a:bodyPr/>
+          <a:lstStyle/>
+          <a:p>
+            <a:fld id="{4FB5F70D-02C0-4F83-8937-892046578496}" type="slidenum">
+              <a:rPr kumimoji="1" lang="ja-JP" altLang="en-US" smtClean="0"/>
+              <a:t>16</a:t>
+            </a:fld>
+            <a:endParaRPr kumimoji="1" lang="ja-JP" altLang="en-US"/>
+          </a:p>
+        </p:txBody>
+      </p:sp>
+    </p:spTree>
+    <p:extLst>
+      <p:ext uri="{BB962C8B-B14F-4D97-AF65-F5344CB8AC3E}">
+        <p14:creationId xmlns:p14="http://schemas.microsoft.com/office/powerpoint/2010/main" val="2385133367"/>
       </p:ext>
     </p:extLst>
   </p:cSld>
@@ -647,10 +735,7 @@
           <a:bodyPr/>
           <a:lstStyle/>
           <a:p>
-            <a:r>
-              <a:rPr kumimoji="1" lang="ja-JP" altLang="en-US" dirty="0"/>
-              <a:t>背景付け足し</a:t>
-            </a:r>
+            <a:endParaRPr kumimoji="1" lang="ja-JP" altLang="en-US" dirty="0"/>
           </a:p>
         </p:txBody>
       </p:sp>
@@ -671,7 +756,7 @@
           <a:p>
             <a:fld id="{4FB5F70D-02C0-4F83-8937-892046578496}" type="slidenum">
               <a:rPr kumimoji="1" lang="ja-JP" altLang="en-US" smtClean="0"/>
-              <a:t>3</a:t>
+              <a:t>2</a:t>
             </a:fld>
             <a:endParaRPr kumimoji="1" lang="ja-JP" altLang="en-US"/>
           </a:p>
@@ -680,7 +765,7 @@
     </p:spTree>
     <p:extLst>
       <p:ext uri="{BB962C8B-B14F-4D97-AF65-F5344CB8AC3E}">
-        <p14:creationId xmlns:p14="http://schemas.microsoft.com/office/powerpoint/2010/main" val="1681960832"/>
+        <p14:creationId xmlns:p14="http://schemas.microsoft.com/office/powerpoint/2010/main" val="1994899498"/>
       </p:ext>
     </p:extLst>
   </p:cSld>
@@ -734,14 +819,7 @@
           <a:bodyPr/>
           <a:lstStyle/>
           <a:p>
-            <a:r>
-              <a:rPr kumimoji="1" lang="en-US" altLang="ja-JP" dirty="0"/>
-              <a:t>6/22</a:t>
-            </a:r>
-            <a:r>
-              <a:rPr kumimoji="1" lang="ja-JP" altLang="en-US" dirty="0"/>
-              <a:t>に追加する</a:t>
-            </a:r>
+            <a:endParaRPr kumimoji="1" lang="ja-JP" altLang="en-US" dirty="0"/>
           </a:p>
         </p:txBody>
       </p:sp>
@@ -762,7 +840,7 @@
           <a:p>
             <a:fld id="{4FB5F70D-02C0-4F83-8937-892046578496}" type="slidenum">
               <a:rPr kumimoji="1" lang="ja-JP" altLang="en-US" smtClean="0"/>
-              <a:t>4</a:t>
+              <a:t>3</a:t>
             </a:fld>
             <a:endParaRPr kumimoji="1" lang="ja-JP" altLang="en-US"/>
           </a:p>
@@ -771,7 +849,7 @@
     </p:spTree>
     <p:extLst>
       <p:ext uri="{BB962C8B-B14F-4D97-AF65-F5344CB8AC3E}">
-        <p14:creationId xmlns:p14="http://schemas.microsoft.com/office/powerpoint/2010/main" val="1736502654"/>
+        <p14:creationId xmlns:p14="http://schemas.microsoft.com/office/powerpoint/2010/main" val="1681960832"/>
       </p:ext>
     </p:extLst>
   </p:cSld>
@@ -825,18 +903,7 @@
           <a:bodyPr/>
           <a:lstStyle/>
           <a:p>
-            <a:r>
-              <a:rPr kumimoji="1" lang="ja-JP" altLang="en-US" dirty="0"/>
-              <a:t>経験値は</a:t>
-            </a:r>
-            <a:r>
-              <a:rPr kumimoji="1" lang="en-US" altLang="ja-JP" dirty="0"/>
-              <a:t>…</a:t>
-            </a:r>
-            <a:r>
-              <a:rPr kumimoji="1" lang="ja-JP" altLang="en-US" dirty="0"/>
-              <a:t>の下の空白どうする？</a:t>
-            </a:r>
+            <a:endParaRPr kumimoji="1" lang="ja-JP" altLang="en-US" dirty="0"/>
           </a:p>
         </p:txBody>
       </p:sp>
@@ -857,7 +924,7 @@
           <a:p>
             <a:fld id="{4FB5F70D-02C0-4F83-8937-892046578496}" type="slidenum">
               <a:rPr kumimoji="1" lang="ja-JP" altLang="en-US" smtClean="0"/>
-              <a:t>7</a:t>
+              <a:t>4</a:t>
             </a:fld>
             <a:endParaRPr kumimoji="1" lang="ja-JP" altLang="en-US"/>
           </a:p>
@@ -866,7 +933,7 @@
     </p:spTree>
     <p:extLst>
       <p:ext uri="{BB962C8B-B14F-4D97-AF65-F5344CB8AC3E}">
-        <p14:creationId xmlns:p14="http://schemas.microsoft.com/office/powerpoint/2010/main" val="2291482010"/>
+        <p14:creationId xmlns:p14="http://schemas.microsoft.com/office/powerpoint/2010/main" val="1736502654"/>
       </p:ext>
     </p:extLst>
   </p:cSld>
@@ -920,14 +987,6 @@
           <a:bodyPr/>
           <a:lstStyle/>
           <a:p>
-            <a:r>
-              <a:rPr kumimoji="1" lang="ja-JP" altLang="en-US" dirty="0"/>
-              <a:t>空白多い</a:t>
-            </a:r>
-            <a:r>
-              <a:rPr kumimoji="1" lang="en-US" altLang="ja-JP" dirty="0"/>
-              <a:t>…</a:t>
-            </a:r>
             <a:endParaRPr kumimoji="1" lang="ja-JP" altLang="en-US" dirty="0"/>
           </a:p>
         </p:txBody>
@@ -949,7 +1008,7 @@
           <a:p>
             <a:fld id="{4FB5F70D-02C0-4F83-8937-892046578496}" type="slidenum">
               <a:rPr kumimoji="1" lang="ja-JP" altLang="en-US" smtClean="0"/>
-              <a:t>9</a:t>
+              <a:t>5</a:t>
             </a:fld>
             <a:endParaRPr kumimoji="1" lang="ja-JP" altLang="en-US"/>
           </a:p>
@@ -958,7 +1017,7 @@
     </p:spTree>
     <p:extLst>
       <p:ext uri="{BB962C8B-B14F-4D97-AF65-F5344CB8AC3E}">
-        <p14:creationId xmlns:p14="http://schemas.microsoft.com/office/powerpoint/2010/main" val="2228962888"/>
+        <p14:creationId xmlns:p14="http://schemas.microsoft.com/office/powerpoint/2010/main" val="1020968988"/>
       </p:ext>
     </p:extLst>
   </p:cSld>
@@ -1014,7 +1073,15 @@
           <a:p>
             <a:r>
               <a:rPr kumimoji="1" lang="ja-JP" altLang="en-US" dirty="0"/>
-              <a:t>スクショ貼る</a:t>
+              <a:t>経験値は</a:t>
+            </a:r>
+            <a:r>
+              <a:rPr kumimoji="1" lang="en-US" altLang="ja-JP" dirty="0"/>
+              <a:t>…</a:t>
+            </a:r>
+            <a:r>
+              <a:rPr kumimoji="1" lang="ja-JP" altLang="en-US" dirty="0"/>
+              <a:t>の下の空白どうする？</a:t>
             </a:r>
           </a:p>
         </p:txBody>
@@ -1036,7 +1103,7 @@
           <a:p>
             <a:fld id="{4FB5F70D-02C0-4F83-8937-892046578496}" type="slidenum">
               <a:rPr kumimoji="1" lang="ja-JP" altLang="en-US" smtClean="0"/>
-              <a:t>11</a:t>
+              <a:t>8</a:t>
             </a:fld>
             <a:endParaRPr kumimoji="1" lang="ja-JP" altLang="en-US"/>
           </a:p>
@@ -1045,7 +1112,7 @@
     </p:spTree>
     <p:extLst>
       <p:ext uri="{BB962C8B-B14F-4D97-AF65-F5344CB8AC3E}">
-        <p14:creationId xmlns:p14="http://schemas.microsoft.com/office/powerpoint/2010/main" val="3932365603"/>
+        <p14:creationId xmlns:p14="http://schemas.microsoft.com/office/powerpoint/2010/main" val="2291482010"/>
       </p:ext>
     </p:extLst>
   </p:cSld>
@@ -1101,15 +1168,13 @@
           <a:p>
             <a:r>
               <a:rPr kumimoji="1" lang="ja-JP" altLang="en-US" dirty="0"/>
-              <a:t>スクショ貼る</a:t>
-            </a:r>
-            <a:endParaRPr kumimoji="1" lang="en-US" altLang="ja-JP" dirty="0"/>
-          </a:p>
-          <a:p>
-            <a:r>
-              <a:rPr kumimoji="1" lang="ja-JP" altLang="en-US" dirty="0"/>
-              <a:t>キャラチェンジ後のスクショ変える（キャラの配置にズレがあるため）</a:t>
-            </a:r>
+              <a:t>空白多い</a:t>
+            </a:r>
+            <a:r>
+              <a:rPr kumimoji="1" lang="en-US" altLang="ja-JP" dirty="0"/>
+              <a:t>…</a:t>
+            </a:r>
+            <a:endParaRPr kumimoji="1" lang="ja-JP" altLang="en-US" dirty="0"/>
           </a:p>
         </p:txBody>
       </p:sp>
@@ -1130,7 +1195,7 @@
           <a:p>
             <a:fld id="{4FB5F70D-02C0-4F83-8937-892046578496}" type="slidenum">
               <a:rPr kumimoji="1" lang="ja-JP" altLang="en-US" smtClean="0"/>
-              <a:t>12</a:t>
+              <a:t>10</a:t>
             </a:fld>
             <a:endParaRPr kumimoji="1" lang="ja-JP" altLang="en-US"/>
           </a:p>
@@ -1139,7 +1204,7 @@
     </p:spTree>
     <p:extLst>
       <p:ext uri="{BB962C8B-B14F-4D97-AF65-F5344CB8AC3E}">
-        <p14:creationId xmlns:p14="http://schemas.microsoft.com/office/powerpoint/2010/main" val="2096746102"/>
+        <p14:creationId xmlns:p14="http://schemas.microsoft.com/office/powerpoint/2010/main" val="2228962888"/>
       </p:ext>
     </p:extLst>
   </p:cSld>
@@ -1193,7 +1258,10 @@
           <a:bodyPr/>
           <a:lstStyle/>
           <a:p>
-            <a:endParaRPr kumimoji="1" lang="ja-JP" altLang="en-US" dirty="0"/>
+            <a:r>
+              <a:rPr kumimoji="1" lang="ja-JP" altLang="en-US" dirty="0"/>
+              <a:t>スクショ貼る</a:t>
+            </a:r>
           </a:p>
         </p:txBody>
       </p:sp>
@@ -1214,7 +1282,7 @@
           <a:p>
             <a:fld id="{4FB5F70D-02C0-4F83-8937-892046578496}" type="slidenum">
               <a:rPr kumimoji="1" lang="ja-JP" altLang="en-US" smtClean="0"/>
-              <a:t>15</a:t>
+              <a:t>12</a:t>
             </a:fld>
             <a:endParaRPr kumimoji="1" lang="ja-JP" altLang="en-US"/>
           </a:p>
@@ -1223,7 +1291,101 @@
     </p:spTree>
     <p:extLst>
       <p:ext uri="{BB962C8B-B14F-4D97-AF65-F5344CB8AC3E}">
-        <p14:creationId xmlns:p14="http://schemas.microsoft.com/office/powerpoint/2010/main" val="2385133367"/>
+        <p14:creationId xmlns:p14="http://schemas.microsoft.com/office/powerpoint/2010/main" val="3932365603"/>
+      </p:ext>
+    </p:extLst>
+  </p:cSld>
+  <p:clrMapOvr>
+    <a:masterClrMapping/>
+  </p:clrMapOvr>
+</p:notes>
+</file>
+
+<file path=ppt/notesSlides/notesSlide9.xml><?xml version="1.0" encoding="utf-8"?>
+<p:notes xmlns:a="http://schemas.openxmlformats.org/drawingml/2006/main" xmlns:r="http://schemas.openxmlformats.org/officeDocument/2006/relationships" xmlns:p="http://schemas.openxmlformats.org/presentationml/2006/main">
+  <p:cSld>
+    <p:spTree>
+      <p:nvGrpSpPr>
+        <p:cNvPr id="1" name=""/>
+        <p:cNvGrpSpPr/>
+        <p:nvPr/>
+      </p:nvGrpSpPr>
+      <p:grpSpPr>
+        <a:xfrm>
+          <a:off x="0" y="0"/>
+          <a:ext cx="0" cy="0"/>
+          <a:chOff x="0" y="0"/>
+          <a:chExt cx="0" cy="0"/>
+        </a:xfrm>
+      </p:grpSpPr>
+      <p:sp>
+        <p:nvSpPr>
+          <p:cNvPr id="2" name="スライド イメージ プレースホルダー 1"/>
+          <p:cNvSpPr>
+            <a:spLocks noGrp="1" noRot="1" noChangeAspect="1"/>
+          </p:cNvSpPr>
+          <p:nvPr>
+            <p:ph type="sldImg"/>
+          </p:nvPr>
+        </p:nvSpPr>
+        <p:spPr/>
+      </p:sp>
+      <p:sp>
+        <p:nvSpPr>
+          <p:cNvPr id="3" name="ノート プレースホルダー 2"/>
+          <p:cNvSpPr>
+            <a:spLocks noGrp="1"/>
+          </p:cNvSpPr>
+          <p:nvPr>
+            <p:ph type="body" idx="1"/>
+          </p:nvPr>
+        </p:nvSpPr>
+        <p:spPr/>
+        <p:txBody>
+          <a:bodyPr/>
+          <a:lstStyle/>
+          <a:p>
+            <a:r>
+              <a:rPr kumimoji="1" lang="ja-JP" altLang="en-US" dirty="0"/>
+              <a:t>スクショ貼る</a:t>
+            </a:r>
+            <a:endParaRPr kumimoji="1" lang="en-US" altLang="ja-JP" dirty="0"/>
+          </a:p>
+          <a:p>
+            <a:r>
+              <a:rPr kumimoji="1" lang="ja-JP" altLang="en-US" dirty="0"/>
+              <a:t>キャラチェンジ後のスクショ変える（キャラの配置にズレがあるため）</a:t>
+            </a:r>
+          </a:p>
+        </p:txBody>
+      </p:sp>
+      <p:sp>
+        <p:nvSpPr>
+          <p:cNvPr id="4" name="スライド番号プレースホルダー 3"/>
+          <p:cNvSpPr>
+            <a:spLocks noGrp="1"/>
+          </p:cNvSpPr>
+          <p:nvPr>
+            <p:ph type="sldNum" sz="quarter" idx="5"/>
+          </p:nvPr>
+        </p:nvSpPr>
+        <p:spPr/>
+        <p:txBody>
+          <a:bodyPr/>
+          <a:lstStyle/>
+          <a:p>
+            <a:fld id="{4FB5F70D-02C0-4F83-8937-892046578496}" type="slidenum">
+              <a:rPr kumimoji="1" lang="ja-JP" altLang="en-US" smtClean="0"/>
+              <a:t>13</a:t>
+            </a:fld>
+            <a:endParaRPr kumimoji="1" lang="ja-JP" altLang="en-US"/>
+          </a:p>
+        </p:txBody>
+      </p:sp>
+    </p:spTree>
+    <p:extLst>
+      <p:ext uri="{BB962C8B-B14F-4D97-AF65-F5344CB8AC3E}">
+        <p14:creationId xmlns:p14="http://schemas.microsoft.com/office/powerpoint/2010/main" val="2096746102"/>
       </p:ext>
     </p:extLst>
   </p:cSld>
@@ -1380,7 +1542,7 @@
           <a:p>
             <a:fld id="{DE4BA7E1-AEC3-4D3A-B9C5-26FBCA429707}" type="datetimeFigureOut">
               <a:rPr kumimoji="1" lang="ja-JP" altLang="en-US" smtClean="0"/>
-              <a:t>2022/6/21</a:t>
+              <a:t>2022/6/22</a:t>
             </a:fld>
             <a:endParaRPr kumimoji="1" lang="ja-JP" altLang="en-US"/>
           </a:p>
@@ -1610,7 +1772,7 @@
           <a:p>
             <a:fld id="{DE4BA7E1-AEC3-4D3A-B9C5-26FBCA429707}" type="datetimeFigureOut">
               <a:rPr kumimoji="1" lang="ja-JP" altLang="en-US" smtClean="0"/>
-              <a:t>2022/6/21</a:t>
+              <a:t>2022/6/22</a:t>
             </a:fld>
             <a:endParaRPr kumimoji="1" lang="ja-JP" altLang="en-US"/>
           </a:p>
@@ -1850,7 +2012,7 @@
           <a:p>
             <a:fld id="{DE4BA7E1-AEC3-4D3A-B9C5-26FBCA429707}" type="datetimeFigureOut">
               <a:rPr kumimoji="1" lang="ja-JP" altLang="en-US" smtClean="0"/>
-              <a:t>2022/6/21</a:t>
+              <a:t>2022/6/22</a:t>
             </a:fld>
             <a:endParaRPr kumimoji="1" lang="ja-JP" altLang="en-US"/>
           </a:p>
@@ -2080,7 +2242,7 @@
           <a:p>
             <a:fld id="{DE4BA7E1-AEC3-4D3A-B9C5-26FBCA429707}" type="datetimeFigureOut">
               <a:rPr kumimoji="1" lang="ja-JP" altLang="en-US" smtClean="0"/>
-              <a:t>2022/6/21</a:t>
+              <a:t>2022/6/22</a:t>
             </a:fld>
             <a:endParaRPr kumimoji="1" lang="ja-JP" altLang="en-US"/>
           </a:p>
@@ -2355,7 +2517,7 @@
           <a:p>
             <a:fld id="{DE4BA7E1-AEC3-4D3A-B9C5-26FBCA429707}" type="datetimeFigureOut">
               <a:rPr kumimoji="1" lang="ja-JP" altLang="en-US" smtClean="0"/>
-              <a:t>2022/6/21</a:t>
+              <a:t>2022/6/22</a:t>
             </a:fld>
             <a:endParaRPr kumimoji="1" lang="ja-JP" altLang="en-US"/>
           </a:p>
@@ -2684,7 +2846,7 @@
           <a:p>
             <a:fld id="{DE4BA7E1-AEC3-4D3A-B9C5-26FBCA429707}" type="datetimeFigureOut">
               <a:rPr kumimoji="1" lang="ja-JP" altLang="en-US" smtClean="0"/>
-              <a:t>2022/6/21</a:t>
+              <a:t>2022/6/22</a:t>
             </a:fld>
             <a:endParaRPr kumimoji="1" lang="ja-JP" altLang="en-US"/>
           </a:p>
@@ -3160,7 +3322,7 @@
           <a:p>
             <a:fld id="{DE4BA7E1-AEC3-4D3A-B9C5-26FBCA429707}" type="datetimeFigureOut">
               <a:rPr kumimoji="1" lang="ja-JP" altLang="en-US" smtClean="0"/>
-              <a:t>2022/6/21</a:t>
+              <a:t>2022/6/22</a:t>
             </a:fld>
             <a:endParaRPr kumimoji="1" lang="ja-JP" altLang="en-US"/>
           </a:p>
@@ -3301,7 +3463,7 @@
           <a:p>
             <a:fld id="{DE4BA7E1-AEC3-4D3A-B9C5-26FBCA429707}" type="datetimeFigureOut">
               <a:rPr kumimoji="1" lang="ja-JP" altLang="en-US" smtClean="0"/>
-              <a:t>2022/6/21</a:t>
+              <a:t>2022/6/22</a:t>
             </a:fld>
             <a:endParaRPr kumimoji="1" lang="ja-JP" altLang="en-US"/>
           </a:p>
@@ -3414,7 +3576,7 @@
           <a:p>
             <a:fld id="{DE4BA7E1-AEC3-4D3A-B9C5-26FBCA429707}" type="datetimeFigureOut">
               <a:rPr kumimoji="1" lang="ja-JP" altLang="en-US" smtClean="0"/>
-              <a:t>2022/6/21</a:t>
+              <a:t>2022/6/22</a:t>
             </a:fld>
             <a:endParaRPr kumimoji="1" lang="ja-JP" altLang="en-US"/>
           </a:p>
@@ -3757,7 +3919,7 @@
           <a:p>
             <a:fld id="{DE4BA7E1-AEC3-4D3A-B9C5-26FBCA429707}" type="datetimeFigureOut">
               <a:rPr kumimoji="1" lang="ja-JP" altLang="en-US" smtClean="0"/>
-              <a:t>2022/6/21</a:t>
+              <a:t>2022/6/22</a:t>
             </a:fld>
             <a:endParaRPr kumimoji="1" lang="ja-JP" altLang="en-US"/>
           </a:p>
@@ -4045,7 +4207,7 @@
           <a:p>
             <a:fld id="{DE4BA7E1-AEC3-4D3A-B9C5-26FBCA429707}" type="datetimeFigureOut">
               <a:rPr kumimoji="1" lang="ja-JP" altLang="en-US" smtClean="0"/>
-              <a:t>2022/6/21</a:t>
+              <a:t>2022/6/22</a:t>
             </a:fld>
             <a:endParaRPr kumimoji="1" lang="ja-JP" altLang="en-US"/>
           </a:p>
@@ -4318,7 +4480,7 @@
           <a:p>
             <a:fld id="{DE4BA7E1-AEC3-4D3A-B9C5-26FBCA429707}" type="datetimeFigureOut">
               <a:rPr kumimoji="1" lang="ja-JP" altLang="en-US" smtClean="0"/>
-              <a:t>2022/6/21</a:t>
+              <a:t>2022/6/22</a:t>
             </a:fld>
             <a:endParaRPr kumimoji="1" lang="ja-JP" altLang="en-US"/>
           </a:p>
@@ -4750,7 +4912,7 @@
           <p:nvPr/>
         </p:nvPicPr>
         <p:blipFill rotWithShape="1">
-          <a:blip r:embed="rId2">
+          <a:blip r:embed="rId3">
             <a:extLst>
               <a:ext uri="{28A0092B-C50C-407E-A947-70E740481C1C}">
                 <a14:useLocalDpi xmlns:a14="http://schemas.microsoft.com/office/drawing/2010/main" val="0"/>
@@ -4772,10 +4934,10 @@
       </p:pic>
       <p:pic>
         <p:nvPicPr>
-          <p:cNvPr id="21" name="図 20" descr="テキスト が含まれている画像&#10;&#10;自動的に生成された説明">
-            <a:extLst>
-              <a:ext uri="{FF2B5EF4-FFF2-40B4-BE49-F238E27FC236}">
-                <a16:creationId xmlns:a16="http://schemas.microsoft.com/office/drawing/2014/main" id="{3F859C37-CE11-5F77-D589-94236E845157}"/>
+          <p:cNvPr id="3" name="図 2" descr="テキスト&#10;&#10;自動的に生成された説明">
+            <a:extLst>
+              <a:ext uri="{FF2B5EF4-FFF2-40B4-BE49-F238E27FC236}">
+                <a16:creationId xmlns:a16="http://schemas.microsoft.com/office/drawing/2014/main" id="{FD20ED2D-4340-4206-8E20-6E17E616C158}"/>
               </a:ext>
             </a:extLst>
           </p:cNvPr>
@@ -4785,20 +4947,20 @@
           <p:nvPr/>
         </p:nvPicPr>
         <p:blipFill rotWithShape="1">
-          <a:blip r:embed="rId3">
+          <a:blip r:embed="rId4">
             <a:extLst>
               <a:ext uri="{28A0092B-C50C-407E-A947-70E740481C1C}">
                 <a14:useLocalDpi xmlns:a14="http://schemas.microsoft.com/office/drawing/2010/main" val="0"/>
               </a:ext>
             </a:extLst>
           </a:blip>
-          <a:srcRect l="2976" t="18331" r="41667" b="53039"/>
+          <a:srcRect l="1332" t="63572" r="23011" b="12183"/>
           <a:stretch/>
         </p:blipFill>
         <p:spPr>
           <a:xfrm>
-            <a:off x="2013094" y="2498273"/>
-            <a:ext cx="8165813" cy="1861455"/>
+            <a:off x="1424937" y="2254469"/>
+            <a:ext cx="9342126" cy="2105259"/>
           </a:xfrm>
           <a:prstGeom prst="rect">
             <a:avLst/>
@@ -4807,10 +4969,10 @@
       </p:pic>
       <p:pic>
         <p:nvPicPr>
-          <p:cNvPr id="23" name="図 22" descr="テキスト が含まれている画像&#10;&#10;自動的に生成された説明">
-            <a:extLst>
-              <a:ext uri="{FF2B5EF4-FFF2-40B4-BE49-F238E27FC236}">
-                <a16:creationId xmlns:a16="http://schemas.microsoft.com/office/drawing/2014/main" id="{55FA5C03-5844-1BBF-E4EB-87B2EF54DABE}"/>
+          <p:cNvPr id="10" name="図 9" descr="テキスト&#10;&#10;自動的に生成された説明">
+            <a:extLst>
+              <a:ext uri="{FF2B5EF4-FFF2-40B4-BE49-F238E27FC236}">
+                <a16:creationId xmlns:a16="http://schemas.microsoft.com/office/drawing/2014/main" id="{70DA2CF3-7394-6D5C-D5DD-3D664E19F724}"/>
               </a:ext>
             </a:extLst>
           </p:cNvPr>
@@ -4820,20 +4982,20 @@
           <p:nvPr/>
         </p:nvPicPr>
         <p:blipFill rotWithShape="1">
-          <a:blip r:embed="rId3">
+          <a:blip r:embed="rId5">
             <a:extLst>
               <a:ext uri="{28A0092B-C50C-407E-A947-70E740481C1C}">
                 <a14:useLocalDpi xmlns:a14="http://schemas.microsoft.com/office/drawing/2010/main" val="0"/>
               </a:ext>
             </a:extLst>
           </a:blip>
-          <a:srcRect l="2738" t="47502" r="41905" b="37642"/>
+          <a:srcRect l="3809" t="51640" r="17500" b="25438"/>
           <a:stretch/>
         </p:blipFill>
         <p:spPr>
           <a:xfrm>
-            <a:off x="2721428" y="4359728"/>
-            <a:ext cx="6749143" cy="798287"/>
+            <a:off x="2249714" y="4359728"/>
+            <a:ext cx="7692572" cy="790121"/>
           </a:xfrm>
           <a:prstGeom prst="rect">
             <a:avLst/>
@@ -4872,10 +5034,10 @@
       </p:grpSpPr>
       <p:sp>
         <p:nvSpPr>
-          <p:cNvPr id="23" name="楕円 22">
-            <a:extLst>
-              <a:ext uri="{FF2B5EF4-FFF2-40B4-BE49-F238E27FC236}">
-                <a16:creationId xmlns:a16="http://schemas.microsoft.com/office/drawing/2014/main" id="{32F192D6-B901-0977-32EE-C296005A9997}"/>
+          <p:cNvPr id="22" name="楕円 21">
+            <a:extLst>
+              <a:ext uri="{FF2B5EF4-FFF2-40B4-BE49-F238E27FC236}">
+                <a16:creationId xmlns:a16="http://schemas.microsoft.com/office/drawing/2014/main" id="{A92A86B2-2D5D-163C-9B57-8D466C8E2F54}"/>
               </a:ext>
             </a:extLst>
           </p:cNvPr>
@@ -4884,8 +5046,8 @@
         </p:nvSpPr>
         <p:spPr>
           <a:xfrm>
-            <a:off x="171215" y="2391287"/>
-            <a:ext cx="2470489" cy="774868"/>
+            <a:off x="3067792" y="2257121"/>
+            <a:ext cx="2470489" cy="732566"/>
           </a:xfrm>
           <a:prstGeom prst="ellipse">
             <a:avLst/>
@@ -4932,10 +5094,123 @@
       </p:sp>
       <p:sp>
         <p:nvSpPr>
-          <p:cNvPr id="6" name="楕円 5">
-            <a:extLst>
-              <a:ext uri="{FF2B5EF4-FFF2-40B4-BE49-F238E27FC236}">
-                <a16:creationId xmlns:a16="http://schemas.microsoft.com/office/drawing/2014/main" id="{00464384-0403-04E4-5519-8F4BBD998AB4}"/>
+          <p:cNvPr id="2" name="タイトル 1">
+            <a:extLst>
+              <a:ext uri="{FF2B5EF4-FFF2-40B4-BE49-F238E27FC236}">
+                <a16:creationId xmlns:a16="http://schemas.microsoft.com/office/drawing/2014/main" id="{693A6AA4-E421-2B25-F07B-E8469B9F6618}"/>
+              </a:ext>
+            </a:extLst>
+          </p:cNvPr>
+          <p:cNvSpPr>
+            <a:spLocks noGrp="1"/>
+          </p:cNvSpPr>
+          <p:nvPr>
+            <p:ph type="title"/>
+          </p:nvPr>
+        </p:nvSpPr>
+        <p:spPr/>
+        <p:txBody>
+          <a:bodyPr/>
+          <a:lstStyle/>
+          <a:p>
+            <a:r>
+              <a:rPr kumimoji="1" lang="ja-JP" altLang="en-US" dirty="0">
+                <a:solidFill>
+                  <a:schemeClr val="accent2">
+                    <a:lumMod val="50000"/>
+                  </a:schemeClr>
+                </a:solidFill>
+                <a:latin typeface="HGS創英角ｺﾞｼｯｸUB" panose="020B0900000000000000" pitchFamily="50" charset="-128"/>
+                <a:ea typeface="HGS創英角ｺﾞｼｯｸUB" panose="020B0900000000000000" pitchFamily="50" charset="-128"/>
+              </a:rPr>
+              <a:t>ログインボーナス機能</a:t>
+            </a:r>
+          </a:p>
+        </p:txBody>
+      </p:sp>
+      <p:sp>
+        <p:nvSpPr>
+          <p:cNvPr id="3" name="コンテンツ プレースホルダー 2">
+            <a:extLst>
+              <a:ext uri="{FF2B5EF4-FFF2-40B4-BE49-F238E27FC236}">
+                <a16:creationId xmlns:a16="http://schemas.microsoft.com/office/drawing/2014/main" id="{CC96BA86-5DEC-0C8A-0D37-9901BCB94BED}"/>
+              </a:ext>
+            </a:extLst>
+          </p:cNvPr>
+          <p:cNvSpPr>
+            <a:spLocks noGrp="1"/>
+          </p:cNvSpPr>
+          <p:nvPr>
+            <p:ph idx="1"/>
+          </p:nvPr>
+        </p:nvSpPr>
+        <p:spPr>
+          <a:xfrm>
+            <a:off x="8877343" y="6329985"/>
+            <a:ext cx="3201201" cy="453255"/>
+          </a:xfrm>
+        </p:spPr>
+        <p:txBody>
+          <a:bodyPr>
+            <a:normAutofit/>
+          </a:bodyPr>
+          <a:lstStyle/>
+          <a:p>
+            <a:pPr marL="0" indent="0">
+              <a:buNone/>
+            </a:pPr>
+            <a:r>
+              <a:rPr kumimoji="1" lang="en-US" altLang="ja-JP" sz="2000" dirty="0">
+                <a:latin typeface="HGｺﾞｼｯｸE" panose="020B0909000000000000" pitchFamily="49" charset="-128"/>
+                <a:ea typeface="HGｺﾞｼｯｸE" panose="020B0909000000000000" pitchFamily="49" charset="-128"/>
+              </a:rPr>
+              <a:t>※T</a:t>
+            </a:r>
+            <a:r>
+              <a:rPr kumimoji="1" lang="ja-JP" altLang="en-US" sz="2000" dirty="0">
+                <a:latin typeface="HGｺﾞｼｯｸE" panose="020B0909000000000000" pitchFamily="49" charset="-128"/>
+                <a:ea typeface="HGｺﾞｼｯｸE" panose="020B0909000000000000" pitchFamily="49" charset="-128"/>
+              </a:rPr>
+              <a:t>ポイント＝卵ポイント</a:t>
+            </a:r>
+          </a:p>
+        </p:txBody>
+      </p:sp>
+      <p:pic>
+        <p:nvPicPr>
+          <p:cNvPr id="8" name="図 7">
+            <a:extLst>
+              <a:ext uri="{FF2B5EF4-FFF2-40B4-BE49-F238E27FC236}">
+                <a16:creationId xmlns:a16="http://schemas.microsoft.com/office/drawing/2014/main" id="{7EC8A25E-E3BB-3CAA-A6AD-67D914F1B37D}"/>
+              </a:ext>
+            </a:extLst>
+          </p:cNvPr>
+          <p:cNvPicPr>
+            <a:picLocks noChangeAspect="1"/>
+          </p:cNvPicPr>
+          <p:nvPr/>
+        </p:nvPicPr>
+        <p:blipFill rotWithShape="1">
+          <a:blip r:embed="rId3"/>
+          <a:srcRect l="79385" t="26385" r="1692" b="28132"/>
+          <a:stretch/>
+        </p:blipFill>
+        <p:spPr>
+          <a:xfrm>
+            <a:off x="5243095" y="2287628"/>
+            <a:ext cx="3201201" cy="4326031"/>
+          </a:xfrm>
+          <a:prstGeom prst="rect">
+            <a:avLst/>
+          </a:prstGeom>
+        </p:spPr>
+      </p:pic>
+      <p:sp>
+        <p:nvSpPr>
+          <p:cNvPr id="26" name="四角形: 角を丸くする 25">
+            <a:extLst>
+              <a:ext uri="{FF2B5EF4-FFF2-40B4-BE49-F238E27FC236}">
+                <a16:creationId xmlns:a16="http://schemas.microsoft.com/office/drawing/2014/main" id="{FA481F0B-E154-CB69-C059-295E31767D84}"/>
               </a:ext>
             </a:extLst>
           </p:cNvPr>
@@ -4944,18 +5219,16 @@
         </p:nvSpPr>
         <p:spPr>
           <a:xfrm>
-            <a:off x="9042026" y="73825"/>
-            <a:ext cx="2470489" cy="774868"/>
-          </a:xfrm>
-          <a:prstGeom prst="ellipse">
+            <a:off x="6842008" y="2435966"/>
+            <a:ext cx="1451430" cy="552504"/>
+          </a:xfrm>
+          <a:prstGeom prst="roundRect">
             <a:avLst/>
           </a:prstGeom>
-          <a:solidFill>
-            <a:schemeClr val="accent2"/>
-          </a:solidFill>
-          <a:ln>
+          <a:noFill/>
+          <a:ln w="38100">
             <a:solidFill>
-              <a:schemeClr val="bg1"/>
+              <a:srgbClr val="FF0000"/>
             </a:solidFill>
           </a:ln>
         </p:spPr>
@@ -4980,105 +5253,39 @@
           <a:lstStyle/>
           <a:p>
             <a:pPr algn="ctr"/>
-            <a:r>
-              <a:rPr kumimoji="1" lang="ja-JP" altLang="en-US" sz="2400" dirty="0">
-                <a:latin typeface="HGｺﾞｼｯｸE" panose="020B0909000000000000" pitchFamily="49" charset="-128"/>
-                <a:ea typeface="HGｺﾞｼｯｸE" panose="020B0909000000000000" pitchFamily="49" charset="-128"/>
-              </a:rPr>
-              <a:t>メイン画面</a:t>
-            </a:r>
-          </a:p>
-        </p:txBody>
-      </p:sp>
-      <p:sp>
-        <p:nvSpPr>
-          <p:cNvPr id="2" name="タイトル 1">
-            <a:extLst>
-              <a:ext uri="{FF2B5EF4-FFF2-40B4-BE49-F238E27FC236}">
-                <a16:creationId xmlns:a16="http://schemas.microsoft.com/office/drawing/2014/main" id="{693A6AA4-E421-2B25-F07B-E8469B9F6618}"/>
-              </a:ext>
-            </a:extLst>
-          </p:cNvPr>
-          <p:cNvSpPr>
-            <a:spLocks noGrp="1"/>
-          </p:cNvSpPr>
-          <p:nvPr>
-            <p:ph type="title"/>
-          </p:nvPr>
-        </p:nvSpPr>
-        <p:spPr/>
-        <p:txBody>
-          <a:bodyPr/>
-          <a:lstStyle/>
-          <a:p>
-            <a:r>
-              <a:rPr kumimoji="1" lang="ja-JP" altLang="en-US" dirty="0">
-                <a:solidFill>
-                  <a:schemeClr val="accent2">
-                    <a:lumMod val="50000"/>
-                  </a:schemeClr>
-                </a:solidFill>
-                <a:latin typeface="HGS創英角ｺﾞｼｯｸUB" panose="020B0900000000000000" pitchFamily="50" charset="-128"/>
-                <a:ea typeface="HGS創英角ｺﾞｼｯｸUB" panose="020B0900000000000000" pitchFamily="50" charset="-128"/>
-              </a:rPr>
-              <a:t>デイリーミッション機能</a:t>
-            </a:r>
-          </a:p>
-        </p:txBody>
-      </p:sp>
-      <p:pic>
-        <p:nvPicPr>
-          <p:cNvPr id="5" name="図 4">
-            <a:extLst>
-              <a:ext uri="{FF2B5EF4-FFF2-40B4-BE49-F238E27FC236}">
-                <a16:creationId xmlns:a16="http://schemas.microsoft.com/office/drawing/2014/main" id="{9E67EE7E-EBB4-120F-DE4B-6B3BBF94355C}"/>
-              </a:ext>
-            </a:extLst>
-          </p:cNvPr>
-          <p:cNvPicPr>
-            <a:picLocks noChangeAspect="1"/>
-          </p:cNvPicPr>
+            <a:endParaRPr kumimoji="1" lang="ja-JP" altLang="en-US"/>
+          </a:p>
+        </p:txBody>
+      </p:sp>
+      <p:sp>
+        <p:nvSpPr>
+          <p:cNvPr id="27" name="矢印: 五方向 26">
+            <a:extLst>
+              <a:ext uri="{FF2B5EF4-FFF2-40B4-BE49-F238E27FC236}">
+                <a16:creationId xmlns:a16="http://schemas.microsoft.com/office/drawing/2014/main" id="{821A2FC8-2D37-A0BE-1009-F77296C3DA56}"/>
+              </a:ext>
+            </a:extLst>
+          </p:cNvPr>
+          <p:cNvSpPr/>
           <p:nvPr/>
-        </p:nvPicPr>
-        <p:blipFill rotWithShape="1">
-          <a:blip r:embed="rId2"/>
-          <a:srcRect l="1039" t="11878" r="76461" b="7467"/>
-          <a:stretch/>
-        </p:blipFill>
-        <p:spPr>
-          <a:xfrm>
-            <a:off x="2340114" y="2365829"/>
-            <a:ext cx="2121483" cy="4275603"/>
-          </a:xfrm>
-          <a:prstGeom prst="rect">
+        </p:nvSpPr>
+        <p:spPr>
+          <a:xfrm flipH="1">
+            <a:off x="8204084" y="2429974"/>
+            <a:ext cx="2124223" cy="584168"/>
+          </a:xfrm>
+          <a:prstGeom prst="homePlate">
             <a:avLst/>
           </a:prstGeom>
-        </p:spPr>
-      </p:pic>
-      <p:sp>
-        <p:nvSpPr>
-          <p:cNvPr id="9" name="四角形: 角を丸くする 8">
-            <a:extLst>
-              <a:ext uri="{FF2B5EF4-FFF2-40B4-BE49-F238E27FC236}">
-                <a16:creationId xmlns:a16="http://schemas.microsoft.com/office/drawing/2014/main" id="{DC6CFDCD-4667-1173-D654-71D37E90A832}"/>
-              </a:ext>
-            </a:extLst>
-          </p:cNvPr>
-          <p:cNvSpPr/>
-          <p:nvPr/>
-        </p:nvSpPr>
-        <p:spPr>
-          <a:xfrm>
-            <a:off x="9757228" y="2216540"/>
-            <a:ext cx="1679668" cy="562181"/>
-          </a:xfrm>
-          <a:prstGeom prst="roundRect">
-            <a:avLst/>
-          </a:prstGeom>
-          <a:noFill/>
-          <a:ln w="38100">
+          <a:solidFill>
+            <a:schemeClr val="accent4">
+              <a:lumMod val="40000"/>
+              <a:lumOff val="60000"/>
+            </a:schemeClr>
+          </a:solidFill>
+          <a:ln>
             <a:solidFill>
-              <a:srgbClr val="FF0000"/>
+              <a:schemeClr val="bg1"/>
             </a:solidFill>
           </a:ln>
         </p:spPr>
@@ -5103,16 +5310,42 @@
           <a:lstStyle/>
           <a:p>
             <a:pPr algn="ctr"/>
-            <a:endParaRPr kumimoji="1" lang="ja-JP" altLang="en-US"/>
-          </a:p>
-        </p:txBody>
-      </p:sp>
-      <p:sp>
-        <p:nvSpPr>
-          <p:cNvPr id="10" name="四角形: 角を丸くする 9">
-            <a:extLst>
-              <a:ext uri="{FF2B5EF4-FFF2-40B4-BE49-F238E27FC236}">
-                <a16:creationId xmlns:a16="http://schemas.microsoft.com/office/drawing/2014/main" id="{9E3C1482-09C1-5CAC-B906-084C8568B86A}"/>
+            <a:r>
+              <a:rPr lang="en-US" altLang="ja-JP" sz="2400" dirty="0">
+                <a:solidFill>
+                  <a:schemeClr val="accent2">
+                    <a:lumMod val="75000"/>
+                  </a:schemeClr>
+                </a:solidFill>
+              </a:rPr>
+              <a:t>T</a:t>
+            </a:r>
+            <a:r>
+              <a:rPr lang="ja-JP" altLang="en-US" sz="2400" dirty="0">
+                <a:solidFill>
+                  <a:schemeClr val="accent2">
+                    <a:lumMod val="75000"/>
+                  </a:schemeClr>
+                </a:solidFill>
+              </a:rPr>
+              <a:t>ポイント</a:t>
+            </a:r>
+            <a:endParaRPr lang="en-US" altLang="ja-JP" sz="2400" dirty="0">
+              <a:solidFill>
+                <a:schemeClr val="accent2">
+                  <a:lumMod val="75000"/>
+                </a:schemeClr>
+              </a:solidFill>
+            </a:endParaRPr>
+          </a:p>
+        </p:txBody>
+      </p:sp>
+      <p:sp>
+        <p:nvSpPr>
+          <p:cNvPr id="9" name="四角形: 角を丸くする 8">
+            <a:extLst>
+              <a:ext uri="{FF2B5EF4-FFF2-40B4-BE49-F238E27FC236}">
+                <a16:creationId xmlns:a16="http://schemas.microsoft.com/office/drawing/2014/main" id="{49AC5A0E-ED45-3B07-08C5-D3D0BE4EE214}"/>
               </a:ext>
             </a:extLst>
           </p:cNvPr>
@@ -5121,16 +5354,18 @@
         </p:nvSpPr>
         <p:spPr>
           <a:xfrm>
-            <a:off x="10022499" y="4339204"/>
-            <a:ext cx="1166934" cy="562181"/>
+            <a:off x="753845" y="1439009"/>
+            <a:ext cx="7098384" cy="774868"/>
           </a:xfrm>
           <a:prstGeom prst="roundRect">
             <a:avLst/>
           </a:prstGeom>
-          <a:noFill/>
+          <a:solidFill>
+            <a:srgbClr val="FFA333"/>
+          </a:solidFill>
           <a:ln w="38100">
             <a:solidFill>
-              <a:srgbClr val="FF0000"/>
+              <a:schemeClr val="bg1"/>
             </a:solidFill>
           </a:ln>
         </p:spPr>
@@ -5154,17 +5389,46 @@
           <a:bodyPr rtlCol="0" anchor="ctr"/>
           <a:lstStyle/>
           <a:p>
-            <a:pPr algn="ctr"/>
-            <a:endParaRPr kumimoji="1" lang="ja-JP" altLang="en-US"/>
-          </a:p>
-        </p:txBody>
-      </p:sp>
-      <p:sp>
-        <p:nvSpPr>
-          <p:cNvPr id="12" name="四角形: 角を丸くする 11">
-            <a:extLst>
-              <a:ext uri="{FF2B5EF4-FFF2-40B4-BE49-F238E27FC236}">
-                <a16:creationId xmlns:a16="http://schemas.microsoft.com/office/drawing/2014/main" id="{01CBC4AE-9771-7D6E-7FC9-8D95CBE4ADC5}"/>
+            <a:pPr marL="0" indent="0">
+              <a:buNone/>
+            </a:pPr>
+            <a:r>
+              <a:rPr kumimoji="1" lang="en-US" altLang="ja-JP" sz="2800" dirty="0">
+                <a:latin typeface="HGｺﾞｼｯｸE" panose="020B0909000000000000" pitchFamily="49" charset="-128"/>
+                <a:ea typeface="HGｺﾞｼｯｸE" panose="020B0909000000000000" pitchFamily="49" charset="-128"/>
+              </a:rPr>
+              <a:t>1</a:t>
+            </a:r>
+            <a:r>
+              <a:rPr kumimoji="1" lang="ja-JP" altLang="en-US" sz="2800" dirty="0">
+                <a:latin typeface="HGｺﾞｼｯｸE" panose="020B0909000000000000" pitchFamily="49" charset="-128"/>
+                <a:ea typeface="HGｺﾞｼｯｸE" panose="020B0909000000000000" pitchFamily="49" charset="-128"/>
+              </a:rPr>
+              <a:t>日</a:t>
+            </a:r>
+            <a:r>
+              <a:rPr kumimoji="1" lang="en-US" altLang="ja-JP" sz="2800" dirty="0">
+                <a:latin typeface="HGｺﾞｼｯｸE" panose="020B0909000000000000" pitchFamily="49" charset="-128"/>
+                <a:ea typeface="HGｺﾞｼｯｸE" panose="020B0909000000000000" pitchFamily="49" charset="-128"/>
+              </a:rPr>
+              <a:t>1</a:t>
+            </a:r>
+            <a:r>
+              <a:rPr kumimoji="1" lang="ja-JP" altLang="en-US" sz="2800" dirty="0">
+                <a:latin typeface="HGｺﾞｼｯｸE" panose="020B0909000000000000" pitchFamily="49" charset="-128"/>
+                <a:ea typeface="HGｺﾞｼｯｸE" panose="020B0909000000000000" pitchFamily="49" charset="-128"/>
+              </a:rPr>
+              <a:t>回ログインボーナスを受け取れる機能</a:t>
+            </a:r>
+          </a:p>
+        </p:txBody>
+      </p:sp>
+      <p:sp>
+        <p:nvSpPr>
+          <p:cNvPr id="10" name="吹き出し: 角を丸めた四角形 9">
+            <a:extLst>
+              <a:ext uri="{FF2B5EF4-FFF2-40B4-BE49-F238E27FC236}">
+                <a16:creationId xmlns:a16="http://schemas.microsoft.com/office/drawing/2014/main" id="{86FCBA5F-0CAA-C123-E8B4-7F0AF442927B}"/>
               </a:ext>
             </a:extLst>
           </p:cNvPr>
@@ -5173,17 +5437,23 @@
         </p:nvSpPr>
         <p:spPr>
           <a:xfrm>
-            <a:off x="755104" y="1466355"/>
-            <a:ext cx="8286922" cy="774868"/>
-          </a:xfrm>
-          <a:prstGeom prst="roundRect">
-            <a:avLst/>
+            <a:off x="838199" y="3512876"/>
+            <a:ext cx="4831081" cy="643160"/>
+          </a:xfrm>
+          <a:prstGeom prst="wedgeRoundRectCallout">
+            <a:avLst>
+              <a:gd name="adj1" fmla="val 77204"/>
+              <a:gd name="adj2" fmla="val -173155"/>
+              <a:gd name="adj3" fmla="val 16667"/>
+            </a:avLst>
           </a:prstGeom>
           <a:solidFill>
-            <a:srgbClr val="FFA333"/>
+            <a:schemeClr val="bg1"/>
           </a:solidFill>
-          <a:ln w="38100">
-            <a:noFill/>
+          <a:ln>
+            <a:solidFill>
+              <a:srgbClr val="FFA333"/>
+            </a:solidFill>
           </a:ln>
         </p:spPr>
         <p:style>
@@ -5206,96 +5476,55 @@
           <a:bodyPr rtlCol="0" anchor="ctr"/>
           <a:lstStyle/>
           <a:p>
-            <a:pPr marL="0" indent="0">
-              <a:buNone/>
-            </a:pPr>
-            <a:r>
-              <a:rPr kumimoji="1" lang="ja-JP" altLang="en-US" sz="2800" dirty="0">
-                <a:latin typeface="HGｺﾞｼｯｸE" panose="020B0909000000000000" pitchFamily="49" charset="-128"/>
-                <a:ea typeface="HGｺﾞｼｯｸE" panose="020B0909000000000000" pitchFamily="49" charset="-128"/>
+            <a:r>
+              <a:rPr kumimoji="1" lang="en-US" altLang="ja-JP" sz="2400" dirty="0">
+                <a:solidFill>
+                  <a:schemeClr val="tx1"/>
+                </a:solidFill>
+                <a:latin typeface="HGｺﾞｼｯｸM" panose="020B0609000000000000" pitchFamily="49" charset="-128"/>
+                <a:ea typeface="HGｺﾞｼｯｸM" panose="020B0609000000000000" pitchFamily="49" charset="-128"/>
               </a:rPr>
-              <a:t>ミッション</a:t>
-            </a:r>
-            <a:r>
-              <a:rPr kumimoji="1" lang="en-US" altLang="ja-JP" sz="2800" dirty="0">
-                <a:latin typeface="HGｺﾞｼｯｸE" panose="020B0909000000000000" pitchFamily="49" charset="-128"/>
-                <a:ea typeface="HGｺﾞｼｯｸE" panose="020B0909000000000000" pitchFamily="49" charset="-128"/>
+              <a:t>T</a:t>
+            </a:r>
+            <a:r>
+              <a:rPr kumimoji="1" lang="ja-JP" altLang="en-US" sz="2400" dirty="0">
+                <a:solidFill>
+                  <a:schemeClr val="tx1"/>
+                </a:solidFill>
+                <a:latin typeface="HGｺﾞｼｯｸM" panose="020B0609000000000000" pitchFamily="49" charset="-128"/>
+                <a:ea typeface="HGｺﾞｼｯｸM" panose="020B0609000000000000" pitchFamily="49" charset="-128"/>
               </a:rPr>
-              <a:t>(</a:t>
-            </a:r>
-            <a:r>
-              <a:rPr kumimoji="1" lang="ja-JP" altLang="en-US" sz="2800" dirty="0">
-                <a:latin typeface="HGｺﾞｼｯｸE" panose="020B0909000000000000" pitchFamily="49" charset="-128"/>
-                <a:ea typeface="HGｺﾞｼｯｸE" panose="020B0909000000000000" pitchFamily="49" charset="-128"/>
+              <a:t>ポイントを</a:t>
+            </a:r>
+            <a:r>
+              <a:rPr kumimoji="1" lang="en-US" altLang="ja-JP" sz="2400" dirty="0">
+                <a:solidFill>
+                  <a:schemeClr val="tx1"/>
+                </a:solidFill>
+                <a:latin typeface="HGｺﾞｼｯｸM" panose="020B0609000000000000" pitchFamily="49" charset="-128"/>
+                <a:ea typeface="HGｺﾞｼｯｸM" panose="020B0609000000000000" pitchFamily="49" charset="-128"/>
               </a:rPr>
-              <a:t>目標</a:t>
-            </a:r>
-            <a:r>
-              <a:rPr kumimoji="1" lang="en-US" altLang="ja-JP" sz="2800" dirty="0">
-                <a:latin typeface="HGｺﾞｼｯｸE" panose="020B0909000000000000" pitchFamily="49" charset="-128"/>
-                <a:ea typeface="HGｺﾞｼｯｸE" panose="020B0909000000000000" pitchFamily="49" charset="-128"/>
+              <a:t>1</a:t>
+            </a:r>
+            <a:r>
+              <a:rPr kumimoji="1" lang="ja-JP" altLang="en-US" sz="2400" dirty="0">
+                <a:solidFill>
+                  <a:schemeClr val="tx1"/>
+                </a:solidFill>
+                <a:latin typeface="HGｺﾞｼｯｸM" panose="020B0609000000000000" pitchFamily="49" charset="-128"/>
+                <a:ea typeface="HGｺﾞｼｯｸM" panose="020B0609000000000000" pitchFamily="49" charset="-128"/>
               </a:rPr>
-              <a:t>)</a:t>
-            </a:r>
-            <a:r>
-              <a:rPr kumimoji="1" lang="ja-JP" altLang="en-US" sz="2800" dirty="0">
-                <a:latin typeface="HGｺﾞｼｯｸE" panose="020B0909000000000000" pitchFamily="49" charset="-128"/>
-                <a:ea typeface="HGｺﾞｼｯｸE" panose="020B0909000000000000" pitchFamily="49" charset="-128"/>
-              </a:rPr>
-              <a:t>がランダムに</a:t>
-            </a:r>
-            <a:r>
-              <a:rPr kumimoji="1" lang="en-US" altLang="ja-JP" sz="2800" dirty="0">
-                <a:latin typeface="HGｺﾞｼｯｸE" panose="020B0909000000000000" pitchFamily="49" charset="-128"/>
-                <a:ea typeface="HGｺﾞｼｯｸE" panose="020B0909000000000000" pitchFamily="49" charset="-128"/>
-              </a:rPr>
-              <a:t>3</a:t>
-            </a:r>
-            <a:r>
-              <a:rPr kumimoji="1" lang="ja-JP" altLang="en-US" sz="2800" dirty="0">
-                <a:latin typeface="HGｺﾞｼｯｸE" panose="020B0909000000000000" pitchFamily="49" charset="-128"/>
-                <a:ea typeface="HGｺﾞｼｯｸE" panose="020B0909000000000000" pitchFamily="49" charset="-128"/>
-              </a:rPr>
-              <a:t>つ表示される機能</a:t>
-            </a:r>
-          </a:p>
-        </p:txBody>
-      </p:sp>
-      <p:pic>
-        <p:nvPicPr>
-          <p:cNvPr id="20" name="図 19">
-            <a:extLst>
-              <a:ext uri="{FF2B5EF4-FFF2-40B4-BE49-F238E27FC236}">
-                <a16:creationId xmlns:a16="http://schemas.microsoft.com/office/drawing/2014/main" id="{C16EF957-07B5-8E90-4346-82CB8A6AD99B}"/>
-              </a:ext>
-            </a:extLst>
-          </p:cNvPr>
-          <p:cNvPicPr>
-            <a:picLocks noChangeAspect="1"/>
-          </p:cNvPicPr>
-          <p:nvPr/>
-        </p:nvPicPr>
-        <p:blipFill rotWithShape="1">
-          <a:blip r:embed="rId3"/>
-          <a:srcRect l="1198" t="12212" r="76859" b="7281"/>
-          <a:stretch/>
-        </p:blipFill>
-        <p:spPr>
-          <a:xfrm>
-            <a:off x="9195471" y="669788"/>
-            <a:ext cx="2894928" cy="5971644"/>
-          </a:xfrm>
-          <a:prstGeom prst="rect">
-            <a:avLst/>
-          </a:prstGeom>
-        </p:spPr>
-      </p:pic>
-      <p:sp>
-        <p:nvSpPr>
-          <p:cNvPr id="18" name="矢印: 右 17">
-            <a:extLst>
-              <a:ext uri="{FF2B5EF4-FFF2-40B4-BE49-F238E27FC236}">
-                <a16:creationId xmlns:a16="http://schemas.microsoft.com/office/drawing/2014/main" id="{7D816F2F-C85D-7CE4-36B2-3A67BCA52521}"/>
+              <a:t>ポイント受け取れる</a:t>
+            </a:r>
+          </a:p>
+        </p:txBody>
+      </p:sp>
+      <p:sp>
+        <p:nvSpPr>
+          <p:cNvPr id="11" name="吹き出し: 角を丸めた四角形 10">
+            <a:extLst>
+              <a:ext uri="{FF2B5EF4-FFF2-40B4-BE49-F238E27FC236}">
+                <a16:creationId xmlns:a16="http://schemas.microsoft.com/office/drawing/2014/main" id="{E62E73A6-95F8-8302-5266-1F0A4F99EFD2}"/>
               </a:ext>
             </a:extLst>
           </p:cNvPr>
@@ -5304,18 +5533,22 @@
         </p:nvSpPr>
         <p:spPr>
           <a:xfrm>
-            <a:off x="4251909" y="5032030"/>
-            <a:ext cx="5396295" cy="1177468"/>
-          </a:xfrm>
-          <a:prstGeom prst="rightArrow">
-            <a:avLst/>
+            <a:off x="753845" y="5860410"/>
+            <a:ext cx="4072874" cy="643160"/>
+          </a:xfrm>
+          <a:prstGeom prst="wedgeRoundRectCallout">
+            <a:avLst>
+              <a:gd name="adj1" fmla="val 65036"/>
+              <a:gd name="adj2" fmla="val -32925"/>
+              <a:gd name="adj3" fmla="val 16667"/>
+            </a:avLst>
           </a:prstGeom>
           <a:solidFill>
-            <a:schemeClr val="accent2"/>
+            <a:schemeClr val="bg1"/>
           </a:solidFill>
           <a:ln>
             <a:solidFill>
-              <a:schemeClr val="bg1"/>
+              <a:srgbClr val="FFA333"/>
             </a:solidFill>
           </a:ln>
         </p:spPr>
@@ -5339,399 +5572,40 @@
           <a:bodyPr rtlCol="0" anchor="ctr"/>
           <a:lstStyle/>
           <a:p>
-            <a:pPr algn="ctr"/>
-            <a:r>
-              <a:rPr kumimoji="1" lang="ja-JP" altLang="en-US" sz="2400" dirty="0">
-                <a:solidFill>
-                  <a:schemeClr val="bg1"/>
-                </a:solidFill>
-                <a:latin typeface="HGｺﾞｼｯｸE" panose="020B0909000000000000" pitchFamily="49" charset="-128"/>
-                <a:ea typeface="HGｺﾞｼｯｸE" panose="020B0909000000000000" pitchFamily="49" charset="-128"/>
-              </a:rPr>
-              <a:t>次の日</a:t>
-            </a:r>
-          </a:p>
-        </p:txBody>
-      </p:sp>
-      <p:sp>
-        <p:nvSpPr>
-          <p:cNvPr id="15" name="吹き出し: 角を丸めた四角形 14">
-            <a:extLst>
-              <a:ext uri="{FF2B5EF4-FFF2-40B4-BE49-F238E27FC236}">
-                <a16:creationId xmlns:a16="http://schemas.microsoft.com/office/drawing/2014/main" id="{C8C77640-489C-5ACF-587F-66FCE3ECB4E4}"/>
-              </a:ext>
-            </a:extLst>
-          </p:cNvPr>
-          <p:cNvSpPr/>
-          <p:nvPr/>
-        </p:nvSpPr>
-        <p:spPr>
-          <a:xfrm>
-            <a:off x="5515429" y="4377831"/>
-            <a:ext cx="3606103" cy="643160"/>
-          </a:xfrm>
-          <a:prstGeom prst="wedgeRoundRectCallout">
-            <a:avLst>
-              <a:gd name="adj1" fmla="val -15599"/>
-              <a:gd name="adj2" fmla="val 117267"/>
-              <a:gd name="adj3" fmla="val 16667"/>
-            </a:avLst>
-          </a:prstGeom>
-          <a:solidFill>
-            <a:schemeClr val="bg1"/>
-          </a:solidFill>
-          <a:ln>
-            <a:solidFill>
-              <a:srgbClr val="FFA333"/>
-            </a:solidFill>
-          </a:ln>
-        </p:spPr>
-        <p:style>
-          <a:lnRef idx="2">
-            <a:schemeClr val="accent1">
-              <a:shade val="50000"/>
-            </a:schemeClr>
-          </a:lnRef>
-          <a:fillRef idx="1">
-            <a:schemeClr val="accent1"/>
-          </a:fillRef>
-          <a:effectRef idx="0">
-            <a:schemeClr val="accent1"/>
-          </a:effectRef>
-          <a:fontRef idx="minor">
-            <a:schemeClr val="lt1"/>
-          </a:fontRef>
-        </p:style>
-        <p:txBody>
-          <a:bodyPr rtlCol="0" anchor="ctr"/>
-          <a:lstStyle/>
-          <a:p>
-            <a:r>
-              <a:rPr kumimoji="1" lang="ja-JP" altLang="en-US" sz="2400" dirty="0">
+            <a:r>
+              <a:rPr kumimoji="1" lang="en-US" altLang="ja-JP" sz="2400" dirty="0">
                 <a:solidFill>
                   <a:schemeClr val="tx1"/>
                 </a:solidFill>
                 <a:latin typeface="HGｺﾞｼｯｸM" panose="020B0609000000000000" pitchFamily="49" charset="-128"/>
                 <a:ea typeface="HGｺﾞｼｯｸM" panose="020B0609000000000000" pitchFamily="49" charset="-128"/>
               </a:rPr>
-              <a:t>ミッションは毎日変わる</a:t>
-            </a:r>
-          </a:p>
-        </p:txBody>
-      </p:sp>
-      <p:sp>
-        <p:nvSpPr>
-          <p:cNvPr id="14" name="吹き出し: 角を丸めた四角形 13">
-            <a:extLst>
-              <a:ext uri="{FF2B5EF4-FFF2-40B4-BE49-F238E27FC236}">
-                <a16:creationId xmlns:a16="http://schemas.microsoft.com/office/drawing/2014/main" id="{E43DA03E-DD9B-C6D7-29F7-8AF6697D56D1}"/>
-              </a:ext>
-            </a:extLst>
-          </p:cNvPr>
-          <p:cNvSpPr/>
-          <p:nvPr/>
-        </p:nvSpPr>
-        <p:spPr>
-          <a:xfrm>
-            <a:off x="4529409" y="2547861"/>
-            <a:ext cx="4841296" cy="643160"/>
-          </a:xfrm>
-          <a:prstGeom prst="wedgeRoundRectCallout">
-            <a:avLst>
-              <a:gd name="adj1" fmla="val 66064"/>
-              <a:gd name="adj2" fmla="val 15342"/>
-              <a:gd name="adj3" fmla="val 16667"/>
-            </a:avLst>
-          </a:prstGeom>
-          <a:solidFill>
-            <a:schemeClr val="bg1"/>
-          </a:solidFill>
-          <a:ln>
-            <a:solidFill>
-              <a:srgbClr val="FFA333"/>
-            </a:solidFill>
-          </a:ln>
-        </p:spPr>
-        <p:style>
-          <a:lnRef idx="2">
-            <a:schemeClr val="accent1">
-              <a:shade val="50000"/>
-            </a:schemeClr>
-          </a:lnRef>
-          <a:fillRef idx="1">
-            <a:schemeClr val="accent1"/>
-          </a:fillRef>
-          <a:effectRef idx="0">
-            <a:schemeClr val="accent1"/>
-          </a:effectRef>
-          <a:fontRef idx="minor">
-            <a:schemeClr val="lt1"/>
-          </a:fontRef>
-        </p:style>
-        <p:txBody>
-          <a:bodyPr rtlCol="0" anchor="ctr"/>
-          <a:lstStyle/>
-          <a:p>
-            <a:r>
-              <a:rPr kumimoji="1" lang="ja-JP" altLang="en-US" sz="2400" dirty="0">
+              <a:t>T</a:t>
+            </a:r>
+            <a:r>
+              <a:rPr lang="ja-JP" altLang="en-US" sz="2400" dirty="0">
                 <a:solidFill>
                   <a:schemeClr val="tx1"/>
                 </a:solidFill>
                 <a:latin typeface="HGｺﾞｼｯｸM" panose="020B0609000000000000" pitchFamily="49" charset="-128"/>
                 <a:ea typeface="HGｺﾞｼｯｸM" panose="020B0609000000000000" pitchFamily="49" charset="-128"/>
               </a:rPr>
-              <a:t>達成すると、経験値を獲得できる</a:t>
-            </a:r>
-          </a:p>
-        </p:txBody>
-      </p:sp>
-      <p:sp>
-        <p:nvSpPr>
-          <p:cNvPr id="21" name="四角形: 角を丸くする 20">
-            <a:extLst>
-              <a:ext uri="{FF2B5EF4-FFF2-40B4-BE49-F238E27FC236}">
-                <a16:creationId xmlns:a16="http://schemas.microsoft.com/office/drawing/2014/main" id="{1024AB4C-2C4C-A65A-0E1B-0160A449D927}"/>
-              </a:ext>
-            </a:extLst>
-          </p:cNvPr>
-          <p:cNvSpPr/>
-          <p:nvPr/>
-        </p:nvSpPr>
-        <p:spPr>
-          <a:xfrm>
-            <a:off x="2758456" y="3431631"/>
-            <a:ext cx="1218973" cy="404465"/>
-          </a:xfrm>
-          <a:prstGeom prst="roundRect">
-            <a:avLst/>
-          </a:prstGeom>
-          <a:noFill/>
-          <a:ln w="38100">
-            <a:solidFill>
-              <a:srgbClr val="FF0000"/>
-            </a:solidFill>
-          </a:ln>
-        </p:spPr>
-        <p:style>
-          <a:lnRef idx="2">
-            <a:schemeClr val="accent1">
-              <a:shade val="50000"/>
-            </a:schemeClr>
-          </a:lnRef>
-          <a:fillRef idx="1">
-            <a:schemeClr val="accent1"/>
-          </a:fillRef>
-          <a:effectRef idx="0">
-            <a:schemeClr val="accent1"/>
-          </a:effectRef>
-          <a:fontRef idx="minor">
-            <a:schemeClr val="lt1"/>
-          </a:fontRef>
-        </p:style>
-        <p:txBody>
-          <a:bodyPr rtlCol="0" anchor="ctr"/>
-          <a:lstStyle/>
-          <a:p>
-            <a:pPr algn="ctr"/>
-            <a:endParaRPr kumimoji="1" lang="ja-JP" altLang="en-US"/>
-          </a:p>
-        </p:txBody>
-      </p:sp>
-      <p:sp>
-        <p:nvSpPr>
-          <p:cNvPr id="22" name="四角形: 角を丸くする 21">
-            <a:extLst>
-              <a:ext uri="{FF2B5EF4-FFF2-40B4-BE49-F238E27FC236}">
-                <a16:creationId xmlns:a16="http://schemas.microsoft.com/office/drawing/2014/main" id="{481B492B-88E7-C919-2444-AC418A1D4D4A}"/>
-              </a:ext>
-            </a:extLst>
-          </p:cNvPr>
-          <p:cNvSpPr/>
-          <p:nvPr/>
-        </p:nvSpPr>
-        <p:spPr>
-          <a:xfrm>
-            <a:off x="2964321" y="4910978"/>
-            <a:ext cx="807244" cy="330814"/>
-          </a:xfrm>
-          <a:prstGeom prst="roundRect">
-            <a:avLst/>
-          </a:prstGeom>
-          <a:noFill/>
-          <a:ln w="38100">
-            <a:solidFill>
-              <a:srgbClr val="FF0000"/>
-            </a:solidFill>
-          </a:ln>
-        </p:spPr>
-        <p:style>
-          <a:lnRef idx="2">
-            <a:schemeClr val="accent1">
-              <a:shade val="50000"/>
-            </a:schemeClr>
-          </a:lnRef>
-          <a:fillRef idx="1">
-            <a:schemeClr val="accent1"/>
-          </a:fillRef>
-          <a:effectRef idx="0">
-            <a:schemeClr val="accent1"/>
-          </a:effectRef>
-          <a:fontRef idx="minor">
-            <a:schemeClr val="lt1"/>
-          </a:fontRef>
-        </p:style>
-        <p:txBody>
-          <a:bodyPr rtlCol="0" anchor="ctr"/>
-          <a:lstStyle/>
-          <a:p>
-            <a:pPr algn="ctr"/>
-            <a:endParaRPr kumimoji="1" lang="ja-JP" altLang="en-US"/>
-          </a:p>
-        </p:txBody>
-      </p:sp>
-      <p:sp>
-        <p:nvSpPr>
-          <p:cNvPr id="8" name="矢印: 五方向 7">
-            <a:extLst>
-              <a:ext uri="{FF2B5EF4-FFF2-40B4-BE49-F238E27FC236}">
-                <a16:creationId xmlns:a16="http://schemas.microsoft.com/office/drawing/2014/main" id="{9E2E119F-58E3-64B0-3065-4CB660F4F767}"/>
-              </a:ext>
-            </a:extLst>
-          </p:cNvPr>
-          <p:cNvSpPr/>
-          <p:nvPr/>
-        </p:nvSpPr>
-        <p:spPr>
-          <a:xfrm>
-            <a:off x="501027" y="3316219"/>
-            <a:ext cx="2295267" cy="584168"/>
-          </a:xfrm>
-          <a:prstGeom prst="homePlate">
-            <a:avLst/>
-          </a:prstGeom>
-          <a:solidFill>
-            <a:schemeClr val="accent4">
-              <a:lumMod val="40000"/>
-              <a:lumOff val="60000"/>
-            </a:schemeClr>
-          </a:solidFill>
-          <a:ln>
-            <a:solidFill>
-              <a:schemeClr val="bg1"/>
-            </a:solidFill>
-          </a:ln>
-        </p:spPr>
-        <p:style>
-          <a:lnRef idx="2">
-            <a:schemeClr val="accent1">
-              <a:shade val="50000"/>
-            </a:schemeClr>
-          </a:lnRef>
-          <a:fillRef idx="1">
-            <a:schemeClr val="accent1"/>
-          </a:fillRef>
-          <a:effectRef idx="0">
-            <a:schemeClr val="accent1"/>
-          </a:effectRef>
-          <a:fontRef idx="minor">
-            <a:schemeClr val="lt1"/>
-          </a:fontRef>
-        </p:style>
-        <p:txBody>
-          <a:bodyPr rtlCol="0" anchor="ctr"/>
-          <a:lstStyle/>
-          <a:p>
-            <a:pPr algn="ctr"/>
-            <a:r>
-              <a:rPr lang="ja-JP" altLang="en-US" sz="2400" dirty="0">
-                <a:solidFill>
-                  <a:schemeClr val="accent2">
-                    <a:lumMod val="75000"/>
-                  </a:schemeClr>
-                </a:solidFill>
-              </a:rPr>
-              <a:t>ミッション</a:t>
+              <a:t>ポイントで卵を購入できる</a:t>
             </a:r>
             <a:endParaRPr kumimoji="1" lang="ja-JP" altLang="en-US" sz="2400" dirty="0">
               <a:solidFill>
-                <a:schemeClr val="accent2">
-                  <a:lumMod val="75000"/>
-                </a:schemeClr>
+                <a:schemeClr val="tx1"/>
               </a:solidFill>
+              <a:latin typeface="HGｺﾞｼｯｸM" panose="020B0609000000000000" pitchFamily="49" charset="-128"/>
+              <a:ea typeface="HGｺﾞｼｯｸM" panose="020B0609000000000000" pitchFamily="49" charset="-128"/>
             </a:endParaRPr>
-          </a:p>
-        </p:txBody>
-      </p:sp>
-      <p:sp>
-        <p:nvSpPr>
-          <p:cNvPr id="7" name="矢印: 五方向 6">
-            <a:extLst>
-              <a:ext uri="{FF2B5EF4-FFF2-40B4-BE49-F238E27FC236}">
-                <a16:creationId xmlns:a16="http://schemas.microsoft.com/office/drawing/2014/main" id="{62867909-0D17-57A7-C75A-0C399AFCFAD6}"/>
-              </a:ext>
-            </a:extLst>
-          </p:cNvPr>
-          <p:cNvSpPr/>
-          <p:nvPr/>
-        </p:nvSpPr>
-        <p:spPr>
-          <a:xfrm>
-            <a:off x="473792" y="4739946"/>
-            <a:ext cx="2490529" cy="584168"/>
-          </a:xfrm>
-          <a:prstGeom prst="homePlate">
-            <a:avLst/>
-          </a:prstGeom>
-          <a:solidFill>
-            <a:schemeClr val="accent4">
-              <a:lumMod val="40000"/>
-              <a:lumOff val="60000"/>
-            </a:schemeClr>
-          </a:solidFill>
-          <a:ln>
-            <a:solidFill>
-              <a:schemeClr val="bg1"/>
-            </a:solidFill>
-          </a:ln>
-        </p:spPr>
-        <p:style>
-          <a:lnRef idx="2">
-            <a:schemeClr val="accent1">
-              <a:shade val="50000"/>
-            </a:schemeClr>
-          </a:lnRef>
-          <a:fillRef idx="1">
-            <a:schemeClr val="accent1"/>
-          </a:fillRef>
-          <a:effectRef idx="0">
-            <a:schemeClr val="accent1"/>
-          </a:effectRef>
-          <a:fontRef idx="minor">
-            <a:schemeClr val="lt1"/>
-          </a:fontRef>
-        </p:style>
-        <p:txBody>
-          <a:bodyPr rtlCol="0" anchor="ctr"/>
-          <a:lstStyle/>
-          <a:p>
-            <a:pPr algn="ctr"/>
-            <a:r>
-              <a:rPr kumimoji="1" lang="ja-JP" altLang="en-US" sz="2400" dirty="0">
-                <a:solidFill>
-                  <a:schemeClr val="accent2">
-                    <a:lumMod val="75000"/>
-                  </a:schemeClr>
-                </a:solidFill>
-              </a:rPr>
-              <a:t>達成ボタン</a:t>
-            </a:r>
           </a:p>
         </p:txBody>
       </p:sp>
     </p:spTree>
     <p:extLst>
       <p:ext uri="{BB962C8B-B14F-4D97-AF65-F5344CB8AC3E}">
-        <p14:creationId xmlns:p14="http://schemas.microsoft.com/office/powerpoint/2010/main" val="3925736772"/>
+        <p14:creationId xmlns:p14="http://schemas.microsoft.com/office/powerpoint/2010/main" val="1210176406"/>
       </p:ext>
     </p:extLst>
   </p:cSld>
@@ -5760,10 +5634,10 @@
       </p:grpSpPr>
       <p:sp>
         <p:nvSpPr>
-          <p:cNvPr id="25" name="楕円 24">
-            <a:extLst>
-              <a:ext uri="{FF2B5EF4-FFF2-40B4-BE49-F238E27FC236}">
-                <a16:creationId xmlns:a16="http://schemas.microsoft.com/office/drawing/2014/main" id="{9FC3F8DA-C9E5-9E47-831D-C1A84E25440F}"/>
+          <p:cNvPr id="23" name="楕円 22">
+            <a:extLst>
+              <a:ext uri="{FF2B5EF4-FFF2-40B4-BE49-F238E27FC236}">
+                <a16:creationId xmlns:a16="http://schemas.microsoft.com/office/drawing/2014/main" id="{32F192D6-B901-0977-32EE-C296005A9997}"/>
               </a:ext>
             </a:extLst>
           </p:cNvPr>
@@ -5772,7 +5646,7 @@
         </p:nvSpPr>
         <p:spPr>
           <a:xfrm>
-            <a:off x="755104" y="2404484"/>
+            <a:off x="171215" y="2391287"/>
             <a:ext cx="2470489" cy="774868"/>
           </a:xfrm>
           <a:prstGeom prst="ellipse">
@@ -5813,53 +5687,17 @@
                 <a:latin typeface="HGｺﾞｼｯｸE" panose="020B0909000000000000" pitchFamily="49" charset="-128"/>
                 <a:ea typeface="HGｺﾞｼｯｸE" panose="020B0909000000000000" pitchFamily="49" charset="-128"/>
               </a:rPr>
-              <a:t>卵購入画面</a:t>
-            </a:r>
-          </a:p>
-        </p:txBody>
-      </p:sp>
-      <p:sp>
-        <p:nvSpPr>
-          <p:cNvPr id="2" name="タイトル 1">
-            <a:extLst>
-              <a:ext uri="{FF2B5EF4-FFF2-40B4-BE49-F238E27FC236}">
-                <a16:creationId xmlns:a16="http://schemas.microsoft.com/office/drawing/2014/main" id="{693A6AA4-E421-2B25-F07B-E8469B9F6618}"/>
-              </a:ext>
-            </a:extLst>
-          </p:cNvPr>
-          <p:cNvSpPr>
-            <a:spLocks noGrp="1"/>
-          </p:cNvSpPr>
-          <p:nvPr>
-            <p:ph type="title"/>
-          </p:nvPr>
-        </p:nvSpPr>
-        <p:spPr/>
-        <p:txBody>
-          <a:bodyPr/>
-          <a:lstStyle/>
-          <a:p>
-            <a:r>
-              <a:rPr kumimoji="1" lang="ja-JP" altLang="en-US" dirty="0">
-                <a:solidFill>
-                  <a:schemeClr val="accent2">
-                    <a:lumMod val="75000"/>
-                  </a:schemeClr>
-                </a:solidFill>
-                <a:latin typeface="HGS創英角ｺﾞｼｯｸUB" panose="020B0900000000000000" pitchFamily="50" charset="-128"/>
-                <a:ea typeface="HGS創英角ｺﾞｼｯｸUB" panose="020B0900000000000000" pitchFamily="50" charset="-128"/>
-              </a:rPr>
-              <a:t>卵購入機能</a:t>
-            </a:r>
-          </a:p>
-        </p:txBody>
-      </p:sp>
-      <p:sp>
-        <p:nvSpPr>
-          <p:cNvPr id="4" name="正方形/長方形 3">
-            <a:extLst>
-              <a:ext uri="{FF2B5EF4-FFF2-40B4-BE49-F238E27FC236}">
-                <a16:creationId xmlns:a16="http://schemas.microsoft.com/office/drawing/2014/main" id="{8D4BFF91-F974-86CB-B22A-383FA607997E}"/>
+              <a:t>メイン画面</a:t>
+            </a:r>
+          </a:p>
+        </p:txBody>
+      </p:sp>
+      <p:sp>
+        <p:nvSpPr>
+          <p:cNvPr id="6" name="楕円 5">
+            <a:extLst>
+              <a:ext uri="{FF2B5EF4-FFF2-40B4-BE49-F238E27FC236}">
+                <a16:creationId xmlns:a16="http://schemas.microsoft.com/office/drawing/2014/main" id="{00464384-0403-04E4-5519-8F4BBD998AB4}"/>
               </a:ext>
             </a:extLst>
           </p:cNvPr>
@@ -5868,12 +5706,20 @@
         </p:nvSpPr>
         <p:spPr>
           <a:xfrm>
-            <a:off x="755104" y="3036628"/>
-            <a:ext cx="5533154" cy="3496878"/>
-          </a:xfrm>
-          <a:prstGeom prst="rect">
+            <a:off x="9042026" y="73825"/>
+            <a:ext cx="2470489" cy="774868"/>
+          </a:xfrm>
+          <a:prstGeom prst="ellipse">
             <a:avLst/>
           </a:prstGeom>
+          <a:solidFill>
+            <a:schemeClr val="accent2"/>
+          </a:solidFill>
+          <a:ln>
+            <a:solidFill>
+              <a:schemeClr val="bg1"/>
+            </a:solidFill>
+          </a:ln>
         </p:spPr>
         <p:style>
           <a:lnRef idx="2">
@@ -5897,18 +5743,57 @@
           <a:p>
             <a:pPr algn="ctr"/>
             <a:r>
-              <a:rPr kumimoji="1" lang="ja-JP" altLang="en-US" dirty="0"/>
-              <a:t>卵購入画面のスクショ</a:t>
+              <a:rPr kumimoji="1" lang="ja-JP" altLang="en-US" sz="2400" dirty="0">
+                <a:latin typeface="HGｺﾞｼｯｸE" panose="020B0909000000000000" pitchFamily="49" charset="-128"/>
+                <a:ea typeface="HGｺﾞｼｯｸE" panose="020B0909000000000000" pitchFamily="49" charset="-128"/>
+              </a:rPr>
+              <a:t>メイン画面</a:t>
+            </a:r>
+          </a:p>
+        </p:txBody>
+      </p:sp>
+      <p:sp>
+        <p:nvSpPr>
+          <p:cNvPr id="2" name="タイトル 1">
+            <a:extLst>
+              <a:ext uri="{FF2B5EF4-FFF2-40B4-BE49-F238E27FC236}">
+                <a16:creationId xmlns:a16="http://schemas.microsoft.com/office/drawing/2014/main" id="{693A6AA4-E421-2B25-F07B-E8469B9F6618}"/>
+              </a:ext>
+            </a:extLst>
+          </p:cNvPr>
+          <p:cNvSpPr>
+            <a:spLocks noGrp="1"/>
+          </p:cNvSpPr>
+          <p:nvPr>
+            <p:ph type="title"/>
+          </p:nvPr>
+        </p:nvSpPr>
+        <p:spPr/>
+        <p:txBody>
+          <a:bodyPr/>
+          <a:lstStyle/>
+          <a:p>
+            <a:r>
+              <a:rPr kumimoji="1" lang="ja-JP" altLang="en-US" dirty="0">
+                <a:solidFill>
+                  <a:schemeClr val="accent2">
+                    <a:lumMod val="50000"/>
+                  </a:schemeClr>
+                </a:solidFill>
+                <a:latin typeface="HGS創英角ｺﾞｼｯｸUB" panose="020B0900000000000000" pitchFamily="50" charset="-128"/>
+                <a:ea typeface="HGS創英角ｺﾞｼｯｸUB" panose="020B0900000000000000" pitchFamily="50" charset="-128"/>
+              </a:rPr>
+              <a:t>デイリーミッション機能</a:t>
             </a:r>
           </a:p>
         </p:txBody>
       </p:sp>
       <p:pic>
         <p:nvPicPr>
-          <p:cNvPr id="12" name="図 11" descr="グラフ, ヒストグラム&#10;&#10;自動的に生成された説明">
-            <a:extLst>
-              <a:ext uri="{FF2B5EF4-FFF2-40B4-BE49-F238E27FC236}">
-                <a16:creationId xmlns:a16="http://schemas.microsoft.com/office/drawing/2014/main" id="{61707A50-E7C8-23C8-4644-A585C7296D67}"/>
+          <p:cNvPr id="5" name="図 4">
+            <a:extLst>
+              <a:ext uri="{FF2B5EF4-FFF2-40B4-BE49-F238E27FC236}">
+                <a16:creationId xmlns:a16="http://schemas.microsoft.com/office/drawing/2014/main" id="{9E67EE7E-EBB4-120F-DE4B-6B3BBF94355C}"/>
               </a:ext>
             </a:extLst>
           </p:cNvPr>
@@ -5917,22 +5802,15 @@
           </p:cNvPicPr>
           <p:nvPr/>
         </p:nvPicPr>
-        <p:blipFill>
-          <a:blip r:embed="rId3">
-            <a:extLst>
-              <a:ext uri="{28A0092B-C50C-407E-A947-70E740481C1C}">
-                <a14:useLocalDpi xmlns:a14="http://schemas.microsoft.com/office/drawing/2010/main" val="0"/>
-              </a:ext>
-            </a:extLst>
-          </a:blip>
-          <a:stretch>
-            <a:fillRect/>
-          </a:stretch>
+        <p:blipFill rotWithShape="1">
+          <a:blip r:embed="rId2"/>
+          <a:srcRect l="1039" t="11878" r="76461" b="7467"/>
+          <a:stretch/>
         </p:blipFill>
         <p:spPr>
           <a:xfrm>
-            <a:off x="10782300" y="2537587"/>
-            <a:ext cx="1143000" cy="1143000"/>
+            <a:off x="2340114" y="2365829"/>
+            <a:ext cx="2121483" cy="4275603"/>
           </a:xfrm>
           <a:prstGeom prst="rect">
             <a:avLst/>
@@ -5941,10 +5819,10 @@
       </p:pic>
       <p:sp>
         <p:nvSpPr>
-          <p:cNvPr id="17" name="四角形: 角を丸くする 16">
-            <a:extLst>
-              <a:ext uri="{FF2B5EF4-FFF2-40B4-BE49-F238E27FC236}">
-                <a16:creationId xmlns:a16="http://schemas.microsoft.com/office/drawing/2014/main" id="{06BD75DE-701A-518D-3F9D-09722BE4C9B0}"/>
+          <p:cNvPr id="9" name="四角形: 角を丸くする 8">
+            <a:extLst>
+              <a:ext uri="{FF2B5EF4-FFF2-40B4-BE49-F238E27FC236}">
+                <a16:creationId xmlns:a16="http://schemas.microsoft.com/office/drawing/2014/main" id="{DC6CFDCD-4667-1173-D654-71D37E90A832}"/>
               </a:ext>
             </a:extLst>
           </p:cNvPr>
@@ -5953,17 +5831,17 @@
         </p:nvSpPr>
         <p:spPr>
           <a:xfrm>
-            <a:off x="755104" y="1466355"/>
-            <a:ext cx="7735753" cy="774868"/>
+            <a:off x="9757228" y="2216540"/>
+            <a:ext cx="1679668" cy="562181"/>
           </a:xfrm>
           <a:prstGeom prst="roundRect">
             <a:avLst/>
           </a:prstGeom>
-          <a:solidFill>
-            <a:srgbClr val="FFA333"/>
-          </a:solidFill>
+          <a:noFill/>
           <a:ln w="38100">
-            <a:noFill/>
+            <a:solidFill>
+              <a:srgbClr val="FF0000"/>
+            </a:solidFill>
           </a:ln>
         </p:spPr>
         <p:style>
@@ -5986,26 +5864,17 @@
           <a:bodyPr rtlCol="0" anchor="ctr"/>
           <a:lstStyle/>
           <a:p>
-            <a:r>
-              <a:rPr kumimoji="1" lang="ja-JP" altLang="en-US" sz="2800" dirty="0">
-                <a:latin typeface="HGｺﾞｼｯｸE" panose="020B0909000000000000" pitchFamily="49" charset="-128"/>
-                <a:ea typeface="HGｺﾞｼｯｸE" panose="020B0909000000000000" pitchFamily="49" charset="-128"/>
-              </a:rPr>
-              <a:t>キャラクターの元である、卵を購入できる機能</a:t>
-            </a:r>
-            <a:endParaRPr kumimoji="1" lang="en-US" altLang="ja-JP" sz="2800" dirty="0">
-              <a:latin typeface="HGｺﾞｼｯｸE" panose="020B0909000000000000" pitchFamily="49" charset="-128"/>
-              <a:ea typeface="HGｺﾞｼｯｸE" panose="020B0909000000000000" pitchFamily="49" charset="-128"/>
-            </a:endParaRPr>
-          </a:p>
-        </p:txBody>
-      </p:sp>
-      <p:sp>
-        <p:nvSpPr>
-          <p:cNvPr id="18" name="吹き出し: 角を丸めた四角形 17">
-            <a:extLst>
-              <a:ext uri="{FF2B5EF4-FFF2-40B4-BE49-F238E27FC236}">
-                <a16:creationId xmlns:a16="http://schemas.microsoft.com/office/drawing/2014/main" id="{31AA7376-8079-B650-299D-1196DB4F5B61}"/>
+            <a:pPr algn="ctr"/>
+            <a:endParaRPr kumimoji="1" lang="ja-JP" altLang="en-US"/>
+          </a:p>
+        </p:txBody>
+      </p:sp>
+      <p:sp>
+        <p:nvSpPr>
+          <p:cNvPr id="10" name="四角形: 角を丸くする 9">
+            <a:extLst>
+              <a:ext uri="{FF2B5EF4-FFF2-40B4-BE49-F238E27FC236}">
+                <a16:creationId xmlns:a16="http://schemas.microsoft.com/office/drawing/2014/main" id="{9E3C1482-09C1-5CAC-B906-084C8568B86A}"/>
               </a:ext>
             </a:extLst>
           </p:cNvPr>
@@ -6014,22 +5883,16 @@
         </p:nvSpPr>
         <p:spPr>
           <a:xfrm>
-            <a:off x="6396745" y="2723030"/>
-            <a:ext cx="3945250" cy="772114"/>
-          </a:xfrm>
-          <a:prstGeom prst="wedgeRoundRectCallout">
-            <a:avLst>
-              <a:gd name="adj1" fmla="val 58521"/>
-              <a:gd name="adj2" fmla="val 15342"/>
-              <a:gd name="adj3" fmla="val 16667"/>
-            </a:avLst>
+            <a:off x="10022499" y="4339204"/>
+            <a:ext cx="1166934" cy="562181"/>
+          </a:xfrm>
+          <a:prstGeom prst="roundRect">
+            <a:avLst/>
           </a:prstGeom>
-          <a:solidFill>
-            <a:schemeClr val="bg1"/>
-          </a:solidFill>
-          <a:ln>
+          <a:noFill/>
+          <a:ln w="38100">
             <a:solidFill>
-              <a:srgbClr val="FFA333"/>
+              <a:srgbClr val="FF0000"/>
             </a:solidFill>
           </a:ln>
         </p:spPr>
@@ -6053,130 +5916,17 @@
           <a:bodyPr rtlCol="0" anchor="ctr"/>
           <a:lstStyle/>
           <a:p>
-            <a:r>
-              <a:rPr kumimoji="1" lang="en-US" altLang="ja-JP" sz="2400" dirty="0">
-                <a:solidFill>
-                  <a:schemeClr val="tx1"/>
-                </a:solidFill>
-                <a:latin typeface="HGｺﾞｼｯｸM" panose="020B0609000000000000" pitchFamily="49" charset="-128"/>
-                <a:ea typeface="HGｺﾞｼｯｸM" panose="020B0609000000000000" pitchFamily="49" charset="-128"/>
-              </a:rPr>
-              <a:t>5</a:t>
-            </a:r>
-            <a:r>
-              <a:rPr kumimoji="1" lang="ja-JP" altLang="en-US" sz="2400" dirty="0">
-                <a:solidFill>
-                  <a:schemeClr val="tx1"/>
-                </a:solidFill>
-                <a:latin typeface="HGｺﾞｼｯｸM" panose="020B0609000000000000" pitchFamily="49" charset="-128"/>
-                <a:ea typeface="HGｺﾞｼｯｸM" panose="020B0609000000000000" pitchFamily="49" charset="-128"/>
-              </a:rPr>
-              <a:t>ポイント（</a:t>
-            </a:r>
-            <a:r>
-              <a:rPr lang="en-US" altLang="ja-JP" sz="2400" dirty="0">
-                <a:solidFill>
-                  <a:schemeClr val="tx1"/>
-                </a:solidFill>
-                <a:latin typeface="HGｺﾞｼｯｸM" panose="020B0609000000000000" pitchFamily="49" charset="-128"/>
-                <a:ea typeface="HGｺﾞｼｯｸM" panose="020B0609000000000000" pitchFamily="49" charset="-128"/>
-              </a:rPr>
-              <a:t>T</a:t>
-            </a:r>
-            <a:r>
-              <a:rPr lang="ja-JP" altLang="en-US" sz="2400" dirty="0">
-                <a:solidFill>
-                  <a:schemeClr val="tx1"/>
-                </a:solidFill>
-                <a:latin typeface="HGｺﾞｼｯｸM" panose="020B0609000000000000" pitchFamily="49" charset="-128"/>
-                <a:ea typeface="HGｺﾞｼｯｸM" panose="020B0609000000000000" pitchFamily="49" charset="-128"/>
-              </a:rPr>
-              <a:t>ポイント）</a:t>
-            </a:r>
-            <a:r>
-              <a:rPr kumimoji="1" lang="ja-JP" altLang="en-US" sz="2400" dirty="0">
-                <a:solidFill>
-                  <a:schemeClr val="tx1"/>
-                </a:solidFill>
-                <a:latin typeface="HGｺﾞｼｯｸM" panose="020B0609000000000000" pitchFamily="49" charset="-128"/>
-                <a:ea typeface="HGｺﾞｼｯｸM" panose="020B0609000000000000" pitchFamily="49" charset="-128"/>
-              </a:rPr>
-              <a:t>で</a:t>
-            </a:r>
-            <a:br>
-              <a:rPr kumimoji="1" lang="ja-JP" altLang="en-US" sz="2400" dirty="0">
-                <a:solidFill>
-                  <a:schemeClr val="tx1"/>
-                </a:solidFill>
-                <a:latin typeface="HGｺﾞｼｯｸM" panose="020B0609000000000000" pitchFamily="49" charset="-128"/>
-                <a:ea typeface="HGｺﾞｼｯｸM" panose="020B0609000000000000" pitchFamily="49" charset="-128"/>
-              </a:rPr>
-            </a:br>
-            <a:r>
-              <a:rPr kumimoji="1" lang="en-US" altLang="ja-JP" sz="2400" dirty="0">
-                <a:solidFill>
-                  <a:schemeClr val="tx1"/>
-                </a:solidFill>
-                <a:latin typeface="HGｺﾞｼｯｸM" panose="020B0609000000000000" pitchFamily="49" charset="-128"/>
-                <a:ea typeface="HGｺﾞｼｯｸM" panose="020B0609000000000000" pitchFamily="49" charset="-128"/>
-              </a:rPr>
-              <a:t>1</a:t>
-            </a:r>
-            <a:r>
-              <a:rPr kumimoji="1" lang="ja-JP" altLang="en-US" sz="2400" dirty="0">
-                <a:solidFill>
-                  <a:schemeClr val="tx1"/>
-                </a:solidFill>
-                <a:latin typeface="HGｺﾞｼｯｸM" panose="020B0609000000000000" pitchFamily="49" charset="-128"/>
-                <a:ea typeface="HGｺﾞｼｯｸM" panose="020B0609000000000000" pitchFamily="49" charset="-128"/>
-              </a:rPr>
-              <a:t>個購入できる</a:t>
-            </a:r>
-          </a:p>
-        </p:txBody>
-      </p:sp>
-      <p:pic>
-        <p:nvPicPr>
-          <p:cNvPr id="19" name="図 18" descr="おもちゃ, レゴ, 挿絵 が含まれている画像&#10;&#10;自動的に生成された説明">
-            <a:extLst>
-              <a:ext uri="{FF2B5EF4-FFF2-40B4-BE49-F238E27FC236}">
-                <a16:creationId xmlns:a16="http://schemas.microsoft.com/office/drawing/2014/main" id="{2F551960-D587-6909-1E2F-1712732265BF}"/>
-              </a:ext>
-            </a:extLst>
-          </p:cNvPr>
-          <p:cNvPicPr>
-            <a:picLocks noChangeAspect="1"/>
-          </p:cNvPicPr>
-          <p:nvPr/>
-        </p:nvPicPr>
-        <p:blipFill>
-          <a:blip r:embed="rId4">
-            <a:extLst>
-              <a:ext uri="{28A0092B-C50C-407E-A947-70E740481C1C}">
-                <a14:useLocalDpi xmlns:a14="http://schemas.microsoft.com/office/drawing/2010/main" val="0"/>
-              </a:ext>
-            </a:extLst>
-          </a:blip>
-          <a:stretch>
-            <a:fillRect/>
-          </a:stretch>
-        </p:blipFill>
-        <p:spPr>
-          <a:xfrm>
-            <a:off x="10782300" y="5349875"/>
-            <a:ext cx="1143000" cy="1143000"/>
-          </a:xfrm>
-          <a:prstGeom prst="rect">
-            <a:avLst/>
-          </a:prstGeom>
-        </p:spPr>
-      </p:pic>
-      <p:sp>
-        <p:nvSpPr>
-          <p:cNvPr id="23" name="矢印: 下 22">
-            <a:extLst>
-              <a:ext uri="{FF2B5EF4-FFF2-40B4-BE49-F238E27FC236}">
-                <a16:creationId xmlns:a16="http://schemas.microsoft.com/office/drawing/2014/main" id="{10444E53-F84D-645D-B350-2A769B40BA92}"/>
+            <a:pPr algn="ctr"/>
+            <a:endParaRPr kumimoji="1" lang="ja-JP" altLang="en-US"/>
+          </a:p>
+        </p:txBody>
+      </p:sp>
+      <p:sp>
+        <p:nvSpPr>
+          <p:cNvPr id="12" name="四角形: 角を丸くする 11">
+            <a:extLst>
+              <a:ext uri="{FF2B5EF4-FFF2-40B4-BE49-F238E27FC236}">
+                <a16:creationId xmlns:a16="http://schemas.microsoft.com/office/drawing/2014/main" id="{01CBC4AE-9771-7D6E-7FC9-8D95CBE4ADC5}"/>
               </a:ext>
             </a:extLst>
           </p:cNvPr>
@@ -6185,19 +5935,17 @@
         </p:nvSpPr>
         <p:spPr>
           <a:xfrm>
-            <a:off x="10782300" y="3812346"/>
-            <a:ext cx="1143000" cy="1463107"/>
-          </a:xfrm>
-          <a:prstGeom prst="downArrow">
+            <a:off x="755104" y="1466355"/>
+            <a:ext cx="8286922" cy="774868"/>
+          </a:xfrm>
+          <a:prstGeom prst="roundRect">
             <a:avLst/>
           </a:prstGeom>
           <a:solidFill>
-            <a:schemeClr val="accent2"/>
+            <a:srgbClr val="FFA333"/>
           </a:solidFill>
-          <a:ln>
-            <a:solidFill>
-              <a:schemeClr val="bg1"/>
-            </a:solidFill>
+          <a:ln w="38100">
+            <a:noFill/>
           </a:ln>
         </p:spPr>
         <p:style>
@@ -6220,26 +5968,96 @@
           <a:bodyPr rtlCol="0" anchor="ctr"/>
           <a:lstStyle/>
           <a:p>
-            <a:pPr algn="ctr"/>
-            <a:r>
-              <a:rPr lang="ja-JP" altLang="en-US" sz="2400" dirty="0">
-                <a:solidFill>
-                  <a:schemeClr val="bg1"/>
-                </a:solidFill>
+            <a:pPr marL="0" indent="0">
+              <a:buNone/>
+            </a:pPr>
+            <a:r>
+              <a:rPr kumimoji="1" lang="ja-JP" altLang="en-US" sz="2800" dirty="0">
                 <a:latin typeface="HGｺﾞｼｯｸE" panose="020B0909000000000000" pitchFamily="49" charset="-128"/>
                 <a:ea typeface="HGｺﾞｼｯｸE" panose="020B0909000000000000" pitchFamily="49" charset="-128"/>
               </a:rPr>
-              <a:t>孵化</a:t>
-            </a:r>
-          </a:p>
-        </p:txBody>
-      </p:sp>
-      <p:sp>
-        <p:nvSpPr>
-          <p:cNvPr id="24" name="吹き出し: 角を丸めた四角形 23">
-            <a:extLst>
-              <a:ext uri="{FF2B5EF4-FFF2-40B4-BE49-F238E27FC236}">
-                <a16:creationId xmlns:a16="http://schemas.microsoft.com/office/drawing/2014/main" id="{D3D8DE16-18AC-77C1-6C2E-93412BFB678B}"/>
+              <a:t>ミッション</a:t>
+            </a:r>
+            <a:r>
+              <a:rPr kumimoji="1" lang="en-US" altLang="ja-JP" sz="2800" dirty="0">
+                <a:latin typeface="HGｺﾞｼｯｸE" panose="020B0909000000000000" pitchFamily="49" charset="-128"/>
+                <a:ea typeface="HGｺﾞｼｯｸE" panose="020B0909000000000000" pitchFamily="49" charset="-128"/>
+              </a:rPr>
+              <a:t>(</a:t>
+            </a:r>
+            <a:r>
+              <a:rPr kumimoji="1" lang="ja-JP" altLang="en-US" sz="2800" dirty="0">
+                <a:latin typeface="HGｺﾞｼｯｸE" panose="020B0909000000000000" pitchFamily="49" charset="-128"/>
+                <a:ea typeface="HGｺﾞｼｯｸE" panose="020B0909000000000000" pitchFamily="49" charset="-128"/>
+              </a:rPr>
+              <a:t>目標</a:t>
+            </a:r>
+            <a:r>
+              <a:rPr kumimoji="1" lang="en-US" altLang="ja-JP" sz="2800" dirty="0">
+                <a:latin typeface="HGｺﾞｼｯｸE" panose="020B0909000000000000" pitchFamily="49" charset="-128"/>
+                <a:ea typeface="HGｺﾞｼｯｸE" panose="020B0909000000000000" pitchFamily="49" charset="-128"/>
+              </a:rPr>
+              <a:t>)</a:t>
+            </a:r>
+            <a:r>
+              <a:rPr kumimoji="1" lang="ja-JP" altLang="en-US" sz="2800" dirty="0">
+                <a:latin typeface="HGｺﾞｼｯｸE" panose="020B0909000000000000" pitchFamily="49" charset="-128"/>
+                <a:ea typeface="HGｺﾞｼｯｸE" panose="020B0909000000000000" pitchFamily="49" charset="-128"/>
+              </a:rPr>
+              <a:t>がランダムに</a:t>
+            </a:r>
+            <a:r>
+              <a:rPr kumimoji="1" lang="en-US" altLang="ja-JP" sz="2800" dirty="0">
+                <a:latin typeface="HGｺﾞｼｯｸE" panose="020B0909000000000000" pitchFamily="49" charset="-128"/>
+                <a:ea typeface="HGｺﾞｼｯｸE" panose="020B0909000000000000" pitchFamily="49" charset="-128"/>
+              </a:rPr>
+              <a:t>3</a:t>
+            </a:r>
+            <a:r>
+              <a:rPr kumimoji="1" lang="ja-JP" altLang="en-US" sz="2800" dirty="0">
+                <a:latin typeface="HGｺﾞｼｯｸE" panose="020B0909000000000000" pitchFamily="49" charset="-128"/>
+                <a:ea typeface="HGｺﾞｼｯｸE" panose="020B0909000000000000" pitchFamily="49" charset="-128"/>
+              </a:rPr>
+              <a:t>つ表示される機能</a:t>
+            </a:r>
+          </a:p>
+        </p:txBody>
+      </p:sp>
+      <p:pic>
+        <p:nvPicPr>
+          <p:cNvPr id="20" name="図 19">
+            <a:extLst>
+              <a:ext uri="{FF2B5EF4-FFF2-40B4-BE49-F238E27FC236}">
+                <a16:creationId xmlns:a16="http://schemas.microsoft.com/office/drawing/2014/main" id="{C16EF957-07B5-8E90-4346-82CB8A6AD99B}"/>
+              </a:ext>
+            </a:extLst>
+          </p:cNvPr>
+          <p:cNvPicPr>
+            <a:picLocks noChangeAspect="1"/>
+          </p:cNvPicPr>
+          <p:nvPr/>
+        </p:nvPicPr>
+        <p:blipFill rotWithShape="1">
+          <a:blip r:embed="rId3"/>
+          <a:srcRect l="1198" t="12212" r="76859" b="7281"/>
+          <a:stretch/>
+        </p:blipFill>
+        <p:spPr>
+          <a:xfrm>
+            <a:off x="9195471" y="669788"/>
+            <a:ext cx="2894928" cy="5971644"/>
+          </a:xfrm>
+          <a:prstGeom prst="rect">
+            <a:avLst/>
+          </a:prstGeom>
+        </p:spPr>
+      </p:pic>
+      <p:sp>
+        <p:nvSpPr>
+          <p:cNvPr id="18" name="矢印: 右 17">
+            <a:extLst>
+              <a:ext uri="{FF2B5EF4-FFF2-40B4-BE49-F238E27FC236}">
+                <a16:creationId xmlns:a16="http://schemas.microsoft.com/office/drawing/2014/main" id="{7D816F2F-C85D-7CE4-36B2-3A67BCA52521}"/>
               </a:ext>
             </a:extLst>
           </p:cNvPr>
@@ -6248,22 +6066,18 @@
         </p:nvSpPr>
         <p:spPr>
           <a:xfrm>
-            <a:off x="6396745" y="5535318"/>
-            <a:ext cx="3945250" cy="772114"/>
-          </a:xfrm>
-          <a:prstGeom prst="wedgeRoundRectCallout">
-            <a:avLst>
-              <a:gd name="adj1" fmla="val 57332"/>
-              <a:gd name="adj2" fmla="val 17164"/>
-              <a:gd name="adj3" fmla="val 16667"/>
-            </a:avLst>
+            <a:off x="4251909" y="5032030"/>
+            <a:ext cx="5396295" cy="1177468"/>
+          </a:xfrm>
+          <a:prstGeom prst="rightArrow">
+            <a:avLst/>
           </a:prstGeom>
           <a:solidFill>
-            <a:schemeClr val="bg1"/>
+            <a:schemeClr val="accent2"/>
           </a:solidFill>
           <a:ln>
             <a:solidFill>
-              <a:srgbClr val="FFA333"/>
+              <a:schemeClr val="bg1"/>
             </a:solidFill>
           </a:ln>
         </p:spPr>
@@ -6287,6 +6101,73 @@
           <a:bodyPr rtlCol="0" anchor="ctr"/>
           <a:lstStyle/>
           <a:p>
+            <a:pPr algn="ctr"/>
+            <a:r>
+              <a:rPr kumimoji="1" lang="ja-JP" altLang="en-US" sz="2400" dirty="0">
+                <a:solidFill>
+                  <a:schemeClr val="bg1"/>
+                </a:solidFill>
+                <a:latin typeface="HGｺﾞｼｯｸE" panose="020B0909000000000000" pitchFamily="49" charset="-128"/>
+                <a:ea typeface="HGｺﾞｼｯｸE" panose="020B0909000000000000" pitchFamily="49" charset="-128"/>
+              </a:rPr>
+              <a:t>次の日</a:t>
+            </a:r>
+          </a:p>
+        </p:txBody>
+      </p:sp>
+      <p:sp>
+        <p:nvSpPr>
+          <p:cNvPr id="15" name="吹き出し: 角を丸めた四角形 14">
+            <a:extLst>
+              <a:ext uri="{FF2B5EF4-FFF2-40B4-BE49-F238E27FC236}">
+                <a16:creationId xmlns:a16="http://schemas.microsoft.com/office/drawing/2014/main" id="{C8C77640-489C-5ACF-587F-66FCE3ECB4E4}"/>
+              </a:ext>
+            </a:extLst>
+          </p:cNvPr>
+          <p:cNvSpPr/>
+          <p:nvPr/>
+        </p:nvSpPr>
+        <p:spPr>
+          <a:xfrm>
+            <a:off x="5515429" y="4377831"/>
+            <a:ext cx="3606103" cy="643160"/>
+          </a:xfrm>
+          <a:prstGeom prst="wedgeRoundRectCallout">
+            <a:avLst>
+              <a:gd name="adj1" fmla="val -15599"/>
+              <a:gd name="adj2" fmla="val 117267"/>
+              <a:gd name="adj3" fmla="val 16667"/>
+            </a:avLst>
+          </a:prstGeom>
+          <a:solidFill>
+            <a:schemeClr val="bg1"/>
+          </a:solidFill>
+          <a:ln>
+            <a:solidFill>
+              <a:srgbClr val="FFA333"/>
+            </a:solidFill>
+          </a:ln>
+        </p:spPr>
+        <p:style>
+          <a:lnRef idx="2">
+            <a:schemeClr val="accent1">
+              <a:shade val="50000"/>
+            </a:schemeClr>
+          </a:lnRef>
+          <a:fillRef idx="1">
+            <a:schemeClr val="accent1"/>
+          </a:fillRef>
+          <a:effectRef idx="0">
+            <a:schemeClr val="accent1"/>
+          </a:effectRef>
+          <a:fontRef idx="minor">
+            <a:schemeClr val="lt1"/>
+          </a:fontRef>
+        </p:style>
+        <p:txBody>
+          <a:bodyPr rtlCol="0" anchor="ctr"/>
+          <a:lstStyle/>
+          <a:p>
             <a:r>
               <a:rPr kumimoji="1" lang="ja-JP" altLang="en-US" sz="2400" dirty="0">
                 <a:solidFill>
@@ -6295,16 +6176,63 @@
                 <a:latin typeface="HGｺﾞｼｯｸM" panose="020B0609000000000000" pitchFamily="49" charset="-128"/>
                 <a:ea typeface="HGｺﾞｼｯｸM" panose="020B0609000000000000" pitchFamily="49" charset="-128"/>
               </a:rPr>
-              <a:t>一定の経験値を貯めると</a:t>
-            </a:r>
-            <a:endParaRPr kumimoji="1" lang="en-US" altLang="ja-JP" sz="2400" dirty="0">
-              <a:solidFill>
-                <a:schemeClr val="tx1"/>
-              </a:solidFill>
-              <a:latin typeface="HGｺﾞｼｯｸM" panose="020B0609000000000000" pitchFamily="49" charset="-128"/>
-              <a:ea typeface="HGｺﾞｼｯｸM" panose="020B0609000000000000" pitchFamily="49" charset="-128"/>
-            </a:endParaRPr>
-          </a:p>
+              <a:t>ミッションは毎日変わる</a:t>
+            </a:r>
+          </a:p>
+        </p:txBody>
+      </p:sp>
+      <p:sp>
+        <p:nvSpPr>
+          <p:cNvPr id="14" name="吹き出し: 角を丸めた四角形 13">
+            <a:extLst>
+              <a:ext uri="{FF2B5EF4-FFF2-40B4-BE49-F238E27FC236}">
+                <a16:creationId xmlns:a16="http://schemas.microsoft.com/office/drawing/2014/main" id="{E43DA03E-DD9B-C6D7-29F7-8AF6697D56D1}"/>
+              </a:ext>
+            </a:extLst>
+          </p:cNvPr>
+          <p:cNvSpPr/>
+          <p:nvPr/>
+        </p:nvSpPr>
+        <p:spPr>
+          <a:xfrm>
+            <a:off x="4529409" y="2547861"/>
+            <a:ext cx="4841296" cy="643160"/>
+          </a:xfrm>
+          <a:prstGeom prst="wedgeRoundRectCallout">
+            <a:avLst>
+              <a:gd name="adj1" fmla="val 66064"/>
+              <a:gd name="adj2" fmla="val 15342"/>
+              <a:gd name="adj3" fmla="val 16667"/>
+            </a:avLst>
+          </a:prstGeom>
+          <a:solidFill>
+            <a:schemeClr val="bg1"/>
+          </a:solidFill>
+          <a:ln>
+            <a:solidFill>
+              <a:srgbClr val="FFA333"/>
+            </a:solidFill>
+          </a:ln>
+        </p:spPr>
+        <p:style>
+          <a:lnRef idx="2">
+            <a:schemeClr val="accent1">
+              <a:shade val="50000"/>
+            </a:schemeClr>
+          </a:lnRef>
+          <a:fillRef idx="1">
+            <a:schemeClr val="accent1"/>
+          </a:fillRef>
+          <a:effectRef idx="0">
+            <a:schemeClr val="accent1"/>
+          </a:effectRef>
+          <a:fontRef idx="minor">
+            <a:schemeClr val="lt1"/>
+          </a:fontRef>
+        </p:style>
+        <p:txBody>
+          <a:bodyPr rtlCol="0" anchor="ctr"/>
+          <a:lstStyle/>
           <a:p>
             <a:r>
               <a:rPr kumimoji="1" lang="ja-JP" altLang="en-US" sz="2400" dirty="0">
@@ -6314,7 +6242,250 @@
                 <a:latin typeface="HGｺﾞｼｯｸM" panose="020B0609000000000000" pitchFamily="49" charset="-128"/>
                 <a:ea typeface="HGｺﾞｼｯｸM" panose="020B0609000000000000" pitchFamily="49" charset="-128"/>
               </a:rPr>
-              <a:t>孵化する</a:t>
+              <a:t>達成すると、経験値を獲得できる</a:t>
+            </a:r>
+          </a:p>
+        </p:txBody>
+      </p:sp>
+      <p:sp>
+        <p:nvSpPr>
+          <p:cNvPr id="21" name="四角形: 角を丸くする 20">
+            <a:extLst>
+              <a:ext uri="{FF2B5EF4-FFF2-40B4-BE49-F238E27FC236}">
+                <a16:creationId xmlns:a16="http://schemas.microsoft.com/office/drawing/2014/main" id="{1024AB4C-2C4C-A65A-0E1B-0160A449D927}"/>
+              </a:ext>
+            </a:extLst>
+          </p:cNvPr>
+          <p:cNvSpPr/>
+          <p:nvPr/>
+        </p:nvSpPr>
+        <p:spPr>
+          <a:xfrm>
+            <a:off x="2758456" y="3431631"/>
+            <a:ext cx="1218973" cy="404465"/>
+          </a:xfrm>
+          <a:prstGeom prst="roundRect">
+            <a:avLst/>
+          </a:prstGeom>
+          <a:noFill/>
+          <a:ln w="38100">
+            <a:solidFill>
+              <a:srgbClr val="FF0000"/>
+            </a:solidFill>
+          </a:ln>
+        </p:spPr>
+        <p:style>
+          <a:lnRef idx="2">
+            <a:schemeClr val="accent1">
+              <a:shade val="50000"/>
+            </a:schemeClr>
+          </a:lnRef>
+          <a:fillRef idx="1">
+            <a:schemeClr val="accent1"/>
+          </a:fillRef>
+          <a:effectRef idx="0">
+            <a:schemeClr val="accent1"/>
+          </a:effectRef>
+          <a:fontRef idx="minor">
+            <a:schemeClr val="lt1"/>
+          </a:fontRef>
+        </p:style>
+        <p:txBody>
+          <a:bodyPr rtlCol="0" anchor="ctr"/>
+          <a:lstStyle/>
+          <a:p>
+            <a:pPr algn="ctr"/>
+            <a:endParaRPr kumimoji="1" lang="ja-JP" altLang="en-US"/>
+          </a:p>
+        </p:txBody>
+      </p:sp>
+      <p:sp>
+        <p:nvSpPr>
+          <p:cNvPr id="22" name="四角形: 角を丸くする 21">
+            <a:extLst>
+              <a:ext uri="{FF2B5EF4-FFF2-40B4-BE49-F238E27FC236}">
+                <a16:creationId xmlns:a16="http://schemas.microsoft.com/office/drawing/2014/main" id="{481B492B-88E7-C919-2444-AC418A1D4D4A}"/>
+              </a:ext>
+            </a:extLst>
+          </p:cNvPr>
+          <p:cNvSpPr/>
+          <p:nvPr/>
+        </p:nvSpPr>
+        <p:spPr>
+          <a:xfrm>
+            <a:off x="2964321" y="4910978"/>
+            <a:ext cx="807244" cy="330814"/>
+          </a:xfrm>
+          <a:prstGeom prst="roundRect">
+            <a:avLst/>
+          </a:prstGeom>
+          <a:noFill/>
+          <a:ln w="38100">
+            <a:solidFill>
+              <a:srgbClr val="FF0000"/>
+            </a:solidFill>
+          </a:ln>
+        </p:spPr>
+        <p:style>
+          <a:lnRef idx="2">
+            <a:schemeClr val="accent1">
+              <a:shade val="50000"/>
+            </a:schemeClr>
+          </a:lnRef>
+          <a:fillRef idx="1">
+            <a:schemeClr val="accent1"/>
+          </a:fillRef>
+          <a:effectRef idx="0">
+            <a:schemeClr val="accent1"/>
+          </a:effectRef>
+          <a:fontRef idx="minor">
+            <a:schemeClr val="lt1"/>
+          </a:fontRef>
+        </p:style>
+        <p:txBody>
+          <a:bodyPr rtlCol="0" anchor="ctr"/>
+          <a:lstStyle/>
+          <a:p>
+            <a:pPr algn="ctr"/>
+            <a:endParaRPr kumimoji="1" lang="ja-JP" altLang="en-US"/>
+          </a:p>
+        </p:txBody>
+      </p:sp>
+      <p:sp>
+        <p:nvSpPr>
+          <p:cNvPr id="8" name="矢印: 五方向 7">
+            <a:extLst>
+              <a:ext uri="{FF2B5EF4-FFF2-40B4-BE49-F238E27FC236}">
+                <a16:creationId xmlns:a16="http://schemas.microsoft.com/office/drawing/2014/main" id="{9E2E119F-58E3-64B0-3065-4CB660F4F767}"/>
+              </a:ext>
+            </a:extLst>
+          </p:cNvPr>
+          <p:cNvSpPr/>
+          <p:nvPr/>
+        </p:nvSpPr>
+        <p:spPr>
+          <a:xfrm>
+            <a:off x="501027" y="3316219"/>
+            <a:ext cx="2295267" cy="584168"/>
+          </a:xfrm>
+          <a:prstGeom prst="homePlate">
+            <a:avLst/>
+          </a:prstGeom>
+          <a:solidFill>
+            <a:schemeClr val="accent4">
+              <a:lumMod val="40000"/>
+              <a:lumOff val="60000"/>
+            </a:schemeClr>
+          </a:solidFill>
+          <a:ln>
+            <a:solidFill>
+              <a:schemeClr val="bg1"/>
+            </a:solidFill>
+          </a:ln>
+        </p:spPr>
+        <p:style>
+          <a:lnRef idx="2">
+            <a:schemeClr val="accent1">
+              <a:shade val="50000"/>
+            </a:schemeClr>
+          </a:lnRef>
+          <a:fillRef idx="1">
+            <a:schemeClr val="accent1"/>
+          </a:fillRef>
+          <a:effectRef idx="0">
+            <a:schemeClr val="accent1"/>
+          </a:effectRef>
+          <a:fontRef idx="minor">
+            <a:schemeClr val="lt1"/>
+          </a:fontRef>
+        </p:style>
+        <p:txBody>
+          <a:bodyPr rtlCol="0" anchor="ctr"/>
+          <a:lstStyle/>
+          <a:p>
+            <a:pPr algn="ctr"/>
+            <a:r>
+              <a:rPr lang="ja-JP" altLang="en-US" sz="2400" dirty="0">
+                <a:solidFill>
+                  <a:schemeClr val="accent2">
+                    <a:lumMod val="75000"/>
+                  </a:schemeClr>
+                </a:solidFill>
+              </a:rPr>
+              <a:t>ミッション</a:t>
+            </a:r>
+            <a:endParaRPr kumimoji="1" lang="ja-JP" altLang="en-US" sz="2400" dirty="0">
+              <a:solidFill>
+                <a:schemeClr val="accent2">
+                  <a:lumMod val="75000"/>
+                </a:schemeClr>
+              </a:solidFill>
+            </a:endParaRPr>
+          </a:p>
+        </p:txBody>
+      </p:sp>
+      <p:sp>
+        <p:nvSpPr>
+          <p:cNvPr id="7" name="矢印: 五方向 6">
+            <a:extLst>
+              <a:ext uri="{FF2B5EF4-FFF2-40B4-BE49-F238E27FC236}">
+                <a16:creationId xmlns:a16="http://schemas.microsoft.com/office/drawing/2014/main" id="{62867909-0D17-57A7-C75A-0C399AFCFAD6}"/>
+              </a:ext>
+            </a:extLst>
+          </p:cNvPr>
+          <p:cNvSpPr/>
+          <p:nvPr/>
+        </p:nvSpPr>
+        <p:spPr>
+          <a:xfrm>
+            <a:off x="473792" y="4739946"/>
+            <a:ext cx="2490529" cy="584168"/>
+          </a:xfrm>
+          <a:prstGeom prst="homePlate">
+            <a:avLst/>
+          </a:prstGeom>
+          <a:solidFill>
+            <a:schemeClr val="accent4">
+              <a:lumMod val="40000"/>
+              <a:lumOff val="60000"/>
+            </a:schemeClr>
+          </a:solidFill>
+          <a:ln>
+            <a:solidFill>
+              <a:schemeClr val="bg1"/>
+            </a:solidFill>
+          </a:ln>
+        </p:spPr>
+        <p:style>
+          <a:lnRef idx="2">
+            <a:schemeClr val="accent1">
+              <a:shade val="50000"/>
+            </a:schemeClr>
+          </a:lnRef>
+          <a:fillRef idx="1">
+            <a:schemeClr val="accent1"/>
+          </a:fillRef>
+          <a:effectRef idx="0">
+            <a:schemeClr val="accent1"/>
+          </a:effectRef>
+          <a:fontRef idx="minor">
+            <a:schemeClr val="lt1"/>
+          </a:fontRef>
+        </p:style>
+        <p:txBody>
+          <a:bodyPr rtlCol="0" anchor="ctr"/>
+          <a:lstStyle/>
+          <a:p>
+            <a:pPr algn="ctr"/>
+            <a:r>
+              <a:rPr kumimoji="1" lang="ja-JP" altLang="en-US" sz="2400" dirty="0">
+                <a:solidFill>
+                  <a:schemeClr val="accent2">
+                    <a:lumMod val="75000"/>
+                  </a:schemeClr>
+                </a:solidFill>
+              </a:rPr>
+              <a:t>達成ボタン</a:t>
             </a:r>
           </a:p>
         </p:txBody>
@@ -6322,7 +6493,7 @@
     </p:spTree>
     <p:extLst>
       <p:ext uri="{BB962C8B-B14F-4D97-AF65-F5344CB8AC3E}">
-        <p14:creationId xmlns:p14="http://schemas.microsoft.com/office/powerpoint/2010/main" val="3320039458"/>
+        <p14:creationId xmlns:p14="http://schemas.microsoft.com/office/powerpoint/2010/main" val="3925736772"/>
       </p:ext>
     </p:extLst>
   </p:cSld>
@@ -6351,10 +6522,10 @@
       </p:grpSpPr>
       <p:sp>
         <p:nvSpPr>
-          <p:cNvPr id="14" name="楕円 13">
-            <a:extLst>
-              <a:ext uri="{FF2B5EF4-FFF2-40B4-BE49-F238E27FC236}">
-                <a16:creationId xmlns:a16="http://schemas.microsoft.com/office/drawing/2014/main" id="{24EA654F-EA82-4240-A112-D61A6A2CAD5E}"/>
+          <p:cNvPr id="25" name="楕円 24">
+            <a:extLst>
+              <a:ext uri="{FF2B5EF4-FFF2-40B4-BE49-F238E27FC236}">
+                <a16:creationId xmlns:a16="http://schemas.microsoft.com/office/drawing/2014/main" id="{9FC3F8DA-C9E5-9E47-831D-C1A84E25440F}"/>
               </a:ext>
             </a:extLst>
           </p:cNvPr>
@@ -6363,7 +6534,7 @@
         </p:nvSpPr>
         <p:spPr>
           <a:xfrm>
-            <a:off x="9482359" y="70649"/>
+            <a:off x="755104" y="2404484"/>
             <a:ext cx="2470489" cy="774868"/>
           </a:xfrm>
           <a:prstGeom prst="ellipse">
@@ -6404,17 +6575,53 @@
                 <a:latin typeface="HGｺﾞｼｯｸE" panose="020B0909000000000000" pitchFamily="49" charset="-128"/>
                 <a:ea typeface="HGｺﾞｼｯｸE" panose="020B0909000000000000" pitchFamily="49" charset="-128"/>
               </a:rPr>
-              <a:t>キャラ画面</a:t>
-            </a:r>
-          </a:p>
-        </p:txBody>
-      </p:sp>
-      <p:sp>
-        <p:nvSpPr>
-          <p:cNvPr id="12" name="楕円 11">
-            <a:extLst>
-              <a:ext uri="{FF2B5EF4-FFF2-40B4-BE49-F238E27FC236}">
-                <a16:creationId xmlns:a16="http://schemas.microsoft.com/office/drawing/2014/main" id="{285913CC-7AB7-1000-690A-7907FAB52CA4}"/>
+              <a:t>卵購入画面</a:t>
+            </a:r>
+          </a:p>
+        </p:txBody>
+      </p:sp>
+      <p:sp>
+        <p:nvSpPr>
+          <p:cNvPr id="2" name="タイトル 1">
+            <a:extLst>
+              <a:ext uri="{FF2B5EF4-FFF2-40B4-BE49-F238E27FC236}">
+                <a16:creationId xmlns:a16="http://schemas.microsoft.com/office/drawing/2014/main" id="{693A6AA4-E421-2B25-F07B-E8469B9F6618}"/>
+              </a:ext>
+            </a:extLst>
+          </p:cNvPr>
+          <p:cNvSpPr>
+            <a:spLocks noGrp="1"/>
+          </p:cNvSpPr>
+          <p:nvPr>
+            <p:ph type="title"/>
+          </p:nvPr>
+        </p:nvSpPr>
+        <p:spPr/>
+        <p:txBody>
+          <a:bodyPr/>
+          <a:lstStyle/>
+          <a:p>
+            <a:r>
+              <a:rPr kumimoji="1" lang="ja-JP" altLang="en-US" dirty="0">
+                <a:solidFill>
+                  <a:schemeClr val="accent2">
+                    <a:lumMod val="50000"/>
+                  </a:schemeClr>
+                </a:solidFill>
+                <a:latin typeface="HGS創英角ｺﾞｼｯｸUB" panose="020B0900000000000000" pitchFamily="50" charset="-128"/>
+                <a:ea typeface="HGS創英角ｺﾞｼｯｸUB" panose="020B0900000000000000" pitchFamily="50" charset="-128"/>
+              </a:rPr>
+              <a:t>卵購入機能</a:t>
+            </a:r>
+          </a:p>
+        </p:txBody>
+      </p:sp>
+      <p:sp>
+        <p:nvSpPr>
+          <p:cNvPr id="4" name="正方形/長方形 3">
+            <a:extLst>
+              <a:ext uri="{FF2B5EF4-FFF2-40B4-BE49-F238E27FC236}">
+                <a16:creationId xmlns:a16="http://schemas.microsoft.com/office/drawing/2014/main" id="{8D4BFF91-F974-86CB-B22A-383FA607997E}"/>
               </a:ext>
             </a:extLst>
           </p:cNvPr>
@@ -6423,20 +6630,12 @@
         </p:nvSpPr>
         <p:spPr>
           <a:xfrm>
-            <a:off x="5029244" y="3530045"/>
-            <a:ext cx="2133512" cy="774868"/>
-          </a:xfrm>
-          <a:prstGeom prst="ellipse">
+            <a:off x="755104" y="3036628"/>
+            <a:ext cx="5533154" cy="3496878"/>
+          </a:xfrm>
+          <a:prstGeom prst="rect">
             <a:avLst/>
           </a:prstGeom>
-          <a:solidFill>
-            <a:schemeClr val="accent2"/>
-          </a:solidFill>
-          <a:ln>
-            <a:solidFill>
-              <a:schemeClr val="bg1"/>
-            </a:solidFill>
-          </a:ln>
         </p:spPr>
         <p:style>
           <a:lnRef idx="2">
@@ -6460,71 +6659,74 @@
           <a:p>
             <a:pPr algn="ctr"/>
             <a:r>
-              <a:rPr kumimoji="1" lang="ja-JP" altLang="en-US" sz="2000" dirty="0">
-                <a:latin typeface="HGｺﾞｼｯｸE" panose="020B0909000000000000" pitchFamily="49" charset="-128"/>
-                <a:ea typeface="HGｺﾞｼｯｸE" panose="020B0909000000000000" pitchFamily="49" charset="-128"/>
-              </a:rPr>
-              <a:t>メイン画面</a:t>
-            </a:r>
-          </a:p>
-        </p:txBody>
-      </p:sp>
-      <p:sp>
-        <p:nvSpPr>
-          <p:cNvPr id="2" name="タイトル 1">
-            <a:extLst>
-              <a:ext uri="{FF2B5EF4-FFF2-40B4-BE49-F238E27FC236}">
-                <a16:creationId xmlns:a16="http://schemas.microsoft.com/office/drawing/2014/main" id="{693A6AA4-E421-2B25-F07B-E8469B9F6618}"/>
-              </a:ext>
-            </a:extLst>
-          </p:cNvPr>
-          <p:cNvSpPr>
-            <a:spLocks noGrp="1"/>
-          </p:cNvSpPr>
-          <p:nvPr>
-            <p:ph type="title"/>
-          </p:nvPr>
-        </p:nvSpPr>
-        <p:spPr/>
-        <p:txBody>
-          <a:bodyPr/>
-          <a:lstStyle/>
-          <a:p>
-            <a:r>
-              <a:rPr kumimoji="1" lang="ja-JP" altLang="en-US" dirty="0">
-                <a:solidFill>
-                  <a:schemeClr val="accent2">
-                    <a:lumMod val="75000"/>
-                  </a:schemeClr>
-                </a:solidFill>
-                <a:latin typeface="HGS創英角ｺﾞｼｯｸUB" panose="020B0900000000000000" pitchFamily="50" charset="-128"/>
-                <a:ea typeface="HGS創英角ｺﾞｼｯｸUB" panose="020B0900000000000000" pitchFamily="50" charset="-128"/>
-              </a:rPr>
-              <a:t>キャラチェンジ機能</a:t>
-            </a:r>
-          </a:p>
-        </p:txBody>
-      </p:sp>
-      <p:sp>
-        <p:nvSpPr>
-          <p:cNvPr id="4" name="正方形/長方形 3">
-            <a:extLst>
-              <a:ext uri="{FF2B5EF4-FFF2-40B4-BE49-F238E27FC236}">
-                <a16:creationId xmlns:a16="http://schemas.microsoft.com/office/drawing/2014/main" id="{8D4BFF91-F974-86CB-B22A-383FA607997E}"/>
-              </a:ext>
-            </a:extLst>
-          </p:cNvPr>
-          <p:cNvSpPr/>
+              <a:rPr kumimoji="1" lang="ja-JP" altLang="en-US" dirty="0"/>
+              <a:t>卵購入画面のスクショ</a:t>
+            </a:r>
+          </a:p>
+        </p:txBody>
+      </p:sp>
+      <p:pic>
+        <p:nvPicPr>
+          <p:cNvPr id="12" name="図 11" descr="グラフ, ヒストグラム&#10;&#10;自動的に生成された説明">
+            <a:extLst>
+              <a:ext uri="{FF2B5EF4-FFF2-40B4-BE49-F238E27FC236}">
+                <a16:creationId xmlns:a16="http://schemas.microsoft.com/office/drawing/2014/main" id="{61707A50-E7C8-23C8-4644-A585C7296D67}"/>
+              </a:ext>
+            </a:extLst>
+          </p:cNvPr>
+          <p:cNvPicPr>
+            <a:picLocks noChangeAspect="1"/>
+          </p:cNvPicPr>
           <p:nvPr/>
-        </p:nvSpPr>
+        </p:nvPicPr>
+        <p:blipFill>
+          <a:blip r:embed="rId3">
+            <a:extLst>
+              <a:ext uri="{28A0092B-C50C-407E-A947-70E740481C1C}">
+                <a14:useLocalDpi xmlns:a14="http://schemas.microsoft.com/office/drawing/2010/main" val="0"/>
+              </a:ext>
+            </a:extLst>
+          </a:blip>
+          <a:stretch>
+            <a:fillRect/>
+          </a:stretch>
+        </p:blipFill>
         <p:spPr>
           <a:xfrm>
-            <a:off x="6821713" y="682171"/>
-            <a:ext cx="5131135" cy="2553398"/>
+            <a:off x="10782300" y="2537587"/>
+            <a:ext cx="1143000" cy="1143000"/>
           </a:xfrm>
           <a:prstGeom prst="rect">
             <a:avLst/>
           </a:prstGeom>
+        </p:spPr>
+      </p:pic>
+      <p:sp>
+        <p:nvSpPr>
+          <p:cNvPr id="17" name="四角形: 角を丸くする 16">
+            <a:extLst>
+              <a:ext uri="{FF2B5EF4-FFF2-40B4-BE49-F238E27FC236}">
+                <a16:creationId xmlns:a16="http://schemas.microsoft.com/office/drawing/2014/main" id="{06BD75DE-701A-518D-3F9D-09722BE4C9B0}"/>
+              </a:ext>
+            </a:extLst>
+          </p:cNvPr>
+          <p:cNvSpPr/>
+          <p:nvPr/>
+        </p:nvSpPr>
+        <p:spPr>
+          <a:xfrm>
+            <a:off x="755104" y="1466355"/>
+            <a:ext cx="7735753" cy="774868"/>
+          </a:xfrm>
+          <a:prstGeom prst="roundRect">
+            <a:avLst/>
+          </a:prstGeom>
+          <a:solidFill>
+            <a:srgbClr val="FFA333"/>
+          </a:solidFill>
+          <a:ln w="38100">
+            <a:noFill/>
+          </a:ln>
         </p:spPr>
         <p:style>
           <a:lnRef idx="2">
@@ -6546,78 +6748,26 @@
           <a:bodyPr rtlCol="0" anchor="ctr"/>
           <a:lstStyle/>
           <a:p>
-            <a:pPr algn="ctr"/>
-            <a:r>
-              <a:rPr kumimoji="1" lang="ja-JP" altLang="en-US" dirty="0"/>
-              <a:t>キャラチェンジ画面のスクショ</a:t>
-            </a:r>
-          </a:p>
-        </p:txBody>
-      </p:sp>
-      <p:pic>
-        <p:nvPicPr>
-          <p:cNvPr id="5" name="図 4">
-            <a:extLst>
-              <a:ext uri="{FF2B5EF4-FFF2-40B4-BE49-F238E27FC236}">
-                <a16:creationId xmlns:a16="http://schemas.microsoft.com/office/drawing/2014/main" id="{553AD656-017D-B644-C7A7-BF8B8BFC76EB}"/>
-              </a:ext>
-            </a:extLst>
-          </p:cNvPr>
-          <p:cNvPicPr>
-            <a:picLocks noChangeAspect="1"/>
-          </p:cNvPicPr>
-          <p:nvPr/>
-        </p:nvPicPr>
-        <p:blipFill rotWithShape="1">
-          <a:blip r:embed="rId3"/>
-          <a:srcRect l="24214" t="13177" r="21492" b="22483"/>
-          <a:stretch/>
-        </p:blipFill>
-        <p:spPr>
-          <a:xfrm>
-            <a:off x="239150" y="3383280"/>
-            <a:ext cx="4987045" cy="3322647"/>
-          </a:xfrm>
-          <a:prstGeom prst="rect">
-            <a:avLst/>
-          </a:prstGeom>
-        </p:spPr>
-      </p:pic>
-      <p:pic>
-        <p:nvPicPr>
-          <p:cNvPr id="10" name="図 9">
-            <a:extLst>
-              <a:ext uri="{FF2B5EF4-FFF2-40B4-BE49-F238E27FC236}">
-                <a16:creationId xmlns:a16="http://schemas.microsoft.com/office/drawing/2014/main" id="{494CB0AD-52CA-78D1-739C-C131D96BA0DF}"/>
-              </a:ext>
-            </a:extLst>
-          </p:cNvPr>
-          <p:cNvPicPr>
-            <a:picLocks noChangeAspect="1"/>
-          </p:cNvPicPr>
-          <p:nvPr/>
-        </p:nvPicPr>
-        <p:blipFill rotWithShape="1">
-          <a:blip r:embed="rId4"/>
-          <a:srcRect l="24346" t="13180" r="21463" b="21097"/>
-          <a:stretch/>
-        </p:blipFill>
-        <p:spPr>
-          <a:xfrm>
-            <a:off x="6965804" y="3383280"/>
-            <a:ext cx="4987045" cy="3400367"/>
-          </a:xfrm>
-          <a:prstGeom prst="rect">
-            <a:avLst/>
-          </a:prstGeom>
-        </p:spPr>
-      </p:pic>
-      <p:sp>
-        <p:nvSpPr>
-          <p:cNvPr id="6" name="矢印: 右 5">
-            <a:extLst>
-              <a:ext uri="{FF2B5EF4-FFF2-40B4-BE49-F238E27FC236}">
-                <a16:creationId xmlns:a16="http://schemas.microsoft.com/office/drawing/2014/main" id="{6379C5A6-D6C0-1CF3-512F-89067C87525B}"/>
+            <a:r>
+              <a:rPr kumimoji="1" lang="ja-JP" altLang="en-US" sz="2800" dirty="0">
+                <a:latin typeface="HGｺﾞｼｯｸE" panose="020B0909000000000000" pitchFamily="49" charset="-128"/>
+                <a:ea typeface="HGｺﾞｼｯｸE" panose="020B0909000000000000" pitchFamily="49" charset="-128"/>
+              </a:rPr>
+              <a:t>キャラクターの元である、卵を購入できる機能</a:t>
+            </a:r>
+            <a:endParaRPr kumimoji="1" lang="en-US" altLang="ja-JP" sz="2800" dirty="0">
+              <a:latin typeface="HGｺﾞｼｯｸE" panose="020B0909000000000000" pitchFamily="49" charset="-128"/>
+              <a:ea typeface="HGｺﾞｼｯｸE" panose="020B0909000000000000" pitchFamily="49" charset="-128"/>
+            </a:endParaRPr>
+          </a:p>
+        </p:txBody>
+      </p:sp>
+      <p:sp>
+        <p:nvSpPr>
+          <p:cNvPr id="18" name="吹き出し: 角を丸めた四角形 17">
+            <a:extLst>
+              <a:ext uri="{FF2B5EF4-FFF2-40B4-BE49-F238E27FC236}">
+                <a16:creationId xmlns:a16="http://schemas.microsoft.com/office/drawing/2014/main" id="{31AA7376-8079-B650-299D-1196DB4F5B61}"/>
               </a:ext>
             </a:extLst>
           </p:cNvPr>
@@ -6626,18 +6776,22 @@
         </p:nvSpPr>
         <p:spPr>
           <a:xfrm>
-            <a:off x="4833816" y="4451678"/>
-            <a:ext cx="2524368" cy="1466825"/>
-          </a:xfrm>
-          <a:prstGeom prst="rightArrow">
-            <a:avLst/>
+            <a:off x="6396745" y="2723030"/>
+            <a:ext cx="3945250" cy="772114"/>
+          </a:xfrm>
+          <a:prstGeom prst="wedgeRoundRectCallout">
+            <a:avLst>
+              <a:gd name="adj1" fmla="val 58521"/>
+              <a:gd name="adj2" fmla="val 15342"/>
+              <a:gd name="adj3" fmla="val 16667"/>
+            </a:avLst>
           </a:prstGeom>
           <a:solidFill>
-            <a:schemeClr val="accent2"/>
+            <a:schemeClr val="bg1"/>
           </a:solidFill>
           <a:ln>
             <a:solidFill>
-              <a:schemeClr val="bg1"/>
+              <a:srgbClr val="FFA333"/>
             </a:solidFill>
           </a:ln>
         </p:spPr>
@@ -6661,46 +6815,130 @@
           <a:bodyPr rtlCol="0" anchor="ctr"/>
           <a:lstStyle/>
           <a:p>
-            <a:pPr algn="ctr"/>
+            <a:r>
+              <a:rPr kumimoji="1" lang="en-US" altLang="ja-JP" sz="2400" dirty="0">
+                <a:solidFill>
+                  <a:schemeClr val="tx1"/>
+                </a:solidFill>
+                <a:latin typeface="HGｺﾞｼｯｸM" panose="020B0609000000000000" pitchFamily="49" charset="-128"/>
+                <a:ea typeface="HGｺﾞｼｯｸM" panose="020B0609000000000000" pitchFamily="49" charset="-128"/>
+              </a:rPr>
+              <a:t>5</a:t>
+            </a:r>
             <a:r>
               <a:rPr kumimoji="1" lang="ja-JP" altLang="en-US" sz="2400" dirty="0">
                 <a:solidFill>
-                  <a:schemeClr val="bg1"/>
+                  <a:schemeClr val="tx1"/>
                 </a:solidFill>
-                <a:latin typeface="HGｺﾞｼｯｸE" panose="020B0909000000000000" pitchFamily="49" charset="-128"/>
-                <a:ea typeface="HGｺﾞｼｯｸE" panose="020B0909000000000000" pitchFamily="49" charset="-128"/>
+                <a:latin typeface="HGｺﾞｼｯｸM" panose="020B0609000000000000" pitchFamily="49" charset="-128"/>
+                <a:ea typeface="HGｺﾞｼｯｸM" panose="020B0609000000000000" pitchFamily="49" charset="-128"/>
               </a:rPr>
-              <a:t>キャラ</a:t>
-            </a:r>
-            <a:endParaRPr kumimoji="1" lang="en-US" altLang="ja-JP" sz="2400" dirty="0">
-              <a:solidFill>
-                <a:schemeClr val="bg1"/>
-              </a:solidFill>
-              <a:latin typeface="HGｺﾞｼｯｸE" panose="020B0909000000000000" pitchFamily="49" charset="-128"/>
-              <a:ea typeface="HGｺﾞｼｯｸE" panose="020B0909000000000000" pitchFamily="49" charset="-128"/>
-            </a:endParaRPr>
-          </a:p>
-          <a:p>
-            <a:pPr algn="ctr"/>
+              <a:t>ポイント（</a:t>
+            </a:r>
+            <a:r>
+              <a:rPr lang="en-US" altLang="ja-JP" sz="2400" dirty="0">
+                <a:solidFill>
+                  <a:schemeClr val="tx1"/>
+                </a:solidFill>
+                <a:latin typeface="HGｺﾞｼｯｸM" panose="020B0609000000000000" pitchFamily="49" charset="-128"/>
+                <a:ea typeface="HGｺﾞｼｯｸM" panose="020B0609000000000000" pitchFamily="49" charset="-128"/>
+              </a:rPr>
+              <a:t>T</a:t>
+            </a:r>
+            <a:r>
+              <a:rPr lang="ja-JP" altLang="en-US" sz="2400" dirty="0">
+                <a:solidFill>
+                  <a:schemeClr val="tx1"/>
+                </a:solidFill>
+                <a:latin typeface="HGｺﾞｼｯｸM" panose="020B0609000000000000" pitchFamily="49" charset="-128"/>
+                <a:ea typeface="HGｺﾞｼｯｸM" panose="020B0609000000000000" pitchFamily="49" charset="-128"/>
+              </a:rPr>
+              <a:t>ポイント）</a:t>
+            </a:r>
             <a:r>
               <a:rPr kumimoji="1" lang="ja-JP" altLang="en-US" sz="2400" dirty="0">
                 <a:solidFill>
-                  <a:schemeClr val="bg1"/>
+                  <a:schemeClr val="tx1"/>
                 </a:solidFill>
-                <a:latin typeface="HGｺﾞｼｯｸE" panose="020B0909000000000000" pitchFamily="49" charset="-128"/>
-                <a:ea typeface="HGｺﾞｼｯｸE" panose="020B0909000000000000" pitchFamily="49" charset="-128"/>
+                <a:latin typeface="HGｺﾞｼｯｸM" panose="020B0609000000000000" pitchFamily="49" charset="-128"/>
+                <a:ea typeface="HGｺﾞｼｯｸM" panose="020B0609000000000000" pitchFamily="49" charset="-128"/>
               </a:rPr>
-              <a:t>チェンジ後</a:t>
-            </a:r>
-          </a:p>
-        </p:txBody>
-      </p:sp>
-      <p:sp>
-        <p:nvSpPr>
-          <p:cNvPr id="11" name="四角形: 角を丸くする 10">
-            <a:extLst>
-              <a:ext uri="{FF2B5EF4-FFF2-40B4-BE49-F238E27FC236}">
-                <a16:creationId xmlns:a16="http://schemas.microsoft.com/office/drawing/2014/main" id="{C4D5DA96-9EBC-2251-48D5-0BE65965C14F}"/>
+              <a:t>で</a:t>
+            </a:r>
+            <a:br>
+              <a:rPr kumimoji="1" lang="ja-JP" altLang="en-US" sz="2400" dirty="0">
+                <a:solidFill>
+                  <a:schemeClr val="tx1"/>
+                </a:solidFill>
+                <a:latin typeface="HGｺﾞｼｯｸM" panose="020B0609000000000000" pitchFamily="49" charset="-128"/>
+                <a:ea typeface="HGｺﾞｼｯｸM" panose="020B0609000000000000" pitchFamily="49" charset="-128"/>
+              </a:rPr>
+            </a:br>
+            <a:r>
+              <a:rPr kumimoji="1" lang="en-US" altLang="ja-JP" sz="2400" dirty="0">
+                <a:solidFill>
+                  <a:schemeClr val="tx1"/>
+                </a:solidFill>
+                <a:latin typeface="HGｺﾞｼｯｸM" panose="020B0609000000000000" pitchFamily="49" charset="-128"/>
+                <a:ea typeface="HGｺﾞｼｯｸM" panose="020B0609000000000000" pitchFamily="49" charset="-128"/>
+              </a:rPr>
+              <a:t>1</a:t>
+            </a:r>
+            <a:r>
+              <a:rPr kumimoji="1" lang="ja-JP" altLang="en-US" sz="2400" dirty="0">
+                <a:solidFill>
+                  <a:schemeClr val="tx1"/>
+                </a:solidFill>
+                <a:latin typeface="HGｺﾞｼｯｸM" panose="020B0609000000000000" pitchFamily="49" charset="-128"/>
+                <a:ea typeface="HGｺﾞｼｯｸM" panose="020B0609000000000000" pitchFamily="49" charset="-128"/>
+              </a:rPr>
+              <a:t>個購入できる</a:t>
+            </a:r>
+          </a:p>
+        </p:txBody>
+      </p:sp>
+      <p:pic>
+        <p:nvPicPr>
+          <p:cNvPr id="19" name="図 18" descr="おもちゃ, レゴ, 挿絵 が含まれている画像&#10;&#10;自動的に生成された説明">
+            <a:extLst>
+              <a:ext uri="{FF2B5EF4-FFF2-40B4-BE49-F238E27FC236}">
+                <a16:creationId xmlns:a16="http://schemas.microsoft.com/office/drawing/2014/main" id="{2F551960-D587-6909-1E2F-1712732265BF}"/>
+              </a:ext>
+            </a:extLst>
+          </p:cNvPr>
+          <p:cNvPicPr>
+            <a:picLocks noChangeAspect="1"/>
+          </p:cNvPicPr>
+          <p:nvPr/>
+        </p:nvPicPr>
+        <p:blipFill>
+          <a:blip r:embed="rId4">
+            <a:extLst>
+              <a:ext uri="{28A0092B-C50C-407E-A947-70E740481C1C}">
+                <a14:useLocalDpi xmlns:a14="http://schemas.microsoft.com/office/drawing/2010/main" val="0"/>
+              </a:ext>
+            </a:extLst>
+          </a:blip>
+          <a:stretch>
+            <a:fillRect/>
+          </a:stretch>
+        </p:blipFill>
+        <p:spPr>
+          <a:xfrm>
+            <a:off x="10782300" y="5349875"/>
+            <a:ext cx="1143000" cy="1143000"/>
+          </a:xfrm>
+          <a:prstGeom prst="rect">
+            <a:avLst/>
+          </a:prstGeom>
+        </p:spPr>
+      </p:pic>
+      <p:sp>
+        <p:nvSpPr>
+          <p:cNvPr id="23" name="矢印: 下 22">
+            <a:extLst>
+              <a:ext uri="{FF2B5EF4-FFF2-40B4-BE49-F238E27FC236}">
+                <a16:creationId xmlns:a16="http://schemas.microsoft.com/office/drawing/2014/main" id="{10444E53-F84D-645D-B350-2A769B40BA92}"/>
               </a:ext>
             </a:extLst>
           </p:cNvPr>
@@ -6709,16 +6947,16 @@
         </p:nvSpPr>
         <p:spPr>
           <a:xfrm>
-            <a:off x="838200" y="1389848"/>
-            <a:ext cx="5441339" cy="1466824"/>
-          </a:xfrm>
-          <a:prstGeom prst="roundRect">
+            <a:off x="10782300" y="3812346"/>
+            <a:ext cx="1143000" cy="1463107"/>
+          </a:xfrm>
+          <a:prstGeom prst="downArrow">
             <a:avLst/>
           </a:prstGeom>
           <a:solidFill>
-            <a:srgbClr val="FFA333"/>
+            <a:schemeClr val="accent2"/>
           </a:solidFill>
-          <a:ln w="38100">
+          <a:ln>
             <a:solidFill>
               <a:schemeClr val="bg1"/>
             </a:solidFill>
@@ -6744,48 +6982,26 @@
           <a:bodyPr rtlCol="0" anchor="ctr"/>
           <a:lstStyle/>
           <a:p>
-            <a:r>
-              <a:rPr kumimoji="1" lang="ja-JP" altLang="en-US" sz="2800" dirty="0">
+            <a:pPr algn="ctr"/>
+            <a:r>
+              <a:rPr lang="ja-JP" altLang="en-US" sz="2400" dirty="0">
+                <a:solidFill>
+                  <a:schemeClr val="bg1"/>
+                </a:solidFill>
                 <a:latin typeface="HGｺﾞｼｯｸE" panose="020B0909000000000000" pitchFamily="49" charset="-128"/>
                 <a:ea typeface="HGｺﾞｼｯｸE" panose="020B0909000000000000" pitchFamily="49" charset="-128"/>
               </a:rPr>
-              <a:t>今育成しているキャラクターを</a:t>
-            </a:r>
-            <a:br>
-              <a:rPr kumimoji="1" lang="ja-JP" altLang="en-US" sz="2800" dirty="0">
-                <a:latin typeface="HGｺﾞｼｯｸE" panose="020B0909000000000000" pitchFamily="49" charset="-128"/>
-                <a:ea typeface="HGｺﾞｼｯｸE" panose="020B0909000000000000" pitchFamily="49" charset="-128"/>
-              </a:rPr>
-            </a:br>
-            <a:r>
-              <a:rPr kumimoji="1" lang="ja-JP" altLang="en-US" sz="2800" dirty="0">
-                <a:latin typeface="HGｺﾞｼｯｸE" panose="020B0909000000000000" pitchFamily="49" charset="-128"/>
-                <a:ea typeface="HGｺﾞｼｯｸE" panose="020B0909000000000000" pitchFamily="49" charset="-128"/>
-              </a:rPr>
-              <a:t>別のキャラクターに</a:t>
-            </a:r>
-            <a:br>
-              <a:rPr kumimoji="1" lang="ja-JP" altLang="en-US" sz="2800" dirty="0">
-                <a:latin typeface="HGｺﾞｼｯｸE" panose="020B0909000000000000" pitchFamily="49" charset="-128"/>
-                <a:ea typeface="HGｺﾞｼｯｸE" panose="020B0909000000000000" pitchFamily="49" charset="-128"/>
-              </a:rPr>
-            </a:br>
-            <a:r>
-              <a:rPr kumimoji="1" lang="ja-JP" altLang="en-US" sz="2800" dirty="0">
-                <a:latin typeface="HGｺﾞｼｯｸE" panose="020B0909000000000000" pitchFamily="49" charset="-128"/>
-                <a:ea typeface="HGｺﾞｼｯｸE" panose="020B0909000000000000" pitchFamily="49" charset="-128"/>
-              </a:rPr>
-              <a:t>入れ替えることができる機能</a:t>
-            </a:r>
-          </a:p>
-        </p:txBody>
-      </p:sp>
-      <p:sp>
-        <p:nvSpPr>
-          <p:cNvPr id="13" name="吹き出し: 角を丸めた四角形 12">
-            <a:extLst>
-              <a:ext uri="{FF2B5EF4-FFF2-40B4-BE49-F238E27FC236}">
-                <a16:creationId xmlns:a16="http://schemas.microsoft.com/office/drawing/2014/main" id="{44D6C43E-91A7-3B31-1199-6A2D54641B4F}"/>
+              <a:t>孵化</a:t>
+            </a:r>
+          </a:p>
+        </p:txBody>
+      </p:sp>
+      <p:sp>
+        <p:nvSpPr>
+          <p:cNvPr id="24" name="吹き出し: 角を丸めた四角形 23">
+            <a:extLst>
+              <a:ext uri="{FF2B5EF4-FFF2-40B4-BE49-F238E27FC236}">
+                <a16:creationId xmlns:a16="http://schemas.microsoft.com/office/drawing/2014/main" id="{D3D8DE16-18AC-77C1-6C2E-93412BFB678B}"/>
               </a:ext>
             </a:extLst>
           </p:cNvPr>
@@ -6794,13 +7010,13 @@
         </p:nvSpPr>
         <p:spPr>
           <a:xfrm>
-            <a:off x="7837351" y="4541930"/>
-            <a:ext cx="3636331" cy="643160"/>
+            <a:off x="6396745" y="5535318"/>
+            <a:ext cx="3945250" cy="772114"/>
           </a:xfrm>
           <a:prstGeom prst="wedgeRoundRectCallout">
             <a:avLst>
-              <a:gd name="adj1" fmla="val -15950"/>
-              <a:gd name="adj2" fmla="val 133820"/>
+              <a:gd name="adj1" fmla="val 57332"/>
+              <a:gd name="adj2" fmla="val 17164"/>
               <a:gd name="adj3" fmla="val 16667"/>
             </a:avLst>
           </a:prstGeom>
@@ -6841,7 +7057,26 @@
                 <a:latin typeface="HGｺﾞｼｯｸM" panose="020B0609000000000000" pitchFamily="49" charset="-128"/>
                 <a:ea typeface="HGｺﾞｼｯｸM" panose="020B0609000000000000" pitchFamily="49" charset="-128"/>
               </a:rPr>
-              <a:t>育成キャラが変更される</a:t>
+              <a:t>一定の経験値を貯めると</a:t>
+            </a:r>
+            <a:endParaRPr kumimoji="1" lang="en-US" altLang="ja-JP" sz="2400" dirty="0">
+              <a:solidFill>
+                <a:schemeClr val="tx1"/>
+              </a:solidFill>
+              <a:latin typeface="HGｺﾞｼｯｸM" panose="020B0609000000000000" pitchFamily="49" charset="-128"/>
+              <a:ea typeface="HGｺﾞｼｯｸM" panose="020B0609000000000000" pitchFamily="49" charset="-128"/>
+            </a:endParaRPr>
+          </a:p>
+          <a:p>
+            <a:r>
+              <a:rPr kumimoji="1" lang="ja-JP" altLang="en-US" sz="2400" dirty="0">
+                <a:solidFill>
+                  <a:schemeClr val="tx1"/>
+                </a:solidFill>
+                <a:latin typeface="HGｺﾞｼｯｸM" panose="020B0609000000000000" pitchFamily="49" charset="-128"/>
+                <a:ea typeface="HGｺﾞｼｯｸM" panose="020B0609000000000000" pitchFamily="49" charset="-128"/>
+              </a:rPr>
+              <a:t>孵化する</a:t>
             </a:r>
           </a:p>
         </p:txBody>
@@ -6849,7 +7084,7 @@
     </p:spTree>
     <p:extLst>
       <p:ext uri="{BB962C8B-B14F-4D97-AF65-F5344CB8AC3E}">
-        <p14:creationId xmlns:p14="http://schemas.microsoft.com/office/powerpoint/2010/main" val="155327494"/>
+        <p14:creationId xmlns:p14="http://schemas.microsoft.com/office/powerpoint/2010/main" val="3320039458"/>
       </p:ext>
     </p:extLst>
   </p:cSld>
@@ -6876,12 +7111,72 @@
           <a:chExt cx="0" cy="0"/>
         </a:xfrm>
       </p:grpSpPr>
+      <p:sp>
+        <p:nvSpPr>
+          <p:cNvPr id="12" name="楕円 11">
+            <a:extLst>
+              <a:ext uri="{FF2B5EF4-FFF2-40B4-BE49-F238E27FC236}">
+                <a16:creationId xmlns:a16="http://schemas.microsoft.com/office/drawing/2014/main" id="{285913CC-7AB7-1000-690A-7907FAB52CA4}"/>
+              </a:ext>
+            </a:extLst>
+          </p:cNvPr>
+          <p:cNvSpPr/>
+          <p:nvPr/>
+        </p:nvSpPr>
+        <p:spPr>
+          <a:xfrm>
+            <a:off x="5173996" y="3530045"/>
+            <a:ext cx="2133512" cy="774868"/>
+          </a:xfrm>
+          <a:prstGeom prst="ellipse">
+            <a:avLst/>
+          </a:prstGeom>
+          <a:solidFill>
+            <a:schemeClr val="accent2"/>
+          </a:solidFill>
+          <a:ln>
+            <a:solidFill>
+              <a:schemeClr val="bg1"/>
+            </a:solidFill>
+          </a:ln>
+        </p:spPr>
+        <p:style>
+          <a:lnRef idx="2">
+            <a:schemeClr val="accent1">
+              <a:shade val="50000"/>
+            </a:schemeClr>
+          </a:lnRef>
+          <a:fillRef idx="1">
+            <a:schemeClr val="accent1"/>
+          </a:fillRef>
+          <a:effectRef idx="0">
+            <a:schemeClr val="accent1"/>
+          </a:effectRef>
+          <a:fontRef idx="minor">
+            <a:schemeClr val="lt1"/>
+          </a:fontRef>
+        </p:style>
+        <p:txBody>
+          <a:bodyPr rtlCol="0" anchor="ctr"/>
+          <a:lstStyle/>
+          <a:p>
+            <a:pPr algn="ctr"/>
+            <a:r>
+              <a:rPr kumimoji="1" lang="ja-JP" altLang="en-US" sz="2000" dirty="0">
+                <a:latin typeface="HGｺﾞｼｯｸE" panose="020B0909000000000000" pitchFamily="49" charset="-128"/>
+                <a:ea typeface="HGｺﾞｼｯｸE" panose="020B0909000000000000" pitchFamily="49" charset="-128"/>
+              </a:rPr>
+              <a:t>メイン画面</a:t>
+            </a:r>
+          </a:p>
+        </p:txBody>
+      </p:sp>
       <p:pic>
         <p:nvPicPr>
-          <p:cNvPr id="10" name="図 9" descr="カーテン が含まれている画像&#10;&#10;自動的に生成された説明">
-            <a:extLst>
-              <a:ext uri="{FF2B5EF4-FFF2-40B4-BE49-F238E27FC236}">
-                <a16:creationId xmlns:a16="http://schemas.microsoft.com/office/drawing/2014/main" id="{3BFCBF50-5650-0F99-E72E-1F161F7507D2}"/>
+          <p:cNvPr id="7" name="図 6">
+            <a:extLst>
+              <a:ext uri="{FF2B5EF4-FFF2-40B4-BE49-F238E27FC236}">
+                <a16:creationId xmlns:a16="http://schemas.microsoft.com/office/drawing/2014/main" id="{1A271D9A-02E6-9257-DD85-22AFB50C8C27}"/>
               </a:ext>
             </a:extLst>
           </p:cNvPr>
@@ -6891,32 +7186,171 @@
           <p:nvPr/>
         </p:nvPicPr>
         <p:blipFill rotWithShape="1">
-          <a:blip r:embed="rId2">
-            <a:extLst>
-              <a:ext uri="{28A0092B-C50C-407E-A947-70E740481C1C}">
-                <a14:useLocalDpi xmlns:a14="http://schemas.microsoft.com/office/drawing/2010/main" val="0"/>
-              </a:ext>
-            </a:extLst>
-          </a:blip>
-          <a:srcRect b="325"/>
+          <a:blip r:embed="rId3"/>
+          <a:srcRect l="24277" t="13681" r="21485" b="22282"/>
           <a:stretch/>
         </p:blipFill>
         <p:spPr>
           <a:xfrm>
-            <a:off x="-1" y="0"/>
-            <a:ext cx="12192001" cy="6858000"/>
+            <a:off x="6979537" y="3383279"/>
+            <a:ext cx="5005644" cy="3322647"/>
           </a:xfrm>
           <a:prstGeom prst="rect">
             <a:avLst/>
           </a:prstGeom>
         </p:spPr>
       </p:pic>
+      <p:sp>
+        <p:nvSpPr>
+          <p:cNvPr id="14" name="楕円 13">
+            <a:extLst>
+              <a:ext uri="{FF2B5EF4-FFF2-40B4-BE49-F238E27FC236}">
+                <a16:creationId xmlns:a16="http://schemas.microsoft.com/office/drawing/2014/main" id="{24EA654F-EA82-4240-A112-D61A6A2CAD5E}"/>
+              </a:ext>
+            </a:extLst>
+          </p:cNvPr>
+          <p:cNvSpPr/>
+          <p:nvPr/>
+        </p:nvSpPr>
+        <p:spPr>
+          <a:xfrm>
+            <a:off x="9482359" y="70649"/>
+            <a:ext cx="2470489" cy="774868"/>
+          </a:xfrm>
+          <a:prstGeom prst="ellipse">
+            <a:avLst/>
+          </a:prstGeom>
+          <a:solidFill>
+            <a:schemeClr val="accent2"/>
+          </a:solidFill>
+          <a:ln>
+            <a:solidFill>
+              <a:schemeClr val="bg1"/>
+            </a:solidFill>
+          </a:ln>
+        </p:spPr>
+        <p:style>
+          <a:lnRef idx="2">
+            <a:schemeClr val="accent1">
+              <a:shade val="50000"/>
+            </a:schemeClr>
+          </a:lnRef>
+          <a:fillRef idx="1">
+            <a:schemeClr val="accent1"/>
+          </a:fillRef>
+          <a:effectRef idx="0">
+            <a:schemeClr val="accent1"/>
+          </a:effectRef>
+          <a:fontRef idx="minor">
+            <a:schemeClr val="lt1"/>
+          </a:fontRef>
+        </p:style>
+        <p:txBody>
+          <a:bodyPr rtlCol="0" anchor="ctr"/>
+          <a:lstStyle/>
+          <a:p>
+            <a:pPr algn="ctr"/>
+            <a:r>
+              <a:rPr kumimoji="1" lang="ja-JP" altLang="en-US" sz="2400" dirty="0">
+                <a:latin typeface="HGｺﾞｼｯｸE" panose="020B0909000000000000" pitchFamily="49" charset="-128"/>
+                <a:ea typeface="HGｺﾞｼｯｸE" panose="020B0909000000000000" pitchFamily="49" charset="-128"/>
+              </a:rPr>
+              <a:t>キャラ画面</a:t>
+            </a:r>
+          </a:p>
+        </p:txBody>
+      </p:sp>
+      <p:sp>
+        <p:nvSpPr>
+          <p:cNvPr id="2" name="タイトル 1">
+            <a:extLst>
+              <a:ext uri="{FF2B5EF4-FFF2-40B4-BE49-F238E27FC236}">
+                <a16:creationId xmlns:a16="http://schemas.microsoft.com/office/drawing/2014/main" id="{693A6AA4-E421-2B25-F07B-E8469B9F6618}"/>
+              </a:ext>
+            </a:extLst>
+          </p:cNvPr>
+          <p:cNvSpPr>
+            <a:spLocks noGrp="1"/>
+          </p:cNvSpPr>
+          <p:nvPr>
+            <p:ph type="title"/>
+          </p:nvPr>
+        </p:nvSpPr>
+        <p:spPr/>
+        <p:txBody>
+          <a:bodyPr/>
+          <a:lstStyle/>
+          <a:p>
+            <a:r>
+              <a:rPr kumimoji="1" lang="ja-JP" altLang="en-US" dirty="0">
+                <a:solidFill>
+                  <a:schemeClr val="accent2">
+                    <a:lumMod val="50000"/>
+                  </a:schemeClr>
+                </a:solidFill>
+                <a:latin typeface="HGS創英角ｺﾞｼｯｸUB" panose="020B0900000000000000" pitchFamily="50" charset="-128"/>
+                <a:ea typeface="HGS創英角ｺﾞｼｯｸUB" panose="020B0900000000000000" pitchFamily="50" charset="-128"/>
+              </a:rPr>
+              <a:t>キャラチェンジ機能</a:t>
+            </a:r>
+          </a:p>
+        </p:txBody>
+      </p:sp>
+      <p:sp>
+        <p:nvSpPr>
+          <p:cNvPr id="4" name="正方形/長方形 3">
+            <a:extLst>
+              <a:ext uri="{FF2B5EF4-FFF2-40B4-BE49-F238E27FC236}">
+                <a16:creationId xmlns:a16="http://schemas.microsoft.com/office/drawing/2014/main" id="{8D4BFF91-F974-86CB-B22A-383FA607997E}"/>
+              </a:ext>
+            </a:extLst>
+          </p:cNvPr>
+          <p:cNvSpPr/>
+          <p:nvPr/>
+        </p:nvSpPr>
+        <p:spPr>
+          <a:xfrm>
+            <a:off x="6821713" y="682171"/>
+            <a:ext cx="5131135" cy="2553398"/>
+          </a:xfrm>
+          <a:prstGeom prst="rect">
+            <a:avLst/>
+          </a:prstGeom>
+        </p:spPr>
+        <p:style>
+          <a:lnRef idx="2">
+            <a:schemeClr val="accent1">
+              <a:shade val="50000"/>
+            </a:schemeClr>
+          </a:lnRef>
+          <a:fillRef idx="1">
+            <a:schemeClr val="accent1"/>
+          </a:fillRef>
+          <a:effectRef idx="0">
+            <a:schemeClr val="accent1"/>
+          </a:effectRef>
+          <a:fontRef idx="minor">
+            <a:schemeClr val="lt1"/>
+          </a:fontRef>
+        </p:style>
+        <p:txBody>
+          <a:bodyPr rtlCol="0" anchor="ctr"/>
+          <a:lstStyle/>
+          <a:p>
+            <a:pPr algn="ctr"/>
+            <a:r>
+              <a:rPr kumimoji="1" lang="ja-JP" altLang="en-US" dirty="0"/>
+              <a:t>キャラチェンジ画面のスクショ</a:t>
+            </a:r>
+          </a:p>
+        </p:txBody>
+      </p:sp>
       <p:pic>
         <p:nvPicPr>
-          <p:cNvPr id="3" name="図 2" descr="時計 が含まれている画像&#10;&#10;自動的に生成された説明">
-            <a:extLst>
-              <a:ext uri="{FF2B5EF4-FFF2-40B4-BE49-F238E27FC236}">
-                <a16:creationId xmlns:a16="http://schemas.microsoft.com/office/drawing/2014/main" id="{F5849C69-9346-551B-3DC1-7BCE57C20F33}"/>
+          <p:cNvPr id="5" name="図 4">
+            <a:extLst>
+              <a:ext uri="{FF2B5EF4-FFF2-40B4-BE49-F238E27FC236}">
+                <a16:creationId xmlns:a16="http://schemas.microsoft.com/office/drawing/2014/main" id="{553AD656-017D-B644-C7A7-BF8B8BFC76EB}"/>
               </a:ext>
             </a:extLst>
           </p:cNvPr>
@@ -6926,30 +7360,258 @@
           <p:nvPr/>
         </p:nvPicPr>
         <p:blipFill rotWithShape="1">
-          <a:blip r:embed="rId3">
-            <a:extLst>
-              <a:ext uri="{28A0092B-C50C-407E-A947-70E740481C1C}">
-                <a14:useLocalDpi xmlns:a14="http://schemas.microsoft.com/office/drawing/2010/main" val="0"/>
-              </a:ext>
-            </a:extLst>
-          </a:blip>
-          <a:srcRect l="3692" t="70485" r="17384" b="8310"/>
+          <a:blip r:embed="rId4"/>
+          <a:srcRect l="24214" t="13177" r="21492" b="22483"/>
           <a:stretch/>
         </p:blipFill>
         <p:spPr>
           <a:xfrm>
-            <a:off x="1284849" y="2859258"/>
-            <a:ext cx="9622302" cy="1139484"/>
+            <a:off x="514921" y="3383279"/>
+            <a:ext cx="4987045" cy="3322647"/>
           </a:xfrm>
           <a:prstGeom prst="rect">
             <a:avLst/>
           </a:prstGeom>
         </p:spPr>
       </p:pic>
+      <p:sp>
+        <p:nvSpPr>
+          <p:cNvPr id="6" name="矢印: 右 5">
+            <a:extLst>
+              <a:ext uri="{FF2B5EF4-FFF2-40B4-BE49-F238E27FC236}">
+                <a16:creationId xmlns:a16="http://schemas.microsoft.com/office/drawing/2014/main" id="{6379C5A6-D6C0-1CF3-512F-89067C87525B}"/>
+              </a:ext>
+            </a:extLst>
+          </p:cNvPr>
+          <p:cNvSpPr/>
+          <p:nvPr/>
+        </p:nvSpPr>
+        <p:spPr>
+          <a:xfrm>
+            <a:off x="4978568" y="4682156"/>
+            <a:ext cx="2524368" cy="1466825"/>
+          </a:xfrm>
+          <a:prstGeom prst="rightArrow">
+            <a:avLst/>
+          </a:prstGeom>
+          <a:solidFill>
+            <a:schemeClr val="accent2"/>
+          </a:solidFill>
+          <a:ln>
+            <a:solidFill>
+              <a:schemeClr val="bg1"/>
+            </a:solidFill>
+          </a:ln>
+        </p:spPr>
+        <p:style>
+          <a:lnRef idx="2">
+            <a:schemeClr val="accent1">
+              <a:shade val="50000"/>
+            </a:schemeClr>
+          </a:lnRef>
+          <a:fillRef idx="1">
+            <a:schemeClr val="accent1"/>
+          </a:fillRef>
+          <a:effectRef idx="0">
+            <a:schemeClr val="accent1"/>
+          </a:effectRef>
+          <a:fontRef idx="minor">
+            <a:schemeClr val="lt1"/>
+          </a:fontRef>
+        </p:style>
+        <p:txBody>
+          <a:bodyPr rtlCol="0" anchor="ctr"/>
+          <a:lstStyle/>
+          <a:p>
+            <a:pPr algn="ctr"/>
+            <a:r>
+              <a:rPr kumimoji="1" lang="ja-JP" altLang="en-US" sz="2400" dirty="0">
+                <a:solidFill>
+                  <a:schemeClr val="bg1"/>
+                </a:solidFill>
+                <a:latin typeface="HGｺﾞｼｯｸE" panose="020B0909000000000000" pitchFamily="49" charset="-128"/>
+                <a:ea typeface="HGｺﾞｼｯｸE" panose="020B0909000000000000" pitchFamily="49" charset="-128"/>
+              </a:rPr>
+              <a:t>キャラ</a:t>
+            </a:r>
+            <a:endParaRPr kumimoji="1" lang="en-US" altLang="ja-JP" sz="2400" dirty="0">
+              <a:solidFill>
+                <a:schemeClr val="bg1"/>
+              </a:solidFill>
+              <a:latin typeface="HGｺﾞｼｯｸE" panose="020B0909000000000000" pitchFamily="49" charset="-128"/>
+              <a:ea typeface="HGｺﾞｼｯｸE" panose="020B0909000000000000" pitchFamily="49" charset="-128"/>
+            </a:endParaRPr>
+          </a:p>
+          <a:p>
+            <a:pPr algn="ctr"/>
+            <a:r>
+              <a:rPr kumimoji="1" lang="ja-JP" altLang="en-US" sz="2400" dirty="0">
+                <a:solidFill>
+                  <a:schemeClr val="bg1"/>
+                </a:solidFill>
+                <a:latin typeface="HGｺﾞｼｯｸE" panose="020B0909000000000000" pitchFamily="49" charset="-128"/>
+                <a:ea typeface="HGｺﾞｼｯｸE" panose="020B0909000000000000" pitchFamily="49" charset="-128"/>
+              </a:rPr>
+              <a:t>チェンジ後</a:t>
+            </a:r>
+          </a:p>
+        </p:txBody>
+      </p:sp>
+      <p:sp>
+        <p:nvSpPr>
+          <p:cNvPr id="11" name="四角形: 角を丸くする 10">
+            <a:extLst>
+              <a:ext uri="{FF2B5EF4-FFF2-40B4-BE49-F238E27FC236}">
+                <a16:creationId xmlns:a16="http://schemas.microsoft.com/office/drawing/2014/main" id="{C4D5DA96-9EBC-2251-48D5-0BE65965C14F}"/>
+              </a:ext>
+            </a:extLst>
+          </p:cNvPr>
+          <p:cNvSpPr/>
+          <p:nvPr/>
+        </p:nvSpPr>
+        <p:spPr>
+          <a:xfrm>
+            <a:off x="838200" y="1529021"/>
+            <a:ext cx="5682916" cy="1706547"/>
+          </a:xfrm>
+          <a:prstGeom prst="roundRect">
+            <a:avLst/>
+          </a:prstGeom>
+          <a:solidFill>
+            <a:srgbClr val="FFA333"/>
+          </a:solidFill>
+          <a:ln w="38100">
+            <a:solidFill>
+              <a:schemeClr val="bg1"/>
+            </a:solidFill>
+          </a:ln>
+        </p:spPr>
+        <p:style>
+          <a:lnRef idx="2">
+            <a:schemeClr val="accent1">
+              <a:shade val="50000"/>
+            </a:schemeClr>
+          </a:lnRef>
+          <a:fillRef idx="1">
+            <a:schemeClr val="accent1"/>
+          </a:fillRef>
+          <a:effectRef idx="0">
+            <a:schemeClr val="accent1"/>
+          </a:effectRef>
+          <a:fontRef idx="minor">
+            <a:schemeClr val="lt1"/>
+          </a:fontRef>
+        </p:style>
+        <p:txBody>
+          <a:bodyPr rtlCol="0" anchor="ctr"/>
+          <a:lstStyle/>
+          <a:p>
+            <a:r>
+              <a:rPr kumimoji="1" lang="ja-JP" altLang="en-US" sz="2800" dirty="0">
+                <a:latin typeface="HGｺﾞｼｯｸE" panose="020B0909000000000000" pitchFamily="49" charset="-128"/>
+                <a:ea typeface="HGｺﾞｼｯｸE" panose="020B0909000000000000" pitchFamily="49" charset="-128"/>
+              </a:rPr>
+              <a:t>今育成しているキャラクターを</a:t>
+            </a:r>
+            <a:br>
+              <a:rPr kumimoji="1" lang="ja-JP" altLang="en-US" sz="2800" dirty="0">
+                <a:latin typeface="HGｺﾞｼｯｸE" panose="020B0909000000000000" pitchFamily="49" charset="-128"/>
+                <a:ea typeface="HGｺﾞｼｯｸE" panose="020B0909000000000000" pitchFamily="49" charset="-128"/>
+              </a:rPr>
+            </a:br>
+            <a:r>
+              <a:rPr kumimoji="1" lang="ja-JP" altLang="en-US" sz="2800" dirty="0">
+                <a:latin typeface="HGｺﾞｼｯｸE" panose="020B0909000000000000" pitchFamily="49" charset="-128"/>
+                <a:ea typeface="HGｺﾞｼｯｸE" panose="020B0909000000000000" pitchFamily="49" charset="-128"/>
+              </a:rPr>
+              <a:t>別のキャラクターに</a:t>
+            </a:r>
+            <a:br>
+              <a:rPr kumimoji="1" lang="ja-JP" altLang="en-US" sz="2800" dirty="0">
+                <a:latin typeface="HGｺﾞｼｯｸE" panose="020B0909000000000000" pitchFamily="49" charset="-128"/>
+                <a:ea typeface="HGｺﾞｼｯｸE" panose="020B0909000000000000" pitchFamily="49" charset="-128"/>
+              </a:rPr>
+            </a:br>
+            <a:r>
+              <a:rPr kumimoji="1" lang="ja-JP" altLang="en-US" sz="2800" dirty="0">
+                <a:latin typeface="HGｺﾞｼｯｸE" panose="020B0909000000000000" pitchFamily="49" charset="-128"/>
+                <a:ea typeface="HGｺﾞｼｯｸE" panose="020B0909000000000000" pitchFamily="49" charset="-128"/>
+              </a:rPr>
+              <a:t>入れ替えることができる機能</a:t>
+            </a:r>
+          </a:p>
+        </p:txBody>
+      </p:sp>
+      <p:sp>
+        <p:nvSpPr>
+          <p:cNvPr id="13" name="吹き出し: 角を丸めた四角形 12">
+            <a:extLst>
+              <a:ext uri="{FF2B5EF4-FFF2-40B4-BE49-F238E27FC236}">
+                <a16:creationId xmlns:a16="http://schemas.microsoft.com/office/drawing/2014/main" id="{44D6C43E-91A7-3B31-1199-6A2D54641B4F}"/>
+              </a:ext>
+            </a:extLst>
+          </p:cNvPr>
+          <p:cNvSpPr/>
+          <p:nvPr/>
+        </p:nvSpPr>
+        <p:spPr>
+          <a:xfrm>
+            <a:off x="7162756" y="3982387"/>
+            <a:ext cx="3636331" cy="643160"/>
+          </a:xfrm>
+          <a:prstGeom prst="wedgeRoundRectCallout">
+            <a:avLst>
+              <a:gd name="adj1" fmla="val -3976"/>
+              <a:gd name="adj2" fmla="val 120280"/>
+              <a:gd name="adj3" fmla="val 16667"/>
+            </a:avLst>
+          </a:prstGeom>
+          <a:solidFill>
+            <a:schemeClr val="bg1"/>
+          </a:solidFill>
+          <a:ln>
+            <a:solidFill>
+              <a:srgbClr val="FFA333"/>
+            </a:solidFill>
+          </a:ln>
+        </p:spPr>
+        <p:style>
+          <a:lnRef idx="2">
+            <a:schemeClr val="accent1">
+              <a:shade val="50000"/>
+            </a:schemeClr>
+          </a:lnRef>
+          <a:fillRef idx="1">
+            <a:schemeClr val="accent1"/>
+          </a:fillRef>
+          <a:effectRef idx="0">
+            <a:schemeClr val="accent1"/>
+          </a:effectRef>
+          <a:fontRef idx="minor">
+            <a:schemeClr val="lt1"/>
+          </a:fontRef>
+        </p:style>
+        <p:txBody>
+          <a:bodyPr rtlCol="0" anchor="ctr"/>
+          <a:lstStyle/>
+          <a:p>
+            <a:r>
+              <a:rPr kumimoji="1" lang="ja-JP" altLang="en-US" sz="2400" dirty="0">
+                <a:solidFill>
+                  <a:schemeClr val="tx1"/>
+                </a:solidFill>
+                <a:latin typeface="HGｺﾞｼｯｸM" panose="020B0609000000000000" pitchFamily="49" charset="-128"/>
+                <a:ea typeface="HGｺﾞｼｯｸM" panose="020B0609000000000000" pitchFamily="49" charset="-128"/>
+              </a:rPr>
+              <a:t>育成キャラが変更される</a:t>
+            </a:r>
+          </a:p>
+        </p:txBody>
+      </p:sp>
     </p:spTree>
     <p:extLst>
       <p:ext uri="{BB962C8B-B14F-4D97-AF65-F5344CB8AC3E}">
-        <p14:creationId xmlns:p14="http://schemas.microsoft.com/office/powerpoint/2010/main" val="3111504861"/>
+        <p14:creationId xmlns:p14="http://schemas.microsoft.com/office/powerpoint/2010/main" val="155327494"/>
       </p:ext>
     </p:extLst>
   </p:cSld>
@@ -7013,10 +7675,13 @@
       </p:pic>
       <p:pic>
         <p:nvPicPr>
-          <p:cNvPr id="5" name="図 4" descr="テキスト&#10;&#10;自動的に生成された説明">
-            <a:extLst>
-              <a:ext uri="{FF2B5EF4-FFF2-40B4-BE49-F238E27FC236}">
-                <a16:creationId xmlns:a16="http://schemas.microsoft.com/office/drawing/2014/main" id="{4DC72F79-EDD7-198C-B786-BBF5B4380E2B}"/>
+          <p:cNvPr id="4" name="図 3">
+            <a:extLst>
+              <a:ext uri="{FF2B5EF4-FFF2-40B4-BE49-F238E27FC236}">
+                <a16:creationId xmlns:a16="http://schemas.microsoft.com/office/drawing/2014/main" id="{7A33A7C0-7A5E-46F4-B3A1-82ECAD324DE4}"/>
+              </a:ext>
+              <a:ext uri="{C183D7F6-B498-43B3-948B-1728B52AA6E4}">
+                <adec:decorative xmlns:adec="http://schemas.microsoft.com/office/drawing/2017/decorative" val="1"/>
               </a:ext>
             </a:extLst>
           </p:cNvPr>
@@ -7033,13 +7698,13 @@
               </a:ext>
             </a:extLst>
           </a:blip>
-          <a:srcRect l="3462" t="44044" r="45077" b="35798"/>
+          <a:srcRect t="43891" r="334" b="41874"/>
           <a:stretch/>
         </p:blipFill>
         <p:spPr>
           <a:xfrm>
-            <a:off x="2958903" y="2887394"/>
-            <a:ext cx="6274192" cy="1083212"/>
+            <a:off x="1116141" y="2940843"/>
+            <a:ext cx="9959718" cy="976314"/>
           </a:xfrm>
           <a:prstGeom prst="rect">
             <a:avLst/>
@@ -7049,7 +7714,7 @@
     </p:spTree>
     <p:extLst>
       <p:ext uri="{BB962C8B-B14F-4D97-AF65-F5344CB8AC3E}">
-        <p14:creationId xmlns:p14="http://schemas.microsoft.com/office/powerpoint/2010/main" val="2990093749"/>
+        <p14:creationId xmlns:p14="http://schemas.microsoft.com/office/powerpoint/2010/main" val="3111504861"/>
       </p:ext>
     </p:extLst>
   </p:cSld>
@@ -7076,71 +7741,83 @@
           <a:chExt cx="0" cy="0"/>
         </a:xfrm>
       </p:grpSpPr>
-      <p:sp>
-        <p:nvSpPr>
-          <p:cNvPr id="2" name="タイトル 1">
-            <a:extLst>
-              <a:ext uri="{FF2B5EF4-FFF2-40B4-BE49-F238E27FC236}">
-                <a16:creationId xmlns:a16="http://schemas.microsoft.com/office/drawing/2014/main" id="{693A6AA4-E421-2B25-F07B-E8469B9F6618}"/>
-              </a:ext>
-            </a:extLst>
-          </p:cNvPr>
-          <p:cNvSpPr>
-            <a:spLocks noGrp="1"/>
-          </p:cNvSpPr>
-          <p:nvPr>
-            <p:ph type="title"/>
-          </p:nvPr>
-        </p:nvSpPr>
-        <p:spPr/>
-        <p:txBody>
-          <a:bodyPr/>
-          <a:lstStyle/>
-          <a:p>
-            <a:r>
-              <a:rPr lang="ja-JP" altLang="en-US" dirty="0">
-                <a:solidFill>
-                  <a:schemeClr val="accent2">
-                    <a:lumMod val="75000"/>
-                  </a:schemeClr>
-                </a:solidFill>
-                <a:latin typeface="HGS創英角ｺﾞｼｯｸUB" panose="020B0900000000000000" pitchFamily="50" charset="-128"/>
-                <a:ea typeface="HGS創英角ｺﾞｼｯｸUB" panose="020B0900000000000000" pitchFamily="50" charset="-128"/>
-              </a:rPr>
-              <a:t>反省点</a:t>
-            </a:r>
-          </a:p>
-        </p:txBody>
-      </p:sp>
-      <p:sp>
-        <p:nvSpPr>
-          <p:cNvPr id="3" name="コンテンツ プレースホルダー 2">
-            <a:extLst>
-              <a:ext uri="{FF2B5EF4-FFF2-40B4-BE49-F238E27FC236}">
-                <a16:creationId xmlns:a16="http://schemas.microsoft.com/office/drawing/2014/main" id="{CC96BA86-5DEC-0C8A-0D37-9901BCB94BED}"/>
-              </a:ext>
-            </a:extLst>
-          </p:cNvPr>
-          <p:cNvSpPr>
-            <a:spLocks noGrp="1"/>
-          </p:cNvSpPr>
-          <p:nvPr>
-            <p:ph idx="1"/>
-          </p:nvPr>
-        </p:nvSpPr>
-        <p:spPr/>
-        <p:txBody>
-          <a:bodyPr/>
-          <a:lstStyle/>
-          <a:p>
-            <a:endParaRPr kumimoji="1" lang="ja-JP" altLang="en-US" dirty="0"/>
-          </a:p>
-        </p:txBody>
-      </p:sp>
+      <p:pic>
+        <p:nvPicPr>
+          <p:cNvPr id="10" name="図 9" descr="カーテン が含まれている画像&#10;&#10;自動的に生成された説明">
+            <a:extLst>
+              <a:ext uri="{FF2B5EF4-FFF2-40B4-BE49-F238E27FC236}">
+                <a16:creationId xmlns:a16="http://schemas.microsoft.com/office/drawing/2014/main" id="{3BFCBF50-5650-0F99-E72E-1F161F7507D2}"/>
+              </a:ext>
+            </a:extLst>
+          </p:cNvPr>
+          <p:cNvPicPr>
+            <a:picLocks noChangeAspect="1"/>
+          </p:cNvPicPr>
+          <p:nvPr/>
+        </p:nvPicPr>
+        <p:blipFill rotWithShape="1">
+          <a:blip r:embed="rId2">
+            <a:extLst>
+              <a:ext uri="{28A0092B-C50C-407E-A947-70E740481C1C}">
+                <a14:useLocalDpi xmlns:a14="http://schemas.microsoft.com/office/drawing/2010/main" val="0"/>
+              </a:ext>
+            </a:extLst>
+          </a:blip>
+          <a:srcRect b="325"/>
+          <a:stretch/>
+        </p:blipFill>
+        <p:spPr>
+          <a:xfrm>
+            <a:off x="-1" y="0"/>
+            <a:ext cx="12192001" cy="6858000"/>
+          </a:xfrm>
+          <a:prstGeom prst="rect">
+            <a:avLst/>
+          </a:prstGeom>
+        </p:spPr>
+      </p:pic>
+      <p:pic>
+        <p:nvPicPr>
+          <p:cNvPr id="4" name="図 3">
+            <a:extLst>
+              <a:ext uri="{FF2B5EF4-FFF2-40B4-BE49-F238E27FC236}">
+                <a16:creationId xmlns:a16="http://schemas.microsoft.com/office/drawing/2014/main" id="{D101F2A0-1950-7F3F-8DCE-2E76C59F7567}"/>
+              </a:ext>
+              <a:ext uri="{C183D7F6-B498-43B3-948B-1728B52AA6E4}">
+                <adec:decorative xmlns:adec="http://schemas.microsoft.com/office/drawing/2017/decorative" val="1"/>
+              </a:ext>
+            </a:extLst>
+          </p:cNvPr>
+          <p:cNvPicPr>
+            <a:picLocks noChangeAspect="1"/>
+          </p:cNvPicPr>
+          <p:nvPr/>
+        </p:nvPicPr>
+        <p:blipFill rotWithShape="1">
+          <a:blip r:embed="rId3">
+            <a:extLst>
+              <a:ext uri="{28A0092B-C50C-407E-A947-70E740481C1C}">
+                <a14:useLocalDpi xmlns:a14="http://schemas.microsoft.com/office/drawing/2010/main" val="0"/>
+              </a:ext>
+            </a:extLst>
+          </a:blip>
+          <a:srcRect l="1" t="58203" r="42272" b="28186"/>
+          <a:stretch/>
+        </p:blipFill>
+        <p:spPr>
+          <a:xfrm>
+            <a:off x="3211642" y="2962275"/>
+            <a:ext cx="5768717" cy="933450"/>
+          </a:xfrm>
+          <a:prstGeom prst="rect">
+            <a:avLst/>
+          </a:prstGeom>
+        </p:spPr>
+      </p:pic>
     </p:spTree>
     <p:extLst>
       <p:ext uri="{BB962C8B-B14F-4D97-AF65-F5344CB8AC3E}">
-        <p14:creationId xmlns:p14="http://schemas.microsoft.com/office/powerpoint/2010/main" val="641907718"/>
+        <p14:creationId xmlns:p14="http://schemas.microsoft.com/office/powerpoint/2010/main" val="2990093749"/>
       </p:ext>
     </p:extLst>
   </p:cSld>
@@ -7198,7 +7875,7 @@
                 <a:latin typeface="HGS創英角ｺﾞｼｯｸUB" panose="020B0900000000000000" pitchFamily="50" charset="-128"/>
                 <a:ea typeface="HGS創英角ｺﾞｼｯｸUB" panose="020B0900000000000000" pitchFamily="50" charset="-128"/>
               </a:rPr>
-              <a:t>課題</a:t>
+              <a:t>反省点</a:t>
             </a:r>
           </a:p>
         </p:txBody>
@@ -7231,7 +7908,7 @@
     </p:spTree>
     <p:extLst>
       <p:ext uri="{BB962C8B-B14F-4D97-AF65-F5344CB8AC3E}">
-        <p14:creationId xmlns:p14="http://schemas.microsoft.com/office/powerpoint/2010/main" val="2943866939"/>
+        <p14:creationId xmlns:p14="http://schemas.microsoft.com/office/powerpoint/2010/main" val="641907718"/>
       </p:ext>
     </p:extLst>
   </p:cSld>
@@ -7258,80 +7935,71 @@
           <a:chExt cx="0" cy="0"/>
         </a:xfrm>
       </p:grpSpPr>
-      <p:pic>
-        <p:nvPicPr>
-          <p:cNvPr id="10" name="図 9" descr="カーテン が含まれている画像&#10;&#10;自動的に生成された説明">
-            <a:extLst>
-              <a:ext uri="{FF2B5EF4-FFF2-40B4-BE49-F238E27FC236}">
-                <a16:creationId xmlns:a16="http://schemas.microsoft.com/office/drawing/2014/main" id="{3BFCBF50-5650-0F99-E72E-1F161F7507D2}"/>
-              </a:ext>
-            </a:extLst>
-          </p:cNvPr>
-          <p:cNvPicPr>
-            <a:picLocks noChangeAspect="1"/>
-          </p:cNvPicPr>
-          <p:nvPr/>
-        </p:nvPicPr>
-        <p:blipFill rotWithShape="1">
-          <a:blip r:embed="rId2">
-            <a:extLst>
-              <a:ext uri="{28A0092B-C50C-407E-A947-70E740481C1C}">
-                <a14:useLocalDpi xmlns:a14="http://schemas.microsoft.com/office/drawing/2010/main" val="0"/>
-              </a:ext>
-            </a:extLst>
-          </a:blip>
-          <a:srcRect b="325"/>
-          <a:stretch/>
-        </p:blipFill>
-        <p:spPr>
-          <a:xfrm>
-            <a:off x="-1" y="0"/>
-            <a:ext cx="12192001" cy="6858000"/>
-          </a:xfrm>
-          <a:prstGeom prst="rect">
-            <a:avLst/>
-          </a:prstGeom>
-        </p:spPr>
-      </p:pic>
-      <p:pic>
-        <p:nvPicPr>
-          <p:cNvPr id="5" name="図 4" descr="テキスト&#10;&#10;自動的に生成された説明">
-            <a:extLst>
-              <a:ext uri="{FF2B5EF4-FFF2-40B4-BE49-F238E27FC236}">
-                <a16:creationId xmlns:a16="http://schemas.microsoft.com/office/drawing/2014/main" id="{1486B0C3-5087-AE18-53BE-13C7257FADDE}"/>
-              </a:ext>
-            </a:extLst>
-          </p:cNvPr>
-          <p:cNvPicPr>
-            <a:picLocks noChangeAspect="1"/>
-          </p:cNvPicPr>
-          <p:nvPr/>
-        </p:nvPicPr>
-        <p:blipFill rotWithShape="1">
-          <a:blip r:embed="rId3">
-            <a:extLst>
-              <a:ext uri="{28A0092B-C50C-407E-A947-70E740481C1C}">
-                <a14:useLocalDpi xmlns:a14="http://schemas.microsoft.com/office/drawing/2010/main" val="0"/>
-              </a:ext>
-            </a:extLst>
-          </a:blip>
-          <a:srcRect l="3808" t="70747" r="24769" b="8833"/>
-          <a:stretch/>
-        </p:blipFill>
-        <p:spPr>
-          <a:xfrm>
-            <a:off x="1742050" y="2880360"/>
-            <a:ext cx="8707901" cy="1097281"/>
-          </a:xfrm>
-          <a:prstGeom prst="rect">
-            <a:avLst/>
-          </a:prstGeom>
-        </p:spPr>
-      </p:pic>
+      <p:sp>
+        <p:nvSpPr>
+          <p:cNvPr id="2" name="タイトル 1">
+            <a:extLst>
+              <a:ext uri="{FF2B5EF4-FFF2-40B4-BE49-F238E27FC236}">
+                <a16:creationId xmlns:a16="http://schemas.microsoft.com/office/drawing/2014/main" id="{693A6AA4-E421-2B25-F07B-E8469B9F6618}"/>
+              </a:ext>
+            </a:extLst>
+          </p:cNvPr>
+          <p:cNvSpPr>
+            <a:spLocks noGrp="1"/>
+          </p:cNvSpPr>
+          <p:nvPr>
+            <p:ph type="title"/>
+          </p:nvPr>
+        </p:nvSpPr>
+        <p:spPr/>
+        <p:txBody>
+          <a:bodyPr/>
+          <a:lstStyle/>
+          <a:p>
+            <a:r>
+              <a:rPr lang="ja-JP" altLang="en-US" dirty="0">
+                <a:solidFill>
+                  <a:schemeClr val="accent2">
+                    <a:lumMod val="75000"/>
+                  </a:schemeClr>
+                </a:solidFill>
+                <a:latin typeface="HGS創英角ｺﾞｼｯｸUB" panose="020B0900000000000000" pitchFamily="50" charset="-128"/>
+                <a:ea typeface="HGS創英角ｺﾞｼｯｸUB" panose="020B0900000000000000" pitchFamily="50" charset="-128"/>
+              </a:rPr>
+              <a:t>課題</a:t>
+            </a:r>
+          </a:p>
+        </p:txBody>
+      </p:sp>
+      <p:sp>
+        <p:nvSpPr>
+          <p:cNvPr id="3" name="コンテンツ プレースホルダー 2">
+            <a:extLst>
+              <a:ext uri="{FF2B5EF4-FFF2-40B4-BE49-F238E27FC236}">
+                <a16:creationId xmlns:a16="http://schemas.microsoft.com/office/drawing/2014/main" id="{CC96BA86-5DEC-0C8A-0D37-9901BCB94BED}"/>
+              </a:ext>
+            </a:extLst>
+          </p:cNvPr>
+          <p:cNvSpPr>
+            <a:spLocks noGrp="1"/>
+          </p:cNvSpPr>
+          <p:nvPr>
+            <p:ph idx="1"/>
+          </p:nvPr>
+        </p:nvSpPr>
+        <p:spPr/>
+        <p:txBody>
+          <a:bodyPr/>
+          <a:lstStyle/>
+          <a:p>
+            <a:endParaRPr kumimoji="1" lang="ja-JP" altLang="en-US" dirty="0"/>
+          </a:p>
+        </p:txBody>
+      </p:sp>
     </p:spTree>
     <p:extLst>
       <p:ext uri="{BB962C8B-B14F-4D97-AF65-F5344CB8AC3E}">
-        <p14:creationId xmlns:p14="http://schemas.microsoft.com/office/powerpoint/2010/main" val="3344695076"/>
+        <p14:creationId xmlns:p14="http://schemas.microsoft.com/office/powerpoint/2010/main" val="2943866939"/>
       </p:ext>
     </p:extLst>
   </p:cSld>
@@ -7358,156 +8026,83 @@
           <a:chExt cx="0" cy="0"/>
         </a:xfrm>
       </p:grpSpPr>
-      <p:sp>
-        <p:nvSpPr>
-          <p:cNvPr id="2" name="タイトル 1">
-            <a:extLst>
-              <a:ext uri="{FF2B5EF4-FFF2-40B4-BE49-F238E27FC236}">
-                <a16:creationId xmlns:a16="http://schemas.microsoft.com/office/drawing/2014/main" id="{693A6AA4-E421-2B25-F07B-E8469B9F6618}"/>
-              </a:ext>
-            </a:extLst>
-          </p:cNvPr>
-          <p:cNvSpPr>
-            <a:spLocks noGrp="1"/>
-          </p:cNvSpPr>
-          <p:nvPr>
-            <p:ph type="title"/>
-          </p:nvPr>
-        </p:nvSpPr>
-        <p:spPr>
-          <a:solidFill>
-            <a:schemeClr val="accent2">
-              <a:lumMod val="75000"/>
-            </a:schemeClr>
-          </a:solidFill>
-        </p:spPr>
-        <p:txBody>
-          <a:bodyPr/>
-          <a:lstStyle/>
-          <a:p>
-            <a:r>
-              <a:rPr lang="ja-JP" altLang="en-US" dirty="0">
-                <a:solidFill>
-                  <a:schemeClr val="bg1"/>
-                </a:solidFill>
-                <a:latin typeface="HGS創英角ｺﾞｼｯｸUB" panose="020B0900000000000000" pitchFamily="50" charset="-128"/>
-                <a:ea typeface="HGS創英角ｺﾞｼｯｸUB" panose="020B0900000000000000" pitchFamily="50" charset="-128"/>
-              </a:rPr>
-              <a:t>名前</a:t>
-            </a:r>
-            <a:br>
-              <a:rPr lang="en-US" altLang="ja-JP" dirty="0">
-                <a:solidFill>
-                  <a:schemeClr val="bg1"/>
-                </a:solidFill>
-                <a:latin typeface="HGS創英角ｺﾞｼｯｸUB" panose="020B0900000000000000" pitchFamily="50" charset="-128"/>
-                <a:ea typeface="HGS創英角ｺﾞｼｯｸUB" panose="020B0900000000000000" pitchFamily="50" charset="-128"/>
-              </a:rPr>
-            </a:br>
-            <a:r>
-              <a:rPr lang="ja-JP" altLang="en-US" sz="3600" dirty="0">
-                <a:solidFill>
-                  <a:schemeClr val="bg1"/>
-                </a:solidFill>
-                <a:latin typeface="HGS創英角ｺﾞｼｯｸUB" panose="020B0900000000000000" pitchFamily="50" charset="-128"/>
-                <a:ea typeface="HGS創英角ｺﾞｼｯｸUB" panose="020B0900000000000000" pitchFamily="50" charset="-128"/>
-              </a:rPr>
-              <a:t>（会社名）</a:t>
-            </a:r>
-            <a:endParaRPr lang="ja-JP" altLang="en-US" dirty="0">
-              <a:solidFill>
-                <a:schemeClr val="bg1"/>
-              </a:solidFill>
-              <a:latin typeface="HGS創英角ｺﾞｼｯｸUB" panose="020B0900000000000000" pitchFamily="50" charset="-128"/>
-              <a:ea typeface="HGS創英角ｺﾞｼｯｸUB" panose="020B0900000000000000" pitchFamily="50" charset="-128"/>
-            </a:endParaRPr>
-          </a:p>
-        </p:txBody>
-      </p:sp>
-      <p:sp>
-        <p:nvSpPr>
-          <p:cNvPr id="3" name="コンテンツ プレースホルダー 2">
-            <a:extLst>
-              <a:ext uri="{FF2B5EF4-FFF2-40B4-BE49-F238E27FC236}">
-                <a16:creationId xmlns:a16="http://schemas.microsoft.com/office/drawing/2014/main" id="{CC96BA86-5DEC-0C8A-0D37-9901BCB94BED}"/>
-              </a:ext>
-            </a:extLst>
-          </p:cNvPr>
-          <p:cNvSpPr>
-            <a:spLocks noGrp="1"/>
-          </p:cNvSpPr>
-          <p:nvPr>
-            <p:ph idx="1"/>
-          </p:nvPr>
-        </p:nvSpPr>
+      <p:pic>
+        <p:nvPicPr>
+          <p:cNvPr id="10" name="図 9" descr="カーテン が含まれている画像&#10;&#10;自動的に生成された説明">
+            <a:extLst>
+              <a:ext uri="{FF2B5EF4-FFF2-40B4-BE49-F238E27FC236}">
+                <a16:creationId xmlns:a16="http://schemas.microsoft.com/office/drawing/2014/main" id="{3BFCBF50-5650-0F99-E72E-1F161F7507D2}"/>
+              </a:ext>
+            </a:extLst>
+          </p:cNvPr>
+          <p:cNvPicPr>
+            <a:picLocks noChangeAspect="1"/>
+          </p:cNvPicPr>
+          <p:nvPr/>
+        </p:nvPicPr>
+        <p:blipFill rotWithShape="1">
+          <a:blip r:embed="rId2">
+            <a:extLst>
+              <a:ext uri="{28A0092B-C50C-407E-A947-70E740481C1C}">
+                <a14:useLocalDpi xmlns:a14="http://schemas.microsoft.com/office/drawing/2010/main" val="0"/>
+              </a:ext>
+            </a:extLst>
+          </a:blip>
+          <a:srcRect b="325"/>
+          <a:stretch/>
+        </p:blipFill>
         <p:spPr>
           <a:xfrm>
-            <a:off x="838200" y="1825625"/>
-            <a:ext cx="10515600" cy="4836432"/>
-          </a:xfrm>
-        </p:spPr>
-        <p:txBody>
-          <a:bodyPr/>
-          <a:lstStyle/>
-          <a:p>
-            <a:pPr marL="0" indent="0">
-              <a:buNone/>
-            </a:pPr>
-            <a:r>
-              <a:rPr kumimoji="1" lang="ja-JP" altLang="en-US" dirty="0"/>
-              <a:t>担当</a:t>
-            </a:r>
-            <a:endParaRPr kumimoji="1" lang="en-US" altLang="ja-JP" dirty="0"/>
-          </a:p>
-          <a:p>
-            <a:pPr marL="0" indent="0">
-              <a:buNone/>
-            </a:pPr>
-            <a:endParaRPr kumimoji="1" lang="en-US" altLang="ja-JP" dirty="0"/>
-          </a:p>
-          <a:p>
-            <a:pPr marL="0" indent="0">
-              <a:buNone/>
-            </a:pPr>
-            <a:endParaRPr lang="en-US" altLang="ja-JP" dirty="0"/>
-          </a:p>
-          <a:p>
-            <a:pPr marL="0" indent="0">
-              <a:buNone/>
-            </a:pPr>
-            <a:r>
-              <a:rPr kumimoji="1" lang="ja-JP" altLang="en-US" dirty="0"/>
-              <a:t>苦労した点</a:t>
-            </a:r>
-            <a:endParaRPr kumimoji="1" lang="en-US" altLang="ja-JP" dirty="0"/>
-          </a:p>
-          <a:p>
-            <a:pPr marL="0" indent="0">
-              <a:buNone/>
-            </a:pPr>
-            <a:endParaRPr lang="en-US" altLang="ja-JP" dirty="0"/>
-          </a:p>
-          <a:p>
-            <a:pPr marL="0" indent="0">
-              <a:buNone/>
-            </a:pPr>
-            <a:endParaRPr kumimoji="1" lang="en-US" altLang="ja-JP" dirty="0"/>
-          </a:p>
-          <a:p>
-            <a:pPr marL="0" indent="0">
-              <a:buNone/>
-            </a:pPr>
-            <a:r>
-              <a:rPr kumimoji="1" lang="ja-JP" altLang="en-US" dirty="0"/>
-              <a:t>成果</a:t>
-            </a:r>
-          </a:p>
-        </p:txBody>
-      </p:sp>
+            <a:off x="-1" y="0"/>
+            <a:ext cx="12192001" cy="6858000"/>
+          </a:xfrm>
+          <a:prstGeom prst="rect">
+            <a:avLst/>
+          </a:prstGeom>
+        </p:spPr>
+      </p:pic>
+      <p:pic>
+        <p:nvPicPr>
+          <p:cNvPr id="4" name="図 3">
+            <a:extLst>
+              <a:ext uri="{FF2B5EF4-FFF2-40B4-BE49-F238E27FC236}">
+                <a16:creationId xmlns:a16="http://schemas.microsoft.com/office/drawing/2014/main" id="{D3F2C183-2FE4-6256-41B3-506B9B6FED49}"/>
+              </a:ext>
+              <a:ext uri="{C183D7F6-B498-43B3-948B-1728B52AA6E4}">
+                <adec:decorative xmlns:adec="http://schemas.microsoft.com/office/drawing/2017/decorative" val="1"/>
+              </a:ext>
+            </a:extLst>
+          </p:cNvPr>
+          <p:cNvPicPr>
+            <a:picLocks noChangeAspect="1"/>
+          </p:cNvPicPr>
+          <p:nvPr/>
+        </p:nvPicPr>
+        <p:blipFill rotWithShape="1">
+          <a:blip r:embed="rId3">
+            <a:extLst>
+              <a:ext uri="{28A0092B-C50C-407E-A947-70E740481C1C}">
+                <a14:useLocalDpi xmlns:a14="http://schemas.microsoft.com/office/drawing/2010/main" val="0"/>
+              </a:ext>
+            </a:extLst>
+          </a:blip>
+          <a:srcRect l="62" t="72509" r="9769" b="14020"/>
+          <a:stretch/>
+        </p:blipFill>
+        <p:spPr>
+          <a:xfrm>
+            <a:off x="1590675" y="2967038"/>
+            <a:ext cx="9010650" cy="923925"/>
+          </a:xfrm>
+          <a:prstGeom prst="rect">
+            <a:avLst/>
+          </a:prstGeom>
+        </p:spPr>
+      </p:pic>
     </p:spTree>
     <p:extLst>
       <p:ext uri="{BB962C8B-B14F-4D97-AF65-F5344CB8AC3E}">
-        <p14:creationId xmlns:p14="http://schemas.microsoft.com/office/powerpoint/2010/main" val="1495929086"/>
+        <p14:creationId xmlns:p14="http://schemas.microsoft.com/office/powerpoint/2010/main" val="3344695076"/>
       </p:ext>
     </p:extLst>
   </p:cSld>
@@ -7683,7 +8278,7 @@
     </p:spTree>
     <p:extLst>
       <p:ext uri="{BB962C8B-B14F-4D97-AF65-F5344CB8AC3E}">
-        <p14:creationId xmlns:p14="http://schemas.microsoft.com/office/powerpoint/2010/main" val="349580343"/>
+        <p14:creationId xmlns:p14="http://schemas.microsoft.com/office/powerpoint/2010/main" val="1495929086"/>
       </p:ext>
     </p:extLst>
   </p:cSld>
@@ -7786,7 +8381,24 @@
                 <a:latin typeface="HGｺﾞｼｯｸE" panose="020B0909000000000000" pitchFamily="49" charset="-128"/>
                 <a:ea typeface="HGｺﾞｼｯｸE" panose="020B0909000000000000" pitchFamily="49" charset="-128"/>
               </a:rPr>
-              <a:t>背景・概要</a:t>
+              <a:t>背景・目的</a:t>
+            </a:r>
+            <a:endParaRPr lang="en-US" altLang="ja-JP" sz="3600" dirty="0">
+              <a:latin typeface="HGｺﾞｼｯｸE" panose="020B0909000000000000" pitchFamily="49" charset="-128"/>
+              <a:ea typeface="HGｺﾞｼｯｸE" panose="020B0909000000000000" pitchFamily="49" charset="-128"/>
+            </a:endParaRPr>
+          </a:p>
+          <a:p>
+            <a:pPr marL="742950" indent="-742950">
+              <a:buFont typeface="+mj-lt"/>
+              <a:buAutoNum type="arabicPeriod"/>
+            </a:pPr>
+            <a:r>
+              <a:rPr lang="ja-JP" altLang="en-US" sz="3600" dirty="0">
+                <a:latin typeface="HGｺﾞｼｯｸE" panose="020B0909000000000000" pitchFamily="49" charset="-128"/>
+                <a:ea typeface="HGｺﾞｼｯｸE" panose="020B0909000000000000" pitchFamily="49" charset="-128"/>
+              </a:rPr>
+              <a:t>概要</a:t>
             </a:r>
             <a:endParaRPr lang="en-US" altLang="ja-JP" sz="3600" dirty="0">
               <a:latin typeface="HGｺﾞｼｯｸE" panose="020B0909000000000000" pitchFamily="49" charset="-128"/>
@@ -8090,7 +8702,7 @@
     </p:spTree>
     <p:extLst>
       <p:ext uri="{BB962C8B-B14F-4D97-AF65-F5344CB8AC3E}">
-        <p14:creationId xmlns:p14="http://schemas.microsoft.com/office/powerpoint/2010/main" val="1466363362"/>
+        <p14:creationId xmlns:p14="http://schemas.microsoft.com/office/powerpoint/2010/main" val="349580343"/>
       </p:ext>
     </p:extLst>
   </p:cSld>
@@ -8266,7 +8878,7 @@
     </p:spTree>
     <p:extLst>
       <p:ext uri="{BB962C8B-B14F-4D97-AF65-F5344CB8AC3E}">
-        <p14:creationId xmlns:p14="http://schemas.microsoft.com/office/powerpoint/2010/main" val="3338800957"/>
+        <p14:creationId xmlns:p14="http://schemas.microsoft.com/office/powerpoint/2010/main" val="1466363362"/>
       </p:ext>
     </p:extLst>
   </p:cSld>
@@ -8442,7 +9054,7 @@
     </p:spTree>
     <p:extLst>
       <p:ext uri="{BB962C8B-B14F-4D97-AF65-F5344CB8AC3E}">
-        <p14:creationId xmlns:p14="http://schemas.microsoft.com/office/powerpoint/2010/main" val="2302862594"/>
+        <p14:creationId xmlns:p14="http://schemas.microsoft.com/office/powerpoint/2010/main" val="3338800957"/>
       </p:ext>
     </p:extLst>
   </p:cSld>
@@ -8469,6 +9081,182 @@
           <a:chExt cx="0" cy="0"/>
         </a:xfrm>
       </p:grpSpPr>
+      <p:sp>
+        <p:nvSpPr>
+          <p:cNvPr id="2" name="タイトル 1">
+            <a:extLst>
+              <a:ext uri="{FF2B5EF4-FFF2-40B4-BE49-F238E27FC236}">
+                <a16:creationId xmlns:a16="http://schemas.microsoft.com/office/drawing/2014/main" id="{693A6AA4-E421-2B25-F07B-E8469B9F6618}"/>
+              </a:ext>
+            </a:extLst>
+          </p:cNvPr>
+          <p:cNvSpPr>
+            <a:spLocks noGrp="1"/>
+          </p:cNvSpPr>
+          <p:nvPr>
+            <p:ph type="title"/>
+          </p:nvPr>
+        </p:nvSpPr>
+        <p:spPr>
+          <a:solidFill>
+            <a:schemeClr val="accent2">
+              <a:lumMod val="75000"/>
+            </a:schemeClr>
+          </a:solidFill>
+        </p:spPr>
+        <p:txBody>
+          <a:bodyPr/>
+          <a:lstStyle/>
+          <a:p>
+            <a:r>
+              <a:rPr lang="ja-JP" altLang="en-US" dirty="0">
+                <a:solidFill>
+                  <a:schemeClr val="bg1"/>
+                </a:solidFill>
+                <a:latin typeface="HGS創英角ｺﾞｼｯｸUB" panose="020B0900000000000000" pitchFamily="50" charset="-128"/>
+                <a:ea typeface="HGS創英角ｺﾞｼｯｸUB" panose="020B0900000000000000" pitchFamily="50" charset="-128"/>
+              </a:rPr>
+              <a:t>名前</a:t>
+            </a:r>
+            <a:br>
+              <a:rPr lang="en-US" altLang="ja-JP" dirty="0">
+                <a:solidFill>
+                  <a:schemeClr val="bg1"/>
+                </a:solidFill>
+                <a:latin typeface="HGS創英角ｺﾞｼｯｸUB" panose="020B0900000000000000" pitchFamily="50" charset="-128"/>
+                <a:ea typeface="HGS創英角ｺﾞｼｯｸUB" panose="020B0900000000000000" pitchFamily="50" charset="-128"/>
+              </a:rPr>
+            </a:br>
+            <a:r>
+              <a:rPr lang="ja-JP" altLang="en-US" sz="3600" dirty="0">
+                <a:solidFill>
+                  <a:schemeClr val="bg1"/>
+                </a:solidFill>
+                <a:latin typeface="HGS創英角ｺﾞｼｯｸUB" panose="020B0900000000000000" pitchFamily="50" charset="-128"/>
+                <a:ea typeface="HGS創英角ｺﾞｼｯｸUB" panose="020B0900000000000000" pitchFamily="50" charset="-128"/>
+              </a:rPr>
+              <a:t>（会社名）</a:t>
+            </a:r>
+            <a:endParaRPr lang="ja-JP" altLang="en-US" dirty="0">
+              <a:solidFill>
+                <a:schemeClr val="bg1"/>
+              </a:solidFill>
+              <a:latin typeface="HGS創英角ｺﾞｼｯｸUB" panose="020B0900000000000000" pitchFamily="50" charset="-128"/>
+              <a:ea typeface="HGS創英角ｺﾞｼｯｸUB" panose="020B0900000000000000" pitchFamily="50" charset="-128"/>
+            </a:endParaRPr>
+          </a:p>
+        </p:txBody>
+      </p:sp>
+      <p:sp>
+        <p:nvSpPr>
+          <p:cNvPr id="3" name="コンテンツ プレースホルダー 2">
+            <a:extLst>
+              <a:ext uri="{FF2B5EF4-FFF2-40B4-BE49-F238E27FC236}">
+                <a16:creationId xmlns:a16="http://schemas.microsoft.com/office/drawing/2014/main" id="{CC96BA86-5DEC-0C8A-0D37-9901BCB94BED}"/>
+              </a:ext>
+            </a:extLst>
+          </p:cNvPr>
+          <p:cNvSpPr>
+            <a:spLocks noGrp="1"/>
+          </p:cNvSpPr>
+          <p:nvPr>
+            <p:ph idx="1"/>
+          </p:nvPr>
+        </p:nvSpPr>
+        <p:spPr>
+          <a:xfrm>
+            <a:off x="838200" y="1825625"/>
+            <a:ext cx="10515600" cy="4836432"/>
+          </a:xfrm>
+        </p:spPr>
+        <p:txBody>
+          <a:bodyPr/>
+          <a:lstStyle/>
+          <a:p>
+            <a:pPr marL="0" indent="0">
+              <a:buNone/>
+            </a:pPr>
+            <a:r>
+              <a:rPr kumimoji="1" lang="ja-JP" altLang="en-US" dirty="0"/>
+              <a:t>担当</a:t>
+            </a:r>
+            <a:endParaRPr kumimoji="1" lang="en-US" altLang="ja-JP" dirty="0"/>
+          </a:p>
+          <a:p>
+            <a:pPr marL="0" indent="0">
+              <a:buNone/>
+            </a:pPr>
+            <a:endParaRPr kumimoji="1" lang="en-US" altLang="ja-JP" dirty="0"/>
+          </a:p>
+          <a:p>
+            <a:pPr marL="0" indent="0">
+              <a:buNone/>
+            </a:pPr>
+            <a:endParaRPr lang="en-US" altLang="ja-JP" dirty="0"/>
+          </a:p>
+          <a:p>
+            <a:pPr marL="0" indent="0">
+              <a:buNone/>
+            </a:pPr>
+            <a:r>
+              <a:rPr kumimoji="1" lang="ja-JP" altLang="en-US" dirty="0"/>
+              <a:t>苦労した点</a:t>
+            </a:r>
+            <a:endParaRPr kumimoji="1" lang="en-US" altLang="ja-JP" dirty="0"/>
+          </a:p>
+          <a:p>
+            <a:pPr marL="0" indent="0">
+              <a:buNone/>
+            </a:pPr>
+            <a:endParaRPr lang="en-US" altLang="ja-JP" dirty="0"/>
+          </a:p>
+          <a:p>
+            <a:pPr marL="0" indent="0">
+              <a:buNone/>
+            </a:pPr>
+            <a:endParaRPr kumimoji="1" lang="en-US" altLang="ja-JP" dirty="0"/>
+          </a:p>
+          <a:p>
+            <a:pPr marL="0" indent="0">
+              <a:buNone/>
+            </a:pPr>
+            <a:r>
+              <a:rPr kumimoji="1" lang="ja-JP" altLang="en-US" dirty="0"/>
+              <a:t>成果</a:t>
+            </a:r>
+          </a:p>
+        </p:txBody>
+      </p:sp>
+    </p:spTree>
+    <p:extLst>
+      <p:ext uri="{BB962C8B-B14F-4D97-AF65-F5344CB8AC3E}">
+        <p14:creationId xmlns:p14="http://schemas.microsoft.com/office/powerpoint/2010/main" val="2302862594"/>
+      </p:ext>
+    </p:extLst>
+  </p:cSld>
+  <p:clrMapOvr>
+    <a:masterClrMapping/>
+  </p:clrMapOvr>
+</p:sld>
+</file>
+
+<file path=ppt/slides/slide24.xml><?xml version="1.0" encoding="utf-8"?>
+<p:sld xmlns:a="http://schemas.openxmlformats.org/drawingml/2006/main" xmlns:r="http://schemas.openxmlformats.org/officeDocument/2006/relationships" xmlns:p="http://schemas.openxmlformats.org/presentationml/2006/main">
+  <p:cSld>
+    <p:spTree>
+      <p:nvGrpSpPr>
+        <p:cNvPr id="1" name=""/>
+        <p:cNvGrpSpPr/>
+        <p:nvPr/>
+      </p:nvGrpSpPr>
+      <p:grpSpPr>
+        <a:xfrm>
+          <a:off x="0" y="0"/>
+          <a:ext cx="0" cy="0"/>
+          <a:chOff x="0" y="0"/>
+          <a:chExt cx="0" cy="0"/>
+        </a:xfrm>
+      </p:grpSpPr>
       <p:pic>
         <p:nvPicPr>
           <p:cNvPr id="10" name="図 9" descr="カーテン が含まれている画像&#10;&#10;自動的に生成された説明">
@@ -8506,10 +9294,13 @@
       </p:pic>
       <p:pic>
         <p:nvPicPr>
-          <p:cNvPr id="3" name="図 2" descr="テキスト&#10;&#10;自動的に生成された説明">
-            <a:extLst>
-              <a:ext uri="{FF2B5EF4-FFF2-40B4-BE49-F238E27FC236}">
-                <a16:creationId xmlns:a16="http://schemas.microsoft.com/office/drawing/2014/main" id="{601D69AA-9EA0-8493-F4AB-A34066B0C524}"/>
+          <p:cNvPr id="4" name="図 3">
+            <a:extLst>
+              <a:ext uri="{FF2B5EF4-FFF2-40B4-BE49-F238E27FC236}">
+                <a16:creationId xmlns:a16="http://schemas.microsoft.com/office/drawing/2014/main" id="{F0948F54-69E1-B47D-FA28-770146C787A7}"/>
+              </a:ext>
+              <a:ext uri="{C183D7F6-B498-43B3-948B-1728B52AA6E4}">
+                <adec:decorative xmlns:adec="http://schemas.microsoft.com/office/drawing/2017/decorative" val="1"/>
               </a:ext>
             </a:extLst>
           </p:cNvPr>
@@ -8526,13 +9317,13 @@
               </a:ext>
             </a:extLst>
           </a:blip>
-          <a:srcRect l="3346" t="16556" r="71846" b="63286"/>
+          <a:srcRect l="61" t="85842" r="67913" b="-147"/>
           <a:stretch/>
         </p:blipFill>
         <p:spPr>
           <a:xfrm>
-            <a:off x="3838135" y="2887393"/>
-            <a:ext cx="3024555" cy="1083213"/>
+            <a:off x="3581400" y="2938462"/>
+            <a:ext cx="3200400" cy="981075"/>
           </a:xfrm>
           <a:prstGeom prst="rect">
             <a:avLst/>
@@ -8552,7 +9343,7 @@
 </p:sld>
 </file>
 
-<file path=ppt/slides/slide24.xml><?xml version="1.0" encoding="utf-8"?>
+<file path=ppt/slides/slide25.xml><?xml version="1.0" encoding="utf-8"?>
 <p:sld xmlns:a="http://schemas.openxmlformats.org/drawingml/2006/main" xmlns:r="http://schemas.openxmlformats.org/officeDocument/2006/relationships" xmlns:p="http://schemas.openxmlformats.org/presentationml/2006/main">
   <p:cSld>
     <p:spTree>
@@ -8700,10 +9491,13 @@
       </p:pic>
       <p:pic>
         <p:nvPicPr>
-          <p:cNvPr id="16" name="図 15" descr="テキスト&#10;&#10;自動的に生成された説明">
-            <a:extLst>
-              <a:ext uri="{FF2B5EF4-FFF2-40B4-BE49-F238E27FC236}">
-                <a16:creationId xmlns:a16="http://schemas.microsoft.com/office/drawing/2014/main" id="{13B371AF-804D-1216-2983-193D1D925120}"/>
+          <p:cNvPr id="3" name="図 2">
+            <a:extLst>
+              <a:ext uri="{FF2B5EF4-FFF2-40B4-BE49-F238E27FC236}">
+                <a16:creationId xmlns:a16="http://schemas.microsoft.com/office/drawing/2014/main" id="{D7D804FC-312B-7AE9-104F-DA68ACC6DB97}"/>
+              </a:ext>
+              <a:ext uri="{C183D7F6-B498-43B3-948B-1728B52AA6E4}">
+                <adec:decorative xmlns:adec="http://schemas.microsoft.com/office/drawing/2017/decorative" val="1"/>
               </a:ext>
             </a:extLst>
           </p:cNvPr>
@@ -8720,13 +9514,13 @@
               </a:ext>
             </a:extLst>
           </a:blip>
-          <a:srcRect l="3346" t="18651" r="72038" b="62697"/>
+          <a:srcRect r="42117" b="82759"/>
           <a:stretch/>
         </p:blipFill>
         <p:spPr>
           <a:xfrm>
-            <a:off x="3882682" y="2927838"/>
-            <a:ext cx="3001109" cy="1002323"/>
+            <a:off x="3203833" y="2837793"/>
+            <a:ext cx="5784334" cy="1182414"/>
           </a:xfrm>
           <a:prstGeom prst="rect">
             <a:avLst/>
@@ -8813,8 +9607,8 @@
         </p:nvSpPr>
         <p:spPr>
           <a:xfrm>
-            <a:off x="818849" y="1428327"/>
-            <a:ext cx="10515600" cy="1143000"/>
+            <a:off x="838200" y="4835464"/>
+            <a:ext cx="10515600" cy="713163"/>
           </a:xfrm>
           <a:prstGeom prst="roundRect">
             <a:avLst/>
@@ -8846,27 +9640,362 @@
           <a:bodyPr rtlCol="0" anchor="ctr"/>
           <a:lstStyle/>
           <a:p>
-            <a:r>
-              <a:rPr kumimoji="1" lang="ja-JP" altLang="en-US" sz="2800" dirty="0">
+            <a:pPr marL="0" marR="0" lvl="0" indent="0" algn="l" defTabSz="914400" rtl="0" eaLnBrk="1" fontAlgn="auto" latinLnBrk="0" hangingPunct="1">
+              <a:lnSpc>
+                <a:spcPct val="100000"/>
+              </a:lnSpc>
+              <a:spcBef>
+                <a:spcPts val="0"/>
+              </a:spcBef>
+              <a:spcAft>
+                <a:spcPts val="0"/>
+              </a:spcAft>
+              <a:buClrTx/>
+              <a:buSzTx/>
+              <a:buFontTx/>
+              <a:buNone/>
+              <a:tabLst/>
+              <a:defRPr/>
+            </a:pPr>
+            <a:r>
+              <a:rPr kumimoji="1" lang="ja-JP" altLang="en-US" sz="2800" b="0" i="0" u="none" strike="noStrike" kern="1200" cap="none" spc="0" normalizeH="0" baseline="0" noProof="0" dirty="0">
+                <a:ln>
+                  <a:noFill/>
+                </a:ln>
+                <a:solidFill>
+                  <a:prstClr val="white"/>
+                </a:solidFill>
+                <a:effectLst/>
+                <a:uLnTx/>
+                <a:uFillTx/>
+                <a:latin typeface="HGｺﾞｼｯｸE" panose="020B0909000000000000" pitchFamily="49" charset="-128"/>
+                <a:ea typeface="HGｺﾞｼｯｸE" panose="020B0909000000000000" pitchFamily="49" charset="-128"/>
+                <a:cs typeface="+mn-cs"/>
+              </a:rPr>
+              <a:t>目的</a:t>
+            </a:r>
+          </a:p>
+        </p:txBody>
+      </p:sp>
+      <p:sp>
+        <p:nvSpPr>
+          <p:cNvPr id="14" name="正方形/長方形 13">
+            <a:extLst>
+              <a:ext uri="{FF2B5EF4-FFF2-40B4-BE49-F238E27FC236}">
+                <a16:creationId xmlns:a16="http://schemas.microsoft.com/office/drawing/2014/main" id="{8F3ABFBB-2424-F0B6-489E-B3026DE71904}"/>
+              </a:ext>
+            </a:extLst>
+          </p:cNvPr>
+          <p:cNvSpPr/>
+          <p:nvPr/>
+        </p:nvSpPr>
+        <p:spPr>
+          <a:xfrm>
+            <a:off x="965536" y="5772443"/>
+            <a:ext cx="10388264" cy="720432"/>
+          </a:xfrm>
+          <a:prstGeom prst="rect">
+            <a:avLst/>
+          </a:prstGeom>
+          <a:noFill/>
+          <a:ln w="28575">
+            <a:solidFill>
+              <a:srgbClr val="FFA333"/>
+            </a:solidFill>
+          </a:ln>
+        </p:spPr>
+        <p:style>
+          <a:lnRef idx="2">
+            <a:schemeClr val="accent1">
+              <a:shade val="50000"/>
+            </a:schemeClr>
+          </a:lnRef>
+          <a:fillRef idx="1">
+            <a:schemeClr val="accent1"/>
+          </a:fillRef>
+          <a:effectRef idx="0">
+            <a:schemeClr val="accent1"/>
+          </a:effectRef>
+          <a:fontRef idx="minor">
+            <a:schemeClr val="lt1"/>
+          </a:fontRef>
+        </p:style>
+        <p:txBody>
+          <a:bodyPr rtlCol="0" anchor="ctr"/>
+          <a:lstStyle/>
+          <a:p>
+            <a:pPr algn="ctr"/>
+            <a:endParaRPr kumimoji="1" lang="ja-JP" altLang="en-US" dirty="0"/>
+          </a:p>
+        </p:txBody>
+      </p:sp>
+      <p:sp>
+        <p:nvSpPr>
+          <p:cNvPr id="15" name="テキスト ボックス 14">
+            <a:extLst>
+              <a:ext uri="{FF2B5EF4-FFF2-40B4-BE49-F238E27FC236}">
+                <a16:creationId xmlns:a16="http://schemas.microsoft.com/office/drawing/2014/main" id="{FFF0898C-1FE1-CC10-74F4-928F0CEB0071}"/>
+              </a:ext>
+            </a:extLst>
+          </p:cNvPr>
+          <p:cNvSpPr txBox="1"/>
+          <p:nvPr/>
+        </p:nvSpPr>
+        <p:spPr>
+          <a:xfrm>
+            <a:off x="965536" y="5852774"/>
+            <a:ext cx="9688050" cy="559769"/>
+          </a:xfrm>
+          <a:prstGeom prst="rect">
+            <a:avLst/>
+          </a:prstGeom>
+          <a:noFill/>
+        </p:spPr>
+        <p:txBody>
+          <a:bodyPr wrap="square" rtlCol="0" anchor="ctr">
+            <a:spAutoFit/>
+          </a:bodyPr>
+          <a:lstStyle/>
+          <a:p>
+            <a:pPr>
+              <a:lnSpc>
+                <a:spcPct val="150000"/>
+              </a:lnSpc>
+            </a:pPr>
+            <a:r>
+              <a:rPr lang="ja-JP" altLang="en-US" sz="2400" dirty="0">
                 <a:latin typeface="HGｺﾞｼｯｸE" panose="020B0909000000000000" pitchFamily="49" charset="-128"/>
                 <a:ea typeface="HGｺﾞｼｯｸE" panose="020B0909000000000000" pitchFamily="49" charset="-128"/>
               </a:rPr>
-              <a:t>どんな目的で作るのか</a:t>
-            </a:r>
-            <a:endParaRPr kumimoji="1" lang="en-US" altLang="ja-JP" sz="2800" dirty="0">
+              <a:t>仕事のモチベーション向上</a:t>
+            </a:r>
+          </a:p>
+        </p:txBody>
+      </p:sp>
+      <p:sp>
+        <p:nvSpPr>
+          <p:cNvPr id="20" name="四角形: 角を丸くする 19">
+            <a:extLst>
+              <a:ext uri="{FF2B5EF4-FFF2-40B4-BE49-F238E27FC236}">
+                <a16:creationId xmlns:a16="http://schemas.microsoft.com/office/drawing/2014/main" id="{2EEBA9FA-0569-9723-919B-9A3D50464CD1}"/>
+              </a:ext>
+            </a:extLst>
+          </p:cNvPr>
+          <p:cNvSpPr/>
+          <p:nvPr/>
+        </p:nvSpPr>
+        <p:spPr>
+          <a:xfrm>
+            <a:off x="838200" y="1578883"/>
+            <a:ext cx="10515600" cy="713163"/>
+          </a:xfrm>
+          <a:prstGeom prst="roundRect">
+            <a:avLst/>
+          </a:prstGeom>
+          <a:solidFill>
+            <a:srgbClr val="FFA333"/>
+          </a:solidFill>
+          <a:ln w="38100">
+            <a:noFill/>
+          </a:ln>
+        </p:spPr>
+        <p:style>
+          <a:lnRef idx="2">
+            <a:schemeClr val="accent1">
+              <a:shade val="50000"/>
+            </a:schemeClr>
+          </a:lnRef>
+          <a:fillRef idx="1">
+            <a:schemeClr val="accent1"/>
+          </a:fillRef>
+          <a:effectRef idx="0">
+            <a:schemeClr val="accent1"/>
+          </a:effectRef>
+          <a:fontRef idx="minor">
+            <a:schemeClr val="lt1"/>
+          </a:fontRef>
+        </p:style>
+        <p:txBody>
+          <a:bodyPr rtlCol="0" anchor="ctr"/>
+          <a:lstStyle/>
+          <a:p>
+            <a:pPr marL="0" marR="0" lvl="0" indent="0" algn="l" defTabSz="914400" rtl="0" eaLnBrk="1" fontAlgn="auto" latinLnBrk="0" hangingPunct="1">
+              <a:lnSpc>
+                <a:spcPct val="100000"/>
+              </a:lnSpc>
+              <a:spcBef>
+                <a:spcPts val="0"/>
+              </a:spcBef>
+              <a:spcAft>
+                <a:spcPts val="0"/>
+              </a:spcAft>
+              <a:buClrTx/>
+              <a:buSzTx/>
+              <a:buFontTx/>
+              <a:buNone/>
+              <a:tabLst/>
+              <a:defRPr/>
+            </a:pPr>
+            <a:r>
+              <a:rPr lang="ja-JP" altLang="en-US" sz="2800" dirty="0">
+                <a:solidFill>
+                  <a:prstClr val="white"/>
+                </a:solidFill>
+                <a:latin typeface="HGｺﾞｼｯｸE" panose="020B0909000000000000" pitchFamily="49" charset="-128"/>
+                <a:ea typeface="HGｺﾞｼｯｸE" panose="020B0909000000000000" pitchFamily="49" charset="-128"/>
+              </a:rPr>
+              <a:t>背景</a:t>
+            </a:r>
+            <a:endParaRPr kumimoji="1" lang="ja-JP" altLang="en-US" sz="2800" b="0" i="0" u="none" strike="noStrike" kern="1200" cap="none" spc="0" normalizeH="0" baseline="0" noProof="0" dirty="0">
+              <a:ln>
+                <a:noFill/>
+              </a:ln>
+              <a:solidFill>
+                <a:prstClr val="white"/>
+              </a:solidFill>
+              <a:effectLst/>
+              <a:uLnTx/>
+              <a:uFillTx/>
+              <a:latin typeface="HGｺﾞｼｯｸE" panose="020B0909000000000000" pitchFamily="49" charset="-128"/>
+              <a:ea typeface="HGｺﾞｼｯｸE" panose="020B0909000000000000" pitchFamily="49" charset="-128"/>
+              <a:cs typeface="+mn-cs"/>
+            </a:endParaRPr>
+          </a:p>
+        </p:txBody>
+      </p:sp>
+      <p:sp>
+        <p:nvSpPr>
+          <p:cNvPr id="21" name="正方形/長方形 20">
+            <a:extLst>
+              <a:ext uri="{FF2B5EF4-FFF2-40B4-BE49-F238E27FC236}">
+                <a16:creationId xmlns:a16="http://schemas.microsoft.com/office/drawing/2014/main" id="{773FCA98-A190-2D61-6D0F-FE2EC0F105F2}"/>
+              </a:ext>
+            </a:extLst>
+          </p:cNvPr>
+          <p:cNvSpPr/>
+          <p:nvPr/>
+        </p:nvSpPr>
+        <p:spPr>
+          <a:xfrm>
+            <a:off x="965536" y="2470576"/>
+            <a:ext cx="10388264" cy="1938992"/>
+          </a:xfrm>
+          <a:prstGeom prst="rect">
+            <a:avLst/>
+          </a:prstGeom>
+          <a:noFill/>
+          <a:ln w="28575">
+            <a:solidFill>
+              <a:srgbClr val="FFA333"/>
+            </a:solidFill>
+          </a:ln>
+        </p:spPr>
+        <p:style>
+          <a:lnRef idx="2">
+            <a:schemeClr val="accent1">
+              <a:shade val="50000"/>
+            </a:schemeClr>
+          </a:lnRef>
+          <a:fillRef idx="1">
+            <a:schemeClr val="accent1"/>
+          </a:fillRef>
+          <a:effectRef idx="0">
+            <a:schemeClr val="accent1"/>
+          </a:effectRef>
+          <a:fontRef idx="minor">
+            <a:schemeClr val="lt1"/>
+          </a:fontRef>
+        </p:style>
+        <p:txBody>
+          <a:bodyPr rtlCol="0" anchor="ctr"/>
+          <a:lstStyle/>
+          <a:p>
+            <a:pPr algn="ctr"/>
+            <a:endParaRPr kumimoji="1" lang="ja-JP" altLang="en-US" dirty="0"/>
+          </a:p>
+        </p:txBody>
+      </p:sp>
+      <p:sp>
+        <p:nvSpPr>
+          <p:cNvPr id="23" name="テキスト ボックス 22">
+            <a:extLst>
+              <a:ext uri="{FF2B5EF4-FFF2-40B4-BE49-F238E27FC236}">
+                <a16:creationId xmlns:a16="http://schemas.microsoft.com/office/drawing/2014/main" id="{FC43A83B-45B3-4731-9BCE-FB93B13D24FD}"/>
+              </a:ext>
+            </a:extLst>
+          </p:cNvPr>
+          <p:cNvSpPr txBox="1"/>
+          <p:nvPr/>
+        </p:nvSpPr>
+        <p:spPr>
+          <a:xfrm>
+            <a:off x="965536" y="2459504"/>
+            <a:ext cx="10388264" cy="1938992"/>
+          </a:xfrm>
+          <a:prstGeom prst="rect">
+            <a:avLst/>
+          </a:prstGeom>
+          <a:noFill/>
+        </p:spPr>
+        <p:txBody>
+          <a:bodyPr wrap="square" rtlCol="0">
+            <a:spAutoFit/>
+          </a:bodyPr>
+          <a:lstStyle/>
+          <a:p>
+            <a:r>
+              <a:rPr lang="ja-JP" altLang="en-US" sz="2400" dirty="0">
+                <a:latin typeface="HGｺﾞｼｯｸE" panose="020B0909000000000000" pitchFamily="49" charset="-128"/>
+                <a:ea typeface="HGｺﾞｼｯｸE" panose="020B0909000000000000" pitchFamily="49" charset="-128"/>
+              </a:rPr>
+              <a:t>仕事にやる気が出ない若者を対象に、</a:t>
+            </a:r>
+            <a:endParaRPr lang="en-US" altLang="ja-JP" sz="2400" dirty="0">
               <a:latin typeface="HGｺﾞｼｯｸE" panose="020B0909000000000000" pitchFamily="49" charset="-128"/>
               <a:ea typeface="HGｺﾞｼｯｸE" panose="020B0909000000000000" pitchFamily="49" charset="-128"/>
             </a:endParaRPr>
           </a:p>
           <a:p>
             <a:r>
-              <a:rPr lang="ja-JP" altLang="en-US" sz="2800" dirty="0">
+              <a:rPr lang="ja-JP" altLang="en-US" sz="2400" dirty="0">
                 <a:latin typeface="HGｺﾞｼｯｸE" panose="020B0909000000000000" pitchFamily="49" charset="-128"/>
                 <a:ea typeface="HGｺﾞｼｯｸE" panose="020B0909000000000000" pitchFamily="49" charset="-128"/>
               </a:rPr>
-              <a:t>ターゲットとなる人</a:t>
-            </a:r>
-            <a:endParaRPr kumimoji="1" lang="ja-JP" altLang="en-US" sz="2800" dirty="0">
+              <a:t>若者を中心に人気のある育成ゲームを取り入れたアプリケーションを</a:t>
+            </a:r>
+            <a:endParaRPr lang="en-US" altLang="ja-JP" sz="2400" dirty="0">
+              <a:latin typeface="HGｺﾞｼｯｸE" panose="020B0909000000000000" pitchFamily="49" charset="-128"/>
+              <a:ea typeface="HGｺﾞｼｯｸE" panose="020B0909000000000000" pitchFamily="49" charset="-128"/>
+            </a:endParaRPr>
+          </a:p>
+          <a:p>
+            <a:r>
+              <a:rPr lang="ja-JP" altLang="en-US" sz="2400" dirty="0">
+                <a:latin typeface="HGｺﾞｼｯｸE" panose="020B0909000000000000" pitchFamily="49" charset="-128"/>
+                <a:ea typeface="HGｺﾞｼｯｸE" panose="020B0909000000000000" pitchFamily="49" charset="-128"/>
+              </a:rPr>
+              <a:t>作成し、仕事に対するモチベーション向上を目指した。</a:t>
+            </a:r>
+            <a:endParaRPr lang="en-US" altLang="ja-JP" sz="2400" dirty="0">
+              <a:latin typeface="HGｺﾞｼｯｸE" panose="020B0909000000000000" pitchFamily="49" charset="-128"/>
+              <a:ea typeface="HGｺﾞｼｯｸE" panose="020B0909000000000000" pitchFamily="49" charset="-128"/>
+            </a:endParaRPr>
+          </a:p>
+          <a:p>
+            <a:endParaRPr lang="en-US" altLang="ja-JP" sz="2400" dirty="0">
+              <a:latin typeface="HGｺﾞｼｯｸE" panose="020B0909000000000000" pitchFamily="49" charset="-128"/>
+              <a:ea typeface="HGｺﾞｼｯｸE" panose="020B0909000000000000" pitchFamily="49" charset="-128"/>
+            </a:endParaRPr>
+          </a:p>
+          <a:p>
+            <a:r>
+              <a:rPr lang="ja-JP" altLang="en-US" sz="2400" dirty="0">
+                <a:latin typeface="HGｺﾞｼｯｸE" panose="020B0909000000000000" pitchFamily="49" charset="-128"/>
+                <a:ea typeface="HGｺﾞｼｯｸE" panose="020B0909000000000000" pitchFamily="49" charset="-128"/>
+              </a:rPr>
+              <a:t>また、自己啓発を行うために、仕事においてミッションを設けた。</a:t>
+            </a:r>
+            <a:endParaRPr lang="en-US" altLang="ja-JP" sz="2400" dirty="0">
               <a:latin typeface="HGｺﾞｼｯｸE" panose="020B0909000000000000" pitchFamily="49" charset="-128"/>
               <a:ea typeface="HGｺﾞｼｯｸE" panose="020B0909000000000000" pitchFamily="49" charset="-128"/>
             </a:endParaRPr>
@@ -8903,84 +10032,12 @@
           <a:chExt cx="0" cy="0"/>
         </a:xfrm>
       </p:grpSpPr>
-      <p:sp>
-        <p:nvSpPr>
-          <p:cNvPr id="2" name="タイトル 1">
-            <a:extLst>
-              <a:ext uri="{FF2B5EF4-FFF2-40B4-BE49-F238E27FC236}">
-                <a16:creationId xmlns:a16="http://schemas.microsoft.com/office/drawing/2014/main" id="{693A6AA4-E421-2B25-F07B-E8469B9F6618}"/>
-              </a:ext>
-            </a:extLst>
-          </p:cNvPr>
-          <p:cNvSpPr>
-            <a:spLocks noGrp="1"/>
-          </p:cNvSpPr>
-          <p:nvPr>
-            <p:ph type="title"/>
-          </p:nvPr>
-        </p:nvSpPr>
-        <p:spPr/>
-        <p:txBody>
-          <a:bodyPr/>
-          <a:lstStyle/>
-          <a:p>
-            <a:r>
-              <a:rPr lang="ja-JP" altLang="en-US" dirty="0">
-                <a:solidFill>
-                  <a:schemeClr val="accent2">
-                    <a:lumMod val="75000"/>
-                  </a:schemeClr>
-                </a:solidFill>
-                <a:latin typeface="HGS創英角ｺﾞｼｯｸUB" panose="020B0900000000000000" pitchFamily="50" charset="-128"/>
-                <a:ea typeface="HGS創英角ｺﾞｼｯｸUB" panose="020B0900000000000000" pitchFamily="50" charset="-128"/>
-              </a:rPr>
-              <a:t>概要</a:t>
-            </a:r>
-          </a:p>
-        </p:txBody>
-      </p:sp>
       <p:pic>
         <p:nvPicPr>
-          <p:cNvPr id="5" name="図 4" descr="おもちゃ, レゴ, 挿絵 が含まれている画像&#10;&#10;自動的に生成された説明">
-            <a:extLst>
-              <a:ext uri="{FF2B5EF4-FFF2-40B4-BE49-F238E27FC236}">
-                <a16:creationId xmlns:a16="http://schemas.microsoft.com/office/drawing/2014/main" id="{62964CC6-3ECB-5D55-CF5B-E8012E53317C}"/>
-              </a:ext>
-            </a:extLst>
-          </p:cNvPr>
-          <p:cNvPicPr>
-            <a:picLocks noChangeAspect="1"/>
-          </p:cNvPicPr>
-          <p:nvPr/>
-        </p:nvPicPr>
-        <p:blipFill>
-          <a:blip r:embed="rId2">
-            <a:extLst>
-              <a:ext uri="{28A0092B-C50C-407E-A947-70E740481C1C}">
-                <a14:useLocalDpi xmlns:a14="http://schemas.microsoft.com/office/drawing/2010/main" val="0"/>
-              </a:ext>
-            </a:extLst>
-          </a:blip>
-          <a:stretch>
-            <a:fillRect/>
-          </a:stretch>
-        </p:blipFill>
-        <p:spPr>
-          <a:xfrm>
-            <a:off x="2726872" y="5125300"/>
-            <a:ext cx="1143000" cy="1143000"/>
-          </a:xfrm>
-          <a:prstGeom prst="rect">
-            <a:avLst/>
-          </a:prstGeom>
-        </p:spPr>
-      </p:pic>
-      <p:pic>
-        <p:nvPicPr>
-          <p:cNvPr id="7" name="図 6" descr="レゴ, 部屋 が含まれている画像&#10;&#10;自動的に生成された説明">
-            <a:extLst>
-              <a:ext uri="{FF2B5EF4-FFF2-40B4-BE49-F238E27FC236}">
-                <a16:creationId xmlns:a16="http://schemas.microsoft.com/office/drawing/2014/main" id="{0E11B921-79CA-3766-D9D8-6F9D3A96748F}"/>
+          <p:cNvPr id="10" name="図 9" descr="カーテン が含まれている画像&#10;&#10;自動的に生成された説明">
+            <a:extLst>
+              <a:ext uri="{FF2B5EF4-FFF2-40B4-BE49-F238E27FC236}">
+                <a16:creationId xmlns:a16="http://schemas.microsoft.com/office/drawing/2014/main" id="{3BFCBF50-5650-0F99-E72E-1F161F7507D2}"/>
               </a:ext>
             </a:extLst>
           </p:cNvPr>
@@ -8997,13 +10054,13 @@
               </a:ext>
             </a:extLst>
           </a:blip>
-          <a:srcRect l="20794" t="30824" r="22063" b="16359"/>
+          <a:srcRect b="325"/>
           <a:stretch/>
         </p:blipFill>
         <p:spPr>
           <a:xfrm>
-            <a:off x="4634895" y="5060893"/>
-            <a:ext cx="1306287" cy="1207407"/>
+            <a:off x="-1" y="0"/>
+            <a:ext cx="12192001" cy="6858000"/>
           </a:xfrm>
           <a:prstGeom prst="rect">
             <a:avLst/>
@@ -9012,10 +10069,13 @@
       </p:pic>
       <p:pic>
         <p:nvPicPr>
-          <p:cNvPr id="9" name="図 8" descr="おもちゃ, レゴ, 部屋 が含まれている画像&#10;&#10;自動的に生成された説明">
-            <a:extLst>
-              <a:ext uri="{FF2B5EF4-FFF2-40B4-BE49-F238E27FC236}">
-                <a16:creationId xmlns:a16="http://schemas.microsoft.com/office/drawing/2014/main" id="{4F34C7FF-DEDB-75FB-CAAB-BA05539306A9}"/>
+          <p:cNvPr id="4" name="図 3">
+            <a:extLst>
+              <a:ext uri="{FF2B5EF4-FFF2-40B4-BE49-F238E27FC236}">
+                <a16:creationId xmlns:a16="http://schemas.microsoft.com/office/drawing/2014/main" id="{B37D2BD3-4A28-4D87-BCE6-78ACC3E78517}"/>
+              </a:ext>
+              <a:ext uri="{C183D7F6-B498-43B3-948B-1728B52AA6E4}">
+                <adec:decorative xmlns:adec="http://schemas.microsoft.com/office/drawing/2017/decorative" val="1"/>
               </a:ext>
             </a:extLst>
           </p:cNvPr>
@@ -9032,685 +10092,23 @@
               </a:ext>
             </a:extLst>
           </a:blip>
-          <a:srcRect l="14921" t="6698" r="15238" b="12747"/>
+          <a:srcRect l="127" t="16028" r="66357" b="69899"/>
           <a:stretch/>
         </p:blipFill>
         <p:spPr>
           <a:xfrm>
-            <a:off x="6706205" y="4426800"/>
-            <a:ext cx="1596571" cy="1841500"/>
+            <a:off x="3697417" y="2946400"/>
+            <a:ext cx="3349367" cy="965200"/>
           </a:xfrm>
           <a:prstGeom prst="rect">
             <a:avLst/>
           </a:prstGeom>
         </p:spPr>
       </p:pic>
-      <p:pic>
-        <p:nvPicPr>
-          <p:cNvPr id="11" name="図 10" descr="おもちゃ, レゴ が含まれている画像&#10;&#10;自動的に生成された説明">
-            <a:extLst>
-              <a:ext uri="{FF2B5EF4-FFF2-40B4-BE49-F238E27FC236}">
-                <a16:creationId xmlns:a16="http://schemas.microsoft.com/office/drawing/2014/main" id="{72E5D855-BDF8-2665-699F-038B7860487D}"/>
-              </a:ext>
-            </a:extLst>
-          </p:cNvPr>
-          <p:cNvPicPr>
-            <a:picLocks noChangeAspect="1"/>
-          </p:cNvPicPr>
-          <p:nvPr/>
-        </p:nvPicPr>
-        <p:blipFill>
-          <a:blip r:embed="rId5">
-            <a:extLst>
-              <a:ext uri="{28A0092B-C50C-407E-A947-70E740481C1C}">
-                <a14:useLocalDpi xmlns:a14="http://schemas.microsoft.com/office/drawing/2010/main" val="0"/>
-              </a:ext>
-            </a:extLst>
-          </a:blip>
-          <a:stretch>
-            <a:fillRect/>
-          </a:stretch>
-        </p:blipFill>
-        <p:spPr>
-          <a:xfrm>
-            <a:off x="9067800" y="3982300"/>
-            <a:ext cx="2286000" cy="2286000"/>
-          </a:xfrm>
-          <a:prstGeom prst="rect">
-            <a:avLst/>
-          </a:prstGeom>
-        </p:spPr>
-      </p:pic>
-      <p:sp>
-        <p:nvSpPr>
-          <p:cNvPr id="17" name="四角形: 角を丸くする 16">
-            <a:extLst>
-              <a:ext uri="{FF2B5EF4-FFF2-40B4-BE49-F238E27FC236}">
-                <a16:creationId xmlns:a16="http://schemas.microsoft.com/office/drawing/2014/main" id="{367940D2-0FA1-F2D4-7355-8D257A807AF7}"/>
-              </a:ext>
-            </a:extLst>
-          </p:cNvPr>
-          <p:cNvSpPr/>
-          <p:nvPr/>
-        </p:nvSpPr>
-        <p:spPr>
-          <a:xfrm>
-            <a:off x="818849" y="1428327"/>
-            <a:ext cx="10515600" cy="1143000"/>
-          </a:xfrm>
-          <a:prstGeom prst="roundRect">
-            <a:avLst/>
-          </a:prstGeom>
-          <a:solidFill>
-            <a:srgbClr val="FFA333"/>
-          </a:solidFill>
-          <a:ln w="38100">
-            <a:noFill/>
-          </a:ln>
-        </p:spPr>
-        <p:style>
-          <a:lnRef idx="2">
-            <a:schemeClr val="accent1">
-              <a:shade val="50000"/>
-            </a:schemeClr>
-          </a:lnRef>
-          <a:fillRef idx="1">
-            <a:schemeClr val="accent1"/>
-          </a:fillRef>
-          <a:effectRef idx="0">
-            <a:schemeClr val="accent1"/>
-          </a:effectRef>
-          <a:fontRef idx="minor">
-            <a:schemeClr val="lt1"/>
-          </a:fontRef>
-        </p:style>
-        <p:txBody>
-          <a:bodyPr rtlCol="0" anchor="ctr"/>
-          <a:lstStyle/>
-          <a:p>
-            <a:r>
-              <a:rPr kumimoji="1" lang="ja-JP" altLang="en-US" sz="2800" dirty="0">
-                <a:latin typeface="HGｺﾞｼｯｸE" panose="020B0909000000000000" pitchFamily="49" charset="-128"/>
-                <a:ea typeface="HGｺﾞｼｯｸE" panose="020B0909000000000000" pitchFamily="49" charset="-128"/>
-              </a:rPr>
-              <a:t>勤務時間やミッション</a:t>
-            </a:r>
-            <a:r>
-              <a:rPr kumimoji="1" lang="en-US" altLang="ja-JP" sz="2800" dirty="0">
-                <a:latin typeface="HGｺﾞｼｯｸE" panose="020B0909000000000000" pitchFamily="49" charset="-128"/>
-                <a:ea typeface="HGｺﾞｼｯｸE" panose="020B0909000000000000" pitchFamily="49" charset="-128"/>
-              </a:rPr>
-              <a:t>(</a:t>
-            </a:r>
-            <a:r>
-              <a:rPr kumimoji="1" lang="ja-JP" altLang="en-US" sz="2800" dirty="0">
-                <a:latin typeface="HGｺﾞｼｯｸE" panose="020B0909000000000000" pitchFamily="49" charset="-128"/>
-                <a:ea typeface="HGｺﾞｼｯｸE" panose="020B0909000000000000" pitchFamily="49" charset="-128"/>
-              </a:rPr>
-              <a:t>目標</a:t>
-            </a:r>
-            <a:r>
-              <a:rPr kumimoji="1" lang="en-US" altLang="ja-JP" sz="2800" dirty="0">
-                <a:latin typeface="HGｺﾞｼｯｸE" panose="020B0909000000000000" pitchFamily="49" charset="-128"/>
-                <a:ea typeface="HGｺﾞｼｯｸE" panose="020B0909000000000000" pitchFamily="49" charset="-128"/>
-              </a:rPr>
-              <a:t>)</a:t>
-            </a:r>
-            <a:r>
-              <a:rPr kumimoji="1" lang="ja-JP" altLang="en-US" sz="2800" dirty="0">
-                <a:latin typeface="HGｺﾞｼｯｸE" panose="020B0909000000000000" pitchFamily="49" charset="-128"/>
-                <a:ea typeface="HGｺﾞｼｯｸE" panose="020B0909000000000000" pitchFamily="49" charset="-128"/>
-              </a:rPr>
-              <a:t>達成数に応じて、</a:t>
-            </a:r>
-            <a:br>
-              <a:rPr kumimoji="1" lang="ja-JP" altLang="en-US" sz="2800" dirty="0">
-                <a:latin typeface="HGｺﾞｼｯｸE" panose="020B0909000000000000" pitchFamily="49" charset="-128"/>
-                <a:ea typeface="HGｺﾞｼｯｸE" panose="020B0909000000000000" pitchFamily="49" charset="-128"/>
-              </a:rPr>
-            </a:br>
-            <a:r>
-              <a:rPr kumimoji="1" lang="ja-JP" altLang="en-US" sz="2800" dirty="0">
-                <a:latin typeface="HGｺﾞｼｯｸE" panose="020B0909000000000000" pitchFamily="49" charset="-128"/>
-                <a:ea typeface="HGｺﾞｼｯｸE" panose="020B0909000000000000" pitchFamily="49" charset="-128"/>
-              </a:rPr>
-              <a:t>キャラクターを育成することができるアプリケーション</a:t>
-            </a:r>
-          </a:p>
-        </p:txBody>
-      </p:sp>
-      <p:sp>
-        <p:nvSpPr>
-          <p:cNvPr id="4" name="吹き出し: 円形 3">
-            <a:extLst>
-              <a:ext uri="{FF2B5EF4-FFF2-40B4-BE49-F238E27FC236}">
-                <a16:creationId xmlns:a16="http://schemas.microsoft.com/office/drawing/2014/main" id="{FC2B32CE-AA1F-9C06-F5D1-1C2EC4D407D2}"/>
-              </a:ext>
-            </a:extLst>
-          </p:cNvPr>
-          <p:cNvSpPr/>
-          <p:nvPr/>
-        </p:nvSpPr>
-        <p:spPr>
-          <a:xfrm>
-            <a:off x="3439292" y="3161135"/>
-            <a:ext cx="1663700" cy="535729"/>
-          </a:xfrm>
-          <a:prstGeom prst="wedgeEllipseCallout">
-            <a:avLst>
-              <a:gd name="adj1" fmla="val -3676"/>
-              <a:gd name="adj2" fmla="val 92222"/>
-            </a:avLst>
-          </a:prstGeom>
-          <a:solidFill>
-            <a:schemeClr val="accent2">
-              <a:lumMod val="75000"/>
-            </a:schemeClr>
-          </a:solidFill>
-          <a:ln>
-            <a:noFill/>
-          </a:ln>
-        </p:spPr>
-        <p:style>
-          <a:lnRef idx="2">
-            <a:schemeClr val="accent1">
-              <a:shade val="50000"/>
-            </a:schemeClr>
-          </a:lnRef>
-          <a:fillRef idx="1">
-            <a:schemeClr val="accent1"/>
-          </a:fillRef>
-          <a:effectRef idx="0">
-            <a:schemeClr val="accent1"/>
-          </a:effectRef>
-          <a:fontRef idx="minor">
-            <a:schemeClr val="lt1"/>
-          </a:fontRef>
-        </p:style>
-        <p:txBody>
-          <a:bodyPr rtlCol="0" anchor="ctr"/>
-          <a:lstStyle/>
-          <a:p>
-            <a:pPr algn="ctr"/>
-            <a:r>
-              <a:rPr kumimoji="1" lang="ja-JP" altLang="en-US" dirty="0"/>
-              <a:t>進化</a:t>
-            </a:r>
-            <a:endParaRPr kumimoji="1" lang="en-US" altLang="ja-JP" dirty="0"/>
-          </a:p>
-        </p:txBody>
-      </p:sp>
-      <p:sp>
-        <p:nvSpPr>
-          <p:cNvPr id="18" name="吹き出し: 円形 17">
-            <a:extLst>
-              <a:ext uri="{FF2B5EF4-FFF2-40B4-BE49-F238E27FC236}">
-                <a16:creationId xmlns:a16="http://schemas.microsoft.com/office/drawing/2014/main" id="{FBA79076-FECE-75AE-10D2-9973B922EE8F}"/>
-              </a:ext>
-            </a:extLst>
-          </p:cNvPr>
-          <p:cNvSpPr/>
-          <p:nvPr/>
-        </p:nvSpPr>
-        <p:spPr>
-          <a:xfrm>
-            <a:off x="5541670" y="2893271"/>
-            <a:ext cx="1663700" cy="535729"/>
-          </a:xfrm>
-          <a:prstGeom prst="wedgeEllipseCallout">
-            <a:avLst>
-              <a:gd name="adj1" fmla="val -4521"/>
-              <a:gd name="adj2" fmla="val 81720"/>
-            </a:avLst>
-          </a:prstGeom>
-          <a:solidFill>
-            <a:schemeClr val="accent2">
-              <a:lumMod val="75000"/>
-            </a:schemeClr>
-          </a:solidFill>
-          <a:ln>
-            <a:noFill/>
-          </a:ln>
-        </p:spPr>
-        <p:style>
-          <a:lnRef idx="2">
-            <a:schemeClr val="accent1">
-              <a:shade val="50000"/>
-            </a:schemeClr>
-          </a:lnRef>
-          <a:fillRef idx="1">
-            <a:schemeClr val="accent1"/>
-          </a:fillRef>
-          <a:effectRef idx="0">
-            <a:schemeClr val="accent1"/>
-          </a:effectRef>
-          <a:fontRef idx="minor">
-            <a:schemeClr val="lt1"/>
-          </a:fontRef>
-        </p:style>
-        <p:txBody>
-          <a:bodyPr rtlCol="0" anchor="ctr"/>
-          <a:lstStyle/>
-          <a:p>
-            <a:pPr algn="ctr"/>
-            <a:r>
-              <a:rPr kumimoji="1" lang="ja-JP" altLang="en-US" dirty="0"/>
-              <a:t>進化</a:t>
-            </a:r>
-            <a:endParaRPr kumimoji="1" lang="en-US" altLang="ja-JP" dirty="0"/>
-          </a:p>
-        </p:txBody>
-      </p:sp>
-      <p:pic>
-        <p:nvPicPr>
-          <p:cNvPr id="20" name="図 19" descr="グラフ, ヒストグラム&#10;&#10;自動的に生成された説明">
-            <a:extLst>
-              <a:ext uri="{FF2B5EF4-FFF2-40B4-BE49-F238E27FC236}">
-                <a16:creationId xmlns:a16="http://schemas.microsoft.com/office/drawing/2014/main" id="{9BBA5190-A41A-4AA8-74DC-E6A2A8B614CC}"/>
-              </a:ext>
-            </a:extLst>
-          </p:cNvPr>
-          <p:cNvPicPr>
-            <a:picLocks noChangeAspect="1"/>
-          </p:cNvPicPr>
-          <p:nvPr/>
-        </p:nvPicPr>
-        <p:blipFill>
-          <a:blip r:embed="rId6">
-            <a:extLst>
-              <a:ext uri="{28A0092B-C50C-407E-A947-70E740481C1C}">
-                <a14:useLocalDpi xmlns:a14="http://schemas.microsoft.com/office/drawing/2010/main" val="0"/>
-              </a:ext>
-            </a:extLst>
-          </a:blip>
-          <a:stretch>
-            <a:fillRect/>
-          </a:stretch>
-        </p:blipFill>
-        <p:spPr>
-          <a:xfrm>
-            <a:off x="818849" y="5125300"/>
-            <a:ext cx="1143000" cy="1143000"/>
-          </a:xfrm>
-          <a:prstGeom prst="rect">
-            <a:avLst/>
-          </a:prstGeom>
-        </p:spPr>
-      </p:pic>
-      <p:sp>
-        <p:nvSpPr>
-          <p:cNvPr id="21" name="吹き出し: 円形 20">
-            <a:extLst>
-              <a:ext uri="{FF2B5EF4-FFF2-40B4-BE49-F238E27FC236}">
-                <a16:creationId xmlns:a16="http://schemas.microsoft.com/office/drawing/2014/main" id="{D7642966-3281-F40A-C79A-D98CE7CA313D}"/>
-              </a:ext>
-            </a:extLst>
-          </p:cNvPr>
-          <p:cNvSpPr/>
-          <p:nvPr/>
-        </p:nvSpPr>
-        <p:spPr>
-          <a:xfrm>
-            <a:off x="7960707" y="3443465"/>
-            <a:ext cx="1663700" cy="535729"/>
-          </a:xfrm>
-          <a:prstGeom prst="wedgeEllipseCallout">
-            <a:avLst>
-              <a:gd name="adj1" fmla="val -1983"/>
-              <a:gd name="adj2" fmla="val -78460"/>
-            </a:avLst>
-          </a:prstGeom>
-          <a:solidFill>
-            <a:schemeClr val="accent2">
-              <a:lumMod val="75000"/>
-            </a:schemeClr>
-          </a:solidFill>
-          <a:ln>
-            <a:noFill/>
-          </a:ln>
-        </p:spPr>
-        <p:style>
-          <a:lnRef idx="2">
-            <a:schemeClr val="accent1">
-              <a:shade val="50000"/>
-            </a:schemeClr>
-          </a:lnRef>
-          <a:fillRef idx="1">
-            <a:schemeClr val="accent1"/>
-          </a:fillRef>
-          <a:effectRef idx="0">
-            <a:schemeClr val="accent1"/>
-          </a:effectRef>
-          <a:fontRef idx="minor">
-            <a:schemeClr val="lt1"/>
-          </a:fontRef>
-        </p:style>
-        <p:txBody>
-          <a:bodyPr rtlCol="0" anchor="ctr"/>
-          <a:lstStyle/>
-          <a:p>
-            <a:pPr algn="ctr"/>
-            <a:r>
-              <a:rPr kumimoji="1" lang="ja-JP" altLang="en-US" dirty="0"/>
-              <a:t>進化</a:t>
-            </a:r>
-            <a:endParaRPr kumimoji="1" lang="en-US" altLang="ja-JP" dirty="0"/>
-          </a:p>
-        </p:txBody>
-      </p:sp>
-      <p:sp>
-        <p:nvSpPr>
-          <p:cNvPr id="8" name="矢印: 環状 7">
-            <a:extLst>
-              <a:ext uri="{FF2B5EF4-FFF2-40B4-BE49-F238E27FC236}">
-                <a16:creationId xmlns:a16="http://schemas.microsoft.com/office/drawing/2014/main" id="{4A8B5D87-0155-8BEE-6B26-B36303E45403}"/>
-              </a:ext>
-            </a:extLst>
-          </p:cNvPr>
-          <p:cNvSpPr/>
-          <p:nvPr/>
-        </p:nvSpPr>
-        <p:spPr>
-          <a:xfrm>
-            <a:off x="1257633" y="4143175"/>
-            <a:ext cx="2014422" cy="1568307"/>
-          </a:xfrm>
-          <a:prstGeom prst="circularArrow">
-            <a:avLst/>
-          </a:prstGeom>
-          <a:solidFill>
-            <a:schemeClr val="accent2">
-              <a:lumMod val="60000"/>
-              <a:lumOff val="40000"/>
-            </a:schemeClr>
-          </a:solidFill>
-          <a:ln>
-            <a:noFill/>
-          </a:ln>
-        </p:spPr>
-        <p:style>
-          <a:lnRef idx="2">
-            <a:schemeClr val="accent1">
-              <a:shade val="50000"/>
-            </a:schemeClr>
-          </a:lnRef>
-          <a:fillRef idx="1">
-            <a:schemeClr val="accent1"/>
-          </a:fillRef>
-          <a:effectRef idx="0">
-            <a:schemeClr val="accent1"/>
-          </a:effectRef>
-          <a:fontRef idx="minor">
-            <a:schemeClr val="lt1"/>
-          </a:fontRef>
-        </p:style>
-        <p:txBody>
-          <a:bodyPr rtlCol="0" anchor="ctr"/>
-          <a:lstStyle/>
-          <a:p>
-            <a:pPr algn="ctr"/>
-            <a:endParaRPr kumimoji="1" lang="ja-JP" altLang="en-US">
-              <a:solidFill>
-                <a:schemeClr val="tx1"/>
-              </a:solidFill>
-            </a:endParaRPr>
-          </a:p>
-        </p:txBody>
-      </p:sp>
-      <p:sp>
-        <p:nvSpPr>
-          <p:cNvPr id="23" name="矢印: 環状 22">
-            <a:extLst>
-              <a:ext uri="{FF2B5EF4-FFF2-40B4-BE49-F238E27FC236}">
-                <a16:creationId xmlns:a16="http://schemas.microsoft.com/office/drawing/2014/main" id="{DB7659DE-9770-9B5F-6719-1C34D28F5001}"/>
-              </a:ext>
-            </a:extLst>
-          </p:cNvPr>
-          <p:cNvSpPr/>
-          <p:nvPr/>
-        </p:nvSpPr>
-        <p:spPr>
-          <a:xfrm>
-            <a:off x="3335066" y="3853141"/>
-            <a:ext cx="2014422" cy="1841499"/>
-          </a:xfrm>
-          <a:prstGeom prst="circularArrow">
-            <a:avLst/>
-          </a:prstGeom>
-          <a:solidFill>
-            <a:schemeClr val="accent2">
-              <a:lumMod val="60000"/>
-              <a:lumOff val="40000"/>
-            </a:schemeClr>
-          </a:solidFill>
-          <a:ln>
-            <a:noFill/>
-          </a:ln>
-        </p:spPr>
-        <p:style>
-          <a:lnRef idx="2">
-            <a:schemeClr val="accent1">
-              <a:shade val="50000"/>
-            </a:schemeClr>
-          </a:lnRef>
-          <a:fillRef idx="1">
-            <a:schemeClr val="accent1"/>
-          </a:fillRef>
-          <a:effectRef idx="0">
-            <a:schemeClr val="accent1"/>
-          </a:effectRef>
-          <a:fontRef idx="minor">
-            <a:schemeClr val="lt1"/>
-          </a:fontRef>
-        </p:style>
-        <p:txBody>
-          <a:bodyPr rtlCol="0" anchor="ctr"/>
-          <a:lstStyle/>
-          <a:p>
-            <a:pPr algn="ctr"/>
-            <a:endParaRPr kumimoji="1" lang="ja-JP" altLang="en-US">
-              <a:solidFill>
-                <a:schemeClr val="tx1"/>
-              </a:solidFill>
-            </a:endParaRPr>
-          </a:p>
-        </p:txBody>
-      </p:sp>
-      <p:sp>
-        <p:nvSpPr>
-          <p:cNvPr id="24" name="矢印: 環状 23">
-            <a:extLst>
-              <a:ext uri="{FF2B5EF4-FFF2-40B4-BE49-F238E27FC236}">
-                <a16:creationId xmlns:a16="http://schemas.microsoft.com/office/drawing/2014/main" id="{013D8058-906B-3699-AD58-666BB268849A}"/>
-              </a:ext>
-            </a:extLst>
-          </p:cNvPr>
-          <p:cNvSpPr/>
-          <p:nvPr/>
-        </p:nvSpPr>
-        <p:spPr>
-          <a:xfrm>
-            <a:off x="5328830" y="3551906"/>
-            <a:ext cx="2089381" cy="1760176"/>
-          </a:xfrm>
-          <a:prstGeom prst="circularArrow">
-            <a:avLst>
-              <a:gd name="adj1" fmla="val 12500"/>
-              <a:gd name="adj2" fmla="val 1142319"/>
-              <a:gd name="adj3" fmla="val 20457681"/>
-              <a:gd name="adj4" fmla="val 10948335"/>
-              <a:gd name="adj5" fmla="val 12500"/>
-            </a:avLst>
-          </a:prstGeom>
-          <a:solidFill>
-            <a:schemeClr val="accent2">
-              <a:lumMod val="60000"/>
-              <a:lumOff val="40000"/>
-            </a:schemeClr>
-          </a:solidFill>
-          <a:ln>
-            <a:noFill/>
-          </a:ln>
-        </p:spPr>
-        <p:style>
-          <a:lnRef idx="2">
-            <a:schemeClr val="accent1">
-              <a:shade val="50000"/>
-            </a:schemeClr>
-          </a:lnRef>
-          <a:fillRef idx="1">
-            <a:schemeClr val="accent1"/>
-          </a:fillRef>
-          <a:effectRef idx="0">
-            <a:schemeClr val="accent1"/>
-          </a:effectRef>
-          <a:fontRef idx="minor">
-            <a:schemeClr val="lt1"/>
-          </a:fontRef>
-        </p:style>
-        <p:txBody>
-          <a:bodyPr rtlCol="0" anchor="ctr"/>
-          <a:lstStyle/>
-          <a:p>
-            <a:pPr algn="ctr"/>
-            <a:endParaRPr kumimoji="1" lang="ja-JP" altLang="en-US">
-              <a:solidFill>
-                <a:schemeClr val="tx1"/>
-              </a:solidFill>
-            </a:endParaRPr>
-          </a:p>
-        </p:txBody>
-      </p:sp>
-      <p:sp>
-        <p:nvSpPr>
-          <p:cNvPr id="25" name="矢印: 環状 24">
-            <a:extLst>
-              <a:ext uri="{FF2B5EF4-FFF2-40B4-BE49-F238E27FC236}">
-                <a16:creationId xmlns:a16="http://schemas.microsoft.com/office/drawing/2014/main" id="{8863539B-E99B-C6AF-A19A-126B69187C99}"/>
-              </a:ext>
-            </a:extLst>
-          </p:cNvPr>
-          <p:cNvSpPr/>
-          <p:nvPr/>
-        </p:nvSpPr>
-        <p:spPr>
-          <a:xfrm>
-            <a:off x="7343252" y="2694233"/>
-            <a:ext cx="2898610" cy="2168706"/>
-          </a:xfrm>
-          <a:prstGeom prst="circularArrow">
-            <a:avLst>
-              <a:gd name="adj1" fmla="val 12500"/>
-              <a:gd name="adj2" fmla="val 1142319"/>
-              <a:gd name="adj3" fmla="val 20457681"/>
-              <a:gd name="adj4" fmla="val 10800000"/>
-              <a:gd name="adj5" fmla="val 12596"/>
-            </a:avLst>
-          </a:prstGeom>
-          <a:solidFill>
-            <a:schemeClr val="accent2">
-              <a:lumMod val="60000"/>
-              <a:lumOff val="40000"/>
-            </a:schemeClr>
-          </a:solidFill>
-          <a:ln>
-            <a:noFill/>
-          </a:ln>
-        </p:spPr>
-        <p:style>
-          <a:lnRef idx="2">
-            <a:schemeClr val="accent1">
-              <a:shade val="50000"/>
-            </a:schemeClr>
-          </a:lnRef>
-          <a:fillRef idx="1">
-            <a:schemeClr val="accent1"/>
-          </a:fillRef>
-          <a:effectRef idx="0">
-            <a:schemeClr val="accent1"/>
-          </a:effectRef>
-          <a:fontRef idx="minor">
-            <a:schemeClr val="lt1"/>
-          </a:fontRef>
-        </p:style>
-        <p:txBody>
-          <a:bodyPr rtlCol="0" anchor="ctr"/>
-          <a:lstStyle/>
-          <a:p>
-            <a:pPr algn="ctr"/>
-            <a:endParaRPr kumimoji="1" lang="ja-JP" altLang="en-US">
-              <a:solidFill>
-                <a:schemeClr val="tx1"/>
-              </a:solidFill>
-            </a:endParaRPr>
-          </a:p>
-        </p:txBody>
-      </p:sp>
-      <p:sp>
-        <p:nvSpPr>
-          <p:cNvPr id="26" name="吹き出し: 円形 25">
-            <a:extLst>
-              <a:ext uri="{FF2B5EF4-FFF2-40B4-BE49-F238E27FC236}">
-                <a16:creationId xmlns:a16="http://schemas.microsoft.com/office/drawing/2014/main" id="{67E02859-2DA8-8A85-4990-C25A2CD4AA03}"/>
-              </a:ext>
-            </a:extLst>
-          </p:cNvPr>
-          <p:cNvSpPr/>
-          <p:nvPr/>
-        </p:nvSpPr>
-        <p:spPr>
-          <a:xfrm>
-            <a:off x="1465511" y="3443466"/>
-            <a:ext cx="1663700" cy="535729"/>
-          </a:xfrm>
-          <a:prstGeom prst="wedgeEllipseCallout">
-            <a:avLst>
-              <a:gd name="adj1" fmla="val -7057"/>
-              <a:gd name="adj2" fmla="val 89598"/>
-            </a:avLst>
-          </a:prstGeom>
-          <a:solidFill>
-            <a:schemeClr val="accent2">
-              <a:lumMod val="75000"/>
-            </a:schemeClr>
-          </a:solidFill>
-          <a:ln>
-            <a:noFill/>
-          </a:ln>
-        </p:spPr>
-        <p:style>
-          <a:lnRef idx="2">
-            <a:schemeClr val="accent1">
-              <a:shade val="50000"/>
-            </a:schemeClr>
-          </a:lnRef>
-          <a:fillRef idx="1">
-            <a:schemeClr val="accent1"/>
-          </a:fillRef>
-          <a:effectRef idx="0">
-            <a:schemeClr val="accent1"/>
-          </a:effectRef>
-          <a:fontRef idx="minor">
-            <a:schemeClr val="lt1"/>
-          </a:fontRef>
-        </p:style>
-        <p:txBody>
-          <a:bodyPr rtlCol="0" anchor="ctr"/>
-          <a:lstStyle/>
-          <a:p>
-            <a:pPr algn="ctr"/>
-            <a:r>
-              <a:rPr kumimoji="1" lang="ja-JP" altLang="en-US" dirty="0"/>
-              <a:t>孵化</a:t>
-            </a:r>
-            <a:endParaRPr kumimoji="1" lang="en-US" altLang="ja-JP" dirty="0"/>
-          </a:p>
-        </p:txBody>
-      </p:sp>
     </p:spTree>
     <p:extLst>
       <p:ext uri="{BB962C8B-B14F-4D97-AF65-F5344CB8AC3E}">
-        <p14:creationId xmlns:p14="http://schemas.microsoft.com/office/powerpoint/2010/main" val="1983065898"/>
+        <p14:creationId xmlns:p14="http://schemas.microsoft.com/office/powerpoint/2010/main" val="4149416634"/>
       </p:ext>
     </p:extLst>
   </p:cSld>
@@ -9737,12 +10135,48 @@
           <a:chExt cx="0" cy="0"/>
         </a:xfrm>
       </p:grpSpPr>
+      <p:sp>
+        <p:nvSpPr>
+          <p:cNvPr id="2" name="タイトル 1">
+            <a:extLst>
+              <a:ext uri="{FF2B5EF4-FFF2-40B4-BE49-F238E27FC236}">
+                <a16:creationId xmlns:a16="http://schemas.microsoft.com/office/drawing/2014/main" id="{693A6AA4-E421-2B25-F07B-E8469B9F6618}"/>
+              </a:ext>
+            </a:extLst>
+          </p:cNvPr>
+          <p:cNvSpPr>
+            <a:spLocks noGrp="1"/>
+          </p:cNvSpPr>
+          <p:nvPr>
+            <p:ph type="title"/>
+          </p:nvPr>
+        </p:nvSpPr>
+        <p:spPr/>
+        <p:txBody>
+          <a:bodyPr/>
+          <a:lstStyle/>
+          <a:p>
+            <a:r>
+              <a:rPr lang="ja-JP" altLang="en-US" dirty="0">
+                <a:solidFill>
+                  <a:schemeClr val="accent2">
+                    <a:lumMod val="75000"/>
+                  </a:schemeClr>
+                </a:solidFill>
+                <a:latin typeface="HGS創英角ｺﾞｼｯｸUB" panose="020B0900000000000000" pitchFamily="50" charset="-128"/>
+                <a:ea typeface="HGS創英角ｺﾞｼｯｸUB" panose="020B0900000000000000" pitchFamily="50" charset="-128"/>
+              </a:rPr>
+              <a:t>概要</a:t>
+            </a:r>
+          </a:p>
+        </p:txBody>
+      </p:sp>
       <p:pic>
         <p:nvPicPr>
-          <p:cNvPr id="10" name="図 9" descr="カーテン が含まれている画像&#10;&#10;自動的に生成された説明">
-            <a:extLst>
-              <a:ext uri="{FF2B5EF4-FFF2-40B4-BE49-F238E27FC236}">
-                <a16:creationId xmlns:a16="http://schemas.microsoft.com/office/drawing/2014/main" id="{3BFCBF50-5650-0F99-E72E-1F161F7507D2}"/>
+          <p:cNvPr id="5" name="図 4" descr="おもちゃ, レゴ, 挿絵 が含まれている画像&#10;&#10;自動的に生成された説明">
+            <a:extLst>
+              <a:ext uri="{FF2B5EF4-FFF2-40B4-BE49-F238E27FC236}">
+                <a16:creationId xmlns:a16="http://schemas.microsoft.com/office/drawing/2014/main" id="{62964CC6-3ECB-5D55-CF5B-E8012E53317C}"/>
               </a:ext>
             </a:extLst>
           </p:cNvPr>
@@ -9751,7 +10185,7 @@
           </p:cNvPicPr>
           <p:nvPr/>
         </p:nvPicPr>
-        <p:blipFill rotWithShape="1">
+        <p:blipFill>
           <a:blip r:embed="rId2">
             <a:extLst>
               <a:ext uri="{28A0092B-C50C-407E-A947-70E740481C1C}">
@@ -9759,13 +10193,14 @@
               </a:ext>
             </a:extLst>
           </a:blip>
-          <a:srcRect b="325"/>
-          <a:stretch/>
+          <a:stretch>
+            <a:fillRect/>
+          </a:stretch>
         </p:blipFill>
         <p:spPr>
           <a:xfrm>
-            <a:off x="-1" y="0"/>
-            <a:ext cx="12192001" cy="6858000"/>
+            <a:off x="2726872" y="5125300"/>
+            <a:ext cx="1143000" cy="1143000"/>
           </a:xfrm>
           <a:prstGeom prst="rect">
             <a:avLst/>
@@ -9774,10 +10209,10 @@
       </p:pic>
       <p:pic>
         <p:nvPicPr>
-          <p:cNvPr id="3" name="図 2" descr="時計 が含まれている画像&#10;&#10;自動的に生成された説明">
-            <a:extLst>
-              <a:ext uri="{FF2B5EF4-FFF2-40B4-BE49-F238E27FC236}">
-                <a16:creationId xmlns:a16="http://schemas.microsoft.com/office/drawing/2014/main" id="{264B2BF7-9717-06A3-BAF4-8FC04055A417}"/>
+          <p:cNvPr id="7" name="図 6" descr="レゴ, 部屋 が含まれている画像&#10;&#10;自動的に生成された説明">
+            <a:extLst>
+              <a:ext uri="{FF2B5EF4-FFF2-40B4-BE49-F238E27FC236}">
+                <a16:creationId xmlns:a16="http://schemas.microsoft.com/office/drawing/2014/main" id="{0E11B921-79CA-3766-D9D8-6F9D3A96748F}"/>
               </a:ext>
             </a:extLst>
           </p:cNvPr>
@@ -9794,23 +10229,720 @@
               </a:ext>
             </a:extLst>
           </a:blip>
-          <a:srcRect l="2654" t="44568" r="70577" b="36779"/>
+          <a:srcRect l="20794" t="30824" r="22063" b="16359"/>
           <a:stretch/>
         </p:blipFill>
         <p:spPr>
           <a:xfrm>
-            <a:off x="3713870" y="2927838"/>
-            <a:ext cx="3263705" cy="1002324"/>
+            <a:off x="4634895" y="5060893"/>
+            <a:ext cx="1306287" cy="1207407"/>
           </a:xfrm>
           <a:prstGeom prst="rect">
             <a:avLst/>
           </a:prstGeom>
         </p:spPr>
       </p:pic>
+      <p:pic>
+        <p:nvPicPr>
+          <p:cNvPr id="9" name="図 8" descr="おもちゃ, レゴ, 部屋 が含まれている画像&#10;&#10;自動的に生成された説明">
+            <a:extLst>
+              <a:ext uri="{FF2B5EF4-FFF2-40B4-BE49-F238E27FC236}">
+                <a16:creationId xmlns:a16="http://schemas.microsoft.com/office/drawing/2014/main" id="{4F34C7FF-DEDB-75FB-CAAB-BA05539306A9}"/>
+              </a:ext>
+            </a:extLst>
+          </p:cNvPr>
+          <p:cNvPicPr>
+            <a:picLocks noChangeAspect="1"/>
+          </p:cNvPicPr>
+          <p:nvPr/>
+        </p:nvPicPr>
+        <p:blipFill rotWithShape="1">
+          <a:blip r:embed="rId4">
+            <a:extLst>
+              <a:ext uri="{28A0092B-C50C-407E-A947-70E740481C1C}">
+                <a14:useLocalDpi xmlns:a14="http://schemas.microsoft.com/office/drawing/2010/main" val="0"/>
+              </a:ext>
+            </a:extLst>
+          </a:blip>
+          <a:srcRect l="14921" t="6698" r="15238" b="12747"/>
+          <a:stretch/>
+        </p:blipFill>
+        <p:spPr>
+          <a:xfrm>
+            <a:off x="6706205" y="4426800"/>
+            <a:ext cx="1596571" cy="1841500"/>
+          </a:xfrm>
+          <a:prstGeom prst="rect">
+            <a:avLst/>
+          </a:prstGeom>
+        </p:spPr>
+      </p:pic>
+      <p:pic>
+        <p:nvPicPr>
+          <p:cNvPr id="11" name="図 10" descr="おもちゃ, レゴ が含まれている画像&#10;&#10;自動的に生成された説明">
+            <a:extLst>
+              <a:ext uri="{FF2B5EF4-FFF2-40B4-BE49-F238E27FC236}">
+                <a16:creationId xmlns:a16="http://schemas.microsoft.com/office/drawing/2014/main" id="{72E5D855-BDF8-2665-699F-038B7860487D}"/>
+              </a:ext>
+            </a:extLst>
+          </p:cNvPr>
+          <p:cNvPicPr>
+            <a:picLocks noChangeAspect="1"/>
+          </p:cNvPicPr>
+          <p:nvPr/>
+        </p:nvPicPr>
+        <p:blipFill>
+          <a:blip r:embed="rId5">
+            <a:extLst>
+              <a:ext uri="{28A0092B-C50C-407E-A947-70E740481C1C}">
+                <a14:useLocalDpi xmlns:a14="http://schemas.microsoft.com/office/drawing/2010/main" val="0"/>
+              </a:ext>
+            </a:extLst>
+          </a:blip>
+          <a:stretch>
+            <a:fillRect/>
+          </a:stretch>
+        </p:blipFill>
+        <p:spPr>
+          <a:xfrm>
+            <a:off x="9067800" y="3982300"/>
+            <a:ext cx="2286000" cy="2286000"/>
+          </a:xfrm>
+          <a:prstGeom prst="rect">
+            <a:avLst/>
+          </a:prstGeom>
+        </p:spPr>
+      </p:pic>
+      <p:sp>
+        <p:nvSpPr>
+          <p:cNvPr id="17" name="四角形: 角を丸くする 16">
+            <a:extLst>
+              <a:ext uri="{FF2B5EF4-FFF2-40B4-BE49-F238E27FC236}">
+                <a16:creationId xmlns:a16="http://schemas.microsoft.com/office/drawing/2014/main" id="{367940D2-0FA1-F2D4-7355-8D257A807AF7}"/>
+              </a:ext>
+            </a:extLst>
+          </p:cNvPr>
+          <p:cNvSpPr/>
+          <p:nvPr/>
+        </p:nvSpPr>
+        <p:spPr>
+          <a:xfrm>
+            <a:off x="818849" y="1428327"/>
+            <a:ext cx="10515600" cy="1143000"/>
+          </a:xfrm>
+          <a:prstGeom prst="roundRect">
+            <a:avLst/>
+          </a:prstGeom>
+          <a:solidFill>
+            <a:srgbClr val="FFA333"/>
+          </a:solidFill>
+          <a:ln w="38100">
+            <a:noFill/>
+          </a:ln>
+        </p:spPr>
+        <p:style>
+          <a:lnRef idx="2">
+            <a:schemeClr val="accent1">
+              <a:shade val="50000"/>
+            </a:schemeClr>
+          </a:lnRef>
+          <a:fillRef idx="1">
+            <a:schemeClr val="accent1"/>
+          </a:fillRef>
+          <a:effectRef idx="0">
+            <a:schemeClr val="accent1"/>
+          </a:effectRef>
+          <a:fontRef idx="minor">
+            <a:schemeClr val="lt1"/>
+          </a:fontRef>
+        </p:style>
+        <p:txBody>
+          <a:bodyPr rtlCol="0" anchor="ctr"/>
+          <a:lstStyle/>
+          <a:p>
+            <a:r>
+              <a:rPr kumimoji="1" lang="ja-JP" altLang="en-US" sz="2800" dirty="0">
+                <a:latin typeface="HGｺﾞｼｯｸE" panose="020B0909000000000000" pitchFamily="49" charset="-128"/>
+                <a:ea typeface="HGｺﾞｼｯｸE" panose="020B0909000000000000" pitchFamily="49" charset="-128"/>
+              </a:rPr>
+              <a:t>勤務時間やミッション</a:t>
+            </a:r>
+            <a:r>
+              <a:rPr kumimoji="1" lang="en-US" altLang="ja-JP" sz="2800" dirty="0">
+                <a:latin typeface="HGｺﾞｼｯｸE" panose="020B0909000000000000" pitchFamily="49" charset="-128"/>
+                <a:ea typeface="HGｺﾞｼｯｸE" panose="020B0909000000000000" pitchFamily="49" charset="-128"/>
+              </a:rPr>
+              <a:t>(</a:t>
+            </a:r>
+            <a:r>
+              <a:rPr kumimoji="1" lang="ja-JP" altLang="en-US" sz="2800" dirty="0">
+                <a:latin typeface="HGｺﾞｼｯｸE" panose="020B0909000000000000" pitchFamily="49" charset="-128"/>
+                <a:ea typeface="HGｺﾞｼｯｸE" panose="020B0909000000000000" pitchFamily="49" charset="-128"/>
+              </a:rPr>
+              <a:t>目標</a:t>
+            </a:r>
+            <a:r>
+              <a:rPr kumimoji="1" lang="en-US" altLang="ja-JP" sz="2800" dirty="0">
+                <a:latin typeface="HGｺﾞｼｯｸE" panose="020B0909000000000000" pitchFamily="49" charset="-128"/>
+                <a:ea typeface="HGｺﾞｼｯｸE" panose="020B0909000000000000" pitchFamily="49" charset="-128"/>
+              </a:rPr>
+              <a:t>)</a:t>
+            </a:r>
+            <a:r>
+              <a:rPr kumimoji="1" lang="ja-JP" altLang="en-US" sz="2800" dirty="0">
+                <a:latin typeface="HGｺﾞｼｯｸE" panose="020B0909000000000000" pitchFamily="49" charset="-128"/>
+                <a:ea typeface="HGｺﾞｼｯｸE" panose="020B0909000000000000" pitchFamily="49" charset="-128"/>
+              </a:rPr>
+              <a:t>達成数に応じて、</a:t>
+            </a:r>
+            <a:br>
+              <a:rPr kumimoji="1" lang="ja-JP" altLang="en-US" sz="2800" dirty="0">
+                <a:latin typeface="HGｺﾞｼｯｸE" panose="020B0909000000000000" pitchFamily="49" charset="-128"/>
+                <a:ea typeface="HGｺﾞｼｯｸE" panose="020B0909000000000000" pitchFamily="49" charset="-128"/>
+              </a:rPr>
+            </a:br>
+            <a:r>
+              <a:rPr kumimoji="1" lang="ja-JP" altLang="en-US" sz="2800" dirty="0">
+                <a:latin typeface="HGｺﾞｼｯｸE" panose="020B0909000000000000" pitchFamily="49" charset="-128"/>
+                <a:ea typeface="HGｺﾞｼｯｸE" panose="020B0909000000000000" pitchFamily="49" charset="-128"/>
+              </a:rPr>
+              <a:t>キャラクターを育成することができるアプリケーション</a:t>
+            </a:r>
+          </a:p>
+        </p:txBody>
+      </p:sp>
+      <p:sp>
+        <p:nvSpPr>
+          <p:cNvPr id="4" name="吹き出し: 円形 3">
+            <a:extLst>
+              <a:ext uri="{FF2B5EF4-FFF2-40B4-BE49-F238E27FC236}">
+                <a16:creationId xmlns:a16="http://schemas.microsoft.com/office/drawing/2014/main" id="{FC2B32CE-AA1F-9C06-F5D1-1C2EC4D407D2}"/>
+              </a:ext>
+            </a:extLst>
+          </p:cNvPr>
+          <p:cNvSpPr/>
+          <p:nvPr/>
+        </p:nvSpPr>
+        <p:spPr>
+          <a:xfrm>
+            <a:off x="3439292" y="3161135"/>
+            <a:ext cx="1663700" cy="535729"/>
+          </a:xfrm>
+          <a:prstGeom prst="wedgeEllipseCallout">
+            <a:avLst>
+              <a:gd name="adj1" fmla="val -3676"/>
+              <a:gd name="adj2" fmla="val 92222"/>
+            </a:avLst>
+          </a:prstGeom>
+          <a:solidFill>
+            <a:schemeClr val="accent2">
+              <a:lumMod val="75000"/>
+            </a:schemeClr>
+          </a:solidFill>
+          <a:ln>
+            <a:noFill/>
+          </a:ln>
+        </p:spPr>
+        <p:style>
+          <a:lnRef idx="2">
+            <a:schemeClr val="accent1">
+              <a:shade val="50000"/>
+            </a:schemeClr>
+          </a:lnRef>
+          <a:fillRef idx="1">
+            <a:schemeClr val="accent1"/>
+          </a:fillRef>
+          <a:effectRef idx="0">
+            <a:schemeClr val="accent1"/>
+          </a:effectRef>
+          <a:fontRef idx="minor">
+            <a:schemeClr val="lt1"/>
+          </a:fontRef>
+        </p:style>
+        <p:txBody>
+          <a:bodyPr rtlCol="0" anchor="ctr"/>
+          <a:lstStyle/>
+          <a:p>
+            <a:pPr algn="ctr"/>
+            <a:r>
+              <a:rPr kumimoji="1" lang="ja-JP" altLang="en-US" dirty="0"/>
+              <a:t>進化</a:t>
+            </a:r>
+            <a:endParaRPr kumimoji="1" lang="en-US" altLang="ja-JP" dirty="0"/>
+          </a:p>
+        </p:txBody>
+      </p:sp>
+      <p:sp>
+        <p:nvSpPr>
+          <p:cNvPr id="18" name="吹き出し: 円形 17">
+            <a:extLst>
+              <a:ext uri="{FF2B5EF4-FFF2-40B4-BE49-F238E27FC236}">
+                <a16:creationId xmlns:a16="http://schemas.microsoft.com/office/drawing/2014/main" id="{FBA79076-FECE-75AE-10D2-9973B922EE8F}"/>
+              </a:ext>
+            </a:extLst>
+          </p:cNvPr>
+          <p:cNvSpPr/>
+          <p:nvPr/>
+        </p:nvSpPr>
+        <p:spPr>
+          <a:xfrm>
+            <a:off x="5541670" y="2893271"/>
+            <a:ext cx="1663700" cy="535729"/>
+          </a:xfrm>
+          <a:prstGeom prst="wedgeEllipseCallout">
+            <a:avLst>
+              <a:gd name="adj1" fmla="val -4521"/>
+              <a:gd name="adj2" fmla="val 81720"/>
+            </a:avLst>
+          </a:prstGeom>
+          <a:solidFill>
+            <a:schemeClr val="accent2">
+              <a:lumMod val="75000"/>
+            </a:schemeClr>
+          </a:solidFill>
+          <a:ln>
+            <a:noFill/>
+          </a:ln>
+        </p:spPr>
+        <p:style>
+          <a:lnRef idx="2">
+            <a:schemeClr val="accent1">
+              <a:shade val="50000"/>
+            </a:schemeClr>
+          </a:lnRef>
+          <a:fillRef idx="1">
+            <a:schemeClr val="accent1"/>
+          </a:fillRef>
+          <a:effectRef idx="0">
+            <a:schemeClr val="accent1"/>
+          </a:effectRef>
+          <a:fontRef idx="minor">
+            <a:schemeClr val="lt1"/>
+          </a:fontRef>
+        </p:style>
+        <p:txBody>
+          <a:bodyPr rtlCol="0" anchor="ctr"/>
+          <a:lstStyle/>
+          <a:p>
+            <a:pPr algn="ctr"/>
+            <a:r>
+              <a:rPr kumimoji="1" lang="ja-JP" altLang="en-US" dirty="0"/>
+              <a:t>進化</a:t>
+            </a:r>
+            <a:endParaRPr kumimoji="1" lang="en-US" altLang="ja-JP" dirty="0"/>
+          </a:p>
+        </p:txBody>
+      </p:sp>
+      <p:pic>
+        <p:nvPicPr>
+          <p:cNvPr id="20" name="図 19" descr="グラフ, ヒストグラム&#10;&#10;自動的に生成された説明">
+            <a:extLst>
+              <a:ext uri="{FF2B5EF4-FFF2-40B4-BE49-F238E27FC236}">
+                <a16:creationId xmlns:a16="http://schemas.microsoft.com/office/drawing/2014/main" id="{9BBA5190-A41A-4AA8-74DC-E6A2A8B614CC}"/>
+              </a:ext>
+            </a:extLst>
+          </p:cNvPr>
+          <p:cNvPicPr>
+            <a:picLocks noChangeAspect="1"/>
+          </p:cNvPicPr>
+          <p:nvPr/>
+        </p:nvPicPr>
+        <p:blipFill>
+          <a:blip r:embed="rId6">
+            <a:extLst>
+              <a:ext uri="{28A0092B-C50C-407E-A947-70E740481C1C}">
+                <a14:useLocalDpi xmlns:a14="http://schemas.microsoft.com/office/drawing/2010/main" val="0"/>
+              </a:ext>
+            </a:extLst>
+          </a:blip>
+          <a:stretch>
+            <a:fillRect/>
+          </a:stretch>
+        </p:blipFill>
+        <p:spPr>
+          <a:xfrm>
+            <a:off x="818849" y="5125300"/>
+            <a:ext cx="1143000" cy="1143000"/>
+          </a:xfrm>
+          <a:prstGeom prst="rect">
+            <a:avLst/>
+          </a:prstGeom>
+        </p:spPr>
+      </p:pic>
+      <p:sp>
+        <p:nvSpPr>
+          <p:cNvPr id="21" name="吹き出し: 円形 20">
+            <a:extLst>
+              <a:ext uri="{FF2B5EF4-FFF2-40B4-BE49-F238E27FC236}">
+                <a16:creationId xmlns:a16="http://schemas.microsoft.com/office/drawing/2014/main" id="{D7642966-3281-F40A-C79A-D98CE7CA313D}"/>
+              </a:ext>
+            </a:extLst>
+          </p:cNvPr>
+          <p:cNvSpPr/>
+          <p:nvPr/>
+        </p:nvSpPr>
+        <p:spPr>
+          <a:xfrm>
+            <a:off x="7960707" y="3443465"/>
+            <a:ext cx="1663700" cy="535729"/>
+          </a:xfrm>
+          <a:prstGeom prst="wedgeEllipseCallout">
+            <a:avLst>
+              <a:gd name="adj1" fmla="val -1983"/>
+              <a:gd name="adj2" fmla="val -78460"/>
+            </a:avLst>
+          </a:prstGeom>
+          <a:solidFill>
+            <a:schemeClr val="accent2">
+              <a:lumMod val="75000"/>
+            </a:schemeClr>
+          </a:solidFill>
+          <a:ln>
+            <a:noFill/>
+          </a:ln>
+        </p:spPr>
+        <p:style>
+          <a:lnRef idx="2">
+            <a:schemeClr val="accent1">
+              <a:shade val="50000"/>
+            </a:schemeClr>
+          </a:lnRef>
+          <a:fillRef idx="1">
+            <a:schemeClr val="accent1"/>
+          </a:fillRef>
+          <a:effectRef idx="0">
+            <a:schemeClr val="accent1"/>
+          </a:effectRef>
+          <a:fontRef idx="minor">
+            <a:schemeClr val="lt1"/>
+          </a:fontRef>
+        </p:style>
+        <p:txBody>
+          <a:bodyPr rtlCol="0" anchor="ctr"/>
+          <a:lstStyle/>
+          <a:p>
+            <a:pPr algn="ctr"/>
+            <a:r>
+              <a:rPr kumimoji="1" lang="ja-JP" altLang="en-US" dirty="0"/>
+              <a:t>進化</a:t>
+            </a:r>
+            <a:endParaRPr kumimoji="1" lang="en-US" altLang="ja-JP" dirty="0"/>
+          </a:p>
+        </p:txBody>
+      </p:sp>
+      <p:sp>
+        <p:nvSpPr>
+          <p:cNvPr id="8" name="矢印: 環状 7">
+            <a:extLst>
+              <a:ext uri="{FF2B5EF4-FFF2-40B4-BE49-F238E27FC236}">
+                <a16:creationId xmlns:a16="http://schemas.microsoft.com/office/drawing/2014/main" id="{4A8B5D87-0155-8BEE-6B26-B36303E45403}"/>
+              </a:ext>
+            </a:extLst>
+          </p:cNvPr>
+          <p:cNvSpPr/>
+          <p:nvPr/>
+        </p:nvSpPr>
+        <p:spPr>
+          <a:xfrm>
+            <a:off x="1257633" y="4143175"/>
+            <a:ext cx="2014422" cy="1568307"/>
+          </a:xfrm>
+          <a:prstGeom prst="circularArrow">
+            <a:avLst/>
+          </a:prstGeom>
+          <a:solidFill>
+            <a:schemeClr val="accent2">
+              <a:lumMod val="60000"/>
+              <a:lumOff val="40000"/>
+            </a:schemeClr>
+          </a:solidFill>
+          <a:ln>
+            <a:noFill/>
+          </a:ln>
+        </p:spPr>
+        <p:style>
+          <a:lnRef idx="2">
+            <a:schemeClr val="accent1">
+              <a:shade val="50000"/>
+            </a:schemeClr>
+          </a:lnRef>
+          <a:fillRef idx="1">
+            <a:schemeClr val="accent1"/>
+          </a:fillRef>
+          <a:effectRef idx="0">
+            <a:schemeClr val="accent1"/>
+          </a:effectRef>
+          <a:fontRef idx="minor">
+            <a:schemeClr val="lt1"/>
+          </a:fontRef>
+        </p:style>
+        <p:txBody>
+          <a:bodyPr rtlCol="0" anchor="ctr"/>
+          <a:lstStyle/>
+          <a:p>
+            <a:pPr algn="ctr"/>
+            <a:endParaRPr kumimoji="1" lang="ja-JP" altLang="en-US">
+              <a:solidFill>
+                <a:schemeClr val="tx1"/>
+              </a:solidFill>
+            </a:endParaRPr>
+          </a:p>
+        </p:txBody>
+      </p:sp>
+      <p:sp>
+        <p:nvSpPr>
+          <p:cNvPr id="23" name="矢印: 環状 22">
+            <a:extLst>
+              <a:ext uri="{FF2B5EF4-FFF2-40B4-BE49-F238E27FC236}">
+                <a16:creationId xmlns:a16="http://schemas.microsoft.com/office/drawing/2014/main" id="{DB7659DE-9770-9B5F-6719-1C34D28F5001}"/>
+              </a:ext>
+            </a:extLst>
+          </p:cNvPr>
+          <p:cNvSpPr/>
+          <p:nvPr/>
+        </p:nvSpPr>
+        <p:spPr>
+          <a:xfrm>
+            <a:off x="3335066" y="3853141"/>
+            <a:ext cx="2014422" cy="1841499"/>
+          </a:xfrm>
+          <a:prstGeom prst="circularArrow">
+            <a:avLst/>
+          </a:prstGeom>
+          <a:solidFill>
+            <a:schemeClr val="accent2">
+              <a:lumMod val="60000"/>
+              <a:lumOff val="40000"/>
+            </a:schemeClr>
+          </a:solidFill>
+          <a:ln>
+            <a:noFill/>
+          </a:ln>
+        </p:spPr>
+        <p:style>
+          <a:lnRef idx="2">
+            <a:schemeClr val="accent1">
+              <a:shade val="50000"/>
+            </a:schemeClr>
+          </a:lnRef>
+          <a:fillRef idx="1">
+            <a:schemeClr val="accent1"/>
+          </a:fillRef>
+          <a:effectRef idx="0">
+            <a:schemeClr val="accent1"/>
+          </a:effectRef>
+          <a:fontRef idx="minor">
+            <a:schemeClr val="lt1"/>
+          </a:fontRef>
+        </p:style>
+        <p:txBody>
+          <a:bodyPr rtlCol="0" anchor="ctr"/>
+          <a:lstStyle/>
+          <a:p>
+            <a:pPr algn="ctr"/>
+            <a:endParaRPr kumimoji="1" lang="ja-JP" altLang="en-US">
+              <a:solidFill>
+                <a:schemeClr val="tx1"/>
+              </a:solidFill>
+            </a:endParaRPr>
+          </a:p>
+        </p:txBody>
+      </p:sp>
+      <p:sp>
+        <p:nvSpPr>
+          <p:cNvPr id="24" name="矢印: 環状 23">
+            <a:extLst>
+              <a:ext uri="{FF2B5EF4-FFF2-40B4-BE49-F238E27FC236}">
+                <a16:creationId xmlns:a16="http://schemas.microsoft.com/office/drawing/2014/main" id="{013D8058-906B-3699-AD58-666BB268849A}"/>
+              </a:ext>
+            </a:extLst>
+          </p:cNvPr>
+          <p:cNvSpPr/>
+          <p:nvPr/>
+        </p:nvSpPr>
+        <p:spPr>
+          <a:xfrm>
+            <a:off x="5328830" y="3551906"/>
+            <a:ext cx="2089381" cy="1760176"/>
+          </a:xfrm>
+          <a:prstGeom prst="circularArrow">
+            <a:avLst>
+              <a:gd name="adj1" fmla="val 12500"/>
+              <a:gd name="adj2" fmla="val 1142319"/>
+              <a:gd name="adj3" fmla="val 20457681"/>
+              <a:gd name="adj4" fmla="val 10948335"/>
+              <a:gd name="adj5" fmla="val 12500"/>
+            </a:avLst>
+          </a:prstGeom>
+          <a:solidFill>
+            <a:schemeClr val="accent2">
+              <a:lumMod val="60000"/>
+              <a:lumOff val="40000"/>
+            </a:schemeClr>
+          </a:solidFill>
+          <a:ln>
+            <a:noFill/>
+          </a:ln>
+        </p:spPr>
+        <p:style>
+          <a:lnRef idx="2">
+            <a:schemeClr val="accent1">
+              <a:shade val="50000"/>
+            </a:schemeClr>
+          </a:lnRef>
+          <a:fillRef idx="1">
+            <a:schemeClr val="accent1"/>
+          </a:fillRef>
+          <a:effectRef idx="0">
+            <a:schemeClr val="accent1"/>
+          </a:effectRef>
+          <a:fontRef idx="minor">
+            <a:schemeClr val="lt1"/>
+          </a:fontRef>
+        </p:style>
+        <p:txBody>
+          <a:bodyPr rtlCol="0" anchor="ctr"/>
+          <a:lstStyle/>
+          <a:p>
+            <a:pPr algn="ctr"/>
+            <a:endParaRPr kumimoji="1" lang="ja-JP" altLang="en-US">
+              <a:solidFill>
+                <a:schemeClr val="tx1"/>
+              </a:solidFill>
+            </a:endParaRPr>
+          </a:p>
+        </p:txBody>
+      </p:sp>
+      <p:sp>
+        <p:nvSpPr>
+          <p:cNvPr id="25" name="矢印: 環状 24">
+            <a:extLst>
+              <a:ext uri="{FF2B5EF4-FFF2-40B4-BE49-F238E27FC236}">
+                <a16:creationId xmlns:a16="http://schemas.microsoft.com/office/drawing/2014/main" id="{8863539B-E99B-C6AF-A19A-126B69187C99}"/>
+              </a:ext>
+            </a:extLst>
+          </p:cNvPr>
+          <p:cNvSpPr/>
+          <p:nvPr/>
+        </p:nvSpPr>
+        <p:spPr>
+          <a:xfrm>
+            <a:off x="7343252" y="2694233"/>
+            <a:ext cx="2898610" cy="2168706"/>
+          </a:xfrm>
+          <a:prstGeom prst="circularArrow">
+            <a:avLst>
+              <a:gd name="adj1" fmla="val 12500"/>
+              <a:gd name="adj2" fmla="val 1142319"/>
+              <a:gd name="adj3" fmla="val 20457681"/>
+              <a:gd name="adj4" fmla="val 10800000"/>
+              <a:gd name="adj5" fmla="val 12596"/>
+            </a:avLst>
+          </a:prstGeom>
+          <a:solidFill>
+            <a:schemeClr val="accent2">
+              <a:lumMod val="60000"/>
+              <a:lumOff val="40000"/>
+            </a:schemeClr>
+          </a:solidFill>
+          <a:ln>
+            <a:noFill/>
+          </a:ln>
+        </p:spPr>
+        <p:style>
+          <a:lnRef idx="2">
+            <a:schemeClr val="accent1">
+              <a:shade val="50000"/>
+            </a:schemeClr>
+          </a:lnRef>
+          <a:fillRef idx="1">
+            <a:schemeClr val="accent1"/>
+          </a:fillRef>
+          <a:effectRef idx="0">
+            <a:schemeClr val="accent1"/>
+          </a:effectRef>
+          <a:fontRef idx="minor">
+            <a:schemeClr val="lt1"/>
+          </a:fontRef>
+        </p:style>
+        <p:txBody>
+          <a:bodyPr rtlCol="0" anchor="ctr"/>
+          <a:lstStyle/>
+          <a:p>
+            <a:pPr algn="ctr"/>
+            <a:endParaRPr kumimoji="1" lang="ja-JP" altLang="en-US">
+              <a:solidFill>
+                <a:schemeClr val="tx1"/>
+              </a:solidFill>
+            </a:endParaRPr>
+          </a:p>
+        </p:txBody>
+      </p:sp>
+      <p:sp>
+        <p:nvSpPr>
+          <p:cNvPr id="26" name="吹き出し: 円形 25">
+            <a:extLst>
+              <a:ext uri="{FF2B5EF4-FFF2-40B4-BE49-F238E27FC236}">
+                <a16:creationId xmlns:a16="http://schemas.microsoft.com/office/drawing/2014/main" id="{67E02859-2DA8-8A85-4990-C25A2CD4AA03}"/>
+              </a:ext>
+            </a:extLst>
+          </p:cNvPr>
+          <p:cNvSpPr/>
+          <p:nvPr/>
+        </p:nvSpPr>
+        <p:spPr>
+          <a:xfrm>
+            <a:off x="1465511" y="3443466"/>
+            <a:ext cx="1663700" cy="535729"/>
+          </a:xfrm>
+          <a:prstGeom prst="wedgeEllipseCallout">
+            <a:avLst>
+              <a:gd name="adj1" fmla="val -7057"/>
+              <a:gd name="adj2" fmla="val 89598"/>
+            </a:avLst>
+          </a:prstGeom>
+          <a:solidFill>
+            <a:schemeClr val="accent2">
+              <a:lumMod val="75000"/>
+            </a:schemeClr>
+          </a:solidFill>
+          <a:ln>
+            <a:noFill/>
+          </a:ln>
+        </p:spPr>
+        <p:style>
+          <a:lnRef idx="2">
+            <a:schemeClr val="accent1">
+              <a:shade val="50000"/>
+            </a:schemeClr>
+          </a:lnRef>
+          <a:fillRef idx="1">
+            <a:schemeClr val="accent1"/>
+          </a:fillRef>
+          <a:effectRef idx="0">
+            <a:schemeClr val="accent1"/>
+          </a:effectRef>
+          <a:fontRef idx="minor">
+            <a:schemeClr val="lt1"/>
+          </a:fontRef>
+        </p:style>
+        <p:txBody>
+          <a:bodyPr rtlCol="0" anchor="ctr"/>
+          <a:lstStyle/>
+          <a:p>
+            <a:pPr algn="ctr"/>
+            <a:r>
+              <a:rPr kumimoji="1" lang="ja-JP" altLang="en-US" dirty="0"/>
+              <a:t>孵化</a:t>
+            </a:r>
+            <a:endParaRPr kumimoji="1" lang="en-US" altLang="ja-JP" dirty="0"/>
+          </a:p>
+        </p:txBody>
+      </p:sp>
     </p:spTree>
     <p:extLst>
       <p:ext uri="{BB962C8B-B14F-4D97-AF65-F5344CB8AC3E}">
-        <p14:creationId xmlns:p14="http://schemas.microsoft.com/office/powerpoint/2010/main" val="2349628331"/>
+        <p14:creationId xmlns:p14="http://schemas.microsoft.com/office/powerpoint/2010/main" val="1983065898"/>
       </p:ext>
     </p:extLst>
   </p:cSld>
@@ -9837,6 +10969,109 @@
           <a:chExt cx="0" cy="0"/>
         </a:xfrm>
       </p:grpSpPr>
+      <p:pic>
+        <p:nvPicPr>
+          <p:cNvPr id="10" name="図 9" descr="カーテン が含まれている画像&#10;&#10;自動的に生成された説明">
+            <a:extLst>
+              <a:ext uri="{FF2B5EF4-FFF2-40B4-BE49-F238E27FC236}">
+                <a16:creationId xmlns:a16="http://schemas.microsoft.com/office/drawing/2014/main" id="{3BFCBF50-5650-0F99-E72E-1F161F7507D2}"/>
+              </a:ext>
+            </a:extLst>
+          </p:cNvPr>
+          <p:cNvPicPr>
+            <a:picLocks noChangeAspect="1"/>
+          </p:cNvPicPr>
+          <p:nvPr/>
+        </p:nvPicPr>
+        <p:blipFill rotWithShape="1">
+          <a:blip r:embed="rId2">
+            <a:extLst>
+              <a:ext uri="{28A0092B-C50C-407E-A947-70E740481C1C}">
+                <a14:useLocalDpi xmlns:a14="http://schemas.microsoft.com/office/drawing/2010/main" val="0"/>
+              </a:ext>
+            </a:extLst>
+          </a:blip>
+          <a:srcRect b="325"/>
+          <a:stretch/>
+        </p:blipFill>
+        <p:spPr>
+          <a:xfrm>
+            <a:off x="-1" y="0"/>
+            <a:ext cx="12192001" cy="6858000"/>
+          </a:xfrm>
+          <a:prstGeom prst="rect">
+            <a:avLst/>
+          </a:prstGeom>
+        </p:spPr>
+      </p:pic>
+      <p:pic>
+        <p:nvPicPr>
+          <p:cNvPr id="4" name="図 3">
+            <a:extLst>
+              <a:ext uri="{FF2B5EF4-FFF2-40B4-BE49-F238E27FC236}">
+                <a16:creationId xmlns:a16="http://schemas.microsoft.com/office/drawing/2014/main" id="{FC8BEC44-86DA-B269-E32E-BF947F11ABBB}"/>
+              </a:ext>
+              <a:ext uri="{C183D7F6-B498-43B3-948B-1728B52AA6E4}">
+                <adec:decorative xmlns:adec="http://schemas.microsoft.com/office/drawing/2017/decorative" val="1"/>
+              </a:ext>
+            </a:extLst>
+          </p:cNvPr>
+          <p:cNvPicPr>
+            <a:picLocks noChangeAspect="1"/>
+          </p:cNvPicPr>
+          <p:nvPr/>
+        </p:nvPicPr>
+        <p:blipFill rotWithShape="1">
+          <a:blip r:embed="rId3">
+            <a:extLst>
+              <a:ext uri="{28A0092B-C50C-407E-A947-70E740481C1C}">
+                <a14:useLocalDpi xmlns:a14="http://schemas.microsoft.com/office/drawing/2010/main" val="0"/>
+              </a:ext>
+            </a:extLst>
+          </a:blip>
+          <a:srcRect l="-128" t="29074" r="67247" b="56056"/>
+          <a:stretch/>
+        </p:blipFill>
+        <p:spPr>
+          <a:xfrm>
+            <a:off x="3633917" y="2919084"/>
+            <a:ext cx="3285867" cy="1019832"/>
+          </a:xfrm>
+          <a:prstGeom prst="rect">
+            <a:avLst/>
+          </a:prstGeom>
+        </p:spPr>
+      </p:pic>
+    </p:spTree>
+    <p:extLst>
+      <p:ext uri="{BB962C8B-B14F-4D97-AF65-F5344CB8AC3E}">
+        <p14:creationId xmlns:p14="http://schemas.microsoft.com/office/powerpoint/2010/main" val="2349628331"/>
+      </p:ext>
+    </p:extLst>
+  </p:cSld>
+  <p:clrMapOvr>
+    <a:masterClrMapping/>
+  </p:clrMapOvr>
+</p:sld>
+</file>
+
+<file path=ppt/slides/slide8.xml><?xml version="1.0" encoding="utf-8"?>
+<p:sld xmlns:a="http://schemas.openxmlformats.org/drawingml/2006/main" xmlns:r="http://schemas.openxmlformats.org/officeDocument/2006/relationships" xmlns:p="http://schemas.openxmlformats.org/presentationml/2006/main">
+  <p:cSld>
+    <p:spTree>
+      <p:nvGrpSpPr>
+        <p:cNvPr id="1" name=""/>
+        <p:cNvGrpSpPr/>
+        <p:nvPr/>
+      </p:nvGrpSpPr>
+      <p:grpSpPr>
+        <a:xfrm>
+          <a:off x="0" y="0"/>
+          <a:ext cx="0" cy="0"/>
+          <a:chOff x="0" y="0"/>
+          <a:chExt cx="0" cy="0"/>
+        </a:xfrm>
+      </p:grpSpPr>
       <p:sp>
         <p:nvSpPr>
           <p:cNvPr id="13" name="楕円 12">
@@ -9980,7 +11215,7 @@
         </p:nvSpPr>
         <p:spPr>
           <a:xfrm>
-            <a:off x="944103" y="2545037"/>
+            <a:off x="969623" y="2588309"/>
             <a:ext cx="5313164" cy="2313752"/>
           </a:xfrm>
         </p:spPr>
@@ -10484,12 +11719,235 @@
           </a:p>
         </p:txBody>
       </p:sp>
-      <p:sp>
-        <p:nvSpPr>
-          <p:cNvPr id="21" name="フローチャート: 結合子 20">
-            <a:extLst>
-              <a:ext uri="{FF2B5EF4-FFF2-40B4-BE49-F238E27FC236}">
-                <a16:creationId xmlns:a16="http://schemas.microsoft.com/office/drawing/2014/main" id="{7AA2BA54-07B8-358D-21B3-D5D23E2E232A}"/>
+      <p:grpSp>
+        <p:nvGrpSpPr>
+          <p:cNvPr id="4" name="グループ化 3">
+            <a:extLst>
+              <a:ext uri="{FF2B5EF4-FFF2-40B4-BE49-F238E27FC236}">
+                <a16:creationId xmlns:a16="http://schemas.microsoft.com/office/drawing/2014/main" id="{FA070EF9-4D45-B9B7-9CE9-D9F532041284}"/>
+              </a:ext>
+            </a:extLst>
+          </p:cNvPr>
+          <p:cNvGrpSpPr/>
+          <p:nvPr/>
+        </p:nvGrpSpPr>
+        <p:grpSpPr>
+          <a:xfrm>
+            <a:off x="890799" y="2422089"/>
+            <a:ext cx="5553349" cy="2313752"/>
+            <a:chOff x="838200" y="2422089"/>
+            <a:chExt cx="5553349" cy="2313752"/>
+          </a:xfrm>
+        </p:grpSpPr>
+        <p:sp>
+          <p:nvSpPr>
+            <p:cNvPr id="21" name="フローチャート: 結合子 20">
+              <a:extLst>
+                <a:ext uri="{FF2B5EF4-FFF2-40B4-BE49-F238E27FC236}">
+                  <a16:creationId xmlns:a16="http://schemas.microsoft.com/office/drawing/2014/main" id="{7AA2BA54-07B8-358D-21B3-D5D23E2E232A}"/>
+                </a:ext>
+              </a:extLst>
+            </p:cNvPr>
+            <p:cNvSpPr/>
+            <p:nvPr/>
+          </p:nvSpPr>
+          <p:spPr>
+            <a:xfrm>
+              <a:off x="944101" y="3122937"/>
+              <a:ext cx="456028" cy="456028"/>
+            </a:xfrm>
+            <a:prstGeom prst="flowChartConnector">
+              <a:avLst/>
+            </a:prstGeom>
+            <a:solidFill>
+              <a:schemeClr val="accent2"/>
+            </a:solidFill>
+            <a:ln>
+              <a:solidFill>
+                <a:schemeClr val="bg1"/>
+              </a:solidFill>
+            </a:ln>
+          </p:spPr>
+          <p:style>
+            <a:lnRef idx="2">
+              <a:schemeClr val="accent1">
+                <a:shade val="50000"/>
+              </a:schemeClr>
+            </a:lnRef>
+            <a:fillRef idx="1">
+              <a:schemeClr val="accent1"/>
+            </a:fillRef>
+            <a:effectRef idx="0">
+              <a:schemeClr val="accent1"/>
+            </a:effectRef>
+            <a:fontRef idx="minor">
+              <a:schemeClr val="lt1"/>
+            </a:fontRef>
+          </p:style>
+          <p:txBody>
+            <a:bodyPr rtlCol="0" anchor="ctr"/>
+            <a:lstStyle/>
+            <a:p>
+              <a:pPr algn="ctr"/>
+              <a:r>
+                <a:rPr kumimoji="1" lang="ja-JP" altLang="en-US" dirty="0">
+                  <a:latin typeface="HGｺﾞｼｯｸE" panose="020B0909000000000000" pitchFamily="49" charset="-128"/>
+                  <a:ea typeface="HGｺﾞｼｯｸE" panose="020B0909000000000000" pitchFamily="49" charset="-128"/>
+                </a:rPr>
+                <a:t>１</a:t>
+              </a:r>
+            </a:p>
+          </p:txBody>
+        </p:sp>
+        <p:sp>
+          <p:nvSpPr>
+            <p:cNvPr id="22" name="フローチャート: 結合子 21">
+              <a:extLst>
+                <a:ext uri="{FF2B5EF4-FFF2-40B4-BE49-F238E27FC236}">
+                  <a16:creationId xmlns:a16="http://schemas.microsoft.com/office/drawing/2014/main" id="{A53313E3-6937-3860-AEF5-EE946D06A1C2}"/>
+                </a:ext>
+              </a:extLst>
+            </p:cNvPr>
+            <p:cNvSpPr/>
+            <p:nvPr/>
+          </p:nvSpPr>
+          <p:spPr>
+            <a:xfrm>
+              <a:off x="944101" y="3776765"/>
+              <a:ext cx="456028" cy="456028"/>
+            </a:xfrm>
+            <a:prstGeom prst="flowChartConnector">
+              <a:avLst/>
+            </a:prstGeom>
+            <a:solidFill>
+              <a:schemeClr val="accent2"/>
+            </a:solidFill>
+            <a:ln>
+              <a:solidFill>
+                <a:schemeClr val="bg1"/>
+              </a:solidFill>
+            </a:ln>
+          </p:spPr>
+          <p:style>
+            <a:lnRef idx="2">
+              <a:schemeClr val="accent1">
+                <a:shade val="50000"/>
+              </a:schemeClr>
+            </a:lnRef>
+            <a:fillRef idx="1">
+              <a:schemeClr val="accent1"/>
+            </a:fillRef>
+            <a:effectRef idx="0">
+              <a:schemeClr val="accent1"/>
+            </a:effectRef>
+            <a:fontRef idx="minor">
+              <a:schemeClr val="lt1"/>
+            </a:fontRef>
+          </p:style>
+          <p:txBody>
+            <a:bodyPr rtlCol="0" anchor="ctr"/>
+            <a:lstStyle/>
+            <a:p>
+              <a:pPr algn="ctr"/>
+              <a:r>
+                <a:rPr kumimoji="1" lang="ja-JP" altLang="en-US" dirty="0">
+                  <a:latin typeface="HGｺﾞｼｯｸE" panose="020B0909000000000000" pitchFamily="49" charset="-128"/>
+                  <a:ea typeface="HGｺﾞｼｯｸE" panose="020B0909000000000000" pitchFamily="49" charset="-128"/>
+                </a:rPr>
+                <a:t>２</a:t>
+              </a:r>
+            </a:p>
+          </p:txBody>
+        </p:sp>
+        <p:sp>
+          <p:nvSpPr>
+            <p:cNvPr id="7" name="正方形/長方形 6">
+              <a:extLst>
+                <a:ext uri="{FF2B5EF4-FFF2-40B4-BE49-F238E27FC236}">
+                  <a16:creationId xmlns:a16="http://schemas.microsoft.com/office/drawing/2014/main" id="{4E77A4B7-CB74-B766-3937-641A35283E41}"/>
+                </a:ext>
+              </a:extLst>
+            </p:cNvPr>
+            <p:cNvSpPr/>
+            <p:nvPr/>
+          </p:nvSpPr>
+          <p:spPr>
+            <a:xfrm>
+              <a:off x="838200" y="2422089"/>
+              <a:ext cx="5553349" cy="2313752"/>
+            </a:xfrm>
+            <a:prstGeom prst="rect">
+              <a:avLst/>
+            </a:prstGeom>
+            <a:noFill/>
+            <a:ln w="28575">
+              <a:solidFill>
+                <a:srgbClr val="FFA333"/>
+              </a:solidFill>
+            </a:ln>
+          </p:spPr>
+          <p:style>
+            <a:lnRef idx="2">
+              <a:schemeClr val="accent1">
+                <a:shade val="50000"/>
+              </a:schemeClr>
+            </a:lnRef>
+            <a:fillRef idx="1">
+              <a:schemeClr val="accent1"/>
+            </a:fillRef>
+            <a:effectRef idx="0">
+              <a:schemeClr val="accent1"/>
+            </a:effectRef>
+            <a:fontRef idx="minor">
+              <a:schemeClr val="lt1"/>
+            </a:fontRef>
+          </p:style>
+          <p:txBody>
+            <a:bodyPr rtlCol="0" anchor="ctr"/>
+            <a:lstStyle/>
+            <a:p>
+              <a:pPr algn="ctr"/>
+              <a:endParaRPr kumimoji="1" lang="ja-JP" altLang="en-US" dirty="0"/>
+            </a:p>
+          </p:txBody>
+        </p:sp>
+      </p:grpSp>
+    </p:spTree>
+    <p:extLst>
+      <p:ext uri="{BB962C8B-B14F-4D97-AF65-F5344CB8AC3E}">
+        <p14:creationId xmlns:p14="http://schemas.microsoft.com/office/powerpoint/2010/main" val="1004011629"/>
+      </p:ext>
+    </p:extLst>
+  </p:cSld>
+  <p:clrMapOvr>
+    <a:masterClrMapping/>
+  </p:clrMapOvr>
+</p:sld>
+</file>
+
+<file path=ppt/slides/slide9.xml><?xml version="1.0" encoding="utf-8"?>
+<p:sld xmlns:a="http://schemas.openxmlformats.org/drawingml/2006/main" xmlns:r="http://schemas.openxmlformats.org/officeDocument/2006/relationships" xmlns:p="http://schemas.openxmlformats.org/presentationml/2006/main">
+  <p:cSld>
+    <p:spTree>
+      <p:nvGrpSpPr>
+        <p:cNvPr id="1" name=""/>
+        <p:cNvGrpSpPr/>
+        <p:nvPr/>
+      </p:nvGrpSpPr>
+      <p:grpSpPr>
+        <a:xfrm>
+          <a:off x="0" y="0"/>
+          <a:ext cx="0" cy="0"/>
+          <a:chOff x="0" y="0"/>
+          <a:chExt cx="0" cy="0"/>
+        </a:xfrm>
+      </p:grpSpPr>
+      <p:sp>
+        <p:nvSpPr>
+          <p:cNvPr id="37" name="楕円 36">
+            <a:extLst>
+              <a:ext uri="{FF2B5EF4-FFF2-40B4-BE49-F238E27FC236}">
+                <a16:creationId xmlns:a16="http://schemas.microsoft.com/office/drawing/2014/main" id="{3EA09FC8-E75E-8242-A439-DF0E228A30D7}"/>
               </a:ext>
             </a:extLst>
           </p:cNvPr>
@@ -10498,10 +11956,10 @@
         </p:nvSpPr>
         <p:spPr>
           <a:xfrm>
-            <a:off x="944101" y="3122937"/>
-            <a:ext cx="456028" cy="456028"/>
-          </a:xfrm>
-          <a:prstGeom prst="flowChartConnector">
+            <a:off x="9971249" y="1345278"/>
+            <a:ext cx="2133512" cy="774868"/>
+          </a:xfrm>
+          <a:prstGeom prst="ellipse">
             <a:avLst/>
           </a:prstGeom>
           <a:solidFill>
@@ -10535,21 +11993,50 @@
           <a:p>
             <a:pPr algn="ctr"/>
             <a:r>
-              <a:rPr kumimoji="1" lang="ja-JP" altLang="en-US" dirty="0">
+              <a:rPr kumimoji="1" lang="ja-JP" altLang="en-US" sz="2000" dirty="0">
                 <a:latin typeface="HGｺﾞｼｯｸE" panose="020B0909000000000000" pitchFamily="49" charset="-128"/>
                 <a:ea typeface="HGｺﾞｼｯｸE" panose="020B0909000000000000" pitchFamily="49" charset="-128"/>
               </a:rPr>
-              <a:t>１</a:t>
-            </a:r>
-          </a:p>
-        </p:txBody>
-      </p:sp>
-      <p:sp>
-        <p:nvSpPr>
-          <p:cNvPr id="22" name="フローチャート: 結合子 21">
-            <a:extLst>
-              <a:ext uri="{FF2B5EF4-FFF2-40B4-BE49-F238E27FC236}">
-                <a16:creationId xmlns:a16="http://schemas.microsoft.com/office/drawing/2014/main" id="{A53313E3-6937-3860-AEF5-EE946D06A1C2}"/>
+              <a:t>メイン画面</a:t>
+            </a:r>
+          </a:p>
+        </p:txBody>
+      </p:sp>
+      <p:pic>
+        <p:nvPicPr>
+          <p:cNvPr id="30" name="図 29">
+            <a:extLst>
+              <a:ext uri="{FF2B5EF4-FFF2-40B4-BE49-F238E27FC236}">
+                <a16:creationId xmlns:a16="http://schemas.microsoft.com/office/drawing/2014/main" id="{D61EE26D-15B3-66F2-E216-7807D434C5D0}"/>
+              </a:ext>
+            </a:extLst>
+          </p:cNvPr>
+          <p:cNvPicPr>
+            <a:picLocks noChangeAspect="1"/>
+          </p:cNvPicPr>
+          <p:nvPr/>
+        </p:nvPicPr>
+        <p:blipFill rotWithShape="1">
+          <a:blip r:embed="rId2"/>
+          <a:srcRect l="24202" t="13129" r="21527" b="7945"/>
+          <a:stretch/>
+        </p:blipFill>
+        <p:spPr>
+          <a:xfrm>
+            <a:off x="6234172" y="1978245"/>
+            <a:ext cx="5757632" cy="4707803"/>
+          </a:xfrm>
+          <a:prstGeom prst="rect">
+            <a:avLst/>
+          </a:prstGeom>
+        </p:spPr>
+      </p:pic>
+      <p:sp>
+        <p:nvSpPr>
+          <p:cNvPr id="42" name="楕円 41">
+            <a:extLst>
+              <a:ext uri="{FF2B5EF4-FFF2-40B4-BE49-F238E27FC236}">
+                <a16:creationId xmlns:a16="http://schemas.microsoft.com/office/drawing/2014/main" id="{0978E2EE-920D-93E4-A5A8-C642E9B018EC}"/>
               </a:ext>
             </a:extLst>
           </p:cNvPr>
@@ -10558,10 +12045,10 @@
         </p:nvSpPr>
         <p:spPr>
           <a:xfrm>
-            <a:off x="944101" y="3776765"/>
-            <a:ext cx="456028" cy="456028"/>
-          </a:xfrm>
-          <a:prstGeom prst="flowChartConnector">
+            <a:off x="3282306" y="2631820"/>
+            <a:ext cx="2133512" cy="774868"/>
+          </a:xfrm>
+          <a:prstGeom prst="ellipse">
             <a:avLst/>
           </a:prstGeom>
           <a:solidFill>
@@ -10595,39 +12082,104 @@
           <a:p>
             <a:pPr algn="ctr"/>
             <a:r>
-              <a:rPr kumimoji="1" lang="ja-JP" altLang="en-US" dirty="0">
+              <a:rPr kumimoji="1" lang="ja-JP" altLang="en-US" sz="2000" dirty="0">
                 <a:latin typeface="HGｺﾞｼｯｸE" panose="020B0909000000000000" pitchFamily="49" charset="-128"/>
                 <a:ea typeface="HGｺﾞｼｯｸE" panose="020B0909000000000000" pitchFamily="49" charset="-128"/>
               </a:rPr>
-              <a:t>２</a:t>
-            </a:r>
-          </a:p>
-        </p:txBody>
-      </p:sp>
-      <p:sp>
-        <p:nvSpPr>
-          <p:cNvPr id="7" name="正方形/長方形 6">
-            <a:extLst>
-              <a:ext uri="{FF2B5EF4-FFF2-40B4-BE49-F238E27FC236}">
-                <a16:creationId xmlns:a16="http://schemas.microsoft.com/office/drawing/2014/main" id="{4E77A4B7-CB74-B766-3937-641A35283E41}"/>
-              </a:ext>
-            </a:extLst>
-          </p:cNvPr>
-          <p:cNvSpPr/>
+              <a:t>メイン画面</a:t>
+            </a:r>
+          </a:p>
+        </p:txBody>
+      </p:sp>
+      <p:pic>
+        <p:nvPicPr>
+          <p:cNvPr id="8" name="図 7">
+            <a:extLst>
+              <a:ext uri="{FF2B5EF4-FFF2-40B4-BE49-F238E27FC236}">
+                <a16:creationId xmlns:a16="http://schemas.microsoft.com/office/drawing/2014/main" id="{6F52DB38-1148-EA93-2A60-1B2F7FADF5BE}"/>
+              </a:ext>
+            </a:extLst>
+          </p:cNvPr>
+          <p:cNvPicPr>
+            <a:picLocks noChangeAspect="1"/>
+          </p:cNvPicPr>
           <p:nvPr/>
-        </p:nvSpPr>
+        </p:nvPicPr>
+        <p:blipFill rotWithShape="1">
+          <a:blip r:embed="rId3"/>
+          <a:srcRect l="24263" t="13296" r="21340" b="21870"/>
+          <a:stretch/>
+        </p:blipFill>
         <p:spPr>
           <a:xfrm>
-            <a:off x="838200" y="2422089"/>
-            <a:ext cx="5553349" cy="2313752"/>
+            <a:off x="294261" y="3248780"/>
+            <a:ext cx="5129566" cy="3437270"/>
           </a:xfrm>
           <a:prstGeom prst="rect">
             <a:avLst/>
           </a:prstGeom>
+        </p:spPr>
+      </p:pic>
+      <p:sp>
+        <p:nvSpPr>
+          <p:cNvPr id="2" name="タイトル 1">
+            <a:extLst>
+              <a:ext uri="{FF2B5EF4-FFF2-40B4-BE49-F238E27FC236}">
+                <a16:creationId xmlns:a16="http://schemas.microsoft.com/office/drawing/2014/main" id="{693A6AA4-E421-2B25-F07B-E8469B9F6618}"/>
+              </a:ext>
+            </a:extLst>
+          </p:cNvPr>
+          <p:cNvSpPr>
+            <a:spLocks noGrp="1"/>
+          </p:cNvSpPr>
+          <p:nvPr>
+            <p:ph type="title"/>
+          </p:nvPr>
+        </p:nvSpPr>
+        <p:spPr/>
+        <p:txBody>
+          <a:bodyPr/>
+          <a:lstStyle/>
+          <a:p>
+            <a:r>
+              <a:rPr kumimoji="1" lang="ja-JP" altLang="en-US" dirty="0">
+                <a:solidFill>
+                  <a:schemeClr val="accent2">
+                    <a:lumMod val="50000"/>
+                  </a:schemeClr>
+                </a:solidFill>
+                <a:latin typeface="HGS創英角ｺﾞｼｯｸUB" panose="020B0900000000000000" pitchFamily="50" charset="-128"/>
+                <a:ea typeface="HGS創英角ｺﾞｼｯｸUB" panose="020B0900000000000000" pitchFamily="50" charset="-128"/>
+              </a:rPr>
+              <a:t>キャラ育成機能</a:t>
+            </a:r>
+          </a:p>
+        </p:txBody>
+      </p:sp>
+      <p:sp>
+        <p:nvSpPr>
+          <p:cNvPr id="36" name="四角形: 角を丸くする 35">
+            <a:extLst>
+              <a:ext uri="{FF2B5EF4-FFF2-40B4-BE49-F238E27FC236}">
+                <a16:creationId xmlns:a16="http://schemas.microsoft.com/office/drawing/2014/main" id="{275B2BFE-13D5-D0CB-1196-2754359A6AF2}"/>
+              </a:ext>
+            </a:extLst>
+          </p:cNvPr>
+          <p:cNvSpPr/>
+          <p:nvPr/>
+        </p:nvSpPr>
+        <p:spPr>
+          <a:xfrm>
+            <a:off x="8533555" y="4217981"/>
+            <a:ext cx="1089127" cy="1020770"/>
+          </a:xfrm>
+          <a:prstGeom prst="roundRect">
+            <a:avLst/>
+          </a:prstGeom>
           <a:noFill/>
-          <a:ln w="28575">
+          <a:ln w="38100">
             <a:solidFill>
-              <a:srgbClr val="FFA333"/>
+              <a:srgbClr val="FF0000"/>
             </a:solidFill>
           </a:ln>
         </p:spPr>
@@ -10652,46 +12204,16 @@
           <a:lstStyle/>
           <a:p>
             <a:pPr algn="ctr"/>
-            <a:endParaRPr kumimoji="1" lang="ja-JP" altLang="en-US" dirty="0"/>
-          </a:p>
-        </p:txBody>
-      </p:sp>
-    </p:spTree>
-    <p:extLst>
-      <p:ext uri="{BB962C8B-B14F-4D97-AF65-F5344CB8AC3E}">
-        <p14:creationId xmlns:p14="http://schemas.microsoft.com/office/powerpoint/2010/main" val="1004011629"/>
-      </p:ext>
-    </p:extLst>
-  </p:cSld>
-  <p:clrMapOvr>
-    <a:masterClrMapping/>
-  </p:clrMapOvr>
-</p:sld>
-</file>
-
-<file path=ppt/slides/slide8.xml><?xml version="1.0" encoding="utf-8"?>
-<p:sld xmlns:a="http://schemas.openxmlformats.org/drawingml/2006/main" xmlns:r="http://schemas.openxmlformats.org/officeDocument/2006/relationships" xmlns:p="http://schemas.openxmlformats.org/presentationml/2006/main">
-  <p:cSld>
-    <p:spTree>
-      <p:nvGrpSpPr>
-        <p:cNvPr id="1" name=""/>
-        <p:cNvGrpSpPr/>
-        <p:nvPr/>
-      </p:nvGrpSpPr>
-      <p:grpSpPr>
-        <a:xfrm>
-          <a:off x="0" y="0"/>
-          <a:ext cx="0" cy="0"/>
-          <a:chOff x="0" y="0"/>
-          <a:chExt cx="0" cy="0"/>
-        </a:xfrm>
-      </p:grpSpPr>
-      <p:sp>
-        <p:nvSpPr>
-          <p:cNvPr id="42" name="楕円 41">
-            <a:extLst>
-              <a:ext uri="{FF2B5EF4-FFF2-40B4-BE49-F238E27FC236}">
-                <a16:creationId xmlns:a16="http://schemas.microsoft.com/office/drawing/2014/main" id="{0978E2EE-920D-93E4-A5A8-C642E9B018EC}"/>
+            <a:endParaRPr kumimoji="1" lang="ja-JP" altLang="en-US"/>
+          </a:p>
+        </p:txBody>
+      </p:sp>
+      <p:sp>
+        <p:nvSpPr>
+          <p:cNvPr id="6" name="矢印: 右 5">
+            <a:extLst>
+              <a:ext uri="{FF2B5EF4-FFF2-40B4-BE49-F238E27FC236}">
+                <a16:creationId xmlns:a16="http://schemas.microsoft.com/office/drawing/2014/main" id="{95DF3E1B-B428-50DA-8D13-FBB1EB5AF42D}"/>
               </a:ext>
             </a:extLst>
           </p:cNvPr>
@@ -10700,10 +12222,10 @@
         </p:nvSpPr>
         <p:spPr>
           <a:xfrm>
-            <a:off x="3247428" y="2693166"/>
-            <a:ext cx="2133512" cy="774868"/>
-          </a:xfrm>
-          <a:prstGeom prst="ellipse">
+            <a:off x="5015510" y="4020733"/>
+            <a:ext cx="1654563" cy="1177468"/>
+          </a:xfrm>
+          <a:prstGeom prst="rightArrow">
             <a:avLst/>
           </a:prstGeom>
           <a:solidFill>
@@ -10737,21 +12259,24 @@
           <a:p>
             <a:pPr algn="ctr"/>
             <a:r>
-              <a:rPr kumimoji="1" lang="ja-JP" altLang="en-US" sz="2000" dirty="0">
+              <a:rPr kumimoji="1" lang="ja-JP" altLang="en-US" sz="2400" dirty="0">
+                <a:solidFill>
+                  <a:schemeClr val="bg1"/>
+                </a:solidFill>
                 <a:latin typeface="HGｺﾞｼｯｸE" panose="020B0909000000000000" pitchFamily="49" charset="-128"/>
                 <a:ea typeface="HGｺﾞｼｯｸE" panose="020B0909000000000000" pitchFamily="49" charset="-128"/>
               </a:rPr>
-              <a:t>メイン画面</a:t>
-            </a:r>
-          </a:p>
-        </p:txBody>
-      </p:sp>
-      <p:sp>
-        <p:nvSpPr>
-          <p:cNvPr id="37" name="楕円 36">
-            <a:extLst>
-              <a:ext uri="{FF2B5EF4-FFF2-40B4-BE49-F238E27FC236}">
-                <a16:creationId xmlns:a16="http://schemas.microsoft.com/office/drawing/2014/main" id="{3EA09FC8-E75E-8242-A439-DF0E228A30D7}"/>
+              <a:t>進化</a:t>
+            </a:r>
+          </a:p>
+        </p:txBody>
+      </p:sp>
+      <p:sp>
+        <p:nvSpPr>
+          <p:cNvPr id="41" name="四角形: 角を丸くする 40">
+            <a:extLst>
+              <a:ext uri="{FF2B5EF4-FFF2-40B4-BE49-F238E27FC236}">
+                <a16:creationId xmlns:a16="http://schemas.microsoft.com/office/drawing/2014/main" id="{BBBFDB87-C73C-E9C3-B845-410FC295B767}"/>
               </a:ext>
             </a:extLst>
           </p:cNvPr>
@@ -10760,18 +12285,16 @@
         </p:nvSpPr>
         <p:spPr>
           <a:xfrm>
-            <a:off x="9971249" y="1345278"/>
-            <a:ext cx="2133512" cy="774868"/>
-          </a:xfrm>
-          <a:prstGeom prst="ellipse">
+            <a:off x="2279651" y="5422796"/>
+            <a:ext cx="1054099" cy="1070079"/>
+          </a:xfrm>
+          <a:prstGeom prst="roundRect">
             <a:avLst/>
           </a:prstGeom>
-          <a:solidFill>
-            <a:schemeClr val="accent2"/>
-          </a:solidFill>
-          <a:ln>
+          <a:noFill/>
+          <a:ln w="38100">
             <a:solidFill>
-              <a:schemeClr val="bg1"/>
+              <a:srgbClr val="FF0000"/>
             </a:solidFill>
           </a:ln>
         </p:spPr>
@@ -10796,116 +12319,16 @@
           <a:lstStyle/>
           <a:p>
             <a:pPr algn="ctr"/>
-            <a:r>
-              <a:rPr kumimoji="1" lang="ja-JP" altLang="en-US" sz="2000" dirty="0">
-                <a:latin typeface="HGｺﾞｼｯｸE" panose="020B0909000000000000" pitchFamily="49" charset="-128"/>
-                <a:ea typeface="HGｺﾞｼｯｸE" panose="020B0909000000000000" pitchFamily="49" charset="-128"/>
-              </a:rPr>
-              <a:t>メイン画面</a:t>
-            </a:r>
-          </a:p>
-        </p:txBody>
-      </p:sp>
-      <p:pic>
-        <p:nvPicPr>
-          <p:cNvPr id="34" name="図 33">
-            <a:extLst>
-              <a:ext uri="{FF2B5EF4-FFF2-40B4-BE49-F238E27FC236}">
-                <a16:creationId xmlns:a16="http://schemas.microsoft.com/office/drawing/2014/main" id="{27B349FE-252B-3BB1-BDB5-B8C7125FDA0E}"/>
-              </a:ext>
-            </a:extLst>
-          </p:cNvPr>
-          <p:cNvPicPr>
-            <a:picLocks noChangeAspect="1"/>
-          </p:cNvPicPr>
-          <p:nvPr/>
-        </p:nvPicPr>
-        <p:blipFill rotWithShape="1">
-          <a:blip r:embed="rId2"/>
-          <a:srcRect l="24214" t="13177" r="21492" b="7861"/>
-          <a:stretch/>
-        </p:blipFill>
-        <p:spPr>
-          <a:xfrm>
-            <a:off x="6217920" y="1978247"/>
-            <a:ext cx="5757545" cy="4707803"/>
-          </a:xfrm>
-          <a:prstGeom prst="rect">
-            <a:avLst/>
-          </a:prstGeom>
-        </p:spPr>
-      </p:pic>
-      <p:pic>
-        <p:nvPicPr>
-          <p:cNvPr id="21" name="図 20">
-            <a:extLst>
-              <a:ext uri="{FF2B5EF4-FFF2-40B4-BE49-F238E27FC236}">
-                <a16:creationId xmlns:a16="http://schemas.microsoft.com/office/drawing/2014/main" id="{90DD2413-FBA3-563E-E56C-708C7BED66DF}"/>
-              </a:ext>
-            </a:extLst>
-          </p:cNvPr>
-          <p:cNvPicPr>
-            <a:picLocks noChangeAspect="1"/>
-          </p:cNvPicPr>
-          <p:nvPr/>
-        </p:nvPicPr>
-        <p:blipFill rotWithShape="1">
-          <a:blip r:embed="rId2"/>
-          <a:srcRect l="24214" t="13177" r="21492" b="22483"/>
-          <a:stretch/>
-        </p:blipFill>
-        <p:spPr>
-          <a:xfrm>
-            <a:off x="309306" y="3305908"/>
-            <a:ext cx="5071634" cy="3379005"/>
-          </a:xfrm>
-          <a:prstGeom prst="rect">
-            <a:avLst/>
-          </a:prstGeom>
-        </p:spPr>
-      </p:pic>
-      <p:sp>
-        <p:nvSpPr>
-          <p:cNvPr id="2" name="タイトル 1">
-            <a:extLst>
-              <a:ext uri="{FF2B5EF4-FFF2-40B4-BE49-F238E27FC236}">
-                <a16:creationId xmlns:a16="http://schemas.microsoft.com/office/drawing/2014/main" id="{693A6AA4-E421-2B25-F07B-E8469B9F6618}"/>
-              </a:ext>
-            </a:extLst>
-          </p:cNvPr>
-          <p:cNvSpPr>
-            <a:spLocks noGrp="1"/>
-          </p:cNvSpPr>
-          <p:nvPr>
-            <p:ph type="title"/>
-          </p:nvPr>
-        </p:nvSpPr>
-        <p:spPr/>
-        <p:txBody>
-          <a:bodyPr/>
-          <a:lstStyle/>
-          <a:p>
-            <a:r>
-              <a:rPr kumimoji="1" lang="ja-JP" altLang="en-US" dirty="0">
-                <a:solidFill>
-                  <a:schemeClr val="accent2">
-                    <a:lumMod val="50000"/>
-                  </a:schemeClr>
-                </a:solidFill>
-                <a:latin typeface="HGS創英角ｺﾞｼｯｸUB" panose="020B0900000000000000" pitchFamily="50" charset="-128"/>
-                <a:ea typeface="HGS創英角ｺﾞｼｯｸUB" panose="020B0900000000000000" pitchFamily="50" charset="-128"/>
-              </a:rPr>
-              <a:t>キャラ育成機能</a:t>
-            </a:r>
-          </a:p>
-        </p:txBody>
-      </p:sp>
-      <p:sp>
-        <p:nvSpPr>
-          <p:cNvPr id="36" name="四角形: 角を丸くする 35">
-            <a:extLst>
-              <a:ext uri="{FF2B5EF4-FFF2-40B4-BE49-F238E27FC236}">
-                <a16:creationId xmlns:a16="http://schemas.microsoft.com/office/drawing/2014/main" id="{275B2BFE-13D5-D0CB-1196-2754359A6AF2}"/>
+            <a:endParaRPr kumimoji="1" lang="ja-JP" altLang="en-US"/>
+          </a:p>
+        </p:txBody>
+      </p:sp>
+      <p:sp>
+        <p:nvSpPr>
+          <p:cNvPr id="26" name="四角形: 角を丸くする 25">
+            <a:extLst>
+              <a:ext uri="{FF2B5EF4-FFF2-40B4-BE49-F238E27FC236}">
+                <a16:creationId xmlns:a16="http://schemas.microsoft.com/office/drawing/2014/main" id="{4FEEEB77-5280-4C5B-82E6-86302C60FB29}"/>
               </a:ext>
             </a:extLst>
           </p:cNvPr>
@@ -10914,8 +12337,8 @@
         </p:nvSpPr>
         <p:spPr>
           <a:xfrm>
-            <a:off x="8610152" y="4663162"/>
-            <a:ext cx="1040933" cy="1070079"/>
+            <a:off x="6730976" y="2100198"/>
+            <a:ext cx="802105" cy="513124"/>
           </a:xfrm>
           <a:prstGeom prst="roundRect">
             <a:avLst/>
@@ -10954,10 +12377,10 @@
       </p:sp>
       <p:sp>
         <p:nvSpPr>
-          <p:cNvPr id="6" name="矢印: 右 5">
-            <a:extLst>
-              <a:ext uri="{FF2B5EF4-FFF2-40B4-BE49-F238E27FC236}">
-                <a16:creationId xmlns:a16="http://schemas.microsoft.com/office/drawing/2014/main" id="{95DF3E1B-B428-50DA-8D13-FBB1EB5AF42D}"/>
+          <p:cNvPr id="19" name="吹き出し: 角を丸めた四角形 18">
+            <a:extLst>
+              <a:ext uri="{FF2B5EF4-FFF2-40B4-BE49-F238E27FC236}">
+                <a16:creationId xmlns:a16="http://schemas.microsoft.com/office/drawing/2014/main" id="{BE036C09-AAD7-6A28-A92E-5B3B73F7BB2A}"/>
               </a:ext>
             </a:extLst>
           </p:cNvPr>
@@ -10966,18 +12389,22 @@
         </p:nvSpPr>
         <p:spPr>
           <a:xfrm>
-            <a:off x="5015510" y="4020733"/>
-            <a:ext cx="1654563" cy="1177468"/>
-          </a:xfrm>
-          <a:prstGeom prst="rightArrow">
-            <a:avLst/>
+            <a:off x="5881695" y="1227575"/>
+            <a:ext cx="4016741" cy="643160"/>
+          </a:xfrm>
+          <a:prstGeom prst="wedgeRoundRectCallout">
+            <a:avLst>
+              <a:gd name="adj1" fmla="val -19223"/>
+              <a:gd name="adj2" fmla="val 98355"/>
+              <a:gd name="adj3" fmla="val 16667"/>
+            </a:avLst>
           </a:prstGeom>
           <a:solidFill>
-            <a:schemeClr val="accent2"/>
+            <a:schemeClr val="bg1"/>
           </a:solidFill>
           <a:ln>
             <a:solidFill>
-              <a:schemeClr val="bg1"/>
+              <a:srgbClr val="FFA333"/>
             </a:solidFill>
           </a:ln>
         </p:spPr>
@@ -11005,22 +12432,29 @@
             <a:r>
               <a:rPr kumimoji="1" lang="ja-JP" altLang="en-US" sz="2400" dirty="0">
                 <a:solidFill>
-                  <a:schemeClr val="bg1"/>
+                  <a:schemeClr val="tx1"/>
                 </a:solidFill>
-                <a:latin typeface="HGｺﾞｼｯｸE" panose="020B0909000000000000" pitchFamily="49" charset="-128"/>
-                <a:ea typeface="HGｺﾞｼｯｸE" panose="020B0909000000000000" pitchFamily="49" charset="-128"/>
+                <a:latin typeface="HGｺﾞｼｯｸM" panose="020B0609000000000000" pitchFamily="49" charset="-128"/>
+                <a:ea typeface="HGｺﾞｼｯｸM" panose="020B0609000000000000" pitchFamily="49" charset="-128"/>
               </a:rPr>
-              <a:t>進化</a:t>
-            </a:r>
-          </a:p>
-        </p:txBody>
-      </p:sp>
-      <p:sp>
-        <p:nvSpPr>
-          <p:cNvPr id="41" name="四角形: 角を丸くする 40">
-            <a:extLst>
-              <a:ext uri="{FF2B5EF4-FFF2-40B4-BE49-F238E27FC236}">
-                <a16:creationId xmlns:a16="http://schemas.microsoft.com/office/drawing/2014/main" id="{BBBFDB87-C73C-E9C3-B845-410FC295B767}"/>
+              <a:t>一定のレベルになると進化</a:t>
+            </a:r>
+            <a:endParaRPr kumimoji="1" lang="ja-JP" altLang="en-US" sz="1600" dirty="0">
+              <a:solidFill>
+                <a:schemeClr val="tx1"/>
+              </a:solidFill>
+              <a:latin typeface="HGｺﾞｼｯｸM" panose="020B0609000000000000" pitchFamily="49" charset="-128"/>
+              <a:ea typeface="HGｺﾞｼｯｸM" panose="020B0609000000000000" pitchFamily="49" charset="-128"/>
+            </a:endParaRPr>
+          </a:p>
+        </p:txBody>
+      </p:sp>
+      <p:sp>
+        <p:nvSpPr>
+          <p:cNvPr id="27" name="四角形: 角を丸くする 26">
+            <a:extLst>
+              <a:ext uri="{FF2B5EF4-FFF2-40B4-BE49-F238E27FC236}">
+                <a16:creationId xmlns:a16="http://schemas.microsoft.com/office/drawing/2014/main" id="{B442BECB-DDAF-D878-E8D9-7D8AA3EDA66F}"/>
               </a:ext>
             </a:extLst>
           </p:cNvPr>
@@ -11029,8 +12463,8 @@
         </p:nvSpPr>
         <p:spPr>
           <a:xfrm>
-            <a:off x="8623500" y="4708786"/>
-            <a:ext cx="1040933" cy="1070079"/>
+            <a:off x="750434" y="3349999"/>
+            <a:ext cx="691223" cy="513124"/>
           </a:xfrm>
           <a:prstGeom prst="roundRect">
             <a:avLst/>
@@ -11069,10 +12503,10 @@
       </p:sp>
       <p:sp>
         <p:nvSpPr>
-          <p:cNvPr id="7" name="正方形/長方形 6">
-            <a:extLst>
-              <a:ext uri="{FF2B5EF4-FFF2-40B4-BE49-F238E27FC236}">
-                <a16:creationId xmlns:a16="http://schemas.microsoft.com/office/drawing/2014/main" id="{3B3534AB-2B37-1B5A-02E9-8B8FC5D07FFF}"/>
+          <p:cNvPr id="28" name="四角形: 角を丸くする 27">
+            <a:extLst>
+              <a:ext uri="{FF2B5EF4-FFF2-40B4-BE49-F238E27FC236}">
+                <a16:creationId xmlns:a16="http://schemas.microsoft.com/office/drawing/2014/main" id="{328AA31D-E358-65B6-49D3-3830FC0AF289}"/>
               </a:ext>
             </a:extLst>
           </p:cNvPr>
@@ -11081,12 +12515,18 @@
         </p:nvSpPr>
         <p:spPr>
           <a:xfrm>
-            <a:off x="8316686" y="4354286"/>
-            <a:ext cx="1654563" cy="1444879"/>
-          </a:xfrm>
-          <a:prstGeom prst="rect">
+            <a:off x="1450810" y="3345732"/>
+            <a:ext cx="928249" cy="513124"/>
+          </a:xfrm>
+          <a:prstGeom prst="roundRect">
             <a:avLst/>
           </a:prstGeom>
+          <a:noFill/>
+          <a:ln w="38100">
+            <a:solidFill>
+              <a:srgbClr val="FF0000"/>
+            </a:solidFill>
+          </a:ln>
         </p:spPr>
         <p:style>
           <a:lnRef idx="2">
@@ -11109,27 +12549,16 @@
           <a:lstStyle/>
           <a:p>
             <a:pPr algn="ctr"/>
-            <a:r>
-              <a:rPr kumimoji="1" lang="ja-JP" altLang="en-US" dirty="0"/>
-              <a:t>進化後に</a:t>
-            </a:r>
-            <a:endParaRPr kumimoji="1" lang="en-US" altLang="ja-JP" dirty="0"/>
-          </a:p>
-          <a:p>
-            <a:pPr algn="ctr"/>
-            <a:r>
-              <a:rPr kumimoji="1" lang="ja-JP" altLang="en-US" dirty="0"/>
-              <a:t>差し替え</a:t>
-            </a:r>
-          </a:p>
-        </p:txBody>
-      </p:sp>
-      <p:sp>
-        <p:nvSpPr>
-          <p:cNvPr id="17" name="吹き出し: 角を丸めた四角形 16">
-            <a:extLst>
-              <a:ext uri="{FF2B5EF4-FFF2-40B4-BE49-F238E27FC236}">
-                <a16:creationId xmlns:a16="http://schemas.microsoft.com/office/drawing/2014/main" id="{3A3D246F-7DF9-6375-CF41-DA3D1E824591}"/>
+            <a:endParaRPr kumimoji="1" lang="ja-JP" altLang="en-US"/>
+          </a:p>
+        </p:txBody>
+      </p:sp>
+      <p:sp>
+        <p:nvSpPr>
+          <p:cNvPr id="13" name="矢印: 環状 12">
+            <a:extLst>
+              <a:ext uri="{FF2B5EF4-FFF2-40B4-BE49-F238E27FC236}">
+                <a16:creationId xmlns:a16="http://schemas.microsoft.com/office/drawing/2014/main" id="{B79FFEA5-5BD7-6989-7814-9E4CA588634E}"/>
               </a:ext>
             </a:extLst>
           </p:cNvPr>
@@ -11137,23 +12566,21 @@
           <p:nvPr/>
         </p:nvSpPr>
         <p:spPr>
-          <a:xfrm>
-            <a:off x="7133462" y="3368334"/>
-            <a:ext cx="4749232" cy="643160"/>
-          </a:xfrm>
-          <a:prstGeom prst="wedgeRoundRectCallout">
-            <a:avLst>
-              <a:gd name="adj1" fmla="val -13220"/>
-              <a:gd name="adj2" fmla="val 136104"/>
-              <a:gd name="adj3" fmla="val 16667"/>
-            </a:avLst>
+          <a:xfrm flipH="1">
+            <a:off x="957612" y="2954520"/>
+            <a:ext cx="1057023" cy="904336"/>
+          </a:xfrm>
+          <a:prstGeom prst="circularArrow">
+            <a:avLst/>
           </a:prstGeom>
           <a:solidFill>
-            <a:schemeClr val="bg1"/>
+            <a:srgbClr val="FF0000"/>
           </a:solidFill>
           <a:ln>
             <a:solidFill>
-              <a:srgbClr val="FFA333"/>
+              <a:schemeClr val="bg1">
+                <a:lumMod val="95000"/>
+              </a:schemeClr>
             </a:solidFill>
           </a:ln>
         </p:spPr>
@@ -11178,25 +12605,20 @@
           <a:lstStyle/>
           <a:p>
             <a:pPr algn="ctr"/>
-            <a:r>
-              <a:rPr kumimoji="1" lang="ja-JP" altLang="en-US" sz="2400" dirty="0">
-                <a:solidFill>
-                  <a:schemeClr val="tx1"/>
-                </a:solidFill>
-                <a:latin typeface="HGｺﾞｼｯｸM" panose="020B0609000000000000" pitchFamily="49" charset="-128"/>
-                <a:ea typeface="HGｺﾞｼｯｸM" panose="020B0609000000000000" pitchFamily="49" charset="-128"/>
-              </a:rPr>
-              <a:t>キャラの見た目や動きが変わる</a:t>
-            </a:r>
-          </a:p>
-        </p:txBody>
-      </p:sp>
-      <p:sp>
-        <p:nvSpPr>
-          <p:cNvPr id="26" name="四角形: 角を丸くする 25">
-            <a:extLst>
-              <a:ext uri="{FF2B5EF4-FFF2-40B4-BE49-F238E27FC236}">
-                <a16:creationId xmlns:a16="http://schemas.microsoft.com/office/drawing/2014/main" id="{4FEEEB77-5280-4C5B-82E6-86302C60FB29}"/>
+            <a:endParaRPr kumimoji="1" lang="ja-JP" altLang="en-US">
+              <a:solidFill>
+                <a:schemeClr val="tx1"/>
+              </a:solidFill>
+            </a:endParaRPr>
+          </a:p>
+        </p:txBody>
+      </p:sp>
+      <p:sp>
+        <p:nvSpPr>
+          <p:cNvPr id="32" name="フローチャート: 結合子 31">
+            <a:extLst>
+              <a:ext uri="{FF2B5EF4-FFF2-40B4-BE49-F238E27FC236}">
+                <a16:creationId xmlns:a16="http://schemas.microsoft.com/office/drawing/2014/main" id="{F0DE0115-6AB0-C6DD-C440-B716F9E3DE73}"/>
               </a:ext>
             </a:extLst>
           </p:cNvPr>
@@ -11205,16 +12627,18 @@
         </p:nvSpPr>
         <p:spPr>
           <a:xfrm>
-            <a:off x="6730976" y="2100198"/>
-            <a:ext cx="802105" cy="513124"/>
-          </a:xfrm>
-          <a:prstGeom prst="roundRect">
+            <a:off x="5663402" y="920615"/>
+            <a:ext cx="570770" cy="570770"/>
+          </a:xfrm>
+          <a:prstGeom prst="flowChartConnector">
             <a:avLst/>
           </a:prstGeom>
-          <a:noFill/>
-          <a:ln w="38100">
+          <a:solidFill>
+            <a:schemeClr val="accent2"/>
+          </a:solidFill>
+          <a:ln>
             <a:solidFill>
-              <a:srgbClr val="FF0000"/>
+              <a:schemeClr val="bg1"/>
             </a:solidFill>
           </a:ln>
         </p:spPr>
@@ -11239,298 +12663,6 @@
           <a:lstStyle/>
           <a:p>
             <a:pPr algn="ctr"/>
-            <a:endParaRPr kumimoji="1" lang="ja-JP" altLang="en-US"/>
-          </a:p>
-        </p:txBody>
-      </p:sp>
-      <p:sp>
-        <p:nvSpPr>
-          <p:cNvPr id="19" name="吹き出し: 角を丸めた四角形 18">
-            <a:extLst>
-              <a:ext uri="{FF2B5EF4-FFF2-40B4-BE49-F238E27FC236}">
-                <a16:creationId xmlns:a16="http://schemas.microsoft.com/office/drawing/2014/main" id="{BE036C09-AAD7-6A28-A92E-5B3B73F7BB2A}"/>
-              </a:ext>
-            </a:extLst>
-          </p:cNvPr>
-          <p:cNvSpPr/>
-          <p:nvPr/>
-        </p:nvSpPr>
-        <p:spPr>
-          <a:xfrm>
-            <a:off x="5881695" y="1227575"/>
-            <a:ext cx="4016741" cy="643160"/>
-          </a:xfrm>
-          <a:prstGeom prst="wedgeRoundRectCallout">
-            <a:avLst>
-              <a:gd name="adj1" fmla="val -19223"/>
-              <a:gd name="adj2" fmla="val 98355"/>
-              <a:gd name="adj3" fmla="val 16667"/>
-            </a:avLst>
-          </a:prstGeom>
-          <a:solidFill>
-            <a:schemeClr val="bg1"/>
-          </a:solidFill>
-          <a:ln>
-            <a:solidFill>
-              <a:srgbClr val="FFA333"/>
-            </a:solidFill>
-          </a:ln>
-        </p:spPr>
-        <p:style>
-          <a:lnRef idx="2">
-            <a:schemeClr val="accent1">
-              <a:shade val="50000"/>
-            </a:schemeClr>
-          </a:lnRef>
-          <a:fillRef idx="1">
-            <a:schemeClr val="accent1"/>
-          </a:fillRef>
-          <a:effectRef idx="0">
-            <a:schemeClr val="accent1"/>
-          </a:effectRef>
-          <a:fontRef idx="minor">
-            <a:schemeClr val="lt1"/>
-          </a:fontRef>
-        </p:style>
-        <p:txBody>
-          <a:bodyPr rtlCol="0" anchor="ctr"/>
-          <a:lstStyle/>
-          <a:p>
-            <a:pPr algn="ctr"/>
-            <a:r>
-              <a:rPr kumimoji="1" lang="ja-JP" altLang="en-US" sz="2400" dirty="0">
-                <a:solidFill>
-                  <a:schemeClr val="tx1"/>
-                </a:solidFill>
-                <a:latin typeface="HGｺﾞｼｯｸM" panose="020B0609000000000000" pitchFamily="49" charset="-128"/>
-                <a:ea typeface="HGｺﾞｼｯｸM" panose="020B0609000000000000" pitchFamily="49" charset="-128"/>
-              </a:rPr>
-              <a:t>一定のレベルになると進化</a:t>
-            </a:r>
-            <a:endParaRPr kumimoji="1" lang="ja-JP" altLang="en-US" sz="1600" dirty="0">
-              <a:solidFill>
-                <a:schemeClr val="tx1"/>
-              </a:solidFill>
-              <a:latin typeface="HGｺﾞｼｯｸM" panose="020B0609000000000000" pitchFamily="49" charset="-128"/>
-              <a:ea typeface="HGｺﾞｼｯｸM" panose="020B0609000000000000" pitchFamily="49" charset="-128"/>
-            </a:endParaRPr>
-          </a:p>
-        </p:txBody>
-      </p:sp>
-      <p:sp>
-        <p:nvSpPr>
-          <p:cNvPr id="27" name="四角形: 角を丸くする 26">
-            <a:extLst>
-              <a:ext uri="{FF2B5EF4-FFF2-40B4-BE49-F238E27FC236}">
-                <a16:creationId xmlns:a16="http://schemas.microsoft.com/office/drawing/2014/main" id="{B442BECB-DDAF-D878-E8D9-7D8AA3EDA66F}"/>
-              </a:ext>
-            </a:extLst>
-          </p:cNvPr>
-          <p:cNvSpPr/>
-          <p:nvPr/>
-        </p:nvSpPr>
-        <p:spPr>
-          <a:xfrm>
-            <a:off x="757521" y="3396130"/>
-            <a:ext cx="691223" cy="513124"/>
-          </a:xfrm>
-          <a:prstGeom prst="roundRect">
-            <a:avLst/>
-          </a:prstGeom>
-          <a:noFill/>
-          <a:ln w="38100">
-            <a:solidFill>
-              <a:srgbClr val="FF0000"/>
-            </a:solidFill>
-          </a:ln>
-        </p:spPr>
-        <p:style>
-          <a:lnRef idx="2">
-            <a:schemeClr val="accent1">
-              <a:shade val="50000"/>
-            </a:schemeClr>
-          </a:lnRef>
-          <a:fillRef idx="1">
-            <a:schemeClr val="accent1"/>
-          </a:fillRef>
-          <a:effectRef idx="0">
-            <a:schemeClr val="accent1"/>
-          </a:effectRef>
-          <a:fontRef idx="minor">
-            <a:schemeClr val="lt1"/>
-          </a:fontRef>
-        </p:style>
-        <p:txBody>
-          <a:bodyPr rtlCol="0" anchor="ctr"/>
-          <a:lstStyle/>
-          <a:p>
-            <a:pPr algn="ctr"/>
-            <a:endParaRPr kumimoji="1" lang="ja-JP" altLang="en-US"/>
-          </a:p>
-        </p:txBody>
-      </p:sp>
-      <p:sp>
-        <p:nvSpPr>
-          <p:cNvPr id="28" name="四角形: 角を丸くする 27">
-            <a:extLst>
-              <a:ext uri="{FF2B5EF4-FFF2-40B4-BE49-F238E27FC236}">
-                <a16:creationId xmlns:a16="http://schemas.microsoft.com/office/drawing/2014/main" id="{328AA31D-E358-65B6-49D3-3830FC0AF289}"/>
-              </a:ext>
-            </a:extLst>
-          </p:cNvPr>
-          <p:cNvSpPr/>
-          <p:nvPr/>
-        </p:nvSpPr>
-        <p:spPr>
-          <a:xfrm>
-            <a:off x="1441657" y="3405201"/>
-            <a:ext cx="928249" cy="513124"/>
-          </a:xfrm>
-          <a:prstGeom prst="roundRect">
-            <a:avLst/>
-          </a:prstGeom>
-          <a:noFill/>
-          <a:ln w="38100">
-            <a:solidFill>
-              <a:srgbClr val="FF0000"/>
-            </a:solidFill>
-          </a:ln>
-        </p:spPr>
-        <p:style>
-          <a:lnRef idx="2">
-            <a:schemeClr val="accent1">
-              <a:shade val="50000"/>
-            </a:schemeClr>
-          </a:lnRef>
-          <a:fillRef idx="1">
-            <a:schemeClr val="accent1"/>
-          </a:fillRef>
-          <a:effectRef idx="0">
-            <a:schemeClr val="accent1"/>
-          </a:effectRef>
-          <a:fontRef idx="minor">
-            <a:schemeClr val="lt1"/>
-          </a:fontRef>
-        </p:style>
-        <p:txBody>
-          <a:bodyPr rtlCol="0" anchor="ctr"/>
-          <a:lstStyle/>
-          <a:p>
-            <a:pPr algn="ctr"/>
-            <a:endParaRPr kumimoji="1" lang="ja-JP" altLang="en-US"/>
-          </a:p>
-        </p:txBody>
-      </p:sp>
-      <p:sp>
-        <p:nvSpPr>
-          <p:cNvPr id="13" name="矢印: 環状 12">
-            <a:extLst>
-              <a:ext uri="{FF2B5EF4-FFF2-40B4-BE49-F238E27FC236}">
-                <a16:creationId xmlns:a16="http://schemas.microsoft.com/office/drawing/2014/main" id="{B79FFEA5-5BD7-6989-7814-9E4CA588634E}"/>
-              </a:ext>
-            </a:extLst>
-          </p:cNvPr>
-          <p:cNvSpPr/>
-          <p:nvPr/>
-        </p:nvSpPr>
-        <p:spPr>
-          <a:xfrm flipH="1">
-            <a:off x="948141" y="3015866"/>
-            <a:ext cx="1057023" cy="904336"/>
-          </a:xfrm>
-          <a:prstGeom prst="circularArrow">
-            <a:avLst/>
-          </a:prstGeom>
-          <a:solidFill>
-            <a:srgbClr val="FF0000"/>
-          </a:solidFill>
-          <a:ln>
-            <a:solidFill>
-              <a:schemeClr val="bg1">
-                <a:lumMod val="95000"/>
-              </a:schemeClr>
-            </a:solidFill>
-          </a:ln>
-        </p:spPr>
-        <p:style>
-          <a:lnRef idx="2">
-            <a:schemeClr val="accent1">
-              <a:shade val="50000"/>
-            </a:schemeClr>
-          </a:lnRef>
-          <a:fillRef idx="1">
-            <a:schemeClr val="accent1"/>
-          </a:fillRef>
-          <a:effectRef idx="0">
-            <a:schemeClr val="accent1"/>
-          </a:effectRef>
-          <a:fontRef idx="minor">
-            <a:schemeClr val="lt1"/>
-          </a:fontRef>
-        </p:style>
-        <p:txBody>
-          <a:bodyPr rtlCol="0" anchor="ctr"/>
-          <a:lstStyle/>
-          <a:p>
-            <a:pPr algn="ctr"/>
-            <a:endParaRPr kumimoji="1" lang="ja-JP" altLang="en-US">
-              <a:solidFill>
-                <a:schemeClr val="tx1"/>
-              </a:solidFill>
-            </a:endParaRPr>
-          </a:p>
-        </p:txBody>
-      </p:sp>
-      <p:sp>
-        <p:nvSpPr>
-          <p:cNvPr id="32" name="フローチャート: 結合子 31">
-            <a:extLst>
-              <a:ext uri="{FF2B5EF4-FFF2-40B4-BE49-F238E27FC236}">
-                <a16:creationId xmlns:a16="http://schemas.microsoft.com/office/drawing/2014/main" id="{F0DE0115-6AB0-C6DD-C440-B716F9E3DE73}"/>
-              </a:ext>
-            </a:extLst>
-          </p:cNvPr>
-          <p:cNvSpPr/>
-          <p:nvPr/>
-        </p:nvSpPr>
-        <p:spPr>
-          <a:xfrm>
-            <a:off x="5663402" y="920615"/>
-            <a:ext cx="570770" cy="570770"/>
-          </a:xfrm>
-          <a:prstGeom prst="flowChartConnector">
-            <a:avLst/>
-          </a:prstGeom>
-          <a:solidFill>
-            <a:schemeClr val="accent2"/>
-          </a:solidFill>
-          <a:ln>
-            <a:solidFill>
-              <a:schemeClr val="bg1"/>
-            </a:solidFill>
-          </a:ln>
-        </p:spPr>
-        <p:style>
-          <a:lnRef idx="2">
-            <a:schemeClr val="accent1">
-              <a:shade val="50000"/>
-            </a:schemeClr>
-          </a:lnRef>
-          <a:fillRef idx="1">
-            <a:schemeClr val="accent1"/>
-          </a:fillRef>
-          <a:effectRef idx="0">
-            <a:schemeClr val="accent1"/>
-          </a:effectRef>
-          <a:fontRef idx="minor">
-            <a:schemeClr val="lt1"/>
-          </a:fontRef>
-        </p:style>
-        <p:txBody>
-          <a:bodyPr rtlCol="0" anchor="ctr"/>
-          <a:lstStyle/>
-          <a:p>
-            <a:pPr algn="ctr"/>
             <a:r>
               <a:rPr kumimoji="1" lang="ja-JP" altLang="en-US" dirty="0">
                 <a:latin typeface="HGｺﾞｼｯｸE" panose="020B0909000000000000" pitchFamily="49" charset="-128"/>
@@ -11541,70 +12673,158 @@
           </a:p>
         </p:txBody>
       </p:sp>
-      <p:sp>
-        <p:nvSpPr>
-          <p:cNvPr id="35" name="フローチャート: 結合子 34">
-            <a:extLst>
-              <a:ext uri="{FF2B5EF4-FFF2-40B4-BE49-F238E27FC236}">
-                <a16:creationId xmlns:a16="http://schemas.microsoft.com/office/drawing/2014/main" id="{BBBC9E22-238C-16A3-F8D3-7266111E8612}"/>
-              </a:ext>
-            </a:extLst>
-          </p:cNvPr>
-          <p:cNvSpPr/>
+      <p:grpSp>
+        <p:nvGrpSpPr>
+          <p:cNvPr id="11" name="グループ化 10">
+            <a:extLst>
+              <a:ext uri="{FF2B5EF4-FFF2-40B4-BE49-F238E27FC236}">
+                <a16:creationId xmlns:a16="http://schemas.microsoft.com/office/drawing/2014/main" id="{143ADB2A-7E19-47C5-9AFE-721F00C327B5}"/>
+              </a:ext>
+            </a:extLst>
+          </p:cNvPr>
+          <p:cNvGrpSpPr/>
           <p:nvPr/>
-        </p:nvSpPr>
-        <p:spPr>
+        </p:nvGrpSpPr>
+        <p:grpSpPr>
           <a:xfrm>
-            <a:off x="6848077" y="2980854"/>
-            <a:ext cx="570770" cy="570770"/>
-          </a:xfrm>
-          <a:prstGeom prst="flowChartConnector">
-            <a:avLst/>
-          </a:prstGeom>
-          <a:solidFill>
-            <a:schemeClr val="accent2"/>
-          </a:solidFill>
-          <a:ln>
+            <a:off x="6730976" y="2720832"/>
+            <a:ext cx="5034617" cy="1030640"/>
+            <a:chOff x="6848077" y="2980854"/>
+            <a:chExt cx="5034617" cy="1030640"/>
+          </a:xfrm>
+        </p:grpSpPr>
+        <p:sp>
+          <p:nvSpPr>
+            <p:cNvPr id="17" name="吹き出し: 角を丸めた四角形 16">
+              <a:extLst>
+                <a:ext uri="{FF2B5EF4-FFF2-40B4-BE49-F238E27FC236}">
+                  <a16:creationId xmlns:a16="http://schemas.microsoft.com/office/drawing/2014/main" id="{3A3D246F-7DF9-6375-CF41-DA3D1E824591}"/>
+                </a:ext>
+              </a:extLst>
+            </p:cNvPr>
+            <p:cNvSpPr/>
+            <p:nvPr/>
+          </p:nvSpPr>
+          <p:spPr>
+            <a:xfrm>
+              <a:off x="7133462" y="3368334"/>
+              <a:ext cx="4749232" cy="643160"/>
+            </a:xfrm>
+            <a:prstGeom prst="wedgeRoundRectCallout">
+              <a:avLst>
+                <a:gd name="adj1" fmla="val -12941"/>
+                <a:gd name="adj2" fmla="val 129922"/>
+                <a:gd name="adj3" fmla="val 16667"/>
+              </a:avLst>
+            </a:prstGeom>
             <a:solidFill>
               <a:schemeClr val="bg1"/>
             </a:solidFill>
-          </a:ln>
-        </p:spPr>
-        <p:style>
-          <a:lnRef idx="2">
-            <a:schemeClr val="accent1">
-              <a:shade val="50000"/>
-            </a:schemeClr>
-          </a:lnRef>
-          <a:fillRef idx="1">
-            <a:schemeClr val="accent1"/>
-          </a:fillRef>
-          <a:effectRef idx="0">
-            <a:schemeClr val="accent1"/>
-          </a:effectRef>
-          <a:fontRef idx="minor">
-            <a:schemeClr val="lt1"/>
-          </a:fontRef>
-        </p:style>
-        <p:txBody>
-          <a:bodyPr rtlCol="0" anchor="ctr"/>
-          <a:lstStyle/>
-          <a:p>
-            <a:pPr algn="ctr"/>
-            <a:r>
-              <a:rPr lang="ja-JP" altLang="en-US" dirty="0">
+            <a:ln>
+              <a:solidFill>
+                <a:srgbClr val="FFA333"/>
+              </a:solidFill>
+            </a:ln>
+          </p:spPr>
+          <p:style>
+            <a:lnRef idx="2">
+              <a:schemeClr val="accent1">
+                <a:shade val="50000"/>
+              </a:schemeClr>
+            </a:lnRef>
+            <a:fillRef idx="1">
+              <a:schemeClr val="accent1"/>
+            </a:fillRef>
+            <a:effectRef idx="0">
+              <a:schemeClr val="accent1"/>
+            </a:effectRef>
+            <a:fontRef idx="minor">
+              <a:schemeClr val="lt1"/>
+            </a:fontRef>
+          </p:style>
+          <p:txBody>
+            <a:bodyPr rtlCol="0" anchor="ctr"/>
+            <a:lstStyle/>
+            <a:p>
+              <a:pPr algn="ctr"/>
+              <a:r>
+                <a:rPr kumimoji="1" lang="ja-JP" altLang="en-US" sz="2400" dirty="0">
+                  <a:solidFill>
+                    <a:schemeClr val="tx1"/>
+                  </a:solidFill>
+                  <a:latin typeface="HGｺﾞｼｯｸM" panose="020B0609000000000000" pitchFamily="49" charset="-128"/>
+                  <a:ea typeface="HGｺﾞｼｯｸM" panose="020B0609000000000000" pitchFamily="49" charset="-128"/>
+                </a:rPr>
+                <a:t>キャラの見た目や動きが変わる</a:t>
+              </a:r>
+            </a:p>
+          </p:txBody>
+        </p:sp>
+        <p:sp>
+          <p:nvSpPr>
+            <p:cNvPr id="35" name="フローチャート: 結合子 34">
+              <a:extLst>
+                <a:ext uri="{FF2B5EF4-FFF2-40B4-BE49-F238E27FC236}">
+                  <a16:creationId xmlns:a16="http://schemas.microsoft.com/office/drawing/2014/main" id="{BBBC9E22-238C-16A3-F8D3-7266111E8612}"/>
+                </a:ext>
+              </a:extLst>
+            </p:cNvPr>
+            <p:cNvSpPr/>
+            <p:nvPr/>
+          </p:nvSpPr>
+          <p:spPr>
+            <a:xfrm>
+              <a:off x="6848077" y="2980854"/>
+              <a:ext cx="570770" cy="570770"/>
+            </a:xfrm>
+            <a:prstGeom prst="flowChartConnector">
+              <a:avLst/>
+            </a:prstGeom>
+            <a:solidFill>
+              <a:schemeClr val="accent2"/>
+            </a:solidFill>
+            <a:ln>
+              <a:solidFill>
+                <a:schemeClr val="bg1"/>
+              </a:solidFill>
+            </a:ln>
+          </p:spPr>
+          <p:style>
+            <a:lnRef idx="2">
+              <a:schemeClr val="accent1">
+                <a:shade val="50000"/>
+              </a:schemeClr>
+            </a:lnRef>
+            <a:fillRef idx="1">
+              <a:schemeClr val="accent1"/>
+            </a:fillRef>
+            <a:effectRef idx="0">
+              <a:schemeClr val="accent1"/>
+            </a:effectRef>
+            <a:fontRef idx="minor">
+              <a:schemeClr val="lt1"/>
+            </a:fontRef>
+          </p:style>
+          <p:txBody>
+            <a:bodyPr rtlCol="0" anchor="ctr"/>
+            <a:lstStyle/>
+            <a:p>
+              <a:pPr algn="ctr"/>
+              <a:r>
+                <a:rPr lang="ja-JP" altLang="en-US" dirty="0">
+                  <a:latin typeface="HGｺﾞｼｯｸE" panose="020B0909000000000000" pitchFamily="49" charset="-128"/>
+                  <a:ea typeface="HGｺﾞｼｯｸE" panose="020B0909000000000000" pitchFamily="49" charset="-128"/>
+                </a:rPr>
+                <a:t>３</a:t>
+              </a:r>
+              <a:endParaRPr kumimoji="1" lang="ja-JP" altLang="en-US" dirty="0">
                 <a:latin typeface="HGｺﾞｼｯｸE" panose="020B0909000000000000" pitchFamily="49" charset="-128"/>
                 <a:ea typeface="HGｺﾞｼｯｸE" panose="020B0909000000000000" pitchFamily="49" charset="-128"/>
-              </a:rPr>
-              <a:t>３</a:t>
-            </a:r>
-            <a:endParaRPr kumimoji="1" lang="ja-JP" altLang="en-US" dirty="0">
-              <a:latin typeface="HGｺﾞｼｯｸE" panose="020B0909000000000000" pitchFamily="49" charset="-128"/>
-              <a:ea typeface="HGｺﾞｼｯｸE" panose="020B0909000000000000" pitchFamily="49" charset="-128"/>
-            </a:endParaRPr>
-          </a:p>
-        </p:txBody>
-      </p:sp>
+              </a:endParaRPr>
+            </a:p>
+          </p:txBody>
+        </p:sp>
+      </p:grpSp>
       <p:grpSp>
         <p:nvGrpSpPr>
           <p:cNvPr id="29" name="グループ化 28">
@@ -11757,8 +12977,8 @@
           </a:xfrm>
           <a:prstGeom prst="wedgeRoundRectCallout">
             <a:avLst>
-              <a:gd name="adj1" fmla="val -30312"/>
-              <a:gd name="adj2" fmla="val 127889"/>
+              <a:gd name="adj1" fmla="val -30174"/>
+              <a:gd name="adj2" fmla="val 130259"/>
               <a:gd name="adj3" fmla="val 16667"/>
             </a:avLst>
           </a:prstGeom>
@@ -11875,606 +13095,6 @@
     <p:extLst>
       <p:ext uri="{BB962C8B-B14F-4D97-AF65-F5344CB8AC3E}">
         <p14:creationId xmlns:p14="http://schemas.microsoft.com/office/powerpoint/2010/main" val="2630536857"/>
-      </p:ext>
-    </p:extLst>
-  </p:cSld>
-  <p:clrMapOvr>
-    <a:masterClrMapping/>
-  </p:clrMapOvr>
-</p:sld>
-</file>
-
-<file path=ppt/slides/slide9.xml><?xml version="1.0" encoding="utf-8"?>
-<p:sld xmlns:a="http://schemas.openxmlformats.org/drawingml/2006/main" xmlns:r="http://schemas.openxmlformats.org/officeDocument/2006/relationships" xmlns:p="http://schemas.openxmlformats.org/presentationml/2006/main">
-  <p:cSld>
-    <p:spTree>
-      <p:nvGrpSpPr>
-        <p:cNvPr id="1" name=""/>
-        <p:cNvGrpSpPr/>
-        <p:nvPr/>
-      </p:nvGrpSpPr>
-      <p:grpSpPr>
-        <a:xfrm>
-          <a:off x="0" y="0"/>
-          <a:ext cx="0" cy="0"/>
-          <a:chOff x="0" y="0"/>
-          <a:chExt cx="0" cy="0"/>
-        </a:xfrm>
-      </p:grpSpPr>
-      <p:sp>
-        <p:nvSpPr>
-          <p:cNvPr id="22" name="楕円 21">
-            <a:extLst>
-              <a:ext uri="{FF2B5EF4-FFF2-40B4-BE49-F238E27FC236}">
-                <a16:creationId xmlns:a16="http://schemas.microsoft.com/office/drawing/2014/main" id="{A92A86B2-2D5D-163C-9B57-8D466C8E2F54}"/>
-              </a:ext>
-            </a:extLst>
-          </p:cNvPr>
-          <p:cNvSpPr/>
-          <p:nvPr/>
-        </p:nvSpPr>
-        <p:spPr>
-          <a:xfrm>
-            <a:off x="3067792" y="2257121"/>
-            <a:ext cx="2470489" cy="732566"/>
-          </a:xfrm>
-          <a:prstGeom prst="ellipse">
-            <a:avLst/>
-          </a:prstGeom>
-          <a:solidFill>
-            <a:schemeClr val="accent2"/>
-          </a:solidFill>
-          <a:ln>
-            <a:solidFill>
-              <a:schemeClr val="bg1"/>
-            </a:solidFill>
-          </a:ln>
-        </p:spPr>
-        <p:style>
-          <a:lnRef idx="2">
-            <a:schemeClr val="accent1">
-              <a:shade val="50000"/>
-            </a:schemeClr>
-          </a:lnRef>
-          <a:fillRef idx="1">
-            <a:schemeClr val="accent1"/>
-          </a:fillRef>
-          <a:effectRef idx="0">
-            <a:schemeClr val="accent1"/>
-          </a:effectRef>
-          <a:fontRef idx="minor">
-            <a:schemeClr val="lt1"/>
-          </a:fontRef>
-        </p:style>
-        <p:txBody>
-          <a:bodyPr rtlCol="0" anchor="ctr"/>
-          <a:lstStyle/>
-          <a:p>
-            <a:pPr algn="ctr"/>
-            <a:r>
-              <a:rPr kumimoji="1" lang="ja-JP" altLang="en-US" sz="2400" dirty="0">
-                <a:latin typeface="HGｺﾞｼｯｸE" panose="020B0909000000000000" pitchFamily="49" charset="-128"/>
-                <a:ea typeface="HGｺﾞｼｯｸE" panose="020B0909000000000000" pitchFamily="49" charset="-128"/>
-              </a:rPr>
-              <a:t>メイン画面</a:t>
-            </a:r>
-          </a:p>
-        </p:txBody>
-      </p:sp>
-      <p:sp>
-        <p:nvSpPr>
-          <p:cNvPr id="2" name="タイトル 1">
-            <a:extLst>
-              <a:ext uri="{FF2B5EF4-FFF2-40B4-BE49-F238E27FC236}">
-                <a16:creationId xmlns:a16="http://schemas.microsoft.com/office/drawing/2014/main" id="{693A6AA4-E421-2B25-F07B-E8469B9F6618}"/>
-              </a:ext>
-            </a:extLst>
-          </p:cNvPr>
-          <p:cNvSpPr>
-            <a:spLocks noGrp="1"/>
-          </p:cNvSpPr>
-          <p:nvPr>
-            <p:ph type="title"/>
-          </p:nvPr>
-        </p:nvSpPr>
-        <p:spPr/>
-        <p:txBody>
-          <a:bodyPr/>
-          <a:lstStyle/>
-          <a:p>
-            <a:r>
-              <a:rPr kumimoji="1" lang="ja-JP" altLang="en-US" dirty="0">
-                <a:solidFill>
-                  <a:schemeClr val="accent2">
-                    <a:lumMod val="50000"/>
-                  </a:schemeClr>
-                </a:solidFill>
-                <a:latin typeface="HGS創英角ｺﾞｼｯｸUB" panose="020B0900000000000000" pitchFamily="50" charset="-128"/>
-                <a:ea typeface="HGS創英角ｺﾞｼｯｸUB" panose="020B0900000000000000" pitchFamily="50" charset="-128"/>
-              </a:rPr>
-              <a:t>ログインボーナス機能</a:t>
-            </a:r>
-          </a:p>
-        </p:txBody>
-      </p:sp>
-      <p:sp>
-        <p:nvSpPr>
-          <p:cNvPr id="3" name="コンテンツ プレースホルダー 2">
-            <a:extLst>
-              <a:ext uri="{FF2B5EF4-FFF2-40B4-BE49-F238E27FC236}">
-                <a16:creationId xmlns:a16="http://schemas.microsoft.com/office/drawing/2014/main" id="{CC96BA86-5DEC-0C8A-0D37-9901BCB94BED}"/>
-              </a:ext>
-            </a:extLst>
-          </p:cNvPr>
-          <p:cNvSpPr>
-            <a:spLocks noGrp="1"/>
-          </p:cNvSpPr>
-          <p:nvPr>
-            <p:ph idx="1"/>
-          </p:nvPr>
-        </p:nvSpPr>
-        <p:spPr>
-          <a:xfrm>
-            <a:off x="8877343" y="6329985"/>
-            <a:ext cx="3201201" cy="453255"/>
-          </a:xfrm>
-        </p:spPr>
-        <p:txBody>
-          <a:bodyPr>
-            <a:normAutofit/>
-          </a:bodyPr>
-          <a:lstStyle/>
-          <a:p>
-            <a:pPr marL="0" indent="0">
-              <a:buNone/>
-            </a:pPr>
-            <a:r>
-              <a:rPr kumimoji="1" lang="en-US" altLang="ja-JP" sz="2000" dirty="0">
-                <a:latin typeface="HGｺﾞｼｯｸE" panose="020B0909000000000000" pitchFamily="49" charset="-128"/>
-                <a:ea typeface="HGｺﾞｼｯｸE" panose="020B0909000000000000" pitchFamily="49" charset="-128"/>
-              </a:rPr>
-              <a:t>※T</a:t>
-            </a:r>
-            <a:r>
-              <a:rPr kumimoji="1" lang="ja-JP" altLang="en-US" sz="2000" dirty="0">
-                <a:latin typeface="HGｺﾞｼｯｸE" panose="020B0909000000000000" pitchFamily="49" charset="-128"/>
-                <a:ea typeface="HGｺﾞｼｯｸE" panose="020B0909000000000000" pitchFamily="49" charset="-128"/>
-              </a:rPr>
-              <a:t>ポイント＝卵ポイント</a:t>
-            </a:r>
-          </a:p>
-        </p:txBody>
-      </p:sp>
-      <p:pic>
-        <p:nvPicPr>
-          <p:cNvPr id="8" name="図 7">
-            <a:extLst>
-              <a:ext uri="{FF2B5EF4-FFF2-40B4-BE49-F238E27FC236}">
-                <a16:creationId xmlns:a16="http://schemas.microsoft.com/office/drawing/2014/main" id="{7EC8A25E-E3BB-3CAA-A6AD-67D914F1B37D}"/>
-              </a:ext>
-            </a:extLst>
-          </p:cNvPr>
-          <p:cNvPicPr>
-            <a:picLocks noChangeAspect="1"/>
-          </p:cNvPicPr>
-          <p:nvPr/>
-        </p:nvPicPr>
-        <p:blipFill rotWithShape="1">
-          <a:blip r:embed="rId3"/>
-          <a:srcRect l="79385" t="26385" r="1692" b="28132"/>
-          <a:stretch/>
-        </p:blipFill>
-        <p:spPr>
-          <a:xfrm>
-            <a:off x="5243095" y="2287628"/>
-            <a:ext cx="3201201" cy="4326031"/>
-          </a:xfrm>
-          <a:prstGeom prst="rect">
-            <a:avLst/>
-          </a:prstGeom>
-        </p:spPr>
-      </p:pic>
-      <p:sp>
-        <p:nvSpPr>
-          <p:cNvPr id="26" name="四角形: 角を丸くする 25">
-            <a:extLst>
-              <a:ext uri="{FF2B5EF4-FFF2-40B4-BE49-F238E27FC236}">
-                <a16:creationId xmlns:a16="http://schemas.microsoft.com/office/drawing/2014/main" id="{FA481F0B-E154-CB69-C059-295E31767D84}"/>
-              </a:ext>
-            </a:extLst>
-          </p:cNvPr>
-          <p:cNvSpPr/>
-          <p:nvPr/>
-        </p:nvSpPr>
-        <p:spPr>
-          <a:xfrm>
-            <a:off x="6842008" y="2435966"/>
-            <a:ext cx="1451430" cy="552504"/>
-          </a:xfrm>
-          <a:prstGeom prst="roundRect">
-            <a:avLst/>
-          </a:prstGeom>
-          <a:noFill/>
-          <a:ln w="38100">
-            <a:solidFill>
-              <a:srgbClr val="FF0000"/>
-            </a:solidFill>
-          </a:ln>
-        </p:spPr>
-        <p:style>
-          <a:lnRef idx="2">
-            <a:schemeClr val="accent1">
-              <a:shade val="50000"/>
-            </a:schemeClr>
-          </a:lnRef>
-          <a:fillRef idx="1">
-            <a:schemeClr val="accent1"/>
-          </a:fillRef>
-          <a:effectRef idx="0">
-            <a:schemeClr val="accent1"/>
-          </a:effectRef>
-          <a:fontRef idx="minor">
-            <a:schemeClr val="lt1"/>
-          </a:fontRef>
-        </p:style>
-        <p:txBody>
-          <a:bodyPr rtlCol="0" anchor="ctr"/>
-          <a:lstStyle/>
-          <a:p>
-            <a:pPr algn="ctr"/>
-            <a:endParaRPr kumimoji="1" lang="ja-JP" altLang="en-US"/>
-          </a:p>
-        </p:txBody>
-      </p:sp>
-      <p:sp>
-        <p:nvSpPr>
-          <p:cNvPr id="27" name="矢印: 五方向 26">
-            <a:extLst>
-              <a:ext uri="{FF2B5EF4-FFF2-40B4-BE49-F238E27FC236}">
-                <a16:creationId xmlns:a16="http://schemas.microsoft.com/office/drawing/2014/main" id="{821A2FC8-2D37-A0BE-1009-F77296C3DA56}"/>
-              </a:ext>
-            </a:extLst>
-          </p:cNvPr>
-          <p:cNvSpPr/>
-          <p:nvPr/>
-        </p:nvSpPr>
-        <p:spPr>
-          <a:xfrm flipH="1">
-            <a:off x="8204084" y="2429974"/>
-            <a:ext cx="2124223" cy="584168"/>
-          </a:xfrm>
-          <a:prstGeom prst="homePlate">
-            <a:avLst/>
-          </a:prstGeom>
-          <a:solidFill>
-            <a:schemeClr val="accent4">
-              <a:lumMod val="40000"/>
-              <a:lumOff val="60000"/>
-            </a:schemeClr>
-          </a:solidFill>
-          <a:ln>
-            <a:solidFill>
-              <a:schemeClr val="bg1"/>
-            </a:solidFill>
-          </a:ln>
-        </p:spPr>
-        <p:style>
-          <a:lnRef idx="2">
-            <a:schemeClr val="accent1">
-              <a:shade val="50000"/>
-            </a:schemeClr>
-          </a:lnRef>
-          <a:fillRef idx="1">
-            <a:schemeClr val="accent1"/>
-          </a:fillRef>
-          <a:effectRef idx="0">
-            <a:schemeClr val="accent1"/>
-          </a:effectRef>
-          <a:fontRef idx="minor">
-            <a:schemeClr val="lt1"/>
-          </a:fontRef>
-        </p:style>
-        <p:txBody>
-          <a:bodyPr rtlCol="0" anchor="ctr"/>
-          <a:lstStyle/>
-          <a:p>
-            <a:pPr algn="ctr"/>
-            <a:r>
-              <a:rPr lang="en-US" altLang="ja-JP" sz="2400" dirty="0">
-                <a:solidFill>
-                  <a:schemeClr val="accent2">
-                    <a:lumMod val="75000"/>
-                  </a:schemeClr>
-                </a:solidFill>
-              </a:rPr>
-              <a:t>T</a:t>
-            </a:r>
-            <a:r>
-              <a:rPr lang="ja-JP" altLang="en-US" sz="2400" dirty="0">
-                <a:solidFill>
-                  <a:schemeClr val="accent2">
-                    <a:lumMod val="75000"/>
-                  </a:schemeClr>
-                </a:solidFill>
-              </a:rPr>
-              <a:t>ポイント</a:t>
-            </a:r>
-            <a:endParaRPr lang="en-US" altLang="ja-JP" sz="2400" dirty="0">
-              <a:solidFill>
-                <a:schemeClr val="accent2">
-                  <a:lumMod val="75000"/>
-                </a:schemeClr>
-              </a:solidFill>
-            </a:endParaRPr>
-          </a:p>
-        </p:txBody>
-      </p:sp>
-      <p:sp>
-        <p:nvSpPr>
-          <p:cNvPr id="9" name="四角形: 角を丸くする 8">
-            <a:extLst>
-              <a:ext uri="{FF2B5EF4-FFF2-40B4-BE49-F238E27FC236}">
-                <a16:creationId xmlns:a16="http://schemas.microsoft.com/office/drawing/2014/main" id="{49AC5A0E-ED45-3B07-08C5-D3D0BE4EE214}"/>
-              </a:ext>
-            </a:extLst>
-          </p:cNvPr>
-          <p:cNvSpPr/>
-          <p:nvPr/>
-        </p:nvSpPr>
-        <p:spPr>
-          <a:xfrm>
-            <a:off x="753845" y="1439009"/>
-            <a:ext cx="7098384" cy="774868"/>
-          </a:xfrm>
-          <a:prstGeom prst="roundRect">
-            <a:avLst/>
-          </a:prstGeom>
-          <a:solidFill>
-            <a:srgbClr val="FFA333"/>
-          </a:solidFill>
-          <a:ln w="38100">
-            <a:solidFill>
-              <a:schemeClr val="bg1"/>
-            </a:solidFill>
-          </a:ln>
-        </p:spPr>
-        <p:style>
-          <a:lnRef idx="2">
-            <a:schemeClr val="accent1">
-              <a:shade val="50000"/>
-            </a:schemeClr>
-          </a:lnRef>
-          <a:fillRef idx="1">
-            <a:schemeClr val="accent1"/>
-          </a:fillRef>
-          <a:effectRef idx="0">
-            <a:schemeClr val="accent1"/>
-          </a:effectRef>
-          <a:fontRef idx="minor">
-            <a:schemeClr val="lt1"/>
-          </a:fontRef>
-        </p:style>
-        <p:txBody>
-          <a:bodyPr rtlCol="0" anchor="ctr"/>
-          <a:lstStyle/>
-          <a:p>
-            <a:pPr marL="0" indent="0">
-              <a:buNone/>
-            </a:pPr>
-            <a:r>
-              <a:rPr kumimoji="1" lang="en-US" altLang="ja-JP" sz="2800" dirty="0">
-                <a:latin typeface="HGｺﾞｼｯｸE" panose="020B0909000000000000" pitchFamily="49" charset="-128"/>
-                <a:ea typeface="HGｺﾞｼｯｸE" panose="020B0909000000000000" pitchFamily="49" charset="-128"/>
-              </a:rPr>
-              <a:t>1</a:t>
-            </a:r>
-            <a:r>
-              <a:rPr kumimoji="1" lang="ja-JP" altLang="en-US" sz="2800" dirty="0">
-                <a:latin typeface="HGｺﾞｼｯｸE" panose="020B0909000000000000" pitchFamily="49" charset="-128"/>
-                <a:ea typeface="HGｺﾞｼｯｸE" panose="020B0909000000000000" pitchFamily="49" charset="-128"/>
-              </a:rPr>
-              <a:t>日</a:t>
-            </a:r>
-            <a:r>
-              <a:rPr kumimoji="1" lang="en-US" altLang="ja-JP" sz="2800" dirty="0">
-                <a:latin typeface="HGｺﾞｼｯｸE" panose="020B0909000000000000" pitchFamily="49" charset="-128"/>
-                <a:ea typeface="HGｺﾞｼｯｸE" panose="020B0909000000000000" pitchFamily="49" charset="-128"/>
-              </a:rPr>
-              <a:t>1</a:t>
-            </a:r>
-            <a:r>
-              <a:rPr kumimoji="1" lang="ja-JP" altLang="en-US" sz="2800" dirty="0">
-                <a:latin typeface="HGｺﾞｼｯｸE" panose="020B0909000000000000" pitchFamily="49" charset="-128"/>
-                <a:ea typeface="HGｺﾞｼｯｸE" panose="020B0909000000000000" pitchFamily="49" charset="-128"/>
-              </a:rPr>
-              <a:t>回ログインボーナスを受け取れる機能</a:t>
-            </a:r>
-          </a:p>
-        </p:txBody>
-      </p:sp>
-      <p:sp>
-        <p:nvSpPr>
-          <p:cNvPr id="10" name="吹き出し: 角を丸めた四角形 9">
-            <a:extLst>
-              <a:ext uri="{FF2B5EF4-FFF2-40B4-BE49-F238E27FC236}">
-                <a16:creationId xmlns:a16="http://schemas.microsoft.com/office/drawing/2014/main" id="{86FCBA5F-0CAA-C123-E8B4-7F0AF442927B}"/>
-              </a:ext>
-            </a:extLst>
-          </p:cNvPr>
-          <p:cNvSpPr/>
-          <p:nvPr/>
-        </p:nvSpPr>
-        <p:spPr>
-          <a:xfrm>
-            <a:off x="838199" y="3512876"/>
-            <a:ext cx="4831081" cy="643160"/>
-          </a:xfrm>
-          <a:prstGeom prst="wedgeRoundRectCallout">
-            <a:avLst>
-              <a:gd name="adj1" fmla="val 77204"/>
-              <a:gd name="adj2" fmla="val -173155"/>
-              <a:gd name="adj3" fmla="val 16667"/>
-            </a:avLst>
-          </a:prstGeom>
-          <a:solidFill>
-            <a:schemeClr val="bg1"/>
-          </a:solidFill>
-          <a:ln>
-            <a:solidFill>
-              <a:srgbClr val="FFA333"/>
-            </a:solidFill>
-          </a:ln>
-        </p:spPr>
-        <p:style>
-          <a:lnRef idx="2">
-            <a:schemeClr val="accent1">
-              <a:shade val="50000"/>
-            </a:schemeClr>
-          </a:lnRef>
-          <a:fillRef idx="1">
-            <a:schemeClr val="accent1"/>
-          </a:fillRef>
-          <a:effectRef idx="0">
-            <a:schemeClr val="accent1"/>
-          </a:effectRef>
-          <a:fontRef idx="minor">
-            <a:schemeClr val="lt1"/>
-          </a:fontRef>
-        </p:style>
-        <p:txBody>
-          <a:bodyPr rtlCol="0" anchor="ctr"/>
-          <a:lstStyle/>
-          <a:p>
-            <a:r>
-              <a:rPr kumimoji="1" lang="en-US" altLang="ja-JP" sz="2400" dirty="0">
-                <a:solidFill>
-                  <a:schemeClr val="tx1"/>
-                </a:solidFill>
-                <a:latin typeface="HGｺﾞｼｯｸM" panose="020B0609000000000000" pitchFamily="49" charset="-128"/>
-                <a:ea typeface="HGｺﾞｼｯｸM" panose="020B0609000000000000" pitchFamily="49" charset="-128"/>
-              </a:rPr>
-              <a:t>T</a:t>
-            </a:r>
-            <a:r>
-              <a:rPr kumimoji="1" lang="ja-JP" altLang="en-US" sz="2400" dirty="0">
-                <a:solidFill>
-                  <a:schemeClr val="tx1"/>
-                </a:solidFill>
-                <a:latin typeface="HGｺﾞｼｯｸM" panose="020B0609000000000000" pitchFamily="49" charset="-128"/>
-                <a:ea typeface="HGｺﾞｼｯｸM" panose="020B0609000000000000" pitchFamily="49" charset="-128"/>
-              </a:rPr>
-              <a:t>ポイントを</a:t>
-            </a:r>
-            <a:r>
-              <a:rPr kumimoji="1" lang="en-US" altLang="ja-JP" sz="2400" dirty="0">
-                <a:solidFill>
-                  <a:schemeClr val="tx1"/>
-                </a:solidFill>
-                <a:latin typeface="HGｺﾞｼｯｸM" panose="020B0609000000000000" pitchFamily="49" charset="-128"/>
-                <a:ea typeface="HGｺﾞｼｯｸM" panose="020B0609000000000000" pitchFamily="49" charset="-128"/>
-              </a:rPr>
-              <a:t>1</a:t>
-            </a:r>
-            <a:r>
-              <a:rPr kumimoji="1" lang="ja-JP" altLang="en-US" sz="2400" dirty="0">
-                <a:solidFill>
-                  <a:schemeClr val="tx1"/>
-                </a:solidFill>
-                <a:latin typeface="HGｺﾞｼｯｸM" panose="020B0609000000000000" pitchFamily="49" charset="-128"/>
-                <a:ea typeface="HGｺﾞｼｯｸM" panose="020B0609000000000000" pitchFamily="49" charset="-128"/>
-              </a:rPr>
-              <a:t>ポイント受け取れる</a:t>
-            </a:r>
-          </a:p>
-        </p:txBody>
-      </p:sp>
-      <p:sp>
-        <p:nvSpPr>
-          <p:cNvPr id="11" name="吹き出し: 角を丸めた四角形 10">
-            <a:extLst>
-              <a:ext uri="{FF2B5EF4-FFF2-40B4-BE49-F238E27FC236}">
-                <a16:creationId xmlns:a16="http://schemas.microsoft.com/office/drawing/2014/main" id="{E62E73A6-95F8-8302-5266-1F0A4F99EFD2}"/>
-              </a:ext>
-            </a:extLst>
-          </p:cNvPr>
-          <p:cNvSpPr/>
-          <p:nvPr/>
-        </p:nvSpPr>
-        <p:spPr>
-          <a:xfrm>
-            <a:off x="753845" y="5860410"/>
-            <a:ext cx="4072874" cy="643160"/>
-          </a:xfrm>
-          <a:prstGeom prst="wedgeRoundRectCallout">
-            <a:avLst>
-              <a:gd name="adj1" fmla="val 65036"/>
-              <a:gd name="adj2" fmla="val -32925"/>
-              <a:gd name="adj3" fmla="val 16667"/>
-            </a:avLst>
-          </a:prstGeom>
-          <a:solidFill>
-            <a:schemeClr val="bg1"/>
-          </a:solidFill>
-          <a:ln>
-            <a:solidFill>
-              <a:srgbClr val="FFA333"/>
-            </a:solidFill>
-          </a:ln>
-        </p:spPr>
-        <p:style>
-          <a:lnRef idx="2">
-            <a:schemeClr val="accent1">
-              <a:shade val="50000"/>
-            </a:schemeClr>
-          </a:lnRef>
-          <a:fillRef idx="1">
-            <a:schemeClr val="accent1"/>
-          </a:fillRef>
-          <a:effectRef idx="0">
-            <a:schemeClr val="accent1"/>
-          </a:effectRef>
-          <a:fontRef idx="minor">
-            <a:schemeClr val="lt1"/>
-          </a:fontRef>
-        </p:style>
-        <p:txBody>
-          <a:bodyPr rtlCol="0" anchor="ctr"/>
-          <a:lstStyle/>
-          <a:p>
-            <a:r>
-              <a:rPr kumimoji="1" lang="en-US" altLang="ja-JP" sz="2400" dirty="0">
-                <a:solidFill>
-                  <a:schemeClr val="tx1"/>
-                </a:solidFill>
-                <a:latin typeface="HGｺﾞｼｯｸM" panose="020B0609000000000000" pitchFamily="49" charset="-128"/>
-                <a:ea typeface="HGｺﾞｼｯｸM" panose="020B0609000000000000" pitchFamily="49" charset="-128"/>
-              </a:rPr>
-              <a:t>T</a:t>
-            </a:r>
-            <a:r>
-              <a:rPr lang="ja-JP" altLang="en-US" sz="2400" dirty="0">
-                <a:solidFill>
-                  <a:schemeClr val="tx1"/>
-                </a:solidFill>
-                <a:latin typeface="HGｺﾞｼｯｸM" panose="020B0609000000000000" pitchFamily="49" charset="-128"/>
-                <a:ea typeface="HGｺﾞｼｯｸM" panose="020B0609000000000000" pitchFamily="49" charset="-128"/>
-              </a:rPr>
-              <a:t>ポイントで卵を購入できる</a:t>
-            </a:r>
-            <a:endParaRPr kumimoji="1" lang="ja-JP" altLang="en-US" sz="2400" dirty="0">
-              <a:solidFill>
-                <a:schemeClr val="tx1"/>
-              </a:solidFill>
-              <a:latin typeface="HGｺﾞｼｯｸM" panose="020B0609000000000000" pitchFamily="49" charset="-128"/>
-              <a:ea typeface="HGｺﾞｼｯｸM" panose="020B0609000000000000" pitchFamily="49" charset="-128"/>
-            </a:endParaRPr>
-          </a:p>
-        </p:txBody>
-      </p:sp>
-    </p:spTree>
-    <p:extLst>
-      <p:ext uri="{BB962C8B-B14F-4D97-AF65-F5344CB8AC3E}">
-        <p14:creationId xmlns:p14="http://schemas.microsoft.com/office/powerpoint/2010/main" val="1210176406"/>
       </p:ext>
     </p:extLst>
   </p:cSld>

--- a/doc/プレゼン資料_F3_なかおっち.pptx
+++ b/doc/プレゼン資料_F3_なかおっち.pptx
@@ -5,7 +5,7 @@
     <p:sldMasterId id="2147483648" r:id="rId1"/>
   </p:sldMasterIdLst>
   <p:notesMasterIdLst>
-    <p:notesMasterId r:id="rId27"/>
+    <p:notesMasterId r:id="rId26"/>
   </p:notesMasterIdLst>
   <p:sldIdLst>
     <p:sldId id="256" r:id="rId2"/>
@@ -24,15 +24,14 @@
     <p:sldId id="295" r:id="rId15"/>
     <p:sldId id="296" r:id="rId16"/>
     <p:sldId id="259" r:id="rId17"/>
-    <p:sldId id="284" r:id="rId18"/>
-    <p:sldId id="297" r:id="rId19"/>
-    <p:sldId id="260" r:id="rId20"/>
-    <p:sldId id="290" r:id="rId21"/>
+    <p:sldId id="297" r:id="rId18"/>
+    <p:sldId id="307" r:id="rId19"/>
+    <p:sldId id="305" r:id="rId20"/>
+    <p:sldId id="306" r:id="rId21"/>
     <p:sldId id="291" r:id="rId22"/>
-    <p:sldId id="292" r:id="rId23"/>
-    <p:sldId id="293" r:id="rId24"/>
-    <p:sldId id="298" r:id="rId25"/>
-    <p:sldId id="268" r:id="rId26"/>
+    <p:sldId id="301" r:id="rId23"/>
+    <p:sldId id="298" r:id="rId24"/>
+    <p:sldId id="268" r:id="rId25"/>
   </p:sldIdLst>
   <p:sldSz cx="12192000" cy="6858000"/>
   <p:notesSz cx="6858000" cy="9144000"/>
@@ -221,7 +220,7 @@
           <a:p>
             <a:fld id="{85B45B40-20F4-4BB7-A9AD-AD3E8AF4E576}" type="datetimeFigureOut">
               <a:rPr kumimoji="1" lang="ja-JP" altLang="en-US" smtClean="0"/>
-              <a:t>2022/6/22</a:t>
+              <a:t>2022/6/23</a:t>
             </a:fld>
             <a:endParaRPr kumimoji="1" lang="ja-JP" altLang="en-US"/>
           </a:p>
@@ -1542,7 +1541,7 @@
           <a:p>
             <a:fld id="{DE4BA7E1-AEC3-4D3A-B9C5-26FBCA429707}" type="datetimeFigureOut">
               <a:rPr kumimoji="1" lang="ja-JP" altLang="en-US" smtClean="0"/>
-              <a:t>2022/6/22</a:t>
+              <a:t>2022/6/23</a:t>
             </a:fld>
             <a:endParaRPr kumimoji="1" lang="ja-JP" altLang="en-US"/>
           </a:p>
@@ -1772,7 +1771,7 @@
           <a:p>
             <a:fld id="{DE4BA7E1-AEC3-4D3A-B9C5-26FBCA429707}" type="datetimeFigureOut">
               <a:rPr kumimoji="1" lang="ja-JP" altLang="en-US" smtClean="0"/>
-              <a:t>2022/6/22</a:t>
+              <a:t>2022/6/23</a:t>
             </a:fld>
             <a:endParaRPr kumimoji="1" lang="ja-JP" altLang="en-US"/>
           </a:p>
@@ -2012,7 +2011,7 @@
           <a:p>
             <a:fld id="{DE4BA7E1-AEC3-4D3A-B9C5-26FBCA429707}" type="datetimeFigureOut">
               <a:rPr kumimoji="1" lang="ja-JP" altLang="en-US" smtClean="0"/>
-              <a:t>2022/6/22</a:t>
+              <a:t>2022/6/23</a:t>
             </a:fld>
             <a:endParaRPr kumimoji="1" lang="ja-JP" altLang="en-US"/>
           </a:p>
@@ -2242,7 +2241,7 @@
           <a:p>
             <a:fld id="{DE4BA7E1-AEC3-4D3A-B9C5-26FBCA429707}" type="datetimeFigureOut">
               <a:rPr kumimoji="1" lang="ja-JP" altLang="en-US" smtClean="0"/>
-              <a:t>2022/6/22</a:t>
+              <a:t>2022/6/23</a:t>
             </a:fld>
             <a:endParaRPr kumimoji="1" lang="ja-JP" altLang="en-US"/>
           </a:p>
@@ -2517,7 +2516,7 @@
           <a:p>
             <a:fld id="{DE4BA7E1-AEC3-4D3A-B9C5-26FBCA429707}" type="datetimeFigureOut">
               <a:rPr kumimoji="1" lang="ja-JP" altLang="en-US" smtClean="0"/>
-              <a:t>2022/6/22</a:t>
+              <a:t>2022/6/23</a:t>
             </a:fld>
             <a:endParaRPr kumimoji="1" lang="ja-JP" altLang="en-US"/>
           </a:p>
@@ -2846,7 +2845,7 @@
           <a:p>
             <a:fld id="{DE4BA7E1-AEC3-4D3A-B9C5-26FBCA429707}" type="datetimeFigureOut">
               <a:rPr kumimoji="1" lang="ja-JP" altLang="en-US" smtClean="0"/>
-              <a:t>2022/6/22</a:t>
+              <a:t>2022/6/23</a:t>
             </a:fld>
             <a:endParaRPr kumimoji="1" lang="ja-JP" altLang="en-US"/>
           </a:p>
@@ -3322,7 +3321,7 @@
           <a:p>
             <a:fld id="{DE4BA7E1-AEC3-4D3A-B9C5-26FBCA429707}" type="datetimeFigureOut">
               <a:rPr kumimoji="1" lang="ja-JP" altLang="en-US" smtClean="0"/>
-              <a:t>2022/6/22</a:t>
+              <a:t>2022/6/23</a:t>
             </a:fld>
             <a:endParaRPr kumimoji="1" lang="ja-JP" altLang="en-US"/>
           </a:p>
@@ -3463,7 +3462,7 @@
           <a:p>
             <a:fld id="{DE4BA7E1-AEC3-4D3A-B9C5-26FBCA429707}" type="datetimeFigureOut">
               <a:rPr kumimoji="1" lang="ja-JP" altLang="en-US" smtClean="0"/>
-              <a:t>2022/6/22</a:t>
+              <a:t>2022/6/23</a:t>
             </a:fld>
             <a:endParaRPr kumimoji="1" lang="ja-JP" altLang="en-US"/>
           </a:p>
@@ -3576,7 +3575,7 @@
           <a:p>
             <a:fld id="{DE4BA7E1-AEC3-4D3A-B9C5-26FBCA429707}" type="datetimeFigureOut">
               <a:rPr kumimoji="1" lang="ja-JP" altLang="en-US" smtClean="0"/>
-              <a:t>2022/6/22</a:t>
+              <a:t>2022/6/23</a:t>
             </a:fld>
             <a:endParaRPr kumimoji="1" lang="ja-JP" altLang="en-US"/>
           </a:p>
@@ -3919,7 +3918,7 @@
           <a:p>
             <a:fld id="{DE4BA7E1-AEC3-4D3A-B9C5-26FBCA429707}" type="datetimeFigureOut">
               <a:rPr kumimoji="1" lang="ja-JP" altLang="en-US" smtClean="0"/>
-              <a:t>2022/6/22</a:t>
+              <a:t>2022/6/23</a:t>
             </a:fld>
             <a:endParaRPr kumimoji="1" lang="ja-JP" altLang="en-US"/>
           </a:p>
@@ -4207,7 +4206,7 @@
           <a:p>
             <a:fld id="{DE4BA7E1-AEC3-4D3A-B9C5-26FBCA429707}" type="datetimeFigureOut">
               <a:rPr kumimoji="1" lang="ja-JP" altLang="en-US" smtClean="0"/>
-              <a:t>2022/6/22</a:t>
+              <a:t>2022/6/23</a:t>
             </a:fld>
             <a:endParaRPr kumimoji="1" lang="ja-JP" altLang="en-US"/>
           </a:p>
@@ -4480,7 +4479,7 @@
           <a:p>
             <a:fld id="{DE4BA7E1-AEC3-4D3A-B9C5-26FBCA429707}" type="datetimeFigureOut">
               <a:rPr kumimoji="1" lang="ja-JP" altLang="en-US" smtClean="0"/>
-              <a:t>2022/6/22</a:t>
+              <a:t>2022/6/23</a:t>
             </a:fld>
             <a:endParaRPr kumimoji="1" lang="ja-JP" altLang="en-US"/>
           </a:p>
@@ -6616,55 +6615,6 @@
           </a:p>
         </p:txBody>
       </p:sp>
-      <p:sp>
-        <p:nvSpPr>
-          <p:cNvPr id="4" name="正方形/長方形 3">
-            <a:extLst>
-              <a:ext uri="{FF2B5EF4-FFF2-40B4-BE49-F238E27FC236}">
-                <a16:creationId xmlns:a16="http://schemas.microsoft.com/office/drawing/2014/main" id="{8D4BFF91-F974-86CB-B22A-383FA607997E}"/>
-              </a:ext>
-            </a:extLst>
-          </p:cNvPr>
-          <p:cNvSpPr/>
-          <p:nvPr/>
-        </p:nvSpPr>
-        <p:spPr>
-          <a:xfrm>
-            <a:off x="755104" y="3036628"/>
-            <a:ext cx="5533154" cy="3496878"/>
-          </a:xfrm>
-          <a:prstGeom prst="rect">
-            <a:avLst/>
-          </a:prstGeom>
-        </p:spPr>
-        <p:style>
-          <a:lnRef idx="2">
-            <a:schemeClr val="accent1">
-              <a:shade val="50000"/>
-            </a:schemeClr>
-          </a:lnRef>
-          <a:fillRef idx="1">
-            <a:schemeClr val="accent1"/>
-          </a:fillRef>
-          <a:effectRef idx="0">
-            <a:schemeClr val="accent1"/>
-          </a:effectRef>
-          <a:fontRef idx="minor">
-            <a:schemeClr val="lt1"/>
-          </a:fontRef>
-        </p:style>
-        <p:txBody>
-          <a:bodyPr rtlCol="0" anchor="ctr"/>
-          <a:lstStyle/>
-          <a:p>
-            <a:pPr algn="ctr"/>
-            <a:r>
-              <a:rPr kumimoji="1" lang="ja-JP" altLang="en-US" dirty="0"/>
-              <a:t>卵購入画面のスクショ</a:t>
-            </a:r>
-          </a:p>
-        </p:txBody>
-      </p:sp>
       <p:pic>
         <p:nvPicPr>
           <p:cNvPr id="12" name="図 11" descr="グラフ, ヒストグラム&#10;&#10;自動的に生成された説明">
@@ -6776,7 +6726,7 @@
         </p:nvSpPr>
         <p:spPr>
           <a:xfrm>
-            <a:off x="6396745" y="2723030"/>
+            <a:off x="6518232" y="2730099"/>
             <a:ext cx="3945250" cy="772114"/>
           </a:xfrm>
           <a:prstGeom prst="wedgeRoundRectCallout">
@@ -7010,7 +6960,7 @@
         </p:nvSpPr>
         <p:spPr>
           <a:xfrm>
-            <a:off x="6396745" y="5535318"/>
+            <a:off x="6469316" y="5535318"/>
             <a:ext cx="3945250" cy="772114"/>
           </a:xfrm>
           <a:prstGeom prst="wedgeRoundRectCallout">
@@ -7081,6 +7031,35 @@
           </a:p>
         </p:txBody>
       </p:sp>
+      <p:pic>
+        <p:nvPicPr>
+          <p:cNvPr id="5" name="図 4">
+            <a:extLst>
+              <a:ext uri="{FF2B5EF4-FFF2-40B4-BE49-F238E27FC236}">
+                <a16:creationId xmlns:a16="http://schemas.microsoft.com/office/drawing/2014/main" id="{6A0EC2A2-BA7E-44F1-6790-F46B2B5AC6BE}"/>
+              </a:ext>
+            </a:extLst>
+          </p:cNvPr>
+          <p:cNvPicPr>
+            <a:picLocks noChangeAspect="1"/>
+          </p:cNvPicPr>
+          <p:nvPr/>
+        </p:nvPicPr>
+        <p:blipFill rotWithShape="1">
+          <a:blip r:embed="rId5"/>
+          <a:srcRect t="9504" r="2187" b="5302"/>
+          <a:stretch/>
+        </p:blipFill>
+        <p:spPr>
+          <a:xfrm>
+            <a:off x="81464" y="3077121"/>
+            <a:ext cx="6288258" cy="3079314"/>
+          </a:xfrm>
+          <a:prstGeom prst="rect">
+            <a:avLst/>
+          </a:prstGeom>
+        </p:spPr>
+      </p:pic>
     </p:spTree>
     <p:extLst>
       <p:ext uri="{BB962C8B-B14F-4D97-AF65-F5344CB8AC3E}">
@@ -7173,10 +7152,10 @@
       </p:sp>
       <p:pic>
         <p:nvPicPr>
-          <p:cNvPr id="7" name="図 6">
-            <a:extLst>
-              <a:ext uri="{FF2B5EF4-FFF2-40B4-BE49-F238E27FC236}">
-                <a16:creationId xmlns:a16="http://schemas.microsoft.com/office/drawing/2014/main" id="{1A271D9A-02E6-9257-DD85-22AFB50C8C27}"/>
+          <p:cNvPr id="15" name="図 14">
+            <a:extLst>
+              <a:ext uri="{FF2B5EF4-FFF2-40B4-BE49-F238E27FC236}">
+                <a16:creationId xmlns:a16="http://schemas.microsoft.com/office/drawing/2014/main" id="{D929C953-AA79-843A-0072-5AD6B4315893}"/>
               </a:ext>
             </a:extLst>
           </p:cNvPr>
@@ -7187,6 +7166,35 @@
         </p:nvPicPr>
         <p:blipFill rotWithShape="1">
           <a:blip r:embed="rId3"/>
+          <a:srcRect l="24263" t="13296" r="21340" b="21870"/>
+          <a:stretch/>
+        </p:blipFill>
+        <p:spPr>
+          <a:xfrm>
+            <a:off x="622069" y="3383278"/>
+            <a:ext cx="4958510" cy="3322647"/>
+          </a:xfrm>
+          <a:prstGeom prst="rect">
+            <a:avLst/>
+          </a:prstGeom>
+        </p:spPr>
+      </p:pic>
+      <p:pic>
+        <p:nvPicPr>
+          <p:cNvPr id="7" name="図 6">
+            <a:extLst>
+              <a:ext uri="{FF2B5EF4-FFF2-40B4-BE49-F238E27FC236}">
+                <a16:creationId xmlns:a16="http://schemas.microsoft.com/office/drawing/2014/main" id="{1A271D9A-02E6-9257-DD85-22AFB50C8C27}"/>
+              </a:ext>
+            </a:extLst>
+          </p:cNvPr>
+          <p:cNvPicPr>
+            <a:picLocks noChangeAspect="1"/>
+          </p:cNvPicPr>
+          <p:nvPr/>
+        </p:nvPicPr>
+        <p:blipFill rotWithShape="1">
+          <a:blip r:embed="rId4"/>
           <a:srcRect l="24277" t="13681" r="21485" b="22282"/>
           <a:stretch/>
         </p:blipFill>
@@ -7214,7 +7222,7 @@
         </p:nvSpPr>
         <p:spPr>
           <a:xfrm>
-            <a:off x="9482359" y="70649"/>
+            <a:off x="9482359" y="10010"/>
             <a:ext cx="2470489" cy="774868"/>
           </a:xfrm>
           <a:prstGeom prst="ellipse">
@@ -7345,35 +7353,6 @@
           </a:p>
         </p:txBody>
       </p:sp>
-      <p:pic>
-        <p:nvPicPr>
-          <p:cNvPr id="5" name="図 4">
-            <a:extLst>
-              <a:ext uri="{FF2B5EF4-FFF2-40B4-BE49-F238E27FC236}">
-                <a16:creationId xmlns:a16="http://schemas.microsoft.com/office/drawing/2014/main" id="{553AD656-017D-B644-C7A7-BF8B8BFC76EB}"/>
-              </a:ext>
-            </a:extLst>
-          </p:cNvPr>
-          <p:cNvPicPr>
-            <a:picLocks noChangeAspect="1"/>
-          </p:cNvPicPr>
-          <p:nvPr/>
-        </p:nvPicPr>
-        <p:blipFill rotWithShape="1">
-          <a:blip r:embed="rId4"/>
-          <a:srcRect l="24214" t="13177" r="21492" b="22483"/>
-          <a:stretch/>
-        </p:blipFill>
-        <p:spPr>
-          <a:xfrm>
-            <a:off x="514921" y="3383279"/>
-            <a:ext cx="4987045" cy="3322647"/>
-          </a:xfrm>
-          <a:prstGeom prst="rect">
-            <a:avLst/>
-          </a:prstGeom>
-        </p:spPr>
-      </p:pic>
       <p:sp>
         <p:nvSpPr>
           <p:cNvPr id="6" name="矢印: 右 5">
@@ -7471,7 +7450,7 @@
         </p:nvSpPr>
         <p:spPr>
           <a:xfrm>
-            <a:off x="838200" y="1529021"/>
+            <a:off x="622069" y="1529022"/>
             <a:ext cx="5682916" cy="1706547"/>
           </a:xfrm>
           <a:prstGeom prst="roundRect">
@@ -7608,6 +7587,35 @@
           </a:p>
         </p:txBody>
       </p:sp>
+      <p:pic>
+        <p:nvPicPr>
+          <p:cNvPr id="8" name="図 7">
+            <a:extLst>
+              <a:ext uri="{FF2B5EF4-FFF2-40B4-BE49-F238E27FC236}">
+                <a16:creationId xmlns:a16="http://schemas.microsoft.com/office/drawing/2014/main" id="{F918231B-9BE3-A679-F569-DDBA78BC74AE}"/>
+              </a:ext>
+            </a:extLst>
+          </p:cNvPr>
+          <p:cNvPicPr>
+            <a:picLocks noChangeAspect="1"/>
+          </p:cNvPicPr>
+          <p:nvPr/>
+        </p:nvPicPr>
+        <p:blipFill rotWithShape="1">
+          <a:blip r:embed="rId5"/>
+          <a:srcRect t="9927" b="5302"/>
+          <a:stretch/>
+        </p:blipFill>
+        <p:spPr>
+          <a:xfrm>
+            <a:off x="6454510" y="653455"/>
+            <a:ext cx="5530671" cy="2635916"/>
+          </a:xfrm>
+          <a:prstGeom prst="rect">
+            <a:avLst/>
+          </a:prstGeom>
+        </p:spPr>
+      </p:pic>
     </p:spTree>
     <p:extLst>
       <p:ext uri="{BB962C8B-B14F-4D97-AF65-F5344CB8AC3E}">
@@ -7778,13 +7786,10 @@
       </p:pic>
       <p:pic>
         <p:nvPicPr>
-          <p:cNvPr id="4" name="図 3">
-            <a:extLst>
-              <a:ext uri="{FF2B5EF4-FFF2-40B4-BE49-F238E27FC236}">
-                <a16:creationId xmlns:a16="http://schemas.microsoft.com/office/drawing/2014/main" id="{D101F2A0-1950-7F3F-8DCE-2E76C59F7567}"/>
-              </a:ext>
-              <a:ext uri="{C183D7F6-B498-43B3-948B-1728B52AA6E4}">
-                <adec:decorative xmlns:adec="http://schemas.microsoft.com/office/drawing/2017/decorative" val="1"/>
+          <p:cNvPr id="3" name="図 2" descr="QR コード&#10;&#10;中程度の精度で自動的に生成された説明">
+            <a:extLst>
+              <a:ext uri="{FF2B5EF4-FFF2-40B4-BE49-F238E27FC236}">
+                <a16:creationId xmlns:a16="http://schemas.microsoft.com/office/drawing/2014/main" id="{0C510373-EDDE-AED3-CF72-9659B45F15AD}"/>
               </a:ext>
             </a:extLst>
           </p:cNvPr>
@@ -7801,13 +7806,13 @@
               </a:ext>
             </a:extLst>
           </a:blip>
-          <a:srcRect l="1" t="58203" r="42272" b="28186"/>
+          <a:srcRect t="57333" r="33796" b="27223"/>
           <a:stretch/>
         </p:blipFill>
         <p:spPr>
           <a:xfrm>
-            <a:off x="3211642" y="2962275"/>
-            <a:ext cx="5768717" cy="933450"/>
+            <a:off x="2788103" y="2899410"/>
+            <a:ext cx="6615794" cy="1059180"/>
           </a:xfrm>
           <a:prstGeom prst="rect">
             <a:avLst/>
@@ -7875,7 +7880,7 @@
                 <a:latin typeface="HGS創英角ｺﾞｼｯｸUB" panose="020B0900000000000000" pitchFamily="50" charset="-128"/>
                 <a:ea typeface="HGS創英角ｺﾞｼｯｸUB" panose="020B0900000000000000" pitchFamily="50" charset="-128"/>
               </a:rPr>
-              <a:t>反省点</a:t>
+              <a:t>反省点・課題</a:t>
             </a:r>
           </a:p>
         </p:txBody>
@@ -7885,7 +7890,7 @@
           <p:cNvPr id="3" name="コンテンツ プレースホルダー 2">
             <a:extLst>
               <a:ext uri="{FF2B5EF4-FFF2-40B4-BE49-F238E27FC236}">
-                <a16:creationId xmlns:a16="http://schemas.microsoft.com/office/drawing/2014/main" id="{CC96BA86-5DEC-0C8A-0D37-9901BCB94BED}"/>
+                <a16:creationId xmlns:a16="http://schemas.microsoft.com/office/drawing/2014/main" id="{5044DFAD-B0A4-876C-C45D-F38C01C97F54}"/>
               </a:ext>
             </a:extLst>
           </p:cNvPr>
@@ -7901,6 +7906,203 @@
           <a:bodyPr/>
           <a:lstStyle/>
           <a:p>
+            <a:pPr>
+              <a:buClr>
+                <a:schemeClr val="accent2">
+                  <a:lumMod val="75000"/>
+                </a:schemeClr>
+              </a:buClr>
+            </a:pPr>
+            <a:r>
+              <a:rPr lang="ja-JP" altLang="en-US" dirty="0"/>
+              <a:t>途中で機能を変更したことによって、デザインの結合が</a:t>
+            </a:r>
+            <a:br>
+              <a:rPr lang="en-US" altLang="ja-JP" dirty="0"/>
+            </a:br>
+            <a:r>
+              <a:rPr lang="ja-JP" altLang="en-US" dirty="0"/>
+              <a:t>うまくいかなかった</a:t>
+            </a:r>
+            <a:endParaRPr lang="en-US" altLang="ja-JP" dirty="0"/>
+          </a:p>
+          <a:p>
+            <a:pPr marL="0" indent="0">
+              <a:buClr>
+                <a:schemeClr val="accent2">
+                  <a:lumMod val="75000"/>
+                </a:schemeClr>
+              </a:buClr>
+              <a:buNone/>
+            </a:pPr>
+            <a:r>
+              <a:rPr lang="ja-JP" altLang="en-US" dirty="0"/>
+              <a:t>→柔軟に対応できるデザインを考える</a:t>
+            </a:r>
+            <a:endParaRPr lang="en-US" altLang="ja-JP" dirty="0"/>
+          </a:p>
+          <a:p>
+            <a:pPr>
+              <a:buClr>
+                <a:schemeClr val="accent2">
+                  <a:lumMod val="75000"/>
+                </a:schemeClr>
+              </a:buClr>
+            </a:pPr>
+            <a:endParaRPr lang="en-US" altLang="ja-JP" dirty="0"/>
+          </a:p>
+          <a:p>
+            <a:pPr>
+              <a:buClr>
+                <a:schemeClr val="accent2">
+                  <a:lumMod val="75000"/>
+                </a:schemeClr>
+              </a:buClr>
+            </a:pPr>
+            <a:r>
+              <a:rPr lang="ja-JP" altLang="en-US" dirty="0"/>
+              <a:t>最初に決めた担当と別の仕事をすることになった</a:t>
+            </a:r>
+            <a:endParaRPr lang="en-US" altLang="ja-JP" dirty="0"/>
+          </a:p>
+          <a:p>
+            <a:pPr>
+              <a:buClr>
+                <a:schemeClr val="accent2">
+                  <a:lumMod val="75000"/>
+                </a:schemeClr>
+              </a:buClr>
+            </a:pPr>
+            <a:r>
+              <a:rPr lang="ja-JP" altLang="en-US" dirty="0"/>
+              <a:t>進化時のエフェクトなど、細かい機能を付けることが</a:t>
+            </a:r>
+            <a:br>
+              <a:rPr lang="en-US" altLang="ja-JP" dirty="0"/>
+            </a:br>
+            <a:r>
+              <a:rPr lang="ja-JP" altLang="en-US" dirty="0"/>
+              <a:t>できなかった</a:t>
+            </a:r>
+            <a:endParaRPr lang="en-US" altLang="ja-JP" dirty="0"/>
+          </a:p>
+          <a:p>
+            <a:pPr marL="0" indent="0">
+              <a:buClr>
+                <a:schemeClr val="accent2">
+                  <a:lumMod val="75000"/>
+                </a:schemeClr>
+              </a:buClr>
+              <a:buNone/>
+            </a:pPr>
+            <a:r>
+              <a:rPr lang="ja-JP" altLang="en-US" dirty="0"/>
+              <a:t>→要件定義書で細かく決める</a:t>
+            </a:r>
+            <a:endParaRPr lang="en-US" altLang="ja-JP" dirty="0"/>
+          </a:p>
+        </p:txBody>
+      </p:sp>
+      <p:sp>
+        <p:nvSpPr>
+          <p:cNvPr id="7" name="正方形/長方形 6">
+            <a:extLst>
+              <a:ext uri="{FF2B5EF4-FFF2-40B4-BE49-F238E27FC236}">
+                <a16:creationId xmlns:a16="http://schemas.microsoft.com/office/drawing/2014/main" id="{E7215A0D-CCB0-6D0D-C68D-13457C092C16}"/>
+              </a:ext>
+            </a:extLst>
+          </p:cNvPr>
+          <p:cNvSpPr/>
+          <p:nvPr/>
+        </p:nvSpPr>
+        <p:spPr>
+          <a:xfrm>
+            <a:off x="838200" y="1690688"/>
+            <a:ext cx="10388264" cy="1617891"/>
+          </a:xfrm>
+          <a:prstGeom prst="rect">
+            <a:avLst/>
+          </a:prstGeom>
+          <a:noFill/>
+          <a:ln w="38100">
+            <a:solidFill>
+              <a:srgbClr val="FFA333"/>
+            </a:solidFill>
+          </a:ln>
+        </p:spPr>
+        <p:style>
+          <a:lnRef idx="2">
+            <a:schemeClr val="accent1">
+              <a:shade val="50000"/>
+            </a:schemeClr>
+          </a:lnRef>
+          <a:fillRef idx="1">
+            <a:schemeClr val="accent1"/>
+          </a:fillRef>
+          <a:effectRef idx="0">
+            <a:schemeClr val="accent1"/>
+          </a:effectRef>
+          <a:fontRef idx="minor">
+            <a:schemeClr val="lt1"/>
+          </a:fontRef>
+        </p:style>
+        <p:txBody>
+          <a:bodyPr rtlCol="0" anchor="ctr"/>
+          <a:lstStyle/>
+          <a:p>
+            <a:pPr algn="ctr"/>
+            <a:endParaRPr kumimoji="1" lang="ja-JP" altLang="en-US" dirty="0"/>
+          </a:p>
+        </p:txBody>
+      </p:sp>
+      <p:sp>
+        <p:nvSpPr>
+          <p:cNvPr id="8" name="正方形/長方形 7">
+            <a:extLst>
+              <a:ext uri="{FF2B5EF4-FFF2-40B4-BE49-F238E27FC236}">
+                <a16:creationId xmlns:a16="http://schemas.microsoft.com/office/drawing/2014/main" id="{489E12CC-52B0-8567-1215-9AF251B6B340}"/>
+              </a:ext>
+            </a:extLst>
+          </p:cNvPr>
+          <p:cNvSpPr/>
+          <p:nvPr/>
+        </p:nvSpPr>
+        <p:spPr>
+          <a:xfrm>
+            <a:off x="838200" y="3586858"/>
+            <a:ext cx="10388264" cy="2154693"/>
+          </a:xfrm>
+          <a:prstGeom prst="rect">
+            <a:avLst/>
+          </a:prstGeom>
+          <a:noFill/>
+          <a:ln w="38100">
+            <a:solidFill>
+              <a:srgbClr val="FFA333"/>
+            </a:solidFill>
+          </a:ln>
+        </p:spPr>
+        <p:style>
+          <a:lnRef idx="2">
+            <a:schemeClr val="accent1">
+              <a:shade val="50000"/>
+            </a:schemeClr>
+          </a:lnRef>
+          <a:fillRef idx="1">
+            <a:schemeClr val="accent1"/>
+          </a:fillRef>
+          <a:effectRef idx="0">
+            <a:schemeClr val="accent1"/>
+          </a:effectRef>
+          <a:fontRef idx="minor">
+            <a:schemeClr val="lt1"/>
+          </a:fontRef>
+        </p:style>
+        <p:txBody>
+          <a:bodyPr rtlCol="0" anchor="ctr"/>
+          <a:lstStyle/>
+          <a:p>
+            <a:pPr algn="ctr"/>
             <a:endParaRPr kumimoji="1" lang="ja-JP" altLang="en-US" dirty="0"/>
           </a:p>
         </p:txBody>
@@ -7935,97 +8137,6 @@
           <a:chExt cx="0" cy="0"/>
         </a:xfrm>
       </p:grpSpPr>
-      <p:sp>
-        <p:nvSpPr>
-          <p:cNvPr id="2" name="タイトル 1">
-            <a:extLst>
-              <a:ext uri="{FF2B5EF4-FFF2-40B4-BE49-F238E27FC236}">
-                <a16:creationId xmlns:a16="http://schemas.microsoft.com/office/drawing/2014/main" id="{693A6AA4-E421-2B25-F07B-E8469B9F6618}"/>
-              </a:ext>
-            </a:extLst>
-          </p:cNvPr>
-          <p:cNvSpPr>
-            <a:spLocks noGrp="1"/>
-          </p:cNvSpPr>
-          <p:nvPr>
-            <p:ph type="title"/>
-          </p:nvPr>
-        </p:nvSpPr>
-        <p:spPr/>
-        <p:txBody>
-          <a:bodyPr/>
-          <a:lstStyle/>
-          <a:p>
-            <a:r>
-              <a:rPr lang="ja-JP" altLang="en-US" dirty="0">
-                <a:solidFill>
-                  <a:schemeClr val="accent2">
-                    <a:lumMod val="75000"/>
-                  </a:schemeClr>
-                </a:solidFill>
-                <a:latin typeface="HGS創英角ｺﾞｼｯｸUB" panose="020B0900000000000000" pitchFamily="50" charset="-128"/>
-                <a:ea typeface="HGS創英角ｺﾞｼｯｸUB" panose="020B0900000000000000" pitchFamily="50" charset="-128"/>
-              </a:rPr>
-              <a:t>課題</a:t>
-            </a:r>
-          </a:p>
-        </p:txBody>
-      </p:sp>
-      <p:sp>
-        <p:nvSpPr>
-          <p:cNvPr id="3" name="コンテンツ プレースホルダー 2">
-            <a:extLst>
-              <a:ext uri="{FF2B5EF4-FFF2-40B4-BE49-F238E27FC236}">
-                <a16:creationId xmlns:a16="http://schemas.microsoft.com/office/drawing/2014/main" id="{CC96BA86-5DEC-0C8A-0D37-9901BCB94BED}"/>
-              </a:ext>
-            </a:extLst>
-          </p:cNvPr>
-          <p:cNvSpPr>
-            <a:spLocks noGrp="1"/>
-          </p:cNvSpPr>
-          <p:nvPr>
-            <p:ph idx="1"/>
-          </p:nvPr>
-        </p:nvSpPr>
-        <p:spPr/>
-        <p:txBody>
-          <a:bodyPr/>
-          <a:lstStyle/>
-          <a:p>
-            <a:endParaRPr kumimoji="1" lang="ja-JP" altLang="en-US" dirty="0"/>
-          </a:p>
-        </p:txBody>
-      </p:sp>
-    </p:spTree>
-    <p:extLst>
-      <p:ext uri="{BB962C8B-B14F-4D97-AF65-F5344CB8AC3E}">
-        <p14:creationId xmlns:p14="http://schemas.microsoft.com/office/powerpoint/2010/main" val="2943866939"/>
-      </p:ext>
-    </p:extLst>
-  </p:cSld>
-  <p:clrMapOvr>
-    <a:masterClrMapping/>
-  </p:clrMapOvr>
-</p:sld>
-</file>
-
-<file path=ppt/slides/slide18.xml><?xml version="1.0" encoding="utf-8"?>
-<p:sld xmlns:a="http://schemas.openxmlformats.org/drawingml/2006/main" xmlns:r="http://schemas.openxmlformats.org/officeDocument/2006/relationships" xmlns:p="http://schemas.openxmlformats.org/presentationml/2006/main">
-  <p:cSld>
-    <p:spTree>
-      <p:nvGrpSpPr>
-        <p:cNvPr id="1" name=""/>
-        <p:cNvGrpSpPr/>
-        <p:nvPr/>
-      </p:nvGrpSpPr>
-      <p:grpSpPr>
-        <a:xfrm>
-          <a:off x="0" y="0"/>
-          <a:ext cx="0" cy="0"/>
-          <a:chOff x="0" y="0"/>
-          <a:chExt cx="0" cy="0"/>
-        </a:xfrm>
-      </p:grpSpPr>
       <p:pic>
         <p:nvPicPr>
           <p:cNvPr id="10" name="図 9" descr="カーテン が含まれている画像&#10;&#10;自動的に生成された説明">
@@ -8112,6 +8223,417 @@
 </p:sld>
 </file>
 
+<file path=ppt/slides/slide18.xml><?xml version="1.0" encoding="utf-8"?>
+<p:sld xmlns:a="http://schemas.openxmlformats.org/drawingml/2006/main" xmlns:r="http://schemas.openxmlformats.org/officeDocument/2006/relationships" xmlns:p="http://schemas.openxmlformats.org/presentationml/2006/main">
+  <p:cSld>
+    <p:spTree>
+      <p:nvGrpSpPr>
+        <p:cNvPr id="1" name=""/>
+        <p:cNvGrpSpPr/>
+        <p:nvPr/>
+      </p:nvGrpSpPr>
+      <p:grpSpPr>
+        <a:xfrm>
+          <a:off x="0" y="0"/>
+          <a:ext cx="0" cy="0"/>
+          <a:chOff x="0" y="0"/>
+          <a:chExt cx="0" cy="0"/>
+        </a:xfrm>
+      </p:grpSpPr>
+      <p:sp>
+        <p:nvSpPr>
+          <p:cNvPr id="3" name="コンテンツ プレースホルダー 2">
+            <a:extLst>
+              <a:ext uri="{FF2B5EF4-FFF2-40B4-BE49-F238E27FC236}">
+                <a16:creationId xmlns:a16="http://schemas.microsoft.com/office/drawing/2014/main" id="{CC96BA86-5DEC-0C8A-0D37-9901BCB94BED}"/>
+              </a:ext>
+            </a:extLst>
+          </p:cNvPr>
+          <p:cNvSpPr>
+            <a:spLocks noGrp="1"/>
+          </p:cNvSpPr>
+          <p:nvPr>
+            <p:ph idx="1"/>
+          </p:nvPr>
+        </p:nvSpPr>
+        <p:spPr>
+          <a:xfrm>
+            <a:off x="838200" y="1534886"/>
+            <a:ext cx="10515600" cy="5127171"/>
+          </a:xfrm>
+        </p:spPr>
+        <p:txBody>
+          <a:bodyPr/>
+          <a:lstStyle/>
+          <a:p>
+            <a:pPr marL="0" indent="0">
+              <a:buNone/>
+            </a:pPr>
+            <a:r>
+              <a:rPr kumimoji="1" lang="ja-JP" altLang="en-US" dirty="0">
+                <a:latin typeface="HGｺﾞｼｯｸE" panose="020B0909000000000000" pitchFamily="49" charset="-128"/>
+                <a:ea typeface="HGｺﾞｼｯｸE" panose="020B0909000000000000" pitchFamily="49" charset="-128"/>
+              </a:rPr>
+              <a:t>担当</a:t>
+            </a:r>
+            <a:endParaRPr kumimoji="1" lang="en-US" altLang="ja-JP" dirty="0">
+              <a:latin typeface="HGｺﾞｼｯｸE" panose="020B0909000000000000" pitchFamily="49" charset="-128"/>
+              <a:ea typeface="HGｺﾞｼｯｸE" panose="020B0909000000000000" pitchFamily="49" charset="-128"/>
+            </a:endParaRPr>
+          </a:p>
+          <a:p>
+            <a:pPr>
+              <a:buClr>
+                <a:schemeClr val="accent2">
+                  <a:lumMod val="75000"/>
+                </a:schemeClr>
+              </a:buClr>
+            </a:pPr>
+            <a:r>
+              <a:rPr lang="ja-JP" altLang="en-US" dirty="0">
+                <a:latin typeface="HGｺﾞｼｯｸM" panose="020B0609000000000000" pitchFamily="49" charset="-128"/>
+                <a:ea typeface="HGｺﾞｼｯｸM" panose="020B0609000000000000" pitchFamily="49" charset="-128"/>
+              </a:rPr>
+              <a:t>チームリーダー</a:t>
+            </a:r>
+            <a:endParaRPr lang="en-US" altLang="ja-JP" dirty="0">
+              <a:latin typeface="HGｺﾞｼｯｸM" panose="020B0609000000000000" pitchFamily="49" charset="-128"/>
+              <a:ea typeface="HGｺﾞｼｯｸM" panose="020B0609000000000000" pitchFamily="49" charset="-128"/>
+            </a:endParaRPr>
+          </a:p>
+          <a:p>
+            <a:pPr>
+              <a:buClr>
+                <a:schemeClr val="accent2">
+                  <a:lumMod val="75000"/>
+                </a:schemeClr>
+              </a:buClr>
+            </a:pPr>
+            <a:r>
+              <a:rPr kumimoji="1" lang="en-US" altLang="ja-JP" dirty="0">
+                <a:latin typeface="HGｺﾞｼｯｸM" panose="020B0609000000000000" pitchFamily="49" charset="-128"/>
+                <a:ea typeface="HGｺﾞｼｯｸM" panose="020B0609000000000000" pitchFamily="49" charset="-128"/>
+              </a:rPr>
+              <a:t>Java</a:t>
+            </a:r>
+            <a:r>
+              <a:rPr kumimoji="1" lang="ja-JP" altLang="en-US" dirty="0">
+                <a:latin typeface="HGｺﾞｼｯｸM" panose="020B0609000000000000" pitchFamily="49" charset="-128"/>
+                <a:ea typeface="HGｺﾞｼｯｸM" panose="020B0609000000000000" pitchFamily="49" charset="-128"/>
+              </a:rPr>
+              <a:t>、</a:t>
+            </a:r>
+            <a:r>
+              <a:rPr lang="en-US" altLang="ja-JP" dirty="0">
+                <a:latin typeface="HGｺﾞｼｯｸM" panose="020B0609000000000000" pitchFamily="49" charset="-128"/>
+                <a:ea typeface="HGｺﾞｼｯｸM" panose="020B0609000000000000" pitchFamily="49" charset="-128"/>
+              </a:rPr>
+              <a:t>JavaScript</a:t>
+            </a:r>
+            <a:endParaRPr lang="en-US" altLang="ja-JP" dirty="0"/>
+          </a:p>
+          <a:p>
+            <a:pPr marL="0" indent="0">
+              <a:buNone/>
+            </a:pPr>
+            <a:r>
+              <a:rPr kumimoji="1" lang="ja-JP" altLang="en-US" dirty="0">
+                <a:latin typeface="HGｺﾞｼｯｸE" panose="020B0909000000000000" pitchFamily="49" charset="-128"/>
+                <a:ea typeface="HGｺﾞｼｯｸE" panose="020B0909000000000000" pitchFamily="49" charset="-128"/>
+              </a:rPr>
+              <a:t>苦労した点</a:t>
+            </a:r>
+            <a:endParaRPr kumimoji="1" lang="en-US" altLang="ja-JP" dirty="0">
+              <a:latin typeface="HGｺﾞｼｯｸE" panose="020B0909000000000000" pitchFamily="49" charset="-128"/>
+              <a:ea typeface="HGｺﾞｼｯｸE" panose="020B0909000000000000" pitchFamily="49" charset="-128"/>
+            </a:endParaRPr>
+          </a:p>
+          <a:p>
+            <a:pPr>
+              <a:buClr>
+                <a:schemeClr val="accent2">
+                  <a:lumMod val="75000"/>
+                </a:schemeClr>
+              </a:buClr>
+            </a:pPr>
+            <a:r>
+              <a:rPr lang="ja-JP" altLang="en-US" dirty="0">
+                <a:latin typeface="HGｺﾞｼｯｸM" panose="020B0609000000000000" pitchFamily="49" charset="-128"/>
+                <a:ea typeface="HGｺﾞｼｯｸM" panose="020B0609000000000000" pitchFamily="49" charset="-128"/>
+              </a:rPr>
+              <a:t>計画を立て、メンバーに仕事を割り振ること</a:t>
+            </a:r>
+            <a:endParaRPr lang="en-US" altLang="ja-JP" dirty="0">
+              <a:latin typeface="HGｺﾞｼｯｸM" panose="020B0609000000000000" pitchFamily="49" charset="-128"/>
+              <a:ea typeface="HGｺﾞｼｯｸM" panose="020B0609000000000000" pitchFamily="49" charset="-128"/>
+            </a:endParaRPr>
+          </a:p>
+          <a:p>
+            <a:pPr>
+              <a:buClr>
+                <a:schemeClr val="accent2">
+                  <a:lumMod val="75000"/>
+                </a:schemeClr>
+              </a:buClr>
+            </a:pPr>
+            <a:r>
+              <a:rPr lang="ja-JP" altLang="en-US" dirty="0">
+                <a:latin typeface="HGｺﾞｼｯｸM" panose="020B0609000000000000" pitchFamily="49" charset="-128"/>
+                <a:ea typeface="HGｺﾞｼｯｸM" panose="020B0609000000000000" pitchFamily="49" charset="-128"/>
+              </a:rPr>
+              <a:t>各メンバーの進捗確認</a:t>
+            </a:r>
+            <a:endParaRPr lang="en-US" altLang="ja-JP" dirty="0">
+              <a:latin typeface="HGｺﾞｼｯｸM" panose="020B0609000000000000" pitchFamily="49" charset="-128"/>
+              <a:ea typeface="HGｺﾞｼｯｸM" panose="020B0609000000000000" pitchFamily="49" charset="-128"/>
+            </a:endParaRPr>
+          </a:p>
+          <a:p>
+            <a:pPr>
+              <a:buClr>
+                <a:schemeClr val="accent2">
+                  <a:lumMod val="75000"/>
+                </a:schemeClr>
+              </a:buClr>
+            </a:pPr>
+            <a:r>
+              <a:rPr lang="ja-JP" altLang="en-US" dirty="0">
+                <a:latin typeface="HGｺﾞｼｯｸM" panose="020B0609000000000000" pitchFamily="49" charset="-128"/>
+                <a:ea typeface="HGｺﾞｼｯｸM" panose="020B0609000000000000" pitchFamily="49" charset="-128"/>
+              </a:rPr>
+              <a:t>習っていなかった</a:t>
+            </a:r>
+            <a:r>
+              <a:rPr lang="en-US" altLang="ja-JP" dirty="0">
+                <a:latin typeface="HGｺﾞｼｯｸM" panose="020B0609000000000000" pitchFamily="49" charset="-128"/>
+                <a:ea typeface="HGｺﾞｼｯｸM" panose="020B0609000000000000" pitchFamily="49" charset="-128"/>
+              </a:rPr>
+              <a:t>JavaScript</a:t>
+            </a:r>
+            <a:r>
+              <a:rPr lang="ja-JP" altLang="en-US" dirty="0">
+                <a:latin typeface="HGｺﾞｼｯｸM" panose="020B0609000000000000" pitchFamily="49" charset="-128"/>
+                <a:ea typeface="HGｺﾞｼｯｸM" panose="020B0609000000000000" pitchFamily="49" charset="-128"/>
+              </a:rPr>
+              <a:t>の技術</a:t>
+            </a:r>
+            <a:endParaRPr kumimoji="1" lang="en-US" altLang="ja-JP" dirty="0">
+              <a:latin typeface="HGｺﾞｼｯｸM" panose="020B0609000000000000" pitchFamily="49" charset="-128"/>
+              <a:ea typeface="HGｺﾞｼｯｸM" panose="020B0609000000000000" pitchFamily="49" charset="-128"/>
+            </a:endParaRPr>
+          </a:p>
+          <a:p>
+            <a:pPr marL="0" indent="0">
+              <a:buNone/>
+            </a:pPr>
+            <a:r>
+              <a:rPr kumimoji="1" lang="ja-JP" altLang="en-US" dirty="0">
+                <a:latin typeface="HGｺﾞｼｯｸE" panose="020B0909000000000000" pitchFamily="49" charset="-128"/>
+                <a:ea typeface="HGｺﾞｼｯｸE" panose="020B0909000000000000" pitchFamily="49" charset="-128"/>
+              </a:rPr>
+              <a:t>成果</a:t>
+            </a:r>
+            <a:endParaRPr kumimoji="1" lang="en-US" altLang="ja-JP" dirty="0">
+              <a:latin typeface="HGｺﾞｼｯｸE" panose="020B0909000000000000" pitchFamily="49" charset="-128"/>
+              <a:ea typeface="HGｺﾞｼｯｸE" panose="020B0909000000000000" pitchFamily="49" charset="-128"/>
+            </a:endParaRPr>
+          </a:p>
+          <a:p>
+            <a:pPr>
+              <a:buClr>
+                <a:schemeClr val="accent2">
+                  <a:lumMod val="75000"/>
+                </a:schemeClr>
+              </a:buClr>
+            </a:pPr>
+            <a:r>
+              <a:rPr kumimoji="1" lang="ja-JP" altLang="en-US" dirty="0">
+                <a:latin typeface="HGｺﾞｼｯｸM" panose="020B0609000000000000" pitchFamily="49" charset="-128"/>
+                <a:ea typeface="HGｺﾞｼｯｸM" panose="020B0609000000000000" pitchFamily="49" charset="-128"/>
+              </a:rPr>
+              <a:t>チームマネジメントの経験を積むことができた</a:t>
+            </a:r>
+            <a:endParaRPr kumimoji="1" lang="en-US" altLang="ja-JP" dirty="0">
+              <a:latin typeface="HGｺﾞｼｯｸM" panose="020B0609000000000000" pitchFamily="49" charset="-128"/>
+              <a:ea typeface="HGｺﾞｼｯｸM" panose="020B0609000000000000" pitchFamily="49" charset="-128"/>
+            </a:endParaRPr>
+          </a:p>
+          <a:p>
+            <a:pPr>
+              <a:buClr>
+                <a:schemeClr val="accent2">
+                  <a:lumMod val="75000"/>
+                </a:schemeClr>
+              </a:buClr>
+            </a:pPr>
+            <a:r>
+              <a:rPr kumimoji="1" lang="ja-JP" altLang="en-US" dirty="0">
+                <a:latin typeface="HGｺﾞｼｯｸM" panose="020B0609000000000000" pitchFamily="49" charset="-128"/>
+                <a:ea typeface="HGｺﾞｼｯｸM" panose="020B0609000000000000" pitchFamily="49" charset="-128"/>
+              </a:rPr>
+              <a:t>新しい技術（</a:t>
+            </a:r>
+            <a:r>
+              <a:rPr kumimoji="1" lang="en-US" altLang="ja-JP" dirty="0">
+                <a:latin typeface="HGｺﾞｼｯｸM" panose="020B0609000000000000" pitchFamily="49" charset="-128"/>
+                <a:ea typeface="HGｺﾞｼｯｸM" panose="020B0609000000000000" pitchFamily="49" charset="-128"/>
+              </a:rPr>
+              <a:t>JavaScript</a:t>
+            </a:r>
+            <a:r>
+              <a:rPr kumimoji="1" lang="ja-JP" altLang="en-US" dirty="0">
+                <a:latin typeface="HGｺﾞｼｯｸM" panose="020B0609000000000000" pitchFamily="49" charset="-128"/>
+                <a:ea typeface="HGｺﾞｼｯｸM" panose="020B0609000000000000" pitchFamily="49" charset="-128"/>
+              </a:rPr>
+              <a:t>等）を知ることができた</a:t>
+            </a:r>
+            <a:endParaRPr kumimoji="1" lang="en-US" altLang="ja-JP" dirty="0">
+              <a:latin typeface="HGｺﾞｼｯｸM" panose="020B0609000000000000" pitchFamily="49" charset="-128"/>
+              <a:ea typeface="HGｺﾞｼｯｸM" panose="020B0609000000000000" pitchFamily="49" charset="-128"/>
+            </a:endParaRPr>
+          </a:p>
+          <a:p>
+            <a:pPr>
+              <a:buClr>
+                <a:srgbClr val="FFA333"/>
+              </a:buClr>
+            </a:pPr>
+            <a:endParaRPr kumimoji="1" lang="ja-JP" altLang="en-US" dirty="0">
+              <a:latin typeface="HGｺﾞｼｯｸM" panose="020B0609000000000000" pitchFamily="49" charset="-128"/>
+              <a:ea typeface="HGｺﾞｼｯｸM" panose="020B0609000000000000" pitchFamily="49" charset="-128"/>
+            </a:endParaRPr>
+          </a:p>
+        </p:txBody>
+      </p:sp>
+      <p:sp>
+        <p:nvSpPr>
+          <p:cNvPr id="4" name="四角形: 角を丸くする 3">
+            <a:extLst>
+              <a:ext uri="{FF2B5EF4-FFF2-40B4-BE49-F238E27FC236}">
+                <a16:creationId xmlns:a16="http://schemas.microsoft.com/office/drawing/2014/main" id="{AF247C9C-C3E7-2294-3EBC-27311E4FB740}"/>
+              </a:ext>
+            </a:extLst>
+          </p:cNvPr>
+          <p:cNvSpPr/>
+          <p:nvPr/>
+        </p:nvSpPr>
+        <p:spPr>
+          <a:xfrm>
+            <a:off x="838200" y="195943"/>
+            <a:ext cx="10515600" cy="1209519"/>
+          </a:xfrm>
+          <a:prstGeom prst="roundRect">
+            <a:avLst/>
+          </a:prstGeom>
+          <a:solidFill>
+            <a:srgbClr val="FFA333"/>
+          </a:solidFill>
+          <a:ln w="38100">
+            <a:noFill/>
+          </a:ln>
+        </p:spPr>
+        <p:style>
+          <a:lnRef idx="2">
+            <a:schemeClr val="accent1">
+              <a:shade val="50000"/>
+            </a:schemeClr>
+          </a:lnRef>
+          <a:fillRef idx="1">
+            <a:schemeClr val="accent1"/>
+          </a:fillRef>
+          <a:effectRef idx="0">
+            <a:schemeClr val="accent1"/>
+          </a:effectRef>
+          <a:fontRef idx="minor">
+            <a:schemeClr val="lt1"/>
+          </a:fontRef>
+        </p:style>
+        <p:txBody>
+          <a:bodyPr rtlCol="0" anchor="ctr"/>
+          <a:lstStyle/>
+          <a:p>
+            <a:pPr marL="0" marR="0" lvl="0" indent="0" algn="l" defTabSz="914400" rtl="0" eaLnBrk="1" fontAlgn="auto" latinLnBrk="0" hangingPunct="1">
+              <a:lnSpc>
+                <a:spcPct val="100000"/>
+              </a:lnSpc>
+              <a:spcBef>
+                <a:spcPts val="0"/>
+              </a:spcBef>
+              <a:spcAft>
+                <a:spcPts val="0"/>
+              </a:spcAft>
+              <a:buClrTx/>
+              <a:buSzTx/>
+              <a:buFontTx/>
+              <a:buNone/>
+              <a:tabLst/>
+              <a:defRPr/>
+            </a:pPr>
+            <a:r>
+              <a:rPr lang="ja-JP" altLang="en-US" sz="4400" dirty="0">
+                <a:solidFill>
+                  <a:prstClr val="white"/>
+                </a:solidFill>
+                <a:latin typeface="HGｺﾞｼｯｸE" panose="020B0909000000000000" pitchFamily="49" charset="-128"/>
+                <a:ea typeface="HGｺﾞｼｯｸE" panose="020B0909000000000000" pitchFamily="49" charset="-128"/>
+              </a:rPr>
+              <a:t>髙林 隼仁</a:t>
+            </a:r>
+            <a:endParaRPr lang="en-US" altLang="ja-JP" sz="4400" dirty="0">
+              <a:solidFill>
+                <a:prstClr val="white"/>
+              </a:solidFill>
+              <a:latin typeface="HGｺﾞｼｯｸE" panose="020B0909000000000000" pitchFamily="49" charset="-128"/>
+              <a:ea typeface="HGｺﾞｼｯｸE" panose="020B0909000000000000" pitchFamily="49" charset="-128"/>
+            </a:endParaRPr>
+          </a:p>
+          <a:p>
+            <a:pPr lvl="0">
+              <a:defRPr/>
+            </a:pPr>
+            <a:r>
+              <a:rPr lang="ja-JP" altLang="en-US" sz="3600" dirty="0">
+                <a:solidFill>
+                  <a:prstClr val="white"/>
+                </a:solidFill>
+                <a:latin typeface="HGｺﾞｼｯｸE" panose="020B0909000000000000" pitchFamily="49" charset="-128"/>
+                <a:ea typeface="HGｺﾞｼｯｸE" panose="020B0909000000000000" pitchFamily="49" charset="-128"/>
+              </a:rPr>
+              <a:t>（知識工学株式会社</a:t>
+            </a:r>
+            <a:r>
+              <a:rPr kumimoji="1" lang="ja-JP" altLang="en-US" sz="3600" b="0" i="0" u="none" strike="noStrike" kern="1200" cap="none" spc="0" normalizeH="0" baseline="0" noProof="0" dirty="0">
+                <a:ln>
+                  <a:noFill/>
+                </a:ln>
+                <a:solidFill>
+                  <a:prstClr val="white"/>
+                </a:solidFill>
+                <a:effectLst/>
+                <a:uLnTx/>
+                <a:uFillTx/>
+                <a:latin typeface="HGｺﾞｼｯｸE" panose="020B0909000000000000" pitchFamily="49" charset="-128"/>
+                <a:ea typeface="HGｺﾞｼｯｸE" panose="020B0909000000000000" pitchFamily="49" charset="-128"/>
+                <a:cs typeface="+mn-cs"/>
+              </a:rPr>
+              <a:t>）</a:t>
+            </a:r>
+          </a:p>
+        </p:txBody>
+      </p:sp>
+    </p:spTree>
+    <p:extLst>
+      <p:ext uri="{BB962C8B-B14F-4D97-AF65-F5344CB8AC3E}">
+        <p14:creationId xmlns:p14="http://schemas.microsoft.com/office/powerpoint/2010/main" val="3087343357"/>
+      </p:ext>
+    </p:extLst>
+  </p:cSld>
+  <p:clrMapOvr>
+    <a:masterClrMapping/>
+  </p:clrMapOvr>
+</p:sld>
+</file>
+
 <file path=ppt/slides/slide19.xml><?xml version="1.0" encoding="utf-8"?>
 <p:sld xmlns:a="http://schemas.openxmlformats.org/drawingml/2006/main" xmlns:r="http://schemas.openxmlformats.org/officeDocument/2006/relationships" xmlns:p="http://schemas.openxmlformats.org/presentationml/2006/main">
   <p:cSld>
@@ -8131,72 +8653,6 @@
       </p:grpSpPr>
       <p:sp>
         <p:nvSpPr>
-          <p:cNvPr id="2" name="タイトル 1">
-            <a:extLst>
-              <a:ext uri="{FF2B5EF4-FFF2-40B4-BE49-F238E27FC236}">
-                <a16:creationId xmlns:a16="http://schemas.microsoft.com/office/drawing/2014/main" id="{693A6AA4-E421-2B25-F07B-E8469B9F6618}"/>
-              </a:ext>
-            </a:extLst>
-          </p:cNvPr>
-          <p:cNvSpPr>
-            <a:spLocks noGrp="1"/>
-          </p:cNvSpPr>
-          <p:nvPr>
-            <p:ph type="title"/>
-          </p:nvPr>
-        </p:nvSpPr>
-        <p:spPr>
-          <a:solidFill>
-            <a:schemeClr val="accent2">
-              <a:lumMod val="75000"/>
-            </a:schemeClr>
-          </a:solidFill>
-        </p:spPr>
-        <p:txBody>
-          <a:bodyPr/>
-          <a:lstStyle/>
-          <a:p>
-            <a:r>
-              <a:rPr lang="ja-JP" altLang="en-US" dirty="0">
-                <a:solidFill>
-                  <a:schemeClr val="bg1"/>
-                </a:solidFill>
-                <a:latin typeface="HGS創英角ｺﾞｼｯｸUB" panose="020B0900000000000000" pitchFamily="50" charset="-128"/>
-                <a:ea typeface="HGS創英角ｺﾞｼｯｸUB" panose="020B0900000000000000" pitchFamily="50" charset="-128"/>
-              </a:rPr>
-              <a:t>名前</a:t>
-            </a:r>
-            <a:br>
-              <a:rPr lang="en-US" altLang="ja-JP" dirty="0">
-                <a:solidFill>
-                  <a:schemeClr val="bg1"/>
-                </a:solidFill>
-                <a:latin typeface="HGS創英角ｺﾞｼｯｸUB" panose="020B0900000000000000" pitchFamily="50" charset="-128"/>
-                <a:ea typeface="HGS創英角ｺﾞｼｯｸUB" panose="020B0900000000000000" pitchFamily="50" charset="-128"/>
-              </a:rPr>
-            </a:br>
-            <a:r>
-              <a:rPr lang="ja-JP" altLang="en-US" sz="3600" dirty="0">
-                <a:solidFill>
-                  <a:schemeClr val="bg1"/>
-                </a:solidFill>
-                <a:latin typeface="HGS創英角ｺﾞｼｯｸUB" panose="020B0900000000000000" pitchFamily="50" charset="-128"/>
-                <a:ea typeface="HGS創英角ｺﾞｼｯｸUB" panose="020B0900000000000000" pitchFamily="50" charset="-128"/>
-              </a:rPr>
-              <a:t>（会社名）</a:t>
-            </a:r>
-            <a:endParaRPr lang="ja-JP" altLang="en-US" dirty="0">
-              <a:solidFill>
-                <a:schemeClr val="bg1"/>
-              </a:solidFill>
-              <a:latin typeface="HGS創英角ｺﾞｼｯｸUB" panose="020B0900000000000000" pitchFamily="50" charset="-128"/>
-              <a:ea typeface="HGS創英角ｺﾞｼｯｸUB" panose="020B0900000000000000" pitchFamily="50" charset="-128"/>
-            </a:endParaRPr>
-          </a:p>
-        </p:txBody>
-      </p:sp>
-      <p:sp>
-        <p:nvSpPr>
           <p:cNvPr id="3" name="コンテンツ プレースホルダー 2">
             <a:extLst>
               <a:ext uri="{FF2B5EF4-FFF2-40B4-BE49-F238E27FC236}">
@@ -8225,60 +8681,363 @@
               <a:buNone/>
             </a:pPr>
             <a:r>
-              <a:rPr kumimoji="1" lang="ja-JP" altLang="en-US" dirty="0"/>
+              <a:rPr kumimoji="1" lang="ja-JP" altLang="en-US" dirty="0">
+                <a:latin typeface="HGｺﾞｼｯｸE" panose="020B0909000000000000" pitchFamily="49" charset="-128"/>
+                <a:ea typeface="HGｺﾞｼｯｸE" panose="020B0909000000000000" pitchFamily="49" charset="-128"/>
+              </a:rPr>
               <a:t>担当</a:t>
             </a:r>
-            <a:endParaRPr kumimoji="1" lang="en-US" altLang="ja-JP" dirty="0"/>
+            <a:endParaRPr lang="en-US" altLang="ja-JP" dirty="0">
+              <a:latin typeface="HGｺﾞｼｯｸE" panose="020B0909000000000000" pitchFamily="49" charset="-128"/>
+              <a:ea typeface="HGｺﾞｼｯｸE" panose="020B0909000000000000" pitchFamily="49" charset="-128"/>
+            </a:endParaRPr>
+          </a:p>
+          <a:p>
+            <a:pPr>
+              <a:buClr>
+                <a:schemeClr val="accent2">
+                  <a:lumMod val="75000"/>
+                </a:schemeClr>
+              </a:buClr>
+            </a:pPr>
+            <a:r>
+              <a:rPr kumimoji="1" lang="en-US" altLang="ja-JP" dirty="0">
+                <a:latin typeface="HGｺﾞｼｯｸM" panose="020B0609000000000000" pitchFamily="49" charset="-128"/>
+                <a:ea typeface="HGｺﾞｼｯｸM" panose="020B0609000000000000" pitchFamily="49" charset="-128"/>
+              </a:rPr>
+              <a:t>DBA</a:t>
+            </a:r>
+            <a:r>
+              <a:rPr kumimoji="1" lang="ja-JP" altLang="en-US" dirty="0">
+                <a:latin typeface="HGｺﾞｼｯｸM" panose="020B0609000000000000" pitchFamily="49" charset="-128"/>
+                <a:ea typeface="HGｺﾞｼｯｸM" panose="020B0609000000000000" pitchFamily="49" charset="-128"/>
+              </a:rPr>
+              <a:t>担当</a:t>
+            </a:r>
+            <a:endParaRPr kumimoji="1" lang="en-US" altLang="ja-JP" dirty="0">
+              <a:latin typeface="HGｺﾞｼｯｸM" panose="020B0609000000000000" pitchFamily="49" charset="-128"/>
+              <a:ea typeface="HGｺﾞｼｯｸM" panose="020B0609000000000000" pitchFamily="49" charset="-128"/>
+            </a:endParaRPr>
+          </a:p>
+          <a:p>
+            <a:pPr>
+              <a:buClr>
+                <a:schemeClr val="accent2">
+                  <a:lumMod val="75000"/>
+                </a:schemeClr>
+              </a:buClr>
+            </a:pPr>
+            <a:r>
+              <a:rPr lang="en-US" altLang="ja-JP" dirty="0">
+                <a:latin typeface="HGｺﾞｼｯｸM" panose="020B0609000000000000" pitchFamily="49" charset="-128"/>
+                <a:ea typeface="HGｺﾞｼｯｸM" panose="020B0609000000000000" pitchFamily="49" charset="-128"/>
+              </a:rPr>
+              <a:t>DAO</a:t>
+            </a:r>
+            <a:r>
+              <a:rPr lang="ja-JP" altLang="en-US" dirty="0">
+                <a:latin typeface="HGｺﾞｼｯｸM" panose="020B0609000000000000" pitchFamily="49" charset="-128"/>
+                <a:ea typeface="HGｺﾞｼｯｸM" panose="020B0609000000000000" pitchFamily="49" charset="-128"/>
+              </a:rPr>
+              <a:t>の作成</a:t>
+            </a:r>
+            <a:endParaRPr lang="en-US" altLang="ja-JP" dirty="0">
+              <a:latin typeface="HGｺﾞｼｯｸM" panose="020B0609000000000000" pitchFamily="49" charset="-128"/>
+              <a:ea typeface="HGｺﾞｼｯｸM" panose="020B0609000000000000" pitchFamily="49" charset="-128"/>
+            </a:endParaRPr>
+          </a:p>
+          <a:p>
+            <a:pPr>
+              <a:buClr>
+                <a:schemeClr val="accent2">
+                  <a:lumMod val="75000"/>
+                </a:schemeClr>
+              </a:buClr>
+            </a:pPr>
+            <a:r>
+              <a:rPr lang="en-US" altLang="ja-JP" dirty="0">
+                <a:latin typeface="HGｺﾞｼｯｸM" panose="020B0609000000000000" pitchFamily="49" charset="-128"/>
+                <a:ea typeface="HGｺﾞｼｯｸM" panose="020B0609000000000000" pitchFamily="49" charset="-128"/>
+              </a:rPr>
+              <a:t>JavaScript</a:t>
+            </a:r>
+            <a:r>
+              <a:rPr lang="ja-JP" altLang="en-US" dirty="0">
+                <a:latin typeface="HGｺﾞｼｯｸM" panose="020B0609000000000000" pitchFamily="49" charset="-128"/>
+                <a:ea typeface="HGｺﾞｼｯｸM" panose="020B0609000000000000" pitchFamily="49" charset="-128"/>
+              </a:rPr>
+              <a:t>の機能</a:t>
+            </a:r>
+            <a:endParaRPr lang="en-US" altLang="ja-JP" dirty="0">
+              <a:latin typeface="HGｺﾞｼｯｸM" panose="020B0609000000000000" pitchFamily="49" charset="-128"/>
+              <a:ea typeface="HGｺﾞｼｯｸM" panose="020B0609000000000000" pitchFamily="49" charset="-128"/>
+            </a:endParaRPr>
           </a:p>
           <a:p>
             <a:pPr marL="0" indent="0">
               <a:buNone/>
             </a:pPr>
-            <a:endParaRPr kumimoji="1" lang="en-US" altLang="ja-JP" dirty="0"/>
+            <a:r>
+              <a:rPr kumimoji="1" lang="ja-JP" altLang="en-US" dirty="0">
+                <a:latin typeface="HGｺﾞｼｯｸE" panose="020B0909000000000000" pitchFamily="49" charset="-128"/>
+                <a:ea typeface="HGｺﾞｼｯｸE" panose="020B0909000000000000" pitchFamily="49" charset="-128"/>
+              </a:rPr>
+              <a:t>苦労した点</a:t>
+            </a:r>
+            <a:endParaRPr kumimoji="1" lang="en-US" altLang="ja-JP" dirty="0">
+              <a:latin typeface="HGｺﾞｼｯｸE" panose="020B0909000000000000" pitchFamily="49" charset="-128"/>
+              <a:ea typeface="HGｺﾞｼｯｸE" panose="020B0909000000000000" pitchFamily="49" charset="-128"/>
+            </a:endParaRPr>
+          </a:p>
+          <a:p>
+            <a:pPr>
+              <a:buClr>
+                <a:schemeClr val="accent2">
+                  <a:lumMod val="75000"/>
+                </a:schemeClr>
+              </a:buClr>
+            </a:pPr>
+            <a:r>
+              <a:rPr lang="en-US" altLang="ja-JP" dirty="0">
+                <a:latin typeface="HGｺﾞｼｯｸM" panose="020B0609000000000000" pitchFamily="49" charset="-128"/>
+                <a:ea typeface="HGｺﾞｼｯｸM" panose="020B0609000000000000" pitchFamily="49" charset="-128"/>
+              </a:rPr>
+              <a:t>JavaScript</a:t>
+            </a:r>
+            <a:r>
+              <a:rPr lang="ja-JP" altLang="en-US" dirty="0">
+                <a:latin typeface="HGｺﾞｼｯｸM" panose="020B0609000000000000" pitchFamily="49" charset="-128"/>
+                <a:ea typeface="HGｺﾞｼｯｸM" panose="020B0609000000000000" pitchFamily="49" charset="-128"/>
+              </a:rPr>
+              <a:t>の作成</a:t>
+            </a:r>
+            <a:endParaRPr lang="en-US" altLang="ja-JP" dirty="0">
+              <a:latin typeface="HGｺﾞｼｯｸM" panose="020B0609000000000000" pitchFamily="49" charset="-128"/>
+              <a:ea typeface="HGｺﾞｼｯｸM" panose="020B0609000000000000" pitchFamily="49" charset="-128"/>
+            </a:endParaRPr>
           </a:p>
           <a:p>
             <a:pPr marL="0" indent="0">
               <a:buNone/>
             </a:pPr>
-            <a:endParaRPr lang="en-US" altLang="ja-JP" dirty="0"/>
+            <a:r>
+              <a:rPr lang="ja-JP" altLang="en-US" dirty="0">
+                <a:latin typeface="HGｺﾞｼｯｸM" panose="020B0609000000000000" pitchFamily="49" charset="-128"/>
+                <a:ea typeface="HGｺﾞｼｯｸM" panose="020B0609000000000000" pitchFamily="49" charset="-128"/>
+              </a:rPr>
+              <a:t>　→ミッションボタン、デザインの違うアラート機能</a:t>
+            </a:r>
+            <a:r>
+              <a:rPr lang="en-US" altLang="ja-JP" dirty="0" err="1">
+                <a:latin typeface="HGｺﾞｼｯｸM" panose="020B0609000000000000" pitchFamily="49" charset="-128"/>
+                <a:ea typeface="HGｺﾞｼｯｸM" panose="020B0609000000000000" pitchFamily="49" charset="-128"/>
+              </a:rPr>
+              <a:t>etc</a:t>
+            </a:r>
+            <a:endParaRPr kumimoji="1" lang="en-US" altLang="ja-JP" dirty="0">
+              <a:latin typeface="HGｺﾞｼｯｸM" panose="020B0609000000000000" pitchFamily="49" charset="-128"/>
+              <a:ea typeface="HGｺﾞｼｯｸM" panose="020B0609000000000000" pitchFamily="49" charset="-128"/>
+            </a:endParaRPr>
           </a:p>
           <a:p>
             <a:pPr marL="0" indent="0">
               <a:buNone/>
             </a:pPr>
             <a:r>
-              <a:rPr kumimoji="1" lang="ja-JP" altLang="en-US" dirty="0"/>
-              <a:t>苦労した点</a:t>
-            </a:r>
-            <a:endParaRPr kumimoji="1" lang="en-US" altLang="ja-JP" dirty="0"/>
-          </a:p>
-          <a:p>
-            <a:pPr marL="0" indent="0">
+              <a:rPr kumimoji="1" lang="ja-JP" altLang="en-US" dirty="0">
+                <a:latin typeface="HGｺﾞｼｯｸE" panose="020B0909000000000000" pitchFamily="49" charset="-128"/>
+                <a:ea typeface="HGｺﾞｼｯｸE" panose="020B0909000000000000" pitchFamily="49" charset="-128"/>
+              </a:rPr>
+              <a:t>成果</a:t>
+            </a:r>
+            <a:endParaRPr kumimoji="1" lang="en-US" altLang="ja-JP" dirty="0">
+              <a:latin typeface="HGｺﾞｼｯｸE" panose="020B0909000000000000" pitchFamily="49" charset="-128"/>
+              <a:ea typeface="HGｺﾞｼｯｸE" panose="020B0909000000000000" pitchFamily="49" charset="-128"/>
+            </a:endParaRPr>
+          </a:p>
+          <a:p>
+            <a:pPr>
+              <a:buClr>
+                <a:schemeClr val="accent2">
+                  <a:lumMod val="75000"/>
+                </a:schemeClr>
+              </a:buClr>
+            </a:pPr>
+            <a:r>
+              <a:rPr kumimoji="1" lang="ja-JP" altLang="en-US" dirty="0">
+                <a:latin typeface="HGｺﾞｼｯｸM" panose="020B0609000000000000" pitchFamily="49" charset="-128"/>
+                <a:ea typeface="HGｺﾞｼｯｸM" panose="020B0609000000000000" pitchFamily="49" charset="-128"/>
+              </a:rPr>
+              <a:t>新たに</a:t>
+            </a:r>
+            <a:r>
+              <a:rPr kumimoji="1" lang="en-US" altLang="ja-JP" dirty="0">
+                <a:latin typeface="HGｺﾞｼｯｸM" panose="020B0609000000000000" pitchFamily="49" charset="-128"/>
+                <a:ea typeface="HGｺﾞｼｯｸM" panose="020B0609000000000000" pitchFamily="49" charset="-128"/>
+              </a:rPr>
+              <a:t>JavaScript</a:t>
+            </a:r>
+            <a:r>
+              <a:rPr kumimoji="1" lang="ja-JP" altLang="en-US" dirty="0">
+                <a:latin typeface="HGｺﾞｼｯｸM" panose="020B0609000000000000" pitchFamily="49" charset="-128"/>
+                <a:ea typeface="HGｺﾞｼｯｸM" panose="020B0609000000000000" pitchFamily="49" charset="-128"/>
+              </a:rPr>
+              <a:t>の機能を習得できた</a:t>
+            </a:r>
+          </a:p>
+        </p:txBody>
+      </p:sp>
+      <p:sp>
+        <p:nvSpPr>
+          <p:cNvPr id="4" name="四角形: 角を丸くする 3">
+            <a:extLst>
+              <a:ext uri="{FF2B5EF4-FFF2-40B4-BE49-F238E27FC236}">
+                <a16:creationId xmlns:a16="http://schemas.microsoft.com/office/drawing/2014/main" id="{AF247C9C-C3E7-2294-3EBC-27311E4FB740}"/>
+              </a:ext>
+            </a:extLst>
+          </p:cNvPr>
+          <p:cNvSpPr/>
+          <p:nvPr/>
+        </p:nvSpPr>
+        <p:spPr>
+          <a:xfrm>
+            <a:off x="838200" y="325367"/>
+            <a:ext cx="10515600" cy="1325563"/>
+          </a:xfrm>
+          <a:prstGeom prst="roundRect">
+            <a:avLst/>
+          </a:prstGeom>
+          <a:solidFill>
+            <a:srgbClr val="FFA333"/>
+          </a:solidFill>
+          <a:ln w="38100">
+            <a:noFill/>
+          </a:ln>
+        </p:spPr>
+        <p:style>
+          <a:lnRef idx="2">
+            <a:schemeClr val="accent1">
+              <a:shade val="50000"/>
+            </a:schemeClr>
+          </a:lnRef>
+          <a:fillRef idx="1">
+            <a:schemeClr val="accent1"/>
+          </a:fillRef>
+          <a:effectRef idx="0">
+            <a:schemeClr val="accent1"/>
+          </a:effectRef>
+          <a:fontRef idx="minor">
+            <a:schemeClr val="lt1"/>
+          </a:fontRef>
+        </p:style>
+        <p:txBody>
+          <a:bodyPr rtlCol="0" anchor="ctr"/>
+          <a:lstStyle/>
+          <a:p>
+            <a:pPr marL="0" marR="0" lvl="0" indent="0" algn="l" defTabSz="914400" rtl="0" eaLnBrk="1" fontAlgn="auto" latinLnBrk="0" hangingPunct="1">
+              <a:lnSpc>
+                <a:spcPct val="100000"/>
+              </a:lnSpc>
+              <a:spcBef>
+                <a:spcPts val="0"/>
+              </a:spcBef>
+              <a:spcAft>
+                <a:spcPts val="0"/>
+              </a:spcAft>
+              <a:buClrTx/>
+              <a:buSzTx/>
+              <a:buFontTx/>
               <a:buNone/>
+              <a:tabLst/>
+              <a:defRPr/>
             </a:pPr>
-            <a:endParaRPr lang="en-US" altLang="ja-JP" dirty="0"/>
-          </a:p>
-          <a:p>
-            <a:pPr marL="0" indent="0">
+            <a:r>
+              <a:rPr lang="ja-JP" altLang="en-US" sz="4400" dirty="0">
+                <a:solidFill>
+                  <a:prstClr val="white"/>
+                </a:solidFill>
+                <a:latin typeface="HGｺﾞｼｯｸE" panose="020B0909000000000000" pitchFamily="49" charset="-128"/>
+                <a:ea typeface="HGｺﾞｼｯｸE" panose="020B0909000000000000" pitchFamily="49" charset="-128"/>
+              </a:rPr>
+              <a:t>中尾 順仁</a:t>
+            </a:r>
+            <a:endParaRPr lang="en-US" altLang="ja-JP" sz="4400" dirty="0">
+              <a:solidFill>
+                <a:prstClr val="white"/>
+              </a:solidFill>
+              <a:latin typeface="HGｺﾞｼｯｸE" panose="020B0909000000000000" pitchFamily="49" charset="-128"/>
+              <a:ea typeface="HGｺﾞｼｯｸE" panose="020B0909000000000000" pitchFamily="49" charset="-128"/>
+            </a:endParaRPr>
+          </a:p>
+          <a:p>
+            <a:pPr marL="0" marR="0" lvl="0" indent="0" algn="l" defTabSz="914400" rtl="0" eaLnBrk="1" fontAlgn="auto" latinLnBrk="0" hangingPunct="1">
+              <a:lnSpc>
+                <a:spcPct val="100000"/>
+              </a:lnSpc>
+              <a:spcBef>
+                <a:spcPts val="0"/>
+              </a:spcBef>
+              <a:spcAft>
+                <a:spcPts val="0"/>
+              </a:spcAft>
+              <a:buClrTx/>
+              <a:buSzTx/>
+              <a:buFontTx/>
               <a:buNone/>
+              <a:tabLst/>
+              <a:defRPr/>
             </a:pPr>
-            <a:endParaRPr kumimoji="1" lang="en-US" altLang="ja-JP" dirty="0"/>
-          </a:p>
-          <a:p>
-            <a:pPr marL="0" indent="0">
-              <a:buNone/>
-            </a:pPr>
-            <a:r>
-              <a:rPr kumimoji="1" lang="ja-JP" altLang="en-US" dirty="0"/>
-              <a:t>成果</a:t>
-            </a:r>
+            <a:r>
+              <a:rPr lang="ja-JP" altLang="en-US" sz="3600" dirty="0">
+                <a:solidFill>
+                  <a:prstClr val="white"/>
+                </a:solidFill>
+                <a:latin typeface="HGｺﾞｼｯｸE" panose="020B0909000000000000" pitchFamily="49" charset="-128"/>
+                <a:ea typeface="HGｺﾞｼｯｸE" panose="020B0909000000000000" pitchFamily="49" charset="-128"/>
+              </a:rPr>
+              <a:t>（株式会社</a:t>
+            </a:r>
+            <a:r>
+              <a:rPr lang="en-US" altLang="ja-JP" sz="3600" dirty="0">
+                <a:solidFill>
+                  <a:prstClr val="white"/>
+                </a:solidFill>
+                <a:latin typeface="HGｺﾞｼｯｸE" panose="020B0909000000000000" pitchFamily="49" charset="-128"/>
+                <a:ea typeface="HGｺﾞｼｯｸE" panose="020B0909000000000000" pitchFamily="49" charset="-128"/>
+              </a:rPr>
+              <a:t>FPG</a:t>
+            </a:r>
+            <a:r>
+              <a:rPr lang="ja-JP" altLang="en-US" sz="3600" dirty="0">
+                <a:solidFill>
+                  <a:prstClr val="white"/>
+                </a:solidFill>
+                <a:latin typeface="HGｺﾞｼｯｸE" panose="020B0909000000000000" pitchFamily="49" charset="-128"/>
+                <a:ea typeface="HGｺﾞｼｯｸE" panose="020B0909000000000000" pitchFamily="49" charset="-128"/>
+              </a:rPr>
+              <a:t>テクノロジー）</a:t>
+            </a:r>
+            <a:endParaRPr kumimoji="1" lang="ja-JP" altLang="en-US" sz="3600" b="0" i="0" u="none" strike="noStrike" kern="1200" cap="none" spc="0" normalizeH="0" baseline="0" noProof="0" dirty="0">
+              <a:ln>
+                <a:noFill/>
+              </a:ln>
+              <a:solidFill>
+                <a:prstClr val="white"/>
+              </a:solidFill>
+              <a:effectLst/>
+              <a:uLnTx/>
+              <a:uFillTx/>
+              <a:latin typeface="HGｺﾞｼｯｸE" panose="020B0909000000000000" pitchFamily="49" charset="-128"/>
+              <a:ea typeface="HGｺﾞｼｯｸE" panose="020B0909000000000000" pitchFamily="49" charset="-128"/>
+              <a:cs typeface="+mn-cs"/>
+            </a:endParaRPr>
           </a:p>
         </p:txBody>
       </p:sp>
     </p:spTree>
     <p:extLst>
       <p:ext uri="{BB962C8B-B14F-4D97-AF65-F5344CB8AC3E}">
-        <p14:creationId xmlns:p14="http://schemas.microsoft.com/office/powerpoint/2010/main" val="1495929086"/>
+        <p14:creationId xmlns:p14="http://schemas.microsoft.com/office/powerpoint/2010/main" val="2710565753"/>
       </p:ext>
     </p:extLst>
   </p:cSld>
@@ -8555,72 +9314,6 @@
       </p:grpSpPr>
       <p:sp>
         <p:nvSpPr>
-          <p:cNvPr id="2" name="タイトル 1">
-            <a:extLst>
-              <a:ext uri="{FF2B5EF4-FFF2-40B4-BE49-F238E27FC236}">
-                <a16:creationId xmlns:a16="http://schemas.microsoft.com/office/drawing/2014/main" id="{693A6AA4-E421-2B25-F07B-E8469B9F6618}"/>
-              </a:ext>
-            </a:extLst>
-          </p:cNvPr>
-          <p:cNvSpPr>
-            <a:spLocks noGrp="1"/>
-          </p:cNvSpPr>
-          <p:nvPr>
-            <p:ph type="title"/>
-          </p:nvPr>
-        </p:nvSpPr>
-        <p:spPr>
-          <a:solidFill>
-            <a:schemeClr val="accent2">
-              <a:lumMod val="75000"/>
-            </a:schemeClr>
-          </a:solidFill>
-        </p:spPr>
-        <p:txBody>
-          <a:bodyPr/>
-          <a:lstStyle/>
-          <a:p>
-            <a:r>
-              <a:rPr lang="ja-JP" altLang="en-US" dirty="0">
-                <a:solidFill>
-                  <a:schemeClr val="bg1"/>
-                </a:solidFill>
-                <a:latin typeface="HGS創英角ｺﾞｼｯｸUB" panose="020B0900000000000000" pitchFamily="50" charset="-128"/>
-                <a:ea typeface="HGS創英角ｺﾞｼｯｸUB" panose="020B0900000000000000" pitchFamily="50" charset="-128"/>
-              </a:rPr>
-              <a:t>名前</a:t>
-            </a:r>
-            <a:br>
-              <a:rPr lang="en-US" altLang="ja-JP" dirty="0">
-                <a:solidFill>
-                  <a:schemeClr val="bg1"/>
-                </a:solidFill>
-                <a:latin typeface="HGS創英角ｺﾞｼｯｸUB" panose="020B0900000000000000" pitchFamily="50" charset="-128"/>
-                <a:ea typeface="HGS創英角ｺﾞｼｯｸUB" panose="020B0900000000000000" pitchFamily="50" charset="-128"/>
-              </a:rPr>
-            </a:br>
-            <a:r>
-              <a:rPr lang="ja-JP" altLang="en-US" sz="3600" dirty="0">
-                <a:solidFill>
-                  <a:schemeClr val="bg1"/>
-                </a:solidFill>
-                <a:latin typeface="HGS創英角ｺﾞｼｯｸUB" panose="020B0900000000000000" pitchFamily="50" charset="-128"/>
-                <a:ea typeface="HGS創英角ｺﾞｼｯｸUB" panose="020B0900000000000000" pitchFamily="50" charset="-128"/>
-              </a:rPr>
-              <a:t>（会社名）</a:t>
-            </a:r>
-            <a:endParaRPr lang="ja-JP" altLang="en-US" dirty="0">
-              <a:solidFill>
-                <a:schemeClr val="bg1"/>
-              </a:solidFill>
-              <a:latin typeface="HGS創英角ｺﾞｼｯｸUB" panose="020B0900000000000000" pitchFamily="50" charset="-128"/>
-              <a:ea typeface="HGS創英角ｺﾞｼｯｸUB" panose="020B0900000000000000" pitchFamily="50" charset="-128"/>
-            </a:endParaRPr>
-          </a:p>
-        </p:txBody>
-      </p:sp>
-      <p:sp>
-        <p:nvSpPr>
           <p:cNvPr id="3" name="コンテンツ プレースホルダー 2">
             <a:extLst>
               <a:ext uri="{FF2B5EF4-FFF2-40B4-BE49-F238E27FC236}">
@@ -8649,60 +9342,272 @@
               <a:buNone/>
             </a:pPr>
             <a:r>
-              <a:rPr kumimoji="1" lang="ja-JP" altLang="en-US" dirty="0"/>
+              <a:rPr kumimoji="1" lang="ja-JP" altLang="en-US" dirty="0">
+                <a:latin typeface="HGｺﾞｼｯｸE" panose="020B0909000000000000" pitchFamily="49" charset="-128"/>
+                <a:ea typeface="HGｺﾞｼｯｸE" panose="020B0909000000000000" pitchFamily="49" charset="-128"/>
+              </a:rPr>
               <a:t>担当</a:t>
             </a:r>
-            <a:endParaRPr kumimoji="1" lang="en-US" altLang="ja-JP" dirty="0"/>
+            <a:endParaRPr kumimoji="1" lang="en-US" altLang="ja-JP" dirty="0">
+              <a:latin typeface="HGｺﾞｼｯｸE" panose="020B0909000000000000" pitchFamily="49" charset="-128"/>
+              <a:ea typeface="HGｺﾞｼｯｸE" panose="020B0909000000000000" pitchFamily="49" charset="-128"/>
+            </a:endParaRPr>
+          </a:p>
+          <a:p>
+            <a:pPr>
+              <a:buClr>
+                <a:schemeClr val="accent2">
+                  <a:lumMod val="75000"/>
+                </a:schemeClr>
+              </a:buClr>
+            </a:pPr>
+            <a:r>
+              <a:rPr kumimoji="1" lang="ja-JP" altLang="en-US" dirty="0">
+                <a:latin typeface="HGｺﾞｼｯｸM" panose="020B0609000000000000" pitchFamily="49" charset="-128"/>
+                <a:ea typeface="HGｺﾞｼｯｸM" panose="020B0609000000000000" pitchFamily="49" charset="-128"/>
+              </a:rPr>
+              <a:t>構成管理担当</a:t>
+            </a:r>
+            <a:endParaRPr lang="en-US" altLang="ja-JP" dirty="0">
+              <a:latin typeface="HGｺﾞｼｯｸM" panose="020B0609000000000000" pitchFamily="49" charset="-128"/>
+              <a:ea typeface="HGｺﾞｼｯｸM" panose="020B0609000000000000" pitchFamily="49" charset="-128"/>
+            </a:endParaRPr>
+          </a:p>
+          <a:p>
+            <a:pPr>
+              <a:buClr>
+                <a:schemeClr val="accent2">
+                  <a:lumMod val="75000"/>
+                </a:schemeClr>
+              </a:buClr>
+            </a:pPr>
+            <a:r>
+              <a:rPr lang="ja-JP" altLang="en-US" dirty="0">
+                <a:latin typeface="HGｺﾞｼｯｸM" panose="020B0609000000000000" pitchFamily="49" charset="-128"/>
+                <a:ea typeface="HGｺﾞｼｯｸM" panose="020B0609000000000000" pitchFamily="49" charset="-128"/>
+              </a:rPr>
+              <a:t>コミュニケーション管理担当</a:t>
+            </a:r>
+            <a:endParaRPr lang="en-US" altLang="ja-JP" dirty="0"/>
           </a:p>
           <a:p>
             <a:pPr marL="0" indent="0">
               <a:buNone/>
             </a:pPr>
-            <a:endParaRPr kumimoji="1" lang="en-US" altLang="ja-JP" dirty="0"/>
+            <a:r>
+              <a:rPr kumimoji="1" lang="ja-JP" altLang="en-US" dirty="0">
+                <a:latin typeface="HGｺﾞｼｯｸE" panose="020B0909000000000000" pitchFamily="49" charset="-128"/>
+                <a:ea typeface="HGｺﾞｼｯｸE" panose="020B0909000000000000" pitchFamily="49" charset="-128"/>
+              </a:rPr>
+              <a:t>苦労した点</a:t>
+            </a:r>
+            <a:endParaRPr lang="en-US" altLang="ja-JP" dirty="0">
+              <a:latin typeface="HGｺﾞｼｯｸE" panose="020B0909000000000000" pitchFamily="49" charset="-128"/>
+              <a:ea typeface="HGｺﾞｼｯｸE" panose="020B0909000000000000" pitchFamily="49" charset="-128"/>
+            </a:endParaRPr>
+          </a:p>
+          <a:p>
+            <a:pPr>
+              <a:buClr>
+                <a:schemeClr val="accent2">
+                  <a:lumMod val="75000"/>
+                </a:schemeClr>
+              </a:buClr>
+            </a:pPr>
+            <a:r>
+              <a:rPr kumimoji="1" lang="ja-JP" altLang="en-US" dirty="0">
+                <a:latin typeface="HGｺﾞｼｯｸM" panose="020B0609000000000000" pitchFamily="49" charset="-128"/>
+                <a:ea typeface="HGｺﾞｼｯｸM" panose="020B0609000000000000" pitchFamily="49" charset="-128"/>
+              </a:rPr>
+              <a:t>デザイン設計と機能設計で分担作業をし</a:t>
+            </a:r>
+            <a:r>
+              <a:rPr lang="ja-JP" altLang="en-US" dirty="0">
+                <a:latin typeface="HGｺﾞｼｯｸM" panose="020B0609000000000000" pitchFamily="49" charset="-128"/>
+                <a:ea typeface="HGｺﾞｼｯｸM" panose="020B0609000000000000" pitchFamily="49" charset="-128"/>
+              </a:rPr>
+              <a:t>た後</a:t>
+            </a:r>
+            <a:br>
+              <a:rPr lang="en-US" altLang="ja-JP" dirty="0">
+                <a:latin typeface="HGｺﾞｼｯｸM" panose="020B0609000000000000" pitchFamily="49" charset="-128"/>
+                <a:ea typeface="HGｺﾞｼｯｸM" panose="020B0609000000000000" pitchFamily="49" charset="-128"/>
+              </a:rPr>
+            </a:br>
+            <a:r>
+              <a:rPr kumimoji="1" lang="ja-JP" altLang="en-US" dirty="0">
+                <a:latin typeface="HGｺﾞｼｯｸM" panose="020B0609000000000000" pitchFamily="49" charset="-128"/>
+                <a:ea typeface="HGｺﾞｼｯｸM" panose="020B0609000000000000" pitchFamily="49" charset="-128"/>
+              </a:rPr>
+              <a:t>結合させる作業。</a:t>
+            </a:r>
+            <a:endParaRPr kumimoji="1" lang="en-US" altLang="ja-JP" dirty="0">
+              <a:latin typeface="HGｺﾞｼｯｸM" panose="020B0609000000000000" pitchFamily="49" charset="-128"/>
+              <a:ea typeface="HGｺﾞｼｯｸM" panose="020B0609000000000000" pitchFamily="49" charset="-128"/>
+            </a:endParaRPr>
           </a:p>
           <a:p>
             <a:pPr marL="0" indent="0">
               <a:buNone/>
             </a:pPr>
-            <a:endParaRPr lang="en-US" altLang="ja-JP" dirty="0"/>
-          </a:p>
-          <a:p>
-            <a:pPr marL="0" indent="0">
+            <a:r>
+              <a:rPr kumimoji="1" lang="ja-JP" altLang="en-US" dirty="0">
+                <a:latin typeface="HGｺﾞｼｯｸE" panose="020B0909000000000000" pitchFamily="49" charset="-128"/>
+                <a:ea typeface="HGｺﾞｼｯｸE" panose="020B0909000000000000" pitchFamily="49" charset="-128"/>
+              </a:rPr>
+              <a:t>成果</a:t>
+            </a:r>
+            <a:endParaRPr lang="en-US" altLang="ja-JP" dirty="0">
+              <a:latin typeface="HGｺﾞｼｯｸE" panose="020B0909000000000000" pitchFamily="49" charset="-128"/>
+              <a:ea typeface="HGｺﾞｼｯｸE" panose="020B0909000000000000" pitchFamily="49" charset="-128"/>
+            </a:endParaRPr>
+          </a:p>
+          <a:p>
+            <a:pPr>
+              <a:buClr>
+                <a:schemeClr val="accent2">
+                  <a:lumMod val="75000"/>
+                </a:schemeClr>
+              </a:buClr>
+            </a:pPr>
+            <a:r>
+              <a:rPr kumimoji="1" lang="en-US" altLang="ja-JP" dirty="0">
+                <a:latin typeface="HGｺﾞｼｯｸM" panose="020B0609000000000000" pitchFamily="49" charset="-128"/>
+                <a:ea typeface="HGｺﾞｼｯｸM" panose="020B0609000000000000" pitchFamily="49" charset="-128"/>
+              </a:rPr>
+              <a:t>CSS</a:t>
+            </a:r>
+            <a:r>
+              <a:rPr kumimoji="1" lang="ja-JP" altLang="en-US" dirty="0">
+                <a:latin typeface="HGｺﾞｼｯｸM" panose="020B0609000000000000" pitchFamily="49" charset="-128"/>
+                <a:ea typeface="HGｺﾞｼｯｸM" panose="020B0609000000000000" pitchFamily="49" charset="-128"/>
+              </a:rPr>
+              <a:t>の復習と応用。主にデザインスキルが身についた</a:t>
+            </a:r>
+            <a:endParaRPr kumimoji="1" lang="en-US" altLang="ja-JP" dirty="0">
+              <a:latin typeface="HGｺﾞｼｯｸM" panose="020B0609000000000000" pitchFamily="49" charset="-128"/>
+              <a:ea typeface="HGｺﾞｼｯｸM" panose="020B0609000000000000" pitchFamily="49" charset="-128"/>
+            </a:endParaRPr>
+          </a:p>
+        </p:txBody>
+      </p:sp>
+      <p:sp>
+        <p:nvSpPr>
+          <p:cNvPr id="4" name="四角形: 角を丸くする 3">
+            <a:extLst>
+              <a:ext uri="{FF2B5EF4-FFF2-40B4-BE49-F238E27FC236}">
+                <a16:creationId xmlns:a16="http://schemas.microsoft.com/office/drawing/2014/main" id="{AF247C9C-C3E7-2294-3EBC-27311E4FB740}"/>
+              </a:ext>
+            </a:extLst>
+          </p:cNvPr>
+          <p:cNvSpPr/>
+          <p:nvPr/>
+        </p:nvSpPr>
+        <p:spPr>
+          <a:xfrm>
+            <a:off x="838200" y="325367"/>
+            <a:ext cx="10515600" cy="1325563"/>
+          </a:xfrm>
+          <a:prstGeom prst="roundRect">
+            <a:avLst/>
+          </a:prstGeom>
+          <a:solidFill>
+            <a:srgbClr val="FFA333"/>
+          </a:solidFill>
+          <a:ln w="38100">
+            <a:noFill/>
+          </a:ln>
+        </p:spPr>
+        <p:style>
+          <a:lnRef idx="2">
+            <a:schemeClr val="accent1">
+              <a:shade val="50000"/>
+            </a:schemeClr>
+          </a:lnRef>
+          <a:fillRef idx="1">
+            <a:schemeClr val="accent1"/>
+          </a:fillRef>
+          <a:effectRef idx="0">
+            <a:schemeClr val="accent1"/>
+          </a:effectRef>
+          <a:fontRef idx="minor">
+            <a:schemeClr val="lt1"/>
+          </a:fontRef>
+        </p:style>
+        <p:txBody>
+          <a:bodyPr rtlCol="0" anchor="ctr"/>
+          <a:lstStyle/>
+          <a:p>
+            <a:pPr marL="0" marR="0" lvl="0" indent="0" algn="l" defTabSz="914400" rtl="0" eaLnBrk="1" fontAlgn="auto" latinLnBrk="0" hangingPunct="1">
+              <a:lnSpc>
+                <a:spcPct val="100000"/>
+              </a:lnSpc>
+              <a:spcBef>
+                <a:spcPts val="0"/>
+              </a:spcBef>
+              <a:spcAft>
+                <a:spcPts val="0"/>
+              </a:spcAft>
+              <a:buClrTx/>
+              <a:buSzTx/>
+              <a:buFontTx/>
               <a:buNone/>
+              <a:tabLst/>
+              <a:defRPr/>
             </a:pPr>
             <a:r>
-              <a:rPr kumimoji="1" lang="ja-JP" altLang="en-US" dirty="0"/>
-              <a:t>苦労した点</a:t>
-            </a:r>
-            <a:endParaRPr kumimoji="1" lang="en-US" altLang="ja-JP" dirty="0"/>
-          </a:p>
-          <a:p>
-            <a:pPr marL="0" indent="0">
-              <a:buNone/>
+              <a:rPr lang="ja-JP" altLang="en-US" sz="4400" dirty="0">
+                <a:solidFill>
+                  <a:prstClr val="white"/>
+                </a:solidFill>
+                <a:latin typeface="HGｺﾞｼｯｸE" panose="020B0909000000000000" pitchFamily="49" charset="-128"/>
+                <a:ea typeface="HGｺﾞｼｯｸE" panose="020B0909000000000000" pitchFamily="49" charset="-128"/>
+              </a:rPr>
+              <a:t>古晒 悠誠</a:t>
+            </a:r>
+            <a:endParaRPr lang="en-US" altLang="ja-JP" sz="4400" dirty="0">
+              <a:solidFill>
+                <a:prstClr val="white"/>
+              </a:solidFill>
+              <a:latin typeface="HGｺﾞｼｯｸE" panose="020B0909000000000000" pitchFamily="49" charset="-128"/>
+              <a:ea typeface="HGｺﾞｼｯｸE" panose="020B0909000000000000" pitchFamily="49" charset="-128"/>
+            </a:endParaRPr>
+          </a:p>
+          <a:p>
+            <a:pPr lvl="0">
+              <a:defRPr/>
             </a:pPr>
-            <a:endParaRPr lang="en-US" altLang="ja-JP" dirty="0"/>
-          </a:p>
-          <a:p>
-            <a:pPr marL="0" indent="0">
-              <a:buNone/>
-            </a:pPr>
-            <a:endParaRPr kumimoji="1" lang="en-US" altLang="ja-JP" dirty="0"/>
-          </a:p>
-          <a:p>
-            <a:pPr marL="0" indent="0">
-              <a:buNone/>
-            </a:pPr>
-            <a:r>
-              <a:rPr kumimoji="1" lang="ja-JP" altLang="en-US" dirty="0"/>
-              <a:t>成果</a:t>
-            </a:r>
+            <a:r>
+              <a:rPr lang="ja-JP" altLang="en-US" sz="3600" dirty="0">
+                <a:solidFill>
+                  <a:prstClr val="white"/>
+                </a:solidFill>
+                <a:latin typeface="HGｺﾞｼｯｸE" panose="020B0909000000000000" pitchFamily="49" charset="-128"/>
+                <a:ea typeface="HGｺﾞｼｯｸE" panose="020B0909000000000000" pitchFamily="49" charset="-128"/>
+              </a:rPr>
+              <a:t>（ネット・インフォメーション株式会社）</a:t>
+            </a:r>
+            <a:endParaRPr kumimoji="1" lang="ja-JP" altLang="en-US" sz="3600" b="0" i="0" u="none" strike="noStrike" kern="1200" cap="none" spc="0" normalizeH="0" baseline="0" noProof="0" dirty="0">
+              <a:ln>
+                <a:noFill/>
+              </a:ln>
+              <a:solidFill>
+                <a:prstClr val="white"/>
+              </a:solidFill>
+              <a:effectLst/>
+              <a:uLnTx/>
+              <a:uFillTx/>
+              <a:latin typeface="HGｺﾞｼｯｸE" panose="020B0909000000000000" pitchFamily="49" charset="-128"/>
+              <a:ea typeface="HGｺﾞｼｯｸE" panose="020B0909000000000000" pitchFamily="49" charset="-128"/>
+              <a:cs typeface="+mn-cs"/>
+            </a:endParaRPr>
           </a:p>
         </p:txBody>
       </p:sp>
     </p:spTree>
     <p:extLst>
       <p:ext uri="{BB962C8B-B14F-4D97-AF65-F5344CB8AC3E}">
-        <p14:creationId xmlns:p14="http://schemas.microsoft.com/office/powerpoint/2010/main" val="349580343"/>
+        <p14:creationId xmlns:p14="http://schemas.microsoft.com/office/powerpoint/2010/main" val="35298653"/>
       </p:ext>
     </p:extLst>
   </p:cSld>
@@ -8731,72 +9636,6 @@
       </p:grpSpPr>
       <p:sp>
         <p:nvSpPr>
-          <p:cNvPr id="2" name="タイトル 1">
-            <a:extLst>
-              <a:ext uri="{FF2B5EF4-FFF2-40B4-BE49-F238E27FC236}">
-                <a16:creationId xmlns:a16="http://schemas.microsoft.com/office/drawing/2014/main" id="{693A6AA4-E421-2B25-F07B-E8469B9F6618}"/>
-              </a:ext>
-            </a:extLst>
-          </p:cNvPr>
-          <p:cNvSpPr>
-            <a:spLocks noGrp="1"/>
-          </p:cNvSpPr>
-          <p:nvPr>
-            <p:ph type="title"/>
-          </p:nvPr>
-        </p:nvSpPr>
-        <p:spPr>
-          <a:solidFill>
-            <a:schemeClr val="accent2">
-              <a:lumMod val="75000"/>
-            </a:schemeClr>
-          </a:solidFill>
-        </p:spPr>
-        <p:txBody>
-          <a:bodyPr/>
-          <a:lstStyle/>
-          <a:p>
-            <a:r>
-              <a:rPr lang="ja-JP" altLang="en-US" dirty="0">
-                <a:solidFill>
-                  <a:schemeClr val="bg1"/>
-                </a:solidFill>
-                <a:latin typeface="HGS創英角ｺﾞｼｯｸUB" panose="020B0900000000000000" pitchFamily="50" charset="-128"/>
-                <a:ea typeface="HGS創英角ｺﾞｼｯｸUB" panose="020B0900000000000000" pitchFamily="50" charset="-128"/>
-              </a:rPr>
-              <a:t>名前</a:t>
-            </a:r>
-            <a:br>
-              <a:rPr lang="en-US" altLang="ja-JP" dirty="0">
-                <a:solidFill>
-                  <a:schemeClr val="bg1"/>
-                </a:solidFill>
-                <a:latin typeface="HGS創英角ｺﾞｼｯｸUB" panose="020B0900000000000000" pitchFamily="50" charset="-128"/>
-                <a:ea typeface="HGS創英角ｺﾞｼｯｸUB" panose="020B0900000000000000" pitchFamily="50" charset="-128"/>
-              </a:rPr>
-            </a:br>
-            <a:r>
-              <a:rPr lang="ja-JP" altLang="en-US" sz="3600" dirty="0">
-                <a:solidFill>
-                  <a:schemeClr val="bg1"/>
-                </a:solidFill>
-                <a:latin typeface="HGS創英角ｺﾞｼｯｸUB" panose="020B0900000000000000" pitchFamily="50" charset="-128"/>
-                <a:ea typeface="HGS創英角ｺﾞｼｯｸUB" panose="020B0900000000000000" pitchFamily="50" charset="-128"/>
-              </a:rPr>
-              <a:t>（会社名）</a:t>
-            </a:r>
-            <a:endParaRPr lang="ja-JP" altLang="en-US" dirty="0">
-              <a:solidFill>
-                <a:schemeClr val="bg1"/>
-              </a:solidFill>
-              <a:latin typeface="HGS創英角ｺﾞｼｯｸUB" panose="020B0900000000000000" pitchFamily="50" charset="-128"/>
-              <a:ea typeface="HGS創英角ｺﾞｼｯｸUB" panose="020B0900000000000000" pitchFamily="50" charset="-128"/>
-            </a:endParaRPr>
-          </a:p>
-        </p:txBody>
-      </p:sp>
-      <p:sp>
-        <p:nvSpPr>
           <p:cNvPr id="3" name="コンテンツ プレースホルダー 2">
             <a:extLst>
               <a:ext uri="{FF2B5EF4-FFF2-40B4-BE49-F238E27FC236}">
@@ -8818,59 +9657,321 @@
           </a:xfrm>
         </p:spPr>
         <p:txBody>
-          <a:bodyPr/>
+          <a:bodyPr>
+            <a:normAutofit/>
+          </a:bodyPr>
           <a:lstStyle/>
           <a:p>
             <a:pPr marL="0" indent="0">
               <a:buNone/>
             </a:pPr>
             <a:r>
-              <a:rPr kumimoji="1" lang="ja-JP" altLang="en-US" dirty="0"/>
+              <a:rPr kumimoji="1" lang="ja-JP" altLang="en-US" dirty="0">
+                <a:latin typeface="HGｺﾞｼｯｸE" panose="020B0909000000000000" pitchFamily="49" charset="-128"/>
+                <a:ea typeface="HGｺﾞｼｯｸE" panose="020B0909000000000000" pitchFamily="49" charset="-128"/>
+              </a:rPr>
               <a:t>担当</a:t>
             </a:r>
-            <a:endParaRPr kumimoji="1" lang="en-US" altLang="ja-JP" dirty="0"/>
+            <a:endParaRPr kumimoji="1" lang="en-US" altLang="ja-JP" dirty="0">
+              <a:latin typeface="HGｺﾞｼｯｸE" panose="020B0909000000000000" pitchFamily="49" charset="-128"/>
+              <a:ea typeface="HGｺﾞｼｯｸE" panose="020B0909000000000000" pitchFamily="49" charset="-128"/>
+            </a:endParaRPr>
+          </a:p>
+          <a:p>
+            <a:pPr>
+              <a:buClr>
+                <a:schemeClr val="accent2">
+                  <a:lumMod val="75000"/>
+                </a:schemeClr>
+              </a:buClr>
+            </a:pPr>
+            <a:r>
+              <a:rPr kumimoji="1" lang="ja-JP" altLang="en-US" dirty="0">
+                <a:latin typeface="HGｺﾞｼｯｸM" panose="020B0609000000000000" pitchFamily="49" charset="-128"/>
+                <a:ea typeface="HGｺﾞｼｯｸM" panose="020B0609000000000000" pitchFamily="49" charset="-128"/>
+              </a:rPr>
+              <a:t>品質管理担当</a:t>
+            </a:r>
+            <a:endParaRPr kumimoji="1" lang="en-US" altLang="ja-JP" dirty="0">
+              <a:latin typeface="HGｺﾞｼｯｸM" panose="020B0609000000000000" pitchFamily="49" charset="-128"/>
+              <a:ea typeface="HGｺﾞｼｯｸM" panose="020B0609000000000000" pitchFamily="49" charset="-128"/>
+            </a:endParaRPr>
+          </a:p>
+          <a:p>
+            <a:pPr>
+              <a:buClr>
+                <a:schemeClr val="accent2">
+                  <a:lumMod val="75000"/>
+                </a:schemeClr>
+              </a:buClr>
+            </a:pPr>
+            <a:r>
+              <a:rPr kumimoji="1" lang="en-US" altLang="ja-JP" dirty="0">
+                <a:latin typeface="HGｺﾞｼｯｸM" panose="020B0609000000000000" pitchFamily="49" charset="-128"/>
+                <a:ea typeface="HGｺﾞｼｯｸM" panose="020B0609000000000000" pitchFamily="49" charset="-128"/>
+              </a:rPr>
+              <a:t>DAO</a:t>
+            </a:r>
+            <a:r>
+              <a:rPr kumimoji="1" lang="ja-JP" altLang="en-US" dirty="0">
+                <a:latin typeface="HGｺﾞｼｯｸM" panose="020B0609000000000000" pitchFamily="49" charset="-128"/>
+                <a:ea typeface="HGｺﾞｼｯｸM" panose="020B0609000000000000" pitchFamily="49" charset="-128"/>
+              </a:rPr>
+              <a:t>の作成</a:t>
+            </a:r>
+            <a:endParaRPr kumimoji="1" lang="en-US" altLang="ja-JP" dirty="0">
+              <a:latin typeface="HGｺﾞｼｯｸM" panose="020B0609000000000000" pitchFamily="49" charset="-128"/>
+              <a:ea typeface="HGｺﾞｼｯｸM" panose="020B0609000000000000" pitchFamily="49" charset="-128"/>
+            </a:endParaRPr>
+          </a:p>
+          <a:p>
+            <a:pPr>
+              <a:buClr>
+                <a:schemeClr val="accent2">
+                  <a:lumMod val="75000"/>
+                </a:schemeClr>
+              </a:buClr>
+            </a:pPr>
+            <a:r>
+              <a:rPr kumimoji="1" lang="en-US" altLang="ja-JP" dirty="0">
+                <a:latin typeface="HGｺﾞｼｯｸM" panose="020B0609000000000000" pitchFamily="49" charset="-128"/>
+                <a:ea typeface="HGｺﾞｼｯｸM" panose="020B0609000000000000" pitchFamily="49" charset="-128"/>
+              </a:rPr>
+              <a:t>JavaScript</a:t>
+            </a:r>
+            <a:r>
+              <a:rPr kumimoji="1" lang="ja-JP" altLang="en-US" dirty="0">
+                <a:latin typeface="HGｺﾞｼｯｸM" panose="020B0609000000000000" pitchFamily="49" charset="-128"/>
+                <a:ea typeface="HGｺﾞｼｯｸM" panose="020B0609000000000000" pitchFamily="49" charset="-128"/>
+              </a:rPr>
+              <a:t>の記述</a:t>
+            </a:r>
+            <a:endParaRPr lang="en-US" altLang="ja-JP" dirty="0"/>
           </a:p>
           <a:p>
             <a:pPr marL="0" indent="0">
               <a:buNone/>
             </a:pPr>
-            <a:endParaRPr kumimoji="1" lang="en-US" altLang="ja-JP" dirty="0"/>
+            <a:r>
+              <a:rPr kumimoji="1" lang="ja-JP" altLang="en-US" dirty="0">
+                <a:latin typeface="HGｺﾞｼｯｸE" panose="020B0909000000000000" pitchFamily="49" charset="-128"/>
+                <a:ea typeface="HGｺﾞｼｯｸE" panose="020B0909000000000000" pitchFamily="49" charset="-128"/>
+              </a:rPr>
+              <a:t>苦労した点</a:t>
+            </a:r>
+            <a:endParaRPr kumimoji="1" lang="en-US" altLang="ja-JP" dirty="0">
+              <a:latin typeface="HGｺﾞｼｯｸE" panose="020B0909000000000000" pitchFamily="49" charset="-128"/>
+              <a:ea typeface="HGｺﾞｼｯｸE" panose="020B0909000000000000" pitchFamily="49" charset="-128"/>
+            </a:endParaRPr>
+          </a:p>
+          <a:p>
+            <a:pPr>
+              <a:buClr>
+                <a:schemeClr val="accent2">
+                  <a:lumMod val="75000"/>
+                </a:schemeClr>
+              </a:buClr>
+            </a:pPr>
+            <a:r>
+              <a:rPr lang="en-US" altLang="ja-JP" dirty="0">
+                <a:latin typeface="HGｺﾞｼｯｸM" panose="020B0609000000000000" pitchFamily="49" charset="-128"/>
+                <a:ea typeface="HGｺﾞｼｯｸM" panose="020B0609000000000000" pitchFamily="49" charset="-128"/>
+              </a:rPr>
+              <a:t>JavaScript</a:t>
+            </a:r>
+            <a:r>
+              <a:rPr lang="ja-JP" altLang="en-US" dirty="0">
+                <a:latin typeface="HGｺﾞｼｯｸM" panose="020B0609000000000000" pitchFamily="49" charset="-128"/>
+                <a:ea typeface="HGｺﾞｼｯｸM" panose="020B0609000000000000" pitchFamily="49" charset="-128"/>
+              </a:rPr>
+              <a:t>の記述</a:t>
+            </a:r>
+            <a:br>
+              <a:rPr lang="en-US" altLang="ja-JP" dirty="0">
+                <a:latin typeface="HGｺﾞｼｯｸM" panose="020B0609000000000000" pitchFamily="49" charset="-128"/>
+                <a:ea typeface="HGｺﾞｼｯｸM" panose="020B0609000000000000" pitchFamily="49" charset="-128"/>
+              </a:rPr>
+            </a:br>
+            <a:r>
+              <a:rPr lang="ja-JP" altLang="en-US" dirty="0">
+                <a:latin typeface="HGｺﾞｼｯｸM" panose="020B0609000000000000" pitchFamily="49" charset="-128"/>
+                <a:ea typeface="HGｺﾞｼｯｸM" panose="020B0609000000000000" pitchFamily="49" charset="-128"/>
+              </a:rPr>
+              <a:t>→思った通りの動作にならなかった</a:t>
+            </a:r>
+            <a:endParaRPr kumimoji="1" lang="en-US" altLang="ja-JP" dirty="0">
+              <a:latin typeface="HGｺﾞｼｯｸM" panose="020B0609000000000000" pitchFamily="49" charset="-128"/>
+              <a:ea typeface="HGｺﾞｼｯｸM" panose="020B0609000000000000" pitchFamily="49" charset="-128"/>
+            </a:endParaRPr>
           </a:p>
           <a:p>
             <a:pPr marL="0" indent="0">
               <a:buNone/>
             </a:pPr>
-            <a:endParaRPr lang="en-US" altLang="ja-JP" dirty="0"/>
-          </a:p>
-          <a:p>
-            <a:pPr marL="0" indent="0">
+            <a:r>
+              <a:rPr kumimoji="1" lang="ja-JP" altLang="en-US" dirty="0">
+                <a:latin typeface="HGｺﾞｼｯｸE" panose="020B0909000000000000" pitchFamily="49" charset="-128"/>
+                <a:ea typeface="HGｺﾞｼｯｸE" panose="020B0909000000000000" pitchFamily="49" charset="-128"/>
+              </a:rPr>
+              <a:t>成果</a:t>
+            </a:r>
+            <a:endParaRPr kumimoji="1" lang="en-US" altLang="ja-JP" dirty="0">
+              <a:latin typeface="HGｺﾞｼｯｸE" panose="020B0909000000000000" pitchFamily="49" charset="-128"/>
+              <a:ea typeface="HGｺﾞｼｯｸE" panose="020B0909000000000000" pitchFamily="49" charset="-128"/>
+            </a:endParaRPr>
+          </a:p>
+          <a:p>
+            <a:pPr>
+              <a:buClr>
+                <a:schemeClr val="accent2">
+                  <a:lumMod val="75000"/>
+                </a:schemeClr>
+              </a:buClr>
+            </a:pPr>
+            <a:r>
+              <a:rPr kumimoji="1" lang="en-US" altLang="ja-JP" dirty="0">
+                <a:latin typeface="HGｺﾞｼｯｸM" panose="020B0609000000000000" pitchFamily="49" charset="-128"/>
+                <a:ea typeface="HGｺﾞｼｯｸM" panose="020B0609000000000000" pitchFamily="49" charset="-128"/>
+              </a:rPr>
+              <a:t>JavaScr</a:t>
+            </a:r>
+            <a:r>
+              <a:rPr lang="en-US" altLang="ja-JP" dirty="0">
+                <a:latin typeface="HGｺﾞｼｯｸM" panose="020B0609000000000000" pitchFamily="49" charset="-128"/>
+                <a:ea typeface="HGｺﾞｼｯｸM" panose="020B0609000000000000" pitchFamily="49" charset="-128"/>
+              </a:rPr>
+              <a:t>ipt</a:t>
+            </a:r>
+            <a:r>
+              <a:rPr lang="ja-JP" altLang="en-US" dirty="0">
+                <a:latin typeface="HGｺﾞｼｯｸM" panose="020B0609000000000000" pitchFamily="49" charset="-128"/>
+                <a:ea typeface="HGｺﾞｼｯｸM" panose="020B0609000000000000" pitchFamily="49" charset="-128"/>
+              </a:rPr>
+              <a:t>の記述方法について理解することができた</a:t>
+            </a:r>
+            <a:endParaRPr kumimoji="1" lang="ja-JP" altLang="en-US" dirty="0">
+              <a:latin typeface="HGｺﾞｼｯｸM" panose="020B0609000000000000" pitchFamily="49" charset="-128"/>
+              <a:ea typeface="HGｺﾞｼｯｸM" panose="020B0609000000000000" pitchFamily="49" charset="-128"/>
+            </a:endParaRPr>
+          </a:p>
+        </p:txBody>
+      </p:sp>
+      <p:sp>
+        <p:nvSpPr>
+          <p:cNvPr id="4" name="四角形: 角を丸くする 3">
+            <a:extLst>
+              <a:ext uri="{FF2B5EF4-FFF2-40B4-BE49-F238E27FC236}">
+                <a16:creationId xmlns:a16="http://schemas.microsoft.com/office/drawing/2014/main" id="{AF247C9C-C3E7-2294-3EBC-27311E4FB740}"/>
+              </a:ext>
+            </a:extLst>
+          </p:cNvPr>
+          <p:cNvSpPr/>
+          <p:nvPr/>
+        </p:nvSpPr>
+        <p:spPr>
+          <a:xfrm>
+            <a:off x="838200" y="325367"/>
+            <a:ext cx="10515600" cy="1325563"/>
+          </a:xfrm>
+          <a:prstGeom prst="roundRect">
+            <a:avLst/>
+          </a:prstGeom>
+          <a:solidFill>
+            <a:srgbClr val="FFA333"/>
+          </a:solidFill>
+          <a:ln w="38100">
+            <a:noFill/>
+          </a:ln>
+        </p:spPr>
+        <p:style>
+          <a:lnRef idx="2">
+            <a:schemeClr val="accent1">
+              <a:shade val="50000"/>
+            </a:schemeClr>
+          </a:lnRef>
+          <a:fillRef idx="1">
+            <a:schemeClr val="accent1"/>
+          </a:fillRef>
+          <a:effectRef idx="0">
+            <a:schemeClr val="accent1"/>
+          </a:effectRef>
+          <a:fontRef idx="minor">
+            <a:schemeClr val="lt1"/>
+          </a:fontRef>
+        </p:style>
+        <p:txBody>
+          <a:bodyPr rtlCol="0" anchor="ctr"/>
+          <a:lstStyle/>
+          <a:p>
+            <a:pPr marL="0" marR="0" lvl="0" indent="0" algn="l" defTabSz="914400" rtl="0" eaLnBrk="1" fontAlgn="auto" latinLnBrk="0" hangingPunct="1">
+              <a:lnSpc>
+                <a:spcPct val="100000"/>
+              </a:lnSpc>
+              <a:spcBef>
+                <a:spcPts val="0"/>
+              </a:spcBef>
+              <a:spcAft>
+                <a:spcPts val="0"/>
+              </a:spcAft>
+              <a:buClrTx/>
+              <a:buSzTx/>
+              <a:buFontTx/>
               <a:buNone/>
+              <a:tabLst/>
+              <a:defRPr/>
             </a:pPr>
             <a:r>
-              <a:rPr kumimoji="1" lang="ja-JP" altLang="en-US" dirty="0"/>
-              <a:t>苦労した点</a:t>
-            </a:r>
-            <a:endParaRPr kumimoji="1" lang="en-US" altLang="ja-JP" dirty="0"/>
-          </a:p>
-          <a:p>
-            <a:pPr marL="0" indent="0">
+              <a:rPr lang="ja-JP" altLang="en-US" sz="4400" dirty="0">
+                <a:solidFill>
+                  <a:prstClr val="white"/>
+                </a:solidFill>
+                <a:latin typeface="HGｺﾞｼｯｸE" panose="020B0909000000000000" pitchFamily="49" charset="-128"/>
+                <a:ea typeface="HGｺﾞｼｯｸE" panose="020B0909000000000000" pitchFamily="49" charset="-128"/>
+              </a:rPr>
+              <a:t>松本 美空</a:t>
+            </a:r>
+            <a:endParaRPr lang="en-US" altLang="ja-JP" sz="4400" dirty="0">
+              <a:solidFill>
+                <a:prstClr val="white"/>
+              </a:solidFill>
+              <a:latin typeface="HGｺﾞｼｯｸE" panose="020B0909000000000000" pitchFamily="49" charset="-128"/>
+              <a:ea typeface="HGｺﾞｼｯｸE" panose="020B0909000000000000" pitchFamily="49" charset="-128"/>
+            </a:endParaRPr>
+          </a:p>
+          <a:p>
+            <a:pPr marL="0" marR="0" lvl="0" indent="0" algn="l" defTabSz="914400" rtl="0" eaLnBrk="1" fontAlgn="auto" latinLnBrk="0" hangingPunct="1">
+              <a:lnSpc>
+                <a:spcPct val="100000"/>
+              </a:lnSpc>
+              <a:spcBef>
+                <a:spcPts val="0"/>
+              </a:spcBef>
+              <a:spcAft>
+                <a:spcPts val="0"/>
+              </a:spcAft>
+              <a:buClrTx/>
+              <a:buSzTx/>
+              <a:buFontTx/>
               <a:buNone/>
+              <a:tabLst/>
+              <a:defRPr/>
             </a:pPr>
-            <a:endParaRPr lang="en-US" altLang="ja-JP" dirty="0"/>
-          </a:p>
-          <a:p>
-            <a:pPr marL="0" indent="0">
-              <a:buNone/>
-            </a:pPr>
-            <a:endParaRPr kumimoji="1" lang="en-US" altLang="ja-JP" dirty="0"/>
-          </a:p>
-          <a:p>
-            <a:pPr marL="0" indent="0">
-              <a:buNone/>
-            </a:pPr>
-            <a:r>
-              <a:rPr kumimoji="1" lang="ja-JP" altLang="en-US" dirty="0"/>
-              <a:t>成果</a:t>
+            <a:r>
+              <a:rPr kumimoji="1" lang="ja-JP" altLang="en-US" sz="3600" b="0" i="0" u="none" strike="noStrike" kern="1200" cap="none" spc="0" normalizeH="0" baseline="0" noProof="0" dirty="0">
+                <a:ln>
+                  <a:noFill/>
+                </a:ln>
+                <a:solidFill>
+                  <a:prstClr val="white"/>
+                </a:solidFill>
+                <a:effectLst/>
+                <a:uLnTx/>
+                <a:uFillTx/>
+                <a:latin typeface="HGｺﾞｼｯｸE" panose="020B0909000000000000" pitchFamily="49" charset="-128"/>
+                <a:ea typeface="HGｺﾞｼｯｸE" panose="020B0909000000000000" pitchFamily="49" charset="-128"/>
+                <a:cs typeface="+mn-cs"/>
+              </a:rPr>
+              <a:t>（エヌ・エス・ケイ株式会社）</a:t>
             </a:r>
           </a:p>
         </p:txBody>
@@ -8907,72 +10008,6 @@
       </p:grpSpPr>
       <p:sp>
         <p:nvSpPr>
-          <p:cNvPr id="2" name="タイトル 1">
-            <a:extLst>
-              <a:ext uri="{FF2B5EF4-FFF2-40B4-BE49-F238E27FC236}">
-                <a16:creationId xmlns:a16="http://schemas.microsoft.com/office/drawing/2014/main" id="{693A6AA4-E421-2B25-F07B-E8469B9F6618}"/>
-              </a:ext>
-            </a:extLst>
-          </p:cNvPr>
-          <p:cNvSpPr>
-            <a:spLocks noGrp="1"/>
-          </p:cNvSpPr>
-          <p:nvPr>
-            <p:ph type="title"/>
-          </p:nvPr>
-        </p:nvSpPr>
-        <p:spPr>
-          <a:solidFill>
-            <a:schemeClr val="accent2">
-              <a:lumMod val="75000"/>
-            </a:schemeClr>
-          </a:solidFill>
-        </p:spPr>
-        <p:txBody>
-          <a:bodyPr/>
-          <a:lstStyle/>
-          <a:p>
-            <a:r>
-              <a:rPr lang="ja-JP" altLang="en-US" dirty="0">
-                <a:solidFill>
-                  <a:schemeClr val="bg1"/>
-                </a:solidFill>
-                <a:latin typeface="HGS創英角ｺﾞｼｯｸUB" panose="020B0900000000000000" pitchFamily="50" charset="-128"/>
-                <a:ea typeface="HGS創英角ｺﾞｼｯｸUB" panose="020B0900000000000000" pitchFamily="50" charset="-128"/>
-              </a:rPr>
-              <a:t>名前</a:t>
-            </a:r>
-            <a:br>
-              <a:rPr lang="en-US" altLang="ja-JP" dirty="0">
-                <a:solidFill>
-                  <a:schemeClr val="bg1"/>
-                </a:solidFill>
-                <a:latin typeface="HGS創英角ｺﾞｼｯｸUB" panose="020B0900000000000000" pitchFamily="50" charset="-128"/>
-                <a:ea typeface="HGS創英角ｺﾞｼｯｸUB" panose="020B0900000000000000" pitchFamily="50" charset="-128"/>
-              </a:rPr>
-            </a:br>
-            <a:r>
-              <a:rPr lang="ja-JP" altLang="en-US" sz="3600" dirty="0">
-                <a:solidFill>
-                  <a:schemeClr val="bg1"/>
-                </a:solidFill>
-                <a:latin typeface="HGS創英角ｺﾞｼｯｸUB" panose="020B0900000000000000" pitchFamily="50" charset="-128"/>
-                <a:ea typeface="HGS創英角ｺﾞｼｯｸUB" panose="020B0900000000000000" pitchFamily="50" charset="-128"/>
-              </a:rPr>
-              <a:t>（会社名）</a:t>
-            </a:r>
-            <a:endParaRPr lang="ja-JP" altLang="en-US" dirty="0">
-              <a:solidFill>
-                <a:schemeClr val="bg1"/>
-              </a:solidFill>
-              <a:latin typeface="HGS創英角ｺﾞｼｯｸUB" panose="020B0900000000000000" pitchFamily="50" charset="-128"/>
-              <a:ea typeface="HGS創英角ｺﾞｼｯｸUB" panose="020B0900000000000000" pitchFamily="50" charset="-128"/>
-            </a:endParaRPr>
-          </a:p>
-        </p:txBody>
-      </p:sp>
-      <p:sp>
-        <p:nvSpPr>
           <p:cNvPr id="3" name="コンテンツ プレースホルダー 2">
             <a:extLst>
               <a:ext uri="{FF2B5EF4-FFF2-40B4-BE49-F238E27FC236}">
@@ -9001,60 +10036,323 @@
               <a:buNone/>
             </a:pPr>
             <a:r>
-              <a:rPr kumimoji="1" lang="ja-JP" altLang="en-US" dirty="0"/>
+              <a:rPr kumimoji="1" lang="ja-JP" altLang="en-US" dirty="0">
+                <a:latin typeface="HGｺﾞｼｯｸE" panose="020B0909000000000000" pitchFamily="49" charset="-128"/>
+                <a:ea typeface="HGｺﾞｼｯｸE" panose="020B0909000000000000" pitchFamily="49" charset="-128"/>
+              </a:rPr>
               <a:t>担当</a:t>
             </a:r>
-            <a:endParaRPr kumimoji="1" lang="en-US" altLang="ja-JP" dirty="0"/>
+            <a:endParaRPr kumimoji="1" lang="en-US" altLang="ja-JP" dirty="0">
+              <a:latin typeface="HGｺﾞｼｯｸE" panose="020B0909000000000000" pitchFamily="49" charset="-128"/>
+              <a:ea typeface="HGｺﾞｼｯｸE" panose="020B0909000000000000" pitchFamily="49" charset="-128"/>
+            </a:endParaRPr>
+          </a:p>
+          <a:p>
+            <a:pPr>
+              <a:buClr>
+                <a:schemeClr val="accent2">
+                  <a:lumMod val="75000"/>
+                </a:schemeClr>
+              </a:buClr>
+            </a:pPr>
+            <a:r>
+              <a:rPr kumimoji="1" lang="ja-JP" altLang="en-US" dirty="0">
+                <a:latin typeface="HGｺﾞｼｯｸM" panose="020B0609000000000000" pitchFamily="49" charset="-128"/>
+                <a:ea typeface="HGｺﾞｼｯｸM" panose="020B0609000000000000" pitchFamily="49" charset="-128"/>
+              </a:rPr>
+              <a:t>発表担当</a:t>
+            </a:r>
+            <a:endParaRPr kumimoji="1" lang="en-US" altLang="ja-JP" dirty="0">
+              <a:latin typeface="HGｺﾞｼｯｸM" panose="020B0609000000000000" pitchFamily="49" charset="-128"/>
+              <a:ea typeface="HGｺﾞｼｯｸM" panose="020B0609000000000000" pitchFamily="49" charset="-128"/>
+            </a:endParaRPr>
+          </a:p>
+          <a:p>
+            <a:pPr>
+              <a:buClr>
+                <a:schemeClr val="accent2">
+                  <a:lumMod val="75000"/>
+                </a:schemeClr>
+              </a:buClr>
+            </a:pPr>
+            <a:r>
+              <a:rPr kumimoji="1" lang="en-US" altLang="ja-JP" dirty="0">
+                <a:latin typeface="HGｺﾞｼｯｸM" panose="020B0609000000000000" pitchFamily="49" charset="-128"/>
+                <a:ea typeface="HGｺﾞｼｯｸM" panose="020B0609000000000000" pitchFamily="49" charset="-128"/>
+              </a:rPr>
+              <a:t>Servlet</a:t>
+            </a:r>
+            <a:endParaRPr lang="en-US" altLang="ja-JP" dirty="0">
+              <a:latin typeface="HGｺﾞｼｯｸM" panose="020B0609000000000000" pitchFamily="49" charset="-128"/>
+              <a:ea typeface="HGｺﾞｼｯｸM" panose="020B0609000000000000" pitchFamily="49" charset="-128"/>
+            </a:endParaRPr>
+          </a:p>
+          <a:p>
+            <a:pPr>
+              <a:buClr>
+                <a:schemeClr val="accent2">
+                  <a:lumMod val="75000"/>
+                </a:schemeClr>
+              </a:buClr>
+            </a:pPr>
+            <a:r>
+              <a:rPr lang="ja-JP" altLang="en-US" dirty="0">
+                <a:latin typeface="HGｺﾞｼｯｸM" panose="020B0609000000000000" pitchFamily="49" charset="-128"/>
+                <a:ea typeface="HGｺﾞｼｯｸM" panose="020B0609000000000000" pitchFamily="49" charset="-128"/>
+              </a:rPr>
+              <a:t>キャラクター・背景イラスト</a:t>
+            </a:r>
+            <a:endParaRPr lang="en-US" altLang="ja-JP" dirty="0">
+              <a:latin typeface="HGｺﾞｼｯｸM" panose="020B0609000000000000" pitchFamily="49" charset="-128"/>
+              <a:ea typeface="HGｺﾞｼｯｸM" panose="020B0609000000000000" pitchFamily="49" charset="-128"/>
+            </a:endParaRPr>
           </a:p>
           <a:p>
             <a:pPr marL="0" indent="0">
               <a:buNone/>
             </a:pPr>
+            <a:r>
+              <a:rPr kumimoji="1" lang="ja-JP" altLang="en-US" dirty="0">
+                <a:latin typeface="HGｺﾞｼｯｸE" panose="020B0909000000000000" pitchFamily="49" charset="-128"/>
+                <a:ea typeface="HGｺﾞｼｯｸE" panose="020B0909000000000000" pitchFamily="49" charset="-128"/>
+              </a:rPr>
+              <a:t>苦労した点</a:t>
+            </a:r>
+            <a:endParaRPr kumimoji="1" lang="en-US" altLang="ja-JP" dirty="0">
+              <a:latin typeface="HGｺﾞｼｯｸE" panose="020B0909000000000000" pitchFamily="49" charset="-128"/>
+              <a:ea typeface="HGｺﾞｼｯｸE" panose="020B0909000000000000" pitchFamily="49" charset="-128"/>
+            </a:endParaRPr>
+          </a:p>
+          <a:p>
+            <a:pPr>
+              <a:buClr>
+                <a:schemeClr val="accent2">
+                  <a:lumMod val="75000"/>
+                </a:schemeClr>
+              </a:buClr>
+            </a:pPr>
+            <a:r>
+              <a:rPr lang="ja-JP" altLang="en-US" dirty="0">
+                <a:latin typeface="HGｺﾞｼｯｸM" panose="020B0609000000000000" pitchFamily="49" charset="-128"/>
+                <a:ea typeface="HGｺﾞｼｯｸM" panose="020B0609000000000000" pitchFamily="49" charset="-128"/>
+              </a:rPr>
+              <a:t>意思疎通</a:t>
+            </a:r>
             <a:endParaRPr kumimoji="1" lang="en-US" altLang="ja-JP" dirty="0"/>
           </a:p>
           <a:p>
             <a:pPr marL="0" indent="0">
               <a:buNone/>
             </a:pPr>
-            <a:endParaRPr lang="en-US" altLang="ja-JP" dirty="0"/>
-          </a:p>
-          <a:p>
-            <a:pPr marL="0" indent="0">
+            <a:r>
+              <a:rPr kumimoji="1" lang="ja-JP" altLang="en-US" dirty="0">
+                <a:latin typeface="HGｺﾞｼｯｸE" panose="020B0909000000000000" pitchFamily="49" charset="-128"/>
+                <a:ea typeface="HGｺﾞｼｯｸE" panose="020B0909000000000000" pitchFamily="49" charset="-128"/>
+              </a:rPr>
+              <a:t>成果</a:t>
+            </a:r>
+            <a:endParaRPr kumimoji="1" lang="en-US" altLang="ja-JP" dirty="0">
+              <a:latin typeface="HGｺﾞｼｯｸE" panose="020B0909000000000000" pitchFamily="49" charset="-128"/>
+              <a:ea typeface="HGｺﾞｼｯｸE" panose="020B0909000000000000" pitchFamily="49" charset="-128"/>
+            </a:endParaRPr>
+          </a:p>
+          <a:p>
+            <a:pPr>
+              <a:buClr>
+                <a:schemeClr val="accent2">
+                  <a:lumMod val="75000"/>
+                </a:schemeClr>
+              </a:buClr>
+            </a:pPr>
+            <a:r>
+              <a:rPr kumimoji="1" lang="en-US" altLang="ja-JP" dirty="0">
+                <a:latin typeface="HGｺﾞｼｯｸM" panose="020B0609000000000000" pitchFamily="49" charset="-128"/>
+                <a:ea typeface="HGｺﾞｼｯｸM" panose="020B0609000000000000" pitchFamily="49" charset="-128"/>
+              </a:rPr>
+              <a:t>Servlet</a:t>
+            </a:r>
+            <a:r>
+              <a:rPr kumimoji="1" lang="ja-JP" altLang="en-US" dirty="0">
+                <a:latin typeface="HGｺﾞｼｯｸM" panose="020B0609000000000000" pitchFamily="49" charset="-128"/>
+                <a:ea typeface="HGｺﾞｼｯｸM" panose="020B0609000000000000" pitchFamily="49" charset="-128"/>
+              </a:rPr>
+              <a:t>の挙動が理解できた</a:t>
+            </a:r>
+            <a:endParaRPr kumimoji="1" lang="en-US" altLang="ja-JP" dirty="0">
+              <a:latin typeface="HGｺﾞｼｯｸM" panose="020B0609000000000000" pitchFamily="49" charset="-128"/>
+              <a:ea typeface="HGｺﾞｼｯｸM" panose="020B0609000000000000" pitchFamily="49" charset="-128"/>
+            </a:endParaRPr>
+          </a:p>
+          <a:p>
+            <a:pPr>
+              <a:buClr>
+                <a:schemeClr val="accent2">
+                  <a:lumMod val="75000"/>
+                </a:schemeClr>
+              </a:buClr>
+            </a:pPr>
+            <a:r>
+              <a:rPr lang="ja-JP" altLang="en-US" dirty="0">
+                <a:latin typeface="HGｺﾞｼｯｸM" panose="020B0609000000000000" pitchFamily="49" charset="-128"/>
+                <a:ea typeface="HGｺﾞｼｯｸM" panose="020B0609000000000000" pitchFamily="49" charset="-128"/>
+              </a:rPr>
+              <a:t>伝わりやすい言い方を工夫した</a:t>
+            </a:r>
+            <a:endParaRPr kumimoji="1" lang="en-US" altLang="ja-JP" dirty="0">
+              <a:latin typeface="HGｺﾞｼｯｸM" panose="020B0609000000000000" pitchFamily="49" charset="-128"/>
+              <a:ea typeface="HGｺﾞｼｯｸM" panose="020B0609000000000000" pitchFamily="49" charset="-128"/>
+            </a:endParaRPr>
+          </a:p>
+          <a:p>
+            <a:pPr>
+              <a:buClr>
+                <a:srgbClr val="FFA333"/>
+              </a:buClr>
+            </a:pPr>
+            <a:endParaRPr kumimoji="1" lang="ja-JP" altLang="en-US" dirty="0">
+              <a:latin typeface="HGｺﾞｼｯｸM" panose="020B0609000000000000" pitchFamily="49" charset="-128"/>
+              <a:ea typeface="HGｺﾞｼｯｸM" panose="020B0609000000000000" pitchFamily="49" charset="-128"/>
+            </a:endParaRPr>
+          </a:p>
+        </p:txBody>
+      </p:sp>
+      <p:sp>
+        <p:nvSpPr>
+          <p:cNvPr id="4" name="四角形: 角を丸くする 3">
+            <a:extLst>
+              <a:ext uri="{FF2B5EF4-FFF2-40B4-BE49-F238E27FC236}">
+                <a16:creationId xmlns:a16="http://schemas.microsoft.com/office/drawing/2014/main" id="{AF247C9C-C3E7-2294-3EBC-27311E4FB740}"/>
+              </a:ext>
+            </a:extLst>
+          </p:cNvPr>
+          <p:cNvSpPr/>
+          <p:nvPr/>
+        </p:nvSpPr>
+        <p:spPr>
+          <a:xfrm>
+            <a:off x="838200" y="325367"/>
+            <a:ext cx="10515600" cy="1325563"/>
+          </a:xfrm>
+          <a:prstGeom prst="roundRect">
+            <a:avLst/>
+          </a:prstGeom>
+          <a:solidFill>
+            <a:srgbClr val="FFA333"/>
+          </a:solidFill>
+          <a:ln w="38100">
+            <a:noFill/>
+          </a:ln>
+        </p:spPr>
+        <p:style>
+          <a:lnRef idx="2">
+            <a:schemeClr val="accent1">
+              <a:shade val="50000"/>
+            </a:schemeClr>
+          </a:lnRef>
+          <a:fillRef idx="1">
+            <a:schemeClr val="accent1"/>
+          </a:fillRef>
+          <a:effectRef idx="0">
+            <a:schemeClr val="accent1"/>
+          </a:effectRef>
+          <a:fontRef idx="minor">
+            <a:schemeClr val="lt1"/>
+          </a:fontRef>
+        </p:style>
+        <p:txBody>
+          <a:bodyPr rtlCol="0" anchor="ctr"/>
+          <a:lstStyle/>
+          <a:p>
+            <a:pPr marL="0" marR="0" lvl="0" indent="0" algn="l" defTabSz="914400" rtl="0" eaLnBrk="1" fontAlgn="auto" latinLnBrk="0" hangingPunct="1">
+              <a:lnSpc>
+                <a:spcPct val="100000"/>
+              </a:lnSpc>
+              <a:spcBef>
+                <a:spcPts val="0"/>
+              </a:spcBef>
+              <a:spcAft>
+                <a:spcPts val="0"/>
+              </a:spcAft>
+              <a:buClrTx/>
+              <a:buSzTx/>
+              <a:buFontTx/>
               <a:buNone/>
+              <a:tabLst/>
+              <a:defRPr/>
             </a:pPr>
             <a:r>
-              <a:rPr kumimoji="1" lang="ja-JP" altLang="en-US" dirty="0"/>
-              <a:t>苦労した点</a:t>
-            </a:r>
-            <a:endParaRPr kumimoji="1" lang="en-US" altLang="ja-JP" dirty="0"/>
-          </a:p>
-          <a:p>
-            <a:pPr marL="0" indent="0">
-              <a:buNone/>
+              <a:rPr lang="ja-JP" altLang="en-US" sz="4400" dirty="0">
+                <a:solidFill>
+                  <a:prstClr val="white"/>
+                </a:solidFill>
+                <a:latin typeface="HGｺﾞｼｯｸE" panose="020B0909000000000000" pitchFamily="49" charset="-128"/>
+                <a:ea typeface="HGｺﾞｼｯｸE" panose="020B0909000000000000" pitchFamily="49" charset="-128"/>
+              </a:rPr>
+              <a:t>内田 歩輝</a:t>
+            </a:r>
+            <a:endParaRPr lang="en-US" altLang="ja-JP" sz="4400" dirty="0">
+              <a:solidFill>
+                <a:prstClr val="white"/>
+              </a:solidFill>
+              <a:latin typeface="HGｺﾞｼｯｸE" panose="020B0909000000000000" pitchFamily="49" charset="-128"/>
+              <a:ea typeface="HGｺﾞｼｯｸE" panose="020B0909000000000000" pitchFamily="49" charset="-128"/>
+            </a:endParaRPr>
+          </a:p>
+          <a:p>
+            <a:pPr lvl="0">
+              <a:defRPr/>
             </a:pPr>
-            <a:endParaRPr lang="en-US" altLang="ja-JP" dirty="0"/>
-          </a:p>
-          <a:p>
-            <a:pPr marL="0" indent="0">
-              <a:buNone/>
-            </a:pPr>
-            <a:endParaRPr kumimoji="1" lang="en-US" altLang="ja-JP" dirty="0"/>
-          </a:p>
-          <a:p>
-            <a:pPr marL="0" indent="0">
-              <a:buNone/>
-            </a:pPr>
-            <a:r>
-              <a:rPr kumimoji="1" lang="ja-JP" altLang="en-US" dirty="0"/>
-              <a:t>成果</a:t>
-            </a:r>
+            <a:r>
+              <a:rPr lang="ja-JP" altLang="en-US" sz="3600" dirty="0">
+                <a:solidFill>
+                  <a:prstClr val="white"/>
+                </a:solidFill>
+                <a:latin typeface="HGｺﾞｼｯｸE" panose="020B0909000000000000" pitchFamily="49" charset="-128"/>
+                <a:ea typeface="HGｺﾞｼｯｸE" panose="020B0909000000000000" pitchFamily="49" charset="-128"/>
+              </a:rPr>
+              <a:t>（株式会社</a:t>
+            </a:r>
+            <a:r>
+              <a:rPr lang="en-US" altLang="ja-JP" sz="3600" dirty="0">
+                <a:solidFill>
+                  <a:prstClr val="white"/>
+                </a:solidFill>
+                <a:latin typeface="HGｺﾞｼｯｸE" panose="020B0909000000000000" pitchFamily="49" charset="-128"/>
+                <a:ea typeface="HGｺﾞｼｯｸE" panose="020B0909000000000000" pitchFamily="49" charset="-128"/>
+              </a:rPr>
+              <a:t>K</a:t>
+            </a:r>
+            <a:r>
+              <a:rPr lang="ja-JP" altLang="en-US" sz="3600" dirty="0">
+                <a:solidFill>
+                  <a:prstClr val="white"/>
+                </a:solidFill>
+                <a:latin typeface="HGｺﾞｼｯｸE" panose="020B0909000000000000" pitchFamily="49" charset="-128"/>
+                <a:ea typeface="HGｺﾞｼｯｸE" panose="020B0909000000000000" pitchFamily="49" charset="-128"/>
+              </a:rPr>
+              <a:t>・システムソリューション）</a:t>
+            </a:r>
+            <a:endParaRPr kumimoji="1" lang="ja-JP" altLang="en-US" sz="3600" b="0" i="0" u="none" strike="noStrike" kern="1200" cap="none" spc="0" normalizeH="0" baseline="0" noProof="0" dirty="0">
+              <a:ln>
+                <a:noFill/>
+              </a:ln>
+              <a:solidFill>
+                <a:prstClr val="white"/>
+              </a:solidFill>
+              <a:effectLst/>
+              <a:uLnTx/>
+              <a:uFillTx/>
+              <a:latin typeface="HGｺﾞｼｯｸE" panose="020B0909000000000000" pitchFamily="49" charset="-128"/>
+              <a:ea typeface="HGｺﾞｼｯｸE" panose="020B0909000000000000" pitchFamily="49" charset="-128"/>
+              <a:cs typeface="+mn-cs"/>
+            </a:endParaRPr>
           </a:p>
         </p:txBody>
       </p:sp>
     </p:spTree>
     <p:extLst>
       <p:ext uri="{BB962C8B-B14F-4D97-AF65-F5344CB8AC3E}">
-        <p14:creationId xmlns:p14="http://schemas.microsoft.com/office/powerpoint/2010/main" val="3338800957"/>
+        <p14:creationId xmlns:p14="http://schemas.microsoft.com/office/powerpoint/2010/main" val="4046613059"/>
       </p:ext>
     </p:extLst>
   </p:cSld>
@@ -9065,182 +10363,6 @@
 </file>
 
 <file path=ppt/slides/slide23.xml><?xml version="1.0" encoding="utf-8"?>
-<p:sld xmlns:a="http://schemas.openxmlformats.org/drawingml/2006/main" xmlns:r="http://schemas.openxmlformats.org/officeDocument/2006/relationships" xmlns:p="http://schemas.openxmlformats.org/presentationml/2006/main">
-  <p:cSld>
-    <p:spTree>
-      <p:nvGrpSpPr>
-        <p:cNvPr id="1" name=""/>
-        <p:cNvGrpSpPr/>
-        <p:nvPr/>
-      </p:nvGrpSpPr>
-      <p:grpSpPr>
-        <a:xfrm>
-          <a:off x="0" y="0"/>
-          <a:ext cx="0" cy="0"/>
-          <a:chOff x="0" y="0"/>
-          <a:chExt cx="0" cy="0"/>
-        </a:xfrm>
-      </p:grpSpPr>
-      <p:sp>
-        <p:nvSpPr>
-          <p:cNvPr id="2" name="タイトル 1">
-            <a:extLst>
-              <a:ext uri="{FF2B5EF4-FFF2-40B4-BE49-F238E27FC236}">
-                <a16:creationId xmlns:a16="http://schemas.microsoft.com/office/drawing/2014/main" id="{693A6AA4-E421-2B25-F07B-E8469B9F6618}"/>
-              </a:ext>
-            </a:extLst>
-          </p:cNvPr>
-          <p:cNvSpPr>
-            <a:spLocks noGrp="1"/>
-          </p:cNvSpPr>
-          <p:nvPr>
-            <p:ph type="title"/>
-          </p:nvPr>
-        </p:nvSpPr>
-        <p:spPr>
-          <a:solidFill>
-            <a:schemeClr val="accent2">
-              <a:lumMod val="75000"/>
-            </a:schemeClr>
-          </a:solidFill>
-        </p:spPr>
-        <p:txBody>
-          <a:bodyPr/>
-          <a:lstStyle/>
-          <a:p>
-            <a:r>
-              <a:rPr lang="ja-JP" altLang="en-US" dirty="0">
-                <a:solidFill>
-                  <a:schemeClr val="bg1"/>
-                </a:solidFill>
-                <a:latin typeface="HGS創英角ｺﾞｼｯｸUB" panose="020B0900000000000000" pitchFamily="50" charset="-128"/>
-                <a:ea typeface="HGS創英角ｺﾞｼｯｸUB" panose="020B0900000000000000" pitchFamily="50" charset="-128"/>
-              </a:rPr>
-              <a:t>名前</a:t>
-            </a:r>
-            <a:br>
-              <a:rPr lang="en-US" altLang="ja-JP" dirty="0">
-                <a:solidFill>
-                  <a:schemeClr val="bg1"/>
-                </a:solidFill>
-                <a:latin typeface="HGS創英角ｺﾞｼｯｸUB" panose="020B0900000000000000" pitchFamily="50" charset="-128"/>
-                <a:ea typeface="HGS創英角ｺﾞｼｯｸUB" panose="020B0900000000000000" pitchFamily="50" charset="-128"/>
-              </a:rPr>
-            </a:br>
-            <a:r>
-              <a:rPr lang="ja-JP" altLang="en-US" sz="3600" dirty="0">
-                <a:solidFill>
-                  <a:schemeClr val="bg1"/>
-                </a:solidFill>
-                <a:latin typeface="HGS創英角ｺﾞｼｯｸUB" panose="020B0900000000000000" pitchFamily="50" charset="-128"/>
-                <a:ea typeface="HGS創英角ｺﾞｼｯｸUB" panose="020B0900000000000000" pitchFamily="50" charset="-128"/>
-              </a:rPr>
-              <a:t>（会社名）</a:t>
-            </a:r>
-            <a:endParaRPr lang="ja-JP" altLang="en-US" dirty="0">
-              <a:solidFill>
-                <a:schemeClr val="bg1"/>
-              </a:solidFill>
-              <a:latin typeface="HGS創英角ｺﾞｼｯｸUB" panose="020B0900000000000000" pitchFamily="50" charset="-128"/>
-              <a:ea typeface="HGS創英角ｺﾞｼｯｸUB" panose="020B0900000000000000" pitchFamily="50" charset="-128"/>
-            </a:endParaRPr>
-          </a:p>
-        </p:txBody>
-      </p:sp>
-      <p:sp>
-        <p:nvSpPr>
-          <p:cNvPr id="3" name="コンテンツ プレースホルダー 2">
-            <a:extLst>
-              <a:ext uri="{FF2B5EF4-FFF2-40B4-BE49-F238E27FC236}">
-                <a16:creationId xmlns:a16="http://schemas.microsoft.com/office/drawing/2014/main" id="{CC96BA86-5DEC-0C8A-0D37-9901BCB94BED}"/>
-              </a:ext>
-            </a:extLst>
-          </p:cNvPr>
-          <p:cNvSpPr>
-            <a:spLocks noGrp="1"/>
-          </p:cNvSpPr>
-          <p:nvPr>
-            <p:ph idx="1"/>
-          </p:nvPr>
-        </p:nvSpPr>
-        <p:spPr>
-          <a:xfrm>
-            <a:off x="838200" y="1825625"/>
-            <a:ext cx="10515600" cy="4836432"/>
-          </a:xfrm>
-        </p:spPr>
-        <p:txBody>
-          <a:bodyPr/>
-          <a:lstStyle/>
-          <a:p>
-            <a:pPr marL="0" indent="0">
-              <a:buNone/>
-            </a:pPr>
-            <a:r>
-              <a:rPr kumimoji="1" lang="ja-JP" altLang="en-US" dirty="0"/>
-              <a:t>担当</a:t>
-            </a:r>
-            <a:endParaRPr kumimoji="1" lang="en-US" altLang="ja-JP" dirty="0"/>
-          </a:p>
-          <a:p>
-            <a:pPr marL="0" indent="0">
-              <a:buNone/>
-            </a:pPr>
-            <a:endParaRPr kumimoji="1" lang="en-US" altLang="ja-JP" dirty="0"/>
-          </a:p>
-          <a:p>
-            <a:pPr marL="0" indent="0">
-              <a:buNone/>
-            </a:pPr>
-            <a:endParaRPr lang="en-US" altLang="ja-JP" dirty="0"/>
-          </a:p>
-          <a:p>
-            <a:pPr marL="0" indent="0">
-              <a:buNone/>
-            </a:pPr>
-            <a:r>
-              <a:rPr kumimoji="1" lang="ja-JP" altLang="en-US" dirty="0"/>
-              <a:t>苦労した点</a:t>
-            </a:r>
-            <a:endParaRPr kumimoji="1" lang="en-US" altLang="ja-JP" dirty="0"/>
-          </a:p>
-          <a:p>
-            <a:pPr marL="0" indent="0">
-              <a:buNone/>
-            </a:pPr>
-            <a:endParaRPr lang="en-US" altLang="ja-JP" dirty="0"/>
-          </a:p>
-          <a:p>
-            <a:pPr marL="0" indent="0">
-              <a:buNone/>
-            </a:pPr>
-            <a:endParaRPr kumimoji="1" lang="en-US" altLang="ja-JP" dirty="0"/>
-          </a:p>
-          <a:p>
-            <a:pPr marL="0" indent="0">
-              <a:buNone/>
-            </a:pPr>
-            <a:r>
-              <a:rPr kumimoji="1" lang="ja-JP" altLang="en-US" dirty="0"/>
-              <a:t>成果</a:t>
-            </a:r>
-          </a:p>
-        </p:txBody>
-      </p:sp>
-    </p:spTree>
-    <p:extLst>
-      <p:ext uri="{BB962C8B-B14F-4D97-AF65-F5344CB8AC3E}">
-        <p14:creationId xmlns:p14="http://schemas.microsoft.com/office/powerpoint/2010/main" val="2302862594"/>
-      </p:ext>
-    </p:extLst>
-  </p:cSld>
-  <p:clrMapOvr>
-    <a:masterClrMapping/>
-  </p:clrMapOvr>
-</p:sld>
-</file>
-
-<file path=ppt/slides/slide24.xml><?xml version="1.0" encoding="utf-8"?>
 <p:sld xmlns:a="http://schemas.openxmlformats.org/drawingml/2006/main" xmlns:r="http://schemas.openxmlformats.org/officeDocument/2006/relationships" xmlns:p="http://schemas.openxmlformats.org/presentationml/2006/main">
   <p:cSld>
     <p:spTree>
@@ -9343,7 +10465,7 @@
 </p:sld>
 </file>
 
-<file path=ppt/slides/slide25.xml><?xml version="1.0" encoding="utf-8"?>
+<file path=ppt/slides/slide24.xml><?xml version="1.0" encoding="utf-8"?>
 <p:sld xmlns:a="http://schemas.openxmlformats.org/drawingml/2006/main" xmlns:r="http://schemas.openxmlformats.org/officeDocument/2006/relationships" xmlns:p="http://schemas.openxmlformats.org/presentationml/2006/main">
   <p:cSld>
     <p:spTree>
@@ -9420,7 +10542,68 @@
             <a:pPr marL="0" indent="0">
               <a:buNone/>
             </a:pPr>
-            <a:endParaRPr kumimoji="1" lang="ja-JP" altLang="en-US" dirty="0"/>
+            <a:r>
+              <a:rPr kumimoji="1" lang="ja-JP" altLang="en-US" dirty="0"/>
+              <a:t>本アプリの作成にあたって、</a:t>
+            </a:r>
+            <a:r>
+              <a:rPr lang="ja-JP" altLang="en-US" dirty="0"/>
+              <a:t>指導していただいた</a:t>
+            </a:r>
+            <a:br>
+              <a:rPr lang="en-US" altLang="ja-JP" dirty="0"/>
+            </a:br>
+            <a:r>
+              <a:rPr lang="ja-JP" altLang="en-US" dirty="0"/>
+              <a:t>ウェビナー講師の冨原講師、</a:t>
+            </a:r>
+            <a:r>
+              <a:rPr lang="en-US" altLang="ja-JP" dirty="0"/>
+              <a:t>F</a:t>
+            </a:r>
+            <a:r>
+              <a:rPr lang="ja-JP" altLang="en-US" dirty="0"/>
+              <a:t>クラス講師の一戸講師に</a:t>
+            </a:r>
+            <a:br>
+              <a:rPr lang="en-US" altLang="ja-JP" dirty="0"/>
+            </a:br>
+            <a:r>
+              <a:rPr lang="ja-JP" altLang="en-US" dirty="0"/>
+              <a:t>心から感謝申し上げます。</a:t>
+            </a:r>
+            <a:endParaRPr lang="en-US" altLang="ja-JP" dirty="0"/>
+          </a:p>
+          <a:p>
+            <a:pPr marL="0" indent="0">
+              <a:buNone/>
+            </a:pPr>
+            <a:r>
+              <a:rPr kumimoji="1" lang="ja-JP" altLang="en-US" dirty="0"/>
+              <a:t>また、この研修に参加する機会を与えてくださった、</a:t>
+            </a:r>
+            <a:br>
+              <a:rPr kumimoji="1" lang="en-US" altLang="ja-JP" dirty="0"/>
+            </a:br>
+            <a:r>
+              <a:rPr kumimoji="1" lang="ja-JP" altLang="en-US" dirty="0"/>
+              <a:t>株式会社</a:t>
+            </a:r>
+            <a:r>
+              <a:rPr kumimoji="1" lang="en-US" altLang="ja-JP" dirty="0"/>
+              <a:t>SE</a:t>
+            </a:r>
+            <a:r>
+              <a:rPr kumimoji="1" lang="ja-JP" altLang="en-US" dirty="0"/>
+              <a:t>プラスの皆様、所属企業の皆様に</a:t>
+            </a:r>
+            <a:br>
+              <a:rPr kumimoji="1" lang="en-US" altLang="ja-JP" dirty="0"/>
+            </a:br>
+            <a:r>
+              <a:rPr kumimoji="1" lang="ja-JP" altLang="en-US" dirty="0"/>
+              <a:t>厚く御礼申し上げます。</a:t>
+            </a:r>
           </a:p>
         </p:txBody>
       </p:sp>
@@ -11072,6 +12255,35 @@
           <a:chExt cx="0" cy="0"/>
         </a:xfrm>
       </p:grpSpPr>
+      <p:pic>
+        <p:nvPicPr>
+          <p:cNvPr id="23" name="図 22">
+            <a:extLst>
+              <a:ext uri="{FF2B5EF4-FFF2-40B4-BE49-F238E27FC236}">
+                <a16:creationId xmlns:a16="http://schemas.microsoft.com/office/drawing/2014/main" id="{805DCC7F-3E58-EDF6-8FD2-1F6CD985BC6B}"/>
+              </a:ext>
+            </a:extLst>
+          </p:cNvPr>
+          <p:cNvPicPr>
+            <a:picLocks noChangeAspect="1"/>
+          </p:cNvPicPr>
+          <p:nvPr/>
+        </p:nvPicPr>
+        <p:blipFill rotWithShape="1">
+          <a:blip r:embed="rId3"/>
+          <a:srcRect l="24263" t="13296" r="21340" b="7976"/>
+          <a:stretch/>
+        </p:blipFill>
+        <p:spPr>
+          <a:xfrm>
+            <a:off x="6681285" y="2403196"/>
+            <a:ext cx="5339166" cy="4344444"/>
+          </a:xfrm>
+          <a:prstGeom prst="rect">
+            <a:avLst/>
+          </a:prstGeom>
+        </p:spPr>
+      </p:pic>
       <p:sp>
         <p:nvSpPr>
           <p:cNvPr id="13" name="楕円 12">
@@ -11132,35 +12344,6 @@
           </a:p>
         </p:txBody>
       </p:sp>
-      <p:pic>
-        <p:nvPicPr>
-          <p:cNvPr id="9" name="図 8">
-            <a:extLst>
-              <a:ext uri="{FF2B5EF4-FFF2-40B4-BE49-F238E27FC236}">
-                <a16:creationId xmlns:a16="http://schemas.microsoft.com/office/drawing/2014/main" id="{90A4D2D1-EB15-E709-CD2C-125C982A3272}"/>
-              </a:ext>
-            </a:extLst>
-          </p:cNvPr>
-          <p:cNvPicPr>
-            <a:picLocks noChangeAspect="1"/>
-          </p:cNvPicPr>
-          <p:nvPr/>
-        </p:nvPicPr>
-        <p:blipFill rotWithShape="1">
-          <a:blip r:embed="rId3"/>
-          <a:srcRect l="24214" t="13177" r="21492" b="7861"/>
-          <a:stretch/>
-        </p:blipFill>
-        <p:spPr>
-          <a:xfrm>
-            <a:off x="6681286" y="2385266"/>
-            <a:ext cx="5313165" cy="4344444"/>
-          </a:xfrm>
-          <a:prstGeom prst="rect">
-            <a:avLst/>
-          </a:prstGeom>
-        </p:spPr>
-      </p:pic>
       <p:sp>
         <p:nvSpPr>
           <p:cNvPr id="2" name="タイトル 1">

--- a/doc/プレゼン資料_F3_なかおっち.pptx
+++ b/doc/プレゼン資料_F3_なかおっち.pptx
@@ -6533,7 +6533,7 @@
         </p:nvSpPr>
         <p:spPr>
           <a:xfrm>
-            <a:off x="755104" y="2404484"/>
+            <a:off x="493273" y="2654132"/>
             <a:ext cx="2470489" cy="774868"/>
           </a:xfrm>
           <a:prstGeom prst="ellipse">
@@ -7033,10 +7033,10 @@
       </p:sp>
       <p:pic>
         <p:nvPicPr>
-          <p:cNvPr id="5" name="図 4">
-            <a:extLst>
-              <a:ext uri="{FF2B5EF4-FFF2-40B4-BE49-F238E27FC236}">
-                <a16:creationId xmlns:a16="http://schemas.microsoft.com/office/drawing/2014/main" id="{6A0EC2A2-BA7E-44F1-6790-F46B2B5AC6BE}"/>
+          <p:cNvPr id="4" name="図 3">
+            <a:extLst>
+              <a:ext uri="{FF2B5EF4-FFF2-40B4-BE49-F238E27FC236}">
+                <a16:creationId xmlns:a16="http://schemas.microsoft.com/office/drawing/2014/main" id="{B932DD29-A854-B3DC-7DEE-313FFF8EABC6}"/>
               </a:ext>
             </a:extLst>
           </p:cNvPr>
@@ -7047,13 +7047,13 @@
         </p:nvPicPr>
         <p:blipFill rotWithShape="1">
           <a:blip r:embed="rId5"/>
-          <a:srcRect t="9504" r="2187" b="5302"/>
+          <a:srcRect t="10211" b="5302"/>
           <a:stretch/>
         </p:blipFill>
         <p:spPr>
           <a:xfrm>
-            <a:off x="81464" y="3077121"/>
-            <a:ext cx="6288258" cy="3079314"/>
+            <a:off x="70565" y="3320453"/>
+            <a:ext cx="6288258" cy="2986979"/>
           </a:xfrm>
           <a:prstGeom prst="rect">
             <a:avLst/>

--- a/doc/プレゼン資料_F3_なかおっち.pptx
+++ b/doc/プレゼン資料_F3_なかおっち.pptx
@@ -220,7 +220,7 @@
           <a:p>
             <a:fld id="{85B45B40-20F4-4BB7-A9AD-AD3E8AF4E576}" type="datetimeFigureOut">
               <a:rPr kumimoji="1" lang="ja-JP" altLang="en-US" smtClean="0"/>
-              <a:t>2022/6/23</a:t>
+              <a:t>2022/6/24</a:t>
             </a:fld>
             <a:endParaRPr kumimoji="1" lang="ja-JP" altLang="en-US"/>
           </a:p>
@@ -563,10 +563,7 @@
           <a:bodyPr/>
           <a:lstStyle/>
           <a:p>
-            <a:r>
-              <a:rPr kumimoji="1" lang="ja-JP" altLang="en-US" dirty="0"/>
-              <a:t>上になかおっちのフリガナはいるか？</a:t>
-            </a:r>
+            <a:endParaRPr kumimoji="1" lang="ja-JP" altLang="en-US" dirty="0"/>
           </a:p>
         </p:txBody>
       </p:sp>
@@ -671,6 +668,90 @@
           <a:p>
             <a:fld id="{4FB5F70D-02C0-4F83-8937-892046578496}" type="slidenum">
               <a:rPr kumimoji="1" lang="ja-JP" altLang="en-US" smtClean="0"/>
+              <a:t>14</a:t>
+            </a:fld>
+            <a:endParaRPr kumimoji="1" lang="ja-JP" altLang="en-US"/>
+          </a:p>
+        </p:txBody>
+      </p:sp>
+    </p:spTree>
+    <p:extLst>
+      <p:ext uri="{BB962C8B-B14F-4D97-AF65-F5344CB8AC3E}">
+        <p14:creationId xmlns:p14="http://schemas.microsoft.com/office/powerpoint/2010/main" val="1546769941"/>
+      </p:ext>
+    </p:extLst>
+  </p:cSld>
+  <p:clrMapOvr>
+    <a:masterClrMapping/>
+  </p:clrMapOvr>
+</p:notes>
+</file>
+
+<file path=ppt/notesSlides/notesSlide11.xml><?xml version="1.0" encoding="utf-8"?>
+<p:notes xmlns:a="http://schemas.openxmlformats.org/drawingml/2006/main" xmlns:r="http://schemas.openxmlformats.org/officeDocument/2006/relationships" xmlns:p="http://schemas.openxmlformats.org/presentationml/2006/main">
+  <p:cSld>
+    <p:spTree>
+      <p:nvGrpSpPr>
+        <p:cNvPr id="1" name=""/>
+        <p:cNvGrpSpPr/>
+        <p:nvPr/>
+      </p:nvGrpSpPr>
+      <p:grpSpPr>
+        <a:xfrm>
+          <a:off x="0" y="0"/>
+          <a:ext cx="0" cy="0"/>
+          <a:chOff x="0" y="0"/>
+          <a:chExt cx="0" cy="0"/>
+        </a:xfrm>
+      </p:grpSpPr>
+      <p:sp>
+        <p:nvSpPr>
+          <p:cNvPr id="2" name="スライド イメージ プレースホルダー 1"/>
+          <p:cNvSpPr>
+            <a:spLocks noGrp="1" noRot="1" noChangeAspect="1"/>
+          </p:cNvSpPr>
+          <p:nvPr>
+            <p:ph type="sldImg"/>
+          </p:nvPr>
+        </p:nvSpPr>
+        <p:spPr/>
+      </p:sp>
+      <p:sp>
+        <p:nvSpPr>
+          <p:cNvPr id="3" name="ノート プレースホルダー 2"/>
+          <p:cNvSpPr>
+            <a:spLocks noGrp="1"/>
+          </p:cNvSpPr>
+          <p:nvPr>
+            <p:ph type="body" idx="1"/>
+          </p:nvPr>
+        </p:nvSpPr>
+        <p:spPr/>
+        <p:txBody>
+          <a:bodyPr/>
+          <a:lstStyle/>
+          <a:p>
+            <a:endParaRPr kumimoji="1" lang="ja-JP" altLang="en-US" dirty="0"/>
+          </a:p>
+        </p:txBody>
+      </p:sp>
+      <p:sp>
+        <p:nvSpPr>
+          <p:cNvPr id="4" name="スライド番号プレースホルダー 3"/>
+          <p:cNvSpPr>
+            <a:spLocks noGrp="1"/>
+          </p:cNvSpPr>
+          <p:nvPr>
+            <p:ph type="sldNum" sz="quarter" idx="5"/>
+          </p:nvPr>
+        </p:nvSpPr>
+        <p:spPr/>
+        <p:txBody>
+          <a:bodyPr/>
+          <a:lstStyle/>
+          <a:p>
+            <a:fld id="{4FB5F70D-02C0-4F83-8937-892046578496}" type="slidenum">
+              <a:rPr kumimoji="1" lang="ja-JP" altLang="en-US" smtClean="0"/>
               <a:t>16</a:t>
             </a:fld>
             <a:endParaRPr kumimoji="1" lang="ja-JP" altLang="en-US"/>
@@ -1070,18 +1151,7 @@
           <a:bodyPr/>
           <a:lstStyle/>
           <a:p>
-            <a:r>
-              <a:rPr kumimoji="1" lang="ja-JP" altLang="en-US" dirty="0"/>
-              <a:t>経験値は</a:t>
-            </a:r>
-            <a:r>
-              <a:rPr kumimoji="1" lang="en-US" altLang="ja-JP" dirty="0"/>
-              <a:t>…</a:t>
-            </a:r>
-            <a:r>
-              <a:rPr kumimoji="1" lang="ja-JP" altLang="en-US" dirty="0"/>
-              <a:t>の下の空白どうする？</a:t>
-            </a:r>
+            <a:endParaRPr kumimoji="1" lang="ja-JP" altLang="en-US" dirty="0"/>
           </a:p>
         </p:txBody>
       </p:sp>
@@ -1165,14 +1235,6 @@
           <a:bodyPr/>
           <a:lstStyle/>
           <a:p>
-            <a:r>
-              <a:rPr kumimoji="1" lang="ja-JP" altLang="en-US" dirty="0"/>
-              <a:t>空白多い</a:t>
-            </a:r>
-            <a:r>
-              <a:rPr kumimoji="1" lang="en-US" altLang="ja-JP" dirty="0"/>
-              <a:t>…</a:t>
-            </a:r>
             <a:endParaRPr kumimoji="1" lang="ja-JP" altLang="en-US" dirty="0"/>
           </a:p>
         </p:txBody>
@@ -1257,10 +1319,7 @@
           <a:bodyPr/>
           <a:lstStyle/>
           <a:p>
-            <a:r>
-              <a:rPr kumimoji="1" lang="ja-JP" altLang="en-US" dirty="0"/>
-              <a:t>スクショ貼る</a:t>
-            </a:r>
+            <a:endParaRPr kumimoji="1" lang="ja-JP" altLang="en-US" dirty="0"/>
           </a:p>
         </p:txBody>
       </p:sp>
@@ -1344,17 +1403,7 @@
           <a:bodyPr/>
           <a:lstStyle/>
           <a:p>
-            <a:r>
-              <a:rPr kumimoji="1" lang="ja-JP" altLang="en-US" dirty="0"/>
-              <a:t>スクショ貼る</a:t>
-            </a:r>
-            <a:endParaRPr kumimoji="1" lang="en-US" altLang="ja-JP" dirty="0"/>
-          </a:p>
-          <a:p>
-            <a:r>
-              <a:rPr kumimoji="1" lang="ja-JP" altLang="en-US" dirty="0"/>
-              <a:t>キャラチェンジ後のスクショ変える（キャラの配置にズレがあるため）</a:t>
-            </a:r>
+            <a:endParaRPr kumimoji="1" lang="ja-JP" altLang="en-US" dirty="0"/>
           </a:p>
         </p:txBody>
       </p:sp>
@@ -1541,7 +1590,7 @@
           <a:p>
             <a:fld id="{DE4BA7E1-AEC3-4D3A-B9C5-26FBCA429707}" type="datetimeFigureOut">
               <a:rPr kumimoji="1" lang="ja-JP" altLang="en-US" smtClean="0"/>
-              <a:t>2022/6/23</a:t>
+              <a:t>2022/6/24</a:t>
             </a:fld>
             <a:endParaRPr kumimoji="1" lang="ja-JP" altLang="en-US"/>
           </a:p>
@@ -1771,7 +1820,7 @@
           <a:p>
             <a:fld id="{DE4BA7E1-AEC3-4D3A-B9C5-26FBCA429707}" type="datetimeFigureOut">
               <a:rPr kumimoji="1" lang="ja-JP" altLang="en-US" smtClean="0"/>
-              <a:t>2022/6/23</a:t>
+              <a:t>2022/6/24</a:t>
             </a:fld>
             <a:endParaRPr kumimoji="1" lang="ja-JP" altLang="en-US"/>
           </a:p>
@@ -2011,7 +2060,7 @@
           <a:p>
             <a:fld id="{DE4BA7E1-AEC3-4D3A-B9C5-26FBCA429707}" type="datetimeFigureOut">
               <a:rPr kumimoji="1" lang="ja-JP" altLang="en-US" smtClean="0"/>
-              <a:t>2022/6/23</a:t>
+              <a:t>2022/6/24</a:t>
             </a:fld>
             <a:endParaRPr kumimoji="1" lang="ja-JP" altLang="en-US"/>
           </a:p>
@@ -2241,7 +2290,7 @@
           <a:p>
             <a:fld id="{DE4BA7E1-AEC3-4D3A-B9C5-26FBCA429707}" type="datetimeFigureOut">
               <a:rPr kumimoji="1" lang="ja-JP" altLang="en-US" smtClean="0"/>
-              <a:t>2022/6/23</a:t>
+              <a:t>2022/6/24</a:t>
             </a:fld>
             <a:endParaRPr kumimoji="1" lang="ja-JP" altLang="en-US"/>
           </a:p>
@@ -2516,7 +2565,7 @@
           <a:p>
             <a:fld id="{DE4BA7E1-AEC3-4D3A-B9C5-26FBCA429707}" type="datetimeFigureOut">
               <a:rPr kumimoji="1" lang="ja-JP" altLang="en-US" smtClean="0"/>
-              <a:t>2022/6/23</a:t>
+              <a:t>2022/6/24</a:t>
             </a:fld>
             <a:endParaRPr kumimoji="1" lang="ja-JP" altLang="en-US"/>
           </a:p>
@@ -2845,7 +2894,7 @@
           <a:p>
             <a:fld id="{DE4BA7E1-AEC3-4D3A-B9C5-26FBCA429707}" type="datetimeFigureOut">
               <a:rPr kumimoji="1" lang="ja-JP" altLang="en-US" smtClean="0"/>
-              <a:t>2022/6/23</a:t>
+              <a:t>2022/6/24</a:t>
             </a:fld>
             <a:endParaRPr kumimoji="1" lang="ja-JP" altLang="en-US"/>
           </a:p>
@@ -3321,7 +3370,7 @@
           <a:p>
             <a:fld id="{DE4BA7E1-AEC3-4D3A-B9C5-26FBCA429707}" type="datetimeFigureOut">
               <a:rPr kumimoji="1" lang="ja-JP" altLang="en-US" smtClean="0"/>
-              <a:t>2022/6/23</a:t>
+              <a:t>2022/6/24</a:t>
             </a:fld>
             <a:endParaRPr kumimoji="1" lang="ja-JP" altLang="en-US"/>
           </a:p>
@@ -3462,7 +3511,7 @@
           <a:p>
             <a:fld id="{DE4BA7E1-AEC3-4D3A-B9C5-26FBCA429707}" type="datetimeFigureOut">
               <a:rPr kumimoji="1" lang="ja-JP" altLang="en-US" smtClean="0"/>
-              <a:t>2022/6/23</a:t>
+              <a:t>2022/6/24</a:t>
             </a:fld>
             <a:endParaRPr kumimoji="1" lang="ja-JP" altLang="en-US"/>
           </a:p>
@@ -3575,7 +3624,7 @@
           <a:p>
             <a:fld id="{DE4BA7E1-AEC3-4D3A-B9C5-26FBCA429707}" type="datetimeFigureOut">
               <a:rPr kumimoji="1" lang="ja-JP" altLang="en-US" smtClean="0"/>
-              <a:t>2022/6/23</a:t>
+              <a:t>2022/6/24</a:t>
             </a:fld>
             <a:endParaRPr kumimoji="1" lang="ja-JP" altLang="en-US"/>
           </a:p>
@@ -3918,7 +3967,7 @@
           <a:p>
             <a:fld id="{DE4BA7E1-AEC3-4D3A-B9C5-26FBCA429707}" type="datetimeFigureOut">
               <a:rPr kumimoji="1" lang="ja-JP" altLang="en-US" smtClean="0"/>
-              <a:t>2022/6/23</a:t>
+              <a:t>2022/6/24</a:t>
             </a:fld>
             <a:endParaRPr kumimoji="1" lang="ja-JP" altLang="en-US"/>
           </a:p>
@@ -4206,7 +4255,7 @@
           <a:p>
             <a:fld id="{DE4BA7E1-AEC3-4D3A-B9C5-26FBCA429707}" type="datetimeFigureOut">
               <a:rPr kumimoji="1" lang="ja-JP" altLang="en-US" smtClean="0"/>
-              <a:t>2022/6/23</a:t>
+              <a:t>2022/6/24</a:t>
             </a:fld>
             <a:endParaRPr kumimoji="1" lang="ja-JP" altLang="en-US"/>
           </a:p>
@@ -4479,7 +4528,7 @@
           <a:p>
             <a:fld id="{DE4BA7E1-AEC3-4D3A-B9C5-26FBCA429707}" type="datetimeFigureOut">
               <a:rPr kumimoji="1" lang="ja-JP" altLang="en-US" smtClean="0"/>
-              <a:t>2022/6/23</a:t>
+              <a:t>2022/6/24</a:t>
             </a:fld>
             <a:endParaRPr kumimoji="1" lang="ja-JP" altLang="en-US"/>
           </a:p>
@@ -5001,6 +5050,97 @@
           </a:prstGeom>
         </p:spPr>
       </p:pic>
+      <p:grpSp>
+        <p:nvGrpSpPr>
+          <p:cNvPr id="5" name="グループ化 4">
+            <a:extLst>
+              <a:ext uri="{FF2B5EF4-FFF2-40B4-BE49-F238E27FC236}">
+                <a16:creationId xmlns:a16="http://schemas.microsoft.com/office/drawing/2014/main" id="{14BA85F7-11BA-8B66-5605-1C1D5BD76096}"/>
+              </a:ext>
+            </a:extLst>
+          </p:cNvPr>
+          <p:cNvGrpSpPr/>
+          <p:nvPr/>
+        </p:nvGrpSpPr>
+        <p:grpSpPr>
+          <a:xfrm>
+            <a:off x="3539949" y="5350365"/>
+            <a:ext cx="5112102" cy="435706"/>
+            <a:chOff x="107598" y="5265682"/>
+            <a:chExt cx="11653478" cy="993229"/>
+          </a:xfrm>
+        </p:grpSpPr>
+        <p:pic>
+          <p:nvPicPr>
+            <p:cNvPr id="4" name="図 3" descr="QR コード&#10;&#10;自動的に生成された説明">
+              <a:extLst>
+                <a:ext uri="{FF2B5EF4-FFF2-40B4-BE49-F238E27FC236}">
+                  <a16:creationId xmlns:a16="http://schemas.microsoft.com/office/drawing/2014/main" id="{0BDE2114-92D2-91B3-AFCC-F6385744CBEA}"/>
+                </a:ext>
+              </a:extLst>
+            </p:cNvPr>
+            <p:cNvPicPr>
+              <a:picLocks noChangeAspect="1"/>
+            </p:cNvPicPr>
+            <p:nvPr/>
+          </p:nvPicPr>
+          <p:blipFill rotWithShape="1">
+            <a:blip r:embed="rId6">
+              <a:extLst>
+                <a:ext uri="{28A0092B-C50C-407E-A947-70E740481C1C}">
+                  <a14:useLocalDpi xmlns:a14="http://schemas.microsoft.com/office/drawing/2010/main" val="0"/>
+                </a:ext>
+              </a:extLst>
+            </a:blip>
+            <a:srcRect l="3363" t="41466" r="8578" b="25948"/>
+            <a:stretch/>
+          </p:blipFill>
+          <p:spPr>
+            <a:xfrm>
+              <a:off x="1024757" y="5265682"/>
+              <a:ext cx="10736319" cy="993229"/>
+            </a:xfrm>
+            <a:prstGeom prst="rect">
+              <a:avLst/>
+            </a:prstGeom>
+          </p:spPr>
+        </p:pic>
+        <p:pic>
+          <p:nvPicPr>
+            <p:cNvPr id="7" name="図 6" descr="QR コード&#10;&#10;自動的に生成された説明">
+              <a:extLst>
+                <a:ext uri="{FF2B5EF4-FFF2-40B4-BE49-F238E27FC236}">
+                  <a16:creationId xmlns:a16="http://schemas.microsoft.com/office/drawing/2014/main" id="{28291970-5DCE-72AD-F284-A0EAFC216D23}"/>
+                </a:ext>
+              </a:extLst>
+            </p:cNvPr>
+            <p:cNvPicPr>
+              <a:picLocks noChangeAspect="1"/>
+            </p:cNvPicPr>
+            <p:nvPr/>
+          </p:nvPicPr>
+          <p:blipFill rotWithShape="1">
+            <a:blip r:embed="rId6">
+              <a:extLst>
+                <a:ext uri="{28A0092B-C50C-407E-A947-70E740481C1C}">
+                  <a14:useLocalDpi xmlns:a14="http://schemas.microsoft.com/office/drawing/2010/main" val="0"/>
+                </a:ext>
+              </a:extLst>
+            </a:blip>
+            <a:srcRect l="3800" t="13999" r="89482" b="58951"/>
+            <a:stretch/>
+          </p:blipFill>
+          <p:spPr>
+            <a:xfrm>
+              <a:off x="107598" y="5265682"/>
+              <a:ext cx="917159" cy="923291"/>
+            </a:xfrm>
+            <a:prstGeom prst="rect">
+              <a:avLst/>
+            </a:prstGeom>
+          </p:spPr>
+        </p:pic>
+      </p:grpSp>
     </p:spTree>
     <p:extLst>
       <p:ext uri="{BB962C8B-B14F-4D97-AF65-F5344CB8AC3E}">
@@ -7661,7 +7801,7 @@
           <p:nvPr/>
         </p:nvPicPr>
         <p:blipFill rotWithShape="1">
-          <a:blip r:embed="rId2">
+          <a:blip r:embed="rId3">
             <a:extLst>
               <a:ext uri="{28A0092B-C50C-407E-A947-70E740481C1C}">
                 <a14:useLocalDpi xmlns:a14="http://schemas.microsoft.com/office/drawing/2010/main" val="0"/>
@@ -7699,7 +7839,7 @@
           <p:nvPr/>
         </p:nvPicPr>
         <p:blipFill rotWithShape="1">
-          <a:blip r:embed="rId3">
+          <a:blip r:embed="rId4">
             <a:extLst>
               <a:ext uri="{28A0092B-C50C-407E-A947-70E740481C1C}">
                 <a14:useLocalDpi xmlns:a14="http://schemas.microsoft.com/office/drawing/2010/main" val="0"/>
@@ -9335,7 +9475,9 @@
           </a:xfrm>
         </p:spPr>
         <p:txBody>
-          <a:bodyPr/>
+          <a:bodyPr>
+            <a:normAutofit lnSpcReduction="10000"/>
+          </a:bodyPr>
           <a:lstStyle/>
           <a:p>
             <a:pPr marL="0" indent="0">
@@ -9387,6 +9529,53 @@
                 <a:ea typeface="HGｺﾞｼｯｸM" panose="020B0609000000000000" pitchFamily="49" charset="-128"/>
               </a:rPr>
               <a:t>コミュニケーション管理担当</a:t>
+            </a:r>
+            <a:endParaRPr lang="en-US" altLang="ja-JP" dirty="0">
+              <a:latin typeface="HGｺﾞｼｯｸM" panose="020B0609000000000000" pitchFamily="49" charset="-128"/>
+              <a:ea typeface="HGｺﾞｼｯｸM" panose="020B0609000000000000" pitchFamily="49" charset="-128"/>
+            </a:endParaRPr>
+          </a:p>
+          <a:p>
+            <a:pPr>
+              <a:buClr>
+                <a:schemeClr val="accent2">
+                  <a:lumMod val="75000"/>
+                </a:schemeClr>
+              </a:buClr>
+            </a:pPr>
+            <a:r>
+              <a:rPr lang="en-US" altLang="ja-JP" dirty="0">
+                <a:latin typeface="HGｺﾞｼｯｸM" panose="020B0609000000000000" pitchFamily="49" charset="-128"/>
+                <a:ea typeface="HGｺﾞｼｯｸM" panose="020B0609000000000000" pitchFamily="49" charset="-128"/>
+              </a:rPr>
+              <a:t>JSP</a:t>
+            </a:r>
+            <a:r>
+              <a:rPr lang="ja-JP" altLang="en-US" dirty="0">
+                <a:latin typeface="HGｺﾞｼｯｸM" panose="020B0609000000000000" pitchFamily="49" charset="-128"/>
+                <a:ea typeface="HGｺﾞｼｯｸM" panose="020B0609000000000000" pitchFamily="49" charset="-128"/>
+              </a:rPr>
+              <a:t>、</a:t>
+            </a:r>
+            <a:r>
+              <a:rPr lang="en-US" altLang="ja-JP" dirty="0">
+                <a:latin typeface="HGｺﾞｼｯｸM" panose="020B0609000000000000" pitchFamily="49" charset="-128"/>
+                <a:ea typeface="HGｺﾞｼｯｸM" panose="020B0609000000000000" pitchFamily="49" charset="-128"/>
+              </a:rPr>
+              <a:t>CSS</a:t>
+            </a:r>
+          </a:p>
+          <a:p>
+            <a:pPr>
+              <a:buClr>
+                <a:schemeClr val="accent2">
+                  <a:lumMod val="75000"/>
+                </a:schemeClr>
+              </a:buClr>
+            </a:pPr>
+            <a:r>
+              <a:rPr lang="ja-JP" altLang="en-US" dirty="0"/>
+              <a:t>デザイン</a:t>
             </a:r>
             <a:endParaRPr lang="en-US" altLang="ja-JP" dirty="0"/>
           </a:p>
@@ -9744,7 +9933,7 @@
                 <a:latin typeface="HGｺﾞｼｯｸM" panose="020B0609000000000000" pitchFamily="49" charset="-128"/>
                 <a:ea typeface="HGｺﾞｼｯｸM" panose="020B0609000000000000" pitchFamily="49" charset="-128"/>
               </a:rPr>
-              <a:t>の記述</a:t>
+              <a:t>の機能</a:t>
             </a:r>
             <a:endParaRPr lang="en-US" altLang="ja-JP" dirty="0"/>
           </a:p>
@@ -10082,6 +10271,34 @@
               </a:rPr>
               <a:t>Servlet</a:t>
             </a:r>
+            <a:r>
+              <a:rPr kumimoji="1" lang="ja-JP" altLang="en-US" dirty="0">
+                <a:latin typeface="HGｺﾞｼｯｸM" panose="020B0609000000000000" pitchFamily="49" charset="-128"/>
+                <a:ea typeface="HGｺﾞｼｯｸM" panose="020B0609000000000000" pitchFamily="49" charset="-128"/>
+              </a:rPr>
+              <a:t>、</a:t>
+            </a:r>
+            <a:r>
+              <a:rPr kumimoji="1" lang="en-US" altLang="ja-JP" dirty="0">
+                <a:latin typeface="HGｺﾞｼｯｸM" panose="020B0609000000000000" pitchFamily="49" charset="-128"/>
+                <a:ea typeface="HGｺﾞｼｯｸM" panose="020B0609000000000000" pitchFamily="49" charset="-128"/>
+              </a:rPr>
+              <a:t>JSP</a:t>
+            </a:r>
+            <a:r>
+              <a:rPr kumimoji="1" lang="ja-JP" altLang="en-US" dirty="0">
+                <a:latin typeface="HGｺﾞｼｯｸM" panose="020B0609000000000000" pitchFamily="49" charset="-128"/>
+                <a:ea typeface="HGｺﾞｼｯｸM" panose="020B0609000000000000" pitchFamily="49" charset="-128"/>
+              </a:rPr>
+              <a:t>、</a:t>
+            </a:r>
+            <a:r>
+              <a:rPr kumimoji="1" lang="en-US" altLang="ja-JP" dirty="0">
+                <a:latin typeface="HGｺﾞｼｯｸM" panose="020B0609000000000000" pitchFamily="49" charset="-128"/>
+                <a:ea typeface="HGｺﾞｼｯｸM" panose="020B0609000000000000" pitchFamily="49" charset="-128"/>
+              </a:rPr>
+              <a:t>CSS</a:t>
+            </a:r>
             <a:endParaRPr lang="en-US" altLang="ja-JP" dirty="0">
               <a:latin typeface="HGｺﾞｼｯｸM" panose="020B0609000000000000" pitchFamily="49" charset="-128"/>
               <a:ea typeface="HGｺﾞｼｯｸM" panose="020B0609000000000000" pitchFamily="49" charset="-128"/>
@@ -10100,7 +10317,7 @@
                 <a:latin typeface="HGｺﾞｼｯｸM" panose="020B0609000000000000" pitchFamily="49" charset="-128"/>
                 <a:ea typeface="HGｺﾞｼｯｸM" panose="020B0609000000000000" pitchFamily="49" charset="-128"/>
               </a:rPr>
-              <a:t>キャラクター・背景イラスト</a:t>
+              <a:t>デザイン</a:t>
             </a:r>
             <a:endParaRPr lang="en-US" altLang="ja-JP" dirty="0">
               <a:latin typeface="HGｺﾞｼｯｸM" panose="020B0609000000000000" pitchFamily="49" charset="-128"/>
@@ -10790,7 +11007,7 @@
         </p:nvSpPr>
         <p:spPr>
           <a:xfrm>
-            <a:off x="838200" y="4835464"/>
+            <a:off x="838200" y="4471613"/>
             <a:ext cx="10515600" cy="713163"/>
           </a:xfrm>
           <a:prstGeom prst="roundRect">
@@ -10874,7 +11091,7 @@
         </p:nvSpPr>
         <p:spPr>
           <a:xfrm>
-            <a:off x="965536" y="5772443"/>
+            <a:off x="965536" y="5366758"/>
             <a:ext cx="10388264" cy="720432"/>
           </a:xfrm>
           <a:prstGeom prst="rect">
@@ -10926,7 +11143,7 @@
         </p:nvSpPr>
         <p:spPr>
           <a:xfrm>
-            <a:off x="965536" y="5852774"/>
+            <a:off x="965536" y="5447089"/>
             <a:ext cx="9688050" cy="559769"/>
           </a:xfrm>
           <a:prstGeom prst="rect">
@@ -11061,7 +11278,7 @@
         <p:spPr>
           <a:xfrm>
             <a:off x="965536" y="2470576"/>
-            <a:ext cx="10388264" cy="1938992"/>
+            <a:ext cx="10388264" cy="1356715"/>
           </a:xfrm>
           <a:prstGeom prst="rect">
             <a:avLst/>
@@ -11113,7 +11330,7 @@
         <p:spPr>
           <a:xfrm>
             <a:off x="965536" y="2459504"/>
-            <a:ext cx="10388264" cy="1938992"/>
+            <a:ext cx="10388264" cy="1200329"/>
           </a:xfrm>
           <a:prstGeom prst="rect">
             <a:avLst/>
@@ -11158,25 +11375,6 @@
                 <a:ea typeface="HGｺﾞｼｯｸE" panose="020B0909000000000000" pitchFamily="49" charset="-128"/>
               </a:rPr>
               <a:t>作成し、仕事に対するモチベーション向上を目指した。</a:t>
-            </a:r>
-            <a:endParaRPr lang="en-US" altLang="ja-JP" sz="2400" dirty="0">
-              <a:latin typeface="HGｺﾞｼｯｸE" panose="020B0909000000000000" pitchFamily="49" charset="-128"/>
-              <a:ea typeface="HGｺﾞｼｯｸE" panose="020B0909000000000000" pitchFamily="49" charset="-128"/>
-            </a:endParaRPr>
-          </a:p>
-          <a:p>
-            <a:endParaRPr lang="en-US" altLang="ja-JP" sz="2400" dirty="0">
-              <a:latin typeface="HGｺﾞｼｯｸE" panose="020B0909000000000000" pitchFamily="49" charset="-128"/>
-              <a:ea typeface="HGｺﾞｼｯｸE" panose="020B0909000000000000" pitchFamily="49" charset="-128"/>
-            </a:endParaRPr>
-          </a:p>
-          <a:p>
-            <a:r>
-              <a:rPr lang="ja-JP" altLang="en-US" sz="2400" dirty="0">
-                <a:latin typeface="HGｺﾞｼｯｸE" panose="020B0909000000000000" pitchFamily="49" charset="-128"/>
-                <a:ea typeface="HGｺﾞｼｯｸE" panose="020B0909000000000000" pitchFamily="49" charset="-128"/>
-              </a:rPr>
-              <a:t>また、自己啓発を行うために、仕事においてミッションを設けた。</a:t>
             </a:r>
             <a:endParaRPr lang="en-US" altLang="ja-JP" sz="2400" dirty="0">
               <a:latin typeface="HGｺﾞｼｯｸE" panose="020B0909000000000000" pitchFamily="49" charset="-128"/>

--- a/doc/プレゼン資料_F3_なかおっち.pptx
+++ b/doc/プレゼン資料_F3_なかおっち.pptx
@@ -668,6 +668,90 @@
           <a:p>
             <a:fld id="{4FB5F70D-02C0-4F83-8937-892046578496}" type="slidenum">
               <a:rPr kumimoji="1" lang="ja-JP" altLang="en-US" smtClean="0"/>
+              <a:t>13</a:t>
+            </a:fld>
+            <a:endParaRPr kumimoji="1" lang="ja-JP" altLang="en-US"/>
+          </a:p>
+        </p:txBody>
+      </p:sp>
+    </p:spTree>
+    <p:extLst>
+      <p:ext uri="{BB962C8B-B14F-4D97-AF65-F5344CB8AC3E}">
+        <p14:creationId xmlns:p14="http://schemas.microsoft.com/office/powerpoint/2010/main" val="2096746102"/>
+      </p:ext>
+    </p:extLst>
+  </p:cSld>
+  <p:clrMapOvr>
+    <a:masterClrMapping/>
+  </p:clrMapOvr>
+</p:notes>
+</file>
+
+<file path=ppt/notesSlides/notesSlide11.xml><?xml version="1.0" encoding="utf-8"?>
+<p:notes xmlns:a="http://schemas.openxmlformats.org/drawingml/2006/main" xmlns:r="http://schemas.openxmlformats.org/officeDocument/2006/relationships" xmlns:p="http://schemas.openxmlformats.org/presentationml/2006/main">
+  <p:cSld>
+    <p:spTree>
+      <p:nvGrpSpPr>
+        <p:cNvPr id="1" name=""/>
+        <p:cNvGrpSpPr/>
+        <p:nvPr/>
+      </p:nvGrpSpPr>
+      <p:grpSpPr>
+        <a:xfrm>
+          <a:off x="0" y="0"/>
+          <a:ext cx="0" cy="0"/>
+          <a:chOff x="0" y="0"/>
+          <a:chExt cx="0" cy="0"/>
+        </a:xfrm>
+      </p:grpSpPr>
+      <p:sp>
+        <p:nvSpPr>
+          <p:cNvPr id="2" name="スライド イメージ プレースホルダー 1"/>
+          <p:cNvSpPr>
+            <a:spLocks noGrp="1" noRot="1" noChangeAspect="1"/>
+          </p:cNvSpPr>
+          <p:nvPr>
+            <p:ph type="sldImg"/>
+          </p:nvPr>
+        </p:nvSpPr>
+        <p:spPr/>
+      </p:sp>
+      <p:sp>
+        <p:nvSpPr>
+          <p:cNvPr id="3" name="ノート プレースホルダー 2"/>
+          <p:cNvSpPr>
+            <a:spLocks noGrp="1"/>
+          </p:cNvSpPr>
+          <p:nvPr>
+            <p:ph type="body" idx="1"/>
+          </p:nvPr>
+        </p:nvSpPr>
+        <p:spPr/>
+        <p:txBody>
+          <a:bodyPr/>
+          <a:lstStyle/>
+          <a:p>
+            <a:endParaRPr kumimoji="1" lang="ja-JP" altLang="en-US" dirty="0"/>
+          </a:p>
+        </p:txBody>
+      </p:sp>
+      <p:sp>
+        <p:nvSpPr>
+          <p:cNvPr id="4" name="スライド番号プレースホルダー 3"/>
+          <p:cNvSpPr>
+            <a:spLocks noGrp="1"/>
+          </p:cNvSpPr>
+          <p:nvPr>
+            <p:ph type="sldNum" sz="quarter" idx="5"/>
+          </p:nvPr>
+        </p:nvSpPr>
+        <p:spPr/>
+        <p:txBody>
+          <a:bodyPr/>
+          <a:lstStyle/>
+          <a:p>
+            <a:fld id="{4FB5F70D-02C0-4F83-8937-892046578496}" type="slidenum">
+              <a:rPr kumimoji="1" lang="ja-JP" altLang="en-US" smtClean="0"/>
               <a:t>14</a:t>
             </a:fld>
             <a:endParaRPr kumimoji="1" lang="ja-JP" altLang="en-US"/>
@@ -687,7 +771,7 @@
 </p:notes>
 </file>
 
-<file path=ppt/notesSlides/notesSlide11.xml><?xml version="1.0" encoding="utf-8"?>
+<file path=ppt/notesSlides/notesSlide12.xml><?xml version="1.0" encoding="utf-8"?>
 <p:notes xmlns:a="http://schemas.openxmlformats.org/drawingml/2006/main" xmlns:r="http://schemas.openxmlformats.org/officeDocument/2006/relationships" xmlns:p="http://schemas.openxmlformats.org/presentationml/2006/main">
   <p:cSld>
     <p:spTree>
@@ -1340,7 +1424,7 @@
           <a:p>
             <a:fld id="{4FB5F70D-02C0-4F83-8937-892046578496}" type="slidenum">
               <a:rPr kumimoji="1" lang="ja-JP" altLang="en-US" smtClean="0"/>
-              <a:t>12</a:t>
+              <a:t>11</a:t>
             </a:fld>
             <a:endParaRPr kumimoji="1" lang="ja-JP" altLang="en-US"/>
           </a:p>
@@ -1349,7 +1433,7 @@
     </p:spTree>
     <p:extLst>
       <p:ext uri="{BB962C8B-B14F-4D97-AF65-F5344CB8AC3E}">
-        <p14:creationId xmlns:p14="http://schemas.microsoft.com/office/powerpoint/2010/main" val="3932365603"/>
+        <p14:creationId xmlns:p14="http://schemas.microsoft.com/office/powerpoint/2010/main" val="775833895"/>
       </p:ext>
     </p:extLst>
   </p:cSld>
@@ -1403,7 +1487,10 @@
           <a:bodyPr/>
           <a:lstStyle/>
           <a:p>
-            <a:endParaRPr kumimoji="1" lang="ja-JP" altLang="en-US" dirty="0"/>
+            <a:r>
+              <a:rPr kumimoji="1" lang="ja-JP" altLang="en-US" dirty="0"/>
+              <a:t>卵購入画面後でスクショ差し替えます</a:t>
+            </a:r>
           </a:p>
         </p:txBody>
       </p:sp>
@@ -1424,7 +1511,7 @@
           <a:p>
             <a:fld id="{4FB5F70D-02C0-4F83-8937-892046578496}" type="slidenum">
               <a:rPr kumimoji="1" lang="ja-JP" altLang="en-US" smtClean="0"/>
-              <a:t>13</a:t>
+              <a:t>12</a:t>
             </a:fld>
             <a:endParaRPr kumimoji="1" lang="ja-JP" altLang="en-US"/>
           </a:p>
@@ -1433,7 +1520,7 @@
     </p:spTree>
     <p:extLst>
       <p:ext uri="{BB962C8B-B14F-4D97-AF65-F5344CB8AC3E}">
-        <p14:creationId xmlns:p14="http://schemas.microsoft.com/office/powerpoint/2010/main" val="2096746102"/>
+        <p14:creationId xmlns:p14="http://schemas.microsoft.com/office/powerpoint/2010/main" val="3932365603"/>
       </p:ext>
     </p:extLst>
   </p:cSld>
@@ -5171,6 +5258,35 @@
           <a:chExt cx="0" cy="0"/>
         </a:xfrm>
       </p:grpSpPr>
+      <p:pic>
+        <p:nvPicPr>
+          <p:cNvPr id="5" name="図 4">
+            <a:extLst>
+              <a:ext uri="{FF2B5EF4-FFF2-40B4-BE49-F238E27FC236}">
+                <a16:creationId xmlns:a16="http://schemas.microsoft.com/office/drawing/2014/main" id="{5E1D70C0-0BC2-9862-D28C-703714C3D810}"/>
+              </a:ext>
+            </a:extLst>
+          </p:cNvPr>
+          <p:cNvPicPr>
+            <a:picLocks noChangeAspect="1"/>
+          </p:cNvPicPr>
+          <p:nvPr/>
+        </p:nvPicPr>
+        <p:blipFill rotWithShape="1">
+          <a:blip r:embed="rId3"/>
+          <a:srcRect l="79737" t="24640" r="931" b="29434"/>
+          <a:stretch/>
+        </p:blipFill>
+        <p:spPr>
+          <a:xfrm>
+            <a:off x="5385152" y="2257121"/>
+            <a:ext cx="3234059" cy="4319351"/>
+          </a:xfrm>
+          <a:prstGeom prst="rect">
+            <a:avLst/>
+          </a:prstGeom>
+        </p:spPr>
+      </p:pic>
       <p:sp>
         <p:nvSpPr>
           <p:cNvPr id="22" name="楕円 21">
@@ -5315,35 +5431,6 @@
           </a:p>
         </p:txBody>
       </p:sp>
-      <p:pic>
-        <p:nvPicPr>
-          <p:cNvPr id="8" name="図 7">
-            <a:extLst>
-              <a:ext uri="{FF2B5EF4-FFF2-40B4-BE49-F238E27FC236}">
-                <a16:creationId xmlns:a16="http://schemas.microsoft.com/office/drawing/2014/main" id="{7EC8A25E-E3BB-3CAA-A6AD-67D914F1B37D}"/>
-              </a:ext>
-            </a:extLst>
-          </p:cNvPr>
-          <p:cNvPicPr>
-            <a:picLocks noChangeAspect="1"/>
-          </p:cNvPicPr>
-          <p:nvPr/>
-        </p:nvPicPr>
-        <p:blipFill rotWithShape="1">
-          <a:blip r:embed="rId3"/>
-          <a:srcRect l="79385" t="26385" r="1692" b="28132"/>
-          <a:stretch/>
-        </p:blipFill>
-        <p:spPr>
-          <a:xfrm>
-            <a:off x="5243095" y="2287628"/>
-            <a:ext cx="3201201" cy="4326031"/>
-          </a:xfrm>
-          <a:prstGeom prst="rect">
-            <a:avLst/>
-          </a:prstGeom>
-        </p:spPr>
-      </p:pic>
       <p:sp>
         <p:nvSpPr>
           <p:cNvPr id="26" name="四角形: 角を丸くする 25">
@@ -5773,6 +5860,66 @@
       </p:grpSpPr>
       <p:sp>
         <p:nvSpPr>
+          <p:cNvPr id="6" name="楕円 5">
+            <a:extLst>
+              <a:ext uri="{FF2B5EF4-FFF2-40B4-BE49-F238E27FC236}">
+                <a16:creationId xmlns:a16="http://schemas.microsoft.com/office/drawing/2014/main" id="{00464384-0403-04E4-5519-8F4BBD998AB4}"/>
+              </a:ext>
+            </a:extLst>
+          </p:cNvPr>
+          <p:cNvSpPr/>
+          <p:nvPr/>
+        </p:nvSpPr>
+        <p:spPr>
+          <a:xfrm>
+            <a:off x="9042026" y="73825"/>
+            <a:ext cx="2470489" cy="774868"/>
+          </a:xfrm>
+          <a:prstGeom prst="ellipse">
+            <a:avLst/>
+          </a:prstGeom>
+          <a:solidFill>
+            <a:schemeClr val="accent2"/>
+          </a:solidFill>
+          <a:ln>
+            <a:solidFill>
+              <a:schemeClr val="bg1"/>
+            </a:solidFill>
+          </a:ln>
+        </p:spPr>
+        <p:style>
+          <a:lnRef idx="2">
+            <a:schemeClr val="accent1">
+              <a:shade val="50000"/>
+            </a:schemeClr>
+          </a:lnRef>
+          <a:fillRef idx="1">
+            <a:schemeClr val="accent1"/>
+          </a:fillRef>
+          <a:effectRef idx="0">
+            <a:schemeClr val="accent1"/>
+          </a:effectRef>
+          <a:fontRef idx="minor">
+            <a:schemeClr val="lt1"/>
+          </a:fontRef>
+        </p:style>
+        <p:txBody>
+          <a:bodyPr rtlCol="0" anchor="ctr"/>
+          <a:lstStyle/>
+          <a:p>
+            <a:pPr algn="ctr"/>
+            <a:r>
+              <a:rPr kumimoji="1" lang="ja-JP" altLang="en-US" sz="2400" dirty="0">
+                <a:latin typeface="HGｺﾞｼｯｸE" panose="020B0909000000000000" pitchFamily="49" charset="-128"/>
+                <a:ea typeface="HGｺﾞｼｯｸE" panose="020B0909000000000000" pitchFamily="49" charset="-128"/>
+              </a:rPr>
+              <a:t>メイン画面</a:t>
+            </a:r>
+          </a:p>
+        </p:txBody>
+      </p:sp>
+      <p:sp>
+        <p:nvSpPr>
           <p:cNvPr id="23" name="楕円 22">
             <a:extLst>
               <a:ext uri="{FF2B5EF4-FFF2-40B4-BE49-F238E27FC236}">
@@ -5831,66 +5978,64 @@
           </a:p>
         </p:txBody>
       </p:sp>
-      <p:sp>
-        <p:nvSpPr>
-          <p:cNvPr id="6" name="楕円 5">
-            <a:extLst>
-              <a:ext uri="{FF2B5EF4-FFF2-40B4-BE49-F238E27FC236}">
-                <a16:creationId xmlns:a16="http://schemas.microsoft.com/office/drawing/2014/main" id="{00464384-0403-04E4-5519-8F4BBD998AB4}"/>
-              </a:ext>
-            </a:extLst>
-          </p:cNvPr>
-          <p:cNvSpPr/>
+      <p:pic>
+        <p:nvPicPr>
+          <p:cNvPr id="4" name="図 3">
+            <a:extLst>
+              <a:ext uri="{FF2B5EF4-FFF2-40B4-BE49-F238E27FC236}">
+                <a16:creationId xmlns:a16="http://schemas.microsoft.com/office/drawing/2014/main" id="{19AFAD45-242B-94FE-0BC8-8042BCFEEFB5}"/>
+              </a:ext>
+            </a:extLst>
+          </p:cNvPr>
+          <p:cNvPicPr>
+            <a:picLocks noChangeAspect="1"/>
+          </p:cNvPicPr>
           <p:nvPr/>
-        </p:nvSpPr>
+        </p:nvPicPr>
+        <p:blipFill rotWithShape="1">
+          <a:blip r:embed="rId3"/>
+          <a:srcRect l="1405" t="9747" r="76292" b="7479"/>
+          <a:stretch/>
+        </p:blipFill>
         <p:spPr>
           <a:xfrm>
-            <a:off x="9042026" y="73825"/>
-            <a:ext cx="2470489" cy="774868"/>
+            <a:off x="2353376" y="2365828"/>
+            <a:ext cx="2067696" cy="4314492"/>
           </a:xfrm>
-          <a:prstGeom prst="ellipse">
+          <a:prstGeom prst="rect">
             <a:avLst/>
           </a:prstGeom>
-          <a:solidFill>
-            <a:schemeClr val="accent2"/>
-          </a:solidFill>
-          <a:ln>
-            <a:solidFill>
-              <a:schemeClr val="bg1"/>
-            </a:solidFill>
-          </a:ln>
         </p:spPr>
-        <p:style>
-          <a:lnRef idx="2">
-            <a:schemeClr val="accent1">
-              <a:shade val="50000"/>
-            </a:schemeClr>
-          </a:lnRef>
-          <a:fillRef idx="1">
-            <a:schemeClr val="accent1"/>
-          </a:fillRef>
-          <a:effectRef idx="0">
-            <a:schemeClr val="accent1"/>
-          </a:effectRef>
-          <a:fontRef idx="minor">
-            <a:schemeClr val="lt1"/>
-          </a:fontRef>
-        </p:style>
-        <p:txBody>
-          <a:bodyPr rtlCol="0" anchor="ctr"/>
-          <a:lstStyle/>
-          <a:p>
-            <a:pPr algn="ctr"/>
-            <a:r>
-              <a:rPr kumimoji="1" lang="ja-JP" altLang="en-US" sz="2400" dirty="0">
-                <a:latin typeface="HGｺﾞｼｯｸE" panose="020B0909000000000000" pitchFamily="49" charset="-128"/>
-                <a:ea typeface="HGｺﾞｼｯｸE" panose="020B0909000000000000" pitchFamily="49" charset="-128"/>
-              </a:rPr>
-              <a:t>メイン画面</a:t>
-            </a:r>
-          </a:p>
-        </p:txBody>
-      </p:sp>
+      </p:pic>
+      <p:pic>
+        <p:nvPicPr>
+          <p:cNvPr id="17" name="図 16">
+            <a:extLst>
+              <a:ext uri="{FF2B5EF4-FFF2-40B4-BE49-F238E27FC236}">
+                <a16:creationId xmlns:a16="http://schemas.microsoft.com/office/drawing/2014/main" id="{73980A5D-1DBB-7422-08A6-C253B88576A5}"/>
+              </a:ext>
+            </a:extLst>
+          </p:cNvPr>
+          <p:cNvPicPr>
+            <a:picLocks noChangeAspect="1"/>
+          </p:cNvPicPr>
+          <p:nvPr/>
+        </p:nvPicPr>
+        <p:blipFill rotWithShape="1">
+          <a:blip r:embed="rId4"/>
+          <a:srcRect l="1404" t="11811" r="77074" b="9803"/>
+          <a:stretch/>
+        </p:blipFill>
+        <p:spPr>
+          <a:xfrm>
+            <a:off x="8823281" y="752286"/>
+            <a:ext cx="2894927" cy="5928034"/>
+          </a:xfrm>
+          <a:prstGeom prst="rect">
+            <a:avLst/>
+          </a:prstGeom>
+        </p:spPr>
+      </p:pic>
       <p:sp>
         <p:nvSpPr>
           <p:cNvPr id="2" name="タイトル 1">
@@ -5924,139 +6069,6 @@
               </a:rPr>
               <a:t>デイリーミッション機能</a:t>
             </a:r>
-          </a:p>
-        </p:txBody>
-      </p:sp>
-      <p:pic>
-        <p:nvPicPr>
-          <p:cNvPr id="5" name="図 4">
-            <a:extLst>
-              <a:ext uri="{FF2B5EF4-FFF2-40B4-BE49-F238E27FC236}">
-                <a16:creationId xmlns:a16="http://schemas.microsoft.com/office/drawing/2014/main" id="{9E67EE7E-EBB4-120F-DE4B-6B3BBF94355C}"/>
-              </a:ext>
-            </a:extLst>
-          </p:cNvPr>
-          <p:cNvPicPr>
-            <a:picLocks noChangeAspect="1"/>
-          </p:cNvPicPr>
-          <p:nvPr/>
-        </p:nvPicPr>
-        <p:blipFill rotWithShape="1">
-          <a:blip r:embed="rId2"/>
-          <a:srcRect l="1039" t="11878" r="76461" b="7467"/>
-          <a:stretch/>
-        </p:blipFill>
-        <p:spPr>
-          <a:xfrm>
-            <a:off x="2340114" y="2365829"/>
-            <a:ext cx="2121483" cy="4275603"/>
-          </a:xfrm>
-          <a:prstGeom prst="rect">
-            <a:avLst/>
-          </a:prstGeom>
-        </p:spPr>
-      </p:pic>
-      <p:sp>
-        <p:nvSpPr>
-          <p:cNvPr id="9" name="四角形: 角を丸くする 8">
-            <a:extLst>
-              <a:ext uri="{FF2B5EF4-FFF2-40B4-BE49-F238E27FC236}">
-                <a16:creationId xmlns:a16="http://schemas.microsoft.com/office/drawing/2014/main" id="{DC6CFDCD-4667-1173-D654-71D37E90A832}"/>
-              </a:ext>
-            </a:extLst>
-          </p:cNvPr>
-          <p:cNvSpPr/>
-          <p:nvPr/>
-        </p:nvSpPr>
-        <p:spPr>
-          <a:xfrm>
-            <a:off x="9757228" y="2216540"/>
-            <a:ext cx="1679668" cy="562181"/>
-          </a:xfrm>
-          <a:prstGeom prst="roundRect">
-            <a:avLst/>
-          </a:prstGeom>
-          <a:noFill/>
-          <a:ln w="38100">
-            <a:solidFill>
-              <a:srgbClr val="FF0000"/>
-            </a:solidFill>
-          </a:ln>
-        </p:spPr>
-        <p:style>
-          <a:lnRef idx="2">
-            <a:schemeClr val="accent1">
-              <a:shade val="50000"/>
-            </a:schemeClr>
-          </a:lnRef>
-          <a:fillRef idx="1">
-            <a:schemeClr val="accent1"/>
-          </a:fillRef>
-          <a:effectRef idx="0">
-            <a:schemeClr val="accent1"/>
-          </a:effectRef>
-          <a:fontRef idx="minor">
-            <a:schemeClr val="lt1"/>
-          </a:fontRef>
-        </p:style>
-        <p:txBody>
-          <a:bodyPr rtlCol="0" anchor="ctr"/>
-          <a:lstStyle/>
-          <a:p>
-            <a:pPr algn="ctr"/>
-            <a:endParaRPr kumimoji="1" lang="ja-JP" altLang="en-US"/>
-          </a:p>
-        </p:txBody>
-      </p:sp>
-      <p:sp>
-        <p:nvSpPr>
-          <p:cNvPr id="10" name="四角形: 角を丸くする 9">
-            <a:extLst>
-              <a:ext uri="{FF2B5EF4-FFF2-40B4-BE49-F238E27FC236}">
-                <a16:creationId xmlns:a16="http://schemas.microsoft.com/office/drawing/2014/main" id="{9E3C1482-09C1-5CAC-B906-084C8568B86A}"/>
-              </a:ext>
-            </a:extLst>
-          </p:cNvPr>
-          <p:cNvSpPr/>
-          <p:nvPr/>
-        </p:nvSpPr>
-        <p:spPr>
-          <a:xfrm>
-            <a:off x="10022499" y="4339204"/>
-            <a:ext cx="1166934" cy="562181"/>
-          </a:xfrm>
-          <a:prstGeom prst="roundRect">
-            <a:avLst/>
-          </a:prstGeom>
-          <a:noFill/>
-          <a:ln w="38100">
-            <a:solidFill>
-              <a:srgbClr val="FF0000"/>
-            </a:solidFill>
-          </a:ln>
-        </p:spPr>
-        <p:style>
-          <a:lnRef idx="2">
-            <a:schemeClr val="accent1">
-              <a:shade val="50000"/>
-            </a:schemeClr>
-          </a:lnRef>
-          <a:fillRef idx="1">
-            <a:schemeClr val="accent1"/>
-          </a:fillRef>
-          <a:effectRef idx="0">
-            <a:schemeClr val="accent1"/>
-          </a:effectRef>
-          <a:fontRef idx="minor">
-            <a:schemeClr val="lt1"/>
-          </a:fontRef>
-        </p:style>
-        <p:txBody>
-          <a:bodyPr rtlCol="0" anchor="ctr"/>
-          <a:lstStyle/>
-          <a:p>
-            <a:pPr algn="ctr"/>
-            <a:endParaRPr kumimoji="1" lang="ja-JP" altLang="en-US"/>
           </a:p>
         </p:txBody>
       </p:sp>
@@ -6162,35 +6174,6 @@
           </a:p>
         </p:txBody>
       </p:sp>
-      <p:pic>
-        <p:nvPicPr>
-          <p:cNvPr id="20" name="図 19">
-            <a:extLst>
-              <a:ext uri="{FF2B5EF4-FFF2-40B4-BE49-F238E27FC236}">
-                <a16:creationId xmlns:a16="http://schemas.microsoft.com/office/drawing/2014/main" id="{C16EF957-07B5-8E90-4346-82CB8A6AD99B}"/>
-              </a:ext>
-            </a:extLst>
-          </p:cNvPr>
-          <p:cNvPicPr>
-            <a:picLocks noChangeAspect="1"/>
-          </p:cNvPicPr>
-          <p:nvPr/>
-        </p:nvPicPr>
-        <p:blipFill rotWithShape="1">
-          <a:blip r:embed="rId3"/>
-          <a:srcRect l="1198" t="12212" r="76859" b="7281"/>
-          <a:stretch/>
-        </p:blipFill>
-        <p:spPr>
-          <a:xfrm>
-            <a:off x="9195471" y="669788"/>
-            <a:ext cx="2894928" cy="5971644"/>
-          </a:xfrm>
-          <a:prstGeom prst="rect">
-            <a:avLst/>
-          </a:prstGeom>
-        </p:spPr>
-      </p:pic>
       <p:sp>
         <p:nvSpPr>
           <p:cNvPr id="18" name="矢印: 右 17">
@@ -6268,13 +6251,13 @@
         </p:nvSpPr>
         <p:spPr>
           <a:xfrm>
-            <a:off x="5515429" y="4377831"/>
+            <a:off x="4920222" y="4264265"/>
             <a:ext cx="3606103" cy="643160"/>
           </a:xfrm>
           <a:prstGeom prst="wedgeRoundRectCallout">
             <a:avLst>
-              <a:gd name="adj1" fmla="val -15599"/>
-              <a:gd name="adj2" fmla="val 117267"/>
+              <a:gd name="adj1" fmla="val -9159"/>
+              <a:gd name="adj2" fmla="val 142091"/>
               <a:gd name="adj3" fmla="val 16667"/>
             </a:avLst>
           </a:prstGeom>
@@ -6334,13 +6317,13 @@
         </p:nvSpPr>
         <p:spPr>
           <a:xfrm>
-            <a:off x="4529409" y="2547861"/>
+            <a:off x="4623265" y="2355667"/>
             <a:ext cx="4841296" cy="643160"/>
           </a:xfrm>
           <a:prstGeom prst="wedgeRoundRectCallout">
             <a:avLst>
-              <a:gd name="adj1" fmla="val 66064"/>
-              <a:gd name="adj2" fmla="val 15342"/>
+              <a:gd name="adj1" fmla="val 57670"/>
+              <a:gd name="adj2" fmla="val 4058"/>
               <a:gd name="adj3" fmla="val 16667"/>
             </a:avLst>
           </a:prstGeom>
@@ -6452,7 +6435,7 @@
         </p:nvSpPr>
         <p:spPr>
           <a:xfrm>
-            <a:off x="2964321" y="4910978"/>
+            <a:off x="2922113" y="5372704"/>
             <a:ext cx="807244" cy="330814"/>
           </a:xfrm>
           <a:prstGeom prst="roundRect">
@@ -6577,7 +6560,7 @@
         </p:nvSpPr>
         <p:spPr>
           <a:xfrm>
-            <a:off x="473792" y="4739946"/>
+            <a:off x="473792" y="5246027"/>
             <a:ext cx="2490529" cy="584168"/>
           </a:xfrm>
           <a:prstGeom prst="homePlate">
@@ -7292,10 +7275,10 @@
       </p:sp>
       <p:pic>
         <p:nvPicPr>
-          <p:cNvPr id="15" name="図 14">
-            <a:extLst>
-              <a:ext uri="{FF2B5EF4-FFF2-40B4-BE49-F238E27FC236}">
-                <a16:creationId xmlns:a16="http://schemas.microsoft.com/office/drawing/2014/main" id="{D929C953-AA79-843A-0072-5AD6B4315893}"/>
+          <p:cNvPr id="10" name="図 9">
+            <a:extLst>
+              <a:ext uri="{FF2B5EF4-FFF2-40B4-BE49-F238E27FC236}">
+                <a16:creationId xmlns:a16="http://schemas.microsoft.com/office/drawing/2014/main" id="{A4D618F0-5685-A255-784A-CA03711F3F36}"/>
               </a:ext>
             </a:extLst>
           </p:cNvPr>
@@ -7306,42 +7289,13 @@
         </p:nvPicPr>
         <p:blipFill rotWithShape="1">
           <a:blip r:embed="rId3"/>
-          <a:srcRect l="24263" t="13296" r="21340" b="21870"/>
+          <a:srcRect l="24247" t="12206" r="21470" b="23564"/>
           <a:stretch/>
         </p:blipFill>
         <p:spPr>
           <a:xfrm>
-            <a:off x="622069" y="3383278"/>
-            <a:ext cx="4958510" cy="3322647"/>
-          </a:xfrm>
-          <a:prstGeom prst="rect">
-            <a:avLst/>
-          </a:prstGeom>
-        </p:spPr>
-      </p:pic>
-      <p:pic>
-        <p:nvPicPr>
-          <p:cNvPr id="7" name="図 6">
-            <a:extLst>
-              <a:ext uri="{FF2B5EF4-FFF2-40B4-BE49-F238E27FC236}">
-                <a16:creationId xmlns:a16="http://schemas.microsoft.com/office/drawing/2014/main" id="{1A271D9A-02E6-9257-DD85-22AFB50C8C27}"/>
-              </a:ext>
-            </a:extLst>
-          </p:cNvPr>
-          <p:cNvPicPr>
-            <a:picLocks noChangeAspect="1"/>
-          </p:cNvPicPr>
-          <p:nvPr/>
-        </p:nvPicPr>
-        <p:blipFill rotWithShape="1">
-          <a:blip r:embed="rId4"/>
-          <a:srcRect l="24277" t="13681" r="21485" b="22282"/>
-          <a:stretch/>
-        </p:blipFill>
-        <p:spPr>
-          <a:xfrm>
-            <a:off x="6979537" y="3383279"/>
-            <a:ext cx="5005644" cy="3322647"/>
+            <a:off x="6979536" y="3366753"/>
+            <a:ext cx="5023285" cy="3341758"/>
           </a:xfrm>
           <a:prstGeom prst="rect">
             <a:avLst/>
@@ -7408,6 +7362,64 @@
           </a:p>
         </p:txBody>
       </p:sp>
+      <p:pic>
+        <p:nvPicPr>
+          <p:cNvPr id="5" name="図 4">
+            <a:extLst>
+              <a:ext uri="{FF2B5EF4-FFF2-40B4-BE49-F238E27FC236}">
+                <a16:creationId xmlns:a16="http://schemas.microsoft.com/office/drawing/2014/main" id="{61FD2130-F03E-D44A-C9F6-66BB840EA345}"/>
+              </a:ext>
+            </a:extLst>
+          </p:cNvPr>
+          <p:cNvPicPr>
+            <a:picLocks noChangeAspect="1"/>
+          </p:cNvPicPr>
+          <p:nvPr/>
+        </p:nvPicPr>
+        <p:blipFill rotWithShape="1">
+          <a:blip r:embed="rId4"/>
+          <a:srcRect t="9927" b="5302"/>
+          <a:stretch/>
+        </p:blipFill>
+        <p:spPr>
+          <a:xfrm>
+            <a:off x="6395065" y="622585"/>
+            <a:ext cx="5590116" cy="2664248"/>
+          </a:xfrm>
+          <a:prstGeom prst="rect">
+            <a:avLst/>
+          </a:prstGeom>
+        </p:spPr>
+      </p:pic>
+      <p:pic>
+        <p:nvPicPr>
+          <p:cNvPr id="16" name="図 15">
+            <a:extLst>
+              <a:ext uri="{FF2B5EF4-FFF2-40B4-BE49-F238E27FC236}">
+                <a16:creationId xmlns:a16="http://schemas.microsoft.com/office/drawing/2014/main" id="{8A42D208-5B97-8A98-1D08-C01383EA69BE}"/>
+              </a:ext>
+            </a:extLst>
+          </p:cNvPr>
+          <p:cNvPicPr>
+            <a:picLocks noChangeAspect="1"/>
+          </p:cNvPicPr>
+          <p:nvPr/>
+        </p:nvPicPr>
+        <p:blipFill rotWithShape="1">
+          <a:blip r:embed="rId5"/>
+          <a:srcRect l="24293" t="11833" r="21429" b="24099"/>
+          <a:stretch/>
+        </p:blipFill>
+        <p:spPr>
+          <a:xfrm>
+            <a:off x="573743" y="3383278"/>
+            <a:ext cx="5006836" cy="3322647"/>
+          </a:xfrm>
+          <a:prstGeom prst="rect">
+            <a:avLst/>
+          </a:prstGeom>
+        </p:spPr>
+      </p:pic>
       <p:sp>
         <p:nvSpPr>
           <p:cNvPr id="2" name="タイトル 1">
@@ -7440,55 +7452,6 @@
                 <a:ea typeface="HGS創英角ｺﾞｼｯｸUB" panose="020B0900000000000000" pitchFamily="50" charset="-128"/>
               </a:rPr>
               <a:t>キャラチェンジ機能</a:t>
-            </a:r>
-          </a:p>
-        </p:txBody>
-      </p:sp>
-      <p:sp>
-        <p:nvSpPr>
-          <p:cNvPr id="4" name="正方形/長方形 3">
-            <a:extLst>
-              <a:ext uri="{FF2B5EF4-FFF2-40B4-BE49-F238E27FC236}">
-                <a16:creationId xmlns:a16="http://schemas.microsoft.com/office/drawing/2014/main" id="{8D4BFF91-F974-86CB-B22A-383FA607997E}"/>
-              </a:ext>
-            </a:extLst>
-          </p:cNvPr>
-          <p:cNvSpPr/>
-          <p:nvPr/>
-        </p:nvSpPr>
-        <p:spPr>
-          <a:xfrm>
-            <a:off x="6821713" y="682171"/>
-            <a:ext cx="5131135" cy="2553398"/>
-          </a:xfrm>
-          <a:prstGeom prst="rect">
-            <a:avLst/>
-          </a:prstGeom>
-        </p:spPr>
-        <p:style>
-          <a:lnRef idx="2">
-            <a:schemeClr val="accent1">
-              <a:shade val="50000"/>
-            </a:schemeClr>
-          </a:lnRef>
-          <a:fillRef idx="1">
-            <a:schemeClr val="accent1"/>
-          </a:fillRef>
-          <a:effectRef idx="0">
-            <a:schemeClr val="accent1"/>
-          </a:effectRef>
-          <a:fontRef idx="minor">
-            <a:schemeClr val="lt1"/>
-          </a:fontRef>
-        </p:style>
-        <p:txBody>
-          <a:bodyPr rtlCol="0" anchor="ctr"/>
-          <a:lstStyle/>
-          <a:p>
-            <a:pPr algn="ctr"/>
-            <a:r>
-              <a:rPr kumimoji="1" lang="ja-JP" altLang="en-US" dirty="0"/>
-              <a:t>キャラチェンジ画面のスクショ</a:t>
             </a:r>
           </a:p>
         </p:txBody>
@@ -7675,7 +7638,7 @@
         </p:nvSpPr>
         <p:spPr>
           <a:xfrm>
-            <a:off x="7162756" y="3982387"/>
+            <a:off x="7307508" y="4146625"/>
             <a:ext cx="3636331" cy="643160"/>
           </a:xfrm>
           <a:prstGeom prst="wedgeRoundRectCallout">
@@ -7727,35 +7690,6 @@
           </a:p>
         </p:txBody>
       </p:sp>
-      <p:pic>
-        <p:nvPicPr>
-          <p:cNvPr id="8" name="図 7">
-            <a:extLst>
-              <a:ext uri="{FF2B5EF4-FFF2-40B4-BE49-F238E27FC236}">
-                <a16:creationId xmlns:a16="http://schemas.microsoft.com/office/drawing/2014/main" id="{F918231B-9BE3-A679-F569-DDBA78BC74AE}"/>
-              </a:ext>
-            </a:extLst>
-          </p:cNvPr>
-          <p:cNvPicPr>
-            <a:picLocks noChangeAspect="1"/>
-          </p:cNvPicPr>
-          <p:nvPr/>
-        </p:nvPicPr>
-        <p:blipFill rotWithShape="1">
-          <a:blip r:embed="rId5"/>
-          <a:srcRect t="9927" b="5302"/>
-          <a:stretch/>
-        </p:blipFill>
-        <p:spPr>
-          <a:xfrm>
-            <a:off x="6454510" y="653455"/>
-            <a:ext cx="5530671" cy="2635916"/>
-          </a:xfrm>
-          <a:prstGeom prst="rect">
-            <a:avLst/>
-          </a:prstGeom>
-        </p:spPr>
-      </p:pic>
     </p:spTree>
     <p:extLst>
       <p:ext uri="{BB962C8B-B14F-4D97-AF65-F5344CB8AC3E}">
@@ -12453,35 +12387,6 @@
           <a:chExt cx="0" cy="0"/>
         </a:xfrm>
       </p:grpSpPr>
-      <p:pic>
-        <p:nvPicPr>
-          <p:cNvPr id="23" name="図 22">
-            <a:extLst>
-              <a:ext uri="{FF2B5EF4-FFF2-40B4-BE49-F238E27FC236}">
-                <a16:creationId xmlns:a16="http://schemas.microsoft.com/office/drawing/2014/main" id="{805DCC7F-3E58-EDF6-8FD2-1F6CD985BC6B}"/>
-              </a:ext>
-            </a:extLst>
-          </p:cNvPr>
-          <p:cNvPicPr>
-            <a:picLocks noChangeAspect="1"/>
-          </p:cNvPicPr>
-          <p:nvPr/>
-        </p:nvPicPr>
-        <p:blipFill rotWithShape="1">
-          <a:blip r:embed="rId3"/>
-          <a:srcRect l="24263" t="13296" r="21340" b="7976"/>
-          <a:stretch/>
-        </p:blipFill>
-        <p:spPr>
-          <a:xfrm>
-            <a:off x="6681285" y="2403196"/>
-            <a:ext cx="5339166" cy="4344444"/>
-          </a:xfrm>
-          <a:prstGeom prst="rect">
-            <a:avLst/>
-          </a:prstGeom>
-        </p:spPr>
-      </p:pic>
       <p:sp>
         <p:nvSpPr>
           <p:cNvPr id="13" name="楕円 12">
@@ -12542,6 +12447,35 @@
           </a:p>
         </p:txBody>
       </p:sp>
+      <p:pic>
+        <p:nvPicPr>
+          <p:cNvPr id="8" name="図 7">
+            <a:extLst>
+              <a:ext uri="{FF2B5EF4-FFF2-40B4-BE49-F238E27FC236}">
+                <a16:creationId xmlns:a16="http://schemas.microsoft.com/office/drawing/2014/main" id="{9B29F689-A34F-29AA-DD78-508515074D7B}"/>
+              </a:ext>
+            </a:extLst>
+          </p:cNvPr>
+          <p:cNvPicPr>
+            <a:picLocks noChangeAspect="1"/>
+          </p:cNvPicPr>
+          <p:nvPr/>
+        </p:nvPicPr>
+        <p:blipFill rotWithShape="1">
+          <a:blip r:embed="rId3"/>
+          <a:srcRect l="24293" t="11833" r="21429" b="8720"/>
+          <a:stretch/>
+        </p:blipFill>
+        <p:spPr>
+          <a:xfrm>
+            <a:off x="6526928" y="2420781"/>
+            <a:ext cx="5258549" cy="4327358"/>
+          </a:xfrm>
+          <a:prstGeom prst="rect">
+            <a:avLst/>
+          </a:prstGeom>
+        </p:spPr>
+      </p:pic>
       <p:sp>
         <p:nvSpPr>
           <p:cNvPr id="2" name="タイトル 1">
@@ -12749,7 +12683,7 @@
         </p:nvSpPr>
         <p:spPr>
           <a:xfrm>
-            <a:off x="7894294" y="2520176"/>
+            <a:off x="10128963" y="2541322"/>
             <a:ext cx="1024771" cy="475213"/>
           </a:xfrm>
           <a:prstGeom prst="roundRect">
@@ -12801,7 +12735,7 @@
         </p:nvSpPr>
         <p:spPr>
           <a:xfrm>
-            <a:off x="8807211" y="4735841"/>
+            <a:off x="8635735" y="4735841"/>
             <a:ext cx="1040933" cy="1070079"/>
           </a:xfrm>
           <a:prstGeom prst="roundRect">
@@ -12853,7 +12787,7 @@
         </p:nvSpPr>
         <p:spPr>
           <a:xfrm>
-            <a:off x="6509524" y="5012294"/>
+            <a:off x="6433698" y="5024142"/>
             <a:ext cx="2295267" cy="584168"/>
           </a:xfrm>
           <a:prstGeom prst="homePlate">
@@ -12919,9 +12853,9 @@
         </p:nvGrpSpPr>
         <p:grpSpPr>
           <a:xfrm rot="10800000">
-            <a:off x="7657157" y="2933858"/>
+            <a:off x="9854755" y="2964243"/>
             <a:ext cx="1499045" cy="929514"/>
-            <a:chOff x="7081169" y="1361167"/>
+            <a:chOff x="7081167" y="1361168"/>
             <a:chExt cx="1654563" cy="1070079"/>
           </a:xfrm>
         </p:grpSpPr>
@@ -12939,7 +12873,7 @@
           </p:nvSpPr>
           <p:spPr>
             <a:xfrm rot="5400000">
-              <a:off x="7373411" y="1068925"/>
+              <a:off x="7373409" y="1068926"/>
               <a:ext cx="1070079" cy="1654563"/>
             </a:xfrm>
             <a:prstGeom prst="homePlate">
@@ -13325,6 +13259,124 @@
       </p:grpSpPr>
       <p:sp>
         <p:nvSpPr>
+          <p:cNvPr id="42" name="楕円 41">
+            <a:extLst>
+              <a:ext uri="{FF2B5EF4-FFF2-40B4-BE49-F238E27FC236}">
+                <a16:creationId xmlns:a16="http://schemas.microsoft.com/office/drawing/2014/main" id="{0978E2EE-920D-93E4-A5A8-C642E9B018EC}"/>
+              </a:ext>
+            </a:extLst>
+          </p:cNvPr>
+          <p:cNvSpPr/>
+          <p:nvPr/>
+        </p:nvSpPr>
+        <p:spPr>
+          <a:xfrm>
+            <a:off x="4143266" y="2654132"/>
+            <a:ext cx="2133512" cy="774868"/>
+          </a:xfrm>
+          <a:prstGeom prst="ellipse">
+            <a:avLst/>
+          </a:prstGeom>
+          <a:solidFill>
+            <a:schemeClr val="accent2"/>
+          </a:solidFill>
+          <a:ln>
+            <a:solidFill>
+              <a:schemeClr val="bg1"/>
+            </a:solidFill>
+          </a:ln>
+        </p:spPr>
+        <p:style>
+          <a:lnRef idx="2">
+            <a:schemeClr val="accent1">
+              <a:shade val="50000"/>
+            </a:schemeClr>
+          </a:lnRef>
+          <a:fillRef idx="1">
+            <a:schemeClr val="accent1"/>
+          </a:fillRef>
+          <a:effectRef idx="0">
+            <a:schemeClr val="accent1"/>
+          </a:effectRef>
+          <a:fontRef idx="minor">
+            <a:schemeClr val="lt1"/>
+          </a:fontRef>
+        </p:style>
+        <p:txBody>
+          <a:bodyPr rtlCol="0" anchor="ctr"/>
+          <a:lstStyle/>
+          <a:p>
+            <a:pPr algn="ctr"/>
+            <a:r>
+              <a:rPr kumimoji="1" lang="ja-JP" altLang="en-US" sz="2000" dirty="0">
+                <a:latin typeface="HGｺﾞｼｯｸE" panose="020B0909000000000000" pitchFamily="49" charset="-128"/>
+                <a:ea typeface="HGｺﾞｼｯｸE" panose="020B0909000000000000" pitchFamily="49" charset="-128"/>
+              </a:rPr>
+              <a:t>メイン画面</a:t>
+            </a:r>
+          </a:p>
+        </p:txBody>
+      </p:sp>
+      <p:pic>
+        <p:nvPicPr>
+          <p:cNvPr id="7" name="図 6">
+            <a:extLst>
+              <a:ext uri="{FF2B5EF4-FFF2-40B4-BE49-F238E27FC236}">
+                <a16:creationId xmlns:a16="http://schemas.microsoft.com/office/drawing/2014/main" id="{08EBB316-E755-79E3-84D3-79DC0E496215}"/>
+              </a:ext>
+            </a:extLst>
+          </p:cNvPr>
+          <p:cNvPicPr>
+            <a:picLocks noChangeAspect="1"/>
+          </p:cNvPicPr>
+          <p:nvPr/>
+        </p:nvPicPr>
+        <p:blipFill rotWithShape="1">
+          <a:blip r:embed="rId2"/>
+          <a:srcRect l="23912" t="11551" r="21489" b="9470"/>
+          <a:stretch/>
+        </p:blipFill>
+        <p:spPr>
+          <a:xfrm>
+            <a:off x="6234171" y="1929568"/>
+            <a:ext cx="5788785" cy="4707802"/>
+          </a:xfrm>
+          <a:prstGeom prst="rect">
+            <a:avLst/>
+          </a:prstGeom>
+        </p:spPr>
+      </p:pic>
+      <p:pic>
+        <p:nvPicPr>
+          <p:cNvPr id="31" name="図 30">
+            <a:extLst>
+              <a:ext uri="{FF2B5EF4-FFF2-40B4-BE49-F238E27FC236}">
+                <a16:creationId xmlns:a16="http://schemas.microsoft.com/office/drawing/2014/main" id="{A281CDCF-FD36-B3A8-5568-9749C0E1F296}"/>
+              </a:ext>
+            </a:extLst>
+          </p:cNvPr>
+          <p:cNvPicPr>
+            <a:picLocks noChangeAspect="1"/>
+          </p:cNvPicPr>
+          <p:nvPr/>
+        </p:nvPicPr>
+        <p:blipFill rotWithShape="1">
+          <a:blip r:embed="rId3"/>
+          <a:srcRect l="24293" t="11833" r="21429" b="24099"/>
+          <a:stretch/>
+        </p:blipFill>
+        <p:spPr>
+          <a:xfrm>
+            <a:off x="409229" y="3281955"/>
+            <a:ext cx="5129565" cy="3404093"/>
+          </a:xfrm>
+          <a:prstGeom prst="rect">
+            <a:avLst/>
+          </a:prstGeom>
+        </p:spPr>
+      </p:pic>
+      <p:sp>
+        <p:nvSpPr>
           <p:cNvPr id="37" name="楕円 36">
             <a:extLst>
               <a:ext uri="{FF2B5EF4-FFF2-40B4-BE49-F238E27FC236}">
@@ -13383,124 +13435,6 @@
           </a:p>
         </p:txBody>
       </p:sp>
-      <p:pic>
-        <p:nvPicPr>
-          <p:cNvPr id="30" name="図 29">
-            <a:extLst>
-              <a:ext uri="{FF2B5EF4-FFF2-40B4-BE49-F238E27FC236}">
-                <a16:creationId xmlns:a16="http://schemas.microsoft.com/office/drawing/2014/main" id="{D61EE26D-15B3-66F2-E216-7807D434C5D0}"/>
-              </a:ext>
-            </a:extLst>
-          </p:cNvPr>
-          <p:cNvPicPr>
-            <a:picLocks noChangeAspect="1"/>
-          </p:cNvPicPr>
-          <p:nvPr/>
-        </p:nvPicPr>
-        <p:blipFill rotWithShape="1">
-          <a:blip r:embed="rId2"/>
-          <a:srcRect l="24202" t="13129" r="21527" b="7945"/>
-          <a:stretch/>
-        </p:blipFill>
-        <p:spPr>
-          <a:xfrm>
-            <a:off x="6234172" y="1978245"/>
-            <a:ext cx="5757632" cy="4707803"/>
-          </a:xfrm>
-          <a:prstGeom prst="rect">
-            <a:avLst/>
-          </a:prstGeom>
-        </p:spPr>
-      </p:pic>
-      <p:sp>
-        <p:nvSpPr>
-          <p:cNvPr id="42" name="楕円 41">
-            <a:extLst>
-              <a:ext uri="{FF2B5EF4-FFF2-40B4-BE49-F238E27FC236}">
-                <a16:creationId xmlns:a16="http://schemas.microsoft.com/office/drawing/2014/main" id="{0978E2EE-920D-93E4-A5A8-C642E9B018EC}"/>
-              </a:ext>
-            </a:extLst>
-          </p:cNvPr>
-          <p:cNvSpPr/>
-          <p:nvPr/>
-        </p:nvSpPr>
-        <p:spPr>
-          <a:xfrm>
-            <a:off x="3282306" y="2631820"/>
-            <a:ext cx="2133512" cy="774868"/>
-          </a:xfrm>
-          <a:prstGeom prst="ellipse">
-            <a:avLst/>
-          </a:prstGeom>
-          <a:solidFill>
-            <a:schemeClr val="accent2"/>
-          </a:solidFill>
-          <a:ln>
-            <a:solidFill>
-              <a:schemeClr val="bg1"/>
-            </a:solidFill>
-          </a:ln>
-        </p:spPr>
-        <p:style>
-          <a:lnRef idx="2">
-            <a:schemeClr val="accent1">
-              <a:shade val="50000"/>
-            </a:schemeClr>
-          </a:lnRef>
-          <a:fillRef idx="1">
-            <a:schemeClr val="accent1"/>
-          </a:fillRef>
-          <a:effectRef idx="0">
-            <a:schemeClr val="accent1"/>
-          </a:effectRef>
-          <a:fontRef idx="minor">
-            <a:schemeClr val="lt1"/>
-          </a:fontRef>
-        </p:style>
-        <p:txBody>
-          <a:bodyPr rtlCol="0" anchor="ctr"/>
-          <a:lstStyle/>
-          <a:p>
-            <a:pPr algn="ctr"/>
-            <a:r>
-              <a:rPr kumimoji="1" lang="ja-JP" altLang="en-US" sz="2000" dirty="0">
-                <a:latin typeface="HGｺﾞｼｯｸE" panose="020B0909000000000000" pitchFamily="49" charset="-128"/>
-                <a:ea typeface="HGｺﾞｼｯｸE" panose="020B0909000000000000" pitchFamily="49" charset="-128"/>
-              </a:rPr>
-              <a:t>メイン画面</a:t>
-            </a:r>
-          </a:p>
-        </p:txBody>
-      </p:sp>
-      <p:pic>
-        <p:nvPicPr>
-          <p:cNvPr id="8" name="図 7">
-            <a:extLst>
-              <a:ext uri="{FF2B5EF4-FFF2-40B4-BE49-F238E27FC236}">
-                <a16:creationId xmlns:a16="http://schemas.microsoft.com/office/drawing/2014/main" id="{6F52DB38-1148-EA93-2A60-1B2F7FADF5BE}"/>
-              </a:ext>
-            </a:extLst>
-          </p:cNvPr>
-          <p:cNvPicPr>
-            <a:picLocks noChangeAspect="1"/>
-          </p:cNvPicPr>
-          <p:nvPr/>
-        </p:nvPicPr>
-        <p:blipFill rotWithShape="1">
-          <a:blip r:embed="rId3"/>
-          <a:srcRect l="24263" t="13296" r="21340" b="21870"/>
-          <a:stretch/>
-        </p:blipFill>
-        <p:spPr>
-          <a:xfrm>
-            <a:off x="294261" y="3248780"/>
-            <a:ext cx="5129566" cy="3437270"/>
-          </a:xfrm>
-          <a:prstGeom prst="rect">
-            <a:avLst/>
-          </a:prstGeom>
-        </p:spPr>
-      </p:pic>
       <p:sp>
         <p:nvSpPr>
           <p:cNvPr id="2" name="タイトル 1">
@@ -13551,7 +13485,7 @@
         </p:nvSpPr>
         <p:spPr>
           <a:xfrm>
-            <a:off x="8533555" y="4217981"/>
+            <a:off x="8583999" y="4283469"/>
             <a:ext cx="1089127" cy="1020770"/>
           </a:xfrm>
           <a:prstGeom prst="roundRect">
@@ -13718,8 +13652,8 @@
         </p:nvSpPr>
         <p:spPr>
           <a:xfrm>
-            <a:off x="6730976" y="2100198"/>
-            <a:ext cx="802105" cy="513124"/>
+            <a:off x="6845301" y="2040014"/>
+            <a:ext cx="856358" cy="513124"/>
           </a:xfrm>
           <a:prstGeom prst="roundRect">
             <a:avLst/>
@@ -13844,8 +13778,8 @@
         </p:nvSpPr>
         <p:spPr>
           <a:xfrm>
-            <a:off x="750434" y="3349999"/>
-            <a:ext cx="691223" cy="513124"/>
+            <a:off x="919083" y="3353753"/>
+            <a:ext cx="716382" cy="513124"/>
           </a:xfrm>
           <a:prstGeom prst="roundRect">
             <a:avLst/>
@@ -13896,8 +13830,8 @@
         </p:nvSpPr>
         <p:spPr>
           <a:xfrm>
-            <a:off x="1450810" y="3345732"/>
-            <a:ext cx="928249" cy="513124"/>
+            <a:off x="3884937" y="3345732"/>
+            <a:ext cx="1057023" cy="513124"/>
           </a:xfrm>
           <a:prstGeom prst="roundRect">
             <a:avLst/>
@@ -13931,66 +13865,6 @@
           <a:p>
             <a:pPr algn="ctr"/>
             <a:endParaRPr kumimoji="1" lang="ja-JP" altLang="en-US"/>
-          </a:p>
-        </p:txBody>
-      </p:sp>
-      <p:sp>
-        <p:nvSpPr>
-          <p:cNvPr id="13" name="矢印: 環状 12">
-            <a:extLst>
-              <a:ext uri="{FF2B5EF4-FFF2-40B4-BE49-F238E27FC236}">
-                <a16:creationId xmlns:a16="http://schemas.microsoft.com/office/drawing/2014/main" id="{B79FFEA5-5BD7-6989-7814-9E4CA588634E}"/>
-              </a:ext>
-            </a:extLst>
-          </p:cNvPr>
-          <p:cNvSpPr/>
-          <p:nvPr/>
-        </p:nvSpPr>
-        <p:spPr>
-          <a:xfrm flipH="1">
-            <a:off x="957612" y="2954520"/>
-            <a:ext cx="1057023" cy="904336"/>
-          </a:xfrm>
-          <a:prstGeom prst="circularArrow">
-            <a:avLst/>
-          </a:prstGeom>
-          <a:solidFill>
-            <a:srgbClr val="FF0000"/>
-          </a:solidFill>
-          <a:ln>
-            <a:solidFill>
-              <a:schemeClr val="bg1">
-                <a:lumMod val="95000"/>
-              </a:schemeClr>
-            </a:solidFill>
-          </a:ln>
-        </p:spPr>
-        <p:style>
-          <a:lnRef idx="2">
-            <a:schemeClr val="accent1">
-              <a:shade val="50000"/>
-            </a:schemeClr>
-          </a:lnRef>
-          <a:fillRef idx="1">
-            <a:schemeClr val="accent1"/>
-          </a:fillRef>
-          <a:effectRef idx="0">
-            <a:schemeClr val="accent1"/>
-          </a:effectRef>
-          <a:fontRef idx="minor">
-            <a:schemeClr val="lt1"/>
-          </a:fontRef>
-        </p:style>
-        <p:txBody>
-          <a:bodyPr rtlCol="0" anchor="ctr"/>
-          <a:lstStyle/>
-          <a:p>
-            <a:pPr algn="ctr"/>
-            <a:endParaRPr kumimoji="1" lang="ja-JP" altLang="en-US">
-              <a:solidFill>
-                <a:schemeClr val="tx1"/>
-              </a:solidFill>
-            </a:endParaRPr>
           </a:p>
         </p:txBody>
       </p:sp>
@@ -14068,10 +13942,10 @@
         </p:nvGrpSpPr>
         <p:grpSpPr>
           <a:xfrm>
-            <a:off x="6730976" y="2720832"/>
-            <a:ext cx="5034617" cy="1030640"/>
-            <a:chOff x="6848077" y="2980854"/>
-            <a:chExt cx="5034617" cy="1030640"/>
+            <a:off x="6748154" y="2989705"/>
+            <a:ext cx="5034617" cy="968462"/>
+            <a:chOff x="6865255" y="3249727"/>
+            <a:chExt cx="5034617" cy="968462"/>
           </a:xfrm>
         </p:grpSpPr>
         <p:sp>
@@ -14088,7 +13962,7 @@
           </p:nvSpPr>
           <p:spPr>
             <a:xfrm>
-              <a:off x="7133462" y="3368334"/>
+              <a:off x="7150640" y="3575029"/>
               <a:ext cx="4749232" cy="643160"/>
             </a:xfrm>
             <a:prstGeom prst="wedgeRoundRectCallout">
@@ -14155,7 +14029,7 @@
           </p:nvSpPr>
           <p:spPr>
             <a:xfrm>
-              <a:off x="6848077" y="2980854"/>
+              <a:off x="6865255" y="3249727"/>
               <a:ext cx="570770" cy="570770"/>
             </a:xfrm>
             <a:prstGeom prst="flowChartConnector">
@@ -14220,7 +14094,7 @@
         </p:nvGrpSpPr>
         <p:grpSpPr>
           <a:xfrm>
-            <a:off x="251218" y="3867391"/>
+            <a:off x="276805" y="3803967"/>
             <a:ext cx="1654563" cy="929514"/>
             <a:chOff x="251218" y="3867391"/>
             <a:chExt cx="1654563" cy="929514"/>
@@ -14358,8 +14232,8 @@
           </a:xfrm>
           <a:prstGeom prst="wedgeRoundRectCallout">
             <a:avLst>
-              <a:gd name="adj1" fmla="val -30174"/>
-              <a:gd name="adj2" fmla="val 130259"/>
+              <a:gd name="adj1" fmla="val -32012"/>
+              <a:gd name="adj2" fmla="val 183574"/>
               <a:gd name="adj3" fmla="val 16667"/>
             </a:avLst>
           </a:prstGeom>
@@ -14469,6 +14343,66 @@
               </a:rPr>
               <a:t>１</a:t>
             </a:r>
+          </a:p>
+        </p:txBody>
+      </p:sp>
+      <p:sp>
+        <p:nvSpPr>
+          <p:cNvPr id="13" name="矢印: 環状 12">
+            <a:extLst>
+              <a:ext uri="{FF2B5EF4-FFF2-40B4-BE49-F238E27FC236}">
+                <a16:creationId xmlns:a16="http://schemas.microsoft.com/office/drawing/2014/main" id="{B79FFEA5-5BD7-6989-7814-9E4CA588634E}"/>
+              </a:ext>
+            </a:extLst>
+          </p:cNvPr>
+          <p:cNvSpPr/>
+          <p:nvPr/>
+        </p:nvSpPr>
+        <p:spPr>
+          <a:xfrm flipH="1" flipV="1">
+            <a:off x="1272663" y="2616957"/>
+            <a:ext cx="3195288" cy="2374017"/>
+          </a:xfrm>
+          <a:prstGeom prst="circularArrow">
+            <a:avLst/>
+          </a:prstGeom>
+          <a:solidFill>
+            <a:srgbClr val="FF0000"/>
+          </a:solidFill>
+          <a:ln>
+            <a:solidFill>
+              <a:schemeClr val="bg1">
+                <a:lumMod val="95000"/>
+              </a:schemeClr>
+            </a:solidFill>
+          </a:ln>
+        </p:spPr>
+        <p:style>
+          <a:lnRef idx="2">
+            <a:schemeClr val="accent1">
+              <a:shade val="50000"/>
+            </a:schemeClr>
+          </a:lnRef>
+          <a:fillRef idx="1">
+            <a:schemeClr val="accent1"/>
+          </a:fillRef>
+          <a:effectRef idx="0">
+            <a:schemeClr val="accent1"/>
+          </a:effectRef>
+          <a:fontRef idx="minor">
+            <a:schemeClr val="lt1"/>
+          </a:fontRef>
+        </p:style>
+        <p:txBody>
+          <a:bodyPr rtlCol="0" anchor="ctr"/>
+          <a:lstStyle/>
+          <a:p>
+            <a:pPr algn="ctr"/>
+            <a:endParaRPr kumimoji="1" lang="ja-JP" altLang="en-US">
+              <a:solidFill>
+                <a:schemeClr val="tx1"/>
+              </a:solidFill>
+            </a:endParaRPr>
           </a:p>
         </p:txBody>
       </p:sp>

--- a/doc/プレゼン資料_F3_なかおっち.pptx
+++ b/doc/プレゼン資料_F3_なかおっち.pptx
@@ -5,33 +5,34 @@
     <p:sldMasterId id="2147483648" r:id="rId1"/>
   </p:sldMasterIdLst>
   <p:notesMasterIdLst>
-    <p:notesMasterId r:id="rId26"/>
+    <p:notesMasterId r:id="rId27"/>
   </p:notesMasterIdLst>
   <p:sldIdLst>
     <p:sldId id="256" r:id="rId2"/>
     <p:sldId id="257" r:id="rId3"/>
     <p:sldId id="263" r:id="rId4"/>
     <p:sldId id="299" r:id="rId5"/>
-    <p:sldId id="300" r:id="rId6"/>
-    <p:sldId id="262" r:id="rId7"/>
-    <p:sldId id="294" r:id="rId8"/>
-    <p:sldId id="273" r:id="rId9"/>
-    <p:sldId id="276" r:id="rId10"/>
-    <p:sldId id="274" r:id="rId11"/>
-    <p:sldId id="275" r:id="rId12"/>
-    <p:sldId id="277" r:id="rId13"/>
-    <p:sldId id="278" r:id="rId14"/>
-    <p:sldId id="295" r:id="rId15"/>
-    <p:sldId id="296" r:id="rId16"/>
-    <p:sldId id="259" r:id="rId17"/>
-    <p:sldId id="297" r:id="rId18"/>
-    <p:sldId id="307" r:id="rId19"/>
-    <p:sldId id="305" r:id="rId20"/>
-    <p:sldId id="306" r:id="rId21"/>
-    <p:sldId id="291" r:id="rId22"/>
-    <p:sldId id="301" r:id="rId23"/>
-    <p:sldId id="298" r:id="rId24"/>
-    <p:sldId id="268" r:id="rId25"/>
+    <p:sldId id="308" r:id="rId6"/>
+    <p:sldId id="300" r:id="rId7"/>
+    <p:sldId id="262" r:id="rId8"/>
+    <p:sldId id="294" r:id="rId9"/>
+    <p:sldId id="273" r:id="rId10"/>
+    <p:sldId id="276" r:id="rId11"/>
+    <p:sldId id="274" r:id="rId12"/>
+    <p:sldId id="275" r:id="rId13"/>
+    <p:sldId id="277" r:id="rId14"/>
+    <p:sldId id="278" r:id="rId15"/>
+    <p:sldId id="295" r:id="rId16"/>
+    <p:sldId id="296" r:id="rId17"/>
+    <p:sldId id="259" r:id="rId18"/>
+    <p:sldId id="297" r:id="rId19"/>
+    <p:sldId id="307" r:id="rId20"/>
+    <p:sldId id="305" r:id="rId21"/>
+    <p:sldId id="306" r:id="rId22"/>
+    <p:sldId id="291" r:id="rId23"/>
+    <p:sldId id="301" r:id="rId24"/>
+    <p:sldId id="298" r:id="rId25"/>
+    <p:sldId id="268" r:id="rId26"/>
   </p:sldIdLst>
   <p:sldSz cx="12192000" cy="6858000"/>
   <p:notesSz cx="6858000" cy="9144000"/>
@@ -647,7 +648,10 @@
           <a:bodyPr/>
           <a:lstStyle/>
           <a:p>
-            <a:endParaRPr kumimoji="1" lang="ja-JP" altLang="en-US" dirty="0"/>
+            <a:r>
+              <a:rPr kumimoji="1" lang="ja-JP" altLang="en-US" dirty="0"/>
+              <a:t>卵購入画面後でスクショ差し替えます</a:t>
+            </a:r>
           </a:p>
         </p:txBody>
       </p:sp>
@@ -677,7 +681,7 @@
     </p:spTree>
     <p:extLst>
       <p:ext uri="{BB962C8B-B14F-4D97-AF65-F5344CB8AC3E}">
-        <p14:creationId xmlns:p14="http://schemas.microsoft.com/office/powerpoint/2010/main" val="2096746102"/>
+        <p14:creationId xmlns:p14="http://schemas.microsoft.com/office/powerpoint/2010/main" val="3932365603"/>
       </p:ext>
     </p:extLst>
   </p:cSld>
@@ -761,7 +765,7 @@
     </p:spTree>
     <p:extLst>
       <p:ext uri="{BB962C8B-B14F-4D97-AF65-F5344CB8AC3E}">
-        <p14:creationId xmlns:p14="http://schemas.microsoft.com/office/powerpoint/2010/main" val="1546769941"/>
+        <p14:creationId xmlns:p14="http://schemas.microsoft.com/office/powerpoint/2010/main" val="2096746102"/>
       </p:ext>
     </p:extLst>
   </p:cSld>
@@ -836,7 +840,91 @@
           <a:p>
             <a:fld id="{4FB5F70D-02C0-4F83-8937-892046578496}" type="slidenum">
               <a:rPr kumimoji="1" lang="ja-JP" altLang="en-US" smtClean="0"/>
-              <a:t>16</a:t>
+              <a:t>15</a:t>
+            </a:fld>
+            <a:endParaRPr kumimoji="1" lang="ja-JP" altLang="en-US"/>
+          </a:p>
+        </p:txBody>
+      </p:sp>
+    </p:spTree>
+    <p:extLst>
+      <p:ext uri="{BB962C8B-B14F-4D97-AF65-F5344CB8AC3E}">
+        <p14:creationId xmlns:p14="http://schemas.microsoft.com/office/powerpoint/2010/main" val="1546769941"/>
+      </p:ext>
+    </p:extLst>
+  </p:cSld>
+  <p:clrMapOvr>
+    <a:masterClrMapping/>
+  </p:clrMapOvr>
+</p:notes>
+</file>
+
+<file path=ppt/notesSlides/notesSlide13.xml><?xml version="1.0" encoding="utf-8"?>
+<p:notes xmlns:a="http://schemas.openxmlformats.org/drawingml/2006/main" xmlns:r="http://schemas.openxmlformats.org/officeDocument/2006/relationships" xmlns:p="http://schemas.openxmlformats.org/presentationml/2006/main">
+  <p:cSld>
+    <p:spTree>
+      <p:nvGrpSpPr>
+        <p:cNvPr id="1" name=""/>
+        <p:cNvGrpSpPr/>
+        <p:nvPr/>
+      </p:nvGrpSpPr>
+      <p:grpSpPr>
+        <a:xfrm>
+          <a:off x="0" y="0"/>
+          <a:ext cx="0" cy="0"/>
+          <a:chOff x="0" y="0"/>
+          <a:chExt cx="0" cy="0"/>
+        </a:xfrm>
+      </p:grpSpPr>
+      <p:sp>
+        <p:nvSpPr>
+          <p:cNvPr id="2" name="スライド イメージ プレースホルダー 1"/>
+          <p:cNvSpPr>
+            <a:spLocks noGrp="1" noRot="1" noChangeAspect="1"/>
+          </p:cNvSpPr>
+          <p:nvPr>
+            <p:ph type="sldImg"/>
+          </p:nvPr>
+        </p:nvSpPr>
+        <p:spPr/>
+      </p:sp>
+      <p:sp>
+        <p:nvSpPr>
+          <p:cNvPr id="3" name="ノート プレースホルダー 2"/>
+          <p:cNvSpPr>
+            <a:spLocks noGrp="1"/>
+          </p:cNvSpPr>
+          <p:nvPr>
+            <p:ph type="body" idx="1"/>
+          </p:nvPr>
+        </p:nvSpPr>
+        <p:spPr/>
+        <p:txBody>
+          <a:bodyPr/>
+          <a:lstStyle/>
+          <a:p>
+            <a:endParaRPr kumimoji="1" lang="ja-JP" altLang="en-US" dirty="0"/>
+          </a:p>
+        </p:txBody>
+      </p:sp>
+      <p:sp>
+        <p:nvSpPr>
+          <p:cNvPr id="4" name="スライド番号プレースホルダー 3"/>
+          <p:cNvSpPr>
+            <a:spLocks noGrp="1"/>
+          </p:cNvSpPr>
+          <p:nvPr>
+            <p:ph type="sldNum" sz="quarter" idx="5"/>
+          </p:nvPr>
+        </p:nvSpPr>
+        <p:spPr/>
+        <p:txBody>
+          <a:bodyPr/>
+          <a:lstStyle/>
+          <a:p>
+            <a:fld id="{4FB5F70D-02C0-4F83-8937-892046578496}" type="slidenum">
+              <a:rPr kumimoji="1" lang="ja-JP" altLang="en-US" smtClean="0"/>
+              <a:t>17</a:t>
             </a:fld>
             <a:endParaRPr kumimoji="1" lang="ja-JP" altLang="en-US"/>
           </a:p>
@@ -1181,7 +1269,7 @@
     </p:spTree>
     <p:extLst>
       <p:ext uri="{BB962C8B-B14F-4D97-AF65-F5344CB8AC3E}">
-        <p14:creationId xmlns:p14="http://schemas.microsoft.com/office/powerpoint/2010/main" val="1020968988"/>
+        <p14:creationId xmlns:p14="http://schemas.microsoft.com/office/powerpoint/2010/main" val="2420682784"/>
       </p:ext>
     </p:extLst>
   </p:cSld>
@@ -1256,7 +1344,7 @@
           <a:p>
             <a:fld id="{4FB5F70D-02C0-4F83-8937-892046578496}" type="slidenum">
               <a:rPr kumimoji="1" lang="ja-JP" altLang="en-US" smtClean="0"/>
-              <a:t>8</a:t>
+              <a:t>6</a:t>
             </a:fld>
             <a:endParaRPr kumimoji="1" lang="ja-JP" altLang="en-US"/>
           </a:p>
@@ -1265,7 +1353,7 @@
     </p:spTree>
     <p:extLst>
       <p:ext uri="{BB962C8B-B14F-4D97-AF65-F5344CB8AC3E}">
-        <p14:creationId xmlns:p14="http://schemas.microsoft.com/office/powerpoint/2010/main" val="2291482010"/>
+        <p14:creationId xmlns:p14="http://schemas.microsoft.com/office/powerpoint/2010/main" val="1020968988"/>
       </p:ext>
     </p:extLst>
   </p:cSld>
@@ -1340,7 +1428,7 @@
           <a:p>
             <a:fld id="{4FB5F70D-02C0-4F83-8937-892046578496}" type="slidenum">
               <a:rPr kumimoji="1" lang="ja-JP" altLang="en-US" smtClean="0"/>
-              <a:t>10</a:t>
+              <a:t>9</a:t>
             </a:fld>
             <a:endParaRPr kumimoji="1" lang="ja-JP" altLang="en-US"/>
           </a:p>
@@ -1349,7 +1437,7 @@
     </p:spTree>
     <p:extLst>
       <p:ext uri="{BB962C8B-B14F-4D97-AF65-F5344CB8AC3E}">
-        <p14:creationId xmlns:p14="http://schemas.microsoft.com/office/powerpoint/2010/main" val="2228962888"/>
+        <p14:creationId xmlns:p14="http://schemas.microsoft.com/office/powerpoint/2010/main" val="2291482010"/>
       </p:ext>
     </p:extLst>
   </p:cSld>
@@ -1433,7 +1521,7 @@
     </p:spTree>
     <p:extLst>
       <p:ext uri="{BB962C8B-B14F-4D97-AF65-F5344CB8AC3E}">
-        <p14:creationId xmlns:p14="http://schemas.microsoft.com/office/powerpoint/2010/main" val="775833895"/>
+        <p14:creationId xmlns:p14="http://schemas.microsoft.com/office/powerpoint/2010/main" val="2228962888"/>
       </p:ext>
     </p:extLst>
   </p:cSld>
@@ -1487,10 +1575,7 @@
           <a:bodyPr/>
           <a:lstStyle/>
           <a:p>
-            <a:r>
-              <a:rPr kumimoji="1" lang="ja-JP" altLang="en-US" dirty="0"/>
-              <a:t>卵購入画面後でスクショ差し替えます</a:t>
-            </a:r>
+            <a:endParaRPr kumimoji="1" lang="ja-JP" altLang="en-US" dirty="0"/>
           </a:p>
         </p:txBody>
       </p:sp>
@@ -1520,7 +1605,7 @@
     </p:spTree>
     <p:extLst>
       <p:ext uri="{BB962C8B-B14F-4D97-AF65-F5344CB8AC3E}">
-        <p14:creationId xmlns:p14="http://schemas.microsoft.com/office/powerpoint/2010/main" val="3932365603"/>
+        <p14:creationId xmlns:p14="http://schemas.microsoft.com/office/powerpoint/2010/main" val="775833895"/>
       </p:ext>
     </p:extLst>
   </p:cSld>
@@ -5258,6 +5343,1185 @@
           <a:chExt cx="0" cy="0"/>
         </a:xfrm>
       </p:grpSpPr>
+      <p:sp>
+        <p:nvSpPr>
+          <p:cNvPr id="42" name="楕円 41">
+            <a:extLst>
+              <a:ext uri="{FF2B5EF4-FFF2-40B4-BE49-F238E27FC236}">
+                <a16:creationId xmlns:a16="http://schemas.microsoft.com/office/drawing/2014/main" id="{0978E2EE-920D-93E4-A5A8-C642E9B018EC}"/>
+              </a:ext>
+            </a:extLst>
+          </p:cNvPr>
+          <p:cNvSpPr/>
+          <p:nvPr/>
+        </p:nvSpPr>
+        <p:spPr>
+          <a:xfrm>
+            <a:off x="4143266" y="2654132"/>
+            <a:ext cx="2133512" cy="774868"/>
+          </a:xfrm>
+          <a:prstGeom prst="ellipse">
+            <a:avLst/>
+          </a:prstGeom>
+          <a:solidFill>
+            <a:schemeClr val="accent2"/>
+          </a:solidFill>
+          <a:ln>
+            <a:solidFill>
+              <a:schemeClr val="bg1"/>
+            </a:solidFill>
+          </a:ln>
+        </p:spPr>
+        <p:style>
+          <a:lnRef idx="2">
+            <a:schemeClr val="accent1">
+              <a:shade val="50000"/>
+            </a:schemeClr>
+          </a:lnRef>
+          <a:fillRef idx="1">
+            <a:schemeClr val="accent1"/>
+          </a:fillRef>
+          <a:effectRef idx="0">
+            <a:schemeClr val="accent1"/>
+          </a:effectRef>
+          <a:fontRef idx="minor">
+            <a:schemeClr val="lt1"/>
+          </a:fontRef>
+        </p:style>
+        <p:txBody>
+          <a:bodyPr rtlCol="0" anchor="ctr"/>
+          <a:lstStyle/>
+          <a:p>
+            <a:pPr algn="ctr"/>
+            <a:r>
+              <a:rPr kumimoji="1" lang="ja-JP" altLang="en-US" sz="2000" dirty="0">
+                <a:latin typeface="HGｺﾞｼｯｸE" panose="020B0909000000000000" pitchFamily="49" charset="-128"/>
+                <a:ea typeface="HGｺﾞｼｯｸE" panose="020B0909000000000000" pitchFamily="49" charset="-128"/>
+              </a:rPr>
+              <a:t>メイン画面</a:t>
+            </a:r>
+          </a:p>
+        </p:txBody>
+      </p:sp>
+      <p:pic>
+        <p:nvPicPr>
+          <p:cNvPr id="7" name="図 6">
+            <a:extLst>
+              <a:ext uri="{FF2B5EF4-FFF2-40B4-BE49-F238E27FC236}">
+                <a16:creationId xmlns:a16="http://schemas.microsoft.com/office/drawing/2014/main" id="{08EBB316-E755-79E3-84D3-79DC0E496215}"/>
+              </a:ext>
+            </a:extLst>
+          </p:cNvPr>
+          <p:cNvPicPr>
+            <a:picLocks noChangeAspect="1"/>
+          </p:cNvPicPr>
+          <p:nvPr/>
+        </p:nvPicPr>
+        <p:blipFill rotWithShape="1">
+          <a:blip r:embed="rId2"/>
+          <a:srcRect l="23912" t="11551" r="21489" b="9470"/>
+          <a:stretch/>
+        </p:blipFill>
+        <p:spPr>
+          <a:xfrm>
+            <a:off x="6234171" y="1929568"/>
+            <a:ext cx="5788785" cy="4707802"/>
+          </a:xfrm>
+          <a:prstGeom prst="rect">
+            <a:avLst/>
+          </a:prstGeom>
+        </p:spPr>
+      </p:pic>
+      <p:pic>
+        <p:nvPicPr>
+          <p:cNvPr id="31" name="図 30">
+            <a:extLst>
+              <a:ext uri="{FF2B5EF4-FFF2-40B4-BE49-F238E27FC236}">
+                <a16:creationId xmlns:a16="http://schemas.microsoft.com/office/drawing/2014/main" id="{A281CDCF-FD36-B3A8-5568-9749C0E1F296}"/>
+              </a:ext>
+            </a:extLst>
+          </p:cNvPr>
+          <p:cNvPicPr>
+            <a:picLocks noChangeAspect="1"/>
+          </p:cNvPicPr>
+          <p:nvPr/>
+        </p:nvPicPr>
+        <p:blipFill rotWithShape="1">
+          <a:blip r:embed="rId3"/>
+          <a:srcRect l="24293" t="11833" r="21429" b="24099"/>
+          <a:stretch/>
+        </p:blipFill>
+        <p:spPr>
+          <a:xfrm>
+            <a:off x="409229" y="3281955"/>
+            <a:ext cx="5129565" cy="3404093"/>
+          </a:xfrm>
+          <a:prstGeom prst="rect">
+            <a:avLst/>
+          </a:prstGeom>
+        </p:spPr>
+      </p:pic>
+      <p:sp>
+        <p:nvSpPr>
+          <p:cNvPr id="37" name="楕円 36">
+            <a:extLst>
+              <a:ext uri="{FF2B5EF4-FFF2-40B4-BE49-F238E27FC236}">
+                <a16:creationId xmlns:a16="http://schemas.microsoft.com/office/drawing/2014/main" id="{3EA09FC8-E75E-8242-A439-DF0E228A30D7}"/>
+              </a:ext>
+            </a:extLst>
+          </p:cNvPr>
+          <p:cNvSpPr/>
+          <p:nvPr/>
+        </p:nvSpPr>
+        <p:spPr>
+          <a:xfrm>
+            <a:off x="9971249" y="1345278"/>
+            <a:ext cx="2133512" cy="774868"/>
+          </a:xfrm>
+          <a:prstGeom prst="ellipse">
+            <a:avLst/>
+          </a:prstGeom>
+          <a:solidFill>
+            <a:schemeClr val="accent2"/>
+          </a:solidFill>
+          <a:ln>
+            <a:solidFill>
+              <a:schemeClr val="bg1"/>
+            </a:solidFill>
+          </a:ln>
+        </p:spPr>
+        <p:style>
+          <a:lnRef idx="2">
+            <a:schemeClr val="accent1">
+              <a:shade val="50000"/>
+            </a:schemeClr>
+          </a:lnRef>
+          <a:fillRef idx="1">
+            <a:schemeClr val="accent1"/>
+          </a:fillRef>
+          <a:effectRef idx="0">
+            <a:schemeClr val="accent1"/>
+          </a:effectRef>
+          <a:fontRef idx="minor">
+            <a:schemeClr val="lt1"/>
+          </a:fontRef>
+        </p:style>
+        <p:txBody>
+          <a:bodyPr rtlCol="0" anchor="ctr"/>
+          <a:lstStyle/>
+          <a:p>
+            <a:pPr algn="ctr"/>
+            <a:r>
+              <a:rPr kumimoji="1" lang="ja-JP" altLang="en-US" sz="2000" dirty="0">
+                <a:latin typeface="HGｺﾞｼｯｸE" panose="020B0909000000000000" pitchFamily="49" charset="-128"/>
+                <a:ea typeface="HGｺﾞｼｯｸE" panose="020B0909000000000000" pitchFamily="49" charset="-128"/>
+              </a:rPr>
+              <a:t>メイン画面</a:t>
+            </a:r>
+          </a:p>
+        </p:txBody>
+      </p:sp>
+      <p:sp>
+        <p:nvSpPr>
+          <p:cNvPr id="2" name="タイトル 1">
+            <a:extLst>
+              <a:ext uri="{FF2B5EF4-FFF2-40B4-BE49-F238E27FC236}">
+                <a16:creationId xmlns:a16="http://schemas.microsoft.com/office/drawing/2014/main" id="{693A6AA4-E421-2B25-F07B-E8469B9F6618}"/>
+              </a:ext>
+            </a:extLst>
+          </p:cNvPr>
+          <p:cNvSpPr>
+            <a:spLocks noGrp="1"/>
+          </p:cNvSpPr>
+          <p:nvPr>
+            <p:ph type="title"/>
+          </p:nvPr>
+        </p:nvSpPr>
+        <p:spPr/>
+        <p:txBody>
+          <a:bodyPr/>
+          <a:lstStyle/>
+          <a:p>
+            <a:r>
+              <a:rPr kumimoji="1" lang="ja-JP" altLang="en-US" dirty="0">
+                <a:solidFill>
+                  <a:schemeClr val="accent2">
+                    <a:lumMod val="50000"/>
+                  </a:schemeClr>
+                </a:solidFill>
+                <a:latin typeface="HGS創英角ｺﾞｼｯｸUB" panose="020B0900000000000000" pitchFamily="50" charset="-128"/>
+                <a:ea typeface="HGS創英角ｺﾞｼｯｸUB" panose="020B0900000000000000" pitchFamily="50" charset="-128"/>
+              </a:rPr>
+              <a:t>キャラ育成機能</a:t>
+            </a:r>
+          </a:p>
+        </p:txBody>
+      </p:sp>
+      <p:sp>
+        <p:nvSpPr>
+          <p:cNvPr id="36" name="四角形: 角を丸くする 35">
+            <a:extLst>
+              <a:ext uri="{FF2B5EF4-FFF2-40B4-BE49-F238E27FC236}">
+                <a16:creationId xmlns:a16="http://schemas.microsoft.com/office/drawing/2014/main" id="{275B2BFE-13D5-D0CB-1196-2754359A6AF2}"/>
+              </a:ext>
+            </a:extLst>
+          </p:cNvPr>
+          <p:cNvSpPr/>
+          <p:nvPr/>
+        </p:nvSpPr>
+        <p:spPr>
+          <a:xfrm>
+            <a:off x="8583999" y="4283469"/>
+            <a:ext cx="1089127" cy="1020770"/>
+          </a:xfrm>
+          <a:prstGeom prst="roundRect">
+            <a:avLst/>
+          </a:prstGeom>
+          <a:noFill/>
+          <a:ln w="38100">
+            <a:solidFill>
+              <a:srgbClr val="FF0000"/>
+            </a:solidFill>
+          </a:ln>
+        </p:spPr>
+        <p:style>
+          <a:lnRef idx="2">
+            <a:schemeClr val="accent1">
+              <a:shade val="50000"/>
+            </a:schemeClr>
+          </a:lnRef>
+          <a:fillRef idx="1">
+            <a:schemeClr val="accent1"/>
+          </a:fillRef>
+          <a:effectRef idx="0">
+            <a:schemeClr val="accent1"/>
+          </a:effectRef>
+          <a:fontRef idx="minor">
+            <a:schemeClr val="lt1"/>
+          </a:fontRef>
+        </p:style>
+        <p:txBody>
+          <a:bodyPr rtlCol="0" anchor="ctr"/>
+          <a:lstStyle/>
+          <a:p>
+            <a:pPr algn="ctr"/>
+            <a:endParaRPr kumimoji="1" lang="ja-JP" altLang="en-US"/>
+          </a:p>
+        </p:txBody>
+      </p:sp>
+      <p:sp>
+        <p:nvSpPr>
+          <p:cNvPr id="6" name="矢印: 右 5">
+            <a:extLst>
+              <a:ext uri="{FF2B5EF4-FFF2-40B4-BE49-F238E27FC236}">
+                <a16:creationId xmlns:a16="http://schemas.microsoft.com/office/drawing/2014/main" id="{95DF3E1B-B428-50DA-8D13-FBB1EB5AF42D}"/>
+              </a:ext>
+            </a:extLst>
+          </p:cNvPr>
+          <p:cNvSpPr/>
+          <p:nvPr/>
+        </p:nvSpPr>
+        <p:spPr>
+          <a:xfrm>
+            <a:off x="5015510" y="4020733"/>
+            <a:ext cx="1654563" cy="1177468"/>
+          </a:xfrm>
+          <a:prstGeom prst="rightArrow">
+            <a:avLst/>
+          </a:prstGeom>
+          <a:solidFill>
+            <a:schemeClr val="accent2"/>
+          </a:solidFill>
+          <a:ln>
+            <a:solidFill>
+              <a:schemeClr val="bg1"/>
+            </a:solidFill>
+          </a:ln>
+        </p:spPr>
+        <p:style>
+          <a:lnRef idx="2">
+            <a:schemeClr val="accent1">
+              <a:shade val="50000"/>
+            </a:schemeClr>
+          </a:lnRef>
+          <a:fillRef idx="1">
+            <a:schemeClr val="accent1"/>
+          </a:fillRef>
+          <a:effectRef idx="0">
+            <a:schemeClr val="accent1"/>
+          </a:effectRef>
+          <a:fontRef idx="minor">
+            <a:schemeClr val="lt1"/>
+          </a:fontRef>
+        </p:style>
+        <p:txBody>
+          <a:bodyPr rtlCol="0" anchor="ctr"/>
+          <a:lstStyle/>
+          <a:p>
+            <a:pPr algn="ctr"/>
+            <a:r>
+              <a:rPr kumimoji="1" lang="ja-JP" altLang="en-US" sz="2400" dirty="0">
+                <a:solidFill>
+                  <a:schemeClr val="bg1"/>
+                </a:solidFill>
+                <a:latin typeface="HGｺﾞｼｯｸE" panose="020B0909000000000000" pitchFamily="49" charset="-128"/>
+                <a:ea typeface="HGｺﾞｼｯｸE" panose="020B0909000000000000" pitchFamily="49" charset="-128"/>
+              </a:rPr>
+              <a:t>進化</a:t>
+            </a:r>
+          </a:p>
+        </p:txBody>
+      </p:sp>
+      <p:sp>
+        <p:nvSpPr>
+          <p:cNvPr id="41" name="四角形: 角を丸くする 40">
+            <a:extLst>
+              <a:ext uri="{FF2B5EF4-FFF2-40B4-BE49-F238E27FC236}">
+                <a16:creationId xmlns:a16="http://schemas.microsoft.com/office/drawing/2014/main" id="{BBBFDB87-C73C-E9C3-B845-410FC295B767}"/>
+              </a:ext>
+            </a:extLst>
+          </p:cNvPr>
+          <p:cNvSpPr/>
+          <p:nvPr/>
+        </p:nvSpPr>
+        <p:spPr>
+          <a:xfrm>
+            <a:off x="2279651" y="5422796"/>
+            <a:ext cx="1054099" cy="1070079"/>
+          </a:xfrm>
+          <a:prstGeom prst="roundRect">
+            <a:avLst/>
+          </a:prstGeom>
+          <a:noFill/>
+          <a:ln w="38100">
+            <a:solidFill>
+              <a:srgbClr val="FF0000"/>
+            </a:solidFill>
+          </a:ln>
+        </p:spPr>
+        <p:style>
+          <a:lnRef idx="2">
+            <a:schemeClr val="accent1">
+              <a:shade val="50000"/>
+            </a:schemeClr>
+          </a:lnRef>
+          <a:fillRef idx="1">
+            <a:schemeClr val="accent1"/>
+          </a:fillRef>
+          <a:effectRef idx="0">
+            <a:schemeClr val="accent1"/>
+          </a:effectRef>
+          <a:fontRef idx="minor">
+            <a:schemeClr val="lt1"/>
+          </a:fontRef>
+        </p:style>
+        <p:txBody>
+          <a:bodyPr rtlCol="0" anchor="ctr"/>
+          <a:lstStyle/>
+          <a:p>
+            <a:pPr algn="ctr"/>
+            <a:endParaRPr kumimoji="1" lang="ja-JP" altLang="en-US"/>
+          </a:p>
+        </p:txBody>
+      </p:sp>
+      <p:sp>
+        <p:nvSpPr>
+          <p:cNvPr id="26" name="四角形: 角を丸くする 25">
+            <a:extLst>
+              <a:ext uri="{FF2B5EF4-FFF2-40B4-BE49-F238E27FC236}">
+                <a16:creationId xmlns:a16="http://schemas.microsoft.com/office/drawing/2014/main" id="{4FEEEB77-5280-4C5B-82E6-86302C60FB29}"/>
+              </a:ext>
+            </a:extLst>
+          </p:cNvPr>
+          <p:cNvSpPr/>
+          <p:nvPr/>
+        </p:nvSpPr>
+        <p:spPr>
+          <a:xfrm>
+            <a:off x="6845301" y="2040014"/>
+            <a:ext cx="856358" cy="513124"/>
+          </a:xfrm>
+          <a:prstGeom prst="roundRect">
+            <a:avLst/>
+          </a:prstGeom>
+          <a:noFill/>
+          <a:ln w="38100">
+            <a:solidFill>
+              <a:srgbClr val="FF0000"/>
+            </a:solidFill>
+          </a:ln>
+        </p:spPr>
+        <p:style>
+          <a:lnRef idx="2">
+            <a:schemeClr val="accent1">
+              <a:shade val="50000"/>
+            </a:schemeClr>
+          </a:lnRef>
+          <a:fillRef idx="1">
+            <a:schemeClr val="accent1"/>
+          </a:fillRef>
+          <a:effectRef idx="0">
+            <a:schemeClr val="accent1"/>
+          </a:effectRef>
+          <a:fontRef idx="minor">
+            <a:schemeClr val="lt1"/>
+          </a:fontRef>
+        </p:style>
+        <p:txBody>
+          <a:bodyPr rtlCol="0" anchor="ctr"/>
+          <a:lstStyle/>
+          <a:p>
+            <a:pPr algn="ctr"/>
+            <a:endParaRPr kumimoji="1" lang="ja-JP" altLang="en-US"/>
+          </a:p>
+        </p:txBody>
+      </p:sp>
+      <p:sp>
+        <p:nvSpPr>
+          <p:cNvPr id="19" name="吹き出し: 角を丸めた四角形 18">
+            <a:extLst>
+              <a:ext uri="{FF2B5EF4-FFF2-40B4-BE49-F238E27FC236}">
+                <a16:creationId xmlns:a16="http://schemas.microsoft.com/office/drawing/2014/main" id="{BE036C09-AAD7-6A28-A92E-5B3B73F7BB2A}"/>
+              </a:ext>
+            </a:extLst>
+          </p:cNvPr>
+          <p:cNvSpPr/>
+          <p:nvPr/>
+        </p:nvSpPr>
+        <p:spPr>
+          <a:xfrm>
+            <a:off x="5881695" y="1227575"/>
+            <a:ext cx="4016741" cy="643160"/>
+          </a:xfrm>
+          <a:prstGeom prst="wedgeRoundRectCallout">
+            <a:avLst>
+              <a:gd name="adj1" fmla="val -19223"/>
+              <a:gd name="adj2" fmla="val 98355"/>
+              <a:gd name="adj3" fmla="val 16667"/>
+            </a:avLst>
+          </a:prstGeom>
+          <a:solidFill>
+            <a:schemeClr val="bg1"/>
+          </a:solidFill>
+          <a:ln>
+            <a:solidFill>
+              <a:srgbClr val="FFA333"/>
+            </a:solidFill>
+          </a:ln>
+        </p:spPr>
+        <p:style>
+          <a:lnRef idx="2">
+            <a:schemeClr val="accent1">
+              <a:shade val="50000"/>
+            </a:schemeClr>
+          </a:lnRef>
+          <a:fillRef idx="1">
+            <a:schemeClr val="accent1"/>
+          </a:fillRef>
+          <a:effectRef idx="0">
+            <a:schemeClr val="accent1"/>
+          </a:effectRef>
+          <a:fontRef idx="minor">
+            <a:schemeClr val="lt1"/>
+          </a:fontRef>
+        </p:style>
+        <p:txBody>
+          <a:bodyPr rtlCol="0" anchor="ctr"/>
+          <a:lstStyle/>
+          <a:p>
+            <a:pPr algn="ctr"/>
+            <a:r>
+              <a:rPr kumimoji="1" lang="ja-JP" altLang="en-US" sz="2400" dirty="0">
+                <a:solidFill>
+                  <a:schemeClr val="tx1"/>
+                </a:solidFill>
+                <a:latin typeface="HGｺﾞｼｯｸM" panose="020B0609000000000000" pitchFamily="49" charset="-128"/>
+                <a:ea typeface="HGｺﾞｼｯｸM" panose="020B0609000000000000" pitchFamily="49" charset="-128"/>
+              </a:rPr>
+              <a:t>一定のレベルになると進化</a:t>
+            </a:r>
+            <a:endParaRPr kumimoji="1" lang="ja-JP" altLang="en-US" sz="1600" dirty="0">
+              <a:solidFill>
+                <a:schemeClr val="tx1"/>
+              </a:solidFill>
+              <a:latin typeface="HGｺﾞｼｯｸM" panose="020B0609000000000000" pitchFamily="49" charset="-128"/>
+              <a:ea typeface="HGｺﾞｼｯｸM" panose="020B0609000000000000" pitchFamily="49" charset="-128"/>
+            </a:endParaRPr>
+          </a:p>
+        </p:txBody>
+      </p:sp>
+      <p:sp>
+        <p:nvSpPr>
+          <p:cNvPr id="27" name="四角形: 角を丸くする 26">
+            <a:extLst>
+              <a:ext uri="{FF2B5EF4-FFF2-40B4-BE49-F238E27FC236}">
+                <a16:creationId xmlns:a16="http://schemas.microsoft.com/office/drawing/2014/main" id="{B442BECB-DDAF-D878-E8D9-7D8AA3EDA66F}"/>
+              </a:ext>
+            </a:extLst>
+          </p:cNvPr>
+          <p:cNvSpPr/>
+          <p:nvPr/>
+        </p:nvSpPr>
+        <p:spPr>
+          <a:xfrm>
+            <a:off x="919083" y="3353753"/>
+            <a:ext cx="716382" cy="513124"/>
+          </a:xfrm>
+          <a:prstGeom prst="roundRect">
+            <a:avLst/>
+          </a:prstGeom>
+          <a:noFill/>
+          <a:ln w="38100">
+            <a:solidFill>
+              <a:srgbClr val="FF0000"/>
+            </a:solidFill>
+          </a:ln>
+        </p:spPr>
+        <p:style>
+          <a:lnRef idx="2">
+            <a:schemeClr val="accent1">
+              <a:shade val="50000"/>
+            </a:schemeClr>
+          </a:lnRef>
+          <a:fillRef idx="1">
+            <a:schemeClr val="accent1"/>
+          </a:fillRef>
+          <a:effectRef idx="0">
+            <a:schemeClr val="accent1"/>
+          </a:effectRef>
+          <a:fontRef idx="minor">
+            <a:schemeClr val="lt1"/>
+          </a:fontRef>
+        </p:style>
+        <p:txBody>
+          <a:bodyPr rtlCol="0" anchor="ctr"/>
+          <a:lstStyle/>
+          <a:p>
+            <a:pPr algn="ctr"/>
+            <a:endParaRPr kumimoji="1" lang="ja-JP" altLang="en-US"/>
+          </a:p>
+        </p:txBody>
+      </p:sp>
+      <p:sp>
+        <p:nvSpPr>
+          <p:cNvPr id="28" name="四角形: 角を丸くする 27">
+            <a:extLst>
+              <a:ext uri="{FF2B5EF4-FFF2-40B4-BE49-F238E27FC236}">
+                <a16:creationId xmlns:a16="http://schemas.microsoft.com/office/drawing/2014/main" id="{328AA31D-E358-65B6-49D3-3830FC0AF289}"/>
+              </a:ext>
+            </a:extLst>
+          </p:cNvPr>
+          <p:cNvSpPr/>
+          <p:nvPr/>
+        </p:nvSpPr>
+        <p:spPr>
+          <a:xfrm>
+            <a:off x="3884937" y="3345732"/>
+            <a:ext cx="1057023" cy="513124"/>
+          </a:xfrm>
+          <a:prstGeom prst="roundRect">
+            <a:avLst/>
+          </a:prstGeom>
+          <a:noFill/>
+          <a:ln w="38100">
+            <a:solidFill>
+              <a:srgbClr val="FF0000"/>
+            </a:solidFill>
+          </a:ln>
+        </p:spPr>
+        <p:style>
+          <a:lnRef idx="2">
+            <a:schemeClr val="accent1">
+              <a:shade val="50000"/>
+            </a:schemeClr>
+          </a:lnRef>
+          <a:fillRef idx="1">
+            <a:schemeClr val="accent1"/>
+          </a:fillRef>
+          <a:effectRef idx="0">
+            <a:schemeClr val="accent1"/>
+          </a:effectRef>
+          <a:fontRef idx="minor">
+            <a:schemeClr val="lt1"/>
+          </a:fontRef>
+        </p:style>
+        <p:txBody>
+          <a:bodyPr rtlCol="0" anchor="ctr"/>
+          <a:lstStyle/>
+          <a:p>
+            <a:pPr algn="ctr"/>
+            <a:endParaRPr kumimoji="1" lang="ja-JP" altLang="en-US"/>
+          </a:p>
+        </p:txBody>
+      </p:sp>
+      <p:sp>
+        <p:nvSpPr>
+          <p:cNvPr id="32" name="フローチャート: 結合子 31">
+            <a:extLst>
+              <a:ext uri="{FF2B5EF4-FFF2-40B4-BE49-F238E27FC236}">
+                <a16:creationId xmlns:a16="http://schemas.microsoft.com/office/drawing/2014/main" id="{F0DE0115-6AB0-C6DD-C440-B716F9E3DE73}"/>
+              </a:ext>
+            </a:extLst>
+          </p:cNvPr>
+          <p:cNvSpPr/>
+          <p:nvPr/>
+        </p:nvSpPr>
+        <p:spPr>
+          <a:xfrm>
+            <a:off x="5663402" y="920615"/>
+            <a:ext cx="570770" cy="570770"/>
+          </a:xfrm>
+          <a:prstGeom prst="flowChartConnector">
+            <a:avLst/>
+          </a:prstGeom>
+          <a:solidFill>
+            <a:schemeClr val="accent2"/>
+          </a:solidFill>
+          <a:ln>
+            <a:solidFill>
+              <a:schemeClr val="bg1"/>
+            </a:solidFill>
+          </a:ln>
+        </p:spPr>
+        <p:style>
+          <a:lnRef idx="2">
+            <a:schemeClr val="accent1">
+              <a:shade val="50000"/>
+            </a:schemeClr>
+          </a:lnRef>
+          <a:fillRef idx="1">
+            <a:schemeClr val="accent1"/>
+          </a:fillRef>
+          <a:effectRef idx="0">
+            <a:schemeClr val="accent1"/>
+          </a:effectRef>
+          <a:fontRef idx="minor">
+            <a:schemeClr val="lt1"/>
+          </a:fontRef>
+        </p:style>
+        <p:txBody>
+          <a:bodyPr rtlCol="0" anchor="ctr"/>
+          <a:lstStyle/>
+          <a:p>
+            <a:pPr algn="ctr"/>
+            <a:r>
+              <a:rPr kumimoji="1" lang="ja-JP" altLang="en-US" dirty="0">
+                <a:latin typeface="HGｺﾞｼｯｸE" panose="020B0909000000000000" pitchFamily="49" charset="-128"/>
+                <a:ea typeface="HGｺﾞｼｯｸE" panose="020B0909000000000000" pitchFamily="49" charset="-128"/>
+              </a:rPr>
+              <a:t>２</a:t>
+            </a:r>
+          </a:p>
+        </p:txBody>
+      </p:sp>
+      <p:grpSp>
+        <p:nvGrpSpPr>
+          <p:cNvPr id="11" name="グループ化 10">
+            <a:extLst>
+              <a:ext uri="{FF2B5EF4-FFF2-40B4-BE49-F238E27FC236}">
+                <a16:creationId xmlns:a16="http://schemas.microsoft.com/office/drawing/2014/main" id="{143ADB2A-7E19-47C5-9AFE-721F00C327B5}"/>
+              </a:ext>
+            </a:extLst>
+          </p:cNvPr>
+          <p:cNvGrpSpPr/>
+          <p:nvPr/>
+        </p:nvGrpSpPr>
+        <p:grpSpPr>
+          <a:xfrm>
+            <a:off x="6748154" y="2989705"/>
+            <a:ext cx="5034617" cy="968462"/>
+            <a:chOff x="6865255" y="3249727"/>
+            <a:chExt cx="5034617" cy="968462"/>
+          </a:xfrm>
+        </p:grpSpPr>
+        <p:sp>
+          <p:nvSpPr>
+            <p:cNvPr id="17" name="吹き出し: 角を丸めた四角形 16">
+              <a:extLst>
+                <a:ext uri="{FF2B5EF4-FFF2-40B4-BE49-F238E27FC236}">
+                  <a16:creationId xmlns:a16="http://schemas.microsoft.com/office/drawing/2014/main" id="{3A3D246F-7DF9-6375-CF41-DA3D1E824591}"/>
+                </a:ext>
+              </a:extLst>
+            </p:cNvPr>
+            <p:cNvSpPr/>
+            <p:nvPr/>
+          </p:nvSpPr>
+          <p:spPr>
+            <a:xfrm>
+              <a:off x="7150640" y="3575029"/>
+              <a:ext cx="4749232" cy="643160"/>
+            </a:xfrm>
+            <a:prstGeom prst="wedgeRoundRectCallout">
+              <a:avLst>
+                <a:gd name="adj1" fmla="val -12941"/>
+                <a:gd name="adj2" fmla="val 129922"/>
+                <a:gd name="adj3" fmla="val 16667"/>
+              </a:avLst>
+            </a:prstGeom>
+            <a:solidFill>
+              <a:schemeClr val="bg1"/>
+            </a:solidFill>
+            <a:ln>
+              <a:solidFill>
+                <a:srgbClr val="FFA333"/>
+              </a:solidFill>
+            </a:ln>
+          </p:spPr>
+          <p:style>
+            <a:lnRef idx="2">
+              <a:schemeClr val="accent1">
+                <a:shade val="50000"/>
+              </a:schemeClr>
+            </a:lnRef>
+            <a:fillRef idx="1">
+              <a:schemeClr val="accent1"/>
+            </a:fillRef>
+            <a:effectRef idx="0">
+              <a:schemeClr val="accent1"/>
+            </a:effectRef>
+            <a:fontRef idx="minor">
+              <a:schemeClr val="lt1"/>
+            </a:fontRef>
+          </p:style>
+          <p:txBody>
+            <a:bodyPr rtlCol="0" anchor="ctr"/>
+            <a:lstStyle/>
+            <a:p>
+              <a:pPr algn="ctr"/>
+              <a:r>
+                <a:rPr kumimoji="1" lang="ja-JP" altLang="en-US" sz="2400" dirty="0">
+                  <a:solidFill>
+                    <a:schemeClr val="tx1"/>
+                  </a:solidFill>
+                  <a:latin typeface="HGｺﾞｼｯｸM" panose="020B0609000000000000" pitchFamily="49" charset="-128"/>
+                  <a:ea typeface="HGｺﾞｼｯｸM" panose="020B0609000000000000" pitchFamily="49" charset="-128"/>
+                </a:rPr>
+                <a:t>キャラの見た目や動きが変わる</a:t>
+              </a:r>
+            </a:p>
+          </p:txBody>
+        </p:sp>
+        <p:sp>
+          <p:nvSpPr>
+            <p:cNvPr id="35" name="フローチャート: 結合子 34">
+              <a:extLst>
+                <a:ext uri="{FF2B5EF4-FFF2-40B4-BE49-F238E27FC236}">
+                  <a16:creationId xmlns:a16="http://schemas.microsoft.com/office/drawing/2014/main" id="{BBBC9E22-238C-16A3-F8D3-7266111E8612}"/>
+                </a:ext>
+              </a:extLst>
+            </p:cNvPr>
+            <p:cNvSpPr/>
+            <p:nvPr/>
+          </p:nvSpPr>
+          <p:spPr>
+            <a:xfrm>
+              <a:off x="6865255" y="3249727"/>
+              <a:ext cx="570770" cy="570770"/>
+            </a:xfrm>
+            <a:prstGeom prst="flowChartConnector">
+              <a:avLst/>
+            </a:prstGeom>
+            <a:solidFill>
+              <a:schemeClr val="accent2"/>
+            </a:solidFill>
+            <a:ln>
+              <a:solidFill>
+                <a:schemeClr val="bg1"/>
+              </a:solidFill>
+            </a:ln>
+          </p:spPr>
+          <p:style>
+            <a:lnRef idx="2">
+              <a:schemeClr val="accent1">
+                <a:shade val="50000"/>
+              </a:schemeClr>
+            </a:lnRef>
+            <a:fillRef idx="1">
+              <a:schemeClr val="accent1"/>
+            </a:fillRef>
+            <a:effectRef idx="0">
+              <a:schemeClr val="accent1"/>
+            </a:effectRef>
+            <a:fontRef idx="minor">
+              <a:schemeClr val="lt1"/>
+            </a:fontRef>
+          </p:style>
+          <p:txBody>
+            <a:bodyPr rtlCol="0" anchor="ctr"/>
+            <a:lstStyle/>
+            <a:p>
+              <a:pPr algn="ctr"/>
+              <a:r>
+                <a:rPr lang="ja-JP" altLang="en-US" dirty="0">
+                  <a:latin typeface="HGｺﾞｼｯｸE" panose="020B0909000000000000" pitchFamily="49" charset="-128"/>
+                  <a:ea typeface="HGｺﾞｼｯｸE" panose="020B0909000000000000" pitchFamily="49" charset="-128"/>
+                </a:rPr>
+                <a:t>３</a:t>
+              </a:r>
+              <a:endParaRPr kumimoji="1" lang="ja-JP" altLang="en-US" dirty="0">
+                <a:latin typeface="HGｺﾞｼｯｸE" panose="020B0909000000000000" pitchFamily="49" charset="-128"/>
+                <a:ea typeface="HGｺﾞｼｯｸE" panose="020B0909000000000000" pitchFamily="49" charset="-128"/>
+              </a:endParaRPr>
+            </a:p>
+          </p:txBody>
+        </p:sp>
+      </p:grpSp>
+      <p:grpSp>
+        <p:nvGrpSpPr>
+          <p:cNvPr id="29" name="グループ化 28">
+            <a:extLst>
+              <a:ext uri="{FF2B5EF4-FFF2-40B4-BE49-F238E27FC236}">
+                <a16:creationId xmlns:a16="http://schemas.microsoft.com/office/drawing/2014/main" id="{988D4903-7F37-D50C-7400-304C8B4EFD8F}"/>
+              </a:ext>
+            </a:extLst>
+          </p:cNvPr>
+          <p:cNvGrpSpPr/>
+          <p:nvPr/>
+        </p:nvGrpSpPr>
+        <p:grpSpPr>
+          <a:xfrm>
+            <a:off x="276805" y="3803967"/>
+            <a:ext cx="1654563" cy="929514"/>
+            <a:chOff x="251218" y="3867391"/>
+            <a:chExt cx="1654563" cy="929514"/>
+          </a:xfrm>
+        </p:grpSpPr>
+        <p:sp>
+          <p:nvSpPr>
+            <p:cNvPr id="39" name="矢印: 五方向 38">
+              <a:extLst>
+                <a:ext uri="{FF2B5EF4-FFF2-40B4-BE49-F238E27FC236}">
+                  <a16:creationId xmlns:a16="http://schemas.microsoft.com/office/drawing/2014/main" id="{7F733511-9969-4C97-9D52-1FD4D6F4A7C8}"/>
+                </a:ext>
+              </a:extLst>
+            </p:cNvPr>
+            <p:cNvSpPr/>
+            <p:nvPr/>
+          </p:nvSpPr>
+          <p:spPr>
+            <a:xfrm rot="16200000">
+              <a:off x="613743" y="3504866"/>
+              <a:ext cx="929514" cy="1654563"/>
+            </a:xfrm>
+            <a:prstGeom prst="homePlate">
+              <a:avLst/>
+            </a:prstGeom>
+            <a:solidFill>
+              <a:schemeClr val="accent4">
+                <a:lumMod val="40000"/>
+                <a:lumOff val="60000"/>
+              </a:schemeClr>
+            </a:solidFill>
+            <a:ln>
+              <a:solidFill>
+                <a:schemeClr val="bg1"/>
+              </a:solidFill>
+            </a:ln>
+          </p:spPr>
+          <p:style>
+            <a:lnRef idx="2">
+              <a:schemeClr val="accent1">
+                <a:shade val="50000"/>
+              </a:schemeClr>
+            </a:lnRef>
+            <a:fillRef idx="1">
+              <a:schemeClr val="accent1"/>
+            </a:fillRef>
+            <a:effectRef idx="0">
+              <a:schemeClr val="accent1"/>
+            </a:effectRef>
+            <a:fontRef idx="minor">
+              <a:schemeClr val="lt1"/>
+            </a:fontRef>
+          </p:style>
+          <p:txBody>
+            <a:bodyPr rtlCol="0" anchor="ctr"/>
+            <a:lstStyle/>
+            <a:p>
+              <a:pPr algn="ctr"/>
+              <a:endParaRPr kumimoji="1" lang="ja-JP" altLang="en-US" sz="2400" dirty="0">
+                <a:solidFill>
+                  <a:schemeClr val="accent2">
+                    <a:lumMod val="75000"/>
+                  </a:schemeClr>
+                </a:solidFill>
+              </a:endParaRPr>
+            </a:p>
+          </p:txBody>
+        </p:sp>
+        <p:sp>
+          <p:nvSpPr>
+            <p:cNvPr id="40" name="テキスト ボックス 39">
+              <a:extLst>
+                <a:ext uri="{FF2B5EF4-FFF2-40B4-BE49-F238E27FC236}">
+                  <a16:creationId xmlns:a16="http://schemas.microsoft.com/office/drawing/2014/main" id="{255954E2-16A0-1397-E21F-FD410CA199CE}"/>
+                </a:ext>
+              </a:extLst>
+            </p:cNvPr>
+            <p:cNvSpPr txBox="1"/>
+            <p:nvPr/>
+          </p:nvSpPr>
+          <p:spPr>
+            <a:xfrm>
+              <a:off x="432321" y="4291355"/>
+              <a:ext cx="1292358" cy="461665"/>
+            </a:xfrm>
+            <a:prstGeom prst="rect">
+              <a:avLst/>
+            </a:prstGeom>
+            <a:noFill/>
+          </p:spPr>
+          <p:txBody>
+            <a:bodyPr wrap="square" rtlCol="0">
+              <a:spAutoFit/>
+            </a:bodyPr>
+            <a:lstStyle/>
+            <a:p>
+              <a:pPr algn="ctr"/>
+              <a:r>
+                <a:rPr lang="ja-JP" altLang="en-US" sz="2400" dirty="0">
+                  <a:solidFill>
+                    <a:schemeClr val="accent2">
+                      <a:lumMod val="75000"/>
+                    </a:schemeClr>
+                  </a:solidFill>
+                </a:rPr>
+                <a:t>レベル</a:t>
+              </a:r>
+              <a:endParaRPr lang="en-US" altLang="ja-JP" sz="2400" dirty="0">
+                <a:solidFill>
+                  <a:schemeClr val="accent2">
+                    <a:lumMod val="75000"/>
+                  </a:schemeClr>
+                </a:solidFill>
+              </a:endParaRPr>
+            </a:p>
+          </p:txBody>
+        </p:sp>
+      </p:grpSp>
+      <p:sp>
+        <p:nvSpPr>
+          <p:cNvPr id="25" name="吹き出し: 角を丸めた四角形 24">
+            <a:extLst>
+              <a:ext uri="{FF2B5EF4-FFF2-40B4-BE49-F238E27FC236}">
+                <a16:creationId xmlns:a16="http://schemas.microsoft.com/office/drawing/2014/main" id="{2109AAB7-D08F-113D-89FB-A5FCCE31B9B9}"/>
+              </a:ext>
+            </a:extLst>
+          </p:cNvPr>
+          <p:cNvSpPr/>
+          <p:nvPr/>
+        </p:nvSpPr>
+        <p:spPr>
+          <a:xfrm>
+            <a:off x="369935" y="1916687"/>
+            <a:ext cx="5527083" cy="643160"/>
+          </a:xfrm>
+          <a:prstGeom prst="wedgeRoundRectCallout">
+            <a:avLst>
+              <a:gd name="adj1" fmla="val -32012"/>
+              <a:gd name="adj2" fmla="val 183574"/>
+              <a:gd name="adj3" fmla="val 16667"/>
+            </a:avLst>
+          </a:prstGeom>
+          <a:solidFill>
+            <a:schemeClr val="bg1"/>
+          </a:solidFill>
+          <a:ln>
+            <a:solidFill>
+              <a:srgbClr val="FFA333"/>
+            </a:solidFill>
+          </a:ln>
+        </p:spPr>
+        <p:style>
+          <a:lnRef idx="2">
+            <a:schemeClr val="accent1">
+              <a:shade val="50000"/>
+            </a:schemeClr>
+          </a:lnRef>
+          <a:fillRef idx="1">
+            <a:schemeClr val="accent1"/>
+          </a:fillRef>
+          <a:effectRef idx="0">
+            <a:schemeClr val="accent1"/>
+          </a:effectRef>
+          <a:fontRef idx="minor">
+            <a:schemeClr val="lt1"/>
+          </a:fontRef>
+        </p:style>
+        <p:txBody>
+          <a:bodyPr rtlCol="0" anchor="ctr"/>
+          <a:lstStyle/>
+          <a:p>
+            <a:r>
+              <a:rPr kumimoji="1" lang="ja-JP" altLang="en-US" sz="2400" dirty="0">
+                <a:solidFill>
+                  <a:schemeClr val="tx1"/>
+                </a:solidFill>
+                <a:latin typeface="HGｺﾞｼｯｸM" panose="020B0609000000000000" pitchFamily="49" charset="-128"/>
+                <a:ea typeface="HGｺﾞｼｯｸM" panose="020B0609000000000000" pitchFamily="49" charset="-128"/>
+              </a:rPr>
+              <a:t>貯めた経験値に応じてレベルが上がる</a:t>
+            </a:r>
+            <a:endParaRPr kumimoji="1" lang="en-US" altLang="ja-JP" sz="2400" dirty="0">
+              <a:solidFill>
+                <a:schemeClr val="tx1"/>
+              </a:solidFill>
+              <a:latin typeface="HGｺﾞｼｯｸM" panose="020B0609000000000000" pitchFamily="49" charset="-128"/>
+              <a:ea typeface="HGｺﾞｼｯｸM" panose="020B0609000000000000" pitchFamily="49" charset="-128"/>
+            </a:endParaRPr>
+          </a:p>
+        </p:txBody>
+      </p:sp>
+      <p:sp>
+        <p:nvSpPr>
+          <p:cNvPr id="14" name="フローチャート: 結合子 13">
+            <a:extLst>
+              <a:ext uri="{FF2B5EF4-FFF2-40B4-BE49-F238E27FC236}">
+                <a16:creationId xmlns:a16="http://schemas.microsoft.com/office/drawing/2014/main" id="{376C327D-91FF-7AA5-807A-E6E7F1ADBC05}"/>
+              </a:ext>
+            </a:extLst>
+          </p:cNvPr>
+          <p:cNvSpPr/>
+          <p:nvPr/>
+        </p:nvSpPr>
+        <p:spPr>
+          <a:xfrm>
+            <a:off x="68880" y="1553750"/>
+            <a:ext cx="570770" cy="570770"/>
+          </a:xfrm>
+          <a:prstGeom prst="flowChartConnector">
+            <a:avLst/>
+          </a:prstGeom>
+          <a:solidFill>
+            <a:schemeClr val="accent2"/>
+          </a:solidFill>
+          <a:ln>
+            <a:solidFill>
+              <a:schemeClr val="bg1"/>
+            </a:solidFill>
+          </a:ln>
+        </p:spPr>
+        <p:style>
+          <a:lnRef idx="2">
+            <a:schemeClr val="accent1">
+              <a:shade val="50000"/>
+            </a:schemeClr>
+          </a:lnRef>
+          <a:fillRef idx="1">
+            <a:schemeClr val="accent1"/>
+          </a:fillRef>
+          <a:effectRef idx="0">
+            <a:schemeClr val="accent1"/>
+          </a:effectRef>
+          <a:fontRef idx="minor">
+            <a:schemeClr val="lt1"/>
+          </a:fontRef>
+        </p:style>
+        <p:txBody>
+          <a:bodyPr rtlCol="0" anchor="ctr"/>
+          <a:lstStyle/>
+          <a:p>
+            <a:pPr algn="ctr"/>
+            <a:r>
+              <a:rPr kumimoji="1" lang="ja-JP" altLang="en-US" dirty="0">
+                <a:latin typeface="HGｺﾞｼｯｸE" panose="020B0909000000000000" pitchFamily="49" charset="-128"/>
+                <a:ea typeface="HGｺﾞｼｯｸE" panose="020B0909000000000000" pitchFamily="49" charset="-128"/>
+              </a:rPr>
+              <a:t>１</a:t>
+            </a:r>
+          </a:p>
+        </p:txBody>
+      </p:sp>
+      <p:sp>
+        <p:nvSpPr>
+          <p:cNvPr id="13" name="矢印: 環状 12">
+            <a:extLst>
+              <a:ext uri="{FF2B5EF4-FFF2-40B4-BE49-F238E27FC236}">
+                <a16:creationId xmlns:a16="http://schemas.microsoft.com/office/drawing/2014/main" id="{B79FFEA5-5BD7-6989-7814-9E4CA588634E}"/>
+              </a:ext>
+            </a:extLst>
+          </p:cNvPr>
+          <p:cNvSpPr/>
+          <p:nvPr/>
+        </p:nvSpPr>
+        <p:spPr>
+          <a:xfrm flipH="1" flipV="1">
+            <a:off x="1272663" y="2616957"/>
+            <a:ext cx="3195288" cy="2374017"/>
+          </a:xfrm>
+          <a:prstGeom prst="circularArrow">
+            <a:avLst/>
+          </a:prstGeom>
+          <a:solidFill>
+            <a:srgbClr val="FF0000"/>
+          </a:solidFill>
+          <a:ln>
+            <a:solidFill>
+              <a:schemeClr val="bg1">
+                <a:lumMod val="95000"/>
+              </a:schemeClr>
+            </a:solidFill>
+          </a:ln>
+        </p:spPr>
+        <p:style>
+          <a:lnRef idx="2">
+            <a:schemeClr val="accent1">
+              <a:shade val="50000"/>
+            </a:schemeClr>
+          </a:lnRef>
+          <a:fillRef idx="1">
+            <a:schemeClr val="accent1"/>
+          </a:fillRef>
+          <a:effectRef idx="0">
+            <a:schemeClr val="accent1"/>
+          </a:effectRef>
+          <a:fontRef idx="minor">
+            <a:schemeClr val="lt1"/>
+          </a:fontRef>
+        </p:style>
+        <p:txBody>
+          <a:bodyPr rtlCol="0" anchor="ctr"/>
+          <a:lstStyle/>
+          <a:p>
+            <a:pPr algn="ctr"/>
+            <a:endParaRPr kumimoji="1" lang="ja-JP" altLang="en-US">
+              <a:solidFill>
+                <a:schemeClr val="tx1"/>
+              </a:solidFill>
+            </a:endParaRPr>
+          </a:p>
+        </p:txBody>
+      </p:sp>
+    </p:spTree>
+    <p:extLst>
+      <p:ext uri="{BB962C8B-B14F-4D97-AF65-F5344CB8AC3E}">
+        <p14:creationId xmlns:p14="http://schemas.microsoft.com/office/powerpoint/2010/main" val="2630536857"/>
+      </p:ext>
+    </p:extLst>
+  </p:cSld>
+  <p:clrMapOvr>
+    <a:masterClrMapping/>
+  </p:clrMapOvr>
+</p:sld>
+</file>
+
+<file path=ppt/slides/slide11.xml><?xml version="1.0" encoding="utf-8"?>
+<p:sld xmlns:a="http://schemas.openxmlformats.org/drawingml/2006/main" xmlns:r="http://schemas.openxmlformats.org/officeDocument/2006/relationships" xmlns:p="http://schemas.openxmlformats.org/presentationml/2006/main">
+  <p:cSld>
+    <p:spTree>
+      <p:nvGrpSpPr>
+        <p:cNvPr id="1" name=""/>
+        <p:cNvGrpSpPr/>
+        <p:nvPr/>
+      </p:nvGrpSpPr>
+      <p:grpSpPr>
+        <a:xfrm>
+          <a:off x="0" y="0"/>
+          <a:ext cx="0" cy="0"/>
+          <a:chOff x="0" y="0"/>
+          <a:chExt cx="0" cy="0"/>
+        </a:xfrm>
+      </p:grpSpPr>
       <p:pic>
         <p:nvPicPr>
           <p:cNvPr id="5" name="図 4">
@@ -5841,7 +7105,7 @@
 </p:sld>
 </file>
 
-<file path=ppt/slides/slide11.xml><?xml version="1.0" encoding="utf-8"?>
+<file path=ppt/slides/slide12.xml><?xml version="1.0" encoding="utf-8"?>
 <p:sld xmlns:a="http://schemas.openxmlformats.org/drawingml/2006/main" xmlns:r="http://schemas.openxmlformats.org/officeDocument/2006/relationships" xmlns:p="http://schemas.openxmlformats.org/presentationml/2006/main">
   <p:cSld>
     <p:spTree>
@@ -6188,7 +7452,7 @@
         </p:nvSpPr>
         <p:spPr>
           <a:xfrm>
-            <a:off x="4251909" y="5032030"/>
+            <a:off x="4133129" y="3843152"/>
             <a:ext cx="5396295" cy="1177468"/>
           </a:xfrm>
           <a:prstGeom prst="rightArrow">
@@ -6251,13 +7515,13 @@
         </p:nvSpPr>
         <p:spPr>
           <a:xfrm>
-            <a:off x="4920222" y="4264265"/>
+            <a:off x="4773535" y="3243116"/>
             <a:ext cx="3606103" cy="643160"/>
           </a:xfrm>
           <a:prstGeom prst="wedgeRoundRectCallout">
             <a:avLst>
-              <a:gd name="adj1" fmla="val -9159"/>
-              <a:gd name="adj2" fmla="val 142091"/>
+              <a:gd name="adj1" fmla="val -12289"/>
+              <a:gd name="adj2" fmla="val 103476"/>
               <a:gd name="adj3" fmla="val 16667"/>
             </a:avLst>
           </a:prstGeom>
@@ -6612,6 +7876,213 @@
           </a:p>
         </p:txBody>
       </p:sp>
+      <p:sp>
+        <p:nvSpPr>
+          <p:cNvPr id="3" name="テキスト ボックス 2">
+            <a:extLst>
+              <a:ext uri="{FF2B5EF4-FFF2-40B4-BE49-F238E27FC236}">
+                <a16:creationId xmlns:a16="http://schemas.microsoft.com/office/drawing/2014/main" id="{DB3F801E-AF08-6D29-673E-4593A9835B5B}"/>
+              </a:ext>
+            </a:extLst>
+          </p:cNvPr>
+          <p:cNvSpPr txBox="1"/>
+          <p:nvPr/>
+        </p:nvSpPr>
+        <p:spPr>
+          <a:xfrm>
+            <a:off x="4903617" y="5496109"/>
+            <a:ext cx="3476021" cy="1323439"/>
+          </a:xfrm>
+          <a:prstGeom prst="rect">
+            <a:avLst/>
+          </a:prstGeom>
+          <a:noFill/>
+        </p:spPr>
+        <p:txBody>
+          <a:bodyPr wrap="square" rtlCol="0">
+            <a:spAutoFit/>
+          </a:bodyPr>
+          <a:lstStyle/>
+          <a:p>
+            <a:pPr marL="285750" indent="-285750">
+              <a:buClr>
+                <a:schemeClr val="accent2">
+                  <a:lumMod val="75000"/>
+                </a:schemeClr>
+              </a:buClr>
+              <a:buFont typeface="Arial" panose="020B0604020202020204" pitchFamily="34" charset="0"/>
+              <a:buChar char="•"/>
+            </a:pPr>
+            <a:r>
+              <a:rPr kumimoji="1" lang="ja-JP" altLang="en-US" sz="2000" dirty="0">
+                <a:latin typeface="HGｺﾞｼｯｸM" panose="020B0609000000000000" pitchFamily="49" charset="-128"/>
+                <a:ea typeface="HGｺﾞｼｯｸM" panose="020B0609000000000000" pitchFamily="49" charset="-128"/>
+              </a:rPr>
+              <a:t>笑顔で挨拶する</a:t>
+            </a:r>
+            <a:endParaRPr kumimoji="1" lang="en-US" altLang="ja-JP" sz="2000" dirty="0">
+              <a:latin typeface="HGｺﾞｼｯｸM" panose="020B0609000000000000" pitchFamily="49" charset="-128"/>
+              <a:ea typeface="HGｺﾞｼｯｸM" panose="020B0609000000000000" pitchFamily="49" charset="-128"/>
+            </a:endParaRPr>
+          </a:p>
+          <a:p>
+            <a:pPr marL="285750" indent="-285750">
+              <a:buClr>
+                <a:schemeClr val="accent2">
+                  <a:lumMod val="75000"/>
+                </a:schemeClr>
+              </a:buClr>
+              <a:buFont typeface="Arial" panose="020B0604020202020204" pitchFamily="34" charset="0"/>
+              <a:buChar char="•"/>
+            </a:pPr>
+            <a:r>
+              <a:rPr lang="en-US" altLang="ja-JP" sz="2000" dirty="0">
+                <a:latin typeface="HGｺﾞｼｯｸM" panose="020B0609000000000000" pitchFamily="49" charset="-128"/>
+                <a:ea typeface="HGｺﾞｼｯｸM" panose="020B0609000000000000" pitchFamily="49" charset="-128"/>
+              </a:rPr>
+              <a:t>1</a:t>
+            </a:r>
+            <a:r>
+              <a:rPr lang="ja-JP" altLang="en-US" sz="2000" dirty="0">
+                <a:latin typeface="HGｺﾞｼｯｸM" panose="020B0609000000000000" pitchFamily="49" charset="-128"/>
+                <a:ea typeface="HGｺﾞｼｯｸM" panose="020B0609000000000000" pitchFamily="49" charset="-128"/>
+              </a:rPr>
+              <a:t>時間に</a:t>
+            </a:r>
+            <a:r>
+              <a:rPr lang="en-US" altLang="ja-JP" sz="2000" dirty="0">
+                <a:latin typeface="HGｺﾞｼｯｸM" panose="020B0609000000000000" pitchFamily="49" charset="-128"/>
+                <a:ea typeface="HGｺﾞｼｯｸM" panose="020B0609000000000000" pitchFamily="49" charset="-128"/>
+              </a:rPr>
+              <a:t>1</a:t>
+            </a:r>
+            <a:r>
+              <a:rPr lang="ja-JP" altLang="en-US" sz="2000" dirty="0">
+                <a:latin typeface="HGｺﾞｼｯｸM" panose="020B0609000000000000" pitchFamily="49" charset="-128"/>
+                <a:ea typeface="HGｺﾞｼｯｸM" panose="020B0609000000000000" pitchFamily="49" charset="-128"/>
+              </a:rPr>
+              <a:t>回休憩を取る</a:t>
+            </a:r>
+            <a:endParaRPr kumimoji="1" lang="en-US" altLang="ja-JP" sz="2000" dirty="0">
+              <a:latin typeface="HGｺﾞｼｯｸM" panose="020B0609000000000000" pitchFamily="49" charset="-128"/>
+              <a:ea typeface="HGｺﾞｼｯｸM" panose="020B0609000000000000" pitchFamily="49" charset="-128"/>
+            </a:endParaRPr>
+          </a:p>
+          <a:p>
+            <a:pPr marL="285750" indent="-285750">
+              <a:buClr>
+                <a:schemeClr val="accent2">
+                  <a:lumMod val="75000"/>
+                </a:schemeClr>
+              </a:buClr>
+              <a:buFont typeface="Arial" panose="020B0604020202020204" pitchFamily="34" charset="0"/>
+              <a:buChar char="•"/>
+            </a:pPr>
+            <a:r>
+              <a:rPr kumimoji="1" lang="ja-JP" altLang="en-US" sz="2000" dirty="0">
+                <a:latin typeface="HGｺﾞｼｯｸM" panose="020B0609000000000000" pitchFamily="49" charset="-128"/>
+                <a:ea typeface="HGｺﾞｼｯｸM" panose="020B0609000000000000" pitchFamily="49" charset="-128"/>
+              </a:rPr>
+              <a:t>メールの返信をする</a:t>
+            </a:r>
+            <a:endParaRPr kumimoji="1" lang="en-US" altLang="ja-JP" sz="2000" dirty="0">
+              <a:latin typeface="HGｺﾞｼｯｸM" panose="020B0609000000000000" pitchFamily="49" charset="-128"/>
+              <a:ea typeface="HGｺﾞｼｯｸM" panose="020B0609000000000000" pitchFamily="49" charset="-128"/>
+            </a:endParaRPr>
+          </a:p>
+          <a:p>
+            <a:pPr>
+              <a:buClr>
+                <a:schemeClr val="accent2">
+                  <a:lumMod val="75000"/>
+                </a:schemeClr>
+              </a:buClr>
+            </a:pPr>
+            <a:r>
+              <a:rPr lang="en-US" altLang="ja-JP" sz="2000" dirty="0">
+                <a:latin typeface="HGｺﾞｼｯｸM" panose="020B0609000000000000" pitchFamily="49" charset="-128"/>
+                <a:ea typeface="HGｺﾞｼｯｸM" panose="020B0609000000000000" pitchFamily="49" charset="-128"/>
+              </a:rPr>
+              <a:t>			</a:t>
+            </a:r>
+            <a:r>
+              <a:rPr lang="ja-JP" altLang="en-US" sz="2000" dirty="0">
+                <a:latin typeface="HGｺﾞｼｯｸM" panose="020B0609000000000000" pitchFamily="49" charset="-128"/>
+                <a:ea typeface="HGｺﾞｼｯｸM" panose="020B0609000000000000" pitchFamily="49" charset="-128"/>
+              </a:rPr>
+              <a:t>など</a:t>
+            </a:r>
+            <a:endParaRPr kumimoji="1" lang="en-US" altLang="ja-JP" sz="2000" dirty="0">
+              <a:latin typeface="HGｺﾞｼｯｸM" panose="020B0609000000000000" pitchFamily="49" charset="-128"/>
+              <a:ea typeface="HGｺﾞｼｯｸM" panose="020B0609000000000000" pitchFamily="49" charset="-128"/>
+            </a:endParaRPr>
+          </a:p>
+        </p:txBody>
+      </p:sp>
+      <p:sp>
+        <p:nvSpPr>
+          <p:cNvPr id="16" name="吹き出し: 角を丸めた四角形 15">
+            <a:extLst>
+              <a:ext uri="{FF2B5EF4-FFF2-40B4-BE49-F238E27FC236}">
+                <a16:creationId xmlns:a16="http://schemas.microsoft.com/office/drawing/2014/main" id="{9DA423B5-735E-D0BC-F9B8-DA77A131DDB9}"/>
+              </a:ext>
+            </a:extLst>
+          </p:cNvPr>
+          <p:cNvSpPr/>
+          <p:nvPr/>
+        </p:nvSpPr>
+        <p:spPr>
+          <a:xfrm>
+            <a:off x="4547080" y="4995945"/>
+            <a:ext cx="2379446" cy="500164"/>
+          </a:xfrm>
+          <a:prstGeom prst="wedgeRoundRectCallout">
+            <a:avLst>
+              <a:gd name="adj1" fmla="val -15106"/>
+              <a:gd name="adj2" fmla="val 50819"/>
+              <a:gd name="adj3" fmla="val 16667"/>
+            </a:avLst>
+          </a:prstGeom>
+          <a:solidFill>
+            <a:srgbClr val="FFA333"/>
+          </a:solidFill>
+          <a:ln>
+            <a:noFill/>
+          </a:ln>
+        </p:spPr>
+        <p:style>
+          <a:lnRef idx="2">
+            <a:schemeClr val="accent1">
+              <a:shade val="50000"/>
+            </a:schemeClr>
+          </a:lnRef>
+          <a:fillRef idx="1">
+            <a:schemeClr val="accent1"/>
+          </a:fillRef>
+          <a:effectRef idx="0">
+            <a:schemeClr val="accent1"/>
+          </a:effectRef>
+          <a:fontRef idx="minor">
+            <a:schemeClr val="lt1"/>
+          </a:fontRef>
+        </p:style>
+        <p:txBody>
+          <a:bodyPr rtlCol="0" anchor="ctr"/>
+          <a:lstStyle/>
+          <a:p>
+            <a:r>
+              <a:rPr kumimoji="1" lang="ja-JP" altLang="en-US" sz="2400" dirty="0">
+                <a:solidFill>
+                  <a:schemeClr val="bg1"/>
+                </a:solidFill>
+                <a:latin typeface="HGｺﾞｼｯｸM" panose="020B0609000000000000" pitchFamily="49" charset="-128"/>
+                <a:ea typeface="HGｺﾞｼｯｸM" panose="020B0609000000000000" pitchFamily="49" charset="-128"/>
+              </a:rPr>
+              <a:t>ミッションの例</a:t>
+            </a:r>
+          </a:p>
+        </p:txBody>
+      </p:sp>
     </p:spTree>
     <p:extLst>
       <p:ext uri="{BB962C8B-B14F-4D97-AF65-F5344CB8AC3E}">
@@ -6625,7 +8096,7 @@
 </p:sld>
 </file>
 
-<file path=ppt/slides/slide12.xml><?xml version="1.0" encoding="utf-8"?>
+<file path=ppt/slides/slide13.xml><?xml version="1.0" encoding="utf-8"?>
 <p:sld xmlns:a="http://schemas.openxmlformats.org/drawingml/2006/main" xmlns:r="http://schemas.openxmlformats.org/officeDocument/2006/relationships" xmlns:p="http://schemas.openxmlformats.org/presentationml/2006/main">
   <p:cSld>
     <p:spTree>
@@ -7196,7 +8667,7 @@
 </p:sld>
 </file>
 
-<file path=ppt/slides/slide13.xml><?xml version="1.0" encoding="utf-8"?>
+<file path=ppt/slides/slide14.xml><?xml version="1.0" encoding="utf-8"?>
 <p:sld xmlns:a="http://schemas.openxmlformats.org/drawingml/2006/main" xmlns:r="http://schemas.openxmlformats.org/officeDocument/2006/relationships" xmlns:p="http://schemas.openxmlformats.org/presentationml/2006/main">
   <p:cSld>
     <p:spTree>
@@ -7703,7 +9174,7 @@
 </p:sld>
 </file>
 
-<file path=ppt/slides/slide14.xml><?xml version="1.0" encoding="utf-8"?>
+<file path=ppt/slides/slide15.xml><?xml version="1.0" encoding="utf-8"?>
 <p:sld xmlns:a="http://schemas.openxmlformats.org/drawingml/2006/main" xmlns:r="http://schemas.openxmlformats.org/officeDocument/2006/relationships" xmlns:p="http://schemas.openxmlformats.org/presentationml/2006/main">
   <p:cSld>
     <p:spTree>
@@ -7806,7 +9277,7 @@
 </p:sld>
 </file>
 
-<file path=ppt/slides/slide15.xml><?xml version="1.0" encoding="utf-8"?>
+<file path=ppt/slides/slide16.xml><?xml version="1.0" encoding="utf-8"?>
 <p:sld xmlns:a="http://schemas.openxmlformats.org/drawingml/2006/main" xmlns:r="http://schemas.openxmlformats.org/officeDocument/2006/relationships" xmlns:p="http://schemas.openxmlformats.org/presentationml/2006/main">
   <p:cSld>
     <p:spTree>
@@ -7906,7 +9377,7 @@
 </p:sld>
 </file>
 
-<file path=ppt/slides/slide16.xml><?xml version="1.0" encoding="utf-8"?>
+<file path=ppt/slides/slide17.xml><?xml version="1.0" encoding="utf-8"?>
 <p:sld xmlns:a="http://schemas.openxmlformats.org/drawingml/2006/main" xmlns:r="http://schemas.openxmlformats.org/officeDocument/2006/relationships" xmlns:p="http://schemas.openxmlformats.org/presentationml/2006/main">
   <p:cSld>
     <p:spTree>
@@ -7988,17 +9459,29 @@
               </a:buClr>
             </a:pPr>
             <a:r>
-              <a:rPr lang="ja-JP" altLang="en-US" dirty="0"/>
+              <a:rPr lang="ja-JP" altLang="en-US" dirty="0">
+                <a:latin typeface="HGｺﾞｼｯｸM" panose="020B0609000000000000" pitchFamily="49" charset="-128"/>
+                <a:ea typeface="HGｺﾞｼｯｸM" panose="020B0609000000000000" pitchFamily="49" charset="-128"/>
+              </a:rPr>
               <a:t>途中で機能を変更したことによって、デザインの結合が</a:t>
             </a:r>
             <a:br>
-              <a:rPr lang="en-US" altLang="ja-JP" dirty="0"/>
+              <a:rPr lang="en-US" altLang="ja-JP" dirty="0">
+                <a:latin typeface="HGｺﾞｼｯｸM" panose="020B0609000000000000" pitchFamily="49" charset="-128"/>
+                <a:ea typeface="HGｺﾞｼｯｸM" panose="020B0609000000000000" pitchFamily="49" charset="-128"/>
+              </a:rPr>
             </a:br>
             <a:r>
-              <a:rPr lang="ja-JP" altLang="en-US" dirty="0"/>
+              <a:rPr lang="ja-JP" altLang="en-US" dirty="0">
+                <a:latin typeface="HGｺﾞｼｯｸM" panose="020B0609000000000000" pitchFamily="49" charset="-128"/>
+                <a:ea typeface="HGｺﾞｼｯｸM" panose="020B0609000000000000" pitchFamily="49" charset="-128"/>
+              </a:rPr>
               <a:t>うまくいかなかった</a:t>
             </a:r>
-            <a:endParaRPr lang="en-US" altLang="ja-JP" dirty="0"/>
+            <a:endParaRPr lang="en-US" altLang="ja-JP" dirty="0">
+              <a:latin typeface="HGｺﾞｼｯｸM" panose="020B0609000000000000" pitchFamily="49" charset="-128"/>
+              <a:ea typeface="HGｺﾞｼｯｸM" panose="020B0609000000000000" pitchFamily="49" charset="-128"/>
+            </a:endParaRPr>
           </a:p>
           <a:p>
             <a:pPr marL="0" indent="0">
@@ -8010,10 +9493,16 @@
               <a:buNone/>
             </a:pPr>
             <a:r>
-              <a:rPr lang="ja-JP" altLang="en-US" dirty="0"/>
+              <a:rPr lang="ja-JP" altLang="en-US" dirty="0">
+                <a:latin typeface="HGｺﾞｼｯｸM" panose="020B0609000000000000" pitchFamily="49" charset="-128"/>
+                <a:ea typeface="HGｺﾞｼｯｸM" panose="020B0609000000000000" pitchFamily="49" charset="-128"/>
+              </a:rPr>
               <a:t>→柔軟に対応できるデザインを考える</a:t>
             </a:r>
-            <a:endParaRPr lang="en-US" altLang="ja-JP" dirty="0"/>
+            <a:endParaRPr lang="en-US" altLang="ja-JP" dirty="0">
+              <a:latin typeface="HGｺﾞｼｯｸM" panose="020B0609000000000000" pitchFamily="49" charset="-128"/>
+              <a:ea typeface="HGｺﾞｼｯｸM" panose="020B0609000000000000" pitchFamily="49" charset="-128"/>
+            </a:endParaRPr>
           </a:p>
           <a:p>
             <a:pPr>
@@ -8034,10 +9523,16 @@
               </a:buClr>
             </a:pPr>
             <a:r>
-              <a:rPr lang="ja-JP" altLang="en-US" dirty="0"/>
+              <a:rPr lang="ja-JP" altLang="en-US" dirty="0">
+                <a:latin typeface="HGｺﾞｼｯｸM" panose="020B0609000000000000" pitchFamily="49" charset="-128"/>
+                <a:ea typeface="HGｺﾞｼｯｸM" panose="020B0609000000000000" pitchFamily="49" charset="-128"/>
+              </a:rPr>
               <a:t>最初に決めた担当と別の仕事をすることになった</a:t>
             </a:r>
-            <a:endParaRPr lang="en-US" altLang="ja-JP" dirty="0"/>
+            <a:endParaRPr lang="en-US" altLang="ja-JP" dirty="0">
+              <a:latin typeface="HGｺﾞｼｯｸM" panose="020B0609000000000000" pitchFamily="49" charset="-128"/>
+              <a:ea typeface="HGｺﾞｼｯｸM" panose="020B0609000000000000" pitchFamily="49" charset="-128"/>
+            </a:endParaRPr>
           </a:p>
           <a:p>
             <a:pPr>
@@ -8048,17 +9543,29 @@
               </a:buClr>
             </a:pPr>
             <a:r>
-              <a:rPr lang="ja-JP" altLang="en-US" dirty="0"/>
+              <a:rPr lang="ja-JP" altLang="en-US" dirty="0">
+                <a:latin typeface="HGｺﾞｼｯｸM" panose="020B0609000000000000" pitchFamily="49" charset="-128"/>
+                <a:ea typeface="HGｺﾞｼｯｸM" panose="020B0609000000000000" pitchFamily="49" charset="-128"/>
+              </a:rPr>
               <a:t>進化時のエフェクトなど、細かい機能を付けることが</a:t>
             </a:r>
             <a:br>
-              <a:rPr lang="en-US" altLang="ja-JP" dirty="0"/>
+              <a:rPr lang="en-US" altLang="ja-JP" dirty="0">
+                <a:latin typeface="HGｺﾞｼｯｸM" panose="020B0609000000000000" pitchFamily="49" charset="-128"/>
+                <a:ea typeface="HGｺﾞｼｯｸM" panose="020B0609000000000000" pitchFamily="49" charset="-128"/>
+              </a:rPr>
             </a:br>
             <a:r>
-              <a:rPr lang="ja-JP" altLang="en-US" dirty="0"/>
+              <a:rPr lang="ja-JP" altLang="en-US" dirty="0">
+                <a:latin typeface="HGｺﾞｼｯｸM" panose="020B0609000000000000" pitchFamily="49" charset="-128"/>
+                <a:ea typeface="HGｺﾞｼｯｸM" panose="020B0609000000000000" pitchFamily="49" charset="-128"/>
+              </a:rPr>
               <a:t>できなかった</a:t>
             </a:r>
-            <a:endParaRPr lang="en-US" altLang="ja-JP" dirty="0"/>
+            <a:endParaRPr lang="en-US" altLang="ja-JP" dirty="0">
+              <a:latin typeface="HGｺﾞｼｯｸM" panose="020B0609000000000000" pitchFamily="49" charset="-128"/>
+              <a:ea typeface="HGｺﾞｼｯｸM" panose="020B0609000000000000" pitchFamily="49" charset="-128"/>
+            </a:endParaRPr>
           </a:p>
           <a:p>
             <a:pPr marL="0" indent="0">
@@ -8070,10 +9577,16 @@
               <a:buNone/>
             </a:pPr>
             <a:r>
-              <a:rPr lang="ja-JP" altLang="en-US" dirty="0"/>
+              <a:rPr lang="ja-JP" altLang="en-US" dirty="0">
+                <a:latin typeface="HGｺﾞｼｯｸM" panose="020B0609000000000000" pitchFamily="49" charset="-128"/>
+                <a:ea typeface="HGｺﾞｼｯｸM" panose="020B0609000000000000" pitchFamily="49" charset="-128"/>
+              </a:rPr>
               <a:t>→要件定義書で細かく決める</a:t>
             </a:r>
-            <a:endParaRPr lang="en-US" altLang="ja-JP" dirty="0"/>
+            <a:endParaRPr lang="en-US" altLang="ja-JP" dirty="0">
+              <a:latin typeface="HGｺﾞｼｯｸM" panose="020B0609000000000000" pitchFamily="49" charset="-128"/>
+              <a:ea typeface="HGｺﾞｼｯｸM" panose="020B0609000000000000" pitchFamily="49" charset="-128"/>
+            </a:endParaRPr>
           </a:p>
         </p:txBody>
       </p:sp>
@@ -8194,7 +9707,7 @@
 </p:sld>
 </file>
 
-<file path=ppt/slides/slide17.xml><?xml version="1.0" encoding="utf-8"?>
+<file path=ppt/slides/slide18.xml><?xml version="1.0" encoding="utf-8"?>
 <p:sld xmlns:a="http://schemas.openxmlformats.org/drawingml/2006/main" xmlns:r="http://schemas.openxmlformats.org/officeDocument/2006/relationships" xmlns:p="http://schemas.openxmlformats.org/presentationml/2006/main">
   <p:cSld>
     <p:spTree>
@@ -8297,7 +9810,7 @@
 </p:sld>
 </file>
 
-<file path=ppt/slides/slide18.xml><?xml version="1.0" encoding="utf-8"?>
+<file path=ppt/slides/slide19.xml><?xml version="1.0" encoding="utf-8"?>
 <p:sld xmlns:a="http://schemas.openxmlformats.org/drawingml/2006/main" xmlns:r="http://schemas.openxmlformats.org/officeDocument/2006/relationships" xmlns:p="http://schemas.openxmlformats.org/presentationml/2006/main">
   <p:cSld>
     <p:spTree>
@@ -8404,7 +9917,6 @@
               </a:rPr>
               <a:t>JavaScript</a:t>
             </a:r>
-            <a:endParaRPr lang="en-US" altLang="ja-JP" dirty="0"/>
           </a:p>
           <a:p>
             <a:pPr marL="0" indent="0">
@@ -8699,419 +10211,6 @@
     <p:extLst>
       <p:ext uri="{BB962C8B-B14F-4D97-AF65-F5344CB8AC3E}">
         <p14:creationId xmlns:p14="http://schemas.microsoft.com/office/powerpoint/2010/main" val="3087343357"/>
-      </p:ext>
-    </p:extLst>
-  </p:cSld>
-  <p:clrMapOvr>
-    <a:masterClrMapping/>
-  </p:clrMapOvr>
-</p:sld>
-</file>
-
-<file path=ppt/slides/slide19.xml><?xml version="1.0" encoding="utf-8"?>
-<p:sld xmlns:a="http://schemas.openxmlformats.org/drawingml/2006/main" xmlns:r="http://schemas.openxmlformats.org/officeDocument/2006/relationships" xmlns:p="http://schemas.openxmlformats.org/presentationml/2006/main">
-  <p:cSld>
-    <p:spTree>
-      <p:nvGrpSpPr>
-        <p:cNvPr id="1" name=""/>
-        <p:cNvGrpSpPr/>
-        <p:nvPr/>
-      </p:nvGrpSpPr>
-      <p:grpSpPr>
-        <a:xfrm>
-          <a:off x="0" y="0"/>
-          <a:ext cx="0" cy="0"/>
-          <a:chOff x="0" y="0"/>
-          <a:chExt cx="0" cy="0"/>
-        </a:xfrm>
-      </p:grpSpPr>
-      <p:sp>
-        <p:nvSpPr>
-          <p:cNvPr id="3" name="コンテンツ プレースホルダー 2">
-            <a:extLst>
-              <a:ext uri="{FF2B5EF4-FFF2-40B4-BE49-F238E27FC236}">
-                <a16:creationId xmlns:a16="http://schemas.microsoft.com/office/drawing/2014/main" id="{CC96BA86-5DEC-0C8A-0D37-9901BCB94BED}"/>
-              </a:ext>
-            </a:extLst>
-          </p:cNvPr>
-          <p:cNvSpPr>
-            <a:spLocks noGrp="1"/>
-          </p:cNvSpPr>
-          <p:nvPr>
-            <p:ph idx="1"/>
-          </p:nvPr>
-        </p:nvSpPr>
-        <p:spPr>
-          <a:xfrm>
-            <a:off x="838200" y="1825625"/>
-            <a:ext cx="10515600" cy="4836432"/>
-          </a:xfrm>
-        </p:spPr>
-        <p:txBody>
-          <a:bodyPr/>
-          <a:lstStyle/>
-          <a:p>
-            <a:pPr marL="0" indent="0">
-              <a:buNone/>
-            </a:pPr>
-            <a:r>
-              <a:rPr kumimoji="1" lang="ja-JP" altLang="en-US" dirty="0">
-                <a:latin typeface="HGｺﾞｼｯｸE" panose="020B0909000000000000" pitchFamily="49" charset="-128"/>
-                <a:ea typeface="HGｺﾞｼｯｸE" panose="020B0909000000000000" pitchFamily="49" charset="-128"/>
-              </a:rPr>
-              <a:t>担当</a:t>
-            </a:r>
-            <a:endParaRPr lang="en-US" altLang="ja-JP" dirty="0">
-              <a:latin typeface="HGｺﾞｼｯｸE" panose="020B0909000000000000" pitchFamily="49" charset="-128"/>
-              <a:ea typeface="HGｺﾞｼｯｸE" panose="020B0909000000000000" pitchFamily="49" charset="-128"/>
-            </a:endParaRPr>
-          </a:p>
-          <a:p>
-            <a:pPr>
-              <a:buClr>
-                <a:schemeClr val="accent2">
-                  <a:lumMod val="75000"/>
-                </a:schemeClr>
-              </a:buClr>
-            </a:pPr>
-            <a:r>
-              <a:rPr kumimoji="1" lang="en-US" altLang="ja-JP" dirty="0">
-                <a:latin typeface="HGｺﾞｼｯｸM" panose="020B0609000000000000" pitchFamily="49" charset="-128"/>
-                <a:ea typeface="HGｺﾞｼｯｸM" panose="020B0609000000000000" pitchFamily="49" charset="-128"/>
-              </a:rPr>
-              <a:t>DBA</a:t>
-            </a:r>
-            <a:r>
-              <a:rPr kumimoji="1" lang="ja-JP" altLang="en-US" dirty="0">
-                <a:latin typeface="HGｺﾞｼｯｸM" panose="020B0609000000000000" pitchFamily="49" charset="-128"/>
-                <a:ea typeface="HGｺﾞｼｯｸM" panose="020B0609000000000000" pitchFamily="49" charset="-128"/>
-              </a:rPr>
-              <a:t>担当</a:t>
-            </a:r>
-            <a:endParaRPr kumimoji="1" lang="en-US" altLang="ja-JP" dirty="0">
-              <a:latin typeface="HGｺﾞｼｯｸM" panose="020B0609000000000000" pitchFamily="49" charset="-128"/>
-              <a:ea typeface="HGｺﾞｼｯｸM" panose="020B0609000000000000" pitchFamily="49" charset="-128"/>
-            </a:endParaRPr>
-          </a:p>
-          <a:p>
-            <a:pPr>
-              <a:buClr>
-                <a:schemeClr val="accent2">
-                  <a:lumMod val="75000"/>
-                </a:schemeClr>
-              </a:buClr>
-            </a:pPr>
-            <a:r>
-              <a:rPr lang="en-US" altLang="ja-JP" dirty="0">
-                <a:latin typeface="HGｺﾞｼｯｸM" panose="020B0609000000000000" pitchFamily="49" charset="-128"/>
-                <a:ea typeface="HGｺﾞｼｯｸM" panose="020B0609000000000000" pitchFamily="49" charset="-128"/>
-              </a:rPr>
-              <a:t>DAO</a:t>
-            </a:r>
-            <a:r>
-              <a:rPr lang="ja-JP" altLang="en-US" dirty="0">
-                <a:latin typeface="HGｺﾞｼｯｸM" panose="020B0609000000000000" pitchFamily="49" charset="-128"/>
-                <a:ea typeface="HGｺﾞｼｯｸM" panose="020B0609000000000000" pitchFamily="49" charset="-128"/>
-              </a:rPr>
-              <a:t>の作成</a:t>
-            </a:r>
-            <a:endParaRPr lang="en-US" altLang="ja-JP" dirty="0">
-              <a:latin typeface="HGｺﾞｼｯｸM" panose="020B0609000000000000" pitchFamily="49" charset="-128"/>
-              <a:ea typeface="HGｺﾞｼｯｸM" panose="020B0609000000000000" pitchFamily="49" charset="-128"/>
-            </a:endParaRPr>
-          </a:p>
-          <a:p>
-            <a:pPr>
-              <a:buClr>
-                <a:schemeClr val="accent2">
-                  <a:lumMod val="75000"/>
-                </a:schemeClr>
-              </a:buClr>
-            </a:pPr>
-            <a:r>
-              <a:rPr lang="en-US" altLang="ja-JP" dirty="0">
-                <a:latin typeface="HGｺﾞｼｯｸM" panose="020B0609000000000000" pitchFamily="49" charset="-128"/>
-                <a:ea typeface="HGｺﾞｼｯｸM" panose="020B0609000000000000" pitchFamily="49" charset="-128"/>
-              </a:rPr>
-              <a:t>JavaScript</a:t>
-            </a:r>
-            <a:r>
-              <a:rPr lang="ja-JP" altLang="en-US" dirty="0">
-                <a:latin typeface="HGｺﾞｼｯｸM" panose="020B0609000000000000" pitchFamily="49" charset="-128"/>
-                <a:ea typeface="HGｺﾞｼｯｸM" panose="020B0609000000000000" pitchFamily="49" charset="-128"/>
-              </a:rPr>
-              <a:t>の機能</a:t>
-            </a:r>
-            <a:endParaRPr lang="en-US" altLang="ja-JP" dirty="0">
-              <a:latin typeface="HGｺﾞｼｯｸM" panose="020B0609000000000000" pitchFamily="49" charset="-128"/>
-              <a:ea typeface="HGｺﾞｼｯｸM" panose="020B0609000000000000" pitchFamily="49" charset="-128"/>
-            </a:endParaRPr>
-          </a:p>
-          <a:p>
-            <a:pPr marL="0" indent="0">
-              <a:buNone/>
-            </a:pPr>
-            <a:r>
-              <a:rPr kumimoji="1" lang="ja-JP" altLang="en-US" dirty="0">
-                <a:latin typeface="HGｺﾞｼｯｸE" panose="020B0909000000000000" pitchFamily="49" charset="-128"/>
-                <a:ea typeface="HGｺﾞｼｯｸE" panose="020B0909000000000000" pitchFamily="49" charset="-128"/>
-              </a:rPr>
-              <a:t>苦労した点</a:t>
-            </a:r>
-            <a:endParaRPr kumimoji="1" lang="en-US" altLang="ja-JP" dirty="0">
-              <a:latin typeface="HGｺﾞｼｯｸE" panose="020B0909000000000000" pitchFamily="49" charset="-128"/>
-              <a:ea typeface="HGｺﾞｼｯｸE" panose="020B0909000000000000" pitchFamily="49" charset="-128"/>
-            </a:endParaRPr>
-          </a:p>
-          <a:p>
-            <a:pPr>
-              <a:buClr>
-                <a:schemeClr val="accent2">
-                  <a:lumMod val="75000"/>
-                </a:schemeClr>
-              </a:buClr>
-            </a:pPr>
-            <a:r>
-              <a:rPr lang="en-US" altLang="ja-JP" dirty="0">
-                <a:latin typeface="HGｺﾞｼｯｸM" panose="020B0609000000000000" pitchFamily="49" charset="-128"/>
-                <a:ea typeface="HGｺﾞｼｯｸM" panose="020B0609000000000000" pitchFamily="49" charset="-128"/>
-              </a:rPr>
-              <a:t>JavaScript</a:t>
-            </a:r>
-            <a:r>
-              <a:rPr lang="ja-JP" altLang="en-US" dirty="0">
-                <a:latin typeface="HGｺﾞｼｯｸM" panose="020B0609000000000000" pitchFamily="49" charset="-128"/>
-                <a:ea typeface="HGｺﾞｼｯｸM" panose="020B0609000000000000" pitchFamily="49" charset="-128"/>
-              </a:rPr>
-              <a:t>の作成</a:t>
-            </a:r>
-            <a:endParaRPr lang="en-US" altLang="ja-JP" dirty="0">
-              <a:latin typeface="HGｺﾞｼｯｸM" panose="020B0609000000000000" pitchFamily="49" charset="-128"/>
-              <a:ea typeface="HGｺﾞｼｯｸM" panose="020B0609000000000000" pitchFamily="49" charset="-128"/>
-            </a:endParaRPr>
-          </a:p>
-          <a:p>
-            <a:pPr marL="0" indent="0">
-              <a:buNone/>
-            </a:pPr>
-            <a:r>
-              <a:rPr lang="ja-JP" altLang="en-US" dirty="0">
-                <a:latin typeface="HGｺﾞｼｯｸM" panose="020B0609000000000000" pitchFamily="49" charset="-128"/>
-                <a:ea typeface="HGｺﾞｼｯｸM" panose="020B0609000000000000" pitchFamily="49" charset="-128"/>
-              </a:rPr>
-              <a:t>　→ミッションボタン、デザインの違うアラート機能</a:t>
-            </a:r>
-            <a:r>
-              <a:rPr lang="en-US" altLang="ja-JP" dirty="0" err="1">
-                <a:latin typeface="HGｺﾞｼｯｸM" panose="020B0609000000000000" pitchFamily="49" charset="-128"/>
-                <a:ea typeface="HGｺﾞｼｯｸM" panose="020B0609000000000000" pitchFamily="49" charset="-128"/>
-              </a:rPr>
-              <a:t>etc</a:t>
-            </a:r>
-            <a:endParaRPr kumimoji="1" lang="en-US" altLang="ja-JP" dirty="0">
-              <a:latin typeface="HGｺﾞｼｯｸM" panose="020B0609000000000000" pitchFamily="49" charset="-128"/>
-              <a:ea typeface="HGｺﾞｼｯｸM" panose="020B0609000000000000" pitchFamily="49" charset="-128"/>
-            </a:endParaRPr>
-          </a:p>
-          <a:p>
-            <a:pPr marL="0" indent="0">
-              <a:buNone/>
-            </a:pPr>
-            <a:r>
-              <a:rPr kumimoji="1" lang="ja-JP" altLang="en-US" dirty="0">
-                <a:latin typeface="HGｺﾞｼｯｸE" panose="020B0909000000000000" pitchFamily="49" charset="-128"/>
-                <a:ea typeface="HGｺﾞｼｯｸE" panose="020B0909000000000000" pitchFamily="49" charset="-128"/>
-              </a:rPr>
-              <a:t>成果</a:t>
-            </a:r>
-            <a:endParaRPr kumimoji="1" lang="en-US" altLang="ja-JP" dirty="0">
-              <a:latin typeface="HGｺﾞｼｯｸE" panose="020B0909000000000000" pitchFamily="49" charset="-128"/>
-              <a:ea typeface="HGｺﾞｼｯｸE" panose="020B0909000000000000" pitchFamily="49" charset="-128"/>
-            </a:endParaRPr>
-          </a:p>
-          <a:p>
-            <a:pPr>
-              <a:buClr>
-                <a:schemeClr val="accent2">
-                  <a:lumMod val="75000"/>
-                </a:schemeClr>
-              </a:buClr>
-            </a:pPr>
-            <a:r>
-              <a:rPr kumimoji="1" lang="ja-JP" altLang="en-US" dirty="0">
-                <a:latin typeface="HGｺﾞｼｯｸM" panose="020B0609000000000000" pitchFamily="49" charset="-128"/>
-                <a:ea typeface="HGｺﾞｼｯｸM" panose="020B0609000000000000" pitchFamily="49" charset="-128"/>
-              </a:rPr>
-              <a:t>新たに</a:t>
-            </a:r>
-            <a:r>
-              <a:rPr kumimoji="1" lang="en-US" altLang="ja-JP" dirty="0">
-                <a:latin typeface="HGｺﾞｼｯｸM" panose="020B0609000000000000" pitchFamily="49" charset="-128"/>
-                <a:ea typeface="HGｺﾞｼｯｸM" panose="020B0609000000000000" pitchFamily="49" charset="-128"/>
-              </a:rPr>
-              <a:t>JavaScript</a:t>
-            </a:r>
-            <a:r>
-              <a:rPr kumimoji="1" lang="ja-JP" altLang="en-US" dirty="0">
-                <a:latin typeface="HGｺﾞｼｯｸM" panose="020B0609000000000000" pitchFamily="49" charset="-128"/>
-                <a:ea typeface="HGｺﾞｼｯｸM" panose="020B0609000000000000" pitchFamily="49" charset="-128"/>
-              </a:rPr>
-              <a:t>の機能を習得できた</a:t>
-            </a:r>
-          </a:p>
-        </p:txBody>
-      </p:sp>
-      <p:sp>
-        <p:nvSpPr>
-          <p:cNvPr id="4" name="四角形: 角を丸くする 3">
-            <a:extLst>
-              <a:ext uri="{FF2B5EF4-FFF2-40B4-BE49-F238E27FC236}">
-                <a16:creationId xmlns:a16="http://schemas.microsoft.com/office/drawing/2014/main" id="{AF247C9C-C3E7-2294-3EBC-27311E4FB740}"/>
-              </a:ext>
-            </a:extLst>
-          </p:cNvPr>
-          <p:cNvSpPr/>
-          <p:nvPr/>
-        </p:nvSpPr>
-        <p:spPr>
-          <a:xfrm>
-            <a:off x="838200" y="325367"/>
-            <a:ext cx="10515600" cy="1325563"/>
-          </a:xfrm>
-          <a:prstGeom prst="roundRect">
-            <a:avLst/>
-          </a:prstGeom>
-          <a:solidFill>
-            <a:srgbClr val="FFA333"/>
-          </a:solidFill>
-          <a:ln w="38100">
-            <a:noFill/>
-          </a:ln>
-        </p:spPr>
-        <p:style>
-          <a:lnRef idx="2">
-            <a:schemeClr val="accent1">
-              <a:shade val="50000"/>
-            </a:schemeClr>
-          </a:lnRef>
-          <a:fillRef idx="1">
-            <a:schemeClr val="accent1"/>
-          </a:fillRef>
-          <a:effectRef idx="0">
-            <a:schemeClr val="accent1"/>
-          </a:effectRef>
-          <a:fontRef idx="minor">
-            <a:schemeClr val="lt1"/>
-          </a:fontRef>
-        </p:style>
-        <p:txBody>
-          <a:bodyPr rtlCol="0" anchor="ctr"/>
-          <a:lstStyle/>
-          <a:p>
-            <a:pPr marL="0" marR="0" lvl="0" indent="0" algn="l" defTabSz="914400" rtl="0" eaLnBrk="1" fontAlgn="auto" latinLnBrk="0" hangingPunct="1">
-              <a:lnSpc>
-                <a:spcPct val="100000"/>
-              </a:lnSpc>
-              <a:spcBef>
-                <a:spcPts val="0"/>
-              </a:spcBef>
-              <a:spcAft>
-                <a:spcPts val="0"/>
-              </a:spcAft>
-              <a:buClrTx/>
-              <a:buSzTx/>
-              <a:buFontTx/>
-              <a:buNone/>
-              <a:tabLst/>
-              <a:defRPr/>
-            </a:pPr>
-            <a:r>
-              <a:rPr lang="ja-JP" altLang="en-US" sz="4400" dirty="0">
-                <a:solidFill>
-                  <a:prstClr val="white"/>
-                </a:solidFill>
-                <a:latin typeface="HGｺﾞｼｯｸE" panose="020B0909000000000000" pitchFamily="49" charset="-128"/>
-                <a:ea typeface="HGｺﾞｼｯｸE" panose="020B0909000000000000" pitchFamily="49" charset="-128"/>
-              </a:rPr>
-              <a:t>中尾 順仁</a:t>
-            </a:r>
-            <a:endParaRPr lang="en-US" altLang="ja-JP" sz="4400" dirty="0">
-              <a:solidFill>
-                <a:prstClr val="white"/>
-              </a:solidFill>
-              <a:latin typeface="HGｺﾞｼｯｸE" panose="020B0909000000000000" pitchFamily="49" charset="-128"/>
-              <a:ea typeface="HGｺﾞｼｯｸE" panose="020B0909000000000000" pitchFamily="49" charset="-128"/>
-            </a:endParaRPr>
-          </a:p>
-          <a:p>
-            <a:pPr marL="0" marR="0" lvl="0" indent="0" algn="l" defTabSz="914400" rtl="0" eaLnBrk="1" fontAlgn="auto" latinLnBrk="0" hangingPunct="1">
-              <a:lnSpc>
-                <a:spcPct val="100000"/>
-              </a:lnSpc>
-              <a:spcBef>
-                <a:spcPts val="0"/>
-              </a:spcBef>
-              <a:spcAft>
-                <a:spcPts val="0"/>
-              </a:spcAft>
-              <a:buClrTx/>
-              <a:buSzTx/>
-              <a:buFontTx/>
-              <a:buNone/>
-              <a:tabLst/>
-              <a:defRPr/>
-            </a:pPr>
-            <a:r>
-              <a:rPr lang="ja-JP" altLang="en-US" sz="3600" dirty="0">
-                <a:solidFill>
-                  <a:prstClr val="white"/>
-                </a:solidFill>
-                <a:latin typeface="HGｺﾞｼｯｸE" panose="020B0909000000000000" pitchFamily="49" charset="-128"/>
-                <a:ea typeface="HGｺﾞｼｯｸE" panose="020B0909000000000000" pitchFamily="49" charset="-128"/>
-              </a:rPr>
-              <a:t>（株式会社</a:t>
-            </a:r>
-            <a:r>
-              <a:rPr lang="en-US" altLang="ja-JP" sz="3600" dirty="0">
-                <a:solidFill>
-                  <a:prstClr val="white"/>
-                </a:solidFill>
-                <a:latin typeface="HGｺﾞｼｯｸE" panose="020B0909000000000000" pitchFamily="49" charset="-128"/>
-                <a:ea typeface="HGｺﾞｼｯｸE" panose="020B0909000000000000" pitchFamily="49" charset="-128"/>
-              </a:rPr>
-              <a:t>FPG</a:t>
-            </a:r>
-            <a:r>
-              <a:rPr lang="ja-JP" altLang="en-US" sz="3600" dirty="0">
-                <a:solidFill>
-                  <a:prstClr val="white"/>
-                </a:solidFill>
-                <a:latin typeface="HGｺﾞｼｯｸE" panose="020B0909000000000000" pitchFamily="49" charset="-128"/>
-                <a:ea typeface="HGｺﾞｼｯｸE" panose="020B0909000000000000" pitchFamily="49" charset="-128"/>
-              </a:rPr>
-              <a:t>テクノロジー）</a:t>
-            </a:r>
-            <a:endParaRPr kumimoji="1" lang="ja-JP" altLang="en-US" sz="3600" b="0" i="0" u="none" strike="noStrike" kern="1200" cap="none" spc="0" normalizeH="0" baseline="0" noProof="0" dirty="0">
-              <a:ln>
-                <a:noFill/>
-              </a:ln>
-              <a:solidFill>
-                <a:prstClr val="white"/>
-              </a:solidFill>
-              <a:effectLst/>
-              <a:uLnTx/>
-              <a:uFillTx/>
-              <a:latin typeface="HGｺﾞｼｯｸE" panose="020B0909000000000000" pitchFamily="49" charset="-128"/>
-              <a:ea typeface="HGｺﾞｼｯｸE" panose="020B0909000000000000" pitchFamily="49" charset="-128"/>
-              <a:cs typeface="+mn-cs"/>
-            </a:endParaRPr>
-          </a:p>
-        </p:txBody>
-      </p:sp>
-    </p:spTree>
-    <p:extLst>
-      <p:ext uri="{BB962C8B-B14F-4D97-AF65-F5344CB8AC3E}">
-        <p14:creationId xmlns:p14="http://schemas.microsoft.com/office/powerpoint/2010/main" val="2710565753"/>
       </p:ext>
     </p:extLst>
   </p:cSld>
@@ -9409,9 +10508,7 @@
           </a:xfrm>
         </p:spPr>
         <p:txBody>
-          <a:bodyPr>
-            <a:normAutofit lnSpcReduction="10000"/>
-          </a:bodyPr>
+          <a:bodyPr/>
           <a:lstStyle/>
           <a:p>
             <a:pPr marL="0" indent="0">
@@ -9424,7 +10521,7 @@
               </a:rPr>
               <a:t>担当</a:t>
             </a:r>
-            <a:endParaRPr kumimoji="1" lang="en-US" altLang="ja-JP" dirty="0">
+            <a:endParaRPr lang="en-US" altLang="ja-JP" dirty="0">
               <a:latin typeface="HGｺﾞｼｯｸE" panose="020B0909000000000000" pitchFamily="49" charset="-128"/>
               <a:ea typeface="HGｺﾞｼｯｸE" panose="020B0909000000000000" pitchFamily="49" charset="-128"/>
             </a:endParaRPr>
@@ -9438,13 +10535,20 @@
               </a:buClr>
             </a:pPr>
             <a:r>
+              <a:rPr kumimoji="1" lang="en-US" altLang="ja-JP" dirty="0">
+                <a:latin typeface="HGｺﾞｼｯｸM" panose="020B0609000000000000" pitchFamily="49" charset="-128"/>
+                <a:ea typeface="HGｺﾞｼｯｸM" panose="020B0609000000000000" pitchFamily="49" charset="-128"/>
+              </a:rPr>
+              <a:t>DBA</a:t>
+            </a:r>
+            <a:r>
               <a:rPr kumimoji="1" lang="ja-JP" altLang="en-US" dirty="0">
                 <a:latin typeface="HGｺﾞｼｯｸM" panose="020B0609000000000000" pitchFamily="49" charset="-128"/>
                 <a:ea typeface="HGｺﾞｼｯｸM" panose="020B0609000000000000" pitchFamily="49" charset="-128"/>
               </a:rPr>
-              <a:t>構成管理担当</a:t>
-            </a:r>
-            <a:endParaRPr lang="en-US" altLang="ja-JP" dirty="0">
+              <a:t>担当</a:t>
+            </a:r>
+            <a:endParaRPr kumimoji="1" lang="en-US" altLang="ja-JP" dirty="0">
               <a:latin typeface="HGｺﾞｼｯｸM" panose="020B0609000000000000" pitchFamily="49" charset="-128"/>
               <a:ea typeface="HGｺﾞｼｯｸM" panose="020B0609000000000000" pitchFamily="49" charset="-128"/>
             </a:endParaRPr>
@@ -9458,11 +10562,18 @@
               </a:buClr>
             </a:pPr>
             <a:r>
+              <a:rPr lang="en-US" altLang="ja-JP" dirty="0">
+                <a:latin typeface="HGｺﾞｼｯｸM" panose="020B0609000000000000" pitchFamily="49" charset="-128"/>
+                <a:ea typeface="HGｺﾞｼｯｸM" panose="020B0609000000000000" pitchFamily="49" charset="-128"/>
+              </a:rPr>
+              <a:t>DAO</a:t>
+            </a:r>
+            <a:r>
               <a:rPr lang="ja-JP" altLang="en-US" dirty="0">
                 <a:latin typeface="HGｺﾞｼｯｸM" panose="020B0609000000000000" pitchFamily="49" charset="-128"/>
                 <a:ea typeface="HGｺﾞｼｯｸM" panose="020B0609000000000000" pitchFamily="49" charset="-128"/>
               </a:rPr>
-              <a:t>コミュニケーション管理担当</a:t>
+              <a:t>の作成</a:t>
             </a:r>
             <a:endParaRPr lang="en-US" altLang="ja-JP" dirty="0">
               <a:latin typeface="HGｺﾞｼｯｸM" panose="020B0609000000000000" pitchFamily="49" charset="-128"/>
@@ -9482,22 +10593,35 @@
                 <a:latin typeface="HGｺﾞｼｯｸM" panose="020B0609000000000000" pitchFamily="49" charset="-128"/>
                 <a:ea typeface="HGｺﾞｼｯｸM" panose="020B0609000000000000" pitchFamily="49" charset="-128"/>
               </a:rPr>
-              <a:t>JSP</a:t>
+              <a:t>JavaScript</a:t>
             </a:r>
             <a:r>
               <a:rPr lang="ja-JP" altLang="en-US" dirty="0">
                 <a:latin typeface="HGｺﾞｼｯｸM" panose="020B0609000000000000" pitchFamily="49" charset="-128"/>
                 <a:ea typeface="HGｺﾞｼｯｸM" panose="020B0609000000000000" pitchFamily="49" charset="-128"/>
               </a:rPr>
-              <a:t>、</a:t>
-            </a:r>
-            <a:r>
-              <a:rPr lang="en-US" altLang="ja-JP" dirty="0">
-                <a:latin typeface="HGｺﾞｼｯｸM" panose="020B0609000000000000" pitchFamily="49" charset="-128"/>
-                <a:ea typeface="HGｺﾞｼｯｸM" panose="020B0609000000000000" pitchFamily="49" charset="-128"/>
-              </a:rPr>
-              <a:t>CSS</a:t>
-            </a:r>
+              <a:t>の機能</a:t>
+            </a:r>
+            <a:endParaRPr lang="en-US" altLang="ja-JP" dirty="0">
+              <a:latin typeface="HGｺﾞｼｯｸM" panose="020B0609000000000000" pitchFamily="49" charset="-128"/>
+              <a:ea typeface="HGｺﾞｼｯｸM" panose="020B0609000000000000" pitchFamily="49" charset="-128"/>
+            </a:endParaRPr>
+          </a:p>
+          <a:p>
+            <a:pPr marL="0" indent="0">
+              <a:buNone/>
+            </a:pPr>
+            <a:r>
+              <a:rPr kumimoji="1" lang="ja-JP" altLang="en-US" dirty="0">
+                <a:latin typeface="HGｺﾞｼｯｸE" panose="020B0909000000000000" pitchFamily="49" charset="-128"/>
+                <a:ea typeface="HGｺﾞｼｯｸE" panose="020B0909000000000000" pitchFamily="49" charset="-128"/>
+              </a:rPr>
+              <a:t>苦労した点</a:t>
+            </a:r>
+            <a:endParaRPr kumimoji="1" lang="en-US" altLang="ja-JP" dirty="0">
+              <a:latin typeface="HGｺﾞｼｯｸE" panose="020B0909000000000000" pitchFamily="49" charset="-128"/>
+              <a:ea typeface="HGｺﾞｼｯｸE" panose="020B0909000000000000" pitchFamily="49" charset="-128"/>
+            </a:endParaRPr>
           </a:p>
           <a:p>
             <a:pPr>
@@ -9508,23 +10632,59 @@
               </a:buClr>
             </a:pPr>
             <a:r>
-              <a:rPr lang="ja-JP" altLang="en-US" dirty="0"/>
-              <a:t>デザイン</a:t>
-            </a:r>
-            <a:endParaRPr lang="en-US" altLang="ja-JP" dirty="0"/>
+              <a:rPr lang="en-US" altLang="ja-JP" dirty="0">
+                <a:latin typeface="HGｺﾞｼｯｸM" panose="020B0609000000000000" pitchFamily="49" charset="-128"/>
+                <a:ea typeface="HGｺﾞｼｯｸM" panose="020B0609000000000000" pitchFamily="49" charset="-128"/>
+              </a:rPr>
+              <a:t>JavaScript</a:t>
+            </a:r>
+            <a:r>
+              <a:rPr lang="ja-JP" altLang="en-US" dirty="0">
+                <a:latin typeface="HGｺﾞｼｯｸM" panose="020B0609000000000000" pitchFamily="49" charset="-128"/>
+                <a:ea typeface="HGｺﾞｼｯｸM" panose="020B0609000000000000" pitchFamily="49" charset="-128"/>
+              </a:rPr>
+              <a:t>の作成</a:t>
+            </a:r>
+            <a:endParaRPr lang="en-US" altLang="ja-JP" dirty="0">
+              <a:latin typeface="HGｺﾞｼｯｸM" panose="020B0609000000000000" pitchFamily="49" charset="-128"/>
+              <a:ea typeface="HGｺﾞｼｯｸM" panose="020B0609000000000000" pitchFamily="49" charset="-128"/>
+            </a:endParaRPr>
           </a:p>
           <a:p>
             <a:pPr marL="0" indent="0">
               <a:buNone/>
             </a:pPr>
             <a:r>
+              <a:rPr lang="ja-JP" altLang="en-US" dirty="0">
+                <a:latin typeface="HGｺﾞｼｯｸM" panose="020B0609000000000000" pitchFamily="49" charset="-128"/>
+                <a:ea typeface="HGｺﾞｼｯｸM" panose="020B0609000000000000" pitchFamily="49" charset="-128"/>
+              </a:rPr>
+              <a:t>　→ミッションボタン、デザインの違うアラート機能</a:t>
+            </a:r>
+            <a:r>
+              <a:rPr lang="en-US" altLang="ja-JP" dirty="0" err="1">
+                <a:latin typeface="HGｺﾞｼｯｸM" panose="020B0609000000000000" pitchFamily="49" charset="-128"/>
+                <a:ea typeface="HGｺﾞｼｯｸM" panose="020B0609000000000000" pitchFamily="49" charset="-128"/>
+              </a:rPr>
+              <a:t>etc</a:t>
+            </a:r>
+            <a:endParaRPr kumimoji="1" lang="en-US" altLang="ja-JP" dirty="0">
+              <a:latin typeface="HGｺﾞｼｯｸM" panose="020B0609000000000000" pitchFamily="49" charset="-128"/>
+              <a:ea typeface="HGｺﾞｼｯｸM" panose="020B0609000000000000" pitchFamily="49" charset="-128"/>
+            </a:endParaRPr>
+          </a:p>
+          <a:p>
+            <a:pPr marL="0" indent="0">
+              <a:buNone/>
+            </a:pPr>
+            <a:r>
               <a:rPr kumimoji="1" lang="ja-JP" altLang="en-US" dirty="0">
                 <a:latin typeface="HGｺﾞｼｯｸE" panose="020B0909000000000000" pitchFamily="49" charset="-128"/>
                 <a:ea typeface="HGｺﾞｼｯｸE" panose="020B0909000000000000" pitchFamily="49" charset="-128"/>
               </a:rPr>
-              <a:t>苦労した点</a:t>
-            </a:r>
-            <a:endParaRPr lang="en-US" altLang="ja-JP" dirty="0">
+              <a:t>成果</a:t>
+            </a:r>
+            <a:endParaRPr kumimoji="1" lang="en-US" altLang="ja-JP" dirty="0">
               <a:latin typeface="HGｺﾞｼｯｸE" panose="020B0909000000000000" pitchFamily="49" charset="-128"/>
               <a:ea typeface="HGｺﾞｼｯｸE" panose="020B0909000000000000" pitchFamily="49" charset="-128"/>
             </a:endParaRPr>
@@ -9542,75 +10702,22 @@
                 <a:latin typeface="HGｺﾞｼｯｸM" panose="020B0609000000000000" pitchFamily="49" charset="-128"/>
                 <a:ea typeface="HGｺﾞｼｯｸM" panose="020B0609000000000000" pitchFamily="49" charset="-128"/>
               </a:rPr>
-              <a:t>デザイン設計と機能設計で分担作業をし</a:t>
-            </a:r>
-            <a:r>
-              <a:rPr lang="ja-JP" altLang="en-US" dirty="0">
+              <a:t>新たに</a:t>
+            </a:r>
+            <a:r>
+              <a:rPr kumimoji="1" lang="en-US" altLang="ja-JP" dirty="0">
                 <a:latin typeface="HGｺﾞｼｯｸM" panose="020B0609000000000000" pitchFamily="49" charset="-128"/>
                 <a:ea typeface="HGｺﾞｼｯｸM" panose="020B0609000000000000" pitchFamily="49" charset="-128"/>
               </a:rPr>
-              <a:t>た後</a:t>
-            </a:r>
-            <a:br>
-              <a:rPr lang="en-US" altLang="ja-JP" dirty="0">
-                <a:latin typeface="HGｺﾞｼｯｸM" panose="020B0609000000000000" pitchFamily="49" charset="-128"/>
-                <a:ea typeface="HGｺﾞｼｯｸM" panose="020B0609000000000000" pitchFamily="49" charset="-128"/>
-              </a:rPr>
-            </a:br>
+              <a:t>JavaScript</a:t>
+            </a:r>
             <a:r>
               <a:rPr kumimoji="1" lang="ja-JP" altLang="en-US" dirty="0">
                 <a:latin typeface="HGｺﾞｼｯｸM" panose="020B0609000000000000" pitchFamily="49" charset="-128"/>
                 <a:ea typeface="HGｺﾞｼｯｸM" panose="020B0609000000000000" pitchFamily="49" charset="-128"/>
               </a:rPr>
-              <a:t>結合させる作業。</a:t>
-            </a:r>
-            <a:endParaRPr kumimoji="1" lang="en-US" altLang="ja-JP" dirty="0">
-              <a:latin typeface="HGｺﾞｼｯｸM" panose="020B0609000000000000" pitchFamily="49" charset="-128"/>
-              <a:ea typeface="HGｺﾞｼｯｸM" panose="020B0609000000000000" pitchFamily="49" charset="-128"/>
-            </a:endParaRPr>
-          </a:p>
-          <a:p>
-            <a:pPr marL="0" indent="0">
-              <a:buNone/>
-            </a:pPr>
-            <a:r>
-              <a:rPr kumimoji="1" lang="ja-JP" altLang="en-US" dirty="0">
-                <a:latin typeface="HGｺﾞｼｯｸE" panose="020B0909000000000000" pitchFamily="49" charset="-128"/>
-                <a:ea typeface="HGｺﾞｼｯｸE" panose="020B0909000000000000" pitchFamily="49" charset="-128"/>
-              </a:rPr>
-              <a:t>成果</a:t>
-            </a:r>
-            <a:endParaRPr lang="en-US" altLang="ja-JP" dirty="0">
-              <a:latin typeface="HGｺﾞｼｯｸE" panose="020B0909000000000000" pitchFamily="49" charset="-128"/>
-              <a:ea typeface="HGｺﾞｼｯｸE" panose="020B0909000000000000" pitchFamily="49" charset="-128"/>
-            </a:endParaRPr>
-          </a:p>
-          <a:p>
-            <a:pPr>
-              <a:buClr>
-                <a:schemeClr val="accent2">
-                  <a:lumMod val="75000"/>
-                </a:schemeClr>
-              </a:buClr>
-            </a:pPr>
-            <a:r>
-              <a:rPr kumimoji="1" lang="en-US" altLang="ja-JP" dirty="0">
-                <a:latin typeface="HGｺﾞｼｯｸM" panose="020B0609000000000000" pitchFamily="49" charset="-128"/>
-                <a:ea typeface="HGｺﾞｼｯｸM" panose="020B0609000000000000" pitchFamily="49" charset="-128"/>
-              </a:rPr>
-              <a:t>CSS</a:t>
-            </a:r>
-            <a:r>
-              <a:rPr kumimoji="1" lang="ja-JP" altLang="en-US" dirty="0">
-                <a:latin typeface="HGｺﾞｼｯｸM" panose="020B0609000000000000" pitchFamily="49" charset="-128"/>
-                <a:ea typeface="HGｺﾞｼｯｸM" panose="020B0609000000000000" pitchFamily="49" charset="-128"/>
-              </a:rPr>
-              <a:t>の復習と応用。主にデザインスキルが身についた</a:t>
-            </a:r>
-            <a:endParaRPr kumimoji="1" lang="en-US" altLang="ja-JP" dirty="0">
-              <a:latin typeface="HGｺﾞｼｯｸM" panose="020B0609000000000000" pitchFamily="49" charset="-128"/>
-              <a:ea typeface="HGｺﾞｼｯｸM" panose="020B0609000000000000" pitchFamily="49" charset="-128"/>
-            </a:endParaRPr>
+              <a:t>の機能を習得できた</a:t>
+            </a:r>
           </a:p>
         </p:txBody>
       </p:sp>
@@ -9686,7 +10793,7 @@
                 <a:latin typeface="HGｺﾞｼｯｸE" panose="020B0909000000000000" pitchFamily="49" charset="-128"/>
                 <a:ea typeface="HGｺﾞｼｯｸE" panose="020B0909000000000000" pitchFamily="49" charset="-128"/>
               </a:rPr>
-              <a:t>古晒 悠誠</a:t>
+              <a:t>中尾 順仁</a:t>
             </a:r>
             <a:endParaRPr lang="en-US" altLang="ja-JP" sz="4400" dirty="0">
               <a:solidFill>
@@ -9697,7 +10804,21 @@
             </a:endParaRPr>
           </a:p>
           <a:p>
-            <a:pPr lvl="0">
+            <a:pPr marL="0" marR="0" lvl="0" indent="0" algn="l" defTabSz="914400" rtl="0" eaLnBrk="1" fontAlgn="auto" latinLnBrk="0" hangingPunct="1">
+              <a:lnSpc>
+                <a:spcPct val="100000"/>
+              </a:lnSpc>
+              <a:spcBef>
+                <a:spcPts val="0"/>
+              </a:spcBef>
+              <a:spcAft>
+                <a:spcPts val="0"/>
+              </a:spcAft>
+              <a:buClrTx/>
+              <a:buSzTx/>
+              <a:buFontTx/>
+              <a:buNone/>
+              <a:tabLst/>
               <a:defRPr/>
             </a:pPr>
             <a:r>
@@ -9708,7 +10829,27 @@
                 <a:latin typeface="HGｺﾞｼｯｸE" panose="020B0909000000000000" pitchFamily="49" charset="-128"/>
                 <a:ea typeface="HGｺﾞｼｯｸE" panose="020B0909000000000000" pitchFamily="49" charset="-128"/>
               </a:rPr>
-              <a:t>（ネット・インフォメーション株式会社）</a:t>
+              <a:t>（株式会社</a:t>
+            </a:r>
+            <a:r>
+              <a:rPr lang="en-US" altLang="ja-JP" sz="3600" dirty="0">
+                <a:solidFill>
+                  <a:prstClr val="white"/>
+                </a:solidFill>
+                <a:latin typeface="HGｺﾞｼｯｸE" panose="020B0909000000000000" pitchFamily="49" charset="-128"/>
+                <a:ea typeface="HGｺﾞｼｯｸE" panose="020B0909000000000000" pitchFamily="49" charset="-128"/>
+              </a:rPr>
+              <a:t>FPG</a:t>
+            </a:r>
+            <a:r>
+              <a:rPr lang="ja-JP" altLang="en-US" sz="3600" dirty="0">
+                <a:solidFill>
+                  <a:prstClr val="white"/>
+                </a:solidFill>
+                <a:latin typeface="HGｺﾞｼｯｸE" panose="020B0909000000000000" pitchFamily="49" charset="-128"/>
+                <a:ea typeface="HGｺﾞｼｯｸE" panose="020B0909000000000000" pitchFamily="49" charset="-128"/>
+              </a:rPr>
+              <a:t>テクノロジー）</a:t>
             </a:r>
             <a:endParaRPr kumimoji="1" lang="ja-JP" altLang="en-US" sz="3600" b="0" i="0" u="none" strike="noStrike" kern="1200" cap="none" spc="0" normalizeH="0" baseline="0" noProof="0" dirty="0">
               <a:ln>
@@ -9730,7 +10871,7 @@
     </p:spTree>
     <p:extLst>
       <p:ext uri="{BB962C8B-B14F-4D97-AF65-F5344CB8AC3E}">
-        <p14:creationId xmlns:p14="http://schemas.microsoft.com/office/powerpoint/2010/main" val="35298653"/>
+        <p14:creationId xmlns:p14="http://schemas.microsoft.com/office/powerpoint/2010/main" val="2710565753"/>
       </p:ext>
     </p:extLst>
   </p:cSld>
@@ -9781,7 +10922,7 @@
         </p:spPr>
         <p:txBody>
           <a:bodyPr>
-            <a:normAutofit/>
+            <a:normAutofit lnSpcReduction="10000"/>
           </a:bodyPr>
           <a:lstStyle/>
           <a:p>
@@ -9813,9 +10954,9 @@
                 <a:latin typeface="HGｺﾞｼｯｸM" panose="020B0609000000000000" pitchFamily="49" charset="-128"/>
                 <a:ea typeface="HGｺﾞｼｯｸM" panose="020B0609000000000000" pitchFamily="49" charset="-128"/>
               </a:rPr>
-              <a:t>品質管理担当</a:t>
-            </a:r>
-            <a:endParaRPr kumimoji="1" lang="en-US" altLang="ja-JP" dirty="0">
+              <a:t>構成管理担当</a:t>
+            </a:r>
+            <a:endParaRPr lang="en-US" altLang="ja-JP" dirty="0">
               <a:latin typeface="HGｺﾞｼｯｸM" panose="020B0609000000000000" pitchFamily="49" charset="-128"/>
               <a:ea typeface="HGｺﾞｼｯｸM" panose="020B0609000000000000" pitchFamily="49" charset="-128"/>
             </a:endParaRPr>
@@ -9829,20 +10970,13 @@
               </a:buClr>
             </a:pPr>
             <a:r>
-              <a:rPr kumimoji="1" lang="en-US" altLang="ja-JP" dirty="0">
+              <a:rPr lang="ja-JP" altLang="en-US" dirty="0">
                 <a:latin typeface="HGｺﾞｼｯｸM" panose="020B0609000000000000" pitchFamily="49" charset="-128"/>
                 <a:ea typeface="HGｺﾞｼｯｸM" panose="020B0609000000000000" pitchFamily="49" charset="-128"/>
               </a:rPr>
-              <a:t>DAO</a:t>
-            </a:r>
-            <a:r>
-              <a:rPr kumimoji="1" lang="ja-JP" altLang="en-US" dirty="0">
-                <a:latin typeface="HGｺﾞｼｯｸM" panose="020B0609000000000000" pitchFamily="49" charset="-128"/>
-                <a:ea typeface="HGｺﾞｼｯｸM" panose="020B0609000000000000" pitchFamily="49" charset="-128"/>
-              </a:rPr>
-              <a:t>の作成</a:t>
-            </a:r>
-            <a:endParaRPr kumimoji="1" lang="en-US" altLang="ja-JP" dirty="0">
+              <a:t>コミュニケーション管理担当</a:t>
+            </a:r>
+            <a:endParaRPr lang="en-US" altLang="ja-JP" dirty="0">
               <a:latin typeface="HGｺﾞｼｯｸM" panose="020B0609000000000000" pitchFamily="49" charset="-128"/>
               <a:ea typeface="HGｺﾞｼｯｸM" panose="020B0609000000000000" pitchFamily="49" charset="-128"/>
             </a:endParaRPr>
@@ -9856,36 +10990,26 @@
               </a:buClr>
             </a:pPr>
             <a:r>
-              <a:rPr kumimoji="1" lang="en-US" altLang="ja-JP" dirty="0">
+              <a:rPr lang="en-US" altLang="ja-JP" dirty="0">
                 <a:latin typeface="HGｺﾞｼｯｸM" panose="020B0609000000000000" pitchFamily="49" charset="-128"/>
                 <a:ea typeface="HGｺﾞｼｯｸM" panose="020B0609000000000000" pitchFamily="49" charset="-128"/>
               </a:rPr>
-              <a:t>JavaScript</a:t>
-            </a:r>
-            <a:r>
-              <a:rPr kumimoji="1" lang="ja-JP" altLang="en-US" dirty="0">
+              <a:t>JSP</a:t>
+            </a:r>
+            <a:r>
+              <a:rPr lang="ja-JP" altLang="en-US" dirty="0">
                 <a:latin typeface="HGｺﾞｼｯｸM" panose="020B0609000000000000" pitchFamily="49" charset="-128"/>
                 <a:ea typeface="HGｺﾞｼｯｸM" panose="020B0609000000000000" pitchFamily="49" charset="-128"/>
               </a:rPr>
-              <a:t>の機能</a:t>
-            </a:r>
-            <a:endParaRPr lang="en-US" altLang="ja-JP" dirty="0"/>
-          </a:p>
-          <a:p>
-            <a:pPr marL="0" indent="0">
-              <a:buNone/>
-            </a:pPr>
-            <a:r>
-              <a:rPr kumimoji="1" lang="ja-JP" altLang="en-US" dirty="0">
-                <a:latin typeface="HGｺﾞｼｯｸE" panose="020B0909000000000000" pitchFamily="49" charset="-128"/>
-                <a:ea typeface="HGｺﾞｼｯｸE" panose="020B0909000000000000" pitchFamily="49" charset="-128"/>
-              </a:rPr>
-              <a:t>苦労した点</a:t>
-            </a:r>
-            <a:endParaRPr kumimoji="1" lang="en-US" altLang="ja-JP" dirty="0">
-              <a:latin typeface="HGｺﾞｼｯｸE" panose="020B0909000000000000" pitchFamily="49" charset="-128"/>
-              <a:ea typeface="HGｺﾞｼｯｸE" panose="020B0909000000000000" pitchFamily="49" charset="-128"/>
-            </a:endParaRPr>
+              <a:t>、</a:t>
+            </a:r>
+            <a:r>
+              <a:rPr lang="en-US" altLang="ja-JP" dirty="0">
+                <a:latin typeface="HGｺﾞｼｯｸM" panose="020B0609000000000000" pitchFamily="49" charset="-128"/>
+                <a:ea typeface="HGｺﾞｼｯｸM" panose="020B0609000000000000" pitchFamily="49" charset="-128"/>
+              </a:rPr>
+              <a:t>CSS</a:t>
+            </a:r>
           </a:p>
           <a:p>
             <a:pPr>
@@ -9896,33 +11020,13 @@
               </a:buClr>
             </a:pPr>
             <a:r>
-              <a:rPr lang="en-US" altLang="ja-JP" dirty="0">
-                <a:latin typeface="HGｺﾞｼｯｸM" panose="020B0609000000000000" pitchFamily="49" charset="-128"/>
-                <a:ea typeface="HGｺﾞｼｯｸM" panose="020B0609000000000000" pitchFamily="49" charset="-128"/>
-              </a:rPr>
-              <a:t>JavaScript</a:t>
-            </a:r>
-            <a:r>
               <a:rPr lang="ja-JP" altLang="en-US" dirty="0">
                 <a:latin typeface="HGｺﾞｼｯｸM" panose="020B0609000000000000" pitchFamily="49" charset="-128"/>
                 <a:ea typeface="HGｺﾞｼｯｸM" panose="020B0609000000000000" pitchFamily="49" charset="-128"/>
               </a:rPr>
-              <a:t>の記述</a:t>
-            </a:r>
-            <a:br>
-              <a:rPr lang="en-US" altLang="ja-JP" dirty="0">
-                <a:latin typeface="HGｺﾞｼｯｸM" panose="020B0609000000000000" pitchFamily="49" charset="-128"/>
-                <a:ea typeface="HGｺﾞｼｯｸM" panose="020B0609000000000000" pitchFamily="49" charset="-128"/>
-              </a:rPr>
-            </a:br>
-            <a:r>
-              <a:rPr lang="ja-JP" altLang="en-US" dirty="0">
-                <a:latin typeface="HGｺﾞｼｯｸM" panose="020B0609000000000000" pitchFamily="49" charset="-128"/>
-                <a:ea typeface="HGｺﾞｼｯｸM" panose="020B0609000000000000" pitchFamily="49" charset="-128"/>
-              </a:rPr>
-              <a:t>→思った通りの動作にならなかった</a:t>
-            </a:r>
-            <a:endParaRPr kumimoji="1" lang="en-US" altLang="ja-JP" dirty="0">
+              <a:t>デザイン</a:t>
+            </a:r>
+            <a:endParaRPr lang="en-US" altLang="ja-JP" dirty="0">
               <a:latin typeface="HGｺﾞｼｯｸM" panose="020B0609000000000000" pitchFamily="49" charset="-128"/>
               <a:ea typeface="HGｺﾞｼｯｸM" panose="020B0609000000000000" pitchFamily="49" charset="-128"/>
             </a:endParaRPr>
@@ -9936,9 +11040,9 @@
                 <a:latin typeface="HGｺﾞｼｯｸE" panose="020B0909000000000000" pitchFamily="49" charset="-128"/>
                 <a:ea typeface="HGｺﾞｼｯｸE" panose="020B0909000000000000" pitchFamily="49" charset="-128"/>
               </a:rPr>
-              <a:t>成果</a:t>
-            </a:r>
-            <a:endParaRPr kumimoji="1" lang="en-US" altLang="ja-JP" dirty="0">
+              <a:t>苦労した点</a:t>
+            </a:r>
+            <a:endParaRPr lang="en-US" altLang="ja-JP" dirty="0">
               <a:latin typeface="HGｺﾞｼｯｸE" panose="020B0909000000000000" pitchFamily="49" charset="-128"/>
               <a:ea typeface="HGｺﾞｼｯｸE" panose="020B0909000000000000" pitchFamily="49" charset="-128"/>
             </a:endParaRPr>
@@ -9952,27 +11056,76 @@
               </a:buClr>
             </a:pPr>
             <a:r>
+              <a:rPr kumimoji="1" lang="ja-JP" altLang="en-US" dirty="0">
+                <a:latin typeface="HGｺﾞｼｯｸM" panose="020B0609000000000000" pitchFamily="49" charset="-128"/>
+                <a:ea typeface="HGｺﾞｼｯｸM" panose="020B0609000000000000" pitchFamily="49" charset="-128"/>
+              </a:rPr>
+              <a:t>デザイン設計と機能設計で分担作業をし</a:t>
+            </a:r>
+            <a:r>
+              <a:rPr lang="ja-JP" altLang="en-US" dirty="0">
+                <a:latin typeface="HGｺﾞｼｯｸM" panose="020B0609000000000000" pitchFamily="49" charset="-128"/>
+                <a:ea typeface="HGｺﾞｼｯｸM" panose="020B0609000000000000" pitchFamily="49" charset="-128"/>
+              </a:rPr>
+              <a:t>た後</a:t>
+            </a:r>
+            <a:br>
+              <a:rPr lang="en-US" altLang="ja-JP" dirty="0">
+                <a:latin typeface="HGｺﾞｼｯｸM" panose="020B0609000000000000" pitchFamily="49" charset="-128"/>
+                <a:ea typeface="HGｺﾞｼｯｸM" panose="020B0609000000000000" pitchFamily="49" charset="-128"/>
+              </a:rPr>
+            </a:br>
+            <a:r>
+              <a:rPr kumimoji="1" lang="ja-JP" altLang="en-US" dirty="0">
+                <a:latin typeface="HGｺﾞｼｯｸM" panose="020B0609000000000000" pitchFamily="49" charset="-128"/>
+                <a:ea typeface="HGｺﾞｼｯｸM" panose="020B0609000000000000" pitchFamily="49" charset="-128"/>
+              </a:rPr>
+              <a:t>結合させる作業。</a:t>
+            </a:r>
+            <a:endParaRPr kumimoji="1" lang="en-US" altLang="ja-JP" dirty="0">
+              <a:latin typeface="HGｺﾞｼｯｸM" panose="020B0609000000000000" pitchFamily="49" charset="-128"/>
+              <a:ea typeface="HGｺﾞｼｯｸM" panose="020B0609000000000000" pitchFamily="49" charset="-128"/>
+            </a:endParaRPr>
+          </a:p>
+          <a:p>
+            <a:pPr marL="0" indent="0">
+              <a:buNone/>
+            </a:pPr>
+            <a:r>
+              <a:rPr kumimoji="1" lang="ja-JP" altLang="en-US" dirty="0">
+                <a:latin typeface="HGｺﾞｼｯｸE" panose="020B0909000000000000" pitchFamily="49" charset="-128"/>
+                <a:ea typeface="HGｺﾞｼｯｸE" panose="020B0909000000000000" pitchFamily="49" charset="-128"/>
+              </a:rPr>
+              <a:t>成果</a:t>
+            </a:r>
+            <a:endParaRPr lang="en-US" altLang="ja-JP" dirty="0">
+              <a:latin typeface="HGｺﾞｼｯｸE" panose="020B0909000000000000" pitchFamily="49" charset="-128"/>
+              <a:ea typeface="HGｺﾞｼｯｸE" panose="020B0909000000000000" pitchFamily="49" charset="-128"/>
+            </a:endParaRPr>
+          </a:p>
+          <a:p>
+            <a:pPr>
+              <a:buClr>
+                <a:schemeClr val="accent2">
+                  <a:lumMod val="75000"/>
+                </a:schemeClr>
+              </a:buClr>
+            </a:pPr>
+            <a:r>
               <a:rPr kumimoji="1" lang="en-US" altLang="ja-JP" dirty="0">
                 <a:latin typeface="HGｺﾞｼｯｸM" panose="020B0609000000000000" pitchFamily="49" charset="-128"/>
                 <a:ea typeface="HGｺﾞｼｯｸM" panose="020B0609000000000000" pitchFamily="49" charset="-128"/>
               </a:rPr>
-              <a:t>JavaScr</a:t>
-            </a:r>
-            <a:r>
-              <a:rPr lang="en-US" altLang="ja-JP" dirty="0">
+              <a:t>CSS</a:t>
+            </a:r>
+            <a:r>
+              <a:rPr kumimoji="1" lang="ja-JP" altLang="en-US" dirty="0">
                 <a:latin typeface="HGｺﾞｼｯｸM" panose="020B0609000000000000" pitchFamily="49" charset="-128"/>
                 <a:ea typeface="HGｺﾞｼｯｸM" panose="020B0609000000000000" pitchFamily="49" charset="-128"/>
               </a:rPr>
-              <a:t>ipt</a:t>
-            </a:r>
-            <a:r>
-              <a:rPr lang="ja-JP" altLang="en-US" dirty="0">
-                <a:latin typeface="HGｺﾞｼｯｸM" panose="020B0609000000000000" pitchFamily="49" charset="-128"/>
-                <a:ea typeface="HGｺﾞｼｯｸM" panose="020B0609000000000000" pitchFamily="49" charset="-128"/>
-              </a:rPr>
-              <a:t>の記述方法について理解することができた</a:t>
-            </a:r>
-            <a:endParaRPr kumimoji="1" lang="ja-JP" altLang="en-US" dirty="0">
+              <a:t>の復習と応用。主にデザインスキルが身についた</a:t>
+            </a:r>
+            <a:endParaRPr kumimoji="1" lang="en-US" altLang="ja-JP" dirty="0">
               <a:latin typeface="HGｺﾞｼｯｸM" panose="020B0609000000000000" pitchFamily="49" charset="-128"/>
               <a:ea typeface="HGｺﾞｼｯｸM" panose="020B0609000000000000" pitchFamily="49" charset="-128"/>
             </a:endParaRPr>
@@ -10051,7 +11204,7 @@
                 <a:latin typeface="HGｺﾞｼｯｸE" panose="020B0909000000000000" pitchFamily="49" charset="-128"/>
                 <a:ea typeface="HGｺﾞｼｯｸE" panose="020B0909000000000000" pitchFamily="49" charset="-128"/>
               </a:rPr>
-              <a:t>松本 美空</a:t>
+              <a:t>古晒 悠誠</a:t>
             </a:r>
             <a:endParaRPr lang="en-US" altLang="ja-JP" sz="4400" dirty="0">
               <a:solidFill>
@@ -10062,47 +11215,40 @@
             </a:endParaRPr>
           </a:p>
           <a:p>
-            <a:pPr marL="0" marR="0" lvl="0" indent="0" algn="l" defTabSz="914400" rtl="0" eaLnBrk="1" fontAlgn="auto" latinLnBrk="0" hangingPunct="1">
-              <a:lnSpc>
-                <a:spcPct val="100000"/>
-              </a:lnSpc>
-              <a:spcBef>
-                <a:spcPts val="0"/>
-              </a:spcBef>
-              <a:spcAft>
-                <a:spcPts val="0"/>
-              </a:spcAft>
-              <a:buClrTx/>
-              <a:buSzTx/>
-              <a:buFontTx/>
-              <a:buNone/>
-              <a:tabLst/>
+            <a:pPr lvl="0">
               <a:defRPr/>
             </a:pPr>
             <a:r>
-              <a:rPr kumimoji="1" lang="ja-JP" altLang="en-US" sz="3600" b="0" i="0" u="none" strike="noStrike" kern="1200" cap="none" spc="0" normalizeH="0" baseline="0" noProof="0" dirty="0">
-                <a:ln>
-                  <a:noFill/>
-                </a:ln>
+              <a:rPr lang="ja-JP" altLang="en-US" sz="3600" dirty="0">
                 <a:solidFill>
                   <a:prstClr val="white"/>
                 </a:solidFill>
-                <a:effectLst/>
-                <a:uLnTx/>
-                <a:uFillTx/>
                 <a:latin typeface="HGｺﾞｼｯｸE" panose="020B0909000000000000" pitchFamily="49" charset="-128"/>
                 <a:ea typeface="HGｺﾞｼｯｸE" panose="020B0909000000000000" pitchFamily="49" charset="-128"/>
-                <a:cs typeface="+mn-cs"/>
-              </a:rPr>
-              <a:t>（エヌ・エス・ケイ株式会社）</a:t>
-            </a:r>
+              </a:rPr>
+              <a:t>（ネット・インフォメーション株式会社）</a:t>
+            </a:r>
+            <a:endParaRPr kumimoji="1" lang="ja-JP" altLang="en-US" sz="3600" b="0" i="0" u="none" strike="noStrike" kern="1200" cap="none" spc="0" normalizeH="0" baseline="0" noProof="0" dirty="0">
+              <a:ln>
+                <a:noFill/>
+              </a:ln>
+              <a:solidFill>
+                <a:prstClr val="white"/>
+              </a:solidFill>
+              <a:effectLst/>
+              <a:uLnTx/>
+              <a:uFillTx/>
+              <a:latin typeface="HGｺﾞｼｯｸE" panose="020B0909000000000000" pitchFamily="49" charset="-128"/>
+              <a:ea typeface="HGｺﾞｼｯｸE" panose="020B0909000000000000" pitchFamily="49" charset="-128"/>
+              <a:cs typeface="+mn-cs"/>
+            </a:endParaRPr>
           </a:p>
         </p:txBody>
       </p:sp>
     </p:spTree>
     <p:extLst>
       <p:ext uri="{BB962C8B-B14F-4D97-AF65-F5344CB8AC3E}">
-        <p14:creationId xmlns:p14="http://schemas.microsoft.com/office/powerpoint/2010/main" val="1466363362"/>
+        <p14:creationId xmlns:p14="http://schemas.microsoft.com/office/powerpoint/2010/main" val="35298653"/>
       </p:ext>
     </p:extLst>
   </p:cSld>
@@ -10152,7 +11298,9 @@
           </a:xfrm>
         </p:spPr>
         <p:txBody>
-          <a:bodyPr/>
+          <a:bodyPr>
+            <a:normAutofit/>
+          </a:bodyPr>
           <a:lstStyle/>
           <a:p>
             <a:pPr marL="0" indent="0">
@@ -10183,7 +11331,7 @@
                 <a:latin typeface="HGｺﾞｼｯｸM" panose="020B0609000000000000" pitchFamily="49" charset="-128"/>
                 <a:ea typeface="HGｺﾞｼｯｸM" panose="020B0609000000000000" pitchFamily="49" charset="-128"/>
               </a:rPr>
-              <a:t>発表担当</a:t>
+              <a:t>品質管理担当</a:t>
             </a:r>
             <a:endParaRPr kumimoji="1" lang="en-US" altLang="ja-JP" dirty="0">
               <a:latin typeface="HGｺﾞｼｯｸM" panose="020B0609000000000000" pitchFamily="49" charset="-128"/>
@@ -10203,37 +11351,16 @@
                 <a:latin typeface="HGｺﾞｼｯｸM" panose="020B0609000000000000" pitchFamily="49" charset="-128"/>
                 <a:ea typeface="HGｺﾞｼｯｸM" panose="020B0609000000000000" pitchFamily="49" charset="-128"/>
               </a:rPr>
-              <a:t>Servlet</a:t>
+              <a:t>DAO</a:t>
             </a:r>
             <a:r>
               <a:rPr kumimoji="1" lang="ja-JP" altLang="en-US" dirty="0">
                 <a:latin typeface="HGｺﾞｼｯｸM" panose="020B0609000000000000" pitchFamily="49" charset="-128"/>
                 <a:ea typeface="HGｺﾞｼｯｸM" panose="020B0609000000000000" pitchFamily="49" charset="-128"/>
               </a:rPr>
-              <a:t>、</a:t>
-            </a:r>
-            <a:r>
-              <a:rPr kumimoji="1" lang="en-US" altLang="ja-JP" dirty="0">
-                <a:latin typeface="HGｺﾞｼｯｸM" panose="020B0609000000000000" pitchFamily="49" charset="-128"/>
-                <a:ea typeface="HGｺﾞｼｯｸM" panose="020B0609000000000000" pitchFamily="49" charset="-128"/>
-              </a:rPr>
-              <a:t>JSP</a:t>
-            </a:r>
-            <a:r>
-              <a:rPr kumimoji="1" lang="ja-JP" altLang="en-US" dirty="0">
-                <a:latin typeface="HGｺﾞｼｯｸM" panose="020B0609000000000000" pitchFamily="49" charset="-128"/>
-                <a:ea typeface="HGｺﾞｼｯｸM" panose="020B0609000000000000" pitchFamily="49" charset="-128"/>
-              </a:rPr>
-              <a:t>、</a:t>
-            </a:r>
-            <a:r>
-              <a:rPr kumimoji="1" lang="en-US" altLang="ja-JP" dirty="0">
-                <a:latin typeface="HGｺﾞｼｯｸM" panose="020B0609000000000000" pitchFamily="49" charset="-128"/>
-                <a:ea typeface="HGｺﾞｼｯｸM" panose="020B0609000000000000" pitchFamily="49" charset="-128"/>
-              </a:rPr>
-              <a:t>CSS</a:t>
-            </a:r>
-            <a:endParaRPr lang="en-US" altLang="ja-JP" dirty="0">
+              <a:t>の作成</a:t>
+            </a:r>
+            <a:endParaRPr kumimoji="1" lang="en-US" altLang="ja-JP" dirty="0">
               <a:latin typeface="HGｺﾞｼｯｸM" panose="020B0609000000000000" pitchFamily="49" charset="-128"/>
               <a:ea typeface="HGｺﾞｼｯｸM" panose="020B0609000000000000" pitchFamily="49" charset="-128"/>
             </a:endParaRPr>
@@ -10247,11 +11374,18 @@
               </a:buClr>
             </a:pPr>
             <a:r>
-              <a:rPr lang="ja-JP" altLang="en-US" dirty="0">
+              <a:rPr kumimoji="1" lang="en-US" altLang="ja-JP" dirty="0">
                 <a:latin typeface="HGｺﾞｼｯｸM" panose="020B0609000000000000" pitchFamily="49" charset="-128"/>
                 <a:ea typeface="HGｺﾞｼｯｸM" panose="020B0609000000000000" pitchFamily="49" charset="-128"/>
               </a:rPr>
-              <a:t>デザイン</a:t>
+              <a:t>JavaScript</a:t>
+            </a:r>
+            <a:r>
+              <a:rPr kumimoji="1" lang="ja-JP" altLang="en-US" dirty="0">
+                <a:latin typeface="HGｺﾞｼｯｸM" panose="020B0609000000000000" pitchFamily="49" charset="-128"/>
+                <a:ea typeface="HGｺﾞｼｯｸM" panose="020B0609000000000000" pitchFamily="49" charset="-128"/>
+              </a:rPr>
+              <a:t>の機能</a:t>
             </a:r>
             <a:endParaRPr lang="en-US" altLang="ja-JP" dirty="0">
               <a:latin typeface="HGｺﾞｼｯｸM" panose="020B0609000000000000" pitchFamily="49" charset="-128"/>
@@ -10283,13 +11417,36 @@
               </a:buClr>
             </a:pPr>
             <a:r>
+              <a:rPr lang="en-US" altLang="ja-JP" dirty="0">
+                <a:latin typeface="HGｺﾞｼｯｸM" panose="020B0609000000000000" pitchFamily="49" charset="-128"/>
+                <a:ea typeface="HGｺﾞｼｯｸM" panose="020B0609000000000000" pitchFamily="49" charset="-128"/>
+              </a:rPr>
+              <a:t>JavaScript</a:t>
+            </a:r>
+            <a:r>
               <a:rPr lang="ja-JP" altLang="en-US" dirty="0">
                 <a:latin typeface="HGｺﾞｼｯｸM" panose="020B0609000000000000" pitchFamily="49" charset="-128"/>
                 <a:ea typeface="HGｺﾞｼｯｸM" panose="020B0609000000000000" pitchFamily="49" charset="-128"/>
               </a:rPr>
-              <a:t>意思疎通</a:t>
-            </a:r>
-            <a:endParaRPr kumimoji="1" lang="en-US" altLang="ja-JP" dirty="0"/>
+              <a:t>の記述</a:t>
+            </a:r>
+            <a:br>
+              <a:rPr lang="en-US" altLang="ja-JP" dirty="0">
+                <a:latin typeface="HGｺﾞｼｯｸM" panose="020B0609000000000000" pitchFamily="49" charset="-128"/>
+                <a:ea typeface="HGｺﾞｼｯｸM" panose="020B0609000000000000" pitchFamily="49" charset="-128"/>
+              </a:rPr>
+            </a:br>
+            <a:r>
+              <a:rPr lang="ja-JP" altLang="en-US" dirty="0">
+                <a:latin typeface="HGｺﾞｼｯｸM" panose="020B0609000000000000" pitchFamily="49" charset="-128"/>
+                <a:ea typeface="HGｺﾞｼｯｸM" panose="020B0609000000000000" pitchFamily="49" charset="-128"/>
+              </a:rPr>
+              <a:t>→思った通りの動作にならなかった</a:t>
+            </a:r>
+            <a:endParaRPr kumimoji="1" lang="en-US" altLang="ja-JP" dirty="0">
+              <a:latin typeface="HGｺﾞｼｯｸM" panose="020B0609000000000000" pitchFamily="49" charset="-128"/>
+              <a:ea typeface="HGｺﾞｼｯｸM" panose="020B0609000000000000" pitchFamily="49" charset="-128"/>
+            </a:endParaRPr>
           </a:p>
           <a:p>
             <a:pPr marL="0" indent="0">
@@ -10320,46 +11477,22 @@
                 <a:latin typeface="HGｺﾞｼｯｸM" panose="020B0609000000000000" pitchFamily="49" charset="-128"/>
                 <a:ea typeface="HGｺﾞｼｯｸM" panose="020B0609000000000000" pitchFamily="49" charset="-128"/>
               </a:rPr>
-              <a:t>Servlet</a:t>
-            </a:r>
-            <a:r>
-              <a:rPr kumimoji="1" lang="ja-JP" altLang="en-US" dirty="0">
+              <a:t>JavaScr</a:t>
+            </a:r>
+            <a:r>
+              <a:rPr lang="en-US" altLang="ja-JP" dirty="0">
                 <a:latin typeface="HGｺﾞｼｯｸM" panose="020B0609000000000000" pitchFamily="49" charset="-128"/>
                 <a:ea typeface="HGｺﾞｼｯｸM" panose="020B0609000000000000" pitchFamily="49" charset="-128"/>
               </a:rPr>
-              <a:t>の挙動が理解できた</a:t>
-            </a:r>
-            <a:endParaRPr kumimoji="1" lang="en-US" altLang="ja-JP" dirty="0">
-              <a:latin typeface="HGｺﾞｼｯｸM" panose="020B0609000000000000" pitchFamily="49" charset="-128"/>
-              <a:ea typeface="HGｺﾞｼｯｸM" panose="020B0609000000000000" pitchFamily="49" charset="-128"/>
-            </a:endParaRPr>
-          </a:p>
-          <a:p>
-            <a:pPr>
-              <a:buClr>
-                <a:schemeClr val="accent2">
-                  <a:lumMod val="75000"/>
-                </a:schemeClr>
-              </a:buClr>
-            </a:pPr>
+              <a:t>ipt</a:t>
+            </a:r>
             <a:r>
               <a:rPr lang="ja-JP" altLang="en-US" dirty="0">
                 <a:latin typeface="HGｺﾞｼｯｸM" panose="020B0609000000000000" pitchFamily="49" charset="-128"/>
                 <a:ea typeface="HGｺﾞｼｯｸM" panose="020B0609000000000000" pitchFamily="49" charset="-128"/>
               </a:rPr>
-              <a:t>伝わりやすい言い方を工夫した</a:t>
-            </a:r>
-            <a:endParaRPr kumimoji="1" lang="en-US" altLang="ja-JP" dirty="0">
-              <a:latin typeface="HGｺﾞｼｯｸM" panose="020B0609000000000000" pitchFamily="49" charset="-128"/>
-              <a:ea typeface="HGｺﾞｼｯｸM" panose="020B0609000000000000" pitchFamily="49" charset="-128"/>
-            </a:endParaRPr>
-          </a:p>
-          <a:p>
-            <a:pPr>
-              <a:buClr>
-                <a:srgbClr val="FFA333"/>
-              </a:buClr>
-            </a:pPr>
+              <a:t>の記述方法について理解することができた</a:t>
+            </a:r>
             <a:endParaRPr kumimoji="1" lang="ja-JP" altLang="en-US" dirty="0">
               <a:latin typeface="HGｺﾞｼｯｸM" panose="020B0609000000000000" pitchFamily="49" charset="-128"/>
               <a:ea typeface="HGｺﾞｼｯｸM" panose="020B0609000000000000" pitchFamily="49" charset="-128"/>
@@ -10439,6 +11572,394 @@
                 <a:latin typeface="HGｺﾞｼｯｸE" panose="020B0909000000000000" pitchFamily="49" charset="-128"/>
                 <a:ea typeface="HGｺﾞｼｯｸE" panose="020B0909000000000000" pitchFamily="49" charset="-128"/>
               </a:rPr>
+              <a:t>松本 美空</a:t>
+            </a:r>
+            <a:endParaRPr lang="en-US" altLang="ja-JP" sz="4400" dirty="0">
+              <a:solidFill>
+                <a:prstClr val="white"/>
+              </a:solidFill>
+              <a:latin typeface="HGｺﾞｼｯｸE" panose="020B0909000000000000" pitchFamily="49" charset="-128"/>
+              <a:ea typeface="HGｺﾞｼｯｸE" panose="020B0909000000000000" pitchFamily="49" charset="-128"/>
+            </a:endParaRPr>
+          </a:p>
+          <a:p>
+            <a:pPr marL="0" marR="0" lvl="0" indent="0" algn="l" defTabSz="914400" rtl="0" eaLnBrk="1" fontAlgn="auto" latinLnBrk="0" hangingPunct="1">
+              <a:lnSpc>
+                <a:spcPct val="100000"/>
+              </a:lnSpc>
+              <a:spcBef>
+                <a:spcPts val="0"/>
+              </a:spcBef>
+              <a:spcAft>
+                <a:spcPts val="0"/>
+              </a:spcAft>
+              <a:buClrTx/>
+              <a:buSzTx/>
+              <a:buFontTx/>
+              <a:buNone/>
+              <a:tabLst/>
+              <a:defRPr/>
+            </a:pPr>
+            <a:r>
+              <a:rPr kumimoji="1" lang="ja-JP" altLang="en-US" sz="3600" b="0" i="0" u="none" strike="noStrike" kern="1200" cap="none" spc="0" normalizeH="0" baseline="0" noProof="0" dirty="0">
+                <a:ln>
+                  <a:noFill/>
+                </a:ln>
+                <a:solidFill>
+                  <a:prstClr val="white"/>
+                </a:solidFill>
+                <a:effectLst/>
+                <a:uLnTx/>
+                <a:uFillTx/>
+                <a:latin typeface="HGｺﾞｼｯｸE" panose="020B0909000000000000" pitchFamily="49" charset="-128"/>
+                <a:ea typeface="HGｺﾞｼｯｸE" panose="020B0909000000000000" pitchFamily="49" charset="-128"/>
+                <a:cs typeface="+mn-cs"/>
+              </a:rPr>
+              <a:t>（エヌ・エス・ケイ株式会社）</a:t>
+            </a:r>
+          </a:p>
+        </p:txBody>
+      </p:sp>
+    </p:spTree>
+    <p:extLst>
+      <p:ext uri="{BB962C8B-B14F-4D97-AF65-F5344CB8AC3E}">
+        <p14:creationId xmlns:p14="http://schemas.microsoft.com/office/powerpoint/2010/main" val="1466363362"/>
+      </p:ext>
+    </p:extLst>
+  </p:cSld>
+  <p:clrMapOvr>
+    <a:masterClrMapping/>
+  </p:clrMapOvr>
+</p:sld>
+</file>
+
+<file path=ppt/slides/slide23.xml><?xml version="1.0" encoding="utf-8"?>
+<p:sld xmlns:a="http://schemas.openxmlformats.org/drawingml/2006/main" xmlns:r="http://schemas.openxmlformats.org/officeDocument/2006/relationships" xmlns:p="http://schemas.openxmlformats.org/presentationml/2006/main">
+  <p:cSld>
+    <p:spTree>
+      <p:nvGrpSpPr>
+        <p:cNvPr id="1" name=""/>
+        <p:cNvGrpSpPr/>
+        <p:nvPr/>
+      </p:nvGrpSpPr>
+      <p:grpSpPr>
+        <a:xfrm>
+          <a:off x="0" y="0"/>
+          <a:ext cx="0" cy="0"/>
+          <a:chOff x="0" y="0"/>
+          <a:chExt cx="0" cy="0"/>
+        </a:xfrm>
+      </p:grpSpPr>
+      <p:sp>
+        <p:nvSpPr>
+          <p:cNvPr id="3" name="コンテンツ プレースホルダー 2">
+            <a:extLst>
+              <a:ext uri="{FF2B5EF4-FFF2-40B4-BE49-F238E27FC236}">
+                <a16:creationId xmlns:a16="http://schemas.microsoft.com/office/drawing/2014/main" id="{CC96BA86-5DEC-0C8A-0D37-9901BCB94BED}"/>
+              </a:ext>
+            </a:extLst>
+          </p:cNvPr>
+          <p:cNvSpPr>
+            <a:spLocks noGrp="1"/>
+          </p:cNvSpPr>
+          <p:nvPr>
+            <p:ph idx="1"/>
+          </p:nvPr>
+        </p:nvSpPr>
+        <p:spPr>
+          <a:xfrm>
+            <a:off x="838200" y="1825625"/>
+            <a:ext cx="10515600" cy="4836432"/>
+          </a:xfrm>
+        </p:spPr>
+        <p:txBody>
+          <a:bodyPr/>
+          <a:lstStyle/>
+          <a:p>
+            <a:pPr marL="0" indent="0">
+              <a:buNone/>
+            </a:pPr>
+            <a:r>
+              <a:rPr kumimoji="1" lang="ja-JP" altLang="en-US" dirty="0">
+                <a:latin typeface="HGｺﾞｼｯｸE" panose="020B0909000000000000" pitchFamily="49" charset="-128"/>
+                <a:ea typeface="HGｺﾞｼｯｸE" panose="020B0909000000000000" pitchFamily="49" charset="-128"/>
+              </a:rPr>
+              <a:t>担当</a:t>
+            </a:r>
+            <a:endParaRPr kumimoji="1" lang="en-US" altLang="ja-JP" dirty="0">
+              <a:latin typeface="HGｺﾞｼｯｸE" panose="020B0909000000000000" pitchFamily="49" charset="-128"/>
+              <a:ea typeface="HGｺﾞｼｯｸE" panose="020B0909000000000000" pitchFamily="49" charset="-128"/>
+            </a:endParaRPr>
+          </a:p>
+          <a:p>
+            <a:pPr>
+              <a:buClr>
+                <a:schemeClr val="accent2">
+                  <a:lumMod val="75000"/>
+                </a:schemeClr>
+              </a:buClr>
+            </a:pPr>
+            <a:r>
+              <a:rPr kumimoji="1" lang="ja-JP" altLang="en-US" dirty="0">
+                <a:latin typeface="HGｺﾞｼｯｸM" panose="020B0609000000000000" pitchFamily="49" charset="-128"/>
+                <a:ea typeface="HGｺﾞｼｯｸM" panose="020B0609000000000000" pitchFamily="49" charset="-128"/>
+              </a:rPr>
+              <a:t>発表担当</a:t>
+            </a:r>
+            <a:endParaRPr kumimoji="1" lang="en-US" altLang="ja-JP" dirty="0">
+              <a:latin typeface="HGｺﾞｼｯｸM" panose="020B0609000000000000" pitchFamily="49" charset="-128"/>
+              <a:ea typeface="HGｺﾞｼｯｸM" panose="020B0609000000000000" pitchFamily="49" charset="-128"/>
+            </a:endParaRPr>
+          </a:p>
+          <a:p>
+            <a:pPr>
+              <a:buClr>
+                <a:schemeClr val="accent2">
+                  <a:lumMod val="75000"/>
+                </a:schemeClr>
+              </a:buClr>
+            </a:pPr>
+            <a:r>
+              <a:rPr kumimoji="1" lang="en-US" altLang="ja-JP" dirty="0">
+                <a:latin typeface="HGｺﾞｼｯｸM" panose="020B0609000000000000" pitchFamily="49" charset="-128"/>
+                <a:ea typeface="HGｺﾞｼｯｸM" panose="020B0609000000000000" pitchFamily="49" charset="-128"/>
+              </a:rPr>
+              <a:t>Servlet</a:t>
+            </a:r>
+            <a:r>
+              <a:rPr kumimoji="1" lang="ja-JP" altLang="en-US" dirty="0">
+                <a:latin typeface="HGｺﾞｼｯｸM" panose="020B0609000000000000" pitchFamily="49" charset="-128"/>
+                <a:ea typeface="HGｺﾞｼｯｸM" panose="020B0609000000000000" pitchFamily="49" charset="-128"/>
+              </a:rPr>
+              <a:t>、</a:t>
+            </a:r>
+            <a:r>
+              <a:rPr kumimoji="1" lang="en-US" altLang="ja-JP" dirty="0">
+                <a:latin typeface="HGｺﾞｼｯｸM" panose="020B0609000000000000" pitchFamily="49" charset="-128"/>
+                <a:ea typeface="HGｺﾞｼｯｸM" panose="020B0609000000000000" pitchFamily="49" charset="-128"/>
+              </a:rPr>
+              <a:t>JSP</a:t>
+            </a:r>
+            <a:r>
+              <a:rPr kumimoji="1" lang="ja-JP" altLang="en-US" dirty="0">
+                <a:latin typeface="HGｺﾞｼｯｸM" panose="020B0609000000000000" pitchFamily="49" charset="-128"/>
+                <a:ea typeface="HGｺﾞｼｯｸM" panose="020B0609000000000000" pitchFamily="49" charset="-128"/>
+              </a:rPr>
+              <a:t>、</a:t>
+            </a:r>
+            <a:r>
+              <a:rPr kumimoji="1" lang="en-US" altLang="ja-JP" dirty="0">
+                <a:latin typeface="HGｺﾞｼｯｸM" panose="020B0609000000000000" pitchFamily="49" charset="-128"/>
+                <a:ea typeface="HGｺﾞｼｯｸM" panose="020B0609000000000000" pitchFamily="49" charset="-128"/>
+              </a:rPr>
+              <a:t>CSS</a:t>
+            </a:r>
+            <a:endParaRPr lang="en-US" altLang="ja-JP" dirty="0">
+              <a:latin typeface="HGｺﾞｼｯｸM" panose="020B0609000000000000" pitchFamily="49" charset="-128"/>
+              <a:ea typeface="HGｺﾞｼｯｸM" panose="020B0609000000000000" pitchFamily="49" charset="-128"/>
+            </a:endParaRPr>
+          </a:p>
+          <a:p>
+            <a:pPr>
+              <a:buClr>
+                <a:schemeClr val="accent2">
+                  <a:lumMod val="75000"/>
+                </a:schemeClr>
+              </a:buClr>
+            </a:pPr>
+            <a:r>
+              <a:rPr lang="ja-JP" altLang="en-US" dirty="0">
+                <a:latin typeface="HGｺﾞｼｯｸM" panose="020B0609000000000000" pitchFamily="49" charset="-128"/>
+                <a:ea typeface="HGｺﾞｼｯｸM" panose="020B0609000000000000" pitchFamily="49" charset="-128"/>
+              </a:rPr>
+              <a:t>デザイン</a:t>
+            </a:r>
+            <a:endParaRPr lang="en-US" altLang="ja-JP" dirty="0">
+              <a:latin typeface="HGｺﾞｼｯｸM" panose="020B0609000000000000" pitchFamily="49" charset="-128"/>
+              <a:ea typeface="HGｺﾞｼｯｸM" panose="020B0609000000000000" pitchFamily="49" charset="-128"/>
+            </a:endParaRPr>
+          </a:p>
+          <a:p>
+            <a:pPr marL="0" indent="0">
+              <a:buNone/>
+            </a:pPr>
+            <a:r>
+              <a:rPr kumimoji="1" lang="ja-JP" altLang="en-US" dirty="0">
+                <a:latin typeface="HGｺﾞｼｯｸE" panose="020B0909000000000000" pitchFamily="49" charset="-128"/>
+                <a:ea typeface="HGｺﾞｼｯｸE" panose="020B0909000000000000" pitchFamily="49" charset="-128"/>
+              </a:rPr>
+              <a:t>苦労した点</a:t>
+            </a:r>
+            <a:endParaRPr kumimoji="1" lang="en-US" altLang="ja-JP" dirty="0">
+              <a:latin typeface="HGｺﾞｼｯｸE" panose="020B0909000000000000" pitchFamily="49" charset="-128"/>
+              <a:ea typeface="HGｺﾞｼｯｸE" panose="020B0909000000000000" pitchFamily="49" charset="-128"/>
+            </a:endParaRPr>
+          </a:p>
+          <a:p>
+            <a:pPr>
+              <a:buClr>
+                <a:schemeClr val="accent2">
+                  <a:lumMod val="75000"/>
+                </a:schemeClr>
+              </a:buClr>
+            </a:pPr>
+            <a:r>
+              <a:rPr lang="ja-JP" altLang="en-US" dirty="0">
+                <a:latin typeface="HGｺﾞｼｯｸM" panose="020B0609000000000000" pitchFamily="49" charset="-128"/>
+                <a:ea typeface="HGｺﾞｼｯｸM" panose="020B0609000000000000" pitchFamily="49" charset="-128"/>
+              </a:rPr>
+              <a:t>意思疎通</a:t>
+            </a:r>
+            <a:endParaRPr kumimoji="1" lang="en-US" altLang="ja-JP" dirty="0"/>
+          </a:p>
+          <a:p>
+            <a:pPr marL="0" indent="0">
+              <a:buNone/>
+            </a:pPr>
+            <a:r>
+              <a:rPr kumimoji="1" lang="ja-JP" altLang="en-US" dirty="0">
+                <a:latin typeface="HGｺﾞｼｯｸE" panose="020B0909000000000000" pitchFamily="49" charset="-128"/>
+                <a:ea typeface="HGｺﾞｼｯｸE" panose="020B0909000000000000" pitchFamily="49" charset="-128"/>
+              </a:rPr>
+              <a:t>成果</a:t>
+            </a:r>
+            <a:endParaRPr kumimoji="1" lang="en-US" altLang="ja-JP" dirty="0">
+              <a:latin typeface="HGｺﾞｼｯｸE" panose="020B0909000000000000" pitchFamily="49" charset="-128"/>
+              <a:ea typeface="HGｺﾞｼｯｸE" panose="020B0909000000000000" pitchFamily="49" charset="-128"/>
+            </a:endParaRPr>
+          </a:p>
+          <a:p>
+            <a:pPr>
+              <a:buClr>
+                <a:schemeClr val="accent2">
+                  <a:lumMod val="75000"/>
+                </a:schemeClr>
+              </a:buClr>
+            </a:pPr>
+            <a:r>
+              <a:rPr kumimoji="1" lang="en-US" altLang="ja-JP" dirty="0">
+                <a:latin typeface="HGｺﾞｼｯｸM" panose="020B0609000000000000" pitchFamily="49" charset="-128"/>
+                <a:ea typeface="HGｺﾞｼｯｸM" panose="020B0609000000000000" pitchFamily="49" charset="-128"/>
+              </a:rPr>
+              <a:t>Servlet</a:t>
+            </a:r>
+            <a:r>
+              <a:rPr kumimoji="1" lang="ja-JP" altLang="en-US" dirty="0">
+                <a:latin typeface="HGｺﾞｼｯｸM" panose="020B0609000000000000" pitchFamily="49" charset="-128"/>
+                <a:ea typeface="HGｺﾞｼｯｸM" panose="020B0609000000000000" pitchFamily="49" charset="-128"/>
+              </a:rPr>
+              <a:t>の挙動が理解できた</a:t>
+            </a:r>
+            <a:endParaRPr kumimoji="1" lang="en-US" altLang="ja-JP" dirty="0">
+              <a:latin typeface="HGｺﾞｼｯｸM" panose="020B0609000000000000" pitchFamily="49" charset="-128"/>
+              <a:ea typeface="HGｺﾞｼｯｸM" panose="020B0609000000000000" pitchFamily="49" charset="-128"/>
+            </a:endParaRPr>
+          </a:p>
+          <a:p>
+            <a:pPr>
+              <a:buClr>
+                <a:schemeClr val="accent2">
+                  <a:lumMod val="75000"/>
+                </a:schemeClr>
+              </a:buClr>
+            </a:pPr>
+            <a:r>
+              <a:rPr lang="ja-JP" altLang="en-US" dirty="0">
+                <a:latin typeface="HGｺﾞｼｯｸM" panose="020B0609000000000000" pitchFamily="49" charset="-128"/>
+                <a:ea typeface="HGｺﾞｼｯｸM" panose="020B0609000000000000" pitchFamily="49" charset="-128"/>
+              </a:rPr>
+              <a:t>伝わりやすい言い方を工夫した</a:t>
+            </a:r>
+            <a:endParaRPr kumimoji="1" lang="en-US" altLang="ja-JP" dirty="0">
+              <a:latin typeface="HGｺﾞｼｯｸM" panose="020B0609000000000000" pitchFamily="49" charset="-128"/>
+              <a:ea typeface="HGｺﾞｼｯｸM" panose="020B0609000000000000" pitchFamily="49" charset="-128"/>
+            </a:endParaRPr>
+          </a:p>
+          <a:p>
+            <a:pPr>
+              <a:buClr>
+                <a:srgbClr val="FFA333"/>
+              </a:buClr>
+            </a:pPr>
+            <a:endParaRPr kumimoji="1" lang="ja-JP" altLang="en-US" dirty="0">
+              <a:latin typeface="HGｺﾞｼｯｸM" panose="020B0609000000000000" pitchFamily="49" charset="-128"/>
+              <a:ea typeface="HGｺﾞｼｯｸM" panose="020B0609000000000000" pitchFamily="49" charset="-128"/>
+            </a:endParaRPr>
+          </a:p>
+        </p:txBody>
+      </p:sp>
+      <p:sp>
+        <p:nvSpPr>
+          <p:cNvPr id="4" name="四角形: 角を丸くする 3">
+            <a:extLst>
+              <a:ext uri="{FF2B5EF4-FFF2-40B4-BE49-F238E27FC236}">
+                <a16:creationId xmlns:a16="http://schemas.microsoft.com/office/drawing/2014/main" id="{AF247C9C-C3E7-2294-3EBC-27311E4FB740}"/>
+              </a:ext>
+            </a:extLst>
+          </p:cNvPr>
+          <p:cNvSpPr/>
+          <p:nvPr/>
+        </p:nvSpPr>
+        <p:spPr>
+          <a:xfrm>
+            <a:off x="838200" y="325367"/>
+            <a:ext cx="10515600" cy="1325563"/>
+          </a:xfrm>
+          <a:prstGeom prst="roundRect">
+            <a:avLst/>
+          </a:prstGeom>
+          <a:solidFill>
+            <a:srgbClr val="FFA333"/>
+          </a:solidFill>
+          <a:ln w="38100">
+            <a:noFill/>
+          </a:ln>
+        </p:spPr>
+        <p:style>
+          <a:lnRef idx="2">
+            <a:schemeClr val="accent1">
+              <a:shade val="50000"/>
+            </a:schemeClr>
+          </a:lnRef>
+          <a:fillRef idx="1">
+            <a:schemeClr val="accent1"/>
+          </a:fillRef>
+          <a:effectRef idx="0">
+            <a:schemeClr val="accent1"/>
+          </a:effectRef>
+          <a:fontRef idx="minor">
+            <a:schemeClr val="lt1"/>
+          </a:fontRef>
+        </p:style>
+        <p:txBody>
+          <a:bodyPr rtlCol="0" anchor="ctr"/>
+          <a:lstStyle/>
+          <a:p>
+            <a:pPr marL="0" marR="0" lvl="0" indent="0" algn="l" defTabSz="914400" rtl="0" eaLnBrk="1" fontAlgn="auto" latinLnBrk="0" hangingPunct="1">
+              <a:lnSpc>
+                <a:spcPct val="100000"/>
+              </a:lnSpc>
+              <a:spcBef>
+                <a:spcPts val="0"/>
+              </a:spcBef>
+              <a:spcAft>
+                <a:spcPts val="0"/>
+              </a:spcAft>
+              <a:buClrTx/>
+              <a:buSzTx/>
+              <a:buFontTx/>
+              <a:buNone/>
+              <a:tabLst/>
+              <a:defRPr/>
+            </a:pPr>
+            <a:r>
+              <a:rPr lang="ja-JP" altLang="en-US" sz="4400" dirty="0">
+                <a:solidFill>
+                  <a:prstClr val="white"/>
+                </a:solidFill>
+                <a:latin typeface="HGｺﾞｼｯｸE" panose="020B0909000000000000" pitchFamily="49" charset="-128"/>
+                <a:ea typeface="HGｺﾞｼｯｸE" panose="020B0909000000000000" pitchFamily="49" charset="-128"/>
+              </a:rPr>
               <a:t>内田 歩輝</a:t>
             </a:r>
             <a:endParaRPr lang="en-US" altLang="ja-JP" sz="4400" dirty="0">
@@ -10513,7 +12034,7 @@
 </p:sld>
 </file>
 
-<file path=ppt/slides/slide23.xml><?xml version="1.0" encoding="utf-8"?>
+<file path=ppt/slides/slide24.xml><?xml version="1.0" encoding="utf-8"?>
 <p:sld xmlns:a="http://schemas.openxmlformats.org/drawingml/2006/main" xmlns:r="http://schemas.openxmlformats.org/officeDocument/2006/relationships" xmlns:p="http://schemas.openxmlformats.org/presentationml/2006/main">
   <p:cSld>
     <p:spTree>
@@ -10616,7 +12137,7 @@
 </p:sld>
 </file>
 
-<file path=ppt/slides/slide24.xml><?xml version="1.0" encoding="utf-8"?>
+<file path=ppt/slides/slide25.xml><?xml version="1.0" encoding="utf-8"?>
 <p:sld xmlns:a="http://schemas.openxmlformats.org/drawingml/2006/main" xmlns:r="http://schemas.openxmlformats.org/officeDocument/2006/relationships" xmlns:p="http://schemas.openxmlformats.org/presentationml/2006/main">
   <p:cSld>
     <p:spTree>
@@ -10694,65 +12215,113 @@
               <a:buNone/>
             </a:pPr>
             <a:r>
-              <a:rPr kumimoji="1" lang="ja-JP" altLang="en-US" dirty="0"/>
+              <a:rPr kumimoji="1" lang="ja-JP" altLang="en-US" dirty="0">
+                <a:latin typeface="HGｺﾞｼｯｸM" panose="020B0609000000000000" pitchFamily="49" charset="-128"/>
+                <a:ea typeface="HGｺﾞｼｯｸM" panose="020B0609000000000000" pitchFamily="49" charset="-128"/>
+              </a:rPr>
               <a:t>本アプリの作成にあたって、</a:t>
             </a:r>
             <a:r>
-              <a:rPr lang="ja-JP" altLang="en-US" dirty="0"/>
+              <a:rPr lang="ja-JP" altLang="en-US" dirty="0">
+                <a:latin typeface="HGｺﾞｼｯｸM" panose="020B0609000000000000" pitchFamily="49" charset="-128"/>
+                <a:ea typeface="HGｺﾞｼｯｸM" panose="020B0609000000000000" pitchFamily="49" charset="-128"/>
+              </a:rPr>
               <a:t>指導していただいた</a:t>
             </a:r>
             <a:br>
-              <a:rPr lang="en-US" altLang="ja-JP" dirty="0"/>
+              <a:rPr lang="en-US" altLang="ja-JP" dirty="0">
+                <a:latin typeface="HGｺﾞｼｯｸM" panose="020B0609000000000000" pitchFamily="49" charset="-128"/>
+                <a:ea typeface="HGｺﾞｼｯｸM" panose="020B0609000000000000" pitchFamily="49" charset="-128"/>
+              </a:rPr>
             </a:br>
             <a:r>
-              <a:rPr lang="ja-JP" altLang="en-US" dirty="0"/>
+              <a:rPr lang="ja-JP" altLang="en-US" dirty="0">
+                <a:latin typeface="HGｺﾞｼｯｸM" panose="020B0609000000000000" pitchFamily="49" charset="-128"/>
+                <a:ea typeface="HGｺﾞｼｯｸM" panose="020B0609000000000000" pitchFamily="49" charset="-128"/>
+              </a:rPr>
               <a:t>ウェビナー講師の冨原講師、</a:t>
             </a:r>
             <a:r>
-              <a:rPr lang="en-US" altLang="ja-JP" dirty="0"/>
+              <a:rPr lang="en-US" altLang="ja-JP" dirty="0">
+                <a:latin typeface="HGｺﾞｼｯｸM" panose="020B0609000000000000" pitchFamily="49" charset="-128"/>
+                <a:ea typeface="HGｺﾞｼｯｸM" panose="020B0609000000000000" pitchFamily="49" charset="-128"/>
+              </a:rPr>
               <a:t>F</a:t>
             </a:r>
             <a:r>
-              <a:rPr lang="ja-JP" altLang="en-US" dirty="0"/>
+              <a:rPr lang="ja-JP" altLang="en-US" dirty="0">
+                <a:latin typeface="HGｺﾞｼｯｸM" panose="020B0609000000000000" pitchFamily="49" charset="-128"/>
+                <a:ea typeface="HGｺﾞｼｯｸM" panose="020B0609000000000000" pitchFamily="49" charset="-128"/>
+              </a:rPr>
               <a:t>クラス講師の一戸講師に</a:t>
             </a:r>
             <a:br>
-              <a:rPr lang="en-US" altLang="ja-JP" dirty="0"/>
+              <a:rPr lang="en-US" altLang="ja-JP" dirty="0">
+                <a:latin typeface="HGｺﾞｼｯｸM" panose="020B0609000000000000" pitchFamily="49" charset="-128"/>
+                <a:ea typeface="HGｺﾞｼｯｸM" panose="020B0609000000000000" pitchFamily="49" charset="-128"/>
+              </a:rPr>
             </a:br>
             <a:r>
-              <a:rPr lang="ja-JP" altLang="en-US" dirty="0"/>
+              <a:rPr lang="ja-JP" altLang="en-US" dirty="0">
+                <a:latin typeface="HGｺﾞｼｯｸM" panose="020B0609000000000000" pitchFamily="49" charset="-128"/>
+                <a:ea typeface="HGｺﾞｼｯｸM" panose="020B0609000000000000" pitchFamily="49" charset="-128"/>
+              </a:rPr>
               <a:t>心から感謝申し上げます。</a:t>
             </a:r>
-            <a:endParaRPr lang="en-US" altLang="ja-JP" dirty="0"/>
+            <a:endParaRPr lang="en-US" altLang="ja-JP" dirty="0">
+              <a:latin typeface="HGｺﾞｼｯｸM" panose="020B0609000000000000" pitchFamily="49" charset="-128"/>
+              <a:ea typeface="HGｺﾞｼｯｸM" panose="020B0609000000000000" pitchFamily="49" charset="-128"/>
+            </a:endParaRPr>
           </a:p>
           <a:p>
             <a:pPr marL="0" indent="0">
               <a:buNone/>
             </a:pPr>
             <a:r>
-              <a:rPr kumimoji="1" lang="ja-JP" altLang="en-US" dirty="0"/>
+              <a:rPr kumimoji="1" lang="ja-JP" altLang="en-US" dirty="0">
+                <a:latin typeface="HGｺﾞｼｯｸM" panose="020B0609000000000000" pitchFamily="49" charset="-128"/>
+                <a:ea typeface="HGｺﾞｼｯｸM" panose="020B0609000000000000" pitchFamily="49" charset="-128"/>
+              </a:rPr>
               <a:t>また、この研修に参加する機会を与えてくださった、</a:t>
             </a:r>
             <a:br>
-              <a:rPr kumimoji="1" lang="en-US" altLang="ja-JP" dirty="0"/>
+              <a:rPr kumimoji="1" lang="en-US" altLang="ja-JP" dirty="0">
+                <a:latin typeface="HGｺﾞｼｯｸM" panose="020B0609000000000000" pitchFamily="49" charset="-128"/>
+                <a:ea typeface="HGｺﾞｼｯｸM" panose="020B0609000000000000" pitchFamily="49" charset="-128"/>
+              </a:rPr>
             </a:br>
             <a:r>
-              <a:rPr kumimoji="1" lang="ja-JP" altLang="en-US" dirty="0"/>
+              <a:rPr kumimoji="1" lang="ja-JP" altLang="en-US" dirty="0">
+                <a:latin typeface="HGｺﾞｼｯｸM" panose="020B0609000000000000" pitchFamily="49" charset="-128"/>
+                <a:ea typeface="HGｺﾞｼｯｸM" panose="020B0609000000000000" pitchFamily="49" charset="-128"/>
+              </a:rPr>
               <a:t>株式会社</a:t>
             </a:r>
             <a:r>
-              <a:rPr kumimoji="1" lang="en-US" altLang="ja-JP" dirty="0"/>
+              <a:rPr kumimoji="1" lang="en-US" altLang="ja-JP" dirty="0">
+                <a:latin typeface="HGｺﾞｼｯｸM" panose="020B0609000000000000" pitchFamily="49" charset="-128"/>
+                <a:ea typeface="HGｺﾞｼｯｸM" panose="020B0609000000000000" pitchFamily="49" charset="-128"/>
+              </a:rPr>
               <a:t>SE</a:t>
             </a:r>
             <a:r>
-              <a:rPr kumimoji="1" lang="ja-JP" altLang="en-US" dirty="0"/>
+              <a:rPr kumimoji="1" lang="ja-JP" altLang="en-US" dirty="0">
+                <a:latin typeface="HGｺﾞｼｯｸM" panose="020B0609000000000000" pitchFamily="49" charset="-128"/>
+                <a:ea typeface="HGｺﾞｼｯｸM" panose="020B0609000000000000" pitchFamily="49" charset="-128"/>
+              </a:rPr>
               <a:t>プラスの皆様、所属企業の皆様に</a:t>
             </a:r>
             <a:br>
-              <a:rPr kumimoji="1" lang="en-US" altLang="ja-JP" dirty="0"/>
+              <a:rPr kumimoji="1" lang="en-US" altLang="ja-JP" dirty="0">
+                <a:latin typeface="HGｺﾞｼｯｸM" panose="020B0609000000000000" pitchFamily="49" charset="-128"/>
+                <a:ea typeface="HGｺﾞｼｯｸM" panose="020B0609000000000000" pitchFamily="49" charset="-128"/>
+              </a:rPr>
             </a:br>
             <a:r>
-              <a:rPr kumimoji="1" lang="ja-JP" altLang="en-US" dirty="0"/>
+              <a:rPr kumimoji="1" lang="ja-JP" altLang="en-US" dirty="0">
+                <a:latin typeface="HGｺﾞｼｯｸM" panose="020B0609000000000000" pitchFamily="49" charset="-128"/>
+                <a:ea typeface="HGｺﾞｼｯｸM" panose="020B0609000000000000" pitchFamily="49" charset="-128"/>
+              </a:rPr>
               <a:t>厚く御礼申し上げます。</a:t>
             </a:r>
           </a:p>
@@ -10922,186 +12491,7 @@
                 <a:latin typeface="HGS創英角ｺﾞｼｯｸUB" panose="020B0900000000000000" pitchFamily="50" charset="-128"/>
                 <a:ea typeface="HGS創英角ｺﾞｼｯｸUB" panose="020B0900000000000000" pitchFamily="50" charset="-128"/>
               </a:rPr>
-              <a:t>背景・目的</a:t>
-            </a:r>
-          </a:p>
-        </p:txBody>
-      </p:sp>
-      <p:sp>
-        <p:nvSpPr>
-          <p:cNvPr id="17" name="四角形: 角を丸くする 16">
-            <a:extLst>
-              <a:ext uri="{FF2B5EF4-FFF2-40B4-BE49-F238E27FC236}">
-                <a16:creationId xmlns:a16="http://schemas.microsoft.com/office/drawing/2014/main" id="{367940D2-0FA1-F2D4-7355-8D257A807AF7}"/>
-              </a:ext>
-            </a:extLst>
-          </p:cNvPr>
-          <p:cNvSpPr/>
-          <p:nvPr/>
-        </p:nvSpPr>
-        <p:spPr>
-          <a:xfrm>
-            <a:off x="838200" y="4471613"/>
-            <a:ext cx="10515600" cy="713163"/>
-          </a:xfrm>
-          <a:prstGeom prst="roundRect">
-            <a:avLst/>
-          </a:prstGeom>
-          <a:solidFill>
-            <a:srgbClr val="FFA333"/>
-          </a:solidFill>
-          <a:ln w="38100">
-            <a:noFill/>
-          </a:ln>
-        </p:spPr>
-        <p:style>
-          <a:lnRef idx="2">
-            <a:schemeClr val="accent1">
-              <a:shade val="50000"/>
-            </a:schemeClr>
-          </a:lnRef>
-          <a:fillRef idx="1">
-            <a:schemeClr val="accent1"/>
-          </a:fillRef>
-          <a:effectRef idx="0">
-            <a:schemeClr val="accent1"/>
-          </a:effectRef>
-          <a:fontRef idx="minor">
-            <a:schemeClr val="lt1"/>
-          </a:fontRef>
-        </p:style>
-        <p:txBody>
-          <a:bodyPr rtlCol="0" anchor="ctr"/>
-          <a:lstStyle/>
-          <a:p>
-            <a:pPr marL="0" marR="0" lvl="0" indent="0" algn="l" defTabSz="914400" rtl="0" eaLnBrk="1" fontAlgn="auto" latinLnBrk="0" hangingPunct="1">
-              <a:lnSpc>
-                <a:spcPct val="100000"/>
-              </a:lnSpc>
-              <a:spcBef>
-                <a:spcPts val="0"/>
-              </a:spcBef>
-              <a:spcAft>
-                <a:spcPts val="0"/>
-              </a:spcAft>
-              <a:buClrTx/>
-              <a:buSzTx/>
-              <a:buFontTx/>
-              <a:buNone/>
-              <a:tabLst/>
-              <a:defRPr/>
-            </a:pPr>
-            <a:r>
-              <a:rPr kumimoji="1" lang="ja-JP" altLang="en-US" sz="2800" b="0" i="0" u="none" strike="noStrike" kern="1200" cap="none" spc="0" normalizeH="0" baseline="0" noProof="0" dirty="0">
-                <a:ln>
-                  <a:noFill/>
-                </a:ln>
-                <a:solidFill>
-                  <a:prstClr val="white"/>
-                </a:solidFill>
-                <a:effectLst/>
-                <a:uLnTx/>
-                <a:uFillTx/>
-                <a:latin typeface="HGｺﾞｼｯｸE" panose="020B0909000000000000" pitchFamily="49" charset="-128"/>
-                <a:ea typeface="HGｺﾞｼｯｸE" panose="020B0909000000000000" pitchFamily="49" charset="-128"/>
-                <a:cs typeface="+mn-cs"/>
-              </a:rPr>
-              <a:t>目的</a:t>
-            </a:r>
-          </a:p>
-        </p:txBody>
-      </p:sp>
-      <p:sp>
-        <p:nvSpPr>
-          <p:cNvPr id="14" name="正方形/長方形 13">
-            <a:extLst>
-              <a:ext uri="{FF2B5EF4-FFF2-40B4-BE49-F238E27FC236}">
-                <a16:creationId xmlns:a16="http://schemas.microsoft.com/office/drawing/2014/main" id="{8F3ABFBB-2424-F0B6-489E-B3026DE71904}"/>
-              </a:ext>
-            </a:extLst>
-          </p:cNvPr>
-          <p:cNvSpPr/>
-          <p:nvPr/>
-        </p:nvSpPr>
-        <p:spPr>
-          <a:xfrm>
-            <a:off x="965536" y="5366758"/>
-            <a:ext cx="10388264" cy="720432"/>
-          </a:xfrm>
-          <a:prstGeom prst="rect">
-            <a:avLst/>
-          </a:prstGeom>
-          <a:noFill/>
-          <a:ln w="28575">
-            <a:solidFill>
-              <a:srgbClr val="FFA333"/>
-            </a:solidFill>
-          </a:ln>
-        </p:spPr>
-        <p:style>
-          <a:lnRef idx="2">
-            <a:schemeClr val="accent1">
-              <a:shade val="50000"/>
-            </a:schemeClr>
-          </a:lnRef>
-          <a:fillRef idx="1">
-            <a:schemeClr val="accent1"/>
-          </a:fillRef>
-          <a:effectRef idx="0">
-            <a:schemeClr val="accent1"/>
-          </a:effectRef>
-          <a:fontRef idx="minor">
-            <a:schemeClr val="lt1"/>
-          </a:fontRef>
-        </p:style>
-        <p:txBody>
-          <a:bodyPr rtlCol="0" anchor="ctr"/>
-          <a:lstStyle/>
-          <a:p>
-            <a:pPr algn="ctr"/>
-            <a:endParaRPr kumimoji="1" lang="ja-JP" altLang="en-US" dirty="0"/>
-          </a:p>
-        </p:txBody>
-      </p:sp>
-      <p:sp>
-        <p:nvSpPr>
-          <p:cNvPr id="15" name="テキスト ボックス 14">
-            <a:extLst>
-              <a:ext uri="{FF2B5EF4-FFF2-40B4-BE49-F238E27FC236}">
-                <a16:creationId xmlns:a16="http://schemas.microsoft.com/office/drawing/2014/main" id="{FFF0898C-1FE1-CC10-74F4-928F0CEB0071}"/>
-              </a:ext>
-            </a:extLst>
-          </p:cNvPr>
-          <p:cNvSpPr txBox="1"/>
-          <p:nvPr/>
-        </p:nvSpPr>
-        <p:spPr>
-          <a:xfrm>
-            <a:off x="965536" y="5447089"/>
-            <a:ext cx="9688050" cy="559769"/>
-          </a:xfrm>
-          <a:prstGeom prst="rect">
-            <a:avLst/>
-          </a:prstGeom>
-          <a:noFill/>
-        </p:spPr>
-        <p:txBody>
-          <a:bodyPr wrap="square" rtlCol="0" anchor="ctr">
-            <a:spAutoFit/>
-          </a:bodyPr>
-          <a:lstStyle/>
-          <a:p>
-            <a:pPr>
-              <a:lnSpc>
-                <a:spcPct val="150000"/>
-              </a:lnSpc>
-            </a:pPr>
-            <a:r>
-              <a:rPr lang="ja-JP" altLang="en-US" sz="2400" dirty="0">
-                <a:latin typeface="HGｺﾞｼｯｸE" panose="020B0909000000000000" pitchFamily="49" charset="-128"/>
-                <a:ea typeface="HGｺﾞｼｯｸE" panose="020B0909000000000000" pitchFamily="49" charset="-128"/>
-              </a:rPr>
-              <a:t>仕事のモチベーション向上</a:t>
+              <a:t>背景</a:t>
             </a:r>
           </a:p>
         </p:txBody>
@@ -11212,7 +12602,7 @@
         <p:spPr>
           <a:xfrm>
             <a:off x="965536" y="2470576"/>
-            <a:ext cx="10388264" cy="1356715"/>
+            <a:ext cx="10388264" cy="2596724"/>
           </a:xfrm>
           <a:prstGeom prst="rect">
             <a:avLst/>
@@ -11263,8 +12653,8 @@
         </p:nvSpPr>
         <p:spPr>
           <a:xfrm>
-            <a:off x="965536" y="2459504"/>
-            <a:ext cx="10388264" cy="1200329"/>
+            <a:off x="965536" y="2602040"/>
+            <a:ext cx="10388264" cy="2308324"/>
           </a:xfrm>
           <a:prstGeom prst="rect">
             <a:avLst/>
@@ -11279,40 +12669,72 @@
           <a:p>
             <a:r>
               <a:rPr lang="ja-JP" altLang="en-US" sz="2400" dirty="0">
-                <a:latin typeface="HGｺﾞｼｯｸE" panose="020B0909000000000000" pitchFamily="49" charset="-128"/>
-                <a:ea typeface="HGｺﾞｼｯｸE" panose="020B0909000000000000" pitchFamily="49" charset="-128"/>
-              </a:rPr>
-              <a:t>仕事にやる気が出ない若者を対象に、</a:t>
+                <a:latin typeface="HGｺﾞｼｯｸM" panose="020B0609000000000000" pitchFamily="49" charset="-128"/>
+                <a:ea typeface="HGｺﾞｼｯｸM" panose="020B0609000000000000" pitchFamily="49" charset="-128"/>
+              </a:rPr>
+              <a:t>仕事に対してやる気の出ない若者を対象に、</a:t>
             </a:r>
             <a:endParaRPr lang="en-US" altLang="ja-JP" sz="2400" dirty="0">
-              <a:latin typeface="HGｺﾞｼｯｸE" panose="020B0909000000000000" pitchFamily="49" charset="-128"/>
-              <a:ea typeface="HGｺﾞｼｯｸE" panose="020B0909000000000000" pitchFamily="49" charset="-128"/>
+              <a:latin typeface="HGｺﾞｼｯｸM" panose="020B0609000000000000" pitchFamily="49" charset="-128"/>
+              <a:ea typeface="HGｺﾞｼｯｸM" panose="020B0609000000000000" pitchFamily="49" charset="-128"/>
             </a:endParaRPr>
           </a:p>
           <a:p>
             <a:r>
               <a:rPr lang="ja-JP" altLang="en-US" sz="2400" dirty="0">
-                <a:latin typeface="HGｺﾞｼｯｸE" panose="020B0909000000000000" pitchFamily="49" charset="-128"/>
-                <a:ea typeface="HGｺﾞｼｯｸE" panose="020B0909000000000000" pitchFamily="49" charset="-128"/>
-              </a:rPr>
-              <a:t>若者を中心に人気のある育成ゲームを取り入れたアプリケーションを</a:t>
+                <a:latin typeface="HGｺﾞｼｯｸM" panose="020B0609000000000000" pitchFamily="49" charset="-128"/>
+                <a:ea typeface="HGｺﾞｼｯｸM" panose="020B0609000000000000" pitchFamily="49" charset="-128"/>
+              </a:rPr>
+              <a:t>意欲的に仕事をしてもらえるようなアプリケーションを</a:t>
             </a:r>
             <a:endParaRPr lang="en-US" altLang="ja-JP" sz="2400" dirty="0">
-              <a:latin typeface="HGｺﾞｼｯｸE" panose="020B0909000000000000" pitchFamily="49" charset="-128"/>
-              <a:ea typeface="HGｺﾞｼｯｸE" panose="020B0909000000000000" pitchFamily="49" charset="-128"/>
+              <a:latin typeface="HGｺﾞｼｯｸM" panose="020B0609000000000000" pitchFamily="49" charset="-128"/>
+              <a:ea typeface="HGｺﾞｼｯｸM" panose="020B0609000000000000" pitchFamily="49" charset="-128"/>
             </a:endParaRPr>
           </a:p>
           <a:p>
             <a:r>
               <a:rPr lang="ja-JP" altLang="en-US" sz="2400" dirty="0">
-                <a:latin typeface="HGｺﾞｼｯｸE" panose="020B0909000000000000" pitchFamily="49" charset="-128"/>
-                <a:ea typeface="HGｺﾞｼｯｸE" panose="020B0909000000000000" pitchFamily="49" charset="-128"/>
-              </a:rPr>
-              <a:t>作成し、仕事に対するモチベーション向上を目指した。</a:t>
+                <a:latin typeface="HGｺﾞｼｯｸM" panose="020B0609000000000000" pitchFamily="49" charset="-128"/>
+                <a:ea typeface="HGｺﾞｼｯｸM" panose="020B0609000000000000" pitchFamily="49" charset="-128"/>
+              </a:rPr>
+              <a:t>開発しようと考えた。</a:t>
             </a:r>
             <a:endParaRPr lang="en-US" altLang="ja-JP" sz="2400" dirty="0">
-              <a:latin typeface="HGｺﾞｼｯｸE" panose="020B0909000000000000" pitchFamily="49" charset="-128"/>
-              <a:ea typeface="HGｺﾞｼｯｸE" panose="020B0909000000000000" pitchFamily="49" charset="-128"/>
+              <a:latin typeface="HGｺﾞｼｯｸM" panose="020B0609000000000000" pitchFamily="49" charset="-128"/>
+              <a:ea typeface="HGｺﾞｼｯｸM" panose="020B0609000000000000" pitchFamily="49" charset="-128"/>
+            </a:endParaRPr>
+          </a:p>
+          <a:p>
+            <a:endParaRPr lang="en-US" altLang="ja-JP" sz="2400" dirty="0">
+              <a:latin typeface="HGｺﾞｼｯｸM" panose="020B0609000000000000" pitchFamily="49" charset="-128"/>
+              <a:ea typeface="HGｺﾞｼｯｸM" panose="020B0609000000000000" pitchFamily="49" charset="-128"/>
+            </a:endParaRPr>
+          </a:p>
+          <a:p>
+            <a:r>
+              <a:rPr lang="ja-JP" altLang="en-US" sz="2400" dirty="0">
+                <a:latin typeface="HGｺﾞｼｯｸM" panose="020B0609000000000000" pitchFamily="49" charset="-128"/>
+                <a:ea typeface="HGｺﾞｼｯｸM" panose="020B0609000000000000" pitchFamily="49" charset="-128"/>
+              </a:rPr>
+              <a:t>したがって、若者を中心に人気のある育成ゲームの要素を取り入れた</a:t>
+            </a:r>
+            <a:endParaRPr lang="en-US" altLang="ja-JP" sz="2400" dirty="0">
+              <a:latin typeface="HGｺﾞｼｯｸM" panose="020B0609000000000000" pitchFamily="49" charset="-128"/>
+              <a:ea typeface="HGｺﾞｼｯｸM" panose="020B0609000000000000" pitchFamily="49" charset="-128"/>
+            </a:endParaRPr>
+          </a:p>
+          <a:p>
+            <a:r>
+              <a:rPr lang="ja-JP" altLang="en-US" sz="2400" dirty="0">
+                <a:latin typeface="HGｺﾞｼｯｸM" panose="020B0609000000000000" pitchFamily="49" charset="-128"/>
+                <a:ea typeface="HGｺﾞｼｯｸM" panose="020B0609000000000000" pitchFamily="49" charset="-128"/>
+              </a:rPr>
+              <a:t>アプリケーションを作成し、仕事に対するモチベーション向上を目指した。</a:t>
+            </a:r>
+            <a:endParaRPr lang="en-US" altLang="ja-JP" sz="2400" dirty="0">
+              <a:latin typeface="HGｺﾞｼｯｸM" panose="020B0609000000000000" pitchFamily="49" charset="-128"/>
+              <a:ea typeface="HGｺﾞｼｯｸM" panose="020B0609000000000000" pitchFamily="49" charset="-128"/>
             </a:endParaRPr>
           </a:p>
         </p:txBody>
@@ -11347,6 +12769,481 @@
           <a:chExt cx="0" cy="0"/>
         </a:xfrm>
       </p:grpSpPr>
+      <p:sp>
+        <p:nvSpPr>
+          <p:cNvPr id="2" name="タイトル 1">
+            <a:extLst>
+              <a:ext uri="{FF2B5EF4-FFF2-40B4-BE49-F238E27FC236}">
+                <a16:creationId xmlns:a16="http://schemas.microsoft.com/office/drawing/2014/main" id="{693A6AA4-E421-2B25-F07B-E8469B9F6618}"/>
+              </a:ext>
+            </a:extLst>
+          </p:cNvPr>
+          <p:cNvSpPr>
+            <a:spLocks noGrp="1"/>
+          </p:cNvSpPr>
+          <p:nvPr>
+            <p:ph type="title"/>
+          </p:nvPr>
+        </p:nvSpPr>
+        <p:spPr/>
+        <p:txBody>
+          <a:bodyPr/>
+          <a:lstStyle/>
+          <a:p>
+            <a:r>
+              <a:rPr lang="ja-JP" altLang="en-US" dirty="0">
+                <a:solidFill>
+                  <a:schemeClr val="accent2">
+                    <a:lumMod val="75000"/>
+                  </a:schemeClr>
+                </a:solidFill>
+                <a:latin typeface="HGS創英角ｺﾞｼｯｸUB" panose="020B0900000000000000" pitchFamily="50" charset="-128"/>
+                <a:ea typeface="HGS創英角ｺﾞｼｯｸUB" panose="020B0900000000000000" pitchFamily="50" charset="-128"/>
+              </a:rPr>
+              <a:t>想定利用者・目的</a:t>
+            </a:r>
+          </a:p>
+        </p:txBody>
+      </p:sp>
+      <p:sp>
+        <p:nvSpPr>
+          <p:cNvPr id="17" name="四角形: 角を丸くする 16">
+            <a:extLst>
+              <a:ext uri="{FF2B5EF4-FFF2-40B4-BE49-F238E27FC236}">
+                <a16:creationId xmlns:a16="http://schemas.microsoft.com/office/drawing/2014/main" id="{367940D2-0FA1-F2D4-7355-8D257A807AF7}"/>
+              </a:ext>
+            </a:extLst>
+          </p:cNvPr>
+          <p:cNvSpPr/>
+          <p:nvPr/>
+        </p:nvSpPr>
+        <p:spPr>
+          <a:xfrm>
+            <a:off x="838200" y="3828587"/>
+            <a:ext cx="10515600" cy="713163"/>
+          </a:xfrm>
+          <a:prstGeom prst="roundRect">
+            <a:avLst/>
+          </a:prstGeom>
+          <a:solidFill>
+            <a:srgbClr val="FFA333"/>
+          </a:solidFill>
+          <a:ln w="38100">
+            <a:noFill/>
+          </a:ln>
+        </p:spPr>
+        <p:style>
+          <a:lnRef idx="2">
+            <a:schemeClr val="accent1">
+              <a:shade val="50000"/>
+            </a:schemeClr>
+          </a:lnRef>
+          <a:fillRef idx="1">
+            <a:schemeClr val="accent1"/>
+          </a:fillRef>
+          <a:effectRef idx="0">
+            <a:schemeClr val="accent1"/>
+          </a:effectRef>
+          <a:fontRef idx="minor">
+            <a:schemeClr val="lt1"/>
+          </a:fontRef>
+        </p:style>
+        <p:txBody>
+          <a:bodyPr rtlCol="0" anchor="ctr"/>
+          <a:lstStyle/>
+          <a:p>
+            <a:pPr marL="0" marR="0" lvl="0" indent="0" algn="l" defTabSz="914400" rtl="0" eaLnBrk="1" fontAlgn="auto" latinLnBrk="0" hangingPunct="1">
+              <a:lnSpc>
+                <a:spcPct val="100000"/>
+              </a:lnSpc>
+              <a:spcBef>
+                <a:spcPts val="0"/>
+              </a:spcBef>
+              <a:spcAft>
+                <a:spcPts val="0"/>
+              </a:spcAft>
+              <a:buClrTx/>
+              <a:buSzTx/>
+              <a:buFontTx/>
+              <a:buNone/>
+              <a:tabLst/>
+              <a:defRPr/>
+            </a:pPr>
+            <a:r>
+              <a:rPr kumimoji="1" lang="ja-JP" altLang="en-US" sz="2800" b="0" i="0" u="none" strike="noStrike" kern="1200" cap="none" spc="0" normalizeH="0" baseline="0" noProof="0" dirty="0">
+                <a:ln>
+                  <a:noFill/>
+                </a:ln>
+                <a:solidFill>
+                  <a:prstClr val="white"/>
+                </a:solidFill>
+                <a:effectLst/>
+                <a:uLnTx/>
+                <a:uFillTx/>
+                <a:latin typeface="HGｺﾞｼｯｸE" panose="020B0909000000000000" pitchFamily="49" charset="-128"/>
+                <a:ea typeface="HGｺﾞｼｯｸE" panose="020B0909000000000000" pitchFamily="49" charset="-128"/>
+                <a:cs typeface="+mn-cs"/>
+              </a:rPr>
+              <a:t>目的</a:t>
+            </a:r>
+          </a:p>
+        </p:txBody>
+      </p:sp>
+      <p:sp>
+        <p:nvSpPr>
+          <p:cNvPr id="14" name="正方形/長方形 13">
+            <a:extLst>
+              <a:ext uri="{FF2B5EF4-FFF2-40B4-BE49-F238E27FC236}">
+                <a16:creationId xmlns:a16="http://schemas.microsoft.com/office/drawing/2014/main" id="{8F3ABFBB-2424-F0B6-489E-B3026DE71904}"/>
+              </a:ext>
+            </a:extLst>
+          </p:cNvPr>
+          <p:cNvSpPr/>
+          <p:nvPr/>
+        </p:nvSpPr>
+        <p:spPr>
+          <a:xfrm>
+            <a:off x="965536" y="4827042"/>
+            <a:ext cx="10388264" cy="1251249"/>
+          </a:xfrm>
+          <a:prstGeom prst="rect">
+            <a:avLst/>
+          </a:prstGeom>
+          <a:noFill/>
+          <a:ln w="28575">
+            <a:solidFill>
+              <a:srgbClr val="FFA333"/>
+            </a:solidFill>
+          </a:ln>
+        </p:spPr>
+        <p:style>
+          <a:lnRef idx="2">
+            <a:schemeClr val="accent1">
+              <a:shade val="50000"/>
+            </a:schemeClr>
+          </a:lnRef>
+          <a:fillRef idx="1">
+            <a:schemeClr val="accent1"/>
+          </a:fillRef>
+          <a:effectRef idx="0">
+            <a:schemeClr val="accent1"/>
+          </a:effectRef>
+          <a:fontRef idx="minor">
+            <a:schemeClr val="lt1"/>
+          </a:fontRef>
+        </p:style>
+        <p:txBody>
+          <a:bodyPr rtlCol="0" anchor="ctr"/>
+          <a:lstStyle/>
+          <a:p>
+            <a:pPr algn="ctr"/>
+            <a:endParaRPr kumimoji="1" lang="ja-JP" altLang="en-US" dirty="0"/>
+          </a:p>
+        </p:txBody>
+      </p:sp>
+      <p:sp>
+        <p:nvSpPr>
+          <p:cNvPr id="15" name="テキスト ボックス 14">
+            <a:extLst>
+              <a:ext uri="{FF2B5EF4-FFF2-40B4-BE49-F238E27FC236}">
+                <a16:creationId xmlns:a16="http://schemas.microsoft.com/office/drawing/2014/main" id="{FFF0898C-1FE1-CC10-74F4-928F0CEB0071}"/>
+              </a:ext>
+            </a:extLst>
+          </p:cNvPr>
+          <p:cNvSpPr txBox="1"/>
+          <p:nvPr/>
+        </p:nvSpPr>
+        <p:spPr>
+          <a:xfrm>
+            <a:off x="965536" y="4824712"/>
+            <a:ext cx="9688050" cy="1113766"/>
+          </a:xfrm>
+          <a:prstGeom prst="rect">
+            <a:avLst/>
+          </a:prstGeom>
+          <a:noFill/>
+        </p:spPr>
+        <p:txBody>
+          <a:bodyPr wrap="square" rtlCol="0" anchor="t">
+            <a:spAutoFit/>
+          </a:bodyPr>
+          <a:lstStyle/>
+          <a:p>
+            <a:pPr marL="342900" indent="-342900">
+              <a:lnSpc>
+                <a:spcPct val="150000"/>
+              </a:lnSpc>
+              <a:buClr>
+                <a:schemeClr val="accent2">
+                  <a:lumMod val="75000"/>
+                </a:schemeClr>
+              </a:buClr>
+              <a:buFont typeface="Arial" panose="020B0604020202020204" pitchFamily="34" charset="0"/>
+              <a:buChar char="•"/>
+            </a:pPr>
+            <a:r>
+              <a:rPr lang="ja-JP" altLang="en-US" sz="2400" dirty="0">
+                <a:latin typeface="HGｺﾞｼｯｸM" panose="020B0609000000000000" pitchFamily="49" charset="-128"/>
+                <a:ea typeface="HGｺﾞｼｯｸM" panose="020B0609000000000000" pitchFamily="49" charset="-128"/>
+              </a:rPr>
+              <a:t>仕事のモチベーション向上</a:t>
+            </a:r>
+            <a:endParaRPr lang="en-US" altLang="ja-JP" sz="2400" dirty="0">
+              <a:latin typeface="HGｺﾞｼｯｸM" panose="020B0609000000000000" pitchFamily="49" charset="-128"/>
+              <a:ea typeface="HGｺﾞｼｯｸM" panose="020B0609000000000000" pitchFamily="49" charset="-128"/>
+            </a:endParaRPr>
+          </a:p>
+          <a:p>
+            <a:pPr marL="342900" indent="-342900">
+              <a:lnSpc>
+                <a:spcPct val="150000"/>
+              </a:lnSpc>
+              <a:buClr>
+                <a:schemeClr val="accent2">
+                  <a:lumMod val="75000"/>
+                </a:schemeClr>
+              </a:buClr>
+              <a:buFont typeface="Arial" panose="020B0604020202020204" pitchFamily="34" charset="0"/>
+              <a:buChar char="•"/>
+            </a:pPr>
+            <a:r>
+              <a:rPr lang="ja-JP" altLang="en-US" sz="2400" dirty="0">
+                <a:latin typeface="HGｺﾞｼｯｸM" panose="020B0609000000000000" pitchFamily="49" charset="-128"/>
+                <a:ea typeface="HGｺﾞｼｯｸM" panose="020B0609000000000000" pitchFamily="49" charset="-128"/>
+              </a:rPr>
+              <a:t>自己啓発を促すミッションを達成すること</a:t>
+            </a:r>
+          </a:p>
+        </p:txBody>
+      </p:sp>
+      <p:sp>
+        <p:nvSpPr>
+          <p:cNvPr id="20" name="四角形: 角を丸くする 19">
+            <a:extLst>
+              <a:ext uri="{FF2B5EF4-FFF2-40B4-BE49-F238E27FC236}">
+                <a16:creationId xmlns:a16="http://schemas.microsoft.com/office/drawing/2014/main" id="{2EEBA9FA-0569-9723-919B-9A3D50464CD1}"/>
+              </a:ext>
+            </a:extLst>
+          </p:cNvPr>
+          <p:cNvSpPr/>
+          <p:nvPr/>
+        </p:nvSpPr>
+        <p:spPr>
+          <a:xfrm>
+            <a:off x="838200" y="1578883"/>
+            <a:ext cx="10515600" cy="713163"/>
+          </a:xfrm>
+          <a:prstGeom prst="roundRect">
+            <a:avLst/>
+          </a:prstGeom>
+          <a:solidFill>
+            <a:srgbClr val="FFA333"/>
+          </a:solidFill>
+          <a:ln w="38100">
+            <a:noFill/>
+          </a:ln>
+        </p:spPr>
+        <p:style>
+          <a:lnRef idx="2">
+            <a:schemeClr val="accent1">
+              <a:shade val="50000"/>
+            </a:schemeClr>
+          </a:lnRef>
+          <a:fillRef idx="1">
+            <a:schemeClr val="accent1"/>
+          </a:fillRef>
+          <a:effectRef idx="0">
+            <a:schemeClr val="accent1"/>
+          </a:effectRef>
+          <a:fontRef idx="minor">
+            <a:schemeClr val="lt1"/>
+          </a:fontRef>
+        </p:style>
+        <p:txBody>
+          <a:bodyPr rtlCol="0" anchor="ctr"/>
+          <a:lstStyle/>
+          <a:p>
+            <a:pPr marL="0" marR="0" lvl="0" indent="0" algn="l" defTabSz="914400" rtl="0" eaLnBrk="1" fontAlgn="auto" latinLnBrk="0" hangingPunct="1">
+              <a:lnSpc>
+                <a:spcPct val="100000"/>
+              </a:lnSpc>
+              <a:spcBef>
+                <a:spcPts val="0"/>
+              </a:spcBef>
+              <a:spcAft>
+                <a:spcPts val="0"/>
+              </a:spcAft>
+              <a:buClrTx/>
+              <a:buSzTx/>
+              <a:buFontTx/>
+              <a:buNone/>
+              <a:tabLst/>
+              <a:defRPr/>
+            </a:pPr>
+            <a:r>
+              <a:rPr lang="ja-JP" altLang="en-US" sz="2800" dirty="0">
+                <a:solidFill>
+                  <a:prstClr val="white"/>
+                </a:solidFill>
+                <a:latin typeface="HGｺﾞｼｯｸE" panose="020B0909000000000000" pitchFamily="49" charset="-128"/>
+                <a:ea typeface="HGｺﾞｼｯｸE" panose="020B0909000000000000" pitchFamily="49" charset="-128"/>
+              </a:rPr>
+              <a:t>想定利用者</a:t>
+            </a:r>
+            <a:endParaRPr kumimoji="1" lang="ja-JP" altLang="en-US" sz="2800" b="0" i="0" u="none" strike="noStrike" kern="1200" cap="none" spc="0" normalizeH="0" baseline="0" noProof="0" dirty="0">
+              <a:ln>
+                <a:noFill/>
+              </a:ln>
+              <a:solidFill>
+                <a:prstClr val="white"/>
+              </a:solidFill>
+              <a:effectLst/>
+              <a:uLnTx/>
+              <a:uFillTx/>
+              <a:latin typeface="HGｺﾞｼｯｸE" panose="020B0909000000000000" pitchFamily="49" charset="-128"/>
+              <a:ea typeface="HGｺﾞｼｯｸE" panose="020B0909000000000000" pitchFamily="49" charset="-128"/>
+              <a:cs typeface="+mn-cs"/>
+            </a:endParaRPr>
+          </a:p>
+        </p:txBody>
+      </p:sp>
+      <p:sp>
+        <p:nvSpPr>
+          <p:cNvPr id="21" name="正方形/長方形 20">
+            <a:extLst>
+              <a:ext uri="{FF2B5EF4-FFF2-40B4-BE49-F238E27FC236}">
+                <a16:creationId xmlns:a16="http://schemas.microsoft.com/office/drawing/2014/main" id="{773FCA98-A190-2D61-6D0F-FE2EC0F105F2}"/>
+              </a:ext>
+            </a:extLst>
+          </p:cNvPr>
+          <p:cNvSpPr/>
+          <p:nvPr/>
+        </p:nvSpPr>
+        <p:spPr>
+          <a:xfrm>
+            <a:off x="965536" y="2470577"/>
+            <a:ext cx="10388264" cy="900256"/>
+          </a:xfrm>
+          <a:prstGeom prst="rect">
+            <a:avLst/>
+          </a:prstGeom>
+          <a:noFill/>
+          <a:ln w="28575">
+            <a:solidFill>
+              <a:srgbClr val="FFA333"/>
+            </a:solidFill>
+          </a:ln>
+        </p:spPr>
+        <p:style>
+          <a:lnRef idx="2">
+            <a:schemeClr val="accent1">
+              <a:shade val="50000"/>
+            </a:schemeClr>
+          </a:lnRef>
+          <a:fillRef idx="1">
+            <a:schemeClr val="accent1"/>
+          </a:fillRef>
+          <a:effectRef idx="0">
+            <a:schemeClr val="accent1"/>
+          </a:effectRef>
+          <a:fontRef idx="minor">
+            <a:schemeClr val="lt1"/>
+          </a:fontRef>
+        </p:style>
+        <p:txBody>
+          <a:bodyPr rtlCol="0" anchor="ctr"/>
+          <a:lstStyle/>
+          <a:p>
+            <a:pPr algn="ctr"/>
+            <a:endParaRPr kumimoji="1" lang="ja-JP" altLang="en-US" dirty="0"/>
+          </a:p>
+        </p:txBody>
+      </p:sp>
+      <p:sp>
+        <p:nvSpPr>
+          <p:cNvPr id="23" name="テキスト ボックス 22">
+            <a:extLst>
+              <a:ext uri="{FF2B5EF4-FFF2-40B4-BE49-F238E27FC236}">
+                <a16:creationId xmlns:a16="http://schemas.microsoft.com/office/drawing/2014/main" id="{FC43A83B-45B3-4731-9BCE-FB93B13D24FD}"/>
+              </a:ext>
+            </a:extLst>
+          </p:cNvPr>
+          <p:cNvSpPr txBox="1"/>
+          <p:nvPr/>
+        </p:nvSpPr>
+        <p:spPr>
+          <a:xfrm>
+            <a:off x="965536" y="2459504"/>
+            <a:ext cx="10388264" cy="830997"/>
+          </a:xfrm>
+          <a:prstGeom prst="rect">
+            <a:avLst/>
+          </a:prstGeom>
+          <a:noFill/>
+        </p:spPr>
+        <p:txBody>
+          <a:bodyPr wrap="square" rtlCol="0">
+            <a:spAutoFit/>
+          </a:bodyPr>
+          <a:lstStyle/>
+          <a:p>
+            <a:r>
+              <a:rPr lang="ja-JP" altLang="en-US" sz="2400" dirty="0">
+                <a:latin typeface="HGｺﾞｼｯｸM" panose="020B0609000000000000" pitchFamily="49" charset="-128"/>
+                <a:ea typeface="HGｺﾞｼｯｸM" panose="020B0609000000000000" pitchFamily="49" charset="-128"/>
+              </a:rPr>
+              <a:t>ゲームやアニメなどのキャラクターが好きな新入社員を</a:t>
+            </a:r>
+            <a:endParaRPr lang="en-US" altLang="ja-JP" sz="2400" dirty="0">
+              <a:latin typeface="HGｺﾞｼｯｸM" panose="020B0609000000000000" pitchFamily="49" charset="-128"/>
+              <a:ea typeface="HGｺﾞｼｯｸM" panose="020B0609000000000000" pitchFamily="49" charset="-128"/>
+            </a:endParaRPr>
+          </a:p>
+          <a:p>
+            <a:r>
+              <a:rPr lang="ja-JP" altLang="en-US" sz="2400" dirty="0">
+                <a:latin typeface="HGｺﾞｼｯｸM" panose="020B0609000000000000" pitchFamily="49" charset="-128"/>
+                <a:ea typeface="HGｺﾞｼｯｸM" panose="020B0609000000000000" pitchFamily="49" charset="-128"/>
+              </a:rPr>
+              <a:t>想定利用者としている。</a:t>
+            </a:r>
+            <a:endParaRPr lang="en-US" altLang="ja-JP" sz="2400" dirty="0">
+              <a:latin typeface="HGｺﾞｼｯｸM" panose="020B0609000000000000" pitchFamily="49" charset="-128"/>
+              <a:ea typeface="HGｺﾞｼｯｸM" panose="020B0609000000000000" pitchFamily="49" charset="-128"/>
+            </a:endParaRPr>
+          </a:p>
+        </p:txBody>
+      </p:sp>
+    </p:spTree>
+    <p:extLst>
+      <p:ext uri="{BB962C8B-B14F-4D97-AF65-F5344CB8AC3E}">
+        <p14:creationId xmlns:p14="http://schemas.microsoft.com/office/powerpoint/2010/main" val="130128082"/>
+      </p:ext>
+    </p:extLst>
+  </p:cSld>
+  <p:clrMapOvr>
+    <a:masterClrMapping/>
+  </p:clrMapOvr>
+</p:sld>
+</file>
+
+<file path=ppt/slides/slide6.xml><?xml version="1.0" encoding="utf-8"?>
+<p:sld xmlns:a="http://schemas.openxmlformats.org/drawingml/2006/main" xmlns:r="http://schemas.openxmlformats.org/officeDocument/2006/relationships" xmlns:p="http://schemas.openxmlformats.org/presentationml/2006/main">
+  <p:cSld>
+    <p:spTree>
+      <p:nvGrpSpPr>
+        <p:cNvPr id="1" name=""/>
+        <p:cNvGrpSpPr/>
+        <p:nvPr/>
+      </p:nvGrpSpPr>
+      <p:grpSpPr>
+        <a:xfrm>
+          <a:off x="0" y="0"/>
+          <a:ext cx="0" cy="0"/>
+          <a:chOff x="0" y="0"/>
+          <a:chExt cx="0" cy="0"/>
+        </a:xfrm>
+      </p:grpSpPr>
       <p:pic>
         <p:nvPicPr>
           <p:cNvPr id="10" name="図 9" descr="カーテン が含まれている画像&#10;&#10;自動的に生成された説明">
@@ -11433,7 +13330,7 @@
 </p:sld>
 </file>
 
-<file path=ppt/slides/slide6.xml><?xml version="1.0" encoding="utf-8"?>
+<file path=ppt/slides/slide7.xml><?xml version="1.0" encoding="utf-8"?>
 <p:sld xmlns:a="http://schemas.openxmlformats.org/drawingml/2006/main" xmlns:r="http://schemas.openxmlformats.org/officeDocument/2006/relationships" xmlns:p="http://schemas.openxmlformats.org/presentationml/2006/main">
   <p:cSld>
     <p:spTree>
@@ -12267,7 +14164,7 @@
 </p:sld>
 </file>
 
-<file path=ppt/slides/slide7.xml><?xml version="1.0" encoding="utf-8"?>
+<file path=ppt/slides/slide8.xml><?xml version="1.0" encoding="utf-8"?>
 <p:sld xmlns:a="http://schemas.openxmlformats.org/drawingml/2006/main" xmlns:r="http://schemas.openxmlformats.org/officeDocument/2006/relationships" xmlns:p="http://schemas.openxmlformats.org/presentationml/2006/main">
   <p:cSld>
     <p:spTree>
@@ -12370,7 +14267,7 @@
 </p:sld>
 </file>
 
-<file path=ppt/slides/slide8.xml><?xml version="1.0" encoding="utf-8"?>
+<file path=ppt/slides/slide9.xml><?xml version="1.0" encoding="utf-8"?>
 <p:sld xmlns:a="http://schemas.openxmlformats.org/drawingml/2006/main" xmlns:r="http://schemas.openxmlformats.org/officeDocument/2006/relationships" xmlns:p="http://schemas.openxmlformats.org/presentationml/2006/main">
   <p:cSld>
     <p:spTree>
@@ -13231,1185 +15128,6 @@
     <p:extLst>
       <p:ext uri="{BB962C8B-B14F-4D97-AF65-F5344CB8AC3E}">
         <p14:creationId xmlns:p14="http://schemas.microsoft.com/office/powerpoint/2010/main" val="1004011629"/>
-      </p:ext>
-    </p:extLst>
-  </p:cSld>
-  <p:clrMapOvr>
-    <a:masterClrMapping/>
-  </p:clrMapOvr>
-</p:sld>
-</file>
-
-<file path=ppt/slides/slide9.xml><?xml version="1.0" encoding="utf-8"?>
-<p:sld xmlns:a="http://schemas.openxmlformats.org/drawingml/2006/main" xmlns:r="http://schemas.openxmlformats.org/officeDocument/2006/relationships" xmlns:p="http://schemas.openxmlformats.org/presentationml/2006/main">
-  <p:cSld>
-    <p:spTree>
-      <p:nvGrpSpPr>
-        <p:cNvPr id="1" name=""/>
-        <p:cNvGrpSpPr/>
-        <p:nvPr/>
-      </p:nvGrpSpPr>
-      <p:grpSpPr>
-        <a:xfrm>
-          <a:off x="0" y="0"/>
-          <a:ext cx="0" cy="0"/>
-          <a:chOff x="0" y="0"/>
-          <a:chExt cx="0" cy="0"/>
-        </a:xfrm>
-      </p:grpSpPr>
-      <p:sp>
-        <p:nvSpPr>
-          <p:cNvPr id="42" name="楕円 41">
-            <a:extLst>
-              <a:ext uri="{FF2B5EF4-FFF2-40B4-BE49-F238E27FC236}">
-                <a16:creationId xmlns:a16="http://schemas.microsoft.com/office/drawing/2014/main" id="{0978E2EE-920D-93E4-A5A8-C642E9B018EC}"/>
-              </a:ext>
-            </a:extLst>
-          </p:cNvPr>
-          <p:cNvSpPr/>
-          <p:nvPr/>
-        </p:nvSpPr>
-        <p:spPr>
-          <a:xfrm>
-            <a:off x="4143266" y="2654132"/>
-            <a:ext cx="2133512" cy="774868"/>
-          </a:xfrm>
-          <a:prstGeom prst="ellipse">
-            <a:avLst/>
-          </a:prstGeom>
-          <a:solidFill>
-            <a:schemeClr val="accent2"/>
-          </a:solidFill>
-          <a:ln>
-            <a:solidFill>
-              <a:schemeClr val="bg1"/>
-            </a:solidFill>
-          </a:ln>
-        </p:spPr>
-        <p:style>
-          <a:lnRef idx="2">
-            <a:schemeClr val="accent1">
-              <a:shade val="50000"/>
-            </a:schemeClr>
-          </a:lnRef>
-          <a:fillRef idx="1">
-            <a:schemeClr val="accent1"/>
-          </a:fillRef>
-          <a:effectRef idx="0">
-            <a:schemeClr val="accent1"/>
-          </a:effectRef>
-          <a:fontRef idx="minor">
-            <a:schemeClr val="lt1"/>
-          </a:fontRef>
-        </p:style>
-        <p:txBody>
-          <a:bodyPr rtlCol="0" anchor="ctr"/>
-          <a:lstStyle/>
-          <a:p>
-            <a:pPr algn="ctr"/>
-            <a:r>
-              <a:rPr kumimoji="1" lang="ja-JP" altLang="en-US" sz="2000" dirty="0">
-                <a:latin typeface="HGｺﾞｼｯｸE" panose="020B0909000000000000" pitchFamily="49" charset="-128"/>
-                <a:ea typeface="HGｺﾞｼｯｸE" panose="020B0909000000000000" pitchFamily="49" charset="-128"/>
-              </a:rPr>
-              <a:t>メイン画面</a:t>
-            </a:r>
-          </a:p>
-        </p:txBody>
-      </p:sp>
-      <p:pic>
-        <p:nvPicPr>
-          <p:cNvPr id="7" name="図 6">
-            <a:extLst>
-              <a:ext uri="{FF2B5EF4-FFF2-40B4-BE49-F238E27FC236}">
-                <a16:creationId xmlns:a16="http://schemas.microsoft.com/office/drawing/2014/main" id="{08EBB316-E755-79E3-84D3-79DC0E496215}"/>
-              </a:ext>
-            </a:extLst>
-          </p:cNvPr>
-          <p:cNvPicPr>
-            <a:picLocks noChangeAspect="1"/>
-          </p:cNvPicPr>
-          <p:nvPr/>
-        </p:nvPicPr>
-        <p:blipFill rotWithShape="1">
-          <a:blip r:embed="rId2"/>
-          <a:srcRect l="23912" t="11551" r="21489" b="9470"/>
-          <a:stretch/>
-        </p:blipFill>
-        <p:spPr>
-          <a:xfrm>
-            <a:off x="6234171" y="1929568"/>
-            <a:ext cx="5788785" cy="4707802"/>
-          </a:xfrm>
-          <a:prstGeom prst="rect">
-            <a:avLst/>
-          </a:prstGeom>
-        </p:spPr>
-      </p:pic>
-      <p:pic>
-        <p:nvPicPr>
-          <p:cNvPr id="31" name="図 30">
-            <a:extLst>
-              <a:ext uri="{FF2B5EF4-FFF2-40B4-BE49-F238E27FC236}">
-                <a16:creationId xmlns:a16="http://schemas.microsoft.com/office/drawing/2014/main" id="{A281CDCF-FD36-B3A8-5568-9749C0E1F296}"/>
-              </a:ext>
-            </a:extLst>
-          </p:cNvPr>
-          <p:cNvPicPr>
-            <a:picLocks noChangeAspect="1"/>
-          </p:cNvPicPr>
-          <p:nvPr/>
-        </p:nvPicPr>
-        <p:blipFill rotWithShape="1">
-          <a:blip r:embed="rId3"/>
-          <a:srcRect l="24293" t="11833" r="21429" b="24099"/>
-          <a:stretch/>
-        </p:blipFill>
-        <p:spPr>
-          <a:xfrm>
-            <a:off x="409229" y="3281955"/>
-            <a:ext cx="5129565" cy="3404093"/>
-          </a:xfrm>
-          <a:prstGeom prst="rect">
-            <a:avLst/>
-          </a:prstGeom>
-        </p:spPr>
-      </p:pic>
-      <p:sp>
-        <p:nvSpPr>
-          <p:cNvPr id="37" name="楕円 36">
-            <a:extLst>
-              <a:ext uri="{FF2B5EF4-FFF2-40B4-BE49-F238E27FC236}">
-                <a16:creationId xmlns:a16="http://schemas.microsoft.com/office/drawing/2014/main" id="{3EA09FC8-E75E-8242-A439-DF0E228A30D7}"/>
-              </a:ext>
-            </a:extLst>
-          </p:cNvPr>
-          <p:cNvSpPr/>
-          <p:nvPr/>
-        </p:nvSpPr>
-        <p:spPr>
-          <a:xfrm>
-            <a:off x="9971249" y="1345278"/>
-            <a:ext cx="2133512" cy="774868"/>
-          </a:xfrm>
-          <a:prstGeom prst="ellipse">
-            <a:avLst/>
-          </a:prstGeom>
-          <a:solidFill>
-            <a:schemeClr val="accent2"/>
-          </a:solidFill>
-          <a:ln>
-            <a:solidFill>
-              <a:schemeClr val="bg1"/>
-            </a:solidFill>
-          </a:ln>
-        </p:spPr>
-        <p:style>
-          <a:lnRef idx="2">
-            <a:schemeClr val="accent1">
-              <a:shade val="50000"/>
-            </a:schemeClr>
-          </a:lnRef>
-          <a:fillRef idx="1">
-            <a:schemeClr val="accent1"/>
-          </a:fillRef>
-          <a:effectRef idx="0">
-            <a:schemeClr val="accent1"/>
-          </a:effectRef>
-          <a:fontRef idx="minor">
-            <a:schemeClr val="lt1"/>
-          </a:fontRef>
-        </p:style>
-        <p:txBody>
-          <a:bodyPr rtlCol="0" anchor="ctr"/>
-          <a:lstStyle/>
-          <a:p>
-            <a:pPr algn="ctr"/>
-            <a:r>
-              <a:rPr kumimoji="1" lang="ja-JP" altLang="en-US" sz="2000" dirty="0">
-                <a:latin typeface="HGｺﾞｼｯｸE" panose="020B0909000000000000" pitchFamily="49" charset="-128"/>
-                <a:ea typeface="HGｺﾞｼｯｸE" panose="020B0909000000000000" pitchFamily="49" charset="-128"/>
-              </a:rPr>
-              <a:t>メイン画面</a:t>
-            </a:r>
-          </a:p>
-        </p:txBody>
-      </p:sp>
-      <p:sp>
-        <p:nvSpPr>
-          <p:cNvPr id="2" name="タイトル 1">
-            <a:extLst>
-              <a:ext uri="{FF2B5EF4-FFF2-40B4-BE49-F238E27FC236}">
-                <a16:creationId xmlns:a16="http://schemas.microsoft.com/office/drawing/2014/main" id="{693A6AA4-E421-2B25-F07B-E8469B9F6618}"/>
-              </a:ext>
-            </a:extLst>
-          </p:cNvPr>
-          <p:cNvSpPr>
-            <a:spLocks noGrp="1"/>
-          </p:cNvSpPr>
-          <p:nvPr>
-            <p:ph type="title"/>
-          </p:nvPr>
-        </p:nvSpPr>
-        <p:spPr/>
-        <p:txBody>
-          <a:bodyPr/>
-          <a:lstStyle/>
-          <a:p>
-            <a:r>
-              <a:rPr kumimoji="1" lang="ja-JP" altLang="en-US" dirty="0">
-                <a:solidFill>
-                  <a:schemeClr val="accent2">
-                    <a:lumMod val="50000"/>
-                  </a:schemeClr>
-                </a:solidFill>
-                <a:latin typeface="HGS創英角ｺﾞｼｯｸUB" panose="020B0900000000000000" pitchFamily="50" charset="-128"/>
-                <a:ea typeface="HGS創英角ｺﾞｼｯｸUB" panose="020B0900000000000000" pitchFamily="50" charset="-128"/>
-              </a:rPr>
-              <a:t>キャラ育成機能</a:t>
-            </a:r>
-          </a:p>
-        </p:txBody>
-      </p:sp>
-      <p:sp>
-        <p:nvSpPr>
-          <p:cNvPr id="36" name="四角形: 角を丸くする 35">
-            <a:extLst>
-              <a:ext uri="{FF2B5EF4-FFF2-40B4-BE49-F238E27FC236}">
-                <a16:creationId xmlns:a16="http://schemas.microsoft.com/office/drawing/2014/main" id="{275B2BFE-13D5-D0CB-1196-2754359A6AF2}"/>
-              </a:ext>
-            </a:extLst>
-          </p:cNvPr>
-          <p:cNvSpPr/>
-          <p:nvPr/>
-        </p:nvSpPr>
-        <p:spPr>
-          <a:xfrm>
-            <a:off x="8583999" y="4283469"/>
-            <a:ext cx="1089127" cy="1020770"/>
-          </a:xfrm>
-          <a:prstGeom prst="roundRect">
-            <a:avLst/>
-          </a:prstGeom>
-          <a:noFill/>
-          <a:ln w="38100">
-            <a:solidFill>
-              <a:srgbClr val="FF0000"/>
-            </a:solidFill>
-          </a:ln>
-        </p:spPr>
-        <p:style>
-          <a:lnRef idx="2">
-            <a:schemeClr val="accent1">
-              <a:shade val="50000"/>
-            </a:schemeClr>
-          </a:lnRef>
-          <a:fillRef idx="1">
-            <a:schemeClr val="accent1"/>
-          </a:fillRef>
-          <a:effectRef idx="0">
-            <a:schemeClr val="accent1"/>
-          </a:effectRef>
-          <a:fontRef idx="minor">
-            <a:schemeClr val="lt1"/>
-          </a:fontRef>
-        </p:style>
-        <p:txBody>
-          <a:bodyPr rtlCol="0" anchor="ctr"/>
-          <a:lstStyle/>
-          <a:p>
-            <a:pPr algn="ctr"/>
-            <a:endParaRPr kumimoji="1" lang="ja-JP" altLang="en-US"/>
-          </a:p>
-        </p:txBody>
-      </p:sp>
-      <p:sp>
-        <p:nvSpPr>
-          <p:cNvPr id="6" name="矢印: 右 5">
-            <a:extLst>
-              <a:ext uri="{FF2B5EF4-FFF2-40B4-BE49-F238E27FC236}">
-                <a16:creationId xmlns:a16="http://schemas.microsoft.com/office/drawing/2014/main" id="{95DF3E1B-B428-50DA-8D13-FBB1EB5AF42D}"/>
-              </a:ext>
-            </a:extLst>
-          </p:cNvPr>
-          <p:cNvSpPr/>
-          <p:nvPr/>
-        </p:nvSpPr>
-        <p:spPr>
-          <a:xfrm>
-            <a:off x="5015510" y="4020733"/>
-            <a:ext cx="1654563" cy="1177468"/>
-          </a:xfrm>
-          <a:prstGeom prst="rightArrow">
-            <a:avLst/>
-          </a:prstGeom>
-          <a:solidFill>
-            <a:schemeClr val="accent2"/>
-          </a:solidFill>
-          <a:ln>
-            <a:solidFill>
-              <a:schemeClr val="bg1"/>
-            </a:solidFill>
-          </a:ln>
-        </p:spPr>
-        <p:style>
-          <a:lnRef idx="2">
-            <a:schemeClr val="accent1">
-              <a:shade val="50000"/>
-            </a:schemeClr>
-          </a:lnRef>
-          <a:fillRef idx="1">
-            <a:schemeClr val="accent1"/>
-          </a:fillRef>
-          <a:effectRef idx="0">
-            <a:schemeClr val="accent1"/>
-          </a:effectRef>
-          <a:fontRef idx="minor">
-            <a:schemeClr val="lt1"/>
-          </a:fontRef>
-        </p:style>
-        <p:txBody>
-          <a:bodyPr rtlCol="0" anchor="ctr"/>
-          <a:lstStyle/>
-          <a:p>
-            <a:pPr algn="ctr"/>
-            <a:r>
-              <a:rPr kumimoji="1" lang="ja-JP" altLang="en-US" sz="2400" dirty="0">
-                <a:solidFill>
-                  <a:schemeClr val="bg1"/>
-                </a:solidFill>
-                <a:latin typeface="HGｺﾞｼｯｸE" panose="020B0909000000000000" pitchFamily="49" charset="-128"/>
-                <a:ea typeface="HGｺﾞｼｯｸE" panose="020B0909000000000000" pitchFamily="49" charset="-128"/>
-              </a:rPr>
-              <a:t>進化</a:t>
-            </a:r>
-          </a:p>
-        </p:txBody>
-      </p:sp>
-      <p:sp>
-        <p:nvSpPr>
-          <p:cNvPr id="41" name="四角形: 角を丸くする 40">
-            <a:extLst>
-              <a:ext uri="{FF2B5EF4-FFF2-40B4-BE49-F238E27FC236}">
-                <a16:creationId xmlns:a16="http://schemas.microsoft.com/office/drawing/2014/main" id="{BBBFDB87-C73C-E9C3-B845-410FC295B767}"/>
-              </a:ext>
-            </a:extLst>
-          </p:cNvPr>
-          <p:cNvSpPr/>
-          <p:nvPr/>
-        </p:nvSpPr>
-        <p:spPr>
-          <a:xfrm>
-            <a:off x="2279651" y="5422796"/>
-            <a:ext cx="1054099" cy="1070079"/>
-          </a:xfrm>
-          <a:prstGeom prst="roundRect">
-            <a:avLst/>
-          </a:prstGeom>
-          <a:noFill/>
-          <a:ln w="38100">
-            <a:solidFill>
-              <a:srgbClr val="FF0000"/>
-            </a:solidFill>
-          </a:ln>
-        </p:spPr>
-        <p:style>
-          <a:lnRef idx="2">
-            <a:schemeClr val="accent1">
-              <a:shade val="50000"/>
-            </a:schemeClr>
-          </a:lnRef>
-          <a:fillRef idx="1">
-            <a:schemeClr val="accent1"/>
-          </a:fillRef>
-          <a:effectRef idx="0">
-            <a:schemeClr val="accent1"/>
-          </a:effectRef>
-          <a:fontRef idx="minor">
-            <a:schemeClr val="lt1"/>
-          </a:fontRef>
-        </p:style>
-        <p:txBody>
-          <a:bodyPr rtlCol="0" anchor="ctr"/>
-          <a:lstStyle/>
-          <a:p>
-            <a:pPr algn="ctr"/>
-            <a:endParaRPr kumimoji="1" lang="ja-JP" altLang="en-US"/>
-          </a:p>
-        </p:txBody>
-      </p:sp>
-      <p:sp>
-        <p:nvSpPr>
-          <p:cNvPr id="26" name="四角形: 角を丸くする 25">
-            <a:extLst>
-              <a:ext uri="{FF2B5EF4-FFF2-40B4-BE49-F238E27FC236}">
-                <a16:creationId xmlns:a16="http://schemas.microsoft.com/office/drawing/2014/main" id="{4FEEEB77-5280-4C5B-82E6-86302C60FB29}"/>
-              </a:ext>
-            </a:extLst>
-          </p:cNvPr>
-          <p:cNvSpPr/>
-          <p:nvPr/>
-        </p:nvSpPr>
-        <p:spPr>
-          <a:xfrm>
-            <a:off x="6845301" y="2040014"/>
-            <a:ext cx="856358" cy="513124"/>
-          </a:xfrm>
-          <a:prstGeom prst="roundRect">
-            <a:avLst/>
-          </a:prstGeom>
-          <a:noFill/>
-          <a:ln w="38100">
-            <a:solidFill>
-              <a:srgbClr val="FF0000"/>
-            </a:solidFill>
-          </a:ln>
-        </p:spPr>
-        <p:style>
-          <a:lnRef idx="2">
-            <a:schemeClr val="accent1">
-              <a:shade val="50000"/>
-            </a:schemeClr>
-          </a:lnRef>
-          <a:fillRef idx="1">
-            <a:schemeClr val="accent1"/>
-          </a:fillRef>
-          <a:effectRef idx="0">
-            <a:schemeClr val="accent1"/>
-          </a:effectRef>
-          <a:fontRef idx="minor">
-            <a:schemeClr val="lt1"/>
-          </a:fontRef>
-        </p:style>
-        <p:txBody>
-          <a:bodyPr rtlCol="0" anchor="ctr"/>
-          <a:lstStyle/>
-          <a:p>
-            <a:pPr algn="ctr"/>
-            <a:endParaRPr kumimoji="1" lang="ja-JP" altLang="en-US"/>
-          </a:p>
-        </p:txBody>
-      </p:sp>
-      <p:sp>
-        <p:nvSpPr>
-          <p:cNvPr id="19" name="吹き出し: 角を丸めた四角形 18">
-            <a:extLst>
-              <a:ext uri="{FF2B5EF4-FFF2-40B4-BE49-F238E27FC236}">
-                <a16:creationId xmlns:a16="http://schemas.microsoft.com/office/drawing/2014/main" id="{BE036C09-AAD7-6A28-A92E-5B3B73F7BB2A}"/>
-              </a:ext>
-            </a:extLst>
-          </p:cNvPr>
-          <p:cNvSpPr/>
-          <p:nvPr/>
-        </p:nvSpPr>
-        <p:spPr>
-          <a:xfrm>
-            <a:off x="5881695" y="1227575"/>
-            <a:ext cx="4016741" cy="643160"/>
-          </a:xfrm>
-          <a:prstGeom prst="wedgeRoundRectCallout">
-            <a:avLst>
-              <a:gd name="adj1" fmla="val -19223"/>
-              <a:gd name="adj2" fmla="val 98355"/>
-              <a:gd name="adj3" fmla="val 16667"/>
-            </a:avLst>
-          </a:prstGeom>
-          <a:solidFill>
-            <a:schemeClr val="bg1"/>
-          </a:solidFill>
-          <a:ln>
-            <a:solidFill>
-              <a:srgbClr val="FFA333"/>
-            </a:solidFill>
-          </a:ln>
-        </p:spPr>
-        <p:style>
-          <a:lnRef idx="2">
-            <a:schemeClr val="accent1">
-              <a:shade val="50000"/>
-            </a:schemeClr>
-          </a:lnRef>
-          <a:fillRef idx="1">
-            <a:schemeClr val="accent1"/>
-          </a:fillRef>
-          <a:effectRef idx="0">
-            <a:schemeClr val="accent1"/>
-          </a:effectRef>
-          <a:fontRef idx="minor">
-            <a:schemeClr val="lt1"/>
-          </a:fontRef>
-        </p:style>
-        <p:txBody>
-          <a:bodyPr rtlCol="0" anchor="ctr"/>
-          <a:lstStyle/>
-          <a:p>
-            <a:pPr algn="ctr"/>
-            <a:r>
-              <a:rPr kumimoji="1" lang="ja-JP" altLang="en-US" sz="2400" dirty="0">
-                <a:solidFill>
-                  <a:schemeClr val="tx1"/>
-                </a:solidFill>
-                <a:latin typeface="HGｺﾞｼｯｸM" panose="020B0609000000000000" pitchFamily="49" charset="-128"/>
-                <a:ea typeface="HGｺﾞｼｯｸM" panose="020B0609000000000000" pitchFamily="49" charset="-128"/>
-              </a:rPr>
-              <a:t>一定のレベルになると進化</a:t>
-            </a:r>
-            <a:endParaRPr kumimoji="1" lang="ja-JP" altLang="en-US" sz="1600" dirty="0">
-              <a:solidFill>
-                <a:schemeClr val="tx1"/>
-              </a:solidFill>
-              <a:latin typeface="HGｺﾞｼｯｸM" panose="020B0609000000000000" pitchFamily="49" charset="-128"/>
-              <a:ea typeface="HGｺﾞｼｯｸM" panose="020B0609000000000000" pitchFamily="49" charset="-128"/>
-            </a:endParaRPr>
-          </a:p>
-        </p:txBody>
-      </p:sp>
-      <p:sp>
-        <p:nvSpPr>
-          <p:cNvPr id="27" name="四角形: 角を丸くする 26">
-            <a:extLst>
-              <a:ext uri="{FF2B5EF4-FFF2-40B4-BE49-F238E27FC236}">
-                <a16:creationId xmlns:a16="http://schemas.microsoft.com/office/drawing/2014/main" id="{B442BECB-DDAF-D878-E8D9-7D8AA3EDA66F}"/>
-              </a:ext>
-            </a:extLst>
-          </p:cNvPr>
-          <p:cNvSpPr/>
-          <p:nvPr/>
-        </p:nvSpPr>
-        <p:spPr>
-          <a:xfrm>
-            <a:off x="919083" y="3353753"/>
-            <a:ext cx="716382" cy="513124"/>
-          </a:xfrm>
-          <a:prstGeom prst="roundRect">
-            <a:avLst/>
-          </a:prstGeom>
-          <a:noFill/>
-          <a:ln w="38100">
-            <a:solidFill>
-              <a:srgbClr val="FF0000"/>
-            </a:solidFill>
-          </a:ln>
-        </p:spPr>
-        <p:style>
-          <a:lnRef idx="2">
-            <a:schemeClr val="accent1">
-              <a:shade val="50000"/>
-            </a:schemeClr>
-          </a:lnRef>
-          <a:fillRef idx="1">
-            <a:schemeClr val="accent1"/>
-          </a:fillRef>
-          <a:effectRef idx="0">
-            <a:schemeClr val="accent1"/>
-          </a:effectRef>
-          <a:fontRef idx="minor">
-            <a:schemeClr val="lt1"/>
-          </a:fontRef>
-        </p:style>
-        <p:txBody>
-          <a:bodyPr rtlCol="0" anchor="ctr"/>
-          <a:lstStyle/>
-          <a:p>
-            <a:pPr algn="ctr"/>
-            <a:endParaRPr kumimoji="1" lang="ja-JP" altLang="en-US"/>
-          </a:p>
-        </p:txBody>
-      </p:sp>
-      <p:sp>
-        <p:nvSpPr>
-          <p:cNvPr id="28" name="四角形: 角を丸くする 27">
-            <a:extLst>
-              <a:ext uri="{FF2B5EF4-FFF2-40B4-BE49-F238E27FC236}">
-                <a16:creationId xmlns:a16="http://schemas.microsoft.com/office/drawing/2014/main" id="{328AA31D-E358-65B6-49D3-3830FC0AF289}"/>
-              </a:ext>
-            </a:extLst>
-          </p:cNvPr>
-          <p:cNvSpPr/>
-          <p:nvPr/>
-        </p:nvSpPr>
-        <p:spPr>
-          <a:xfrm>
-            <a:off x="3884937" y="3345732"/>
-            <a:ext cx="1057023" cy="513124"/>
-          </a:xfrm>
-          <a:prstGeom prst="roundRect">
-            <a:avLst/>
-          </a:prstGeom>
-          <a:noFill/>
-          <a:ln w="38100">
-            <a:solidFill>
-              <a:srgbClr val="FF0000"/>
-            </a:solidFill>
-          </a:ln>
-        </p:spPr>
-        <p:style>
-          <a:lnRef idx="2">
-            <a:schemeClr val="accent1">
-              <a:shade val="50000"/>
-            </a:schemeClr>
-          </a:lnRef>
-          <a:fillRef idx="1">
-            <a:schemeClr val="accent1"/>
-          </a:fillRef>
-          <a:effectRef idx="0">
-            <a:schemeClr val="accent1"/>
-          </a:effectRef>
-          <a:fontRef idx="minor">
-            <a:schemeClr val="lt1"/>
-          </a:fontRef>
-        </p:style>
-        <p:txBody>
-          <a:bodyPr rtlCol="0" anchor="ctr"/>
-          <a:lstStyle/>
-          <a:p>
-            <a:pPr algn="ctr"/>
-            <a:endParaRPr kumimoji="1" lang="ja-JP" altLang="en-US"/>
-          </a:p>
-        </p:txBody>
-      </p:sp>
-      <p:sp>
-        <p:nvSpPr>
-          <p:cNvPr id="32" name="フローチャート: 結合子 31">
-            <a:extLst>
-              <a:ext uri="{FF2B5EF4-FFF2-40B4-BE49-F238E27FC236}">
-                <a16:creationId xmlns:a16="http://schemas.microsoft.com/office/drawing/2014/main" id="{F0DE0115-6AB0-C6DD-C440-B716F9E3DE73}"/>
-              </a:ext>
-            </a:extLst>
-          </p:cNvPr>
-          <p:cNvSpPr/>
-          <p:nvPr/>
-        </p:nvSpPr>
-        <p:spPr>
-          <a:xfrm>
-            <a:off x="5663402" y="920615"/>
-            <a:ext cx="570770" cy="570770"/>
-          </a:xfrm>
-          <a:prstGeom prst="flowChartConnector">
-            <a:avLst/>
-          </a:prstGeom>
-          <a:solidFill>
-            <a:schemeClr val="accent2"/>
-          </a:solidFill>
-          <a:ln>
-            <a:solidFill>
-              <a:schemeClr val="bg1"/>
-            </a:solidFill>
-          </a:ln>
-        </p:spPr>
-        <p:style>
-          <a:lnRef idx="2">
-            <a:schemeClr val="accent1">
-              <a:shade val="50000"/>
-            </a:schemeClr>
-          </a:lnRef>
-          <a:fillRef idx="1">
-            <a:schemeClr val="accent1"/>
-          </a:fillRef>
-          <a:effectRef idx="0">
-            <a:schemeClr val="accent1"/>
-          </a:effectRef>
-          <a:fontRef idx="minor">
-            <a:schemeClr val="lt1"/>
-          </a:fontRef>
-        </p:style>
-        <p:txBody>
-          <a:bodyPr rtlCol="0" anchor="ctr"/>
-          <a:lstStyle/>
-          <a:p>
-            <a:pPr algn="ctr"/>
-            <a:r>
-              <a:rPr kumimoji="1" lang="ja-JP" altLang="en-US" dirty="0">
-                <a:latin typeface="HGｺﾞｼｯｸE" panose="020B0909000000000000" pitchFamily="49" charset="-128"/>
-                <a:ea typeface="HGｺﾞｼｯｸE" panose="020B0909000000000000" pitchFamily="49" charset="-128"/>
-              </a:rPr>
-              <a:t>２</a:t>
-            </a:r>
-          </a:p>
-        </p:txBody>
-      </p:sp>
-      <p:grpSp>
-        <p:nvGrpSpPr>
-          <p:cNvPr id="11" name="グループ化 10">
-            <a:extLst>
-              <a:ext uri="{FF2B5EF4-FFF2-40B4-BE49-F238E27FC236}">
-                <a16:creationId xmlns:a16="http://schemas.microsoft.com/office/drawing/2014/main" id="{143ADB2A-7E19-47C5-9AFE-721F00C327B5}"/>
-              </a:ext>
-            </a:extLst>
-          </p:cNvPr>
-          <p:cNvGrpSpPr/>
-          <p:nvPr/>
-        </p:nvGrpSpPr>
-        <p:grpSpPr>
-          <a:xfrm>
-            <a:off x="6748154" y="2989705"/>
-            <a:ext cx="5034617" cy="968462"/>
-            <a:chOff x="6865255" y="3249727"/>
-            <a:chExt cx="5034617" cy="968462"/>
-          </a:xfrm>
-        </p:grpSpPr>
-        <p:sp>
-          <p:nvSpPr>
-            <p:cNvPr id="17" name="吹き出し: 角を丸めた四角形 16">
-              <a:extLst>
-                <a:ext uri="{FF2B5EF4-FFF2-40B4-BE49-F238E27FC236}">
-                  <a16:creationId xmlns:a16="http://schemas.microsoft.com/office/drawing/2014/main" id="{3A3D246F-7DF9-6375-CF41-DA3D1E824591}"/>
-                </a:ext>
-              </a:extLst>
-            </p:cNvPr>
-            <p:cNvSpPr/>
-            <p:nvPr/>
-          </p:nvSpPr>
-          <p:spPr>
-            <a:xfrm>
-              <a:off x="7150640" y="3575029"/>
-              <a:ext cx="4749232" cy="643160"/>
-            </a:xfrm>
-            <a:prstGeom prst="wedgeRoundRectCallout">
-              <a:avLst>
-                <a:gd name="adj1" fmla="val -12941"/>
-                <a:gd name="adj2" fmla="val 129922"/>
-                <a:gd name="adj3" fmla="val 16667"/>
-              </a:avLst>
-            </a:prstGeom>
-            <a:solidFill>
-              <a:schemeClr val="bg1"/>
-            </a:solidFill>
-            <a:ln>
-              <a:solidFill>
-                <a:srgbClr val="FFA333"/>
-              </a:solidFill>
-            </a:ln>
-          </p:spPr>
-          <p:style>
-            <a:lnRef idx="2">
-              <a:schemeClr val="accent1">
-                <a:shade val="50000"/>
-              </a:schemeClr>
-            </a:lnRef>
-            <a:fillRef idx="1">
-              <a:schemeClr val="accent1"/>
-            </a:fillRef>
-            <a:effectRef idx="0">
-              <a:schemeClr val="accent1"/>
-            </a:effectRef>
-            <a:fontRef idx="minor">
-              <a:schemeClr val="lt1"/>
-            </a:fontRef>
-          </p:style>
-          <p:txBody>
-            <a:bodyPr rtlCol="0" anchor="ctr"/>
-            <a:lstStyle/>
-            <a:p>
-              <a:pPr algn="ctr"/>
-              <a:r>
-                <a:rPr kumimoji="1" lang="ja-JP" altLang="en-US" sz="2400" dirty="0">
-                  <a:solidFill>
-                    <a:schemeClr val="tx1"/>
-                  </a:solidFill>
-                  <a:latin typeface="HGｺﾞｼｯｸM" panose="020B0609000000000000" pitchFamily="49" charset="-128"/>
-                  <a:ea typeface="HGｺﾞｼｯｸM" panose="020B0609000000000000" pitchFamily="49" charset="-128"/>
-                </a:rPr>
-                <a:t>キャラの見た目や動きが変わる</a:t>
-              </a:r>
-            </a:p>
-          </p:txBody>
-        </p:sp>
-        <p:sp>
-          <p:nvSpPr>
-            <p:cNvPr id="35" name="フローチャート: 結合子 34">
-              <a:extLst>
-                <a:ext uri="{FF2B5EF4-FFF2-40B4-BE49-F238E27FC236}">
-                  <a16:creationId xmlns:a16="http://schemas.microsoft.com/office/drawing/2014/main" id="{BBBC9E22-238C-16A3-F8D3-7266111E8612}"/>
-                </a:ext>
-              </a:extLst>
-            </p:cNvPr>
-            <p:cNvSpPr/>
-            <p:nvPr/>
-          </p:nvSpPr>
-          <p:spPr>
-            <a:xfrm>
-              <a:off x="6865255" y="3249727"/>
-              <a:ext cx="570770" cy="570770"/>
-            </a:xfrm>
-            <a:prstGeom prst="flowChartConnector">
-              <a:avLst/>
-            </a:prstGeom>
-            <a:solidFill>
-              <a:schemeClr val="accent2"/>
-            </a:solidFill>
-            <a:ln>
-              <a:solidFill>
-                <a:schemeClr val="bg1"/>
-              </a:solidFill>
-            </a:ln>
-          </p:spPr>
-          <p:style>
-            <a:lnRef idx="2">
-              <a:schemeClr val="accent1">
-                <a:shade val="50000"/>
-              </a:schemeClr>
-            </a:lnRef>
-            <a:fillRef idx="1">
-              <a:schemeClr val="accent1"/>
-            </a:fillRef>
-            <a:effectRef idx="0">
-              <a:schemeClr val="accent1"/>
-            </a:effectRef>
-            <a:fontRef idx="minor">
-              <a:schemeClr val="lt1"/>
-            </a:fontRef>
-          </p:style>
-          <p:txBody>
-            <a:bodyPr rtlCol="0" anchor="ctr"/>
-            <a:lstStyle/>
-            <a:p>
-              <a:pPr algn="ctr"/>
-              <a:r>
-                <a:rPr lang="ja-JP" altLang="en-US" dirty="0">
-                  <a:latin typeface="HGｺﾞｼｯｸE" panose="020B0909000000000000" pitchFamily="49" charset="-128"/>
-                  <a:ea typeface="HGｺﾞｼｯｸE" panose="020B0909000000000000" pitchFamily="49" charset="-128"/>
-                </a:rPr>
-                <a:t>３</a:t>
-              </a:r>
-              <a:endParaRPr kumimoji="1" lang="ja-JP" altLang="en-US" dirty="0">
-                <a:latin typeface="HGｺﾞｼｯｸE" panose="020B0909000000000000" pitchFamily="49" charset="-128"/>
-                <a:ea typeface="HGｺﾞｼｯｸE" panose="020B0909000000000000" pitchFamily="49" charset="-128"/>
-              </a:endParaRPr>
-            </a:p>
-          </p:txBody>
-        </p:sp>
-      </p:grpSp>
-      <p:grpSp>
-        <p:nvGrpSpPr>
-          <p:cNvPr id="29" name="グループ化 28">
-            <a:extLst>
-              <a:ext uri="{FF2B5EF4-FFF2-40B4-BE49-F238E27FC236}">
-                <a16:creationId xmlns:a16="http://schemas.microsoft.com/office/drawing/2014/main" id="{988D4903-7F37-D50C-7400-304C8B4EFD8F}"/>
-              </a:ext>
-            </a:extLst>
-          </p:cNvPr>
-          <p:cNvGrpSpPr/>
-          <p:nvPr/>
-        </p:nvGrpSpPr>
-        <p:grpSpPr>
-          <a:xfrm>
-            <a:off x="276805" y="3803967"/>
-            <a:ext cx="1654563" cy="929514"/>
-            <a:chOff x="251218" y="3867391"/>
-            <a:chExt cx="1654563" cy="929514"/>
-          </a:xfrm>
-        </p:grpSpPr>
-        <p:sp>
-          <p:nvSpPr>
-            <p:cNvPr id="39" name="矢印: 五方向 38">
-              <a:extLst>
-                <a:ext uri="{FF2B5EF4-FFF2-40B4-BE49-F238E27FC236}">
-                  <a16:creationId xmlns:a16="http://schemas.microsoft.com/office/drawing/2014/main" id="{7F733511-9969-4C97-9D52-1FD4D6F4A7C8}"/>
-                </a:ext>
-              </a:extLst>
-            </p:cNvPr>
-            <p:cNvSpPr/>
-            <p:nvPr/>
-          </p:nvSpPr>
-          <p:spPr>
-            <a:xfrm rot="16200000">
-              <a:off x="613743" y="3504866"/>
-              <a:ext cx="929514" cy="1654563"/>
-            </a:xfrm>
-            <a:prstGeom prst="homePlate">
-              <a:avLst/>
-            </a:prstGeom>
-            <a:solidFill>
-              <a:schemeClr val="accent4">
-                <a:lumMod val="40000"/>
-                <a:lumOff val="60000"/>
-              </a:schemeClr>
-            </a:solidFill>
-            <a:ln>
-              <a:solidFill>
-                <a:schemeClr val="bg1"/>
-              </a:solidFill>
-            </a:ln>
-          </p:spPr>
-          <p:style>
-            <a:lnRef idx="2">
-              <a:schemeClr val="accent1">
-                <a:shade val="50000"/>
-              </a:schemeClr>
-            </a:lnRef>
-            <a:fillRef idx="1">
-              <a:schemeClr val="accent1"/>
-            </a:fillRef>
-            <a:effectRef idx="0">
-              <a:schemeClr val="accent1"/>
-            </a:effectRef>
-            <a:fontRef idx="minor">
-              <a:schemeClr val="lt1"/>
-            </a:fontRef>
-          </p:style>
-          <p:txBody>
-            <a:bodyPr rtlCol="0" anchor="ctr"/>
-            <a:lstStyle/>
-            <a:p>
-              <a:pPr algn="ctr"/>
-              <a:endParaRPr kumimoji="1" lang="ja-JP" altLang="en-US" sz="2400" dirty="0">
-                <a:solidFill>
-                  <a:schemeClr val="accent2">
-                    <a:lumMod val="75000"/>
-                  </a:schemeClr>
-                </a:solidFill>
-              </a:endParaRPr>
-            </a:p>
-          </p:txBody>
-        </p:sp>
-        <p:sp>
-          <p:nvSpPr>
-            <p:cNvPr id="40" name="テキスト ボックス 39">
-              <a:extLst>
-                <a:ext uri="{FF2B5EF4-FFF2-40B4-BE49-F238E27FC236}">
-                  <a16:creationId xmlns:a16="http://schemas.microsoft.com/office/drawing/2014/main" id="{255954E2-16A0-1397-E21F-FD410CA199CE}"/>
-                </a:ext>
-              </a:extLst>
-            </p:cNvPr>
-            <p:cNvSpPr txBox="1"/>
-            <p:nvPr/>
-          </p:nvSpPr>
-          <p:spPr>
-            <a:xfrm>
-              <a:off x="432321" y="4291355"/>
-              <a:ext cx="1292358" cy="461665"/>
-            </a:xfrm>
-            <a:prstGeom prst="rect">
-              <a:avLst/>
-            </a:prstGeom>
-            <a:noFill/>
-          </p:spPr>
-          <p:txBody>
-            <a:bodyPr wrap="square" rtlCol="0">
-              <a:spAutoFit/>
-            </a:bodyPr>
-            <a:lstStyle/>
-            <a:p>
-              <a:pPr algn="ctr"/>
-              <a:r>
-                <a:rPr lang="ja-JP" altLang="en-US" sz="2400" dirty="0">
-                  <a:solidFill>
-                    <a:schemeClr val="accent2">
-                      <a:lumMod val="75000"/>
-                    </a:schemeClr>
-                  </a:solidFill>
-                </a:rPr>
-                <a:t>レベル</a:t>
-              </a:r>
-              <a:endParaRPr lang="en-US" altLang="ja-JP" sz="2400" dirty="0">
-                <a:solidFill>
-                  <a:schemeClr val="accent2">
-                    <a:lumMod val="75000"/>
-                  </a:schemeClr>
-                </a:solidFill>
-              </a:endParaRPr>
-            </a:p>
-          </p:txBody>
-        </p:sp>
-      </p:grpSp>
-      <p:sp>
-        <p:nvSpPr>
-          <p:cNvPr id="25" name="吹き出し: 角を丸めた四角形 24">
-            <a:extLst>
-              <a:ext uri="{FF2B5EF4-FFF2-40B4-BE49-F238E27FC236}">
-                <a16:creationId xmlns:a16="http://schemas.microsoft.com/office/drawing/2014/main" id="{2109AAB7-D08F-113D-89FB-A5FCCE31B9B9}"/>
-              </a:ext>
-            </a:extLst>
-          </p:cNvPr>
-          <p:cNvSpPr/>
-          <p:nvPr/>
-        </p:nvSpPr>
-        <p:spPr>
-          <a:xfrm>
-            <a:off x="369935" y="1916687"/>
-            <a:ext cx="5527083" cy="643160"/>
-          </a:xfrm>
-          <a:prstGeom prst="wedgeRoundRectCallout">
-            <a:avLst>
-              <a:gd name="adj1" fmla="val -32012"/>
-              <a:gd name="adj2" fmla="val 183574"/>
-              <a:gd name="adj3" fmla="val 16667"/>
-            </a:avLst>
-          </a:prstGeom>
-          <a:solidFill>
-            <a:schemeClr val="bg1"/>
-          </a:solidFill>
-          <a:ln>
-            <a:solidFill>
-              <a:srgbClr val="FFA333"/>
-            </a:solidFill>
-          </a:ln>
-        </p:spPr>
-        <p:style>
-          <a:lnRef idx="2">
-            <a:schemeClr val="accent1">
-              <a:shade val="50000"/>
-            </a:schemeClr>
-          </a:lnRef>
-          <a:fillRef idx="1">
-            <a:schemeClr val="accent1"/>
-          </a:fillRef>
-          <a:effectRef idx="0">
-            <a:schemeClr val="accent1"/>
-          </a:effectRef>
-          <a:fontRef idx="minor">
-            <a:schemeClr val="lt1"/>
-          </a:fontRef>
-        </p:style>
-        <p:txBody>
-          <a:bodyPr rtlCol="0" anchor="ctr"/>
-          <a:lstStyle/>
-          <a:p>
-            <a:r>
-              <a:rPr kumimoji="1" lang="ja-JP" altLang="en-US" sz="2400" dirty="0">
-                <a:solidFill>
-                  <a:schemeClr val="tx1"/>
-                </a:solidFill>
-                <a:latin typeface="HGｺﾞｼｯｸM" panose="020B0609000000000000" pitchFamily="49" charset="-128"/>
-                <a:ea typeface="HGｺﾞｼｯｸM" panose="020B0609000000000000" pitchFamily="49" charset="-128"/>
-              </a:rPr>
-              <a:t>貯めた経験値に応じてレベルが上がる</a:t>
-            </a:r>
-            <a:endParaRPr kumimoji="1" lang="en-US" altLang="ja-JP" sz="2400" dirty="0">
-              <a:solidFill>
-                <a:schemeClr val="tx1"/>
-              </a:solidFill>
-              <a:latin typeface="HGｺﾞｼｯｸM" panose="020B0609000000000000" pitchFamily="49" charset="-128"/>
-              <a:ea typeface="HGｺﾞｼｯｸM" panose="020B0609000000000000" pitchFamily="49" charset="-128"/>
-            </a:endParaRPr>
-          </a:p>
-        </p:txBody>
-      </p:sp>
-      <p:sp>
-        <p:nvSpPr>
-          <p:cNvPr id="14" name="フローチャート: 結合子 13">
-            <a:extLst>
-              <a:ext uri="{FF2B5EF4-FFF2-40B4-BE49-F238E27FC236}">
-                <a16:creationId xmlns:a16="http://schemas.microsoft.com/office/drawing/2014/main" id="{376C327D-91FF-7AA5-807A-E6E7F1ADBC05}"/>
-              </a:ext>
-            </a:extLst>
-          </p:cNvPr>
-          <p:cNvSpPr/>
-          <p:nvPr/>
-        </p:nvSpPr>
-        <p:spPr>
-          <a:xfrm>
-            <a:off x="68880" y="1553750"/>
-            <a:ext cx="570770" cy="570770"/>
-          </a:xfrm>
-          <a:prstGeom prst="flowChartConnector">
-            <a:avLst/>
-          </a:prstGeom>
-          <a:solidFill>
-            <a:schemeClr val="accent2"/>
-          </a:solidFill>
-          <a:ln>
-            <a:solidFill>
-              <a:schemeClr val="bg1"/>
-            </a:solidFill>
-          </a:ln>
-        </p:spPr>
-        <p:style>
-          <a:lnRef idx="2">
-            <a:schemeClr val="accent1">
-              <a:shade val="50000"/>
-            </a:schemeClr>
-          </a:lnRef>
-          <a:fillRef idx="1">
-            <a:schemeClr val="accent1"/>
-          </a:fillRef>
-          <a:effectRef idx="0">
-            <a:schemeClr val="accent1"/>
-          </a:effectRef>
-          <a:fontRef idx="minor">
-            <a:schemeClr val="lt1"/>
-          </a:fontRef>
-        </p:style>
-        <p:txBody>
-          <a:bodyPr rtlCol="0" anchor="ctr"/>
-          <a:lstStyle/>
-          <a:p>
-            <a:pPr algn="ctr"/>
-            <a:r>
-              <a:rPr kumimoji="1" lang="ja-JP" altLang="en-US" dirty="0">
-                <a:latin typeface="HGｺﾞｼｯｸE" panose="020B0909000000000000" pitchFamily="49" charset="-128"/>
-                <a:ea typeface="HGｺﾞｼｯｸE" panose="020B0909000000000000" pitchFamily="49" charset="-128"/>
-              </a:rPr>
-              <a:t>１</a:t>
-            </a:r>
-          </a:p>
-        </p:txBody>
-      </p:sp>
-      <p:sp>
-        <p:nvSpPr>
-          <p:cNvPr id="13" name="矢印: 環状 12">
-            <a:extLst>
-              <a:ext uri="{FF2B5EF4-FFF2-40B4-BE49-F238E27FC236}">
-                <a16:creationId xmlns:a16="http://schemas.microsoft.com/office/drawing/2014/main" id="{B79FFEA5-5BD7-6989-7814-9E4CA588634E}"/>
-              </a:ext>
-            </a:extLst>
-          </p:cNvPr>
-          <p:cNvSpPr/>
-          <p:nvPr/>
-        </p:nvSpPr>
-        <p:spPr>
-          <a:xfrm flipH="1" flipV="1">
-            <a:off x="1272663" y="2616957"/>
-            <a:ext cx="3195288" cy="2374017"/>
-          </a:xfrm>
-          <a:prstGeom prst="circularArrow">
-            <a:avLst/>
-          </a:prstGeom>
-          <a:solidFill>
-            <a:srgbClr val="FF0000"/>
-          </a:solidFill>
-          <a:ln>
-            <a:solidFill>
-              <a:schemeClr val="bg1">
-                <a:lumMod val="95000"/>
-              </a:schemeClr>
-            </a:solidFill>
-          </a:ln>
-        </p:spPr>
-        <p:style>
-          <a:lnRef idx="2">
-            <a:schemeClr val="accent1">
-              <a:shade val="50000"/>
-            </a:schemeClr>
-          </a:lnRef>
-          <a:fillRef idx="1">
-            <a:schemeClr val="accent1"/>
-          </a:fillRef>
-          <a:effectRef idx="0">
-            <a:schemeClr val="accent1"/>
-          </a:effectRef>
-          <a:fontRef idx="minor">
-            <a:schemeClr val="lt1"/>
-          </a:fontRef>
-        </p:style>
-        <p:txBody>
-          <a:bodyPr rtlCol="0" anchor="ctr"/>
-          <a:lstStyle/>
-          <a:p>
-            <a:pPr algn="ctr"/>
-            <a:endParaRPr kumimoji="1" lang="ja-JP" altLang="en-US">
-              <a:solidFill>
-                <a:schemeClr val="tx1"/>
-              </a:solidFill>
-            </a:endParaRPr>
-          </a:p>
-        </p:txBody>
-      </p:sp>
-    </p:spTree>
-    <p:extLst>
-      <p:ext uri="{BB962C8B-B14F-4D97-AF65-F5344CB8AC3E}">
-        <p14:creationId xmlns:p14="http://schemas.microsoft.com/office/powerpoint/2010/main" val="2630536857"/>
       </p:ext>
     </p:extLst>
   </p:cSld>

--- a/doc/プレゼン資料_F3_なかおっち.pptx
+++ b/doc/プレゼン資料_F3_なかおっち.pptx
@@ -221,7 +221,7 @@
           <a:p>
             <a:fld id="{85B45B40-20F4-4BB7-A9AD-AD3E8AF4E576}" type="datetimeFigureOut">
               <a:rPr kumimoji="1" lang="ja-JP" altLang="en-US" smtClean="0"/>
-              <a:t>2022/6/24</a:t>
+              <a:t>2022/6/27</a:t>
             </a:fld>
             <a:endParaRPr kumimoji="1" lang="ja-JP" altLang="en-US"/>
           </a:p>
@@ -1762,7 +1762,7 @@
           <a:p>
             <a:fld id="{DE4BA7E1-AEC3-4D3A-B9C5-26FBCA429707}" type="datetimeFigureOut">
               <a:rPr kumimoji="1" lang="ja-JP" altLang="en-US" smtClean="0"/>
-              <a:t>2022/6/24</a:t>
+              <a:t>2022/6/27</a:t>
             </a:fld>
             <a:endParaRPr kumimoji="1" lang="ja-JP" altLang="en-US"/>
           </a:p>
@@ -1992,7 +1992,7 @@
           <a:p>
             <a:fld id="{DE4BA7E1-AEC3-4D3A-B9C5-26FBCA429707}" type="datetimeFigureOut">
               <a:rPr kumimoji="1" lang="ja-JP" altLang="en-US" smtClean="0"/>
-              <a:t>2022/6/24</a:t>
+              <a:t>2022/6/27</a:t>
             </a:fld>
             <a:endParaRPr kumimoji="1" lang="ja-JP" altLang="en-US"/>
           </a:p>
@@ -2232,7 +2232,7 @@
           <a:p>
             <a:fld id="{DE4BA7E1-AEC3-4D3A-B9C5-26FBCA429707}" type="datetimeFigureOut">
               <a:rPr kumimoji="1" lang="ja-JP" altLang="en-US" smtClean="0"/>
-              <a:t>2022/6/24</a:t>
+              <a:t>2022/6/27</a:t>
             </a:fld>
             <a:endParaRPr kumimoji="1" lang="ja-JP" altLang="en-US"/>
           </a:p>
@@ -2462,7 +2462,7 @@
           <a:p>
             <a:fld id="{DE4BA7E1-AEC3-4D3A-B9C5-26FBCA429707}" type="datetimeFigureOut">
               <a:rPr kumimoji="1" lang="ja-JP" altLang="en-US" smtClean="0"/>
-              <a:t>2022/6/24</a:t>
+              <a:t>2022/6/27</a:t>
             </a:fld>
             <a:endParaRPr kumimoji="1" lang="ja-JP" altLang="en-US"/>
           </a:p>
@@ -2737,7 +2737,7 @@
           <a:p>
             <a:fld id="{DE4BA7E1-AEC3-4D3A-B9C5-26FBCA429707}" type="datetimeFigureOut">
               <a:rPr kumimoji="1" lang="ja-JP" altLang="en-US" smtClean="0"/>
-              <a:t>2022/6/24</a:t>
+              <a:t>2022/6/27</a:t>
             </a:fld>
             <a:endParaRPr kumimoji="1" lang="ja-JP" altLang="en-US"/>
           </a:p>
@@ -3066,7 +3066,7 @@
           <a:p>
             <a:fld id="{DE4BA7E1-AEC3-4D3A-B9C5-26FBCA429707}" type="datetimeFigureOut">
               <a:rPr kumimoji="1" lang="ja-JP" altLang="en-US" smtClean="0"/>
-              <a:t>2022/6/24</a:t>
+              <a:t>2022/6/27</a:t>
             </a:fld>
             <a:endParaRPr kumimoji="1" lang="ja-JP" altLang="en-US"/>
           </a:p>
@@ -3542,7 +3542,7 @@
           <a:p>
             <a:fld id="{DE4BA7E1-AEC3-4D3A-B9C5-26FBCA429707}" type="datetimeFigureOut">
               <a:rPr kumimoji="1" lang="ja-JP" altLang="en-US" smtClean="0"/>
-              <a:t>2022/6/24</a:t>
+              <a:t>2022/6/27</a:t>
             </a:fld>
             <a:endParaRPr kumimoji="1" lang="ja-JP" altLang="en-US"/>
           </a:p>
@@ -3683,7 +3683,7 @@
           <a:p>
             <a:fld id="{DE4BA7E1-AEC3-4D3A-B9C5-26FBCA429707}" type="datetimeFigureOut">
               <a:rPr kumimoji="1" lang="ja-JP" altLang="en-US" smtClean="0"/>
-              <a:t>2022/6/24</a:t>
+              <a:t>2022/6/27</a:t>
             </a:fld>
             <a:endParaRPr kumimoji="1" lang="ja-JP" altLang="en-US"/>
           </a:p>
@@ -3796,7 +3796,7 @@
           <a:p>
             <a:fld id="{DE4BA7E1-AEC3-4D3A-B9C5-26FBCA429707}" type="datetimeFigureOut">
               <a:rPr kumimoji="1" lang="ja-JP" altLang="en-US" smtClean="0"/>
-              <a:t>2022/6/24</a:t>
+              <a:t>2022/6/27</a:t>
             </a:fld>
             <a:endParaRPr kumimoji="1" lang="ja-JP" altLang="en-US"/>
           </a:p>
@@ -4139,7 +4139,7 @@
           <a:p>
             <a:fld id="{DE4BA7E1-AEC3-4D3A-B9C5-26FBCA429707}" type="datetimeFigureOut">
               <a:rPr kumimoji="1" lang="ja-JP" altLang="en-US" smtClean="0"/>
-              <a:t>2022/6/24</a:t>
+              <a:t>2022/6/27</a:t>
             </a:fld>
             <a:endParaRPr kumimoji="1" lang="ja-JP" altLang="en-US"/>
           </a:p>
@@ -4427,7 +4427,7 @@
           <a:p>
             <a:fld id="{DE4BA7E1-AEC3-4D3A-B9C5-26FBCA429707}" type="datetimeFigureOut">
               <a:rPr kumimoji="1" lang="ja-JP" altLang="en-US" smtClean="0"/>
-              <a:t>2022/6/24</a:t>
+              <a:t>2022/6/27</a:t>
             </a:fld>
             <a:endParaRPr kumimoji="1" lang="ja-JP" altLang="en-US"/>
           </a:p>
@@ -4700,7 +4700,7 @@
           <a:p>
             <a:fld id="{DE4BA7E1-AEC3-4D3A-B9C5-26FBCA429707}" type="datetimeFigureOut">
               <a:rPr kumimoji="1" lang="ja-JP" altLang="en-US" smtClean="0"/>
-              <a:t>2022/6/24</a:t>
+              <a:t>2022/6/27</a:t>
             </a:fld>
             <a:endParaRPr kumimoji="1" lang="ja-JP" altLang="en-US"/>
           </a:p>
@@ -7122,6 +7122,66 @@
           <a:chExt cx="0" cy="0"/>
         </a:xfrm>
       </p:grpSpPr>
+      <p:pic>
+        <p:nvPicPr>
+          <p:cNvPr id="11" name="図 10">
+            <a:extLst>
+              <a:ext uri="{FF2B5EF4-FFF2-40B4-BE49-F238E27FC236}">
+                <a16:creationId xmlns:a16="http://schemas.microsoft.com/office/drawing/2014/main" id="{829618A4-DC98-3DD8-23C7-D540FE6AC9B4}"/>
+              </a:ext>
+            </a:extLst>
+          </p:cNvPr>
+          <p:cNvPicPr>
+            <a:picLocks noChangeAspect="1"/>
+          </p:cNvPicPr>
+          <p:nvPr/>
+        </p:nvPicPr>
+        <p:blipFill>
+          <a:blip r:embed="rId3"/>
+          <a:stretch>
+            <a:fillRect/>
+          </a:stretch>
+        </p:blipFill>
+        <p:spPr>
+          <a:xfrm>
+            <a:off x="9090762" y="834391"/>
+            <a:ext cx="2505425" cy="5772956"/>
+          </a:xfrm>
+          <a:prstGeom prst="rect">
+            <a:avLst/>
+          </a:prstGeom>
+        </p:spPr>
+      </p:pic>
+      <p:pic>
+        <p:nvPicPr>
+          <p:cNvPr id="9" name="図 8">
+            <a:extLst>
+              <a:ext uri="{FF2B5EF4-FFF2-40B4-BE49-F238E27FC236}">
+                <a16:creationId xmlns:a16="http://schemas.microsoft.com/office/drawing/2014/main" id="{8A972FAF-14E7-0496-3A27-496DE19D0835}"/>
+              </a:ext>
+            </a:extLst>
+          </p:cNvPr>
+          <p:cNvPicPr>
+            <a:picLocks noChangeAspect="1"/>
+          </p:cNvPicPr>
+          <p:nvPr/>
+        </p:nvPicPr>
+        <p:blipFill>
+          <a:blip r:embed="rId4"/>
+          <a:stretch>
+            <a:fillRect/>
+          </a:stretch>
+        </p:blipFill>
+        <p:spPr>
+          <a:xfrm>
+            <a:off x="2409052" y="2308350"/>
+            <a:ext cx="1872477" cy="4289033"/>
+          </a:xfrm>
+          <a:prstGeom prst="rect">
+            <a:avLst/>
+          </a:prstGeom>
+        </p:spPr>
+      </p:pic>
       <p:sp>
         <p:nvSpPr>
           <p:cNvPr id="6" name="楕円 5">
@@ -7136,7 +7196,7 @@
         </p:nvSpPr>
         <p:spPr>
           <a:xfrm>
-            <a:off x="9042026" y="73825"/>
+            <a:off x="9108229" y="225080"/>
             <a:ext cx="2470489" cy="774868"/>
           </a:xfrm>
           <a:prstGeom prst="ellipse">
@@ -7242,64 +7302,6 @@
           </a:p>
         </p:txBody>
       </p:sp>
-      <p:pic>
-        <p:nvPicPr>
-          <p:cNvPr id="4" name="図 3">
-            <a:extLst>
-              <a:ext uri="{FF2B5EF4-FFF2-40B4-BE49-F238E27FC236}">
-                <a16:creationId xmlns:a16="http://schemas.microsoft.com/office/drawing/2014/main" id="{19AFAD45-242B-94FE-0BC8-8042BCFEEFB5}"/>
-              </a:ext>
-            </a:extLst>
-          </p:cNvPr>
-          <p:cNvPicPr>
-            <a:picLocks noChangeAspect="1"/>
-          </p:cNvPicPr>
-          <p:nvPr/>
-        </p:nvPicPr>
-        <p:blipFill rotWithShape="1">
-          <a:blip r:embed="rId3"/>
-          <a:srcRect l="1405" t="9747" r="76292" b="7479"/>
-          <a:stretch/>
-        </p:blipFill>
-        <p:spPr>
-          <a:xfrm>
-            <a:off x="2353376" y="2365828"/>
-            <a:ext cx="2067696" cy="4314492"/>
-          </a:xfrm>
-          <a:prstGeom prst="rect">
-            <a:avLst/>
-          </a:prstGeom>
-        </p:spPr>
-      </p:pic>
-      <p:pic>
-        <p:nvPicPr>
-          <p:cNvPr id="17" name="図 16">
-            <a:extLst>
-              <a:ext uri="{FF2B5EF4-FFF2-40B4-BE49-F238E27FC236}">
-                <a16:creationId xmlns:a16="http://schemas.microsoft.com/office/drawing/2014/main" id="{73980A5D-1DBB-7422-08A6-C253B88576A5}"/>
-              </a:ext>
-            </a:extLst>
-          </p:cNvPr>
-          <p:cNvPicPr>
-            <a:picLocks noChangeAspect="1"/>
-          </p:cNvPicPr>
-          <p:nvPr/>
-        </p:nvPicPr>
-        <p:blipFill rotWithShape="1">
-          <a:blip r:embed="rId4"/>
-          <a:srcRect l="1404" t="11811" r="77074" b="9803"/>
-          <a:stretch/>
-        </p:blipFill>
-        <p:spPr>
-          <a:xfrm>
-            <a:off x="8823281" y="752286"/>
-            <a:ext cx="2894927" cy="5928034"/>
-          </a:xfrm>
-          <a:prstGeom prst="rect">
-            <a:avLst/>
-          </a:prstGeom>
-        </p:spPr>
-      </p:pic>
       <p:sp>
         <p:nvSpPr>
           <p:cNvPr id="2" name="タイトル 1">
@@ -7647,8 +7649,8 @@
         </p:nvSpPr>
         <p:spPr>
           <a:xfrm>
-            <a:off x="2758456" y="3431631"/>
-            <a:ext cx="1218973" cy="404465"/>
+            <a:off x="2893144" y="3555462"/>
+            <a:ext cx="807245" cy="330814"/>
           </a:xfrm>
           <a:prstGeom prst="roundRect">
             <a:avLst/>
@@ -7699,7 +7701,7 @@
         </p:nvSpPr>
         <p:spPr>
           <a:xfrm>
-            <a:off x="2922113" y="5372704"/>
+            <a:off x="2896177" y="5330702"/>
             <a:ext cx="807244" cy="330814"/>
           </a:xfrm>
           <a:prstGeom prst="roundRect">
@@ -7751,7 +7753,7 @@
         </p:nvSpPr>
         <p:spPr>
           <a:xfrm>
-            <a:off x="501027" y="3316219"/>
+            <a:off x="533696" y="3399762"/>
             <a:ext cx="2295267" cy="584168"/>
           </a:xfrm>
           <a:prstGeom prst="homePlate">
@@ -7824,7 +7826,7 @@
         </p:nvSpPr>
         <p:spPr>
           <a:xfrm>
-            <a:off x="473792" y="5246027"/>
+            <a:off x="402615" y="5204025"/>
             <a:ext cx="2490529" cy="584168"/>
           </a:xfrm>
           <a:prstGeom prst="homePlate">
@@ -8113,6 +8115,36 @@
           <a:chExt cx="0" cy="0"/>
         </a:xfrm>
       </p:grpSpPr>
+      <p:pic>
+        <p:nvPicPr>
+          <p:cNvPr id="5" name="図 4">
+            <a:extLst>
+              <a:ext uri="{FF2B5EF4-FFF2-40B4-BE49-F238E27FC236}">
+                <a16:creationId xmlns:a16="http://schemas.microsoft.com/office/drawing/2014/main" id="{3507973E-868D-55E1-3EBB-8EE2F1206118}"/>
+              </a:ext>
+            </a:extLst>
+          </p:cNvPr>
+          <p:cNvPicPr>
+            <a:picLocks noChangeAspect="1"/>
+          </p:cNvPicPr>
+          <p:nvPr/>
+        </p:nvPicPr>
+        <p:blipFill>
+          <a:blip r:embed="rId3"/>
+          <a:stretch>
+            <a:fillRect/>
+          </a:stretch>
+        </p:blipFill>
+        <p:spPr>
+          <a:xfrm>
+            <a:off x="239596" y="3502213"/>
+            <a:ext cx="6278636" cy="2975306"/>
+          </a:xfrm>
+          <a:prstGeom prst="rect">
+            <a:avLst/>
+          </a:prstGeom>
+        </p:spPr>
+      </p:pic>
       <p:sp>
         <p:nvSpPr>
           <p:cNvPr id="25" name="楕円 24">
@@ -8127,7 +8159,7 @@
         </p:nvSpPr>
         <p:spPr>
           <a:xfrm>
-            <a:off x="493273" y="2654132"/>
+            <a:off x="400508" y="2654132"/>
             <a:ext cx="2470489" cy="774868"/>
           </a:xfrm>
           <a:prstGeom prst="ellipse">
@@ -8224,7 +8256,7 @@
           <p:nvPr/>
         </p:nvPicPr>
         <p:blipFill>
-          <a:blip r:embed="rId3">
+          <a:blip r:embed="rId4">
             <a:extLst>
               <a:ext uri="{28A0092B-C50C-407E-A947-70E740481C1C}">
                 <a14:useLocalDpi xmlns:a14="http://schemas.microsoft.com/office/drawing/2010/main" val="0"/>
@@ -8320,8 +8352,8 @@
         </p:nvSpPr>
         <p:spPr>
           <a:xfrm>
-            <a:off x="6518232" y="2730099"/>
-            <a:ext cx="3945250" cy="772114"/>
+            <a:off x="6639338" y="2730099"/>
+            <a:ext cx="3824144" cy="772114"/>
           </a:xfrm>
           <a:prstGeom prst="wedgeRoundRectCallout">
             <a:avLst>
@@ -8456,7 +8488,7 @@
           <p:nvPr/>
         </p:nvPicPr>
         <p:blipFill>
-          <a:blip r:embed="rId4">
+          <a:blip r:embed="rId5">
             <a:extLst>
               <a:ext uri="{28A0092B-C50C-407E-A947-70E740481C1C}">
                 <a14:useLocalDpi xmlns:a14="http://schemas.microsoft.com/office/drawing/2010/main" val="0"/>
@@ -8554,8 +8586,8 @@
         </p:nvSpPr>
         <p:spPr>
           <a:xfrm>
-            <a:off x="6469316" y="5535318"/>
-            <a:ext cx="3945250" cy="772114"/>
+            <a:off x="6639338" y="5535318"/>
+            <a:ext cx="3775227" cy="772114"/>
           </a:xfrm>
           <a:prstGeom prst="wedgeRoundRectCallout">
             <a:avLst>
@@ -8625,35 +8657,6 @@
           </a:p>
         </p:txBody>
       </p:sp>
-      <p:pic>
-        <p:nvPicPr>
-          <p:cNvPr id="4" name="図 3">
-            <a:extLst>
-              <a:ext uri="{FF2B5EF4-FFF2-40B4-BE49-F238E27FC236}">
-                <a16:creationId xmlns:a16="http://schemas.microsoft.com/office/drawing/2014/main" id="{B932DD29-A854-B3DC-7DEE-313FFF8EABC6}"/>
-              </a:ext>
-            </a:extLst>
-          </p:cNvPr>
-          <p:cNvPicPr>
-            <a:picLocks noChangeAspect="1"/>
-          </p:cNvPicPr>
-          <p:nvPr/>
-        </p:nvPicPr>
-        <p:blipFill rotWithShape="1">
-          <a:blip r:embed="rId5"/>
-          <a:srcRect t="10211" b="5302"/>
-          <a:stretch/>
-        </p:blipFill>
-        <p:spPr>
-          <a:xfrm>
-            <a:off x="70565" y="3320453"/>
-            <a:ext cx="6288258" cy="2986979"/>
-          </a:xfrm>
-          <a:prstGeom prst="rect">
-            <a:avLst/>
-          </a:prstGeom>
-        </p:spPr>
-      </p:pic>
     </p:spTree>
     <p:extLst>
       <p:ext uri="{BB962C8B-B14F-4D97-AF65-F5344CB8AC3E}">

--- a/doc/プレゼン資料_F3_なかおっち.pptx
+++ b/doc/プレゼン資料_F3_なかおっち.pptx
@@ -5343,66 +5343,6 @@
           <a:chExt cx="0" cy="0"/>
         </a:xfrm>
       </p:grpSpPr>
-      <p:sp>
-        <p:nvSpPr>
-          <p:cNvPr id="42" name="楕円 41">
-            <a:extLst>
-              <a:ext uri="{FF2B5EF4-FFF2-40B4-BE49-F238E27FC236}">
-                <a16:creationId xmlns:a16="http://schemas.microsoft.com/office/drawing/2014/main" id="{0978E2EE-920D-93E4-A5A8-C642E9B018EC}"/>
-              </a:ext>
-            </a:extLst>
-          </p:cNvPr>
-          <p:cNvSpPr/>
-          <p:nvPr/>
-        </p:nvSpPr>
-        <p:spPr>
-          <a:xfrm>
-            <a:off x="4143266" y="2654132"/>
-            <a:ext cx="2133512" cy="774868"/>
-          </a:xfrm>
-          <a:prstGeom prst="ellipse">
-            <a:avLst/>
-          </a:prstGeom>
-          <a:solidFill>
-            <a:schemeClr val="accent2"/>
-          </a:solidFill>
-          <a:ln>
-            <a:solidFill>
-              <a:schemeClr val="bg1"/>
-            </a:solidFill>
-          </a:ln>
-        </p:spPr>
-        <p:style>
-          <a:lnRef idx="2">
-            <a:schemeClr val="accent1">
-              <a:shade val="50000"/>
-            </a:schemeClr>
-          </a:lnRef>
-          <a:fillRef idx="1">
-            <a:schemeClr val="accent1"/>
-          </a:fillRef>
-          <a:effectRef idx="0">
-            <a:schemeClr val="accent1"/>
-          </a:effectRef>
-          <a:fontRef idx="minor">
-            <a:schemeClr val="lt1"/>
-          </a:fontRef>
-        </p:style>
-        <p:txBody>
-          <a:bodyPr rtlCol="0" anchor="ctr"/>
-          <a:lstStyle/>
-          <a:p>
-            <a:pPr algn="ctr"/>
-            <a:r>
-              <a:rPr kumimoji="1" lang="ja-JP" altLang="en-US" sz="2000" dirty="0">
-                <a:latin typeface="HGｺﾞｼｯｸE" panose="020B0909000000000000" pitchFamily="49" charset="-128"/>
-                <a:ea typeface="HGｺﾞｼｯｸE" panose="020B0909000000000000" pitchFamily="49" charset="-128"/>
-              </a:rPr>
-              <a:t>メイン画面</a:t>
-            </a:r>
-          </a:p>
-        </p:txBody>
-      </p:sp>
       <p:pic>
         <p:nvPicPr>
           <p:cNvPr id="7" name="図 6">
@@ -6492,6 +6432,66 @@
           </a:p>
         </p:txBody>
       </p:sp>
+      <p:sp>
+        <p:nvSpPr>
+          <p:cNvPr id="42" name="楕円 41">
+            <a:extLst>
+              <a:ext uri="{FF2B5EF4-FFF2-40B4-BE49-F238E27FC236}">
+                <a16:creationId xmlns:a16="http://schemas.microsoft.com/office/drawing/2014/main" id="{0978E2EE-920D-93E4-A5A8-C642E9B018EC}"/>
+              </a:ext>
+            </a:extLst>
+          </p:cNvPr>
+          <p:cNvSpPr/>
+          <p:nvPr/>
+        </p:nvSpPr>
+        <p:spPr>
+          <a:xfrm>
+            <a:off x="3258961" y="2654132"/>
+            <a:ext cx="2133512" cy="774868"/>
+          </a:xfrm>
+          <a:prstGeom prst="ellipse">
+            <a:avLst/>
+          </a:prstGeom>
+          <a:solidFill>
+            <a:schemeClr val="accent2"/>
+          </a:solidFill>
+          <a:ln>
+            <a:solidFill>
+              <a:schemeClr val="bg1"/>
+            </a:solidFill>
+          </a:ln>
+        </p:spPr>
+        <p:style>
+          <a:lnRef idx="2">
+            <a:schemeClr val="accent1">
+              <a:shade val="50000"/>
+            </a:schemeClr>
+          </a:lnRef>
+          <a:fillRef idx="1">
+            <a:schemeClr val="accent1"/>
+          </a:fillRef>
+          <a:effectRef idx="0">
+            <a:schemeClr val="accent1"/>
+          </a:effectRef>
+          <a:fontRef idx="minor">
+            <a:schemeClr val="lt1"/>
+          </a:fontRef>
+        </p:style>
+        <p:txBody>
+          <a:bodyPr rtlCol="0" anchor="ctr"/>
+          <a:lstStyle/>
+          <a:p>
+            <a:pPr algn="ctr"/>
+            <a:r>
+              <a:rPr kumimoji="1" lang="ja-JP" altLang="en-US" sz="2000" dirty="0">
+                <a:latin typeface="HGｺﾞｼｯｸE" panose="020B0909000000000000" pitchFamily="49" charset="-128"/>
+                <a:ea typeface="HGｺﾞｼｯｸE" panose="020B0909000000000000" pitchFamily="49" charset="-128"/>
+              </a:rPr>
+              <a:t>メイン画面</a:t>
+            </a:r>
+          </a:p>
+        </p:txBody>
+      </p:sp>
     </p:spTree>
     <p:extLst>
       <p:ext uri="{BB962C8B-B14F-4D97-AF65-F5344CB8AC3E}">
@@ -7649,8 +7649,8 @@
         </p:nvSpPr>
         <p:spPr>
           <a:xfrm>
-            <a:off x="2893144" y="3555462"/>
-            <a:ext cx="807245" cy="330814"/>
+            <a:off x="2893144" y="3342453"/>
+            <a:ext cx="807245" cy="251954"/>
           </a:xfrm>
           <a:prstGeom prst="roundRect">
             <a:avLst/>
@@ -8352,8 +8352,8 @@
         </p:nvSpPr>
         <p:spPr>
           <a:xfrm>
-            <a:off x="6639338" y="2730099"/>
-            <a:ext cx="3824144" cy="772114"/>
+            <a:off x="6614879" y="2478592"/>
+            <a:ext cx="3824144" cy="1260990"/>
           </a:xfrm>
           <a:prstGeom prst="wedgeRoundRectCallout">
             <a:avLst>
@@ -8687,66 +8687,6 @@
           <a:chExt cx="0" cy="0"/>
         </a:xfrm>
       </p:grpSpPr>
-      <p:sp>
-        <p:nvSpPr>
-          <p:cNvPr id="12" name="楕円 11">
-            <a:extLst>
-              <a:ext uri="{FF2B5EF4-FFF2-40B4-BE49-F238E27FC236}">
-                <a16:creationId xmlns:a16="http://schemas.microsoft.com/office/drawing/2014/main" id="{285913CC-7AB7-1000-690A-7907FAB52CA4}"/>
-              </a:ext>
-            </a:extLst>
-          </p:cNvPr>
-          <p:cNvSpPr/>
-          <p:nvPr/>
-        </p:nvSpPr>
-        <p:spPr>
-          <a:xfrm>
-            <a:off x="5173996" y="3530045"/>
-            <a:ext cx="2133512" cy="774868"/>
-          </a:xfrm>
-          <a:prstGeom prst="ellipse">
-            <a:avLst/>
-          </a:prstGeom>
-          <a:solidFill>
-            <a:schemeClr val="accent2"/>
-          </a:solidFill>
-          <a:ln>
-            <a:solidFill>
-              <a:schemeClr val="bg1"/>
-            </a:solidFill>
-          </a:ln>
-        </p:spPr>
-        <p:style>
-          <a:lnRef idx="2">
-            <a:schemeClr val="accent1">
-              <a:shade val="50000"/>
-            </a:schemeClr>
-          </a:lnRef>
-          <a:fillRef idx="1">
-            <a:schemeClr val="accent1"/>
-          </a:fillRef>
-          <a:effectRef idx="0">
-            <a:schemeClr val="accent1"/>
-          </a:effectRef>
-          <a:fontRef idx="minor">
-            <a:schemeClr val="lt1"/>
-          </a:fontRef>
-        </p:style>
-        <p:txBody>
-          <a:bodyPr rtlCol="0" anchor="ctr"/>
-          <a:lstStyle/>
-          <a:p>
-            <a:pPr algn="ctr"/>
-            <a:r>
-              <a:rPr kumimoji="1" lang="ja-JP" altLang="en-US" sz="2000" dirty="0">
-                <a:latin typeface="HGｺﾞｼｯｸE" panose="020B0909000000000000" pitchFamily="49" charset="-128"/>
-                <a:ea typeface="HGｺﾞｼｯｸE" panose="020B0909000000000000" pitchFamily="49" charset="-128"/>
-              </a:rPr>
-              <a:t>メイン画面</a:t>
-            </a:r>
-          </a:p>
-        </p:txBody>
-      </p:sp>
       <p:pic>
         <p:nvPicPr>
           <p:cNvPr id="10" name="図 9">
@@ -9160,6 +9100,66 @@
                 <a:ea typeface="HGｺﾞｼｯｸM" panose="020B0609000000000000" pitchFamily="49" charset="-128"/>
               </a:rPr>
               <a:t>育成キャラが変更される</a:t>
+            </a:r>
+          </a:p>
+        </p:txBody>
+      </p:sp>
+      <p:sp>
+        <p:nvSpPr>
+          <p:cNvPr id="12" name="楕円 11">
+            <a:extLst>
+              <a:ext uri="{FF2B5EF4-FFF2-40B4-BE49-F238E27FC236}">
+                <a16:creationId xmlns:a16="http://schemas.microsoft.com/office/drawing/2014/main" id="{285913CC-7AB7-1000-690A-7907FAB52CA4}"/>
+              </a:ext>
+            </a:extLst>
+          </p:cNvPr>
+          <p:cNvSpPr/>
+          <p:nvPr/>
+        </p:nvSpPr>
+        <p:spPr>
+          <a:xfrm>
+            <a:off x="5173996" y="3530045"/>
+            <a:ext cx="2133512" cy="774868"/>
+          </a:xfrm>
+          <a:prstGeom prst="ellipse">
+            <a:avLst/>
+          </a:prstGeom>
+          <a:solidFill>
+            <a:schemeClr val="accent2"/>
+          </a:solidFill>
+          <a:ln>
+            <a:solidFill>
+              <a:schemeClr val="bg1"/>
+            </a:solidFill>
+          </a:ln>
+        </p:spPr>
+        <p:style>
+          <a:lnRef idx="2">
+            <a:schemeClr val="accent1">
+              <a:shade val="50000"/>
+            </a:schemeClr>
+          </a:lnRef>
+          <a:fillRef idx="1">
+            <a:schemeClr val="accent1"/>
+          </a:fillRef>
+          <a:effectRef idx="0">
+            <a:schemeClr val="accent1"/>
+          </a:effectRef>
+          <a:fontRef idx="minor">
+            <a:schemeClr val="lt1"/>
+          </a:fontRef>
+        </p:style>
+        <p:txBody>
+          <a:bodyPr rtlCol="0" anchor="ctr"/>
+          <a:lstStyle/>
+          <a:p>
+            <a:pPr algn="ctr"/>
+            <a:r>
+              <a:rPr kumimoji="1" lang="ja-JP" altLang="en-US" sz="2000" dirty="0">
+                <a:latin typeface="HGｺﾞｼｯｸE" panose="020B0909000000000000" pitchFamily="49" charset="-128"/>
+                <a:ea typeface="HGｺﾞｼｯｸE" panose="020B0909000000000000" pitchFamily="49" charset="-128"/>
+              </a:rPr>
+              <a:t>メイン画面</a:t>
             </a:r>
           </a:p>
         </p:txBody>

--- a/doc/プレゼン資料_F3_なかおっち.pptx
+++ b/doc/プレゼン資料_F3_なかおっち.pptx
@@ -5,7 +5,7 @@
     <p:sldMasterId id="2147483648" r:id="rId1"/>
   </p:sldMasterIdLst>
   <p:notesMasterIdLst>
-    <p:notesMasterId r:id="rId27"/>
+    <p:notesMasterId r:id="rId28"/>
   </p:notesMasterIdLst>
   <p:sldIdLst>
     <p:sldId id="256" r:id="rId2"/>
@@ -21,18 +21,19 @@
     <p:sldId id="274" r:id="rId12"/>
     <p:sldId id="275" r:id="rId13"/>
     <p:sldId id="277" r:id="rId14"/>
-    <p:sldId id="278" r:id="rId15"/>
-    <p:sldId id="295" r:id="rId16"/>
-    <p:sldId id="296" r:id="rId17"/>
-    <p:sldId id="259" r:id="rId18"/>
-    <p:sldId id="297" r:id="rId19"/>
-    <p:sldId id="307" r:id="rId20"/>
-    <p:sldId id="305" r:id="rId21"/>
-    <p:sldId id="306" r:id="rId22"/>
-    <p:sldId id="291" r:id="rId23"/>
-    <p:sldId id="301" r:id="rId24"/>
-    <p:sldId id="298" r:id="rId25"/>
-    <p:sldId id="268" r:id="rId26"/>
+    <p:sldId id="309" r:id="rId15"/>
+    <p:sldId id="278" r:id="rId16"/>
+    <p:sldId id="295" r:id="rId17"/>
+    <p:sldId id="296" r:id="rId18"/>
+    <p:sldId id="259" r:id="rId19"/>
+    <p:sldId id="297" r:id="rId20"/>
+    <p:sldId id="307" r:id="rId21"/>
+    <p:sldId id="305" r:id="rId22"/>
+    <p:sldId id="306" r:id="rId23"/>
+    <p:sldId id="291" r:id="rId24"/>
+    <p:sldId id="301" r:id="rId25"/>
+    <p:sldId id="298" r:id="rId26"/>
+    <p:sldId id="268" r:id="rId27"/>
   </p:sldIdLst>
   <p:sldSz cx="12192000" cy="6858000"/>
   <p:notesSz cx="6858000" cy="9144000"/>
@@ -221,7 +222,7 @@
           <a:p>
             <a:fld id="{85B45B40-20F4-4BB7-A9AD-AD3E8AF4E576}" type="datetimeFigureOut">
               <a:rPr kumimoji="1" lang="ja-JP" altLang="en-US" smtClean="0"/>
-              <a:t>2022/6/27</a:t>
+              <a:t>2022/6/28</a:t>
             </a:fld>
             <a:endParaRPr kumimoji="1" lang="ja-JP" altLang="en-US"/>
           </a:p>
@@ -735,7 +736,10 @@
           <a:bodyPr/>
           <a:lstStyle/>
           <a:p>
-            <a:endParaRPr kumimoji="1" lang="ja-JP" altLang="en-US" dirty="0"/>
+            <a:r>
+              <a:rPr kumimoji="1" lang="ja-JP" altLang="en-US" dirty="0"/>
+              <a:t>卵購入画面後でスクショ差し替えます</a:t>
+            </a:r>
           </a:p>
         </p:txBody>
       </p:sp>
@@ -765,7 +769,7 @@
     </p:spTree>
     <p:extLst>
       <p:ext uri="{BB962C8B-B14F-4D97-AF65-F5344CB8AC3E}">
-        <p14:creationId xmlns:p14="http://schemas.microsoft.com/office/powerpoint/2010/main" val="2096746102"/>
+        <p14:creationId xmlns:p14="http://schemas.microsoft.com/office/powerpoint/2010/main" val="827252756"/>
       </p:ext>
     </p:extLst>
   </p:cSld>
@@ -849,7 +853,7 @@
     </p:spTree>
     <p:extLst>
       <p:ext uri="{BB962C8B-B14F-4D97-AF65-F5344CB8AC3E}">
-        <p14:creationId xmlns:p14="http://schemas.microsoft.com/office/powerpoint/2010/main" val="1546769941"/>
+        <p14:creationId xmlns:p14="http://schemas.microsoft.com/office/powerpoint/2010/main" val="2096746102"/>
       </p:ext>
     </p:extLst>
   </p:cSld>
@@ -924,7 +928,91 @@
           <a:p>
             <a:fld id="{4FB5F70D-02C0-4F83-8937-892046578496}" type="slidenum">
               <a:rPr kumimoji="1" lang="ja-JP" altLang="en-US" smtClean="0"/>
-              <a:t>17</a:t>
+              <a:t>16</a:t>
+            </a:fld>
+            <a:endParaRPr kumimoji="1" lang="ja-JP" altLang="en-US"/>
+          </a:p>
+        </p:txBody>
+      </p:sp>
+    </p:spTree>
+    <p:extLst>
+      <p:ext uri="{BB962C8B-B14F-4D97-AF65-F5344CB8AC3E}">
+        <p14:creationId xmlns:p14="http://schemas.microsoft.com/office/powerpoint/2010/main" val="1546769941"/>
+      </p:ext>
+    </p:extLst>
+  </p:cSld>
+  <p:clrMapOvr>
+    <a:masterClrMapping/>
+  </p:clrMapOvr>
+</p:notes>
+</file>
+
+<file path=ppt/notesSlides/notesSlide14.xml><?xml version="1.0" encoding="utf-8"?>
+<p:notes xmlns:a="http://schemas.openxmlformats.org/drawingml/2006/main" xmlns:r="http://schemas.openxmlformats.org/officeDocument/2006/relationships" xmlns:p="http://schemas.openxmlformats.org/presentationml/2006/main">
+  <p:cSld>
+    <p:spTree>
+      <p:nvGrpSpPr>
+        <p:cNvPr id="1" name=""/>
+        <p:cNvGrpSpPr/>
+        <p:nvPr/>
+      </p:nvGrpSpPr>
+      <p:grpSpPr>
+        <a:xfrm>
+          <a:off x="0" y="0"/>
+          <a:ext cx="0" cy="0"/>
+          <a:chOff x="0" y="0"/>
+          <a:chExt cx="0" cy="0"/>
+        </a:xfrm>
+      </p:grpSpPr>
+      <p:sp>
+        <p:nvSpPr>
+          <p:cNvPr id="2" name="スライド イメージ プレースホルダー 1"/>
+          <p:cNvSpPr>
+            <a:spLocks noGrp="1" noRot="1" noChangeAspect="1"/>
+          </p:cNvSpPr>
+          <p:nvPr>
+            <p:ph type="sldImg"/>
+          </p:nvPr>
+        </p:nvSpPr>
+        <p:spPr/>
+      </p:sp>
+      <p:sp>
+        <p:nvSpPr>
+          <p:cNvPr id="3" name="ノート プレースホルダー 2"/>
+          <p:cNvSpPr>
+            <a:spLocks noGrp="1"/>
+          </p:cNvSpPr>
+          <p:nvPr>
+            <p:ph type="body" idx="1"/>
+          </p:nvPr>
+        </p:nvSpPr>
+        <p:spPr/>
+        <p:txBody>
+          <a:bodyPr/>
+          <a:lstStyle/>
+          <a:p>
+            <a:endParaRPr kumimoji="1" lang="ja-JP" altLang="en-US" dirty="0"/>
+          </a:p>
+        </p:txBody>
+      </p:sp>
+      <p:sp>
+        <p:nvSpPr>
+          <p:cNvPr id="4" name="スライド番号プレースホルダー 3"/>
+          <p:cNvSpPr>
+            <a:spLocks noGrp="1"/>
+          </p:cNvSpPr>
+          <p:nvPr>
+            <p:ph type="sldNum" sz="quarter" idx="5"/>
+          </p:nvPr>
+        </p:nvSpPr>
+        <p:spPr/>
+        <p:txBody>
+          <a:bodyPr/>
+          <a:lstStyle/>
+          <a:p>
+            <a:fld id="{4FB5F70D-02C0-4F83-8937-892046578496}" type="slidenum">
+              <a:rPr kumimoji="1" lang="ja-JP" altLang="en-US" smtClean="0"/>
+              <a:t>18</a:t>
             </a:fld>
             <a:endParaRPr kumimoji="1" lang="ja-JP" altLang="en-US"/>
           </a:p>
@@ -1762,7 +1850,7 @@
           <a:p>
             <a:fld id="{DE4BA7E1-AEC3-4D3A-B9C5-26FBCA429707}" type="datetimeFigureOut">
               <a:rPr kumimoji="1" lang="ja-JP" altLang="en-US" smtClean="0"/>
-              <a:t>2022/6/27</a:t>
+              <a:t>2022/6/28</a:t>
             </a:fld>
             <a:endParaRPr kumimoji="1" lang="ja-JP" altLang="en-US"/>
           </a:p>
@@ -1992,7 +2080,7 @@
           <a:p>
             <a:fld id="{DE4BA7E1-AEC3-4D3A-B9C5-26FBCA429707}" type="datetimeFigureOut">
               <a:rPr kumimoji="1" lang="ja-JP" altLang="en-US" smtClean="0"/>
-              <a:t>2022/6/27</a:t>
+              <a:t>2022/6/28</a:t>
             </a:fld>
             <a:endParaRPr kumimoji="1" lang="ja-JP" altLang="en-US"/>
           </a:p>
@@ -2232,7 +2320,7 @@
           <a:p>
             <a:fld id="{DE4BA7E1-AEC3-4D3A-B9C5-26FBCA429707}" type="datetimeFigureOut">
               <a:rPr kumimoji="1" lang="ja-JP" altLang="en-US" smtClean="0"/>
-              <a:t>2022/6/27</a:t>
+              <a:t>2022/6/28</a:t>
             </a:fld>
             <a:endParaRPr kumimoji="1" lang="ja-JP" altLang="en-US"/>
           </a:p>
@@ -2462,7 +2550,7 @@
           <a:p>
             <a:fld id="{DE4BA7E1-AEC3-4D3A-B9C5-26FBCA429707}" type="datetimeFigureOut">
               <a:rPr kumimoji="1" lang="ja-JP" altLang="en-US" smtClean="0"/>
-              <a:t>2022/6/27</a:t>
+              <a:t>2022/6/28</a:t>
             </a:fld>
             <a:endParaRPr kumimoji="1" lang="ja-JP" altLang="en-US"/>
           </a:p>
@@ -2737,7 +2825,7 @@
           <a:p>
             <a:fld id="{DE4BA7E1-AEC3-4D3A-B9C5-26FBCA429707}" type="datetimeFigureOut">
               <a:rPr kumimoji="1" lang="ja-JP" altLang="en-US" smtClean="0"/>
-              <a:t>2022/6/27</a:t>
+              <a:t>2022/6/28</a:t>
             </a:fld>
             <a:endParaRPr kumimoji="1" lang="ja-JP" altLang="en-US"/>
           </a:p>
@@ -3066,7 +3154,7 @@
           <a:p>
             <a:fld id="{DE4BA7E1-AEC3-4D3A-B9C5-26FBCA429707}" type="datetimeFigureOut">
               <a:rPr kumimoji="1" lang="ja-JP" altLang="en-US" smtClean="0"/>
-              <a:t>2022/6/27</a:t>
+              <a:t>2022/6/28</a:t>
             </a:fld>
             <a:endParaRPr kumimoji="1" lang="ja-JP" altLang="en-US"/>
           </a:p>
@@ -3542,7 +3630,7 @@
           <a:p>
             <a:fld id="{DE4BA7E1-AEC3-4D3A-B9C5-26FBCA429707}" type="datetimeFigureOut">
               <a:rPr kumimoji="1" lang="ja-JP" altLang="en-US" smtClean="0"/>
-              <a:t>2022/6/27</a:t>
+              <a:t>2022/6/28</a:t>
             </a:fld>
             <a:endParaRPr kumimoji="1" lang="ja-JP" altLang="en-US"/>
           </a:p>
@@ -3683,7 +3771,7 @@
           <a:p>
             <a:fld id="{DE4BA7E1-AEC3-4D3A-B9C5-26FBCA429707}" type="datetimeFigureOut">
               <a:rPr kumimoji="1" lang="ja-JP" altLang="en-US" smtClean="0"/>
-              <a:t>2022/6/27</a:t>
+              <a:t>2022/6/28</a:t>
             </a:fld>
             <a:endParaRPr kumimoji="1" lang="ja-JP" altLang="en-US"/>
           </a:p>
@@ -3796,7 +3884,7 @@
           <a:p>
             <a:fld id="{DE4BA7E1-AEC3-4D3A-B9C5-26FBCA429707}" type="datetimeFigureOut">
               <a:rPr kumimoji="1" lang="ja-JP" altLang="en-US" smtClean="0"/>
-              <a:t>2022/6/27</a:t>
+              <a:t>2022/6/28</a:t>
             </a:fld>
             <a:endParaRPr kumimoji="1" lang="ja-JP" altLang="en-US"/>
           </a:p>
@@ -4139,7 +4227,7 @@
           <a:p>
             <a:fld id="{DE4BA7E1-AEC3-4D3A-B9C5-26FBCA429707}" type="datetimeFigureOut">
               <a:rPr kumimoji="1" lang="ja-JP" altLang="en-US" smtClean="0"/>
-              <a:t>2022/6/27</a:t>
+              <a:t>2022/6/28</a:t>
             </a:fld>
             <a:endParaRPr kumimoji="1" lang="ja-JP" altLang="en-US"/>
           </a:p>
@@ -4427,7 +4515,7 @@
           <a:p>
             <a:fld id="{DE4BA7E1-AEC3-4D3A-B9C5-26FBCA429707}" type="datetimeFigureOut">
               <a:rPr kumimoji="1" lang="ja-JP" altLang="en-US" smtClean="0"/>
-              <a:t>2022/6/27</a:t>
+              <a:t>2022/6/28</a:t>
             </a:fld>
             <a:endParaRPr kumimoji="1" lang="ja-JP" altLang="en-US"/>
           </a:p>
@@ -4700,7 +4788,7 @@
           <a:p>
             <a:fld id="{DE4BA7E1-AEC3-4D3A-B9C5-26FBCA429707}" type="datetimeFigureOut">
               <a:rPr kumimoji="1" lang="ja-JP" altLang="en-US" smtClean="0"/>
-              <a:t>2022/6/27</a:t>
+              <a:t>2022/6/28</a:t>
             </a:fld>
             <a:endParaRPr kumimoji="1" lang="ja-JP" altLang="en-US"/>
           </a:p>
@@ -5359,13 +5447,13 @@
         </p:nvPicPr>
         <p:blipFill rotWithShape="1">
           <a:blip r:embed="rId2"/>
-          <a:srcRect l="23912" t="11551" r="21489" b="9470"/>
+          <a:srcRect l="23912" t="11551" r="21489" b="23444"/>
           <a:stretch/>
         </p:blipFill>
         <p:spPr>
           <a:xfrm>
-            <a:off x="6234171" y="1929568"/>
-            <a:ext cx="5788785" cy="4707802"/>
+            <a:off x="6536304" y="3189189"/>
+            <a:ext cx="5085458" cy="3404093"/>
           </a:xfrm>
           <a:prstGeom prst="rect">
             <a:avLst/>
@@ -5393,7 +5481,7 @@
         </p:blipFill>
         <p:spPr>
           <a:xfrm>
-            <a:off x="409229" y="3281955"/>
+            <a:off x="838200" y="3189190"/>
             <a:ext cx="5129565" cy="3404093"/>
           </a:xfrm>
           <a:prstGeom prst="rect">
@@ -5401,66 +5489,6 @@
           </a:prstGeom>
         </p:spPr>
       </p:pic>
-      <p:sp>
-        <p:nvSpPr>
-          <p:cNvPr id="37" name="楕円 36">
-            <a:extLst>
-              <a:ext uri="{FF2B5EF4-FFF2-40B4-BE49-F238E27FC236}">
-                <a16:creationId xmlns:a16="http://schemas.microsoft.com/office/drawing/2014/main" id="{3EA09FC8-E75E-8242-A439-DF0E228A30D7}"/>
-              </a:ext>
-            </a:extLst>
-          </p:cNvPr>
-          <p:cNvSpPr/>
-          <p:nvPr/>
-        </p:nvSpPr>
-        <p:spPr>
-          <a:xfrm>
-            <a:off x="9971249" y="1345278"/>
-            <a:ext cx="2133512" cy="774868"/>
-          </a:xfrm>
-          <a:prstGeom prst="ellipse">
-            <a:avLst/>
-          </a:prstGeom>
-          <a:solidFill>
-            <a:schemeClr val="accent2"/>
-          </a:solidFill>
-          <a:ln>
-            <a:solidFill>
-              <a:schemeClr val="bg1"/>
-            </a:solidFill>
-          </a:ln>
-        </p:spPr>
-        <p:style>
-          <a:lnRef idx="2">
-            <a:schemeClr val="accent1">
-              <a:shade val="50000"/>
-            </a:schemeClr>
-          </a:lnRef>
-          <a:fillRef idx="1">
-            <a:schemeClr val="accent1"/>
-          </a:fillRef>
-          <a:effectRef idx="0">
-            <a:schemeClr val="accent1"/>
-          </a:effectRef>
-          <a:fontRef idx="minor">
-            <a:schemeClr val="lt1"/>
-          </a:fontRef>
-        </p:style>
-        <p:txBody>
-          <a:bodyPr rtlCol="0" anchor="ctr"/>
-          <a:lstStyle/>
-          <a:p>
-            <a:pPr algn="ctr"/>
-            <a:r>
-              <a:rPr kumimoji="1" lang="ja-JP" altLang="en-US" sz="2000" dirty="0">
-                <a:latin typeface="HGｺﾞｼｯｸE" panose="020B0909000000000000" pitchFamily="49" charset="-128"/>
-                <a:ea typeface="HGｺﾞｼｯｸE" panose="020B0909000000000000" pitchFamily="49" charset="-128"/>
-              </a:rPr>
-              <a:t>メイン画面</a:t>
-            </a:r>
-          </a:p>
-        </p:txBody>
-      </p:sp>
       <p:sp>
         <p:nvSpPr>
           <p:cNvPr id="2" name="タイトル 1">
@@ -5499,10 +5527,10 @@
       </p:sp>
       <p:sp>
         <p:nvSpPr>
-          <p:cNvPr id="36" name="四角形: 角を丸くする 35">
-            <a:extLst>
-              <a:ext uri="{FF2B5EF4-FFF2-40B4-BE49-F238E27FC236}">
-                <a16:creationId xmlns:a16="http://schemas.microsoft.com/office/drawing/2014/main" id="{275B2BFE-13D5-D0CB-1196-2754359A6AF2}"/>
+          <p:cNvPr id="6" name="矢印: 右 5">
+            <a:extLst>
+              <a:ext uri="{FF2B5EF4-FFF2-40B4-BE49-F238E27FC236}">
+                <a16:creationId xmlns:a16="http://schemas.microsoft.com/office/drawing/2014/main" id="{95DF3E1B-B428-50DA-8D13-FBB1EB5AF42D}"/>
               </a:ext>
             </a:extLst>
           </p:cNvPr>
@@ -5511,59 +5539,7 @@
         </p:nvSpPr>
         <p:spPr>
           <a:xfrm>
-            <a:off x="8583999" y="4283469"/>
-            <a:ext cx="1089127" cy="1020770"/>
-          </a:xfrm>
-          <a:prstGeom prst="roundRect">
-            <a:avLst/>
-          </a:prstGeom>
-          <a:noFill/>
-          <a:ln w="38100">
-            <a:solidFill>
-              <a:srgbClr val="FF0000"/>
-            </a:solidFill>
-          </a:ln>
-        </p:spPr>
-        <p:style>
-          <a:lnRef idx="2">
-            <a:schemeClr val="accent1">
-              <a:shade val="50000"/>
-            </a:schemeClr>
-          </a:lnRef>
-          <a:fillRef idx="1">
-            <a:schemeClr val="accent1"/>
-          </a:fillRef>
-          <a:effectRef idx="0">
-            <a:schemeClr val="accent1"/>
-          </a:effectRef>
-          <a:fontRef idx="minor">
-            <a:schemeClr val="lt1"/>
-          </a:fontRef>
-        </p:style>
-        <p:txBody>
-          <a:bodyPr rtlCol="0" anchor="ctr"/>
-          <a:lstStyle/>
-          <a:p>
-            <a:pPr algn="ctr"/>
-            <a:endParaRPr kumimoji="1" lang="ja-JP" altLang="en-US"/>
-          </a:p>
-        </p:txBody>
-      </p:sp>
-      <p:sp>
-        <p:nvSpPr>
-          <p:cNvPr id="6" name="矢印: 右 5">
-            <a:extLst>
-              <a:ext uri="{FF2B5EF4-FFF2-40B4-BE49-F238E27FC236}">
-                <a16:creationId xmlns:a16="http://schemas.microsoft.com/office/drawing/2014/main" id="{95DF3E1B-B428-50DA-8D13-FBB1EB5AF42D}"/>
-              </a:ext>
-            </a:extLst>
-          </p:cNvPr>
-          <p:cNvSpPr/>
-          <p:nvPr/>
-        </p:nvSpPr>
-        <p:spPr>
-          <a:xfrm>
-            <a:off x="5015510" y="4020733"/>
+            <a:off x="5424753" y="5222642"/>
             <a:ext cx="1654563" cy="1177468"/>
           </a:xfrm>
           <a:prstGeom prst="rightArrow">
@@ -5614,10 +5590,10 @@
       </p:sp>
       <p:sp>
         <p:nvSpPr>
-          <p:cNvPr id="41" name="四角形: 角を丸くする 40">
-            <a:extLst>
-              <a:ext uri="{FF2B5EF4-FFF2-40B4-BE49-F238E27FC236}">
-                <a16:creationId xmlns:a16="http://schemas.microsoft.com/office/drawing/2014/main" id="{BBBFDB87-C73C-E9C3-B845-410FC295B767}"/>
+          <p:cNvPr id="26" name="四角形: 角を丸くする 25">
+            <a:extLst>
+              <a:ext uri="{FF2B5EF4-FFF2-40B4-BE49-F238E27FC236}">
+                <a16:creationId xmlns:a16="http://schemas.microsoft.com/office/drawing/2014/main" id="{4FEEEB77-5280-4C5B-82E6-86302C60FB29}"/>
               </a:ext>
             </a:extLst>
           </p:cNvPr>
@@ -5626,8 +5602,8 @@
         </p:nvSpPr>
         <p:spPr>
           <a:xfrm>
-            <a:off x="2279651" y="5422796"/>
-            <a:ext cx="1054099" cy="1070079"/>
+            <a:off x="7063071" y="3239212"/>
+            <a:ext cx="766984" cy="513124"/>
           </a:xfrm>
           <a:prstGeom prst="roundRect">
             <a:avLst/>
@@ -5666,10 +5642,10 @@
       </p:sp>
       <p:sp>
         <p:nvSpPr>
-          <p:cNvPr id="26" name="四角形: 角を丸くする 25">
-            <a:extLst>
-              <a:ext uri="{FF2B5EF4-FFF2-40B4-BE49-F238E27FC236}">
-                <a16:creationId xmlns:a16="http://schemas.microsoft.com/office/drawing/2014/main" id="{4FEEEB77-5280-4C5B-82E6-86302C60FB29}"/>
+          <p:cNvPr id="19" name="吹き出し: 角を丸めた四角形 18">
+            <a:extLst>
+              <a:ext uri="{FF2B5EF4-FFF2-40B4-BE49-F238E27FC236}">
+                <a16:creationId xmlns:a16="http://schemas.microsoft.com/office/drawing/2014/main" id="{BE036C09-AAD7-6A28-A92E-5B3B73F7BB2A}"/>
               </a:ext>
             </a:extLst>
           </p:cNvPr>
@@ -5678,64 +5654,12 @@
         </p:nvSpPr>
         <p:spPr>
           <a:xfrm>
-            <a:off x="6845301" y="2040014"/>
-            <a:ext cx="856358" cy="513124"/>
-          </a:xfrm>
-          <a:prstGeom prst="roundRect">
-            <a:avLst/>
-          </a:prstGeom>
-          <a:noFill/>
-          <a:ln w="38100">
-            <a:solidFill>
-              <a:srgbClr val="FF0000"/>
-            </a:solidFill>
-          </a:ln>
-        </p:spPr>
-        <p:style>
-          <a:lnRef idx="2">
-            <a:schemeClr val="accent1">
-              <a:shade val="50000"/>
-            </a:schemeClr>
-          </a:lnRef>
-          <a:fillRef idx="1">
-            <a:schemeClr val="accent1"/>
-          </a:fillRef>
-          <a:effectRef idx="0">
-            <a:schemeClr val="accent1"/>
-          </a:effectRef>
-          <a:fontRef idx="minor">
-            <a:schemeClr val="lt1"/>
-          </a:fontRef>
-        </p:style>
-        <p:txBody>
-          <a:bodyPr rtlCol="0" anchor="ctr"/>
-          <a:lstStyle/>
-          <a:p>
-            <a:pPr algn="ctr"/>
-            <a:endParaRPr kumimoji="1" lang="ja-JP" altLang="en-US"/>
-          </a:p>
-        </p:txBody>
-      </p:sp>
-      <p:sp>
-        <p:nvSpPr>
-          <p:cNvPr id="19" name="吹き出し: 角を丸めた四角形 18">
-            <a:extLst>
-              <a:ext uri="{FF2B5EF4-FFF2-40B4-BE49-F238E27FC236}">
-                <a16:creationId xmlns:a16="http://schemas.microsoft.com/office/drawing/2014/main" id="{BE036C09-AAD7-6A28-A92E-5B3B73F7BB2A}"/>
-              </a:ext>
-            </a:extLst>
-          </p:cNvPr>
-          <p:cNvSpPr/>
-          <p:nvPr/>
-        </p:nvSpPr>
-        <p:spPr>
-          <a:xfrm>
-            <a:off x="5881695" y="1227575"/>
+            <a:off x="6417427" y="2365583"/>
             <a:ext cx="4016741" cy="643160"/>
           </a:xfrm>
           <a:prstGeom prst="wedgeRoundRectCallout">
             <a:avLst>
-              <a:gd name="adj1" fmla="val -19223"/>
+              <a:gd name="adj1" fmla="val -22852"/>
               <a:gd name="adj2" fmla="val 98355"/>
               <a:gd name="adj3" fmla="val 16667"/>
             </a:avLst>
@@ -5804,7 +5728,7 @@
         </p:nvSpPr>
         <p:spPr>
           <a:xfrm>
-            <a:off x="919083" y="3353753"/>
+            <a:off x="1348054" y="3260988"/>
             <a:ext cx="716382" cy="513124"/>
           </a:xfrm>
           <a:prstGeom prst="roundRect">
@@ -5856,7 +5780,7 @@
         </p:nvSpPr>
         <p:spPr>
           <a:xfrm>
-            <a:off x="3884937" y="3345732"/>
+            <a:off x="4313908" y="3252967"/>
             <a:ext cx="1057023" cy="513124"/>
           </a:xfrm>
           <a:prstGeom prst="roundRect">
@@ -5908,7 +5832,7 @@
         </p:nvSpPr>
         <p:spPr>
           <a:xfrm>
-            <a:off x="5663402" y="920615"/>
+            <a:off x="6199134" y="2058623"/>
             <a:ext cx="570770" cy="570770"/>
           </a:xfrm>
           <a:prstGeom prst="flowChartConnector">
@@ -5954,291 +5878,70 @@
           </a:p>
         </p:txBody>
       </p:sp>
-      <p:grpSp>
-        <p:nvGrpSpPr>
-          <p:cNvPr id="11" name="グループ化 10">
-            <a:extLst>
-              <a:ext uri="{FF2B5EF4-FFF2-40B4-BE49-F238E27FC236}">
-                <a16:creationId xmlns:a16="http://schemas.microsoft.com/office/drawing/2014/main" id="{143ADB2A-7E19-47C5-9AFE-721F00C327B5}"/>
-              </a:ext>
-            </a:extLst>
-          </p:cNvPr>
-          <p:cNvGrpSpPr/>
+      <p:sp>
+        <p:nvSpPr>
+          <p:cNvPr id="4" name="矢印: U ターン 3">
+            <a:extLst>
+              <a:ext uri="{FF2B5EF4-FFF2-40B4-BE49-F238E27FC236}">
+                <a16:creationId xmlns:a16="http://schemas.microsoft.com/office/drawing/2014/main" id="{4AD2C401-C8BC-27CD-2A15-1CF7B4E7638C}"/>
+              </a:ext>
+            </a:extLst>
+          </p:cNvPr>
+          <p:cNvSpPr/>
           <p:nvPr/>
-        </p:nvGrpSpPr>
-        <p:grpSpPr>
-          <a:xfrm>
-            <a:off x="6748154" y="2989705"/>
-            <a:ext cx="5034617" cy="968462"/>
-            <a:chOff x="6865255" y="3249727"/>
-            <a:chExt cx="5034617" cy="968462"/>
+        </p:nvSpPr>
+        <p:spPr>
+          <a:xfrm flipH="1">
+            <a:off x="1720015" y="2768361"/>
+            <a:ext cx="2953999" cy="513124"/>
           </a:xfrm>
-        </p:grpSpPr>
-        <p:sp>
-          <p:nvSpPr>
-            <p:cNvPr id="17" name="吹き出し: 角を丸めた四角形 16">
-              <a:extLst>
-                <a:ext uri="{FF2B5EF4-FFF2-40B4-BE49-F238E27FC236}">
-                  <a16:creationId xmlns:a16="http://schemas.microsoft.com/office/drawing/2014/main" id="{3A3D246F-7DF9-6375-CF41-DA3D1E824591}"/>
-                </a:ext>
-              </a:extLst>
-            </p:cNvPr>
-            <p:cNvSpPr/>
-            <p:nvPr/>
-          </p:nvSpPr>
-          <p:spPr>
-            <a:xfrm>
-              <a:off x="7150640" y="3575029"/>
-              <a:ext cx="4749232" cy="643160"/>
-            </a:xfrm>
-            <a:prstGeom prst="wedgeRoundRectCallout">
-              <a:avLst>
-                <a:gd name="adj1" fmla="val -12941"/>
-                <a:gd name="adj2" fmla="val 129922"/>
-                <a:gd name="adj3" fmla="val 16667"/>
-              </a:avLst>
-            </a:prstGeom>
+          <a:prstGeom prst="uturnArrow">
+            <a:avLst>
+              <a:gd name="adj1" fmla="val 25000"/>
+              <a:gd name="adj2" fmla="val 25000"/>
+              <a:gd name="adj3" fmla="val 25000"/>
+              <a:gd name="adj4" fmla="val 43750"/>
+              <a:gd name="adj5" fmla="val 100000"/>
+            </a:avLst>
+          </a:prstGeom>
+          <a:solidFill>
+            <a:srgbClr val="FF0000"/>
+          </a:solidFill>
+          <a:ln>
             <a:solidFill>
               <a:schemeClr val="bg1"/>
             </a:solidFill>
-            <a:ln>
+          </a:ln>
+        </p:spPr>
+        <p:style>
+          <a:lnRef idx="2">
+            <a:schemeClr val="accent1">
+              <a:shade val="50000"/>
+            </a:schemeClr>
+          </a:lnRef>
+          <a:fillRef idx="1">
+            <a:schemeClr val="accent1"/>
+          </a:fillRef>
+          <a:effectRef idx="0">
+            <a:schemeClr val="accent1"/>
+          </a:effectRef>
+          <a:fontRef idx="minor">
+            <a:schemeClr val="lt1"/>
+          </a:fontRef>
+        </p:style>
+        <p:txBody>
+          <a:bodyPr rtlCol="0" anchor="ctr"/>
+          <a:lstStyle/>
+          <a:p>
+            <a:pPr algn="ctr"/>
+            <a:endParaRPr kumimoji="1" lang="ja-JP" altLang="en-US">
               <a:solidFill>
-                <a:srgbClr val="FFA333"/>
+                <a:schemeClr val="tx1"/>
               </a:solidFill>
-            </a:ln>
-          </p:spPr>
-          <p:style>
-            <a:lnRef idx="2">
-              <a:schemeClr val="accent1">
-                <a:shade val="50000"/>
-              </a:schemeClr>
-            </a:lnRef>
-            <a:fillRef idx="1">
-              <a:schemeClr val="accent1"/>
-            </a:fillRef>
-            <a:effectRef idx="0">
-              <a:schemeClr val="accent1"/>
-            </a:effectRef>
-            <a:fontRef idx="minor">
-              <a:schemeClr val="lt1"/>
-            </a:fontRef>
-          </p:style>
-          <p:txBody>
-            <a:bodyPr rtlCol="0" anchor="ctr"/>
-            <a:lstStyle/>
-            <a:p>
-              <a:pPr algn="ctr"/>
-              <a:r>
-                <a:rPr kumimoji="1" lang="ja-JP" altLang="en-US" sz="2400" dirty="0">
-                  <a:solidFill>
-                    <a:schemeClr val="tx1"/>
-                  </a:solidFill>
-                  <a:latin typeface="HGｺﾞｼｯｸM" panose="020B0609000000000000" pitchFamily="49" charset="-128"/>
-                  <a:ea typeface="HGｺﾞｼｯｸM" panose="020B0609000000000000" pitchFamily="49" charset="-128"/>
-                </a:rPr>
-                <a:t>キャラの見た目や動きが変わる</a:t>
-              </a:r>
-            </a:p>
-          </p:txBody>
-        </p:sp>
-        <p:sp>
-          <p:nvSpPr>
-            <p:cNvPr id="35" name="フローチャート: 結合子 34">
-              <a:extLst>
-                <a:ext uri="{FF2B5EF4-FFF2-40B4-BE49-F238E27FC236}">
-                  <a16:creationId xmlns:a16="http://schemas.microsoft.com/office/drawing/2014/main" id="{BBBC9E22-238C-16A3-F8D3-7266111E8612}"/>
-                </a:ext>
-              </a:extLst>
-            </p:cNvPr>
-            <p:cNvSpPr/>
-            <p:nvPr/>
-          </p:nvSpPr>
-          <p:spPr>
-            <a:xfrm>
-              <a:off x="6865255" y="3249727"/>
-              <a:ext cx="570770" cy="570770"/>
-            </a:xfrm>
-            <a:prstGeom prst="flowChartConnector">
-              <a:avLst/>
-            </a:prstGeom>
-            <a:solidFill>
-              <a:schemeClr val="accent2"/>
-            </a:solidFill>
-            <a:ln>
-              <a:solidFill>
-                <a:schemeClr val="bg1"/>
-              </a:solidFill>
-            </a:ln>
-          </p:spPr>
-          <p:style>
-            <a:lnRef idx="2">
-              <a:schemeClr val="accent1">
-                <a:shade val="50000"/>
-              </a:schemeClr>
-            </a:lnRef>
-            <a:fillRef idx="1">
-              <a:schemeClr val="accent1"/>
-            </a:fillRef>
-            <a:effectRef idx="0">
-              <a:schemeClr val="accent1"/>
-            </a:effectRef>
-            <a:fontRef idx="minor">
-              <a:schemeClr val="lt1"/>
-            </a:fontRef>
-          </p:style>
-          <p:txBody>
-            <a:bodyPr rtlCol="0" anchor="ctr"/>
-            <a:lstStyle/>
-            <a:p>
-              <a:pPr algn="ctr"/>
-              <a:r>
-                <a:rPr lang="ja-JP" altLang="en-US" dirty="0">
-                  <a:latin typeface="HGｺﾞｼｯｸE" panose="020B0909000000000000" pitchFamily="49" charset="-128"/>
-                  <a:ea typeface="HGｺﾞｼｯｸE" panose="020B0909000000000000" pitchFamily="49" charset="-128"/>
-                </a:rPr>
-                <a:t>３</a:t>
-              </a:r>
-              <a:endParaRPr kumimoji="1" lang="ja-JP" altLang="en-US" dirty="0">
-                <a:latin typeface="HGｺﾞｼｯｸE" panose="020B0909000000000000" pitchFamily="49" charset="-128"/>
-                <a:ea typeface="HGｺﾞｼｯｸE" panose="020B0909000000000000" pitchFamily="49" charset="-128"/>
-              </a:endParaRPr>
-            </a:p>
-          </p:txBody>
-        </p:sp>
-      </p:grpSp>
-      <p:grpSp>
-        <p:nvGrpSpPr>
-          <p:cNvPr id="29" name="グループ化 28">
-            <a:extLst>
-              <a:ext uri="{FF2B5EF4-FFF2-40B4-BE49-F238E27FC236}">
-                <a16:creationId xmlns:a16="http://schemas.microsoft.com/office/drawing/2014/main" id="{988D4903-7F37-D50C-7400-304C8B4EFD8F}"/>
-              </a:ext>
-            </a:extLst>
-          </p:cNvPr>
-          <p:cNvGrpSpPr/>
-          <p:nvPr/>
-        </p:nvGrpSpPr>
-        <p:grpSpPr>
-          <a:xfrm>
-            <a:off x="276805" y="3803967"/>
-            <a:ext cx="1654563" cy="929514"/>
-            <a:chOff x="251218" y="3867391"/>
-            <a:chExt cx="1654563" cy="929514"/>
-          </a:xfrm>
-        </p:grpSpPr>
-        <p:sp>
-          <p:nvSpPr>
-            <p:cNvPr id="39" name="矢印: 五方向 38">
-              <a:extLst>
-                <a:ext uri="{FF2B5EF4-FFF2-40B4-BE49-F238E27FC236}">
-                  <a16:creationId xmlns:a16="http://schemas.microsoft.com/office/drawing/2014/main" id="{7F733511-9969-4C97-9D52-1FD4D6F4A7C8}"/>
-                </a:ext>
-              </a:extLst>
-            </p:cNvPr>
-            <p:cNvSpPr/>
-            <p:nvPr/>
-          </p:nvSpPr>
-          <p:spPr>
-            <a:xfrm rot="16200000">
-              <a:off x="613743" y="3504866"/>
-              <a:ext cx="929514" cy="1654563"/>
-            </a:xfrm>
-            <a:prstGeom prst="homePlate">
-              <a:avLst/>
-            </a:prstGeom>
-            <a:solidFill>
-              <a:schemeClr val="accent4">
-                <a:lumMod val="40000"/>
-                <a:lumOff val="60000"/>
-              </a:schemeClr>
-            </a:solidFill>
-            <a:ln>
-              <a:solidFill>
-                <a:schemeClr val="bg1"/>
-              </a:solidFill>
-            </a:ln>
-          </p:spPr>
-          <p:style>
-            <a:lnRef idx="2">
-              <a:schemeClr val="accent1">
-                <a:shade val="50000"/>
-              </a:schemeClr>
-            </a:lnRef>
-            <a:fillRef idx="1">
-              <a:schemeClr val="accent1"/>
-            </a:fillRef>
-            <a:effectRef idx="0">
-              <a:schemeClr val="accent1"/>
-            </a:effectRef>
-            <a:fontRef idx="minor">
-              <a:schemeClr val="lt1"/>
-            </a:fontRef>
-          </p:style>
-          <p:txBody>
-            <a:bodyPr rtlCol="0" anchor="ctr"/>
-            <a:lstStyle/>
-            <a:p>
-              <a:pPr algn="ctr"/>
-              <a:endParaRPr kumimoji="1" lang="ja-JP" altLang="en-US" sz="2400" dirty="0">
-                <a:solidFill>
-                  <a:schemeClr val="accent2">
-                    <a:lumMod val="75000"/>
-                  </a:schemeClr>
-                </a:solidFill>
-              </a:endParaRPr>
-            </a:p>
-          </p:txBody>
-        </p:sp>
-        <p:sp>
-          <p:nvSpPr>
-            <p:cNvPr id="40" name="テキスト ボックス 39">
-              <a:extLst>
-                <a:ext uri="{FF2B5EF4-FFF2-40B4-BE49-F238E27FC236}">
-                  <a16:creationId xmlns:a16="http://schemas.microsoft.com/office/drawing/2014/main" id="{255954E2-16A0-1397-E21F-FD410CA199CE}"/>
-                </a:ext>
-              </a:extLst>
-            </p:cNvPr>
-            <p:cNvSpPr txBox="1"/>
-            <p:nvPr/>
-          </p:nvSpPr>
-          <p:spPr>
-            <a:xfrm>
-              <a:off x="432321" y="4291355"/>
-              <a:ext cx="1292358" cy="461665"/>
-            </a:xfrm>
-            <a:prstGeom prst="rect">
-              <a:avLst/>
-            </a:prstGeom>
-            <a:noFill/>
-          </p:spPr>
-          <p:txBody>
-            <a:bodyPr wrap="square" rtlCol="0">
-              <a:spAutoFit/>
-            </a:bodyPr>
-            <a:lstStyle/>
-            <a:p>
-              <a:pPr algn="ctr"/>
-              <a:r>
-                <a:rPr lang="ja-JP" altLang="en-US" sz="2400" dirty="0">
-                  <a:solidFill>
-                    <a:schemeClr val="accent2">
-                      <a:lumMod val="75000"/>
-                    </a:schemeClr>
-                  </a:solidFill>
-                </a:rPr>
-                <a:t>レベル</a:t>
-              </a:r>
-              <a:endParaRPr lang="en-US" altLang="ja-JP" sz="2400" dirty="0">
-                <a:solidFill>
-                  <a:schemeClr val="accent2">
-                    <a:lumMod val="75000"/>
-                  </a:schemeClr>
-                </a:solidFill>
-              </a:endParaRPr>
-            </a:p>
-          </p:txBody>
-        </p:sp>
-      </p:grpSp>
+            </a:endParaRPr>
+          </a:p>
+        </p:txBody>
+      </p:sp>
       <p:sp>
         <p:nvSpPr>
           <p:cNvPr id="25" name="吹き出し: 角を丸めた四角形 24">
@@ -6253,13 +5956,13 @@
         </p:nvSpPr>
         <p:spPr>
           <a:xfrm>
-            <a:off x="369935" y="1916687"/>
-            <a:ext cx="5527083" cy="643160"/>
+            <a:off x="1310119" y="1809071"/>
+            <a:ext cx="4736493" cy="643160"/>
           </a:xfrm>
           <a:prstGeom prst="wedgeRoundRectCallout">
             <a:avLst>
-              <a:gd name="adj1" fmla="val -32012"/>
-              <a:gd name="adj2" fmla="val 183574"/>
+              <a:gd name="adj1" fmla="val -18448"/>
+              <a:gd name="adj2" fmla="val 105571"/>
               <a:gd name="adj3" fmla="val 16667"/>
             </a:avLst>
           </a:prstGeom>
@@ -6300,7 +6003,7 @@
                 <a:latin typeface="HGｺﾞｼｯｸM" panose="020B0609000000000000" pitchFamily="49" charset="-128"/>
                 <a:ea typeface="HGｺﾞｼｯｸM" panose="020B0609000000000000" pitchFamily="49" charset="-128"/>
               </a:rPr>
-              <a:t>貯めた経験値に応じてレベルが上がる</a:t>
+              <a:t>経験値に応じてレベルが上がる</a:t>
             </a:r>
             <a:endParaRPr kumimoji="1" lang="en-US" altLang="ja-JP" sz="2400" dirty="0">
               <a:solidFill>
@@ -6326,8 +6029,8 @@
         </p:nvSpPr>
         <p:spPr>
           <a:xfrm>
-            <a:off x="68880" y="1553750"/>
-            <a:ext cx="570770" cy="570770"/>
+            <a:off x="1008649" y="1457899"/>
+            <a:ext cx="591302" cy="570770"/>
           </a:xfrm>
           <a:prstGeom prst="flowChartConnector">
             <a:avLst/>
@@ -6368,126 +6071,6 @@
                 <a:ea typeface="HGｺﾞｼｯｸE" panose="020B0909000000000000" pitchFamily="49" charset="-128"/>
               </a:rPr>
               <a:t>１</a:t>
-            </a:r>
-          </a:p>
-        </p:txBody>
-      </p:sp>
-      <p:sp>
-        <p:nvSpPr>
-          <p:cNvPr id="13" name="矢印: 環状 12">
-            <a:extLst>
-              <a:ext uri="{FF2B5EF4-FFF2-40B4-BE49-F238E27FC236}">
-                <a16:creationId xmlns:a16="http://schemas.microsoft.com/office/drawing/2014/main" id="{B79FFEA5-5BD7-6989-7814-9E4CA588634E}"/>
-              </a:ext>
-            </a:extLst>
-          </p:cNvPr>
-          <p:cNvSpPr/>
-          <p:nvPr/>
-        </p:nvSpPr>
-        <p:spPr>
-          <a:xfrm flipH="1" flipV="1">
-            <a:off x="1272663" y="2616957"/>
-            <a:ext cx="3195288" cy="2374017"/>
-          </a:xfrm>
-          <a:prstGeom prst="circularArrow">
-            <a:avLst/>
-          </a:prstGeom>
-          <a:solidFill>
-            <a:srgbClr val="FF0000"/>
-          </a:solidFill>
-          <a:ln>
-            <a:solidFill>
-              <a:schemeClr val="bg1">
-                <a:lumMod val="95000"/>
-              </a:schemeClr>
-            </a:solidFill>
-          </a:ln>
-        </p:spPr>
-        <p:style>
-          <a:lnRef idx="2">
-            <a:schemeClr val="accent1">
-              <a:shade val="50000"/>
-            </a:schemeClr>
-          </a:lnRef>
-          <a:fillRef idx="1">
-            <a:schemeClr val="accent1"/>
-          </a:fillRef>
-          <a:effectRef idx="0">
-            <a:schemeClr val="accent1"/>
-          </a:effectRef>
-          <a:fontRef idx="minor">
-            <a:schemeClr val="lt1"/>
-          </a:fontRef>
-        </p:style>
-        <p:txBody>
-          <a:bodyPr rtlCol="0" anchor="ctr"/>
-          <a:lstStyle/>
-          <a:p>
-            <a:pPr algn="ctr"/>
-            <a:endParaRPr kumimoji="1" lang="ja-JP" altLang="en-US">
-              <a:solidFill>
-                <a:schemeClr val="tx1"/>
-              </a:solidFill>
-            </a:endParaRPr>
-          </a:p>
-        </p:txBody>
-      </p:sp>
-      <p:sp>
-        <p:nvSpPr>
-          <p:cNvPr id="42" name="楕円 41">
-            <a:extLst>
-              <a:ext uri="{FF2B5EF4-FFF2-40B4-BE49-F238E27FC236}">
-                <a16:creationId xmlns:a16="http://schemas.microsoft.com/office/drawing/2014/main" id="{0978E2EE-920D-93E4-A5A8-C642E9B018EC}"/>
-              </a:ext>
-            </a:extLst>
-          </p:cNvPr>
-          <p:cNvSpPr/>
-          <p:nvPr/>
-        </p:nvSpPr>
-        <p:spPr>
-          <a:xfrm>
-            <a:off x="3258961" y="2654132"/>
-            <a:ext cx="2133512" cy="774868"/>
-          </a:xfrm>
-          <a:prstGeom prst="ellipse">
-            <a:avLst/>
-          </a:prstGeom>
-          <a:solidFill>
-            <a:schemeClr val="accent2"/>
-          </a:solidFill>
-          <a:ln>
-            <a:solidFill>
-              <a:schemeClr val="bg1"/>
-            </a:solidFill>
-          </a:ln>
-        </p:spPr>
-        <p:style>
-          <a:lnRef idx="2">
-            <a:schemeClr val="accent1">
-              <a:shade val="50000"/>
-            </a:schemeClr>
-          </a:lnRef>
-          <a:fillRef idx="1">
-            <a:schemeClr val="accent1"/>
-          </a:fillRef>
-          <a:effectRef idx="0">
-            <a:schemeClr val="accent1"/>
-          </a:effectRef>
-          <a:fontRef idx="minor">
-            <a:schemeClr val="lt1"/>
-          </a:fontRef>
-        </p:style>
-        <p:txBody>
-          <a:bodyPr rtlCol="0" anchor="ctr"/>
-          <a:lstStyle/>
-          <a:p>
-            <a:pPr algn="ctr"/>
-            <a:r>
-              <a:rPr kumimoji="1" lang="ja-JP" altLang="en-US" sz="2000" dirty="0">
-                <a:latin typeface="HGｺﾞｼｯｸE" panose="020B0909000000000000" pitchFamily="49" charset="-128"/>
-                <a:ea typeface="HGｺﾞｼｯｸE" panose="020B0909000000000000" pitchFamily="49" charset="-128"/>
-              </a:rPr>
-              <a:t>メイン画面</a:t>
             </a:r>
           </a:p>
         </p:txBody>
@@ -6553,66 +6136,6 @@
       </p:pic>
       <p:sp>
         <p:nvSpPr>
-          <p:cNvPr id="22" name="楕円 21">
-            <a:extLst>
-              <a:ext uri="{FF2B5EF4-FFF2-40B4-BE49-F238E27FC236}">
-                <a16:creationId xmlns:a16="http://schemas.microsoft.com/office/drawing/2014/main" id="{A92A86B2-2D5D-163C-9B57-8D466C8E2F54}"/>
-              </a:ext>
-            </a:extLst>
-          </p:cNvPr>
-          <p:cNvSpPr/>
-          <p:nvPr/>
-        </p:nvSpPr>
-        <p:spPr>
-          <a:xfrm>
-            <a:off x="3067792" y="2257121"/>
-            <a:ext cx="2470489" cy="732566"/>
-          </a:xfrm>
-          <a:prstGeom prst="ellipse">
-            <a:avLst/>
-          </a:prstGeom>
-          <a:solidFill>
-            <a:schemeClr val="accent2"/>
-          </a:solidFill>
-          <a:ln>
-            <a:solidFill>
-              <a:schemeClr val="bg1"/>
-            </a:solidFill>
-          </a:ln>
-        </p:spPr>
-        <p:style>
-          <a:lnRef idx="2">
-            <a:schemeClr val="accent1">
-              <a:shade val="50000"/>
-            </a:schemeClr>
-          </a:lnRef>
-          <a:fillRef idx="1">
-            <a:schemeClr val="accent1"/>
-          </a:fillRef>
-          <a:effectRef idx="0">
-            <a:schemeClr val="accent1"/>
-          </a:effectRef>
-          <a:fontRef idx="minor">
-            <a:schemeClr val="lt1"/>
-          </a:fontRef>
-        </p:style>
-        <p:txBody>
-          <a:bodyPr rtlCol="0" anchor="ctr"/>
-          <a:lstStyle/>
-          <a:p>
-            <a:pPr algn="ctr"/>
-            <a:r>
-              <a:rPr kumimoji="1" lang="ja-JP" altLang="en-US" sz="2400" dirty="0">
-                <a:latin typeface="HGｺﾞｼｯｸE" panose="020B0909000000000000" pitchFamily="49" charset="-128"/>
-                <a:ea typeface="HGｺﾞｼｯｸE" panose="020B0909000000000000" pitchFamily="49" charset="-128"/>
-              </a:rPr>
-              <a:t>メイン画面</a:t>
-            </a:r>
-          </a:p>
-        </p:txBody>
-      </p:sp>
-      <p:sp>
-        <p:nvSpPr>
           <p:cNvPr id="2" name="タイトル 1">
             <a:extLst>
               <a:ext uri="{FF2B5EF4-FFF2-40B4-BE49-F238E27FC236}">
@@ -6749,89 +6272,6 @@
       </p:sp>
       <p:sp>
         <p:nvSpPr>
-          <p:cNvPr id="27" name="矢印: 五方向 26">
-            <a:extLst>
-              <a:ext uri="{FF2B5EF4-FFF2-40B4-BE49-F238E27FC236}">
-                <a16:creationId xmlns:a16="http://schemas.microsoft.com/office/drawing/2014/main" id="{821A2FC8-2D37-A0BE-1009-F77296C3DA56}"/>
-              </a:ext>
-            </a:extLst>
-          </p:cNvPr>
-          <p:cNvSpPr/>
-          <p:nvPr/>
-        </p:nvSpPr>
-        <p:spPr>
-          <a:xfrm flipH="1">
-            <a:off x="8204084" y="2429974"/>
-            <a:ext cx="2124223" cy="584168"/>
-          </a:xfrm>
-          <a:prstGeom prst="homePlate">
-            <a:avLst/>
-          </a:prstGeom>
-          <a:solidFill>
-            <a:schemeClr val="accent4">
-              <a:lumMod val="40000"/>
-              <a:lumOff val="60000"/>
-            </a:schemeClr>
-          </a:solidFill>
-          <a:ln>
-            <a:solidFill>
-              <a:schemeClr val="bg1"/>
-            </a:solidFill>
-          </a:ln>
-        </p:spPr>
-        <p:style>
-          <a:lnRef idx="2">
-            <a:schemeClr val="accent1">
-              <a:shade val="50000"/>
-            </a:schemeClr>
-          </a:lnRef>
-          <a:fillRef idx="1">
-            <a:schemeClr val="accent1"/>
-          </a:fillRef>
-          <a:effectRef idx="0">
-            <a:schemeClr val="accent1"/>
-          </a:effectRef>
-          <a:fontRef idx="minor">
-            <a:schemeClr val="lt1"/>
-          </a:fontRef>
-        </p:style>
-        <p:txBody>
-          <a:bodyPr rtlCol="0" anchor="ctr"/>
-          <a:lstStyle/>
-          <a:p>
-            <a:pPr algn="ctr"/>
-            <a:r>
-              <a:rPr lang="en-US" altLang="ja-JP" sz="2400" dirty="0">
-                <a:solidFill>
-                  <a:schemeClr val="accent2">
-                    <a:lumMod val="75000"/>
-                  </a:schemeClr>
-                </a:solidFill>
-              </a:rPr>
-              <a:t>T</a:t>
-            </a:r>
-            <a:r>
-              <a:rPr lang="ja-JP" altLang="en-US" sz="2400" dirty="0">
-                <a:solidFill>
-                  <a:schemeClr val="accent2">
-                    <a:lumMod val="75000"/>
-                  </a:schemeClr>
-                </a:solidFill>
-              </a:rPr>
-              <a:t>ポイント</a:t>
-            </a:r>
-            <a:endParaRPr lang="en-US" altLang="ja-JP" sz="2400" dirty="0">
-              <a:solidFill>
-                <a:schemeClr val="accent2">
-                  <a:lumMod val="75000"/>
-                </a:schemeClr>
-              </a:solidFill>
-            </a:endParaRPr>
-          </a:p>
-        </p:txBody>
-      </p:sp>
-      <p:sp>
-        <p:nvSpPr>
           <p:cNvPr id="9" name="四角形: 角を丸くする 8">
             <a:extLst>
               <a:ext uri="{FF2B5EF4-FFF2-40B4-BE49-F238E27FC236}">
@@ -6845,7 +6285,7 @@
         <p:spPr>
           <a:xfrm>
             <a:off x="753845" y="1439009"/>
-            <a:ext cx="7098384" cy="774868"/>
+            <a:ext cx="6088163" cy="643160"/>
           </a:xfrm>
           <a:prstGeom prst="roundRect">
             <a:avLst/>
@@ -6883,28 +6323,28 @@
               <a:buNone/>
             </a:pPr>
             <a:r>
-              <a:rPr kumimoji="1" lang="en-US" altLang="ja-JP" sz="2800" dirty="0">
+              <a:rPr kumimoji="1" lang="en-US" altLang="ja-JP" sz="2400" dirty="0">
                 <a:latin typeface="HGｺﾞｼｯｸE" panose="020B0909000000000000" pitchFamily="49" charset="-128"/>
                 <a:ea typeface="HGｺﾞｼｯｸE" panose="020B0909000000000000" pitchFamily="49" charset="-128"/>
               </a:rPr>
               <a:t>1</a:t>
             </a:r>
             <a:r>
-              <a:rPr kumimoji="1" lang="ja-JP" altLang="en-US" sz="2800" dirty="0">
+              <a:rPr kumimoji="1" lang="ja-JP" altLang="en-US" sz="2400" dirty="0">
                 <a:latin typeface="HGｺﾞｼｯｸE" panose="020B0909000000000000" pitchFamily="49" charset="-128"/>
                 <a:ea typeface="HGｺﾞｼｯｸE" panose="020B0909000000000000" pitchFamily="49" charset="-128"/>
               </a:rPr>
               <a:t>日</a:t>
             </a:r>
             <a:r>
-              <a:rPr kumimoji="1" lang="en-US" altLang="ja-JP" sz="2800" dirty="0">
+              <a:rPr kumimoji="1" lang="en-US" altLang="ja-JP" sz="2400" dirty="0">
                 <a:latin typeface="HGｺﾞｼｯｸE" panose="020B0909000000000000" pitchFamily="49" charset="-128"/>
                 <a:ea typeface="HGｺﾞｼｯｸE" panose="020B0909000000000000" pitchFamily="49" charset="-128"/>
               </a:rPr>
               <a:t>1</a:t>
             </a:r>
             <a:r>
-              <a:rPr kumimoji="1" lang="ja-JP" altLang="en-US" sz="2800" dirty="0">
+              <a:rPr kumimoji="1" lang="ja-JP" altLang="en-US" sz="2400" dirty="0">
                 <a:latin typeface="HGｺﾞｼｯｸE" panose="020B0909000000000000" pitchFamily="49" charset="-128"/>
                 <a:ea typeface="HGｺﾞｼｯｸE" panose="020B0909000000000000" pitchFamily="49" charset="-128"/>
               </a:rPr>
@@ -7144,7 +6584,7 @@
         </p:blipFill>
         <p:spPr>
           <a:xfrm>
-            <a:off x="9090762" y="834391"/>
+            <a:off x="8228425" y="933337"/>
             <a:ext cx="2505425" cy="5772956"/>
           </a:xfrm>
           <a:prstGeom prst="rect">
@@ -7174,7 +6614,7 @@
         </p:blipFill>
         <p:spPr>
           <a:xfrm>
-            <a:off x="2409052" y="2308350"/>
+            <a:off x="1458150" y="2417260"/>
             <a:ext cx="1872477" cy="4289033"/>
           </a:xfrm>
           <a:prstGeom prst="rect">
@@ -7182,126 +6622,6 @@
           </a:prstGeom>
         </p:spPr>
       </p:pic>
-      <p:sp>
-        <p:nvSpPr>
-          <p:cNvPr id="6" name="楕円 5">
-            <a:extLst>
-              <a:ext uri="{FF2B5EF4-FFF2-40B4-BE49-F238E27FC236}">
-                <a16:creationId xmlns:a16="http://schemas.microsoft.com/office/drawing/2014/main" id="{00464384-0403-04E4-5519-8F4BBD998AB4}"/>
-              </a:ext>
-            </a:extLst>
-          </p:cNvPr>
-          <p:cNvSpPr/>
-          <p:nvPr/>
-        </p:nvSpPr>
-        <p:spPr>
-          <a:xfrm>
-            <a:off x="9108229" y="225080"/>
-            <a:ext cx="2470489" cy="774868"/>
-          </a:xfrm>
-          <a:prstGeom prst="ellipse">
-            <a:avLst/>
-          </a:prstGeom>
-          <a:solidFill>
-            <a:schemeClr val="accent2"/>
-          </a:solidFill>
-          <a:ln>
-            <a:solidFill>
-              <a:schemeClr val="bg1"/>
-            </a:solidFill>
-          </a:ln>
-        </p:spPr>
-        <p:style>
-          <a:lnRef idx="2">
-            <a:schemeClr val="accent1">
-              <a:shade val="50000"/>
-            </a:schemeClr>
-          </a:lnRef>
-          <a:fillRef idx="1">
-            <a:schemeClr val="accent1"/>
-          </a:fillRef>
-          <a:effectRef idx="0">
-            <a:schemeClr val="accent1"/>
-          </a:effectRef>
-          <a:fontRef idx="minor">
-            <a:schemeClr val="lt1"/>
-          </a:fontRef>
-        </p:style>
-        <p:txBody>
-          <a:bodyPr rtlCol="0" anchor="ctr"/>
-          <a:lstStyle/>
-          <a:p>
-            <a:pPr algn="ctr"/>
-            <a:r>
-              <a:rPr kumimoji="1" lang="ja-JP" altLang="en-US" sz="2400" dirty="0">
-                <a:latin typeface="HGｺﾞｼｯｸE" panose="020B0909000000000000" pitchFamily="49" charset="-128"/>
-                <a:ea typeface="HGｺﾞｼｯｸE" panose="020B0909000000000000" pitchFamily="49" charset="-128"/>
-              </a:rPr>
-              <a:t>メイン画面</a:t>
-            </a:r>
-          </a:p>
-        </p:txBody>
-      </p:sp>
-      <p:sp>
-        <p:nvSpPr>
-          <p:cNvPr id="23" name="楕円 22">
-            <a:extLst>
-              <a:ext uri="{FF2B5EF4-FFF2-40B4-BE49-F238E27FC236}">
-                <a16:creationId xmlns:a16="http://schemas.microsoft.com/office/drawing/2014/main" id="{32F192D6-B901-0977-32EE-C296005A9997}"/>
-              </a:ext>
-            </a:extLst>
-          </p:cNvPr>
-          <p:cNvSpPr/>
-          <p:nvPr/>
-        </p:nvSpPr>
-        <p:spPr>
-          <a:xfrm>
-            <a:off x="171215" y="2391287"/>
-            <a:ext cx="2470489" cy="774868"/>
-          </a:xfrm>
-          <a:prstGeom prst="ellipse">
-            <a:avLst/>
-          </a:prstGeom>
-          <a:solidFill>
-            <a:schemeClr val="accent2"/>
-          </a:solidFill>
-          <a:ln>
-            <a:solidFill>
-              <a:schemeClr val="bg1"/>
-            </a:solidFill>
-          </a:ln>
-        </p:spPr>
-        <p:style>
-          <a:lnRef idx="2">
-            <a:schemeClr val="accent1">
-              <a:shade val="50000"/>
-            </a:schemeClr>
-          </a:lnRef>
-          <a:fillRef idx="1">
-            <a:schemeClr val="accent1"/>
-          </a:fillRef>
-          <a:effectRef idx="0">
-            <a:schemeClr val="accent1"/>
-          </a:effectRef>
-          <a:fontRef idx="minor">
-            <a:schemeClr val="lt1"/>
-          </a:fontRef>
-        </p:style>
-        <p:txBody>
-          <a:bodyPr rtlCol="0" anchor="ctr"/>
-          <a:lstStyle/>
-          <a:p>
-            <a:pPr algn="ctr"/>
-            <a:r>
-              <a:rPr kumimoji="1" lang="ja-JP" altLang="en-US" sz="2400" dirty="0">
-                <a:latin typeface="HGｺﾞｼｯｸE" panose="020B0909000000000000" pitchFamily="49" charset="-128"/>
-                <a:ea typeface="HGｺﾞｼｯｸE" panose="020B0909000000000000" pitchFamily="49" charset="-128"/>
-              </a:rPr>
-              <a:t>メイン画面</a:t>
-            </a:r>
-          </a:p>
-        </p:txBody>
-      </p:sp>
       <p:sp>
         <p:nvSpPr>
           <p:cNvPr id="2" name="タイトル 1">
@@ -7353,7 +6673,7 @@
         <p:spPr>
           <a:xfrm>
             <a:off x="755104" y="1466355"/>
-            <a:ext cx="8286922" cy="774868"/>
+            <a:ext cx="7155182" cy="510750"/>
           </a:xfrm>
           <a:prstGeom prst="roundRect">
             <a:avLst/>
@@ -7389,49 +6709,49 @@
               <a:buNone/>
             </a:pPr>
             <a:r>
-              <a:rPr kumimoji="1" lang="ja-JP" altLang="en-US" sz="2800" dirty="0">
+              <a:rPr kumimoji="1" lang="ja-JP" altLang="en-US" sz="2400" dirty="0">
                 <a:latin typeface="HGｺﾞｼｯｸE" panose="020B0909000000000000" pitchFamily="49" charset="-128"/>
                 <a:ea typeface="HGｺﾞｼｯｸE" panose="020B0909000000000000" pitchFamily="49" charset="-128"/>
               </a:rPr>
               <a:t>ミッション</a:t>
             </a:r>
             <a:r>
-              <a:rPr kumimoji="1" lang="en-US" altLang="ja-JP" sz="2800" dirty="0">
+              <a:rPr kumimoji="1" lang="en-US" altLang="ja-JP" sz="2400" dirty="0">
                 <a:latin typeface="HGｺﾞｼｯｸE" panose="020B0909000000000000" pitchFamily="49" charset="-128"/>
                 <a:ea typeface="HGｺﾞｼｯｸE" panose="020B0909000000000000" pitchFamily="49" charset="-128"/>
               </a:rPr>
               <a:t>(</a:t>
             </a:r>
             <a:r>
-              <a:rPr kumimoji="1" lang="ja-JP" altLang="en-US" sz="2800" dirty="0">
+              <a:rPr kumimoji="1" lang="ja-JP" altLang="en-US" sz="2400" dirty="0">
                 <a:latin typeface="HGｺﾞｼｯｸE" panose="020B0909000000000000" pitchFamily="49" charset="-128"/>
                 <a:ea typeface="HGｺﾞｼｯｸE" panose="020B0909000000000000" pitchFamily="49" charset="-128"/>
               </a:rPr>
               <a:t>目標</a:t>
             </a:r>
             <a:r>
-              <a:rPr kumimoji="1" lang="en-US" altLang="ja-JP" sz="2800" dirty="0">
+              <a:rPr kumimoji="1" lang="en-US" altLang="ja-JP" sz="2400" dirty="0">
                 <a:latin typeface="HGｺﾞｼｯｸE" panose="020B0909000000000000" pitchFamily="49" charset="-128"/>
                 <a:ea typeface="HGｺﾞｼｯｸE" panose="020B0909000000000000" pitchFamily="49" charset="-128"/>
               </a:rPr>
               <a:t>)</a:t>
             </a:r>
             <a:r>
-              <a:rPr kumimoji="1" lang="ja-JP" altLang="en-US" sz="2800" dirty="0">
+              <a:rPr kumimoji="1" lang="ja-JP" altLang="en-US" sz="2400" dirty="0">
                 <a:latin typeface="HGｺﾞｼｯｸE" panose="020B0909000000000000" pitchFamily="49" charset="-128"/>
                 <a:ea typeface="HGｺﾞｼｯｸE" panose="020B0909000000000000" pitchFamily="49" charset="-128"/>
               </a:rPr>
               <a:t>がランダムに</a:t>
             </a:r>
             <a:r>
-              <a:rPr kumimoji="1" lang="en-US" altLang="ja-JP" sz="2800" dirty="0">
+              <a:rPr kumimoji="1" lang="en-US" altLang="ja-JP" sz="2400" dirty="0">
                 <a:latin typeface="HGｺﾞｼｯｸE" panose="020B0909000000000000" pitchFamily="49" charset="-128"/>
                 <a:ea typeface="HGｺﾞｼｯｸE" panose="020B0909000000000000" pitchFamily="49" charset="-128"/>
               </a:rPr>
               <a:t>3</a:t>
             </a:r>
             <a:r>
-              <a:rPr kumimoji="1" lang="ja-JP" altLang="en-US" sz="2800" dirty="0">
+              <a:rPr kumimoji="1" lang="ja-JP" altLang="en-US" sz="2400" dirty="0">
                 <a:latin typeface="HGｺﾞｼｯｸE" panose="020B0909000000000000" pitchFamily="49" charset="-128"/>
                 <a:ea typeface="HGｺﾞｼｯｸE" panose="020B0909000000000000" pitchFamily="49" charset="-128"/>
               </a:rPr>
@@ -7454,7 +6774,7 @@
         </p:nvSpPr>
         <p:spPr>
           <a:xfrm>
-            <a:off x="4133129" y="3843152"/>
+            <a:off x="3207964" y="5308369"/>
             <a:ext cx="5396295" cy="1177468"/>
           </a:xfrm>
           <a:prstGeom prst="rightArrow">
@@ -7517,13 +6837,13 @@
         </p:nvSpPr>
         <p:spPr>
           <a:xfrm>
-            <a:off x="4773535" y="3243116"/>
+            <a:off x="4178015" y="4482360"/>
             <a:ext cx="3606103" cy="643160"/>
           </a:xfrm>
           <a:prstGeom prst="wedgeRoundRectCallout">
             <a:avLst>
-              <a:gd name="adj1" fmla="val -12289"/>
-              <a:gd name="adj2" fmla="val 103476"/>
+              <a:gd name="adj1" fmla="val -13094"/>
+              <a:gd name="adj2" fmla="val 135070"/>
               <a:gd name="adj3" fmla="val 16667"/>
             </a:avLst>
           </a:prstGeom>
@@ -7583,13 +6903,13 @@
         </p:nvSpPr>
         <p:spPr>
           <a:xfrm>
-            <a:off x="4623265" y="2355667"/>
+            <a:off x="3648766" y="2819399"/>
             <a:ext cx="4841296" cy="643160"/>
           </a:xfrm>
           <a:prstGeom prst="wedgeRoundRectCallout">
             <a:avLst>
-              <a:gd name="adj1" fmla="val 57670"/>
-              <a:gd name="adj2" fmla="val 4058"/>
+              <a:gd name="adj1" fmla="val 60681"/>
+              <a:gd name="adj2" fmla="val -51575"/>
               <a:gd name="adj3" fmla="val 16667"/>
             </a:avLst>
           </a:prstGeom>
@@ -7637,10 +6957,10 @@
       </p:sp>
       <p:sp>
         <p:nvSpPr>
-          <p:cNvPr id="21" name="四角形: 角を丸くする 20">
-            <a:extLst>
-              <a:ext uri="{FF2B5EF4-FFF2-40B4-BE49-F238E27FC236}">
-                <a16:creationId xmlns:a16="http://schemas.microsoft.com/office/drawing/2014/main" id="{1024AB4C-2C4C-A65A-0E1B-0160A449D927}"/>
+          <p:cNvPr id="17" name="フローチャート: 結合子 16">
+            <a:extLst>
+              <a:ext uri="{FF2B5EF4-FFF2-40B4-BE49-F238E27FC236}">
+                <a16:creationId xmlns:a16="http://schemas.microsoft.com/office/drawing/2014/main" id="{6033F806-EA49-27ED-F397-8687654489B4}"/>
               </a:ext>
             </a:extLst>
           </p:cNvPr>
@@ -7649,121 +6969,14 @@
         </p:nvSpPr>
         <p:spPr>
           <a:xfrm>
-            <a:off x="2893144" y="3342453"/>
-            <a:ext cx="807245" cy="251954"/>
+            <a:off x="3442809" y="2532982"/>
+            <a:ext cx="485830" cy="485830"/>
           </a:xfrm>
-          <a:prstGeom prst="roundRect">
-            <a:avLst/>
-          </a:prstGeom>
-          <a:noFill/>
-          <a:ln w="38100">
-            <a:solidFill>
-              <a:srgbClr val="FF0000"/>
-            </a:solidFill>
-          </a:ln>
-        </p:spPr>
-        <p:style>
-          <a:lnRef idx="2">
-            <a:schemeClr val="accent1">
-              <a:shade val="50000"/>
-            </a:schemeClr>
-          </a:lnRef>
-          <a:fillRef idx="1">
-            <a:schemeClr val="accent1"/>
-          </a:fillRef>
-          <a:effectRef idx="0">
-            <a:schemeClr val="accent1"/>
-          </a:effectRef>
-          <a:fontRef idx="minor">
-            <a:schemeClr val="lt1"/>
-          </a:fontRef>
-        </p:style>
-        <p:txBody>
-          <a:bodyPr rtlCol="0" anchor="ctr"/>
-          <a:lstStyle/>
-          <a:p>
-            <a:pPr algn="ctr"/>
-            <a:endParaRPr kumimoji="1" lang="ja-JP" altLang="en-US"/>
-          </a:p>
-        </p:txBody>
-      </p:sp>
-      <p:sp>
-        <p:nvSpPr>
-          <p:cNvPr id="22" name="四角形: 角を丸くする 21">
-            <a:extLst>
-              <a:ext uri="{FF2B5EF4-FFF2-40B4-BE49-F238E27FC236}">
-                <a16:creationId xmlns:a16="http://schemas.microsoft.com/office/drawing/2014/main" id="{481B492B-88E7-C919-2444-AC418A1D4D4A}"/>
-              </a:ext>
-            </a:extLst>
-          </p:cNvPr>
-          <p:cNvSpPr/>
-          <p:nvPr/>
-        </p:nvSpPr>
-        <p:spPr>
-          <a:xfrm>
-            <a:off x="2896177" y="5330702"/>
-            <a:ext cx="807244" cy="330814"/>
-          </a:xfrm>
-          <a:prstGeom prst="roundRect">
-            <a:avLst/>
-          </a:prstGeom>
-          <a:noFill/>
-          <a:ln w="38100">
-            <a:solidFill>
-              <a:srgbClr val="FF0000"/>
-            </a:solidFill>
-          </a:ln>
-        </p:spPr>
-        <p:style>
-          <a:lnRef idx="2">
-            <a:schemeClr val="accent1">
-              <a:shade val="50000"/>
-            </a:schemeClr>
-          </a:lnRef>
-          <a:fillRef idx="1">
-            <a:schemeClr val="accent1"/>
-          </a:fillRef>
-          <a:effectRef idx="0">
-            <a:schemeClr val="accent1"/>
-          </a:effectRef>
-          <a:fontRef idx="minor">
-            <a:schemeClr val="lt1"/>
-          </a:fontRef>
-        </p:style>
-        <p:txBody>
-          <a:bodyPr rtlCol="0" anchor="ctr"/>
-          <a:lstStyle/>
-          <a:p>
-            <a:pPr algn="ctr"/>
-            <a:endParaRPr kumimoji="1" lang="ja-JP" altLang="en-US"/>
-          </a:p>
-        </p:txBody>
-      </p:sp>
-      <p:sp>
-        <p:nvSpPr>
-          <p:cNvPr id="8" name="矢印: 五方向 7">
-            <a:extLst>
-              <a:ext uri="{FF2B5EF4-FFF2-40B4-BE49-F238E27FC236}">
-                <a16:creationId xmlns:a16="http://schemas.microsoft.com/office/drawing/2014/main" id="{9E2E119F-58E3-64B0-3065-4CB660F4F767}"/>
-              </a:ext>
-            </a:extLst>
-          </p:cNvPr>
-          <p:cNvSpPr/>
-          <p:nvPr/>
-        </p:nvSpPr>
-        <p:spPr>
-          <a:xfrm>
-            <a:off x="533696" y="3399762"/>
-            <a:ext cx="2295267" cy="584168"/>
-          </a:xfrm>
-          <a:prstGeom prst="homePlate">
+          <a:prstGeom prst="flowChartConnector">
             <a:avLst/>
           </a:prstGeom>
           <a:solidFill>
-            <a:schemeClr val="accent4">
-              <a:lumMod val="40000"/>
-              <a:lumOff val="60000"/>
-            </a:schemeClr>
+            <a:schemeClr val="accent2"/>
           </a:solidFill>
           <a:ln>
             <a:solidFill>
@@ -7793,31 +7006,21 @@
           <a:p>
             <a:pPr algn="ctr"/>
             <a:r>
-              <a:rPr lang="ja-JP" altLang="en-US" sz="2400" dirty="0">
-                <a:solidFill>
-                  <a:schemeClr val="accent2">
-                    <a:lumMod val="75000"/>
-                  </a:schemeClr>
-                </a:solidFill>
-              </a:rPr>
-              <a:t>ミッション</a:t>
-            </a:r>
-            <a:endParaRPr kumimoji="1" lang="ja-JP" altLang="en-US" sz="2400" dirty="0">
-              <a:solidFill>
-                <a:schemeClr val="accent2">
-                  <a:lumMod val="75000"/>
-                </a:schemeClr>
-              </a:solidFill>
-            </a:endParaRPr>
-          </a:p>
-        </p:txBody>
-      </p:sp>
-      <p:sp>
-        <p:nvSpPr>
-          <p:cNvPr id="7" name="矢印: 五方向 6">
-            <a:extLst>
-              <a:ext uri="{FF2B5EF4-FFF2-40B4-BE49-F238E27FC236}">
-                <a16:creationId xmlns:a16="http://schemas.microsoft.com/office/drawing/2014/main" id="{62867909-0D17-57A7-C75A-0C399AFCFAD6}"/>
+              <a:rPr kumimoji="1" lang="ja-JP" altLang="en-US" dirty="0">
+                <a:latin typeface="HGｺﾞｼｯｸE" panose="020B0909000000000000" pitchFamily="49" charset="-128"/>
+                <a:ea typeface="HGｺﾞｼｯｸE" panose="020B0909000000000000" pitchFamily="49" charset="-128"/>
+              </a:rPr>
+              <a:t>１</a:t>
+            </a:r>
+          </a:p>
+        </p:txBody>
+      </p:sp>
+      <p:sp>
+        <p:nvSpPr>
+          <p:cNvPr id="19" name="フローチャート: 結合子 18">
+            <a:extLst>
+              <a:ext uri="{FF2B5EF4-FFF2-40B4-BE49-F238E27FC236}">
+                <a16:creationId xmlns:a16="http://schemas.microsoft.com/office/drawing/2014/main" id="{96001FEC-A6D9-3695-6AD5-53CA41C1A072}"/>
               </a:ext>
             </a:extLst>
           </p:cNvPr>
@@ -7826,17 +7029,14 @@
         </p:nvSpPr>
         <p:spPr>
           <a:xfrm>
-            <a:off x="402615" y="5204025"/>
-            <a:ext cx="2490529" cy="584168"/>
+            <a:off x="3954549" y="4195943"/>
+            <a:ext cx="485830" cy="485830"/>
           </a:xfrm>
-          <a:prstGeom prst="homePlate">
+          <a:prstGeom prst="flowChartConnector">
             <a:avLst/>
           </a:prstGeom>
           <a:solidFill>
-            <a:schemeClr val="accent4">
-              <a:lumMod val="40000"/>
-              <a:lumOff val="60000"/>
-            </a:schemeClr>
+            <a:schemeClr val="accent2"/>
           </a:solidFill>
           <a:ln>
             <a:solidFill>
@@ -7866,222 +7066,16 @@
           <a:p>
             <a:pPr algn="ctr"/>
             <a:r>
-              <a:rPr kumimoji="1" lang="ja-JP" altLang="en-US" sz="2400" dirty="0">
-                <a:solidFill>
-                  <a:schemeClr val="accent2">
-                    <a:lumMod val="75000"/>
-                  </a:schemeClr>
-                </a:solidFill>
-              </a:rPr>
-              <a:t>達成ボタン</a:t>
-            </a:r>
-          </a:p>
-        </p:txBody>
-      </p:sp>
-      <p:sp>
-        <p:nvSpPr>
-          <p:cNvPr id="3" name="テキスト ボックス 2">
-            <a:extLst>
-              <a:ext uri="{FF2B5EF4-FFF2-40B4-BE49-F238E27FC236}">
-                <a16:creationId xmlns:a16="http://schemas.microsoft.com/office/drawing/2014/main" id="{DB3F801E-AF08-6D29-673E-4593A9835B5B}"/>
-              </a:ext>
-            </a:extLst>
-          </p:cNvPr>
-          <p:cNvSpPr txBox="1"/>
-          <p:nvPr/>
-        </p:nvSpPr>
-        <p:spPr>
-          <a:xfrm>
-            <a:off x="4903617" y="5496109"/>
-            <a:ext cx="3476021" cy="1323439"/>
-          </a:xfrm>
-          <a:prstGeom prst="rect">
-            <a:avLst/>
-          </a:prstGeom>
-          <a:noFill/>
-        </p:spPr>
-        <p:txBody>
-          <a:bodyPr wrap="square" rtlCol="0">
-            <a:spAutoFit/>
-          </a:bodyPr>
-          <a:lstStyle/>
-          <a:p>
-            <a:pPr marL="285750" indent="-285750">
-              <a:buClr>
-                <a:schemeClr val="accent2">
-                  <a:lumMod val="75000"/>
-                </a:schemeClr>
-              </a:buClr>
-              <a:buFont typeface="Arial" panose="020B0604020202020204" pitchFamily="34" charset="0"/>
-              <a:buChar char="•"/>
-            </a:pPr>
-            <a:r>
-              <a:rPr kumimoji="1" lang="ja-JP" altLang="en-US" sz="2000" dirty="0">
-                <a:latin typeface="HGｺﾞｼｯｸM" panose="020B0609000000000000" pitchFamily="49" charset="-128"/>
-                <a:ea typeface="HGｺﾞｼｯｸM" panose="020B0609000000000000" pitchFamily="49" charset="-128"/>
-              </a:rPr>
-              <a:t>笑顔で挨拶する</a:t>
-            </a:r>
-            <a:endParaRPr kumimoji="1" lang="en-US" altLang="ja-JP" sz="2000" dirty="0">
-              <a:latin typeface="HGｺﾞｼｯｸM" panose="020B0609000000000000" pitchFamily="49" charset="-128"/>
-              <a:ea typeface="HGｺﾞｼｯｸM" panose="020B0609000000000000" pitchFamily="49" charset="-128"/>
+              <a:rPr lang="en-US" altLang="ja-JP" dirty="0">
+                <a:latin typeface="HGｺﾞｼｯｸE" panose="020B0909000000000000" pitchFamily="49" charset="-128"/>
+                <a:ea typeface="HGｺﾞｼｯｸE" panose="020B0909000000000000" pitchFamily="49" charset="-128"/>
+              </a:rPr>
+              <a:t>2</a:t>
+            </a:r>
+            <a:endParaRPr kumimoji="1" lang="ja-JP" altLang="en-US" dirty="0">
+              <a:latin typeface="HGｺﾞｼｯｸE" panose="020B0909000000000000" pitchFamily="49" charset="-128"/>
+              <a:ea typeface="HGｺﾞｼｯｸE" panose="020B0909000000000000" pitchFamily="49" charset="-128"/>
             </a:endParaRPr>
-          </a:p>
-          <a:p>
-            <a:pPr marL="285750" indent="-285750">
-              <a:buClr>
-                <a:schemeClr val="accent2">
-                  <a:lumMod val="75000"/>
-                </a:schemeClr>
-              </a:buClr>
-              <a:buFont typeface="Arial" panose="020B0604020202020204" pitchFamily="34" charset="0"/>
-              <a:buChar char="•"/>
-            </a:pPr>
-            <a:r>
-              <a:rPr lang="en-US" altLang="ja-JP" sz="2000" dirty="0">
-                <a:latin typeface="HGｺﾞｼｯｸM" panose="020B0609000000000000" pitchFamily="49" charset="-128"/>
-                <a:ea typeface="HGｺﾞｼｯｸM" panose="020B0609000000000000" pitchFamily="49" charset="-128"/>
-              </a:rPr>
-              <a:t>1</a:t>
-            </a:r>
-            <a:r>
-              <a:rPr lang="ja-JP" altLang="en-US" sz="2000" dirty="0">
-                <a:latin typeface="HGｺﾞｼｯｸM" panose="020B0609000000000000" pitchFamily="49" charset="-128"/>
-                <a:ea typeface="HGｺﾞｼｯｸM" panose="020B0609000000000000" pitchFamily="49" charset="-128"/>
-              </a:rPr>
-              <a:t>時間に</a:t>
-            </a:r>
-            <a:r>
-              <a:rPr lang="en-US" altLang="ja-JP" sz="2000" dirty="0">
-                <a:latin typeface="HGｺﾞｼｯｸM" panose="020B0609000000000000" pitchFamily="49" charset="-128"/>
-                <a:ea typeface="HGｺﾞｼｯｸM" panose="020B0609000000000000" pitchFamily="49" charset="-128"/>
-              </a:rPr>
-              <a:t>1</a:t>
-            </a:r>
-            <a:r>
-              <a:rPr lang="ja-JP" altLang="en-US" sz="2000" dirty="0">
-                <a:latin typeface="HGｺﾞｼｯｸM" panose="020B0609000000000000" pitchFamily="49" charset="-128"/>
-                <a:ea typeface="HGｺﾞｼｯｸM" panose="020B0609000000000000" pitchFamily="49" charset="-128"/>
-              </a:rPr>
-              <a:t>回休憩を取る</a:t>
-            </a:r>
-            <a:endParaRPr kumimoji="1" lang="en-US" altLang="ja-JP" sz="2000" dirty="0">
-              <a:latin typeface="HGｺﾞｼｯｸM" panose="020B0609000000000000" pitchFamily="49" charset="-128"/>
-              <a:ea typeface="HGｺﾞｼｯｸM" panose="020B0609000000000000" pitchFamily="49" charset="-128"/>
-            </a:endParaRPr>
-          </a:p>
-          <a:p>
-            <a:pPr marL="285750" indent="-285750">
-              <a:buClr>
-                <a:schemeClr val="accent2">
-                  <a:lumMod val="75000"/>
-                </a:schemeClr>
-              </a:buClr>
-              <a:buFont typeface="Arial" panose="020B0604020202020204" pitchFamily="34" charset="0"/>
-              <a:buChar char="•"/>
-            </a:pPr>
-            <a:r>
-              <a:rPr kumimoji="1" lang="ja-JP" altLang="en-US" sz="2000" dirty="0">
-                <a:latin typeface="HGｺﾞｼｯｸM" panose="020B0609000000000000" pitchFamily="49" charset="-128"/>
-                <a:ea typeface="HGｺﾞｼｯｸM" panose="020B0609000000000000" pitchFamily="49" charset="-128"/>
-              </a:rPr>
-              <a:t>メールの返信をする</a:t>
-            </a:r>
-            <a:endParaRPr kumimoji="1" lang="en-US" altLang="ja-JP" sz="2000" dirty="0">
-              <a:latin typeface="HGｺﾞｼｯｸM" panose="020B0609000000000000" pitchFamily="49" charset="-128"/>
-              <a:ea typeface="HGｺﾞｼｯｸM" panose="020B0609000000000000" pitchFamily="49" charset="-128"/>
-            </a:endParaRPr>
-          </a:p>
-          <a:p>
-            <a:pPr>
-              <a:buClr>
-                <a:schemeClr val="accent2">
-                  <a:lumMod val="75000"/>
-                </a:schemeClr>
-              </a:buClr>
-            </a:pPr>
-            <a:r>
-              <a:rPr lang="en-US" altLang="ja-JP" sz="2000" dirty="0">
-                <a:latin typeface="HGｺﾞｼｯｸM" panose="020B0609000000000000" pitchFamily="49" charset="-128"/>
-                <a:ea typeface="HGｺﾞｼｯｸM" panose="020B0609000000000000" pitchFamily="49" charset="-128"/>
-              </a:rPr>
-              <a:t>			</a:t>
-            </a:r>
-            <a:r>
-              <a:rPr lang="ja-JP" altLang="en-US" sz="2000" dirty="0">
-                <a:latin typeface="HGｺﾞｼｯｸM" panose="020B0609000000000000" pitchFamily="49" charset="-128"/>
-                <a:ea typeface="HGｺﾞｼｯｸM" panose="020B0609000000000000" pitchFamily="49" charset="-128"/>
-              </a:rPr>
-              <a:t>など</a:t>
-            </a:r>
-            <a:endParaRPr kumimoji="1" lang="en-US" altLang="ja-JP" sz="2000" dirty="0">
-              <a:latin typeface="HGｺﾞｼｯｸM" panose="020B0609000000000000" pitchFamily="49" charset="-128"/>
-              <a:ea typeface="HGｺﾞｼｯｸM" panose="020B0609000000000000" pitchFamily="49" charset="-128"/>
-            </a:endParaRPr>
-          </a:p>
-        </p:txBody>
-      </p:sp>
-      <p:sp>
-        <p:nvSpPr>
-          <p:cNvPr id="16" name="吹き出し: 角を丸めた四角形 15">
-            <a:extLst>
-              <a:ext uri="{FF2B5EF4-FFF2-40B4-BE49-F238E27FC236}">
-                <a16:creationId xmlns:a16="http://schemas.microsoft.com/office/drawing/2014/main" id="{9DA423B5-735E-D0BC-F9B8-DA77A131DDB9}"/>
-              </a:ext>
-            </a:extLst>
-          </p:cNvPr>
-          <p:cNvSpPr/>
-          <p:nvPr/>
-        </p:nvSpPr>
-        <p:spPr>
-          <a:xfrm>
-            <a:off x="4547080" y="4995945"/>
-            <a:ext cx="2379446" cy="500164"/>
-          </a:xfrm>
-          <a:prstGeom prst="wedgeRoundRectCallout">
-            <a:avLst>
-              <a:gd name="adj1" fmla="val -15106"/>
-              <a:gd name="adj2" fmla="val 50819"/>
-              <a:gd name="adj3" fmla="val 16667"/>
-            </a:avLst>
-          </a:prstGeom>
-          <a:solidFill>
-            <a:srgbClr val="FFA333"/>
-          </a:solidFill>
-          <a:ln>
-            <a:noFill/>
-          </a:ln>
-        </p:spPr>
-        <p:style>
-          <a:lnRef idx="2">
-            <a:schemeClr val="accent1">
-              <a:shade val="50000"/>
-            </a:schemeClr>
-          </a:lnRef>
-          <a:fillRef idx="1">
-            <a:schemeClr val="accent1"/>
-          </a:fillRef>
-          <a:effectRef idx="0">
-            <a:schemeClr val="accent1"/>
-          </a:effectRef>
-          <a:fontRef idx="minor">
-            <a:schemeClr val="lt1"/>
-          </a:fontRef>
-        </p:style>
-        <p:txBody>
-          <a:bodyPr rtlCol="0" anchor="ctr"/>
-          <a:lstStyle/>
-          <a:p>
-            <a:r>
-              <a:rPr kumimoji="1" lang="ja-JP" altLang="en-US" sz="2400" dirty="0">
-                <a:solidFill>
-                  <a:schemeClr val="bg1"/>
-                </a:solidFill>
-                <a:latin typeface="HGｺﾞｼｯｸM" panose="020B0609000000000000" pitchFamily="49" charset="-128"/>
-                <a:ea typeface="HGｺﾞｼｯｸM" panose="020B0609000000000000" pitchFamily="49" charset="-128"/>
-              </a:rPr>
-              <a:t>ミッションの例</a:t>
-            </a:r>
           </a:p>
         </p:txBody>
       </p:sp>
@@ -8137,7 +7131,7 @@
         </p:blipFill>
         <p:spPr>
           <a:xfrm>
-            <a:off x="239596" y="3502213"/>
+            <a:off x="4485769" y="3643119"/>
             <a:ext cx="6278636" cy="2975306"/>
           </a:xfrm>
           <a:prstGeom prst="rect">
@@ -8147,10 +7141,46 @@
       </p:pic>
       <p:sp>
         <p:nvSpPr>
-          <p:cNvPr id="25" name="楕円 24">
-            <a:extLst>
-              <a:ext uri="{FF2B5EF4-FFF2-40B4-BE49-F238E27FC236}">
-                <a16:creationId xmlns:a16="http://schemas.microsoft.com/office/drawing/2014/main" id="{9FC3F8DA-C9E5-9E47-831D-C1A84E25440F}"/>
+          <p:cNvPr id="2" name="タイトル 1">
+            <a:extLst>
+              <a:ext uri="{FF2B5EF4-FFF2-40B4-BE49-F238E27FC236}">
+                <a16:creationId xmlns:a16="http://schemas.microsoft.com/office/drawing/2014/main" id="{693A6AA4-E421-2B25-F07B-E8469B9F6618}"/>
+              </a:ext>
+            </a:extLst>
+          </p:cNvPr>
+          <p:cNvSpPr>
+            <a:spLocks noGrp="1"/>
+          </p:cNvSpPr>
+          <p:nvPr>
+            <p:ph type="title"/>
+          </p:nvPr>
+        </p:nvSpPr>
+        <p:spPr/>
+        <p:txBody>
+          <a:bodyPr/>
+          <a:lstStyle/>
+          <a:p>
+            <a:r>
+              <a:rPr kumimoji="1" lang="ja-JP" altLang="en-US" dirty="0">
+                <a:solidFill>
+                  <a:schemeClr val="accent2">
+                    <a:lumMod val="50000"/>
+                  </a:schemeClr>
+                </a:solidFill>
+                <a:latin typeface="HGS創英角ｺﾞｼｯｸUB" panose="020B0900000000000000" pitchFamily="50" charset="-128"/>
+                <a:ea typeface="HGS創英角ｺﾞｼｯｸUB" panose="020B0900000000000000" pitchFamily="50" charset="-128"/>
+              </a:rPr>
+              <a:t>卵購入機能</a:t>
+            </a:r>
+          </a:p>
+        </p:txBody>
+      </p:sp>
+      <p:sp>
+        <p:nvSpPr>
+          <p:cNvPr id="17" name="四角形: 角を丸くする 16">
+            <a:extLst>
+              <a:ext uri="{FF2B5EF4-FFF2-40B4-BE49-F238E27FC236}">
+                <a16:creationId xmlns:a16="http://schemas.microsoft.com/office/drawing/2014/main" id="{06BD75DE-701A-518D-3F9D-09722BE4C9B0}"/>
               </a:ext>
             </a:extLst>
           </p:cNvPr>
@@ -8159,10 +7189,204 @@
         </p:nvSpPr>
         <p:spPr>
           <a:xfrm>
-            <a:off x="400508" y="2654132"/>
-            <a:ext cx="2470489" cy="774868"/>
+            <a:off x="755104" y="1466355"/>
+            <a:ext cx="6666113" cy="600984"/>
           </a:xfrm>
-          <a:prstGeom prst="ellipse">
+          <a:prstGeom prst="roundRect">
+            <a:avLst/>
+          </a:prstGeom>
+          <a:solidFill>
+            <a:srgbClr val="FFA333"/>
+          </a:solidFill>
+          <a:ln w="38100">
+            <a:noFill/>
+          </a:ln>
+        </p:spPr>
+        <p:style>
+          <a:lnRef idx="2">
+            <a:schemeClr val="accent1">
+              <a:shade val="50000"/>
+            </a:schemeClr>
+          </a:lnRef>
+          <a:fillRef idx="1">
+            <a:schemeClr val="accent1"/>
+          </a:fillRef>
+          <a:effectRef idx="0">
+            <a:schemeClr val="accent1"/>
+          </a:effectRef>
+          <a:fontRef idx="minor">
+            <a:schemeClr val="lt1"/>
+          </a:fontRef>
+        </p:style>
+        <p:txBody>
+          <a:bodyPr rtlCol="0" anchor="ctr"/>
+          <a:lstStyle/>
+          <a:p>
+            <a:r>
+              <a:rPr kumimoji="1" lang="ja-JP" altLang="en-US" sz="2400" dirty="0">
+                <a:latin typeface="HGｺﾞｼｯｸE" panose="020B0909000000000000" pitchFamily="49" charset="-128"/>
+                <a:ea typeface="HGｺﾞｼｯｸE" panose="020B0909000000000000" pitchFamily="49" charset="-128"/>
+              </a:rPr>
+              <a:t>キャラクターの元である、卵を購入できる機能</a:t>
+            </a:r>
+            <a:endParaRPr kumimoji="1" lang="en-US" altLang="ja-JP" sz="2400" dirty="0">
+              <a:latin typeface="HGｺﾞｼｯｸE" panose="020B0909000000000000" pitchFamily="49" charset="-128"/>
+              <a:ea typeface="HGｺﾞｼｯｸE" panose="020B0909000000000000" pitchFamily="49" charset="-128"/>
+            </a:endParaRPr>
+          </a:p>
+        </p:txBody>
+      </p:sp>
+      <p:pic>
+        <p:nvPicPr>
+          <p:cNvPr id="6" name="図 5">
+            <a:extLst>
+              <a:ext uri="{FF2B5EF4-FFF2-40B4-BE49-F238E27FC236}">
+                <a16:creationId xmlns:a16="http://schemas.microsoft.com/office/drawing/2014/main" id="{CACDC2CB-6153-CE3D-74AD-D06EDD8FE20F}"/>
+              </a:ext>
+            </a:extLst>
+          </p:cNvPr>
+          <p:cNvPicPr>
+            <a:picLocks noChangeAspect="1"/>
+          </p:cNvPicPr>
+          <p:nvPr/>
+        </p:nvPicPr>
+        <p:blipFill rotWithShape="1">
+          <a:blip r:embed="rId4"/>
+          <a:srcRect l="80218" t="24641" r="1966" b="8965"/>
+          <a:stretch/>
+        </p:blipFill>
+        <p:spPr>
+          <a:xfrm>
+            <a:off x="908941" y="2199860"/>
+            <a:ext cx="2172300" cy="4551086"/>
+          </a:xfrm>
+          <a:prstGeom prst="rect">
+            <a:avLst/>
+          </a:prstGeom>
+        </p:spPr>
+      </p:pic>
+      <p:sp>
+        <p:nvSpPr>
+          <p:cNvPr id="3" name="正方形/長方形 2">
+            <a:extLst>
+              <a:ext uri="{FF2B5EF4-FFF2-40B4-BE49-F238E27FC236}">
+                <a16:creationId xmlns:a16="http://schemas.microsoft.com/office/drawing/2014/main" id="{CEBF91A4-7516-E371-BB4C-0AAD3B11586B}"/>
+              </a:ext>
+            </a:extLst>
+          </p:cNvPr>
+          <p:cNvSpPr/>
+          <p:nvPr/>
+        </p:nvSpPr>
+        <p:spPr>
+          <a:xfrm>
+            <a:off x="941895" y="5883964"/>
+            <a:ext cx="2139345" cy="734461"/>
+          </a:xfrm>
+          <a:prstGeom prst="rect">
+            <a:avLst/>
+          </a:prstGeom>
+          <a:noFill/>
+          <a:ln w="28575">
+            <a:solidFill>
+              <a:srgbClr val="FF0000"/>
+            </a:solidFill>
+          </a:ln>
+        </p:spPr>
+        <p:style>
+          <a:lnRef idx="2">
+            <a:schemeClr val="accent1">
+              <a:shade val="50000"/>
+            </a:schemeClr>
+          </a:lnRef>
+          <a:fillRef idx="1">
+            <a:schemeClr val="accent1"/>
+          </a:fillRef>
+          <a:effectRef idx="0">
+            <a:schemeClr val="accent1"/>
+          </a:effectRef>
+          <a:fontRef idx="minor">
+            <a:schemeClr val="lt1"/>
+          </a:fontRef>
+        </p:style>
+        <p:txBody>
+          <a:bodyPr rtlCol="0" anchor="ctr"/>
+          <a:lstStyle/>
+          <a:p>
+            <a:pPr algn="ctr"/>
+            <a:endParaRPr kumimoji="1" lang="ja-JP" altLang="en-US"/>
+          </a:p>
+        </p:txBody>
+      </p:sp>
+      <p:sp>
+        <p:nvSpPr>
+          <p:cNvPr id="15" name="正方形/長方形 14">
+            <a:extLst>
+              <a:ext uri="{FF2B5EF4-FFF2-40B4-BE49-F238E27FC236}">
+                <a16:creationId xmlns:a16="http://schemas.microsoft.com/office/drawing/2014/main" id="{3D63DCC3-DFE6-B6AB-EED7-3716F25746FB}"/>
+              </a:ext>
+            </a:extLst>
+          </p:cNvPr>
+          <p:cNvSpPr/>
+          <p:nvPr/>
+        </p:nvSpPr>
+        <p:spPr>
+          <a:xfrm>
+            <a:off x="7421217" y="6108622"/>
+            <a:ext cx="530087" cy="509804"/>
+          </a:xfrm>
+          <a:prstGeom prst="rect">
+            <a:avLst/>
+          </a:prstGeom>
+          <a:noFill/>
+          <a:ln w="28575">
+            <a:solidFill>
+              <a:srgbClr val="FF0000"/>
+            </a:solidFill>
+          </a:ln>
+        </p:spPr>
+        <p:style>
+          <a:lnRef idx="2">
+            <a:schemeClr val="accent1">
+              <a:shade val="50000"/>
+            </a:schemeClr>
+          </a:lnRef>
+          <a:fillRef idx="1">
+            <a:schemeClr val="accent1"/>
+          </a:fillRef>
+          <a:effectRef idx="0">
+            <a:schemeClr val="accent1"/>
+          </a:effectRef>
+          <a:fontRef idx="minor">
+            <a:schemeClr val="lt1"/>
+          </a:fontRef>
+        </p:style>
+        <p:txBody>
+          <a:bodyPr rtlCol="0" anchor="ctr"/>
+          <a:lstStyle/>
+          <a:p>
+            <a:pPr algn="ctr"/>
+            <a:endParaRPr kumimoji="1" lang="ja-JP" altLang="en-US"/>
+          </a:p>
+        </p:txBody>
+      </p:sp>
+      <p:sp>
+        <p:nvSpPr>
+          <p:cNvPr id="20" name="矢印: 右 19">
+            <a:extLst>
+              <a:ext uri="{FF2B5EF4-FFF2-40B4-BE49-F238E27FC236}">
+                <a16:creationId xmlns:a16="http://schemas.microsoft.com/office/drawing/2014/main" id="{63547D81-1D76-02EE-C485-4A383C20A03A}"/>
+              </a:ext>
+            </a:extLst>
+          </p:cNvPr>
+          <p:cNvSpPr/>
+          <p:nvPr/>
+        </p:nvSpPr>
+        <p:spPr>
+          <a:xfrm>
+            <a:off x="2973161" y="5980682"/>
+            <a:ext cx="1634955" cy="600985"/>
+          </a:xfrm>
+          <a:prstGeom prst="rightArrow">
             <a:avLst/>
           </a:prstGeom>
           <a:solidFill>
@@ -8195,143 +7419,10 @@
           <a:lstStyle/>
           <a:p>
             <a:pPr algn="ctr"/>
-            <a:r>
-              <a:rPr kumimoji="1" lang="ja-JP" altLang="en-US" sz="2400" dirty="0">
-                <a:latin typeface="HGｺﾞｼｯｸE" panose="020B0909000000000000" pitchFamily="49" charset="-128"/>
-                <a:ea typeface="HGｺﾞｼｯｸE" panose="020B0909000000000000" pitchFamily="49" charset="-128"/>
-              </a:rPr>
-              <a:t>卵購入画面</a:t>
-            </a:r>
-          </a:p>
-        </p:txBody>
-      </p:sp>
-      <p:sp>
-        <p:nvSpPr>
-          <p:cNvPr id="2" name="タイトル 1">
-            <a:extLst>
-              <a:ext uri="{FF2B5EF4-FFF2-40B4-BE49-F238E27FC236}">
-                <a16:creationId xmlns:a16="http://schemas.microsoft.com/office/drawing/2014/main" id="{693A6AA4-E421-2B25-F07B-E8469B9F6618}"/>
-              </a:ext>
-            </a:extLst>
-          </p:cNvPr>
-          <p:cNvSpPr>
-            <a:spLocks noGrp="1"/>
-          </p:cNvSpPr>
-          <p:nvPr>
-            <p:ph type="title"/>
-          </p:nvPr>
-        </p:nvSpPr>
-        <p:spPr/>
-        <p:txBody>
-          <a:bodyPr/>
-          <a:lstStyle/>
-          <a:p>
-            <a:r>
-              <a:rPr kumimoji="1" lang="ja-JP" altLang="en-US" dirty="0">
-                <a:solidFill>
-                  <a:schemeClr val="accent2">
-                    <a:lumMod val="50000"/>
-                  </a:schemeClr>
-                </a:solidFill>
-                <a:latin typeface="HGS創英角ｺﾞｼｯｸUB" panose="020B0900000000000000" pitchFamily="50" charset="-128"/>
-                <a:ea typeface="HGS創英角ｺﾞｼｯｸUB" panose="020B0900000000000000" pitchFamily="50" charset="-128"/>
-              </a:rPr>
-              <a:t>卵購入機能</a:t>
-            </a:r>
-          </a:p>
-        </p:txBody>
-      </p:sp>
-      <p:pic>
-        <p:nvPicPr>
-          <p:cNvPr id="12" name="図 11" descr="グラフ, ヒストグラム&#10;&#10;自動的に生成された説明">
-            <a:extLst>
-              <a:ext uri="{FF2B5EF4-FFF2-40B4-BE49-F238E27FC236}">
-                <a16:creationId xmlns:a16="http://schemas.microsoft.com/office/drawing/2014/main" id="{61707A50-E7C8-23C8-4644-A585C7296D67}"/>
-              </a:ext>
-            </a:extLst>
-          </p:cNvPr>
-          <p:cNvPicPr>
-            <a:picLocks noChangeAspect="1"/>
-          </p:cNvPicPr>
-          <p:nvPr/>
-        </p:nvPicPr>
-        <p:blipFill>
-          <a:blip r:embed="rId4">
-            <a:extLst>
-              <a:ext uri="{28A0092B-C50C-407E-A947-70E740481C1C}">
-                <a14:useLocalDpi xmlns:a14="http://schemas.microsoft.com/office/drawing/2010/main" val="0"/>
-              </a:ext>
-            </a:extLst>
-          </a:blip>
-          <a:stretch>
-            <a:fillRect/>
-          </a:stretch>
-        </p:blipFill>
-        <p:spPr>
-          <a:xfrm>
-            <a:off x="10782300" y="2537587"/>
-            <a:ext cx="1143000" cy="1143000"/>
-          </a:xfrm>
-          <a:prstGeom prst="rect">
-            <a:avLst/>
-          </a:prstGeom>
-        </p:spPr>
-      </p:pic>
-      <p:sp>
-        <p:nvSpPr>
-          <p:cNvPr id="17" name="四角形: 角を丸くする 16">
-            <a:extLst>
-              <a:ext uri="{FF2B5EF4-FFF2-40B4-BE49-F238E27FC236}">
-                <a16:creationId xmlns:a16="http://schemas.microsoft.com/office/drawing/2014/main" id="{06BD75DE-701A-518D-3F9D-09722BE4C9B0}"/>
-              </a:ext>
-            </a:extLst>
-          </p:cNvPr>
-          <p:cNvSpPr/>
-          <p:nvPr/>
-        </p:nvSpPr>
-        <p:spPr>
-          <a:xfrm>
-            <a:off x="755104" y="1466355"/>
-            <a:ext cx="7735753" cy="774868"/>
-          </a:xfrm>
-          <a:prstGeom prst="roundRect">
-            <a:avLst/>
-          </a:prstGeom>
-          <a:solidFill>
-            <a:srgbClr val="FFA333"/>
-          </a:solidFill>
-          <a:ln w="38100">
-            <a:noFill/>
-          </a:ln>
-        </p:spPr>
-        <p:style>
-          <a:lnRef idx="2">
-            <a:schemeClr val="accent1">
-              <a:shade val="50000"/>
-            </a:schemeClr>
-          </a:lnRef>
-          <a:fillRef idx="1">
-            <a:schemeClr val="accent1"/>
-          </a:fillRef>
-          <a:effectRef idx="0">
-            <a:schemeClr val="accent1"/>
-          </a:effectRef>
-          <a:fontRef idx="minor">
-            <a:schemeClr val="lt1"/>
-          </a:fontRef>
-        </p:style>
-        <p:txBody>
-          <a:bodyPr rtlCol="0" anchor="ctr"/>
-          <a:lstStyle/>
-          <a:p>
-            <a:r>
-              <a:rPr kumimoji="1" lang="ja-JP" altLang="en-US" sz="2800" dirty="0">
-                <a:latin typeface="HGｺﾞｼｯｸE" panose="020B0909000000000000" pitchFamily="49" charset="-128"/>
-                <a:ea typeface="HGｺﾞｼｯｸE" panose="020B0909000000000000" pitchFamily="49" charset="-128"/>
-              </a:rPr>
-              <a:t>キャラクターの元である、卵を購入できる機能</a:t>
-            </a:r>
-            <a:endParaRPr kumimoji="1" lang="en-US" altLang="ja-JP" sz="2800" dirty="0">
+            <a:endParaRPr kumimoji="1" lang="ja-JP" altLang="en-US" sz="2400" dirty="0">
+              <a:solidFill>
+                <a:schemeClr val="bg1"/>
+              </a:solidFill>
               <a:latin typeface="HGｺﾞｼｯｸE" panose="020B0909000000000000" pitchFamily="49" charset="-128"/>
               <a:ea typeface="HGｺﾞｼｯｸE" panose="020B0909000000000000" pitchFamily="49" charset="-128"/>
             </a:endParaRPr>
@@ -8352,13 +7443,13 @@
         </p:nvSpPr>
         <p:spPr>
           <a:xfrm>
-            <a:off x="6614879" y="2478592"/>
-            <a:ext cx="3824144" cy="1260990"/>
+            <a:off x="2081374" y="4791245"/>
+            <a:ext cx="3014760" cy="600984"/>
           </a:xfrm>
           <a:prstGeom prst="wedgeRoundRectCallout">
             <a:avLst>
-              <a:gd name="adj1" fmla="val 58521"/>
-              <a:gd name="adj2" fmla="val 15342"/>
+              <a:gd name="adj1" fmla="val -26696"/>
+              <a:gd name="adj2" fmla="val 148886"/>
               <a:gd name="adj3" fmla="val 16667"/>
             </a:avLst>
           </a:prstGeom>
@@ -8409,27 +7500,17 @@
                 <a:latin typeface="HGｺﾞｼｯｸM" panose="020B0609000000000000" pitchFamily="49" charset="-128"/>
                 <a:ea typeface="HGｺﾞｼｯｸM" panose="020B0609000000000000" pitchFamily="49" charset="-128"/>
               </a:rPr>
-              <a:t>ポイント（</a:t>
-            </a:r>
-            <a:r>
-              <a:rPr lang="en-US" altLang="ja-JP" sz="2400" dirty="0">
+              <a:t>ポイントで</a:t>
+            </a:r>
+            <a:r>
+              <a:rPr kumimoji="1" lang="en-US" altLang="ja-JP" sz="2400" dirty="0">
                 <a:solidFill>
                   <a:schemeClr val="tx1"/>
                 </a:solidFill>
                 <a:latin typeface="HGｺﾞｼｯｸM" panose="020B0609000000000000" pitchFamily="49" charset="-128"/>
                 <a:ea typeface="HGｺﾞｼｯｸM" panose="020B0609000000000000" pitchFamily="49" charset="-128"/>
               </a:rPr>
-              <a:t>T</a:t>
-            </a:r>
-            <a:r>
-              <a:rPr lang="ja-JP" altLang="en-US" sz="2400" dirty="0">
-                <a:solidFill>
-                  <a:schemeClr val="tx1"/>
-                </a:solidFill>
-                <a:latin typeface="HGｺﾞｼｯｸM" panose="020B0609000000000000" pitchFamily="49" charset="-128"/>
-                <a:ea typeface="HGｺﾞｼｯｸM" panose="020B0609000000000000" pitchFamily="49" charset="-128"/>
-              </a:rPr>
-              <a:t>ポイント）</a:t>
+              <a:t>1</a:t>
             </a:r>
             <a:r>
               <a:rPr kumimoji="1" lang="ja-JP" altLang="en-US" sz="2400" dirty="0">
@@ -8439,102 +7520,35 @@
                 <a:latin typeface="HGｺﾞｼｯｸM" panose="020B0609000000000000" pitchFamily="49" charset="-128"/>
                 <a:ea typeface="HGｺﾞｼｯｸM" panose="020B0609000000000000" pitchFamily="49" charset="-128"/>
               </a:rPr>
-              <a:t>で</a:t>
-            </a:r>
-            <a:br>
-              <a:rPr kumimoji="1" lang="ja-JP" altLang="en-US" sz="2400" dirty="0">
-                <a:solidFill>
-                  <a:schemeClr val="tx1"/>
-                </a:solidFill>
-                <a:latin typeface="HGｺﾞｼｯｸM" panose="020B0609000000000000" pitchFamily="49" charset="-128"/>
-                <a:ea typeface="HGｺﾞｼｯｸM" panose="020B0609000000000000" pitchFamily="49" charset="-128"/>
-              </a:rPr>
-            </a:br>
-            <a:r>
-              <a:rPr kumimoji="1" lang="en-US" altLang="ja-JP" sz="2400" dirty="0">
-                <a:solidFill>
-                  <a:schemeClr val="tx1"/>
-                </a:solidFill>
-                <a:latin typeface="HGｺﾞｼｯｸM" panose="020B0609000000000000" pitchFamily="49" charset="-128"/>
-                <a:ea typeface="HGｺﾞｼｯｸM" panose="020B0609000000000000" pitchFamily="49" charset="-128"/>
-              </a:rPr>
-              <a:t>1</a:t>
-            </a:r>
-            <a:r>
-              <a:rPr kumimoji="1" lang="ja-JP" altLang="en-US" sz="2400" dirty="0">
-                <a:solidFill>
-                  <a:schemeClr val="tx1"/>
-                </a:solidFill>
-                <a:latin typeface="HGｺﾞｼｯｸM" panose="020B0609000000000000" pitchFamily="49" charset="-128"/>
-                <a:ea typeface="HGｺﾞｼｯｸM" panose="020B0609000000000000" pitchFamily="49" charset="-128"/>
-              </a:rPr>
-              <a:t>個購入できる</a:t>
-            </a:r>
-          </a:p>
-        </p:txBody>
-      </p:sp>
-      <p:pic>
-        <p:nvPicPr>
-          <p:cNvPr id="19" name="図 18" descr="おもちゃ, レゴ, 挿絵 が含まれている画像&#10;&#10;自動的に生成された説明">
-            <a:extLst>
-              <a:ext uri="{FF2B5EF4-FFF2-40B4-BE49-F238E27FC236}">
-                <a16:creationId xmlns:a16="http://schemas.microsoft.com/office/drawing/2014/main" id="{2F551960-D587-6909-1E2F-1712732265BF}"/>
-              </a:ext>
-            </a:extLst>
-          </p:cNvPr>
-          <p:cNvPicPr>
-            <a:picLocks noChangeAspect="1"/>
-          </p:cNvPicPr>
+              <a:t>個購入</a:t>
+            </a:r>
+          </a:p>
+        </p:txBody>
+      </p:sp>
+      <p:sp>
+        <p:nvSpPr>
+          <p:cNvPr id="26" name="正方形/長方形 25">
+            <a:extLst>
+              <a:ext uri="{FF2B5EF4-FFF2-40B4-BE49-F238E27FC236}">
+                <a16:creationId xmlns:a16="http://schemas.microsoft.com/office/drawing/2014/main" id="{30AB4F09-725B-3CE1-CE60-69C0F1F50809}"/>
+              </a:ext>
+            </a:extLst>
+          </p:cNvPr>
+          <p:cNvSpPr/>
           <p:nvPr/>
-        </p:nvPicPr>
-        <p:blipFill>
-          <a:blip r:embed="rId5">
-            <a:extLst>
-              <a:ext uri="{28A0092B-C50C-407E-A947-70E740481C1C}">
-                <a14:useLocalDpi xmlns:a14="http://schemas.microsoft.com/office/drawing/2010/main" val="0"/>
-              </a:ext>
-            </a:extLst>
-          </a:blip>
-          <a:stretch>
-            <a:fillRect/>
-          </a:stretch>
-        </p:blipFill>
+        </p:nvSpPr>
         <p:spPr>
           <a:xfrm>
-            <a:off x="10782300" y="5349875"/>
-            <a:ext cx="1143000" cy="1143000"/>
+            <a:off x="5706498" y="3891966"/>
+            <a:ext cx="3808563" cy="2098073"/>
           </a:xfrm>
           <a:prstGeom prst="rect">
             <a:avLst/>
           </a:prstGeom>
-        </p:spPr>
-      </p:pic>
-      <p:sp>
-        <p:nvSpPr>
-          <p:cNvPr id="23" name="矢印: 下 22">
-            <a:extLst>
-              <a:ext uri="{FF2B5EF4-FFF2-40B4-BE49-F238E27FC236}">
-                <a16:creationId xmlns:a16="http://schemas.microsoft.com/office/drawing/2014/main" id="{10444E53-F84D-645D-B350-2A769B40BA92}"/>
-              </a:ext>
-            </a:extLst>
-          </p:cNvPr>
-          <p:cNvSpPr/>
-          <p:nvPr/>
-        </p:nvSpPr>
-        <p:spPr>
-          <a:xfrm>
-            <a:off x="10782300" y="3812346"/>
-            <a:ext cx="1143000" cy="1463107"/>
-          </a:xfrm>
-          <a:prstGeom prst="downArrow">
-            <a:avLst/>
-          </a:prstGeom>
-          <a:solidFill>
-            <a:schemeClr val="accent2"/>
-          </a:solidFill>
-          <a:ln>
+          <a:noFill/>
+          <a:ln w="28575">
             <a:solidFill>
-              <a:schemeClr val="bg1"/>
+              <a:srgbClr val="FF0000"/>
             </a:solidFill>
           </a:ln>
         </p:spPr>
@@ -8559,25 +7573,16 @@
           <a:lstStyle/>
           <a:p>
             <a:pPr algn="ctr"/>
-            <a:r>
-              <a:rPr lang="ja-JP" altLang="en-US" sz="2400" dirty="0">
-                <a:solidFill>
-                  <a:schemeClr val="bg1"/>
-                </a:solidFill>
-                <a:latin typeface="HGｺﾞｼｯｸE" panose="020B0909000000000000" pitchFamily="49" charset="-128"/>
-                <a:ea typeface="HGｺﾞｼｯｸE" panose="020B0909000000000000" pitchFamily="49" charset="-128"/>
-              </a:rPr>
-              <a:t>孵化</a:t>
-            </a:r>
-          </a:p>
-        </p:txBody>
-      </p:sp>
-      <p:sp>
-        <p:nvSpPr>
-          <p:cNvPr id="24" name="吹き出し: 角を丸めた四角形 23">
-            <a:extLst>
-              <a:ext uri="{FF2B5EF4-FFF2-40B4-BE49-F238E27FC236}">
-                <a16:creationId xmlns:a16="http://schemas.microsoft.com/office/drawing/2014/main" id="{D3D8DE16-18AC-77C1-6C2E-93412BFB678B}"/>
+            <a:endParaRPr kumimoji="1" lang="ja-JP" altLang="en-US"/>
+          </a:p>
+        </p:txBody>
+      </p:sp>
+      <p:sp>
+        <p:nvSpPr>
+          <p:cNvPr id="21" name="吹き出し: 角を丸めた四角形 20">
+            <a:extLst>
+              <a:ext uri="{FF2B5EF4-FFF2-40B4-BE49-F238E27FC236}">
+                <a16:creationId xmlns:a16="http://schemas.microsoft.com/office/drawing/2014/main" id="{DE9B5C3C-160A-661B-B0EB-1F82CF065102}"/>
               </a:ext>
             </a:extLst>
           </p:cNvPr>
@@ -8586,13 +7591,13 @@
         </p:nvSpPr>
         <p:spPr>
           <a:xfrm>
-            <a:off x="6639338" y="5535318"/>
-            <a:ext cx="3775227" cy="772114"/>
+            <a:off x="7154640" y="2635549"/>
+            <a:ext cx="3751900" cy="888988"/>
           </a:xfrm>
           <a:prstGeom prst="wedgeRoundRectCallout">
             <a:avLst>
-              <a:gd name="adj1" fmla="val 57332"/>
-              <a:gd name="adj2" fmla="val 17164"/>
+              <a:gd name="adj1" fmla="val -21264"/>
+              <a:gd name="adj2" fmla="val 113230"/>
               <a:gd name="adj3" fmla="val 16667"/>
             </a:avLst>
           </a:prstGeom>
@@ -8626,6 +7631,16 @@
           <a:lstStyle/>
           <a:p>
             <a:r>
+              <a:rPr kumimoji="1" lang="en-US" altLang="ja-JP" sz="2400" dirty="0">
+                <a:solidFill>
+                  <a:schemeClr val="tx1"/>
+                </a:solidFill>
+                <a:latin typeface="HGｺﾞｼｯｸM" panose="020B0609000000000000" pitchFamily="49" charset="-128"/>
+                <a:ea typeface="HGｺﾞｼｯｸM" panose="020B0609000000000000" pitchFamily="49" charset="-128"/>
+              </a:rPr>
+              <a:t>push</a:t>
+            </a:r>
+            <a:r>
               <a:rPr kumimoji="1" lang="ja-JP" altLang="en-US" sz="2400" dirty="0">
                 <a:solidFill>
                   <a:schemeClr val="tx1"/>
@@ -8633,7 +7648,7 @@
                 <a:latin typeface="HGｺﾞｼｯｸM" panose="020B0609000000000000" pitchFamily="49" charset="-128"/>
                 <a:ea typeface="HGｺﾞｼｯｸM" panose="020B0609000000000000" pitchFamily="49" charset="-128"/>
               </a:rPr>
-              <a:t>一定の経験値を貯めると</a:t>
+              <a:t>ボタンを押すと</a:t>
             </a:r>
             <a:endParaRPr kumimoji="1" lang="en-US" altLang="ja-JP" sz="2400" dirty="0">
               <a:solidFill>
@@ -8652,8 +7667,136 @@
                 <a:latin typeface="HGｺﾞｼｯｸM" panose="020B0609000000000000" pitchFamily="49" charset="-128"/>
                 <a:ea typeface="HGｺﾞｼｯｸM" panose="020B0609000000000000" pitchFamily="49" charset="-128"/>
               </a:rPr>
-              <a:t>孵化する</a:t>
-            </a:r>
+              <a:t>アニメーションが流れる</a:t>
+            </a:r>
+          </a:p>
+        </p:txBody>
+      </p:sp>
+      <p:sp>
+        <p:nvSpPr>
+          <p:cNvPr id="22" name="フローチャート: 結合子 21">
+            <a:extLst>
+              <a:ext uri="{FF2B5EF4-FFF2-40B4-BE49-F238E27FC236}">
+                <a16:creationId xmlns:a16="http://schemas.microsoft.com/office/drawing/2014/main" id="{936D5D02-0A0D-320E-12A3-1F8D9E16D0AD}"/>
+              </a:ext>
+            </a:extLst>
+          </p:cNvPr>
+          <p:cNvSpPr/>
+          <p:nvPr/>
+        </p:nvSpPr>
+        <p:spPr>
+          <a:xfrm>
+            <a:off x="6974872" y="2369399"/>
+            <a:ext cx="485830" cy="485830"/>
+          </a:xfrm>
+          <a:prstGeom prst="flowChartConnector">
+            <a:avLst/>
+          </a:prstGeom>
+          <a:solidFill>
+            <a:schemeClr val="accent2"/>
+          </a:solidFill>
+          <a:ln>
+            <a:solidFill>
+              <a:schemeClr val="bg1"/>
+            </a:solidFill>
+          </a:ln>
+        </p:spPr>
+        <p:style>
+          <a:lnRef idx="2">
+            <a:schemeClr val="accent1">
+              <a:shade val="50000"/>
+            </a:schemeClr>
+          </a:lnRef>
+          <a:fillRef idx="1">
+            <a:schemeClr val="accent1"/>
+          </a:fillRef>
+          <a:effectRef idx="0">
+            <a:schemeClr val="accent1"/>
+          </a:effectRef>
+          <a:fontRef idx="minor">
+            <a:schemeClr val="lt1"/>
+          </a:fontRef>
+        </p:style>
+        <p:txBody>
+          <a:bodyPr rtlCol="0" anchor="ctr"/>
+          <a:lstStyle/>
+          <a:p>
+            <a:pPr algn="ctr"/>
+            <a:r>
+              <a:rPr kumimoji="1" lang="en-US" altLang="ja-JP" dirty="0">
+                <a:latin typeface="HGｺﾞｼｯｸE" panose="020B0909000000000000" pitchFamily="49" charset="-128"/>
+                <a:ea typeface="HGｺﾞｼｯｸE" panose="020B0909000000000000" pitchFamily="49" charset="-128"/>
+              </a:rPr>
+              <a:t>2</a:t>
+            </a:r>
+            <a:endParaRPr kumimoji="1" lang="ja-JP" altLang="en-US" dirty="0">
+              <a:latin typeface="HGｺﾞｼｯｸE" panose="020B0909000000000000" pitchFamily="49" charset="-128"/>
+              <a:ea typeface="HGｺﾞｼｯｸE" panose="020B0909000000000000" pitchFamily="49" charset="-128"/>
+            </a:endParaRPr>
+          </a:p>
+        </p:txBody>
+      </p:sp>
+      <p:sp>
+        <p:nvSpPr>
+          <p:cNvPr id="27" name="フローチャート: 結合子 26">
+            <a:extLst>
+              <a:ext uri="{FF2B5EF4-FFF2-40B4-BE49-F238E27FC236}">
+                <a16:creationId xmlns:a16="http://schemas.microsoft.com/office/drawing/2014/main" id="{6ED8EB59-FEBF-4494-7BFC-4C311D3718FD}"/>
+              </a:ext>
+            </a:extLst>
+          </p:cNvPr>
+          <p:cNvSpPr/>
+          <p:nvPr/>
+        </p:nvSpPr>
+        <p:spPr>
+          <a:xfrm>
+            <a:off x="1838459" y="4548330"/>
+            <a:ext cx="485830" cy="485830"/>
+          </a:xfrm>
+          <a:prstGeom prst="flowChartConnector">
+            <a:avLst/>
+          </a:prstGeom>
+          <a:solidFill>
+            <a:schemeClr val="accent2"/>
+          </a:solidFill>
+          <a:ln>
+            <a:solidFill>
+              <a:schemeClr val="bg1"/>
+            </a:solidFill>
+          </a:ln>
+        </p:spPr>
+        <p:style>
+          <a:lnRef idx="2">
+            <a:schemeClr val="accent1">
+              <a:shade val="50000"/>
+            </a:schemeClr>
+          </a:lnRef>
+          <a:fillRef idx="1">
+            <a:schemeClr val="accent1"/>
+          </a:fillRef>
+          <a:effectRef idx="0">
+            <a:schemeClr val="accent1"/>
+          </a:effectRef>
+          <a:fontRef idx="minor">
+            <a:schemeClr val="lt1"/>
+          </a:fontRef>
+        </p:style>
+        <p:txBody>
+          <a:bodyPr rtlCol="0" anchor="ctr"/>
+          <a:lstStyle/>
+          <a:p>
+            <a:pPr algn="ctr"/>
+            <a:r>
+              <a:rPr kumimoji="1" lang="en-US" altLang="ja-JP" dirty="0">
+                <a:latin typeface="HGｺﾞｼｯｸE" panose="020B0909000000000000" pitchFamily="49" charset="-128"/>
+                <a:ea typeface="HGｺﾞｼｯｸE" panose="020B0909000000000000" pitchFamily="49" charset="-128"/>
+              </a:rPr>
+              <a:t>1</a:t>
+            </a:r>
+            <a:endParaRPr kumimoji="1" lang="ja-JP" altLang="en-US" dirty="0">
+              <a:latin typeface="HGｺﾞｼｯｸE" panose="020B0909000000000000" pitchFamily="49" charset="-128"/>
+              <a:ea typeface="HGｺﾞｼｯｸE" panose="020B0909000000000000" pitchFamily="49" charset="-128"/>
+            </a:endParaRPr>
           </a:p>
         </p:txBody>
       </p:sp>
@@ -8689,10 +7832,137 @@
       </p:grpSpPr>
       <p:pic>
         <p:nvPicPr>
-          <p:cNvPr id="10" name="図 9">
-            <a:extLst>
-              <a:ext uri="{FF2B5EF4-FFF2-40B4-BE49-F238E27FC236}">
-                <a16:creationId xmlns:a16="http://schemas.microsoft.com/office/drawing/2014/main" id="{A4D618F0-5685-A255-784A-CA03711F3F36}"/>
+          <p:cNvPr id="5" name="図 4">
+            <a:extLst>
+              <a:ext uri="{FF2B5EF4-FFF2-40B4-BE49-F238E27FC236}">
+                <a16:creationId xmlns:a16="http://schemas.microsoft.com/office/drawing/2014/main" id="{3507973E-868D-55E1-3EBB-8EE2F1206118}"/>
+              </a:ext>
+            </a:extLst>
+          </p:cNvPr>
+          <p:cNvPicPr>
+            <a:picLocks noChangeAspect="1"/>
+          </p:cNvPicPr>
+          <p:nvPr/>
+        </p:nvPicPr>
+        <p:blipFill>
+          <a:blip r:embed="rId3"/>
+          <a:stretch>
+            <a:fillRect/>
+          </a:stretch>
+        </p:blipFill>
+        <p:spPr>
+          <a:xfrm>
+            <a:off x="5637652" y="3750173"/>
+            <a:ext cx="6278636" cy="2975306"/>
+          </a:xfrm>
+          <a:prstGeom prst="rect">
+            <a:avLst/>
+          </a:prstGeom>
+        </p:spPr>
+      </p:pic>
+      <p:sp>
+        <p:nvSpPr>
+          <p:cNvPr id="2" name="タイトル 1">
+            <a:extLst>
+              <a:ext uri="{FF2B5EF4-FFF2-40B4-BE49-F238E27FC236}">
+                <a16:creationId xmlns:a16="http://schemas.microsoft.com/office/drawing/2014/main" id="{693A6AA4-E421-2B25-F07B-E8469B9F6618}"/>
+              </a:ext>
+            </a:extLst>
+          </p:cNvPr>
+          <p:cNvSpPr>
+            <a:spLocks noGrp="1"/>
+          </p:cNvSpPr>
+          <p:nvPr>
+            <p:ph type="title"/>
+          </p:nvPr>
+        </p:nvSpPr>
+        <p:spPr/>
+        <p:txBody>
+          <a:bodyPr/>
+          <a:lstStyle/>
+          <a:p>
+            <a:r>
+              <a:rPr kumimoji="1" lang="ja-JP" altLang="en-US" dirty="0">
+                <a:solidFill>
+                  <a:schemeClr val="accent2">
+                    <a:lumMod val="50000"/>
+                  </a:schemeClr>
+                </a:solidFill>
+                <a:latin typeface="HGS創英角ｺﾞｼｯｸUB" panose="020B0900000000000000" pitchFamily="50" charset="-128"/>
+                <a:ea typeface="HGS創英角ｺﾞｼｯｸUB" panose="020B0900000000000000" pitchFamily="50" charset="-128"/>
+              </a:rPr>
+              <a:t>卵購入機能</a:t>
+            </a:r>
+          </a:p>
+        </p:txBody>
+      </p:sp>
+      <p:sp>
+        <p:nvSpPr>
+          <p:cNvPr id="17" name="四角形: 角を丸くする 16">
+            <a:extLst>
+              <a:ext uri="{FF2B5EF4-FFF2-40B4-BE49-F238E27FC236}">
+                <a16:creationId xmlns:a16="http://schemas.microsoft.com/office/drawing/2014/main" id="{06BD75DE-701A-518D-3F9D-09722BE4C9B0}"/>
+              </a:ext>
+            </a:extLst>
+          </p:cNvPr>
+          <p:cNvSpPr/>
+          <p:nvPr/>
+        </p:nvSpPr>
+        <p:spPr>
+          <a:xfrm>
+            <a:off x="755104" y="1466355"/>
+            <a:ext cx="6666113" cy="600984"/>
+          </a:xfrm>
+          <a:prstGeom prst="roundRect">
+            <a:avLst/>
+          </a:prstGeom>
+          <a:solidFill>
+            <a:srgbClr val="FFA333"/>
+          </a:solidFill>
+          <a:ln w="38100">
+            <a:noFill/>
+          </a:ln>
+        </p:spPr>
+        <p:style>
+          <a:lnRef idx="2">
+            <a:schemeClr val="accent1">
+              <a:shade val="50000"/>
+            </a:schemeClr>
+          </a:lnRef>
+          <a:fillRef idx="1">
+            <a:schemeClr val="accent1"/>
+          </a:fillRef>
+          <a:effectRef idx="0">
+            <a:schemeClr val="accent1"/>
+          </a:effectRef>
+          <a:fontRef idx="minor">
+            <a:schemeClr val="lt1"/>
+          </a:fontRef>
+        </p:style>
+        <p:txBody>
+          <a:bodyPr rtlCol="0" anchor="ctr"/>
+          <a:lstStyle/>
+          <a:p>
+            <a:r>
+              <a:rPr kumimoji="1" lang="ja-JP" altLang="en-US" sz="2400" dirty="0">
+                <a:latin typeface="HGｺﾞｼｯｸE" panose="020B0909000000000000" pitchFamily="49" charset="-128"/>
+                <a:ea typeface="HGｺﾞｼｯｸE" panose="020B0909000000000000" pitchFamily="49" charset="-128"/>
+              </a:rPr>
+              <a:t>キャラクターの元である、卵を購入できる機能</a:t>
+            </a:r>
+            <a:endParaRPr kumimoji="1" lang="en-US" altLang="ja-JP" sz="2400" dirty="0">
+              <a:latin typeface="HGｺﾞｼｯｸE" panose="020B0909000000000000" pitchFamily="49" charset="-128"/>
+              <a:ea typeface="HGｺﾞｼｯｸE" panose="020B0909000000000000" pitchFamily="49" charset="-128"/>
+            </a:endParaRPr>
+          </a:p>
+        </p:txBody>
+      </p:sp>
+      <p:pic>
+        <p:nvPicPr>
+          <p:cNvPr id="6" name="図 5">
+            <a:extLst>
+              <a:ext uri="{FF2B5EF4-FFF2-40B4-BE49-F238E27FC236}">
+                <a16:creationId xmlns:a16="http://schemas.microsoft.com/office/drawing/2014/main" id="{CACDC2CB-6153-CE3D-74AD-D06EDD8FE20F}"/>
               </a:ext>
             </a:extLst>
           </p:cNvPr>
@@ -8702,14 +7972,14 @@
           <p:nvPr/>
         </p:nvPicPr>
         <p:blipFill rotWithShape="1">
-          <a:blip r:embed="rId3"/>
-          <a:srcRect l="24247" t="12206" r="21470" b="23564"/>
+          <a:blip r:embed="rId4"/>
+          <a:srcRect l="80218" t="24641" r="1966" b="8965"/>
           <a:stretch/>
         </p:blipFill>
         <p:spPr>
           <a:xfrm>
-            <a:off x="6979536" y="3366753"/>
-            <a:ext cx="5023285" cy="3341758"/>
+            <a:off x="2207689" y="2332396"/>
+            <a:ext cx="2172300" cy="4551086"/>
           </a:xfrm>
           <a:prstGeom prst="rect">
             <a:avLst/>
@@ -8718,10 +7988,10 @@
       </p:pic>
       <p:sp>
         <p:nvSpPr>
-          <p:cNvPr id="14" name="楕円 13">
-            <a:extLst>
-              <a:ext uri="{FF2B5EF4-FFF2-40B4-BE49-F238E27FC236}">
-                <a16:creationId xmlns:a16="http://schemas.microsoft.com/office/drawing/2014/main" id="{24EA654F-EA82-4240-A112-D61A6A2CAD5E}"/>
+          <p:cNvPr id="3" name="正方形/長方形 2">
+            <a:extLst>
+              <a:ext uri="{FF2B5EF4-FFF2-40B4-BE49-F238E27FC236}">
+                <a16:creationId xmlns:a16="http://schemas.microsoft.com/office/drawing/2014/main" id="{CEBF91A4-7516-E371-BB4C-0AAD3B11586B}"/>
               </a:ext>
             </a:extLst>
           </p:cNvPr>
@@ -8730,10 +8000,114 @@
         </p:nvSpPr>
         <p:spPr>
           <a:xfrm>
-            <a:off x="9482359" y="10010"/>
-            <a:ext cx="2470489" cy="774868"/>
+            <a:off x="2240643" y="6003248"/>
+            <a:ext cx="2139345" cy="734461"/>
           </a:xfrm>
-          <a:prstGeom prst="ellipse">
+          <a:prstGeom prst="rect">
+            <a:avLst/>
+          </a:prstGeom>
+          <a:noFill/>
+          <a:ln w="28575">
+            <a:solidFill>
+              <a:srgbClr val="FF0000"/>
+            </a:solidFill>
+          </a:ln>
+        </p:spPr>
+        <p:style>
+          <a:lnRef idx="2">
+            <a:schemeClr val="accent1">
+              <a:shade val="50000"/>
+            </a:schemeClr>
+          </a:lnRef>
+          <a:fillRef idx="1">
+            <a:schemeClr val="accent1"/>
+          </a:fillRef>
+          <a:effectRef idx="0">
+            <a:schemeClr val="accent1"/>
+          </a:effectRef>
+          <a:fontRef idx="minor">
+            <a:schemeClr val="lt1"/>
+          </a:fontRef>
+        </p:style>
+        <p:txBody>
+          <a:bodyPr rtlCol="0" anchor="ctr"/>
+          <a:lstStyle/>
+          <a:p>
+            <a:pPr algn="ctr"/>
+            <a:endParaRPr kumimoji="1" lang="ja-JP" altLang="en-US"/>
+          </a:p>
+        </p:txBody>
+      </p:sp>
+      <p:sp>
+        <p:nvSpPr>
+          <p:cNvPr id="15" name="正方形/長方形 14">
+            <a:extLst>
+              <a:ext uri="{FF2B5EF4-FFF2-40B4-BE49-F238E27FC236}">
+                <a16:creationId xmlns:a16="http://schemas.microsoft.com/office/drawing/2014/main" id="{3D63DCC3-DFE6-B6AB-EED7-3716F25746FB}"/>
+              </a:ext>
+            </a:extLst>
+          </p:cNvPr>
+          <p:cNvSpPr/>
+          <p:nvPr/>
+        </p:nvSpPr>
+        <p:spPr>
+          <a:xfrm>
+            <a:off x="8587408" y="6215676"/>
+            <a:ext cx="530087" cy="509804"/>
+          </a:xfrm>
+          <a:prstGeom prst="rect">
+            <a:avLst/>
+          </a:prstGeom>
+          <a:noFill/>
+          <a:ln w="28575">
+            <a:solidFill>
+              <a:srgbClr val="FF0000"/>
+            </a:solidFill>
+          </a:ln>
+        </p:spPr>
+        <p:style>
+          <a:lnRef idx="2">
+            <a:schemeClr val="accent1">
+              <a:shade val="50000"/>
+            </a:schemeClr>
+          </a:lnRef>
+          <a:fillRef idx="1">
+            <a:schemeClr val="accent1"/>
+          </a:fillRef>
+          <a:effectRef idx="0">
+            <a:schemeClr val="accent1"/>
+          </a:effectRef>
+          <a:fontRef idx="minor">
+            <a:schemeClr val="lt1"/>
+          </a:fontRef>
+        </p:style>
+        <p:txBody>
+          <a:bodyPr rtlCol="0" anchor="ctr"/>
+          <a:lstStyle/>
+          <a:p>
+            <a:pPr algn="ctr"/>
+            <a:endParaRPr kumimoji="1" lang="ja-JP" altLang="en-US"/>
+          </a:p>
+        </p:txBody>
+      </p:sp>
+      <p:sp>
+        <p:nvSpPr>
+          <p:cNvPr id="20" name="矢印: 右 19">
+            <a:extLst>
+              <a:ext uri="{FF2B5EF4-FFF2-40B4-BE49-F238E27FC236}">
+                <a16:creationId xmlns:a16="http://schemas.microsoft.com/office/drawing/2014/main" id="{63547D81-1D76-02EE-C485-4A383C20A03A}"/>
+              </a:ext>
+            </a:extLst>
+          </p:cNvPr>
+          <p:cNvSpPr/>
+          <p:nvPr/>
+        </p:nvSpPr>
+        <p:spPr>
+          <a:xfrm>
+            <a:off x="4280452" y="6087736"/>
+            <a:ext cx="1493855" cy="600985"/>
+          </a:xfrm>
+          <a:prstGeom prst="rightArrow">
             <a:avLst/>
           </a:prstGeom>
           <a:solidFill>
@@ -8766,16 +8140,462 @@
           <a:lstStyle/>
           <a:p>
             <a:pPr algn="ctr"/>
+            <a:endParaRPr kumimoji="1" lang="ja-JP" altLang="en-US" sz="2400" dirty="0">
+              <a:solidFill>
+                <a:schemeClr val="bg1"/>
+              </a:solidFill>
+              <a:latin typeface="HGｺﾞｼｯｸE" panose="020B0909000000000000" pitchFamily="49" charset="-128"/>
+              <a:ea typeface="HGｺﾞｼｯｸE" panose="020B0909000000000000" pitchFamily="49" charset="-128"/>
+            </a:endParaRPr>
+          </a:p>
+        </p:txBody>
+      </p:sp>
+      <p:sp>
+        <p:nvSpPr>
+          <p:cNvPr id="18" name="吹き出し: 角を丸めた四角形 17">
+            <a:extLst>
+              <a:ext uri="{FF2B5EF4-FFF2-40B4-BE49-F238E27FC236}">
+                <a16:creationId xmlns:a16="http://schemas.microsoft.com/office/drawing/2014/main" id="{31AA7376-8079-B650-299D-1196DB4F5B61}"/>
+              </a:ext>
+            </a:extLst>
+          </p:cNvPr>
+          <p:cNvSpPr/>
+          <p:nvPr/>
+        </p:nvSpPr>
+        <p:spPr>
+          <a:xfrm>
+            <a:off x="167984" y="2968046"/>
+            <a:ext cx="1997491" cy="782127"/>
+          </a:xfrm>
+          <a:prstGeom prst="wedgeRoundRectCallout">
+            <a:avLst>
+              <a:gd name="adj1" fmla="val 1111"/>
+              <a:gd name="adj2" fmla="val 110282"/>
+              <a:gd name="adj3" fmla="val 16667"/>
+            </a:avLst>
+          </a:prstGeom>
+          <a:solidFill>
+            <a:schemeClr val="bg1"/>
+          </a:solidFill>
+          <a:ln>
+            <a:solidFill>
+              <a:srgbClr val="FFA333"/>
+            </a:solidFill>
+          </a:ln>
+        </p:spPr>
+        <p:style>
+          <a:lnRef idx="2">
+            <a:schemeClr val="accent1">
+              <a:shade val="50000"/>
+            </a:schemeClr>
+          </a:lnRef>
+          <a:fillRef idx="1">
+            <a:schemeClr val="accent1"/>
+          </a:fillRef>
+          <a:effectRef idx="0">
+            <a:schemeClr val="accent1"/>
+          </a:effectRef>
+          <a:fontRef idx="minor">
+            <a:schemeClr val="lt1"/>
+          </a:fontRef>
+        </p:style>
+        <p:txBody>
+          <a:bodyPr vert="horz" rtlCol="0" anchor="ctr"/>
+          <a:lstStyle/>
+          <a:p>
+            <a:r>
+              <a:rPr kumimoji="1" lang="en-US" altLang="ja-JP" sz="2400" dirty="0">
+                <a:solidFill>
+                  <a:schemeClr val="tx1"/>
+                </a:solidFill>
+                <a:latin typeface="HGｺﾞｼｯｸM" panose="020B0609000000000000" pitchFamily="49" charset="-128"/>
+                <a:ea typeface="HGｺﾞｼｯｸM" panose="020B0609000000000000" pitchFamily="49" charset="-128"/>
+              </a:rPr>
+              <a:t>T</a:t>
+            </a:r>
             <a:r>
               <a:rPr kumimoji="1" lang="ja-JP" altLang="en-US" sz="2400" dirty="0">
+                <a:solidFill>
+                  <a:schemeClr val="tx1"/>
+                </a:solidFill>
+                <a:latin typeface="HGｺﾞｼｯｸM" panose="020B0609000000000000" pitchFamily="49" charset="-128"/>
+                <a:ea typeface="HGｺﾞｼｯｸM" panose="020B0609000000000000" pitchFamily="49" charset="-128"/>
+              </a:rPr>
+              <a:t>ポイントで購入できる</a:t>
+            </a:r>
+          </a:p>
+        </p:txBody>
+      </p:sp>
+      <p:sp>
+        <p:nvSpPr>
+          <p:cNvPr id="26" name="正方形/長方形 25">
+            <a:extLst>
+              <a:ext uri="{FF2B5EF4-FFF2-40B4-BE49-F238E27FC236}">
+                <a16:creationId xmlns:a16="http://schemas.microsoft.com/office/drawing/2014/main" id="{30AB4F09-725B-3CE1-CE60-69C0F1F50809}"/>
+              </a:ext>
+            </a:extLst>
+          </p:cNvPr>
+          <p:cNvSpPr/>
+          <p:nvPr/>
+        </p:nvSpPr>
+        <p:spPr>
+          <a:xfrm>
+            <a:off x="6872689" y="3999020"/>
+            <a:ext cx="3808563" cy="2098073"/>
+          </a:xfrm>
+          <a:prstGeom prst="rect">
+            <a:avLst/>
+          </a:prstGeom>
+          <a:noFill/>
+          <a:ln w="28575">
+            <a:solidFill>
+              <a:srgbClr val="FF0000"/>
+            </a:solidFill>
+          </a:ln>
+        </p:spPr>
+        <p:style>
+          <a:lnRef idx="2">
+            <a:schemeClr val="accent1">
+              <a:shade val="50000"/>
+            </a:schemeClr>
+          </a:lnRef>
+          <a:fillRef idx="1">
+            <a:schemeClr val="accent1"/>
+          </a:fillRef>
+          <a:effectRef idx="0">
+            <a:schemeClr val="accent1"/>
+          </a:effectRef>
+          <a:fontRef idx="minor">
+            <a:schemeClr val="lt1"/>
+          </a:fontRef>
+        </p:style>
+        <p:txBody>
+          <a:bodyPr rtlCol="0" anchor="ctr"/>
+          <a:lstStyle/>
+          <a:p>
+            <a:pPr algn="ctr"/>
+            <a:endParaRPr kumimoji="1" lang="ja-JP" altLang="en-US"/>
+          </a:p>
+        </p:txBody>
+      </p:sp>
+      <p:sp>
+        <p:nvSpPr>
+          <p:cNvPr id="21" name="吹き出し: 角を丸めた四角形 20">
+            <a:extLst>
+              <a:ext uri="{FF2B5EF4-FFF2-40B4-BE49-F238E27FC236}">
+                <a16:creationId xmlns:a16="http://schemas.microsoft.com/office/drawing/2014/main" id="{DE9B5C3C-160A-661B-B0EB-1F82CF065102}"/>
+              </a:ext>
+            </a:extLst>
+          </p:cNvPr>
+          <p:cNvSpPr/>
+          <p:nvPr/>
+        </p:nvSpPr>
+        <p:spPr>
+          <a:xfrm>
+            <a:off x="8320831" y="2742603"/>
+            <a:ext cx="3751900" cy="888988"/>
+          </a:xfrm>
+          <a:prstGeom prst="wedgeRoundRectCallout">
+            <a:avLst>
+              <a:gd name="adj1" fmla="val -21264"/>
+              <a:gd name="adj2" fmla="val 113230"/>
+              <a:gd name="adj3" fmla="val 16667"/>
+            </a:avLst>
+          </a:prstGeom>
+          <a:solidFill>
+            <a:schemeClr val="bg1"/>
+          </a:solidFill>
+          <a:ln>
+            <a:solidFill>
+              <a:srgbClr val="FFA333"/>
+            </a:solidFill>
+          </a:ln>
+        </p:spPr>
+        <p:style>
+          <a:lnRef idx="2">
+            <a:schemeClr val="accent1">
+              <a:shade val="50000"/>
+            </a:schemeClr>
+          </a:lnRef>
+          <a:fillRef idx="1">
+            <a:schemeClr val="accent1"/>
+          </a:fillRef>
+          <a:effectRef idx="0">
+            <a:schemeClr val="accent1"/>
+          </a:effectRef>
+          <a:fontRef idx="minor">
+            <a:schemeClr val="lt1"/>
+          </a:fontRef>
+        </p:style>
+        <p:txBody>
+          <a:bodyPr rtlCol="0" anchor="ctr"/>
+          <a:lstStyle/>
+          <a:p>
+            <a:r>
+              <a:rPr kumimoji="1" lang="en-US" altLang="ja-JP" sz="2400" dirty="0">
+                <a:solidFill>
+                  <a:schemeClr val="tx1"/>
+                </a:solidFill>
+                <a:latin typeface="HGｺﾞｼｯｸM" panose="020B0609000000000000" pitchFamily="49" charset="-128"/>
+                <a:ea typeface="HGｺﾞｼｯｸM" panose="020B0609000000000000" pitchFamily="49" charset="-128"/>
+              </a:rPr>
+              <a:t>push</a:t>
+            </a:r>
+            <a:r>
+              <a:rPr kumimoji="1" lang="ja-JP" altLang="en-US" sz="2400" dirty="0">
+                <a:solidFill>
+                  <a:schemeClr val="tx1"/>
+                </a:solidFill>
+                <a:latin typeface="HGｺﾞｼｯｸM" panose="020B0609000000000000" pitchFamily="49" charset="-128"/>
+                <a:ea typeface="HGｺﾞｼｯｸM" panose="020B0609000000000000" pitchFamily="49" charset="-128"/>
+              </a:rPr>
+              <a:t>ボタンを押すと</a:t>
+            </a:r>
+            <a:endParaRPr kumimoji="1" lang="en-US" altLang="ja-JP" sz="2400" dirty="0">
+              <a:solidFill>
+                <a:schemeClr val="tx1"/>
+              </a:solidFill>
+              <a:latin typeface="HGｺﾞｼｯｸM" panose="020B0609000000000000" pitchFamily="49" charset="-128"/>
+              <a:ea typeface="HGｺﾞｼｯｸM" panose="020B0609000000000000" pitchFamily="49" charset="-128"/>
+            </a:endParaRPr>
+          </a:p>
+          <a:p>
+            <a:r>
+              <a:rPr kumimoji="1" lang="ja-JP" altLang="en-US" sz="2400" dirty="0">
+                <a:solidFill>
+                  <a:schemeClr val="tx1"/>
+                </a:solidFill>
+                <a:latin typeface="HGｺﾞｼｯｸM" panose="020B0609000000000000" pitchFamily="49" charset="-128"/>
+                <a:ea typeface="HGｺﾞｼｯｸM" panose="020B0609000000000000" pitchFamily="49" charset="-128"/>
+              </a:rPr>
+              <a:t>アニメーションが流れる</a:t>
+            </a:r>
+          </a:p>
+        </p:txBody>
+      </p:sp>
+      <p:sp>
+        <p:nvSpPr>
+          <p:cNvPr id="22" name="フローチャート: 結合子 21">
+            <a:extLst>
+              <a:ext uri="{FF2B5EF4-FFF2-40B4-BE49-F238E27FC236}">
+                <a16:creationId xmlns:a16="http://schemas.microsoft.com/office/drawing/2014/main" id="{936D5D02-0A0D-320E-12A3-1F8D9E16D0AD}"/>
+              </a:ext>
+            </a:extLst>
+          </p:cNvPr>
+          <p:cNvSpPr/>
+          <p:nvPr/>
+        </p:nvSpPr>
+        <p:spPr>
+          <a:xfrm>
+            <a:off x="8141063" y="2476453"/>
+            <a:ext cx="485830" cy="485830"/>
+          </a:xfrm>
+          <a:prstGeom prst="flowChartConnector">
+            <a:avLst/>
+          </a:prstGeom>
+          <a:solidFill>
+            <a:schemeClr val="accent2"/>
+          </a:solidFill>
+          <a:ln>
+            <a:solidFill>
+              <a:schemeClr val="bg1"/>
+            </a:solidFill>
+          </a:ln>
+        </p:spPr>
+        <p:style>
+          <a:lnRef idx="2">
+            <a:schemeClr val="accent1">
+              <a:shade val="50000"/>
+            </a:schemeClr>
+          </a:lnRef>
+          <a:fillRef idx="1">
+            <a:schemeClr val="accent1"/>
+          </a:fillRef>
+          <a:effectRef idx="0">
+            <a:schemeClr val="accent1"/>
+          </a:effectRef>
+          <a:fontRef idx="minor">
+            <a:schemeClr val="lt1"/>
+          </a:fontRef>
+        </p:style>
+        <p:txBody>
+          <a:bodyPr rtlCol="0" anchor="ctr"/>
+          <a:lstStyle/>
+          <a:p>
+            <a:pPr algn="ctr"/>
+            <a:r>
+              <a:rPr kumimoji="1" lang="en-US" altLang="ja-JP" dirty="0">
                 <a:latin typeface="HGｺﾞｼｯｸE" panose="020B0909000000000000" pitchFamily="49" charset="-128"/>
                 <a:ea typeface="HGｺﾞｼｯｸE" panose="020B0909000000000000" pitchFamily="49" charset="-128"/>
               </a:rPr>
-              <a:t>キャラ画面</a:t>
-            </a:r>
-          </a:p>
-        </p:txBody>
-      </p:sp>
+              <a:t>2</a:t>
+            </a:r>
+            <a:endParaRPr kumimoji="1" lang="ja-JP" altLang="en-US" dirty="0">
+              <a:latin typeface="HGｺﾞｼｯｸE" panose="020B0909000000000000" pitchFamily="49" charset="-128"/>
+              <a:ea typeface="HGｺﾞｼｯｸE" panose="020B0909000000000000" pitchFamily="49" charset="-128"/>
+            </a:endParaRPr>
+          </a:p>
+        </p:txBody>
+      </p:sp>
+      <p:sp>
+        <p:nvSpPr>
+          <p:cNvPr id="27" name="フローチャート: 結合子 26">
+            <a:extLst>
+              <a:ext uri="{FF2B5EF4-FFF2-40B4-BE49-F238E27FC236}">
+                <a16:creationId xmlns:a16="http://schemas.microsoft.com/office/drawing/2014/main" id="{6ED8EB59-FEBF-4494-7BFC-4C311D3718FD}"/>
+              </a:ext>
+            </a:extLst>
+          </p:cNvPr>
+          <p:cNvSpPr/>
+          <p:nvPr/>
+        </p:nvSpPr>
+        <p:spPr>
+          <a:xfrm>
+            <a:off x="2159879" y="5690089"/>
+            <a:ext cx="485830" cy="485830"/>
+          </a:xfrm>
+          <a:prstGeom prst="flowChartConnector">
+            <a:avLst/>
+          </a:prstGeom>
+          <a:solidFill>
+            <a:schemeClr val="accent2"/>
+          </a:solidFill>
+          <a:ln>
+            <a:solidFill>
+              <a:schemeClr val="bg1"/>
+            </a:solidFill>
+          </a:ln>
+        </p:spPr>
+        <p:style>
+          <a:lnRef idx="2">
+            <a:schemeClr val="accent1">
+              <a:shade val="50000"/>
+            </a:schemeClr>
+          </a:lnRef>
+          <a:fillRef idx="1">
+            <a:schemeClr val="accent1"/>
+          </a:fillRef>
+          <a:effectRef idx="0">
+            <a:schemeClr val="accent1"/>
+          </a:effectRef>
+          <a:fontRef idx="minor">
+            <a:schemeClr val="lt1"/>
+          </a:fontRef>
+        </p:style>
+        <p:txBody>
+          <a:bodyPr rtlCol="0" anchor="ctr"/>
+          <a:lstStyle/>
+          <a:p>
+            <a:pPr algn="ctr"/>
+            <a:r>
+              <a:rPr kumimoji="1" lang="en-US" altLang="ja-JP" dirty="0">
+                <a:latin typeface="HGｺﾞｼｯｸE" panose="020B0909000000000000" pitchFamily="49" charset="-128"/>
+                <a:ea typeface="HGｺﾞｼｯｸE" panose="020B0909000000000000" pitchFamily="49" charset="-128"/>
+              </a:rPr>
+              <a:t>1</a:t>
+            </a:r>
+            <a:endParaRPr kumimoji="1" lang="ja-JP" altLang="en-US" dirty="0">
+              <a:latin typeface="HGｺﾞｼｯｸE" panose="020B0909000000000000" pitchFamily="49" charset="-128"/>
+              <a:ea typeface="HGｺﾞｼｯｸE" panose="020B0909000000000000" pitchFamily="49" charset="-128"/>
+            </a:endParaRPr>
+          </a:p>
+        </p:txBody>
+      </p:sp>
+      <p:pic>
+        <p:nvPicPr>
+          <p:cNvPr id="9" name="図 8" descr="おもちゃ, レゴ, 挿絵 が含まれている画像&#10;&#10;自動的に生成された説明">
+            <a:extLst>
+              <a:ext uri="{FF2B5EF4-FFF2-40B4-BE49-F238E27FC236}">
+                <a16:creationId xmlns:a16="http://schemas.microsoft.com/office/drawing/2014/main" id="{6402FAA8-5708-C2E9-CACA-CCB5EBCED475}"/>
+              </a:ext>
+            </a:extLst>
+          </p:cNvPr>
+          <p:cNvPicPr>
+            <a:picLocks noChangeAspect="1"/>
+          </p:cNvPicPr>
+          <p:nvPr/>
+        </p:nvPicPr>
+        <p:blipFill>
+          <a:blip r:embed="rId5">
+            <a:extLst>
+              <a:ext uri="{28A0092B-C50C-407E-A947-70E740481C1C}">
+                <a14:useLocalDpi xmlns:a14="http://schemas.microsoft.com/office/drawing/2010/main" val="0"/>
+              </a:ext>
+            </a:extLst>
+          </a:blip>
+          <a:stretch>
+            <a:fillRect/>
+          </a:stretch>
+        </p:blipFill>
+        <p:spPr>
+          <a:xfrm>
+            <a:off x="327991" y="4381500"/>
+            <a:ext cx="1143000" cy="1143000"/>
+          </a:xfrm>
+          <a:prstGeom prst="rect">
+            <a:avLst/>
+          </a:prstGeom>
+        </p:spPr>
+      </p:pic>
+    </p:spTree>
+    <p:extLst>
+      <p:ext uri="{BB962C8B-B14F-4D97-AF65-F5344CB8AC3E}">
+        <p14:creationId xmlns:p14="http://schemas.microsoft.com/office/powerpoint/2010/main" val="1747238129"/>
+      </p:ext>
+    </p:extLst>
+  </p:cSld>
+  <p:clrMapOvr>
+    <a:masterClrMapping/>
+  </p:clrMapOvr>
+</p:sld>
+</file>
+
+<file path=ppt/slides/slide15.xml><?xml version="1.0" encoding="utf-8"?>
+<p:sld xmlns:a="http://schemas.openxmlformats.org/drawingml/2006/main" xmlns:r="http://schemas.openxmlformats.org/officeDocument/2006/relationships" xmlns:p="http://schemas.openxmlformats.org/presentationml/2006/main">
+  <p:cSld>
+    <p:spTree>
+      <p:nvGrpSpPr>
+        <p:cNvPr id="1" name=""/>
+        <p:cNvGrpSpPr/>
+        <p:nvPr/>
+      </p:nvGrpSpPr>
+      <p:grpSpPr>
+        <a:xfrm>
+          <a:off x="0" y="0"/>
+          <a:ext cx="0" cy="0"/>
+          <a:chOff x="0" y="0"/>
+          <a:chExt cx="0" cy="0"/>
+        </a:xfrm>
+      </p:grpSpPr>
+      <p:pic>
+        <p:nvPicPr>
+          <p:cNvPr id="10" name="図 9">
+            <a:extLst>
+              <a:ext uri="{FF2B5EF4-FFF2-40B4-BE49-F238E27FC236}">
+                <a16:creationId xmlns:a16="http://schemas.microsoft.com/office/drawing/2014/main" id="{A4D618F0-5685-A255-784A-CA03711F3F36}"/>
+              </a:ext>
+            </a:extLst>
+          </p:cNvPr>
+          <p:cNvPicPr>
+            <a:picLocks noChangeAspect="1"/>
+          </p:cNvPicPr>
+          <p:nvPr/>
+        </p:nvPicPr>
+        <p:blipFill rotWithShape="1">
+          <a:blip r:embed="rId3"/>
+          <a:srcRect l="24247" t="12206" r="21470" b="23564"/>
+          <a:stretch/>
+        </p:blipFill>
+        <p:spPr>
+          <a:xfrm>
+            <a:off x="6979536" y="3366753"/>
+            <a:ext cx="5023285" cy="3341758"/>
+          </a:xfrm>
+          <a:prstGeom prst="rect">
+            <a:avLst/>
+          </a:prstGeom>
+        </p:spPr>
+      </p:pic>
       <p:pic>
         <p:nvPicPr>
           <p:cNvPr id="5" name="図 4">
@@ -8967,8 +8787,8 @@
         </p:nvSpPr>
         <p:spPr>
           <a:xfrm>
-            <a:off x="622069" y="1529022"/>
-            <a:ext cx="5682916" cy="1706547"/>
+            <a:off x="622069" y="1529023"/>
+            <a:ext cx="4665548" cy="1294725"/>
           </a:xfrm>
           <a:prstGeom prst="roundRect">
             <a:avLst/>
@@ -9003,33 +8823,33 @@
           <a:lstStyle/>
           <a:p>
             <a:r>
-              <a:rPr kumimoji="1" lang="ja-JP" altLang="en-US" sz="2800" dirty="0">
+              <a:rPr kumimoji="1" lang="ja-JP" altLang="en-US" sz="2400" dirty="0">
                 <a:latin typeface="HGｺﾞｼｯｸE" panose="020B0909000000000000" pitchFamily="49" charset="-128"/>
                 <a:ea typeface="HGｺﾞｼｯｸE" panose="020B0909000000000000" pitchFamily="49" charset="-128"/>
               </a:rPr>
               <a:t>今育成しているキャラクターを</a:t>
             </a:r>
             <a:br>
-              <a:rPr kumimoji="1" lang="ja-JP" altLang="en-US" sz="2800" dirty="0">
+              <a:rPr kumimoji="1" lang="ja-JP" altLang="en-US" sz="2400" dirty="0">
                 <a:latin typeface="HGｺﾞｼｯｸE" panose="020B0909000000000000" pitchFamily="49" charset="-128"/>
                 <a:ea typeface="HGｺﾞｼｯｸE" panose="020B0909000000000000" pitchFamily="49" charset="-128"/>
               </a:rPr>
             </a:br>
             <a:r>
-              <a:rPr kumimoji="1" lang="ja-JP" altLang="en-US" sz="2800" dirty="0">
+              <a:rPr kumimoji="1" lang="ja-JP" altLang="en-US" sz="2400" dirty="0">
                 <a:latin typeface="HGｺﾞｼｯｸE" panose="020B0909000000000000" pitchFamily="49" charset="-128"/>
                 <a:ea typeface="HGｺﾞｼｯｸE" panose="020B0909000000000000" pitchFamily="49" charset="-128"/>
               </a:rPr>
               <a:t>別のキャラクターに</a:t>
             </a:r>
             <a:br>
-              <a:rPr kumimoji="1" lang="ja-JP" altLang="en-US" sz="2800" dirty="0">
+              <a:rPr kumimoji="1" lang="ja-JP" altLang="en-US" sz="2400" dirty="0">
                 <a:latin typeface="HGｺﾞｼｯｸE" panose="020B0909000000000000" pitchFamily="49" charset="-128"/>
                 <a:ea typeface="HGｺﾞｼｯｸE" panose="020B0909000000000000" pitchFamily="49" charset="-128"/>
               </a:rPr>
             </a:br>
             <a:r>
-              <a:rPr kumimoji="1" lang="ja-JP" altLang="en-US" sz="2800" dirty="0">
+              <a:rPr kumimoji="1" lang="ja-JP" altLang="en-US" sz="2400" dirty="0">
                 <a:latin typeface="HGｺﾞｼｯｸE" panose="020B0909000000000000" pitchFamily="49" charset="-128"/>
                 <a:ea typeface="HGｺﾞｼｯｸE" panose="020B0909000000000000" pitchFamily="49" charset="-128"/>
               </a:rPr>
@@ -9104,173 +8924,10 @@
           </a:p>
         </p:txBody>
       </p:sp>
-      <p:sp>
-        <p:nvSpPr>
-          <p:cNvPr id="12" name="楕円 11">
-            <a:extLst>
-              <a:ext uri="{FF2B5EF4-FFF2-40B4-BE49-F238E27FC236}">
-                <a16:creationId xmlns:a16="http://schemas.microsoft.com/office/drawing/2014/main" id="{285913CC-7AB7-1000-690A-7907FAB52CA4}"/>
-              </a:ext>
-            </a:extLst>
-          </p:cNvPr>
-          <p:cNvSpPr/>
-          <p:nvPr/>
-        </p:nvSpPr>
-        <p:spPr>
-          <a:xfrm>
-            <a:off x="5173996" y="3530045"/>
-            <a:ext cx="2133512" cy="774868"/>
-          </a:xfrm>
-          <a:prstGeom prst="ellipse">
-            <a:avLst/>
-          </a:prstGeom>
-          <a:solidFill>
-            <a:schemeClr val="accent2"/>
-          </a:solidFill>
-          <a:ln>
-            <a:solidFill>
-              <a:schemeClr val="bg1"/>
-            </a:solidFill>
-          </a:ln>
-        </p:spPr>
-        <p:style>
-          <a:lnRef idx="2">
-            <a:schemeClr val="accent1">
-              <a:shade val="50000"/>
-            </a:schemeClr>
-          </a:lnRef>
-          <a:fillRef idx="1">
-            <a:schemeClr val="accent1"/>
-          </a:fillRef>
-          <a:effectRef idx="0">
-            <a:schemeClr val="accent1"/>
-          </a:effectRef>
-          <a:fontRef idx="minor">
-            <a:schemeClr val="lt1"/>
-          </a:fontRef>
-        </p:style>
-        <p:txBody>
-          <a:bodyPr rtlCol="0" anchor="ctr"/>
-          <a:lstStyle/>
-          <a:p>
-            <a:pPr algn="ctr"/>
-            <a:r>
-              <a:rPr kumimoji="1" lang="ja-JP" altLang="en-US" sz="2000" dirty="0">
-                <a:latin typeface="HGｺﾞｼｯｸE" panose="020B0909000000000000" pitchFamily="49" charset="-128"/>
-                <a:ea typeface="HGｺﾞｼｯｸE" panose="020B0909000000000000" pitchFamily="49" charset="-128"/>
-              </a:rPr>
-              <a:t>メイン画面</a:t>
-            </a:r>
-          </a:p>
-        </p:txBody>
-      </p:sp>
     </p:spTree>
     <p:extLst>
       <p:ext uri="{BB962C8B-B14F-4D97-AF65-F5344CB8AC3E}">
         <p14:creationId xmlns:p14="http://schemas.microsoft.com/office/powerpoint/2010/main" val="155327494"/>
-      </p:ext>
-    </p:extLst>
-  </p:cSld>
-  <p:clrMapOvr>
-    <a:masterClrMapping/>
-  </p:clrMapOvr>
-</p:sld>
-</file>
-
-<file path=ppt/slides/slide15.xml><?xml version="1.0" encoding="utf-8"?>
-<p:sld xmlns:a="http://schemas.openxmlformats.org/drawingml/2006/main" xmlns:r="http://schemas.openxmlformats.org/officeDocument/2006/relationships" xmlns:p="http://schemas.openxmlformats.org/presentationml/2006/main">
-  <p:cSld>
-    <p:spTree>
-      <p:nvGrpSpPr>
-        <p:cNvPr id="1" name=""/>
-        <p:cNvGrpSpPr/>
-        <p:nvPr/>
-      </p:nvGrpSpPr>
-      <p:grpSpPr>
-        <a:xfrm>
-          <a:off x="0" y="0"/>
-          <a:ext cx="0" cy="0"/>
-          <a:chOff x="0" y="0"/>
-          <a:chExt cx="0" cy="0"/>
-        </a:xfrm>
-      </p:grpSpPr>
-      <p:pic>
-        <p:nvPicPr>
-          <p:cNvPr id="10" name="図 9" descr="カーテン が含まれている画像&#10;&#10;自動的に生成された説明">
-            <a:extLst>
-              <a:ext uri="{FF2B5EF4-FFF2-40B4-BE49-F238E27FC236}">
-                <a16:creationId xmlns:a16="http://schemas.microsoft.com/office/drawing/2014/main" id="{3BFCBF50-5650-0F99-E72E-1F161F7507D2}"/>
-              </a:ext>
-            </a:extLst>
-          </p:cNvPr>
-          <p:cNvPicPr>
-            <a:picLocks noChangeAspect="1"/>
-          </p:cNvPicPr>
-          <p:nvPr/>
-        </p:nvPicPr>
-        <p:blipFill rotWithShape="1">
-          <a:blip r:embed="rId3">
-            <a:extLst>
-              <a:ext uri="{28A0092B-C50C-407E-A947-70E740481C1C}">
-                <a14:useLocalDpi xmlns:a14="http://schemas.microsoft.com/office/drawing/2010/main" val="0"/>
-              </a:ext>
-            </a:extLst>
-          </a:blip>
-          <a:srcRect b="325"/>
-          <a:stretch/>
-        </p:blipFill>
-        <p:spPr>
-          <a:xfrm>
-            <a:off x="-1" y="0"/>
-            <a:ext cx="12192001" cy="6858000"/>
-          </a:xfrm>
-          <a:prstGeom prst="rect">
-            <a:avLst/>
-          </a:prstGeom>
-        </p:spPr>
-      </p:pic>
-      <p:pic>
-        <p:nvPicPr>
-          <p:cNvPr id="4" name="図 3">
-            <a:extLst>
-              <a:ext uri="{FF2B5EF4-FFF2-40B4-BE49-F238E27FC236}">
-                <a16:creationId xmlns:a16="http://schemas.microsoft.com/office/drawing/2014/main" id="{7A33A7C0-7A5E-46F4-B3A1-82ECAD324DE4}"/>
-              </a:ext>
-              <a:ext uri="{C183D7F6-B498-43B3-948B-1728B52AA6E4}">
-                <adec:decorative xmlns:adec="http://schemas.microsoft.com/office/drawing/2017/decorative" val="1"/>
-              </a:ext>
-            </a:extLst>
-          </p:cNvPr>
-          <p:cNvPicPr>
-            <a:picLocks noChangeAspect="1"/>
-          </p:cNvPicPr>
-          <p:nvPr/>
-        </p:nvPicPr>
-        <p:blipFill rotWithShape="1">
-          <a:blip r:embed="rId4">
-            <a:extLst>
-              <a:ext uri="{28A0092B-C50C-407E-A947-70E740481C1C}">
-                <a14:useLocalDpi xmlns:a14="http://schemas.microsoft.com/office/drawing/2010/main" val="0"/>
-              </a:ext>
-            </a:extLst>
-          </a:blip>
-          <a:srcRect t="43891" r="334" b="41874"/>
-          <a:stretch/>
-        </p:blipFill>
-        <p:spPr>
-          <a:xfrm>
-            <a:off x="1116141" y="2940843"/>
-            <a:ext cx="9959718" cy="976314"/>
-          </a:xfrm>
-          <a:prstGeom prst="rect">
-            <a:avLst/>
-          </a:prstGeom>
-        </p:spPr>
-      </p:pic>
-    </p:spTree>
-    <p:extLst>
-      <p:ext uri="{BB962C8B-B14F-4D97-AF65-F5344CB8AC3E}">
-        <p14:creationId xmlns:p14="http://schemas.microsoft.com/office/powerpoint/2010/main" val="3111504861"/>
       </p:ext>
     </p:extLst>
   </p:cSld>
@@ -9312,6 +8969,109 @@
           <p:nvPr/>
         </p:nvPicPr>
         <p:blipFill rotWithShape="1">
+          <a:blip r:embed="rId3">
+            <a:extLst>
+              <a:ext uri="{28A0092B-C50C-407E-A947-70E740481C1C}">
+                <a14:useLocalDpi xmlns:a14="http://schemas.microsoft.com/office/drawing/2010/main" val="0"/>
+              </a:ext>
+            </a:extLst>
+          </a:blip>
+          <a:srcRect b="325"/>
+          <a:stretch/>
+        </p:blipFill>
+        <p:spPr>
+          <a:xfrm>
+            <a:off x="-1" y="0"/>
+            <a:ext cx="12192001" cy="6858000"/>
+          </a:xfrm>
+          <a:prstGeom prst="rect">
+            <a:avLst/>
+          </a:prstGeom>
+        </p:spPr>
+      </p:pic>
+      <p:pic>
+        <p:nvPicPr>
+          <p:cNvPr id="4" name="図 3">
+            <a:extLst>
+              <a:ext uri="{FF2B5EF4-FFF2-40B4-BE49-F238E27FC236}">
+                <a16:creationId xmlns:a16="http://schemas.microsoft.com/office/drawing/2014/main" id="{7A33A7C0-7A5E-46F4-B3A1-82ECAD324DE4}"/>
+              </a:ext>
+              <a:ext uri="{C183D7F6-B498-43B3-948B-1728B52AA6E4}">
+                <adec:decorative xmlns:adec="http://schemas.microsoft.com/office/drawing/2017/decorative" val="1"/>
+              </a:ext>
+            </a:extLst>
+          </p:cNvPr>
+          <p:cNvPicPr>
+            <a:picLocks noChangeAspect="1"/>
+          </p:cNvPicPr>
+          <p:nvPr/>
+        </p:nvPicPr>
+        <p:blipFill rotWithShape="1">
+          <a:blip r:embed="rId4">
+            <a:extLst>
+              <a:ext uri="{28A0092B-C50C-407E-A947-70E740481C1C}">
+                <a14:useLocalDpi xmlns:a14="http://schemas.microsoft.com/office/drawing/2010/main" val="0"/>
+              </a:ext>
+            </a:extLst>
+          </a:blip>
+          <a:srcRect t="43891" r="334" b="41874"/>
+          <a:stretch/>
+        </p:blipFill>
+        <p:spPr>
+          <a:xfrm>
+            <a:off x="1116141" y="2940843"/>
+            <a:ext cx="9959718" cy="976314"/>
+          </a:xfrm>
+          <a:prstGeom prst="rect">
+            <a:avLst/>
+          </a:prstGeom>
+        </p:spPr>
+      </p:pic>
+    </p:spTree>
+    <p:extLst>
+      <p:ext uri="{BB962C8B-B14F-4D97-AF65-F5344CB8AC3E}">
+        <p14:creationId xmlns:p14="http://schemas.microsoft.com/office/powerpoint/2010/main" val="3111504861"/>
+      </p:ext>
+    </p:extLst>
+  </p:cSld>
+  <p:clrMapOvr>
+    <a:masterClrMapping/>
+  </p:clrMapOvr>
+</p:sld>
+</file>
+
+<file path=ppt/slides/slide17.xml><?xml version="1.0" encoding="utf-8"?>
+<p:sld xmlns:a="http://schemas.openxmlformats.org/drawingml/2006/main" xmlns:r="http://schemas.openxmlformats.org/officeDocument/2006/relationships" xmlns:p="http://schemas.openxmlformats.org/presentationml/2006/main">
+  <p:cSld>
+    <p:spTree>
+      <p:nvGrpSpPr>
+        <p:cNvPr id="1" name=""/>
+        <p:cNvGrpSpPr/>
+        <p:nvPr/>
+      </p:nvGrpSpPr>
+      <p:grpSpPr>
+        <a:xfrm>
+          <a:off x="0" y="0"/>
+          <a:ext cx="0" cy="0"/>
+          <a:chOff x="0" y="0"/>
+          <a:chExt cx="0" cy="0"/>
+        </a:xfrm>
+      </p:grpSpPr>
+      <p:pic>
+        <p:nvPicPr>
+          <p:cNvPr id="10" name="図 9" descr="カーテン が含まれている画像&#10;&#10;自動的に生成された説明">
+            <a:extLst>
+              <a:ext uri="{FF2B5EF4-FFF2-40B4-BE49-F238E27FC236}">
+                <a16:creationId xmlns:a16="http://schemas.microsoft.com/office/drawing/2014/main" id="{3BFCBF50-5650-0F99-E72E-1F161F7507D2}"/>
+              </a:ext>
+            </a:extLst>
+          </p:cNvPr>
+          <p:cNvPicPr>
+            <a:picLocks noChangeAspect="1"/>
+          </p:cNvPicPr>
+          <p:nvPr/>
+        </p:nvPicPr>
+        <p:blipFill rotWithShape="1">
           <a:blip r:embed="rId2">
             <a:extLst>
               <a:ext uri="{28A0092B-C50C-407E-A947-70E740481C1C}">
@@ -9380,7 +9140,7 @@
 </p:sld>
 </file>
 
-<file path=ppt/slides/slide17.xml><?xml version="1.0" encoding="utf-8"?>
+<file path=ppt/slides/slide18.xml><?xml version="1.0" encoding="utf-8"?>
 <p:sld xmlns:a="http://schemas.openxmlformats.org/drawingml/2006/main" xmlns:r="http://schemas.openxmlformats.org/officeDocument/2006/relationships" xmlns:p="http://schemas.openxmlformats.org/presentationml/2006/main">
   <p:cSld>
     <p:spTree>
@@ -9710,7 +9470,7 @@
 </p:sld>
 </file>
 
-<file path=ppt/slides/slide18.xml><?xml version="1.0" encoding="utf-8"?>
+<file path=ppt/slides/slide19.xml><?xml version="1.0" encoding="utf-8"?>
 <p:sld xmlns:a="http://schemas.openxmlformats.org/drawingml/2006/main" xmlns:r="http://schemas.openxmlformats.org/officeDocument/2006/relationships" xmlns:p="http://schemas.openxmlformats.org/presentationml/2006/main">
   <p:cSld>
     <p:spTree>
@@ -9804,416 +9564,6 @@
     <p:extLst>
       <p:ext uri="{BB962C8B-B14F-4D97-AF65-F5344CB8AC3E}">
         <p14:creationId xmlns:p14="http://schemas.microsoft.com/office/powerpoint/2010/main" val="3344695076"/>
-      </p:ext>
-    </p:extLst>
-  </p:cSld>
-  <p:clrMapOvr>
-    <a:masterClrMapping/>
-  </p:clrMapOvr>
-</p:sld>
-</file>
-
-<file path=ppt/slides/slide19.xml><?xml version="1.0" encoding="utf-8"?>
-<p:sld xmlns:a="http://schemas.openxmlformats.org/drawingml/2006/main" xmlns:r="http://schemas.openxmlformats.org/officeDocument/2006/relationships" xmlns:p="http://schemas.openxmlformats.org/presentationml/2006/main">
-  <p:cSld>
-    <p:spTree>
-      <p:nvGrpSpPr>
-        <p:cNvPr id="1" name=""/>
-        <p:cNvGrpSpPr/>
-        <p:nvPr/>
-      </p:nvGrpSpPr>
-      <p:grpSpPr>
-        <a:xfrm>
-          <a:off x="0" y="0"/>
-          <a:ext cx="0" cy="0"/>
-          <a:chOff x="0" y="0"/>
-          <a:chExt cx="0" cy="0"/>
-        </a:xfrm>
-      </p:grpSpPr>
-      <p:sp>
-        <p:nvSpPr>
-          <p:cNvPr id="3" name="コンテンツ プレースホルダー 2">
-            <a:extLst>
-              <a:ext uri="{FF2B5EF4-FFF2-40B4-BE49-F238E27FC236}">
-                <a16:creationId xmlns:a16="http://schemas.microsoft.com/office/drawing/2014/main" id="{CC96BA86-5DEC-0C8A-0D37-9901BCB94BED}"/>
-              </a:ext>
-            </a:extLst>
-          </p:cNvPr>
-          <p:cNvSpPr>
-            <a:spLocks noGrp="1"/>
-          </p:cNvSpPr>
-          <p:nvPr>
-            <p:ph idx="1"/>
-          </p:nvPr>
-        </p:nvSpPr>
-        <p:spPr>
-          <a:xfrm>
-            <a:off x="838200" y="1534886"/>
-            <a:ext cx="10515600" cy="5127171"/>
-          </a:xfrm>
-        </p:spPr>
-        <p:txBody>
-          <a:bodyPr/>
-          <a:lstStyle/>
-          <a:p>
-            <a:pPr marL="0" indent="0">
-              <a:buNone/>
-            </a:pPr>
-            <a:r>
-              <a:rPr kumimoji="1" lang="ja-JP" altLang="en-US" dirty="0">
-                <a:latin typeface="HGｺﾞｼｯｸE" panose="020B0909000000000000" pitchFamily="49" charset="-128"/>
-                <a:ea typeface="HGｺﾞｼｯｸE" panose="020B0909000000000000" pitchFamily="49" charset="-128"/>
-              </a:rPr>
-              <a:t>担当</a:t>
-            </a:r>
-            <a:endParaRPr kumimoji="1" lang="en-US" altLang="ja-JP" dirty="0">
-              <a:latin typeface="HGｺﾞｼｯｸE" panose="020B0909000000000000" pitchFamily="49" charset="-128"/>
-              <a:ea typeface="HGｺﾞｼｯｸE" panose="020B0909000000000000" pitchFamily="49" charset="-128"/>
-            </a:endParaRPr>
-          </a:p>
-          <a:p>
-            <a:pPr>
-              <a:buClr>
-                <a:schemeClr val="accent2">
-                  <a:lumMod val="75000"/>
-                </a:schemeClr>
-              </a:buClr>
-            </a:pPr>
-            <a:r>
-              <a:rPr lang="ja-JP" altLang="en-US" dirty="0">
-                <a:latin typeface="HGｺﾞｼｯｸM" panose="020B0609000000000000" pitchFamily="49" charset="-128"/>
-                <a:ea typeface="HGｺﾞｼｯｸM" panose="020B0609000000000000" pitchFamily="49" charset="-128"/>
-              </a:rPr>
-              <a:t>チームリーダー</a:t>
-            </a:r>
-            <a:endParaRPr lang="en-US" altLang="ja-JP" dirty="0">
-              <a:latin typeface="HGｺﾞｼｯｸM" panose="020B0609000000000000" pitchFamily="49" charset="-128"/>
-              <a:ea typeface="HGｺﾞｼｯｸM" panose="020B0609000000000000" pitchFamily="49" charset="-128"/>
-            </a:endParaRPr>
-          </a:p>
-          <a:p>
-            <a:pPr>
-              <a:buClr>
-                <a:schemeClr val="accent2">
-                  <a:lumMod val="75000"/>
-                </a:schemeClr>
-              </a:buClr>
-            </a:pPr>
-            <a:r>
-              <a:rPr kumimoji="1" lang="en-US" altLang="ja-JP" dirty="0">
-                <a:latin typeface="HGｺﾞｼｯｸM" panose="020B0609000000000000" pitchFamily="49" charset="-128"/>
-                <a:ea typeface="HGｺﾞｼｯｸM" panose="020B0609000000000000" pitchFamily="49" charset="-128"/>
-              </a:rPr>
-              <a:t>Java</a:t>
-            </a:r>
-            <a:r>
-              <a:rPr kumimoji="1" lang="ja-JP" altLang="en-US" dirty="0">
-                <a:latin typeface="HGｺﾞｼｯｸM" panose="020B0609000000000000" pitchFamily="49" charset="-128"/>
-                <a:ea typeface="HGｺﾞｼｯｸM" panose="020B0609000000000000" pitchFamily="49" charset="-128"/>
-              </a:rPr>
-              <a:t>、</a:t>
-            </a:r>
-            <a:r>
-              <a:rPr lang="en-US" altLang="ja-JP" dirty="0">
-                <a:latin typeface="HGｺﾞｼｯｸM" panose="020B0609000000000000" pitchFamily="49" charset="-128"/>
-                <a:ea typeface="HGｺﾞｼｯｸM" panose="020B0609000000000000" pitchFamily="49" charset="-128"/>
-              </a:rPr>
-              <a:t>JavaScript</a:t>
-            </a:r>
-          </a:p>
-          <a:p>
-            <a:pPr marL="0" indent="0">
-              <a:buNone/>
-            </a:pPr>
-            <a:r>
-              <a:rPr kumimoji="1" lang="ja-JP" altLang="en-US" dirty="0">
-                <a:latin typeface="HGｺﾞｼｯｸE" panose="020B0909000000000000" pitchFamily="49" charset="-128"/>
-                <a:ea typeface="HGｺﾞｼｯｸE" panose="020B0909000000000000" pitchFamily="49" charset="-128"/>
-              </a:rPr>
-              <a:t>苦労した点</a:t>
-            </a:r>
-            <a:endParaRPr kumimoji="1" lang="en-US" altLang="ja-JP" dirty="0">
-              <a:latin typeface="HGｺﾞｼｯｸE" panose="020B0909000000000000" pitchFamily="49" charset="-128"/>
-              <a:ea typeface="HGｺﾞｼｯｸE" panose="020B0909000000000000" pitchFamily="49" charset="-128"/>
-            </a:endParaRPr>
-          </a:p>
-          <a:p>
-            <a:pPr>
-              <a:buClr>
-                <a:schemeClr val="accent2">
-                  <a:lumMod val="75000"/>
-                </a:schemeClr>
-              </a:buClr>
-            </a:pPr>
-            <a:r>
-              <a:rPr lang="ja-JP" altLang="en-US" dirty="0">
-                <a:latin typeface="HGｺﾞｼｯｸM" panose="020B0609000000000000" pitchFamily="49" charset="-128"/>
-                <a:ea typeface="HGｺﾞｼｯｸM" panose="020B0609000000000000" pitchFamily="49" charset="-128"/>
-              </a:rPr>
-              <a:t>計画を立て、メンバーに仕事を割り振ること</a:t>
-            </a:r>
-            <a:endParaRPr lang="en-US" altLang="ja-JP" dirty="0">
-              <a:latin typeface="HGｺﾞｼｯｸM" panose="020B0609000000000000" pitchFamily="49" charset="-128"/>
-              <a:ea typeface="HGｺﾞｼｯｸM" panose="020B0609000000000000" pitchFamily="49" charset="-128"/>
-            </a:endParaRPr>
-          </a:p>
-          <a:p>
-            <a:pPr>
-              <a:buClr>
-                <a:schemeClr val="accent2">
-                  <a:lumMod val="75000"/>
-                </a:schemeClr>
-              </a:buClr>
-            </a:pPr>
-            <a:r>
-              <a:rPr lang="ja-JP" altLang="en-US" dirty="0">
-                <a:latin typeface="HGｺﾞｼｯｸM" panose="020B0609000000000000" pitchFamily="49" charset="-128"/>
-                <a:ea typeface="HGｺﾞｼｯｸM" panose="020B0609000000000000" pitchFamily="49" charset="-128"/>
-              </a:rPr>
-              <a:t>各メンバーの進捗確認</a:t>
-            </a:r>
-            <a:endParaRPr lang="en-US" altLang="ja-JP" dirty="0">
-              <a:latin typeface="HGｺﾞｼｯｸM" panose="020B0609000000000000" pitchFamily="49" charset="-128"/>
-              <a:ea typeface="HGｺﾞｼｯｸM" panose="020B0609000000000000" pitchFamily="49" charset="-128"/>
-            </a:endParaRPr>
-          </a:p>
-          <a:p>
-            <a:pPr>
-              <a:buClr>
-                <a:schemeClr val="accent2">
-                  <a:lumMod val="75000"/>
-                </a:schemeClr>
-              </a:buClr>
-            </a:pPr>
-            <a:r>
-              <a:rPr lang="ja-JP" altLang="en-US" dirty="0">
-                <a:latin typeface="HGｺﾞｼｯｸM" panose="020B0609000000000000" pitchFamily="49" charset="-128"/>
-                <a:ea typeface="HGｺﾞｼｯｸM" panose="020B0609000000000000" pitchFamily="49" charset="-128"/>
-              </a:rPr>
-              <a:t>習っていなかった</a:t>
-            </a:r>
-            <a:r>
-              <a:rPr lang="en-US" altLang="ja-JP" dirty="0">
-                <a:latin typeface="HGｺﾞｼｯｸM" panose="020B0609000000000000" pitchFamily="49" charset="-128"/>
-                <a:ea typeface="HGｺﾞｼｯｸM" panose="020B0609000000000000" pitchFamily="49" charset="-128"/>
-              </a:rPr>
-              <a:t>JavaScript</a:t>
-            </a:r>
-            <a:r>
-              <a:rPr lang="ja-JP" altLang="en-US" dirty="0">
-                <a:latin typeface="HGｺﾞｼｯｸM" panose="020B0609000000000000" pitchFamily="49" charset="-128"/>
-                <a:ea typeface="HGｺﾞｼｯｸM" panose="020B0609000000000000" pitchFamily="49" charset="-128"/>
-              </a:rPr>
-              <a:t>の技術</a:t>
-            </a:r>
-            <a:endParaRPr kumimoji="1" lang="en-US" altLang="ja-JP" dirty="0">
-              <a:latin typeface="HGｺﾞｼｯｸM" panose="020B0609000000000000" pitchFamily="49" charset="-128"/>
-              <a:ea typeface="HGｺﾞｼｯｸM" panose="020B0609000000000000" pitchFamily="49" charset="-128"/>
-            </a:endParaRPr>
-          </a:p>
-          <a:p>
-            <a:pPr marL="0" indent="0">
-              <a:buNone/>
-            </a:pPr>
-            <a:r>
-              <a:rPr kumimoji="1" lang="ja-JP" altLang="en-US" dirty="0">
-                <a:latin typeface="HGｺﾞｼｯｸE" panose="020B0909000000000000" pitchFamily="49" charset="-128"/>
-                <a:ea typeface="HGｺﾞｼｯｸE" panose="020B0909000000000000" pitchFamily="49" charset="-128"/>
-              </a:rPr>
-              <a:t>成果</a:t>
-            </a:r>
-            <a:endParaRPr kumimoji="1" lang="en-US" altLang="ja-JP" dirty="0">
-              <a:latin typeface="HGｺﾞｼｯｸE" panose="020B0909000000000000" pitchFamily="49" charset="-128"/>
-              <a:ea typeface="HGｺﾞｼｯｸE" panose="020B0909000000000000" pitchFamily="49" charset="-128"/>
-            </a:endParaRPr>
-          </a:p>
-          <a:p>
-            <a:pPr>
-              <a:buClr>
-                <a:schemeClr val="accent2">
-                  <a:lumMod val="75000"/>
-                </a:schemeClr>
-              </a:buClr>
-            </a:pPr>
-            <a:r>
-              <a:rPr kumimoji="1" lang="ja-JP" altLang="en-US" dirty="0">
-                <a:latin typeface="HGｺﾞｼｯｸM" panose="020B0609000000000000" pitchFamily="49" charset="-128"/>
-                <a:ea typeface="HGｺﾞｼｯｸM" panose="020B0609000000000000" pitchFamily="49" charset="-128"/>
-              </a:rPr>
-              <a:t>チームマネジメントの経験を積むことができた</a:t>
-            </a:r>
-            <a:endParaRPr kumimoji="1" lang="en-US" altLang="ja-JP" dirty="0">
-              <a:latin typeface="HGｺﾞｼｯｸM" panose="020B0609000000000000" pitchFamily="49" charset="-128"/>
-              <a:ea typeface="HGｺﾞｼｯｸM" panose="020B0609000000000000" pitchFamily="49" charset="-128"/>
-            </a:endParaRPr>
-          </a:p>
-          <a:p>
-            <a:pPr>
-              <a:buClr>
-                <a:schemeClr val="accent2">
-                  <a:lumMod val="75000"/>
-                </a:schemeClr>
-              </a:buClr>
-            </a:pPr>
-            <a:r>
-              <a:rPr kumimoji="1" lang="ja-JP" altLang="en-US" dirty="0">
-                <a:latin typeface="HGｺﾞｼｯｸM" panose="020B0609000000000000" pitchFamily="49" charset="-128"/>
-                <a:ea typeface="HGｺﾞｼｯｸM" panose="020B0609000000000000" pitchFamily="49" charset="-128"/>
-              </a:rPr>
-              <a:t>新しい技術（</a:t>
-            </a:r>
-            <a:r>
-              <a:rPr kumimoji="1" lang="en-US" altLang="ja-JP" dirty="0">
-                <a:latin typeface="HGｺﾞｼｯｸM" panose="020B0609000000000000" pitchFamily="49" charset="-128"/>
-                <a:ea typeface="HGｺﾞｼｯｸM" panose="020B0609000000000000" pitchFamily="49" charset="-128"/>
-              </a:rPr>
-              <a:t>JavaScript</a:t>
-            </a:r>
-            <a:r>
-              <a:rPr kumimoji="1" lang="ja-JP" altLang="en-US" dirty="0">
-                <a:latin typeface="HGｺﾞｼｯｸM" panose="020B0609000000000000" pitchFamily="49" charset="-128"/>
-                <a:ea typeface="HGｺﾞｼｯｸM" panose="020B0609000000000000" pitchFamily="49" charset="-128"/>
-              </a:rPr>
-              <a:t>等）を知ることができた</a:t>
-            </a:r>
-            <a:endParaRPr kumimoji="1" lang="en-US" altLang="ja-JP" dirty="0">
-              <a:latin typeface="HGｺﾞｼｯｸM" panose="020B0609000000000000" pitchFamily="49" charset="-128"/>
-              <a:ea typeface="HGｺﾞｼｯｸM" panose="020B0609000000000000" pitchFamily="49" charset="-128"/>
-            </a:endParaRPr>
-          </a:p>
-          <a:p>
-            <a:pPr>
-              <a:buClr>
-                <a:srgbClr val="FFA333"/>
-              </a:buClr>
-            </a:pPr>
-            <a:endParaRPr kumimoji="1" lang="ja-JP" altLang="en-US" dirty="0">
-              <a:latin typeface="HGｺﾞｼｯｸM" panose="020B0609000000000000" pitchFamily="49" charset="-128"/>
-              <a:ea typeface="HGｺﾞｼｯｸM" panose="020B0609000000000000" pitchFamily="49" charset="-128"/>
-            </a:endParaRPr>
-          </a:p>
-        </p:txBody>
-      </p:sp>
-      <p:sp>
-        <p:nvSpPr>
-          <p:cNvPr id="4" name="四角形: 角を丸くする 3">
-            <a:extLst>
-              <a:ext uri="{FF2B5EF4-FFF2-40B4-BE49-F238E27FC236}">
-                <a16:creationId xmlns:a16="http://schemas.microsoft.com/office/drawing/2014/main" id="{AF247C9C-C3E7-2294-3EBC-27311E4FB740}"/>
-              </a:ext>
-            </a:extLst>
-          </p:cNvPr>
-          <p:cNvSpPr/>
-          <p:nvPr/>
-        </p:nvSpPr>
-        <p:spPr>
-          <a:xfrm>
-            <a:off x="838200" y="195943"/>
-            <a:ext cx="10515600" cy="1209519"/>
-          </a:xfrm>
-          <a:prstGeom prst="roundRect">
-            <a:avLst/>
-          </a:prstGeom>
-          <a:solidFill>
-            <a:srgbClr val="FFA333"/>
-          </a:solidFill>
-          <a:ln w="38100">
-            <a:noFill/>
-          </a:ln>
-        </p:spPr>
-        <p:style>
-          <a:lnRef idx="2">
-            <a:schemeClr val="accent1">
-              <a:shade val="50000"/>
-            </a:schemeClr>
-          </a:lnRef>
-          <a:fillRef idx="1">
-            <a:schemeClr val="accent1"/>
-          </a:fillRef>
-          <a:effectRef idx="0">
-            <a:schemeClr val="accent1"/>
-          </a:effectRef>
-          <a:fontRef idx="minor">
-            <a:schemeClr val="lt1"/>
-          </a:fontRef>
-        </p:style>
-        <p:txBody>
-          <a:bodyPr rtlCol="0" anchor="ctr"/>
-          <a:lstStyle/>
-          <a:p>
-            <a:pPr marL="0" marR="0" lvl="0" indent="0" algn="l" defTabSz="914400" rtl="0" eaLnBrk="1" fontAlgn="auto" latinLnBrk="0" hangingPunct="1">
-              <a:lnSpc>
-                <a:spcPct val="100000"/>
-              </a:lnSpc>
-              <a:spcBef>
-                <a:spcPts val="0"/>
-              </a:spcBef>
-              <a:spcAft>
-                <a:spcPts val="0"/>
-              </a:spcAft>
-              <a:buClrTx/>
-              <a:buSzTx/>
-              <a:buFontTx/>
-              <a:buNone/>
-              <a:tabLst/>
-              <a:defRPr/>
-            </a:pPr>
-            <a:r>
-              <a:rPr lang="ja-JP" altLang="en-US" sz="4400" dirty="0">
-                <a:solidFill>
-                  <a:prstClr val="white"/>
-                </a:solidFill>
-                <a:latin typeface="HGｺﾞｼｯｸE" panose="020B0909000000000000" pitchFamily="49" charset="-128"/>
-                <a:ea typeface="HGｺﾞｼｯｸE" panose="020B0909000000000000" pitchFamily="49" charset="-128"/>
-              </a:rPr>
-              <a:t>髙林 隼仁</a:t>
-            </a:r>
-            <a:endParaRPr lang="en-US" altLang="ja-JP" sz="4400" dirty="0">
-              <a:solidFill>
-                <a:prstClr val="white"/>
-              </a:solidFill>
-              <a:latin typeface="HGｺﾞｼｯｸE" panose="020B0909000000000000" pitchFamily="49" charset="-128"/>
-              <a:ea typeface="HGｺﾞｼｯｸE" panose="020B0909000000000000" pitchFamily="49" charset="-128"/>
-            </a:endParaRPr>
-          </a:p>
-          <a:p>
-            <a:pPr lvl="0">
-              <a:defRPr/>
-            </a:pPr>
-            <a:r>
-              <a:rPr lang="ja-JP" altLang="en-US" sz="3600" dirty="0">
-                <a:solidFill>
-                  <a:prstClr val="white"/>
-                </a:solidFill>
-                <a:latin typeface="HGｺﾞｼｯｸE" panose="020B0909000000000000" pitchFamily="49" charset="-128"/>
-                <a:ea typeface="HGｺﾞｼｯｸE" panose="020B0909000000000000" pitchFamily="49" charset="-128"/>
-              </a:rPr>
-              <a:t>（知識工学株式会社</a:t>
-            </a:r>
-            <a:r>
-              <a:rPr kumimoji="1" lang="ja-JP" altLang="en-US" sz="3600" b="0" i="0" u="none" strike="noStrike" kern="1200" cap="none" spc="0" normalizeH="0" baseline="0" noProof="0" dirty="0">
-                <a:ln>
-                  <a:noFill/>
-                </a:ln>
-                <a:solidFill>
-                  <a:prstClr val="white"/>
-                </a:solidFill>
-                <a:effectLst/>
-                <a:uLnTx/>
-                <a:uFillTx/>
-                <a:latin typeface="HGｺﾞｼｯｸE" panose="020B0909000000000000" pitchFamily="49" charset="-128"/>
-                <a:ea typeface="HGｺﾞｼｯｸE" panose="020B0909000000000000" pitchFamily="49" charset="-128"/>
-                <a:cs typeface="+mn-cs"/>
-              </a:rPr>
-              <a:t>）</a:t>
-            </a:r>
-          </a:p>
-        </p:txBody>
-      </p:sp>
-    </p:spTree>
-    <p:extLst>
-      <p:ext uri="{BB962C8B-B14F-4D97-AF65-F5344CB8AC3E}">
-        <p14:creationId xmlns:p14="http://schemas.microsoft.com/office/powerpoint/2010/main" val="3087343357"/>
       </p:ext>
     </p:extLst>
   </p:cSld>
@@ -10506,6 +9856,416 @@
         </p:nvSpPr>
         <p:spPr>
           <a:xfrm>
+            <a:off x="838200" y="1534886"/>
+            <a:ext cx="10515600" cy="5127171"/>
+          </a:xfrm>
+        </p:spPr>
+        <p:txBody>
+          <a:bodyPr/>
+          <a:lstStyle/>
+          <a:p>
+            <a:pPr marL="0" indent="0">
+              <a:buNone/>
+            </a:pPr>
+            <a:r>
+              <a:rPr kumimoji="1" lang="ja-JP" altLang="en-US" dirty="0">
+                <a:latin typeface="HGｺﾞｼｯｸE" panose="020B0909000000000000" pitchFamily="49" charset="-128"/>
+                <a:ea typeface="HGｺﾞｼｯｸE" panose="020B0909000000000000" pitchFamily="49" charset="-128"/>
+              </a:rPr>
+              <a:t>担当</a:t>
+            </a:r>
+            <a:endParaRPr kumimoji="1" lang="en-US" altLang="ja-JP" dirty="0">
+              <a:latin typeface="HGｺﾞｼｯｸE" panose="020B0909000000000000" pitchFamily="49" charset="-128"/>
+              <a:ea typeface="HGｺﾞｼｯｸE" panose="020B0909000000000000" pitchFamily="49" charset="-128"/>
+            </a:endParaRPr>
+          </a:p>
+          <a:p>
+            <a:pPr>
+              <a:buClr>
+                <a:schemeClr val="accent2">
+                  <a:lumMod val="75000"/>
+                </a:schemeClr>
+              </a:buClr>
+            </a:pPr>
+            <a:r>
+              <a:rPr lang="ja-JP" altLang="en-US" dirty="0">
+                <a:latin typeface="HGｺﾞｼｯｸM" panose="020B0609000000000000" pitchFamily="49" charset="-128"/>
+                <a:ea typeface="HGｺﾞｼｯｸM" panose="020B0609000000000000" pitchFamily="49" charset="-128"/>
+              </a:rPr>
+              <a:t>チームリーダー</a:t>
+            </a:r>
+            <a:endParaRPr lang="en-US" altLang="ja-JP" dirty="0">
+              <a:latin typeface="HGｺﾞｼｯｸM" panose="020B0609000000000000" pitchFamily="49" charset="-128"/>
+              <a:ea typeface="HGｺﾞｼｯｸM" panose="020B0609000000000000" pitchFamily="49" charset="-128"/>
+            </a:endParaRPr>
+          </a:p>
+          <a:p>
+            <a:pPr>
+              <a:buClr>
+                <a:schemeClr val="accent2">
+                  <a:lumMod val="75000"/>
+                </a:schemeClr>
+              </a:buClr>
+            </a:pPr>
+            <a:r>
+              <a:rPr kumimoji="1" lang="en-US" altLang="ja-JP" dirty="0">
+                <a:latin typeface="HGｺﾞｼｯｸM" panose="020B0609000000000000" pitchFamily="49" charset="-128"/>
+                <a:ea typeface="HGｺﾞｼｯｸM" panose="020B0609000000000000" pitchFamily="49" charset="-128"/>
+              </a:rPr>
+              <a:t>Java</a:t>
+            </a:r>
+            <a:r>
+              <a:rPr kumimoji="1" lang="ja-JP" altLang="en-US" dirty="0">
+                <a:latin typeface="HGｺﾞｼｯｸM" panose="020B0609000000000000" pitchFamily="49" charset="-128"/>
+                <a:ea typeface="HGｺﾞｼｯｸM" panose="020B0609000000000000" pitchFamily="49" charset="-128"/>
+              </a:rPr>
+              <a:t>、</a:t>
+            </a:r>
+            <a:r>
+              <a:rPr lang="en-US" altLang="ja-JP" dirty="0">
+                <a:latin typeface="HGｺﾞｼｯｸM" panose="020B0609000000000000" pitchFamily="49" charset="-128"/>
+                <a:ea typeface="HGｺﾞｼｯｸM" panose="020B0609000000000000" pitchFamily="49" charset="-128"/>
+              </a:rPr>
+              <a:t>JavaScript</a:t>
+            </a:r>
+          </a:p>
+          <a:p>
+            <a:pPr marL="0" indent="0">
+              <a:buNone/>
+            </a:pPr>
+            <a:r>
+              <a:rPr kumimoji="1" lang="ja-JP" altLang="en-US" dirty="0">
+                <a:latin typeface="HGｺﾞｼｯｸE" panose="020B0909000000000000" pitchFamily="49" charset="-128"/>
+                <a:ea typeface="HGｺﾞｼｯｸE" panose="020B0909000000000000" pitchFamily="49" charset="-128"/>
+              </a:rPr>
+              <a:t>苦労した点</a:t>
+            </a:r>
+            <a:endParaRPr kumimoji="1" lang="en-US" altLang="ja-JP" dirty="0">
+              <a:latin typeface="HGｺﾞｼｯｸE" panose="020B0909000000000000" pitchFamily="49" charset="-128"/>
+              <a:ea typeface="HGｺﾞｼｯｸE" panose="020B0909000000000000" pitchFamily="49" charset="-128"/>
+            </a:endParaRPr>
+          </a:p>
+          <a:p>
+            <a:pPr>
+              <a:buClr>
+                <a:schemeClr val="accent2">
+                  <a:lumMod val="75000"/>
+                </a:schemeClr>
+              </a:buClr>
+            </a:pPr>
+            <a:r>
+              <a:rPr lang="ja-JP" altLang="en-US" dirty="0">
+                <a:latin typeface="HGｺﾞｼｯｸM" panose="020B0609000000000000" pitchFamily="49" charset="-128"/>
+                <a:ea typeface="HGｺﾞｼｯｸM" panose="020B0609000000000000" pitchFamily="49" charset="-128"/>
+              </a:rPr>
+              <a:t>計画を立て、メンバーに仕事を割り振ること</a:t>
+            </a:r>
+            <a:endParaRPr lang="en-US" altLang="ja-JP" dirty="0">
+              <a:latin typeface="HGｺﾞｼｯｸM" panose="020B0609000000000000" pitchFamily="49" charset="-128"/>
+              <a:ea typeface="HGｺﾞｼｯｸM" panose="020B0609000000000000" pitchFamily="49" charset="-128"/>
+            </a:endParaRPr>
+          </a:p>
+          <a:p>
+            <a:pPr>
+              <a:buClr>
+                <a:schemeClr val="accent2">
+                  <a:lumMod val="75000"/>
+                </a:schemeClr>
+              </a:buClr>
+            </a:pPr>
+            <a:r>
+              <a:rPr lang="ja-JP" altLang="en-US" dirty="0">
+                <a:latin typeface="HGｺﾞｼｯｸM" panose="020B0609000000000000" pitchFamily="49" charset="-128"/>
+                <a:ea typeface="HGｺﾞｼｯｸM" panose="020B0609000000000000" pitchFamily="49" charset="-128"/>
+              </a:rPr>
+              <a:t>各メンバーの進捗確認</a:t>
+            </a:r>
+            <a:endParaRPr lang="en-US" altLang="ja-JP" dirty="0">
+              <a:latin typeface="HGｺﾞｼｯｸM" panose="020B0609000000000000" pitchFamily="49" charset="-128"/>
+              <a:ea typeface="HGｺﾞｼｯｸM" panose="020B0609000000000000" pitchFamily="49" charset="-128"/>
+            </a:endParaRPr>
+          </a:p>
+          <a:p>
+            <a:pPr>
+              <a:buClr>
+                <a:schemeClr val="accent2">
+                  <a:lumMod val="75000"/>
+                </a:schemeClr>
+              </a:buClr>
+            </a:pPr>
+            <a:r>
+              <a:rPr lang="ja-JP" altLang="en-US" dirty="0">
+                <a:latin typeface="HGｺﾞｼｯｸM" panose="020B0609000000000000" pitchFamily="49" charset="-128"/>
+                <a:ea typeface="HGｺﾞｼｯｸM" panose="020B0609000000000000" pitchFamily="49" charset="-128"/>
+              </a:rPr>
+              <a:t>習っていなかった</a:t>
+            </a:r>
+            <a:r>
+              <a:rPr lang="en-US" altLang="ja-JP" dirty="0">
+                <a:latin typeface="HGｺﾞｼｯｸM" panose="020B0609000000000000" pitchFamily="49" charset="-128"/>
+                <a:ea typeface="HGｺﾞｼｯｸM" panose="020B0609000000000000" pitchFamily="49" charset="-128"/>
+              </a:rPr>
+              <a:t>JavaScript</a:t>
+            </a:r>
+            <a:r>
+              <a:rPr lang="ja-JP" altLang="en-US" dirty="0">
+                <a:latin typeface="HGｺﾞｼｯｸM" panose="020B0609000000000000" pitchFamily="49" charset="-128"/>
+                <a:ea typeface="HGｺﾞｼｯｸM" panose="020B0609000000000000" pitchFamily="49" charset="-128"/>
+              </a:rPr>
+              <a:t>の技術</a:t>
+            </a:r>
+            <a:endParaRPr kumimoji="1" lang="en-US" altLang="ja-JP" dirty="0">
+              <a:latin typeface="HGｺﾞｼｯｸM" panose="020B0609000000000000" pitchFamily="49" charset="-128"/>
+              <a:ea typeface="HGｺﾞｼｯｸM" panose="020B0609000000000000" pitchFamily="49" charset="-128"/>
+            </a:endParaRPr>
+          </a:p>
+          <a:p>
+            <a:pPr marL="0" indent="0">
+              <a:buNone/>
+            </a:pPr>
+            <a:r>
+              <a:rPr kumimoji="1" lang="ja-JP" altLang="en-US" dirty="0">
+                <a:latin typeface="HGｺﾞｼｯｸE" panose="020B0909000000000000" pitchFamily="49" charset="-128"/>
+                <a:ea typeface="HGｺﾞｼｯｸE" panose="020B0909000000000000" pitchFamily="49" charset="-128"/>
+              </a:rPr>
+              <a:t>成果</a:t>
+            </a:r>
+            <a:endParaRPr kumimoji="1" lang="en-US" altLang="ja-JP" dirty="0">
+              <a:latin typeface="HGｺﾞｼｯｸE" panose="020B0909000000000000" pitchFamily="49" charset="-128"/>
+              <a:ea typeface="HGｺﾞｼｯｸE" panose="020B0909000000000000" pitchFamily="49" charset="-128"/>
+            </a:endParaRPr>
+          </a:p>
+          <a:p>
+            <a:pPr>
+              <a:buClr>
+                <a:schemeClr val="accent2">
+                  <a:lumMod val="75000"/>
+                </a:schemeClr>
+              </a:buClr>
+            </a:pPr>
+            <a:r>
+              <a:rPr kumimoji="1" lang="ja-JP" altLang="en-US" dirty="0">
+                <a:latin typeface="HGｺﾞｼｯｸM" panose="020B0609000000000000" pitchFamily="49" charset="-128"/>
+                <a:ea typeface="HGｺﾞｼｯｸM" panose="020B0609000000000000" pitchFamily="49" charset="-128"/>
+              </a:rPr>
+              <a:t>チームマネジメントの経験を積むことができた</a:t>
+            </a:r>
+            <a:endParaRPr kumimoji="1" lang="en-US" altLang="ja-JP" dirty="0">
+              <a:latin typeface="HGｺﾞｼｯｸM" panose="020B0609000000000000" pitchFamily="49" charset="-128"/>
+              <a:ea typeface="HGｺﾞｼｯｸM" panose="020B0609000000000000" pitchFamily="49" charset="-128"/>
+            </a:endParaRPr>
+          </a:p>
+          <a:p>
+            <a:pPr>
+              <a:buClr>
+                <a:schemeClr val="accent2">
+                  <a:lumMod val="75000"/>
+                </a:schemeClr>
+              </a:buClr>
+            </a:pPr>
+            <a:r>
+              <a:rPr kumimoji="1" lang="ja-JP" altLang="en-US" dirty="0">
+                <a:latin typeface="HGｺﾞｼｯｸM" panose="020B0609000000000000" pitchFamily="49" charset="-128"/>
+                <a:ea typeface="HGｺﾞｼｯｸM" panose="020B0609000000000000" pitchFamily="49" charset="-128"/>
+              </a:rPr>
+              <a:t>新しい技術（</a:t>
+            </a:r>
+            <a:r>
+              <a:rPr kumimoji="1" lang="en-US" altLang="ja-JP" dirty="0">
+                <a:latin typeface="HGｺﾞｼｯｸM" panose="020B0609000000000000" pitchFamily="49" charset="-128"/>
+                <a:ea typeface="HGｺﾞｼｯｸM" panose="020B0609000000000000" pitchFamily="49" charset="-128"/>
+              </a:rPr>
+              <a:t>JavaScript</a:t>
+            </a:r>
+            <a:r>
+              <a:rPr kumimoji="1" lang="ja-JP" altLang="en-US" dirty="0">
+                <a:latin typeface="HGｺﾞｼｯｸM" panose="020B0609000000000000" pitchFamily="49" charset="-128"/>
+                <a:ea typeface="HGｺﾞｼｯｸM" panose="020B0609000000000000" pitchFamily="49" charset="-128"/>
+              </a:rPr>
+              <a:t>等）を知ることができた</a:t>
+            </a:r>
+            <a:endParaRPr kumimoji="1" lang="en-US" altLang="ja-JP" dirty="0">
+              <a:latin typeface="HGｺﾞｼｯｸM" panose="020B0609000000000000" pitchFamily="49" charset="-128"/>
+              <a:ea typeface="HGｺﾞｼｯｸM" panose="020B0609000000000000" pitchFamily="49" charset="-128"/>
+            </a:endParaRPr>
+          </a:p>
+          <a:p>
+            <a:pPr>
+              <a:buClr>
+                <a:srgbClr val="FFA333"/>
+              </a:buClr>
+            </a:pPr>
+            <a:endParaRPr kumimoji="1" lang="ja-JP" altLang="en-US" dirty="0">
+              <a:latin typeface="HGｺﾞｼｯｸM" panose="020B0609000000000000" pitchFamily="49" charset="-128"/>
+              <a:ea typeface="HGｺﾞｼｯｸM" panose="020B0609000000000000" pitchFamily="49" charset="-128"/>
+            </a:endParaRPr>
+          </a:p>
+        </p:txBody>
+      </p:sp>
+      <p:sp>
+        <p:nvSpPr>
+          <p:cNvPr id="4" name="四角形: 角を丸くする 3">
+            <a:extLst>
+              <a:ext uri="{FF2B5EF4-FFF2-40B4-BE49-F238E27FC236}">
+                <a16:creationId xmlns:a16="http://schemas.microsoft.com/office/drawing/2014/main" id="{AF247C9C-C3E7-2294-3EBC-27311E4FB740}"/>
+              </a:ext>
+            </a:extLst>
+          </p:cNvPr>
+          <p:cNvSpPr/>
+          <p:nvPr/>
+        </p:nvSpPr>
+        <p:spPr>
+          <a:xfrm>
+            <a:off x="838200" y="195943"/>
+            <a:ext cx="10515600" cy="1209519"/>
+          </a:xfrm>
+          <a:prstGeom prst="roundRect">
+            <a:avLst/>
+          </a:prstGeom>
+          <a:solidFill>
+            <a:srgbClr val="FFA333"/>
+          </a:solidFill>
+          <a:ln w="38100">
+            <a:noFill/>
+          </a:ln>
+        </p:spPr>
+        <p:style>
+          <a:lnRef idx="2">
+            <a:schemeClr val="accent1">
+              <a:shade val="50000"/>
+            </a:schemeClr>
+          </a:lnRef>
+          <a:fillRef idx="1">
+            <a:schemeClr val="accent1"/>
+          </a:fillRef>
+          <a:effectRef idx="0">
+            <a:schemeClr val="accent1"/>
+          </a:effectRef>
+          <a:fontRef idx="minor">
+            <a:schemeClr val="lt1"/>
+          </a:fontRef>
+        </p:style>
+        <p:txBody>
+          <a:bodyPr rtlCol="0" anchor="ctr"/>
+          <a:lstStyle/>
+          <a:p>
+            <a:pPr marL="0" marR="0" lvl="0" indent="0" algn="l" defTabSz="914400" rtl="0" eaLnBrk="1" fontAlgn="auto" latinLnBrk="0" hangingPunct="1">
+              <a:lnSpc>
+                <a:spcPct val="100000"/>
+              </a:lnSpc>
+              <a:spcBef>
+                <a:spcPts val="0"/>
+              </a:spcBef>
+              <a:spcAft>
+                <a:spcPts val="0"/>
+              </a:spcAft>
+              <a:buClrTx/>
+              <a:buSzTx/>
+              <a:buFontTx/>
+              <a:buNone/>
+              <a:tabLst/>
+              <a:defRPr/>
+            </a:pPr>
+            <a:r>
+              <a:rPr lang="ja-JP" altLang="en-US" sz="4400" dirty="0">
+                <a:solidFill>
+                  <a:prstClr val="white"/>
+                </a:solidFill>
+                <a:latin typeface="HGｺﾞｼｯｸE" panose="020B0909000000000000" pitchFamily="49" charset="-128"/>
+                <a:ea typeface="HGｺﾞｼｯｸE" panose="020B0909000000000000" pitchFamily="49" charset="-128"/>
+              </a:rPr>
+              <a:t>髙林 隼仁</a:t>
+            </a:r>
+            <a:endParaRPr lang="en-US" altLang="ja-JP" sz="4400" dirty="0">
+              <a:solidFill>
+                <a:prstClr val="white"/>
+              </a:solidFill>
+              <a:latin typeface="HGｺﾞｼｯｸE" panose="020B0909000000000000" pitchFamily="49" charset="-128"/>
+              <a:ea typeface="HGｺﾞｼｯｸE" panose="020B0909000000000000" pitchFamily="49" charset="-128"/>
+            </a:endParaRPr>
+          </a:p>
+          <a:p>
+            <a:pPr lvl="0">
+              <a:defRPr/>
+            </a:pPr>
+            <a:r>
+              <a:rPr lang="ja-JP" altLang="en-US" sz="3600" dirty="0">
+                <a:solidFill>
+                  <a:prstClr val="white"/>
+                </a:solidFill>
+                <a:latin typeface="HGｺﾞｼｯｸE" panose="020B0909000000000000" pitchFamily="49" charset="-128"/>
+                <a:ea typeface="HGｺﾞｼｯｸE" panose="020B0909000000000000" pitchFamily="49" charset="-128"/>
+              </a:rPr>
+              <a:t>（知識工学株式会社</a:t>
+            </a:r>
+            <a:r>
+              <a:rPr kumimoji="1" lang="ja-JP" altLang="en-US" sz="3600" b="0" i="0" u="none" strike="noStrike" kern="1200" cap="none" spc="0" normalizeH="0" baseline="0" noProof="0" dirty="0">
+                <a:ln>
+                  <a:noFill/>
+                </a:ln>
+                <a:solidFill>
+                  <a:prstClr val="white"/>
+                </a:solidFill>
+                <a:effectLst/>
+                <a:uLnTx/>
+                <a:uFillTx/>
+                <a:latin typeface="HGｺﾞｼｯｸE" panose="020B0909000000000000" pitchFamily="49" charset="-128"/>
+                <a:ea typeface="HGｺﾞｼｯｸE" panose="020B0909000000000000" pitchFamily="49" charset="-128"/>
+                <a:cs typeface="+mn-cs"/>
+              </a:rPr>
+              <a:t>）</a:t>
+            </a:r>
+          </a:p>
+        </p:txBody>
+      </p:sp>
+    </p:spTree>
+    <p:extLst>
+      <p:ext uri="{BB962C8B-B14F-4D97-AF65-F5344CB8AC3E}">
+        <p14:creationId xmlns:p14="http://schemas.microsoft.com/office/powerpoint/2010/main" val="3087343357"/>
+      </p:ext>
+    </p:extLst>
+  </p:cSld>
+  <p:clrMapOvr>
+    <a:masterClrMapping/>
+  </p:clrMapOvr>
+</p:sld>
+</file>
+
+<file path=ppt/slides/slide21.xml><?xml version="1.0" encoding="utf-8"?>
+<p:sld xmlns:a="http://schemas.openxmlformats.org/drawingml/2006/main" xmlns:r="http://schemas.openxmlformats.org/officeDocument/2006/relationships" xmlns:p="http://schemas.openxmlformats.org/presentationml/2006/main">
+  <p:cSld>
+    <p:spTree>
+      <p:nvGrpSpPr>
+        <p:cNvPr id="1" name=""/>
+        <p:cNvGrpSpPr/>
+        <p:nvPr/>
+      </p:nvGrpSpPr>
+      <p:grpSpPr>
+        <a:xfrm>
+          <a:off x="0" y="0"/>
+          <a:ext cx="0" cy="0"/>
+          <a:chOff x="0" y="0"/>
+          <a:chExt cx="0" cy="0"/>
+        </a:xfrm>
+      </p:grpSpPr>
+      <p:sp>
+        <p:nvSpPr>
+          <p:cNvPr id="3" name="コンテンツ プレースホルダー 2">
+            <a:extLst>
+              <a:ext uri="{FF2B5EF4-FFF2-40B4-BE49-F238E27FC236}">
+                <a16:creationId xmlns:a16="http://schemas.microsoft.com/office/drawing/2014/main" id="{CC96BA86-5DEC-0C8A-0D37-9901BCB94BED}"/>
+              </a:ext>
+            </a:extLst>
+          </p:cNvPr>
+          <p:cNvSpPr>
+            <a:spLocks noGrp="1"/>
+          </p:cNvSpPr>
+          <p:nvPr>
+            <p:ph idx="1"/>
+          </p:nvPr>
+        </p:nvSpPr>
+        <p:spPr>
+          <a:xfrm>
             <a:off x="838200" y="1825625"/>
             <a:ext cx="10515600" cy="4836432"/>
           </a:xfrm>
@@ -10884,7 +10644,7 @@
 </p:sld>
 </file>
 
-<file path=ppt/slides/slide21.xml><?xml version="1.0" encoding="utf-8"?>
+<file path=ppt/slides/slide22.xml><?xml version="1.0" encoding="utf-8"?>
 <p:sld xmlns:a="http://schemas.openxmlformats.org/drawingml/2006/main" xmlns:r="http://schemas.openxmlformats.org/officeDocument/2006/relationships" xmlns:p="http://schemas.openxmlformats.org/presentationml/2006/main">
   <p:cSld>
     <p:spTree>
@@ -11261,7 +11021,7 @@
 </p:sld>
 </file>
 
-<file path=ppt/slides/slide22.xml><?xml version="1.0" encoding="utf-8"?>
+<file path=ppt/slides/slide23.xml><?xml version="1.0" encoding="utf-8"?>
 <p:sld xmlns:a="http://schemas.openxmlformats.org/drawingml/2006/main" xmlns:r="http://schemas.openxmlformats.org/officeDocument/2006/relationships" xmlns:p="http://schemas.openxmlformats.org/presentationml/2006/main">
   <p:cSld>
     <p:spTree>
@@ -11636,7 +11396,7 @@
 </p:sld>
 </file>
 
-<file path=ppt/slides/slide23.xml><?xml version="1.0" encoding="utf-8"?>
+<file path=ppt/slides/slide24.xml><?xml version="1.0" encoding="utf-8"?>
 <p:sld xmlns:a="http://schemas.openxmlformats.org/drawingml/2006/main" xmlns:r="http://schemas.openxmlformats.org/officeDocument/2006/relationships" xmlns:p="http://schemas.openxmlformats.org/presentationml/2006/main">
   <p:cSld>
     <p:spTree>
@@ -12037,7 +11797,7 @@
 </p:sld>
 </file>
 
-<file path=ppt/slides/slide24.xml><?xml version="1.0" encoding="utf-8"?>
+<file path=ppt/slides/slide25.xml><?xml version="1.0" encoding="utf-8"?>
 <p:sld xmlns:a="http://schemas.openxmlformats.org/drawingml/2006/main" xmlns:r="http://schemas.openxmlformats.org/officeDocument/2006/relationships" xmlns:p="http://schemas.openxmlformats.org/presentationml/2006/main">
   <p:cSld>
     <p:spTree>
@@ -12140,7 +11900,7 @@
 </p:sld>
 </file>
 
-<file path=ppt/slides/slide25.xml><?xml version="1.0" encoding="utf-8"?>
+<file path=ppt/slides/slide26.xml><?xml version="1.0" encoding="utf-8"?>
 <p:sld xmlns:a="http://schemas.openxmlformats.org/drawingml/2006/main" xmlns:r="http://schemas.openxmlformats.org/officeDocument/2006/relationships" xmlns:p="http://schemas.openxmlformats.org/presentationml/2006/main">
   <p:cSld>
     <p:spTree>
@@ -13124,8 +12884,8 @@
         </p:nvSpPr>
         <p:spPr>
           <a:xfrm>
-            <a:off x="965536" y="2470577"/>
-            <a:ext cx="10388264" cy="900256"/>
+            <a:off x="965536" y="2470576"/>
+            <a:ext cx="10388264" cy="713163"/>
           </a:xfrm>
           <a:prstGeom prst="rect">
             <a:avLst/>
@@ -13176,8 +12936,8 @@
         </p:nvSpPr>
         <p:spPr>
           <a:xfrm>
-            <a:off x="965536" y="2459504"/>
-            <a:ext cx="10388264" cy="830997"/>
+            <a:off x="965536" y="2602222"/>
+            <a:ext cx="10388264" cy="461665"/>
           </a:xfrm>
           <a:prstGeom prst="rect">
             <a:avLst/>
@@ -13195,20 +12955,7 @@
                 <a:latin typeface="HGｺﾞｼｯｸM" panose="020B0609000000000000" pitchFamily="49" charset="-128"/>
                 <a:ea typeface="HGｺﾞｼｯｸM" panose="020B0609000000000000" pitchFamily="49" charset="-128"/>
               </a:rPr>
-              <a:t>ゲームやアニメなどのキャラクターが好きな新入社員を</a:t>
-            </a:r>
-            <a:endParaRPr lang="en-US" altLang="ja-JP" sz="2400" dirty="0">
-              <a:latin typeface="HGｺﾞｼｯｸM" panose="020B0609000000000000" pitchFamily="49" charset="-128"/>
-              <a:ea typeface="HGｺﾞｼｯｸM" panose="020B0609000000000000" pitchFamily="49" charset="-128"/>
-            </a:endParaRPr>
-          </a:p>
-          <a:p>
-            <a:r>
-              <a:rPr lang="ja-JP" altLang="en-US" sz="2400" dirty="0">
-                <a:latin typeface="HGｺﾞｼｯｸM" panose="020B0609000000000000" pitchFamily="49" charset="-128"/>
-                <a:ea typeface="HGｺﾞｼｯｸM" panose="020B0609000000000000" pitchFamily="49" charset="-128"/>
-              </a:rPr>
-              <a:t>想定利用者としている。</a:t>
+              <a:t>ゲームやアニメなどのキャラクターが好きな新入社員</a:t>
             </a:r>
             <a:endParaRPr lang="en-US" altLang="ja-JP" sz="2400" dirty="0">
               <a:latin typeface="HGｺﾞｼｯｸM" panose="020B0609000000000000" pitchFamily="49" charset="-128"/>
@@ -14287,66 +14034,6 @@
           <a:chExt cx="0" cy="0"/>
         </a:xfrm>
       </p:grpSpPr>
-      <p:sp>
-        <p:nvSpPr>
-          <p:cNvPr id="13" name="楕円 12">
-            <a:extLst>
-              <a:ext uri="{FF2B5EF4-FFF2-40B4-BE49-F238E27FC236}">
-                <a16:creationId xmlns:a16="http://schemas.microsoft.com/office/drawing/2014/main" id="{D41DBB94-1238-13FD-C90A-C4111FB8F82D}"/>
-              </a:ext>
-            </a:extLst>
-          </p:cNvPr>
-          <p:cNvSpPr/>
-          <p:nvPr/>
-        </p:nvSpPr>
-        <p:spPr>
-          <a:xfrm>
-            <a:off x="9977857" y="1770169"/>
-            <a:ext cx="2133512" cy="774868"/>
-          </a:xfrm>
-          <a:prstGeom prst="ellipse">
-            <a:avLst/>
-          </a:prstGeom>
-          <a:solidFill>
-            <a:schemeClr val="accent2"/>
-          </a:solidFill>
-          <a:ln>
-            <a:solidFill>
-              <a:schemeClr val="bg1"/>
-            </a:solidFill>
-          </a:ln>
-        </p:spPr>
-        <p:style>
-          <a:lnRef idx="2">
-            <a:schemeClr val="accent1">
-              <a:shade val="50000"/>
-            </a:schemeClr>
-          </a:lnRef>
-          <a:fillRef idx="1">
-            <a:schemeClr val="accent1"/>
-          </a:fillRef>
-          <a:effectRef idx="0">
-            <a:schemeClr val="accent1"/>
-          </a:effectRef>
-          <a:fontRef idx="minor">
-            <a:schemeClr val="lt1"/>
-          </a:fontRef>
-        </p:style>
-        <p:txBody>
-          <a:bodyPr rtlCol="0" anchor="ctr"/>
-          <a:lstStyle/>
-          <a:p>
-            <a:pPr algn="ctr"/>
-            <a:r>
-              <a:rPr kumimoji="1" lang="ja-JP" altLang="en-US" sz="2000" dirty="0">
-                <a:latin typeface="HGｺﾞｼｯｸE" panose="020B0909000000000000" pitchFamily="49" charset="-128"/>
-                <a:ea typeface="HGｺﾞｼｯｸE" panose="020B0909000000000000" pitchFamily="49" charset="-128"/>
-              </a:rPr>
-              <a:t>メイン画面</a:t>
-            </a:r>
-          </a:p>
-        </p:txBody>
-      </p:sp>
       <p:pic>
         <p:nvPicPr>
           <p:cNvPr id="8" name="図 7">
@@ -14571,302 +14258,6 @@
       </p:sp>
       <p:sp>
         <p:nvSpPr>
-          <p:cNvPr id="12" name="四角形: 角を丸くする 11">
-            <a:extLst>
-              <a:ext uri="{FF2B5EF4-FFF2-40B4-BE49-F238E27FC236}">
-                <a16:creationId xmlns:a16="http://schemas.microsoft.com/office/drawing/2014/main" id="{A9F64B82-9F4A-73A3-2770-34B4225D819B}"/>
-              </a:ext>
-            </a:extLst>
-          </p:cNvPr>
-          <p:cNvSpPr/>
-          <p:nvPr/>
-        </p:nvSpPr>
-        <p:spPr>
-          <a:xfrm>
-            <a:off x="10128963" y="2541322"/>
-            <a:ext cx="1024771" cy="475213"/>
-          </a:xfrm>
-          <a:prstGeom prst="roundRect">
-            <a:avLst/>
-          </a:prstGeom>
-          <a:noFill/>
-          <a:ln w="38100">
-            <a:solidFill>
-              <a:srgbClr val="FF0000"/>
-            </a:solidFill>
-          </a:ln>
-        </p:spPr>
-        <p:style>
-          <a:lnRef idx="2">
-            <a:schemeClr val="accent1">
-              <a:shade val="50000"/>
-            </a:schemeClr>
-          </a:lnRef>
-          <a:fillRef idx="1">
-            <a:schemeClr val="accent1"/>
-          </a:fillRef>
-          <a:effectRef idx="0">
-            <a:schemeClr val="accent1"/>
-          </a:effectRef>
-          <a:fontRef idx="minor">
-            <a:schemeClr val="lt1"/>
-          </a:fontRef>
-        </p:style>
-        <p:txBody>
-          <a:bodyPr rtlCol="0" anchor="ctr"/>
-          <a:lstStyle/>
-          <a:p>
-            <a:pPr algn="ctr"/>
-            <a:endParaRPr kumimoji="1" lang="ja-JP" altLang="en-US"/>
-          </a:p>
-        </p:txBody>
-      </p:sp>
-      <p:sp>
-        <p:nvSpPr>
-          <p:cNvPr id="14" name="四角形: 角を丸くする 13">
-            <a:extLst>
-              <a:ext uri="{FF2B5EF4-FFF2-40B4-BE49-F238E27FC236}">
-                <a16:creationId xmlns:a16="http://schemas.microsoft.com/office/drawing/2014/main" id="{DE42E081-3729-05F3-FABE-9B3B98400546}"/>
-              </a:ext>
-            </a:extLst>
-          </p:cNvPr>
-          <p:cNvSpPr/>
-          <p:nvPr/>
-        </p:nvSpPr>
-        <p:spPr>
-          <a:xfrm>
-            <a:off x="8635735" y="4735841"/>
-            <a:ext cx="1040933" cy="1070079"/>
-          </a:xfrm>
-          <a:prstGeom prst="roundRect">
-            <a:avLst/>
-          </a:prstGeom>
-          <a:noFill/>
-          <a:ln w="38100">
-            <a:solidFill>
-              <a:srgbClr val="FF0000"/>
-            </a:solidFill>
-          </a:ln>
-        </p:spPr>
-        <p:style>
-          <a:lnRef idx="2">
-            <a:schemeClr val="accent1">
-              <a:shade val="50000"/>
-            </a:schemeClr>
-          </a:lnRef>
-          <a:fillRef idx="1">
-            <a:schemeClr val="accent1"/>
-          </a:fillRef>
-          <a:effectRef idx="0">
-            <a:schemeClr val="accent1"/>
-          </a:effectRef>
-          <a:fontRef idx="minor">
-            <a:schemeClr val="lt1"/>
-          </a:fontRef>
-        </p:style>
-        <p:txBody>
-          <a:bodyPr rtlCol="0" anchor="ctr"/>
-          <a:lstStyle/>
-          <a:p>
-            <a:pPr algn="ctr"/>
-            <a:endParaRPr kumimoji="1" lang="ja-JP" altLang="en-US"/>
-          </a:p>
-        </p:txBody>
-      </p:sp>
-      <p:sp>
-        <p:nvSpPr>
-          <p:cNvPr id="17" name="矢印: 五方向 16">
-            <a:extLst>
-              <a:ext uri="{FF2B5EF4-FFF2-40B4-BE49-F238E27FC236}">
-                <a16:creationId xmlns:a16="http://schemas.microsoft.com/office/drawing/2014/main" id="{FDB2FC5B-2333-06AB-C228-E6222EA08114}"/>
-              </a:ext>
-            </a:extLst>
-          </p:cNvPr>
-          <p:cNvSpPr/>
-          <p:nvPr/>
-        </p:nvSpPr>
-        <p:spPr>
-          <a:xfrm>
-            <a:off x="6433698" y="5024142"/>
-            <a:ext cx="2295267" cy="584168"/>
-          </a:xfrm>
-          <a:prstGeom prst="homePlate">
-            <a:avLst/>
-          </a:prstGeom>
-          <a:solidFill>
-            <a:schemeClr val="accent4">
-              <a:lumMod val="40000"/>
-              <a:lumOff val="60000"/>
-            </a:schemeClr>
-          </a:solidFill>
-          <a:ln>
-            <a:solidFill>
-              <a:schemeClr val="bg1"/>
-            </a:solidFill>
-          </a:ln>
-        </p:spPr>
-        <p:style>
-          <a:lnRef idx="2">
-            <a:schemeClr val="accent1">
-              <a:shade val="50000"/>
-            </a:schemeClr>
-          </a:lnRef>
-          <a:fillRef idx="1">
-            <a:schemeClr val="accent1"/>
-          </a:fillRef>
-          <a:effectRef idx="0">
-            <a:schemeClr val="accent1"/>
-          </a:effectRef>
-          <a:fontRef idx="minor">
-            <a:schemeClr val="lt1"/>
-          </a:fontRef>
-        </p:style>
-        <p:txBody>
-          <a:bodyPr rtlCol="0" anchor="ctr"/>
-          <a:lstStyle/>
-          <a:p>
-            <a:pPr algn="ctr"/>
-            <a:r>
-              <a:rPr kumimoji="1" lang="ja-JP" altLang="en-US" sz="2400" dirty="0">
-                <a:solidFill>
-                  <a:schemeClr val="accent2">
-                    <a:lumMod val="75000"/>
-                  </a:schemeClr>
-                </a:solidFill>
-              </a:rPr>
-              <a:t>キャラクター</a:t>
-            </a:r>
-          </a:p>
-        </p:txBody>
-      </p:sp>
-      <p:grpSp>
-        <p:nvGrpSpPr>
-          <p:cNvPr id="5" name="グループ化 4">
-            <a:extLst>
-              <a:ext uri="{FF2B5EF4-FFF2-40B4-BE49-F238E27FC236}">
-                <a16:creationId xmlns:a16="http://schemas.microsoft.com/office/drawing/2014/main" id="{6BD2F98A-045E-092A-CCA3-80E26A75DA43}"/>
-              </a:ext>
-            </a:extLst>
-          </p:cNvPr>
-          <p:cNvGrpSpPr/>
-          <p:nvPr/>
-        </p:nvGrpSpPr>
-        <p:grpSpPr>
-          <a:xfrm rot="10800000">
-            <a:off x="9854755" y="2964243"/>
-            <a:ext cx="1499045" cy="929514"/>
-            <a:chOff x="7081167" y="1361168"/>
-            <a:chExt cx="1654563" cy="1070079"/>
-          </a:xfrm>
-        </p:grpSpPr>
-        <p:sp>
-          <p:nvSpPr>
-            <p:cNvPr id="18" name="矢印: 五方向 17">
-              <a:extLst>
-                <a:ext uri="{FF2B5EF4-FFF2-40B4-BE49-F238E27FC236}">
-                  <a16:creationId xmlns:a16="http://schemas.microsoft.com/office/drawing/2014/main" id="{00A53625-2C47-BAAE-6D71-3DB0B44C2E0D}"/>
-                </a:ext>
-              </a:extLst>
-            </p:cNvPr>
-            <p:cNvSpPr/>
-            <p:nvPr/>
-          </p:nvSpPr>
-          <p:spPr>
-            <a:xfrm rot="5400000">
-              <a:off x="7373409" y="1068926"/>
-              <a:ext cx="1070079" cy="1654563"/>
-            </a:xfrm>
-            <a:prstGeom prst="homePlate">
-              <a:avLst/>
-            </a:prstGeom>
-            <a:solidFill>
-              <a:schemeClr val="accent4">
-                <a:lumMod val="40000"/>
-                <a:lumOff val="60000"/>
-              </a:schemeClr>
-            </a:solidFill>
-            <a:ln>
-              <a:solidFill>
-                <a:schemeClr val="bg1"/>
-              </a:solidFill>
-            </a:ln>
-          </p:spPr>
-          <p:style>
-            <a:lnRef idx="2">
-              <a:schemeClr val="accent1">
-                <a:shade val="50000"/>
-              </a:schemeClr>
-            </a:lnRef>
-            <a:fillRef idx="1">
-              <a:schemeClr val="accent1"/>
-            </a:fillRef>
-            <a:effectRef idx="0">
-              <a:schemeClr val="accent1"/>
-            </a:effectRef>
-            <a:fontRef idx="minor">
-              <a:schemeClr val="lt1"/>
-            </a:fontRef>
-          </p:style>
-          <p:txBody>
-            <a:bodyPr rtlCol="0" anchor="ctr"/>
-            <a:lstStyle/>
-            <a:p>
-              <a:pPr algn="ctr"/>
-              <a:endParaRPr kumimoji="1" lang="ja-JP" altLang="en-US" sz="2400" dirty="0">
-                <a:solidFill>
-                  <a:schemeClr val="accent2">
-                    <a:lumMod val="75000"/>
-                  </a:schemeClr>
-                </a:solidFill>
-              </a:endParaRPr>
-            </a:p>
-          </p:txBody>
-        </p:sp>
-        <p:sp>
-          <p:nvSpPr>
-            <p:cNvPr id="19" name="テキスト ボックス 18">
-              <a:extLst>
-                <a:ext uri="{FF2B5EF4-FFF2-40B4-BE49-F238E27FC236}">
-                  <a16:creationId xmlns:a16="http://schemas.microsoft.com/office/drawing/2014/main" id="{1A8A898B-2CF1-44D5-A6EE-70AAE3F9F0EE}"/>
-                </a:ext>
-              </a:extLst>
-            </p:cNvPr>
-            <p:cNvSpPr txBox="1"/>
-            <p:nvPr/>
-          </p:nvSpPr>
-          <p:spPr>
-            <a:xfrm rot="10800000">
-              <a:off x="7262271" y="1510950"/>
-              <a:ext cx="1292358" cy="461665"/>
-            </a:xfrm>
-            <a:prstGeom prst="rect">
-              <a:avLst/>
-            </a:prstGeom>
-            <a:noFill/>
-          </p:spPr>
-          <p:txBody>
-            <a:bodyPr wrap="square" rtlCol="0">
-              <a:spAutoFit/>
-            </a:bodyPr>
-            <a:lstStyle/>
-            <a:p>
-              <a:pPr algn="ctr"/>
-              <a:r>
-                <a:rPr lang="ja-JP" altLang="en-US" sz="2400" dirty="0">
-                  <a:solidFill>
-                    <a:schemeClr val="accent2">
-                      <a:lumMod val="75000"/>
-                    </a:schemeClr>
-                  </a:solidFill>
-                </a:rPr>
-                <a:t>経験値</a:t>
-              </a:r>
-            </a:p>
-          </p:txBody>
-        </p:sp>
-      </p:grpSp>
-      <p:sp>
-        <p:nvSpPr>
           <p:cNvPr id="20" name="四角形: 角を丸くする 19">
             <a:extLst>
               <a:ext uri="{FF2B5EF4-FFF2-40B4-BE49-F238E27FC236}">
@@ -14880,7 +14271,7 @@
         <p:spPr>
           <a:xfrm>
             <a:off x="838200" y="1432294"/>
-            <a:ext cx="8902520" cy="774868"/>
+            <a:ext cx="7590183" cy="652967"/>
           </a:xfrm>
           <a:prstGeom prst="roundRect">
             <a:avLst/>
@@ -14912,22 +14303,21 @@
           <a:bodyPr rtlCol="0" anchor="ctr"/>
           <a:lstStyle/>
           <a:p>
-            <a:pPr algn="ctr"/>
-            <a:r>
-              <a:rPr kumimoji="1" lang="ja-JP" altLang="en-US" sz="2800" dirty="0">
+            <a:r>
+              <a:rPr kumimoji="1" lang="ja-JP" altLang="en-US" sz="2400" dirty="0">
                 <a:latin typeface="HGｺﾞｼｯｸE" panose="020B0909000000000000" pitchFamily="49" charset="-128"/>
                 <a:ea typeface="HGｺﾞｼｯｸE" panose="020B0909000000000000" pitchFamily="49" charset="-128"/>
               </a:rPr>
               <a:t>経験値を貯めることでキャラクターを</a:t>
             </a:r>
             <a:r>
-              <a:rPr lang="ja-JP" altLang="en-US" sz="2800" dirty="0">
+              <a:rPr lang="ja-JP" altLang="en-US" sz="2400" dirty="0">
                 <a:latin typeface="HGｺﾞｼｯｸE" panose="020B0909000000000000" pitchFamily="49" charset="-128"/>
                 <a:ea typeface="HGｺﾞｼｯｸE" panose="020B0909000000000000" pitchFamily="49" charset="-128"/>
               </a:rPr>
               <a:t>育成できる機能</a:t>
             </a:r>
-            <a:endParaRPr kumimoji="1" lang="ja-JP" altLang="en-US" sz="2800" dirty="0">
+            <a:endParaRPr kumimoji="1" lang="ja-JP" altLang="en-US" sz="2400" dirty="0">
               <a:latin typeface="HGｺﾞｼｯｸE" panose="020B0909000000000000" pitchFamily="49" charset="-128"/>
               <a:ea typeface="HGｺﾞｼｯｸE" panose="020B0909000000000000" pitchFamily="49" charset="-128"/>
             </a:endParaRPr>

--- a/doc/プレゼン資料_F3_なかおっち.pptx
+++ b/doc/プレゼン資料_F3_なかおっち.pptx
@@ -5,7 +5,7 @@
     <p:sldMasterId id="2147483648" r:id="rId1"/>
   </p:sldMasterIdLst>
   <p:notesMasterIdLst>
-    <p:notesMasterId r:id="rId28"/>
+    <p:notesMasterId r:id="rId27"/>
   </p:notesMasterIdLst>
   <p:sldIdLst>
     <p:sldId id="256" r:id="rId2"/>
@@ -20,20 +20,19 @@
     <p:sldId id="276" r:id="rId11"/>
     <p:sldId id="274" r:id="rId12"/>
     <p:sldId id="275" r:id="rId13"/>
-    <p:sldId id="277" r:id="rId14"/>
-    <p:sldId id="309" r:id="rId15"/>
-    <p:sldId id="278" r:id="rId16"/>
-    <p:sldId id="295" r:id="rId17"/>
-    <p:sldId id="296" r:id="rId18"/>
-    <p:sldId id="259" r:id="rId19"/>
-    <p:sldId id="297" r:id="rId20"/>
-    <p:sldId id="307" r:id="rId21"/>
-    <p:sldId id="305" r:id="rId22"/>
-    <p:sldId id="306" r:id="rId23"/>
-    <p:sldId id="291" r:id="rId24"/>
-    <p:sldId id="301" r:id="rId25"/>
-    <p:sldId id="298" r:id="rId26"/>
-    <p:sldId id="268" r:id="rId27"/>
+    <p:sldId id="309" r:id="rId14"/>
+    <p:sldId id="310" r:id="rId15"/>
+    <p:sldId id="295" r:id="rId16"/>
+    <p:sldId id="296" r:id="rId17"/>
+    <p:sldId id="259" r:id="rId18"/>
+    <p:sldId id="297" r:id="rId19"/>
+    <p:sldId id="307" r:id="rId20"/>
+    <p:sldId id="305" r:id="rId21"/>
+    <p:sldId id="306" r:id="rId22"/>
+    <p:sldId id="291" r:id="rId23"/>
+    <p:sldId id="301" r:id="rId24"/>
+    <p:sldId id="298" r:id="rId25"/>
+    <p:sldId id="268" r:id="rId26"/>
   </p:sldIdLst>
   <p:sldSz cx="12192000" cy="6858000"/>
   <p:notesSz cx="6858000" cy="9144000"/>
@@ -682,7 +681,7 @@
     </p:spTree>
     <p:extLst>
       <p:ext uri="{BB962C8B-B14F-4D97-AF65-F5344CB8AC3E}">
-        <p14:creationId xmlns:p14="http://schemas.microsoft.com/office/powerpoint/2010/main" val="3932365603"/>
+        <p14:creationId xmlns:p14="http://schemas.microsoft.com/office/powerpoint/2010/main" val="827252756"/>
       </p:ext>
     </p:extLst>
   </p:cSld>
@@ -736,10 +735,7 @@
           <a:bodyPr/>
           <a:lstStyle/>
           <a:p>
-            <a:r>
-              <a:rPr kumimoji="1" lang="ja-JP" altLang="en-US" dirty="0"/>
-              <a:t>卵購入画面後でスクショ差し替えます</a:t>
-            </a:r>
+            <a:endParaRPr kumimoji="1" lang="ja-JP" altLang="en-US" dirty="0"/>
           </a:p>
         </p:txBody>
       </p:sp>
@@ -769,7 +765,7 @@
     </p:spTree>
     <p:extLst>
       <p:ext uri="{BB962C8B-B14F-4D97-AF65-F5344CB8AC3E}">
-        <p14:creationId xmlns:p14="http://schemas.microsoft.com/office/powerpoint/2010/main" val="827252756"/>
+        <p14:creationId xmlns:p14="http://schemas.microsoft.com/office/powerpoint/2010/main" val="2168575957"/>
       </p:ext>
     </p:extLst>
   </p:cSld>
@@ -853,7 +849,7 @@
     </p:spTree>
     <p:extLst>
       <p:ext uri="{BB962C8B-B14F-4D97-AF65-F5344CB8AC3E}">
-        <p14:creationId xmlns:p14="http://schemas.microsoft.com/office/powerpoint/2010/main" val="2096746102"/>
+        <p14:creationId xmlns:p14="http://schemas.microsoft.com/office/powerpoint/2010/main" val="1546769941"/>
       </p:ext>
     </p:extLst>
   </p:cSld>
@@ -928,91 +924,7 @@
           <a:p>
             <a:fld id="{4FB5F70D-02C0-4F83-8937-892046578496}" type="slidenum">
               <a:rPr kumimoji="1" lang="ja-JP" altLang="en-US" smtClean="0"/>
-              <a:t>16</a:t>
-            </a:fld>
-            <a:endParaRPr kumimoji="1" lang="ja-JP" altLang="en-US"/>
-          </a:p>
-        </p:txBody>
-      </p:sp>
-    </p:spTree>
-    <p:extLst>
-      <p:ext uri="{BB962C8B-B14F-4D97-AF65-F5344CB8AC3E}">
-        <p14:creationId xmlns:p14="http://schemas.microsoft.com/office/powerpoint/2010/main" val="1546769941"/>
-      </p:ext>
-    </p:extLst>
-  </p:cSld>
-  <p:clrMapOvr>
-    <a:masterClrMapping/>
-  </p:clrMapOvr>
-</p:notes>
-</file>
-
-<file path=ppt/notesSlides/notesSlide14.xml><?xml version="1.0" encoding="utf-8"?>
-<p:notes xmlns:a="http://schemas.openxmlformats.org/drawingml/2006/main" xmlns:r="http://schemas.openxmlformats.org/officeDocument/2006/relationships" xmlns:p="http://schemas.openxmlformats.org/presentationml/2006/main">
-  <p:cSld>
-    <p:spTree>
-      <p:nvGrpSpPr>
-        <p:cNvPr id="1" name=""/>
-        <p:cNvGrpSpPr/>
-        <p:nvPr/>
-      </p:nvGrpSpPr>
-      <p:grpSpPr>
-        <a:xfrm>
-          <a:off x="0" y="0"/>
-          <a:ext cx="0" cy="0"/>
-          <a:chOff x="0" y="0"/>
-          <a:chExt cx="0" cy="0"/>
-        </a:xfrm>
-      </p:grpSpPr>
-      <p:sp>
-        <p:nvSpPr>
-          <p:cNvPr id="2" name="スライド イメージ プレースホルダー 1"/>
-          <p:cNvSpPr>
-            <a:spLocks noGrp="1" noRot="1" noChangeAspect="1"/>
-          </p:cNvSpPr>
-          <p:nvPr>
-            <p:ph type="sldImg"/>
-          </p:nvPr>
-        </p:nvSpPr>
-        <p:spPr/>
-      </p:sp>
-      <p:sp>
-        <p:nvSpPr>
-          <p:cNvPr id="3" name="ノート プレースホルダー 2"/>
-          <p:cNvSpPr>
-            <a:spLocks noGrp="1"/>
-          </p:cNvSpPr>
-          <p:nvPr>
-            <p:ph type="body" idx="1"/>
-          </p:nvPr>
-        </p:nvSpPr>
-        <p:spPr/>
-        <p:txBody>
-          <a:bodyPr/>
-          <a:lstStyle/>
-          <a:p>
-            <a:endParaRPr kumimoji="1" lang="ja-JP" altLang="en-US" dirty="0"/>
-          </a:p>
-        </p:txBody>
-      </p:sp>
-      <p:sp>
-        <p:nvSpPr>
-          <p:cNvPr id="4" name="スライド番号プレースホルダー 3"/>
-          <p:cNvSpPr>
-            <a:spLocks noGrp="1"/>
-          </p:cNvSpPr>
-          <p:nvPr>
-            <p:ph type="sldNum" sz="quarter" idx="5"/>
-          </p:nvPr>
-        </p:nvSpPr>
-        <p:spPr/>
-        <p:txBody>
-          <a:bodyPr/>
-          <a:lstStyle/>
-          <a:p>
-            <a:fld id="{4FB5F70D-02C0-4F83-8937-892046578496}" type="slidenum">
-              <a:rPr kumimoji="1" lang="ja-JP" altLang="en-US" smtClean="0"/>
-              <a:t>18</a:t>
+              <a:t>17</a:t>
             </a:fld>
             <a:endParaRPr kumimoji="1" lang="ja-JP" altLang="en-US"/>
           </a:p>
@@ -7131,727 +7043,6 @@
         </p:blipFill>
         <p:spPr>
           <a:xfrm>
-            <a:off x="4485769" y="3643119"/>
-            <a:ext cx="6278636" cy="2975306"/>
-          </a:xfrm>
-          <a:prstGeom prst="rect">
-            <a:avLst/>
-          </a:prstGeom>
-        </p:spPr>
-      </p:pic>
-      <p:sp>
-        <p:nvSpPr>
-          <p:cNvPr id="2" name="タイトル 1">
-            <a:extLst>
-              <a:ext uri="{FF2B5EF4-FFF2-40B4-BE49-F238E27FC236}">
-                <a16:creationId xmlns:a16="http://schemas.microsoft.com/office/drawing/2014/main" id="{693A6AA4-E421-2B25-F07B-E8469B9F6618}"/>
-              </a:ext>
-            </a:extLst>
-          </p:cNvPr>
-          <p:cNvSpPr>
-            <a:spLocks noGrp="1"/>
-          </p:cNvSpPr>
-          <p:nvPr>
-            <p:ph type="title"/>
-          </p:nvPr>
-        </p:nvSpPr>
-        <p:spPr/>
-        <p:txBody>
-          <a:bodyPr/>
-          <a:lstStyle/>
-          <a:p>
-            <a:r>
-              <a:rPr kumimoji="1" lang="ja-JP" altLang="en-US" dirty="0">
-                <a:solidFill>
-                  <a:schemeClr val="accent2">
-                    <a:lumMod val="50000"/>
-                  </a:schemeClr>
-                </a:solidFill>
-                <a:latin typeface="HGS創英角ｺﾞｼｯｸUB" panose="020B0900000000000000" pitchFamily="50" charset="-128"/>
-                <a:ea typeface="HGS創英角ｺﾞｼｯｸUB" panose="020B0900000000000000" pitchFamily="50" charset="-128"/>
-              </a:rPr>
-              <a:t>卵購入機能</a:t>
-            </a:r>
-          </a:p>
-        </p:txBody>
-      </p:sp>
-      <p:sp>
-        <p:nvSpPr>
-          <p:cNvPr id="17" name="四角形: 角を丸くする 16">
-            <a:extLst>
-              <a:ext uri="{FF2B5EF4-FFF2-40B4-BE49-F238E27FC236}">
-                <a16:creationId xmlns:a16="http://schemas.microsoft.com/office/drawing/2014/main" id="{06BD75DE-701A-518D-3F9D-09722BE4C9B0}"/>
-              </a:ext>
-            </a:extLst>
-          </p:cNvPr>
-          <p:cNvSpPr/>
-          <p:nvPr/>
-        </p:nvSpPr>
-        <p:spPr>
-          <a:xfrm>
-            <a:off x="755104" y="1466355"/>
-            <a:ext cx="6666113" cy="600984"/>
-          </a:xfrm>
-          <a:prstGeom prst="roundRect">
-            <a:avLst/>
-          </a:prstGeom>
-          <a:solidFill>
-            <a:srgbClr val="FFA333"/>
-          </a:solidFill>
-          <a:ln w="38100">
-            <a:noFill/>
-          </a:ln>
-        </p:spPr>
-        <p:style>
-          <a:lnRef idx="2">
-            <a:schemeClr val="accent1">
-              <a:shade val="50000"/>
-            </a:schemeClr>
-          </a:lnRef>
-          <a:fillRef idx="1">
-            <a:schemeClr val="accent1"/>
-          </a:fillRef>
-          <a:effectRef idx="0">
-            <a:schemeClr val="accent1"/>
-          </a:effectRef>
-          <a:fontRef idx="minor">
-            <a:schemeClr val="lt1"/>
-          </a:fontRef>
-        </p:style>
-        <p:txBody>
-          <a:bodyPr rtlCol="0" anchor="ctr"/>
-          <a:lstStyle/>
-          <a:p>
-            <a:r>
-              <a:rPr kumimoji="1" lang="ja-JP" altLang="en-US" sz="2400" dirty="0">
-                <a:latin typeface="HGｺﾞｼｯｸE" panose="020B0909000000000000" pitchFamily="49" charset="-128"/>
-                <a:ea typeface="HGｺﾞｼｯｸE" panose="020B0909000000000000" pitchFamily="49" charset="-128"/>
-              </a:rPr>
-              <a:t>キャラクターの元である、卵を購入できる機能</a:t>
-            </a:r>
-            <a:endParaRPr kumimoji="1" lang="en-US" altLang="ja-JP" sz="2400" dirty="0">
-              <a:latin typeface="HGｺﾞｼｯｸE" panose="020B0909000000000000" pitchFamily="49" charset="-128"/>
-              <a:ea typeface="HGｺﾞｼｯｸE" panose="020B0909000000000000" pitchFamily="49" charset="-128"/>
-            </a:endParaRPr>
-          </a:p>
-        </p:txBody>
-      </p:sp>
-      <p:pic>
-        <p:nvPicPr>
-          <p:cNvPr id="6" name="図 5">
-            <a:extLst>
-              <a:ext uri="{FF2B5EF4-FFF2-40B4-BE49-F238E27FC236}">
-                <a16:creationId xmlns:a16="http://schemas.microsoft.com/office/drawing/2014/main" id="{CACDC2CB-6153-CE3D-74AD-D06EDD8FE20F}"/>
-              </a:ext>
-            </a:extLst>
-          </p:cNvPr>
-          <p:cNvPicPr>
-            <a:picLocks noChangeAspect="1"/>
-          </p:cNvPicPr>
-          <p:nvPr/>
-        </p:nvPicPr>
-        <p:blipFill rotWithShape="1">
-          <a:blip r:embed="rId4"/>
-          <a:srcRect l="80218" t="24641" r="1966" b="8965"/>
-          <a:stretch/>
-        </p:blipFill>
-        <p:spPr>
-          <a:xfrm>
-            <a:off x="908941" y="2199860"/>
-            <a:ext cx="2172300" cy="4551086"/>
-          </a:xfrm>
-          <a:prstGeom prst="rect">
-            <a:avLst/>
-          </a:prstGeom>
-        </p:spPr>
-      </p:pic>
-      <p:sp>
-        <p:nvSpPr>
-          <p:cNvPr id="3" name="正方形/長方形 2">
-            <a:extLst>
-              <a:ext uri="{FF2B5EF4-FFF2-40B4-BE49-F238E27FC236}">
-                <a16:creationId xmlns:a16="http://schemas.microsoft.com/office/drawing/2014/main" id="{CEBF91A4-7516-E371-BB4C-0AAD3B11586B}"/>
-              </a:ext>
-            </a:extLst>
-          </p:cNvPr>
-          <p:cNvSpPr/>
-          <p:nvPr/>
-        </p:nvSpPr>
-        <p:spPr>
-          <a:xfrm>
-            <a:off x="941895" y="5883964"/>
-            <a:ext cx="2139345" cy="734461"/>
-          </a:xfrm>
-          <a:prstGeom prst="rect">
-            <a:avLst/>
-          </a:prstGeom>
-          <a:noFill/>
-          <a:ln w="28575">
-            <a:solidFill>
-              <a:srgbClr val="FF0000"/>
-            </a:solidFill>
-          </a:ln>
-        </p:spPr>
-        <p:style>
-          <a:lnRef idx="2">
-            <a:schemeClr val="accent1">
-              <a:shade val="50000"/>
-            </a:schemeClr>
-          </a:lnRef>
-          <a:fillRef idx="1">
-            <a:schemeClr val="accent1"/>
-          </a:fillRef>
-          <a:effectRef idx="0">
-            <a:schemeClr val="accent1"/>
-          </a:effectRef>
-          <a:fontRef idx="minor">
-            <a:schemeClr val="lt1"/>
-          </a:fontRef>
-        </p:style>
-        <p:txBody>
-          <a:bodyPr rtlCol="0" anchor="ctr"/>
-          <a:lstStyle/>
-          <a:p>
-            <a:pPr algn="ctr"/>
-            <a:endParaRPr kumimoji="1" lang="ja-JP" altLang="en-US"/>
-          </a:p>
-        </p:txBody>
-      </p:sp>
-      <p:sp>
-        <p:nvSpPr>
-          <p:cNvPr id="15" name="正方形/長方形 14">
-            <a:extLst>
-              <a:ext uri="{FF2B5EF4-FFF2-40B4-BE49-F238E27FC236}">
-                <a16:creationId xmlns:a16="http://schemas.microsoft.com/office/drawing/2014/main" id="{3D63DCC3-DFE6-B6AB-EED7-3716F25746FB}"/>
-              </a:ext>
-            </a:extLst>
-          </p:cNvPr>
-          <p:cNvSpPr/>
-          <p:nvPr/>
-        </p:nvSpPr>
-        <p:spPr>
-          <a:xfrm>
-            <a:off x="7421217" y="6108622"/>
-            <a:ext cx="530087" cy="509804"/>
-          </a:xfrm>
-          <a:prstGeom prst="rect">
-            <a:avLst/>
-          </a:prstGeom>
-          <a:noFill/>
-          <a:ln w="28575">
-            <a:solidFill>
-              <a:srgbClr val="FF0000"/>
-            </a:solidFill>
-          </a:ln>
-        </p:spPr>
-        <p:style>
-          <a:lnRef idx="2">
-            <a:schemeClr val="accent1">
-              <a:shade val="50000"/>
-            </a:schemeClr>
-          </a:lnRef>
-          <a:fillRef idx="1">
-            <a:schemeClr val="accent1"/>
-          </a:fillRef>
-          <a:effectRef idx="0">
-            <a:schemeClr val="accent1"/>
-          </a:effectRef>
-          <a:fontRef idx="minor">
-            <a:schemeClr val="lt1"/>
-          </a:fontRef>
-        </p:style>
-        <p:txBody>
-          <a:bodyPr rtlCol="0" anchor="ctr"/>
-          <a:lstStyle/>
-          <a:p>
-            <a:pPr algn="ctr"/>
-            <a:endParaRPr kumimoji="1" lang="ja-JP" altLang="en-US"/>
-          </a:p>
-        </p:txBody>
-      </p:sp>
-      <p:sp>
-        <p:nvSpPr>
-          <p:cNvPr id="20" name="矢印: 右 19">
-            <a:extLst>
-              <a:ext uri="{FF2B5EF4-FFF2-40B4-BE49-F238E27FC236}">
-                <a16:creationId xmlns:a16="http://schemas.microsoft.com/office/drawing/2014/main" id="{63547D81-1D76-02EE-C485-4A383C20A03A}"/>
-              </a:ext>
-            </a:extLst>
-          </p:cNvPr>
-          <p:cNvSpPr/>
-          <p:nvPr/>
-        </p:nvSpPr>
-        <p:spPr>
-          <a:xfrm>
-            <a:off x="2973161" y="5980682"/>
-            <a:ext cx="1634955" cy="600985"/>
-          </a:xfrm>
-          <a:prstGeom prst="rightArrow">
-            <a:avLst/>
-          </a:prstGeom>
-          <a:solidFill>
-            <a:schemeClr val="accent2"/>
-          </a:solidFill>
-          <a:ln>
-            <a:solidFill>
-              <a:schemeClr val="bg1"/>
-            </a:solidFill>
-          </a:ln>
-        </p:spPr>
-        <p:style>
-          <a:lnRef idx="2">
-            <a:schemeClr val="accent1">
-              <a:shade val="50000"/>
-            </a:schemeClr>
-          </a:lnRef>
-          <a:fillRef idx="1">
-            <a:schemeClr val="accent1"/>
-          </a:fillRef>
-          <a:effectRef idx="0">
-            <a:schemeClr val="accent1"/>
-          </a:effectRef>
-          <a:fontRef idx="minor">
-            <a:schemeClr val="lt1"/>
-          </a:fontRef>
-        </p:style>
-        <p:txBody>
-          <a:bodyPr rtlCol="0" anchor="ctr"/>
-          <a:lstStyle/>
-          <a:p>
-            <a:pPr algn="ctr"/>
-            <a:endParaRPr kumimoji="1" lang="ja-JP" altLang="en-US" sz="2400" dirty="0">
-              <a:solidFill>
-                <a:schemeClr val="bg1"/>
-              </a:solidFill>
-              <a:latin typeface="HGｺﾞｼｯｸE" panose="020B0909000000000000" pitchFamily="49" charset="-128"/>
-              <a:ea typeface="HGｺﾞｼｯｸE" panose="020B0909000000000000" pitchFamily="49" charset="-128"/>
-            </a:endParaRPr>
-          </a:p>
-        </p:txBody>
-      </p:sp>
-      <p:sp>
-        <p:nvSpPr>
-          <p:cNvPr id="18" name="吹き出し: 角を丸めた四角形 17">
-            <a:extLst>
-              <a:ext uri="{FF2B5EF4-FFF2-40B4-BE49-F238E27FC236}">
-                <a16:creationId xmlns:a16="http://schemas.microsoft.com/office/drawing/2014/main" id="{31AA7376-8079-B650-299D-1196DB4F5B61}"/>
-              </a:ext>
-            </a:extLst>
-          </p:cNvPr>
-          <p:cNvSpPr/>
-          <p:nvPr/>
-        </p:nvSpPr>
-        <p:spPr>
-          <a:xfrm>
-            <a:off x="2081374" y="4791245"/>
-            <a:ext cx="3014760" cy="600984"/>
-          </a:xfrm>
-          <a:prstGeom prst="wedgeRoundRectCallout">
-            <a:avLst>
-              <a:gd name="adj1" fmla="val -26696"/>
-              <a:gd name="adj2" fmla="val 148886"/>
-              <a:gd name="adj3" fmla="val 16667"/>
-            </a:avLst>
-          </a:prstGeom>
-          <a:solidFill>
-            <a:schemeClr val="bg1"/>
-          </a:solidFill>
-          <a:ln>
-            <a:solidFill>
-              <a:srgbClr val="FFA333"/>
-            </a:solidFill>
-          </a:ln>
-        </p:spPr>
-        <p:style>
-          <a:lnRef idx="2">
-            <a:schemeClr val="accent1">
-              <a:shade val="50000"/>
-            </a:schemeClr>
-          </a:lnRef>
-          <a:fillRef idx="1">
-            <a:schemeClr val="accent1"/>
-          </a:fillRef>
-          <a:effectRef idx="0">
-            <a:schemeClr val="accent1"/>
-          </a:effectRef>
-          <a:fontRef idx="minor">
-            <a:schemeClr val="lt1"/>
-          </a:fontRef>
-        </p:style>
-        <p:txBody>
-          <a:bodyPr rtlCol="0" anchor="ctr"/>
-          <a:lstStyle/>
-          <a:p>
-            <a:r>
-              <a:rPr kumimoji="1" lang="en-US" altLang="ja-JP" sz="2400" dirty="0">
-                <a:solidFill>
-                  <a:schemeClr val="tx1"/>
-                </a:solidFill>
-                <a:latin typeface="HGｺﾞｼｯｸM" panose="020B0609000000000000" pitchFamily="49" charset="-128"/>
-                <a:ea typeface="HGｺﾞｼｯｸM" panose="020B0609000000000000" pitchFamily="49" charset="-128"/>
-              </a:rPr>
-              <a:t>5</a:t>
-            </a:r>
-            <a:r>
-              <a:rPr kumimoji="1" lang="ja-JP" altLang="en-US" sz="2400" dirty="0">
-                <a:solidFill>
-                  <a:schemeClr val="tx1"/>
-                </a:solidFill>
-                <a:latin typeface="HGｺﾞｼｯｸM" panose="020B0609000000000000" pitchFamily="49" charset="-128"/>
-                <a:ea typeface="HGｺﾞｼｯｸM" panose="020B0609000000000000" pitchFamily="49" charset="-128"/>
-              </a:rPr>
-              <a:t>ポイントで</a:t>
-            </a:r>
-            <a:r>
-              <a:rPr kumimoji="1" lang="en-US" altLang="ja-JP" sz="2400" dirty="0">
-                <a:solidFill>
-                  <a:schemeClr val="tx1"/>
-                </a:solidFill>
-                <a:latin typeface="HGｺﾞｼｯｸM" panose="020B0609000000000000" pitchFamily="49" charset="-128"/>
-                <a:ea typeface="HGｺﾞｼｯｸM" panose="020B0609000000000000" pitchFamily="49" charset="-128"/>
-              </a:rPr>
-              <a:t>1</a:t>
-            </a:r>
-            <a:r>
-              <a:rPr kumimoji="1" lang="ja-JP" altLang="en-US" sz="2400" dirty="0">
-                <a:solidFill>
-                  <a:schemeClr val="tx1"/>
-                </a:solidFill>
-                <a:latin typeface="HGｺﾞｼｯｸM" panose="020B0609000000000000" pitchFamily="49" charset="-128"/>
-                <a:ea typeface="HGｺﾞｼｯｸM" panose="020B0609000000000000" pitchFamily="49" charset="-128"/>
-              </a:rPr>
-              <a:t>個購入</a:t>
-            </a:r>
-          </a:p>
-        </p:txBody>
-      </p:sp>
-      <p:sp>
-        <p:nvSpPr>
-          <p:cNvPr id="26" name="正方形/長方形 25">
-            <a:extLst>
-              <a:ext uri="{FF2B5EF4-FFF2-40B4-BE49-F238E27FC236}">
-                <a16:creationId xmlns:a16="http://schemas.microsoft.com/office/drawing/2014/main" id="{30AB4F09-725B-3CE1-CE60-69C0F1F50809}"/>
-              </a:ext>
-            </a:extLst>
-          </p:cNvPr>
-          <p:cNvSpPr/>
-          <p:nvPr/>
-        </p:nvSpPr>
-        <p:spPr>
-          <a:xfrm>
-            <a:off x="5706498" y="3891966"/>
-            <a:ext cx="3808563" cy="2098073"/>
-          </a:xfrm>
-          <a:prstGeom prst="rect">
-            <a:avLst/>
-          </a:prstGeom>
-          <a:noFill/>
-          <a:ln w="28575">
-            <a:solidFill>
-              <a:srgbClr val="FF0000"/>
-            </a:solidFill>
-          </a:ln>
-        </p:spPr>
-        <p:style>
-          <a:lnRef idx="2">
-            <a:schemeClr val="accent1">
-              <a:shade val="50000"/>
-            </a:schemeClr>
-          </a:lnRef>
-          <a:fillRef idx="1">
-            <a:schemeClr val="accent1"/>
-          </a:fillRef>
-          <a:effectRef idx="0">
-            <a:schemeClr val="accent1"/>
-          </a:effectRef>
-          <a:fontRef idx="minor">
-            <a:schemeClr val="lt1"/>
-          </a:fontRef>
-        </p:style>
-        <p:txBody>
-          <a:bodyPr rtlCol="0" anchor="ctr"/>
-          <a:lstStyle/>
-          <a:p>
-            <a:pPr algn="ctr"/>
-            <a:endParaRPr kumimoji="1" lang="ja-JP" altLang="en-US"/>
-          </a:p>
-        </p:txBody>
-      </p:sp>
-      <p:sp>
-        <p:nvSpPr>
-          <p:cNvPr id="21" name="吹き出し: 角を丸めた四角形 20">
-            <a:extLst>
-              <a:ext uri="{FF2B5EF4-FFF2-40B4-BE49-F238E27FC236}">
-                <a16:creationId xmlns:a16="http://schemas.microsoft.com/office/drawing/2014/main" id="{DE9B5C3C-160A-661B-B0EB-1F82CF065102}"/>
-              </a:ext>
-            </a:extLst>
-          </p:cNvPr>
-          <p:cNvSpPr/>
-          <p:nvPr/>
-        </p:nvSpPr>
-        <p:spPr>
-          <a:xfrm>
-            <a:off x="7154640" y="2635549"/>
-            <a:ext cx="3751900" cy="888988"/>
-          </a:xfrm>
-          <a:prstGeom prst="wedgeRoundRectCallout">
-            <a:avLst>
-              <a:gd name="adj1" fmla="val -21264"/>
-              <a:gd name="adj2" fmla="val 113230"/>
-              <a:gd name="adj3" fmla="val 16667"/>
-            </a:avLst>
-          </a:prstGeom>
-          <a:solidFill>
-            <a:schemeClr val="bg1"/>
-          </a:solidFill>
-          <a:ln>
-            <a:solidFill>
-              <a:srgbClr val="FFA333"/>
-            </a:solidFill>
-          </a:ln>
-        </p:spPr>
-        <p:style>
-          <a:lnRef idx="2">
-            <a:schemeClr val="accent1">
-              <a:shade val="50000"/>
-            </a:schemeClr>
-          </a:lnRef>
-          <a:fillRef idx="1">
-            <a:schemeClr val="accent1"/>
-          </a:fillRef>
-          <a:effectRef idx="0">
-            <a:schemeClr val="accent1"/>
-          </a:effectRef>
-          <a:fontRef idx="minor">
-            <a:schemeClr val="lt1"/>
-          </a:fontRef>
-        </p:style>
-        <p:txBody>
-          <a:bodyPr rtlCol="0" anchor="ctr"/>
-          <a:lstStyle/>
-          <a:p>
-            <a:r>
-              <a:rPr kumimoji="1" lang="en-US" altLang="ja-JP" sz="2400" dirty="0">
-                <a:solidFill>
-                  <a:schemeClr val="tx1"/>
-                </a:solidFill>
-                <a:latin typeface="HGｺﾞｼｯｸM" panose="020B0609000000000000" pitchFamily="49" charset="-128"/>
-                <a:ea typeface="HGｺﾞｼｯｸM" panose="020B0609000000000000" pitchFamily="49" charset="-128"/>
-              </a:rPr>
-              <a:t>push</a:t>
-            </a:r>
-            <a:r>
-              <a:rPr kumimoji="1" lang="ja-JP" altLang="en-US" sz="2400" dirty="0">
-                <a:solidFill>
-                  <a:schemeClr val="tx1"/>
-                </a:solidFill>
-                <a:latin typeface="HGｺﾞｼｯｸM" panose="020B0609000000000000" pitchFamily="49" charset="-128"/>
-                <a:ea typeface="HGｺﾞｼｯｸM" panose="020B0609000000000000" pitchFamily="49" charset="-128"/>
-              </a:rPr>
-              <a:t>ボタンを押すと</a:t>
-            </a:r>
-            <a:endParaRPr kumimoji="1" lang="en-US" altLang="ja-JP" sz="2400" dirty="0">
-              <a:solidFill>
-                <a:schemeClr val="tx1"/>
-              </a:solidFill>
-              <a:latin typeface="HGｺﾞｼｯｸM" panose="020B0609000000000000" pitchFamily="49" charset="-128"/>
-              <a:ea typeface="HGｺﾞｼｯｸM" panose="020B0609000000000000" pitchFamily="49" charset="-128"/>
-            </a:endParaRPr>
-          </a:p>
-          <a:p>
-            <a:r>
-              <a:rPr kumimoji="1" lang="ja-JP" altLang="en-US" sz="2400" dirty="0">
-                <a:solidFill>
-                  <a:schemeClr val="tx1"/>
-                </a:solidFill>
-                <a:latin typeface="HGｺﾞｼｯｸM" panose="020B0609000000000000" pitchFamily="49" charset="-128"/>
-                <a:ea typeface="HGｺﾞｼｯｸM" panose="020B0609000000000000" pitchFamily="49" charset="-128"/>
-              </a:rPr>
-              <a:t>アニメーションが流れる</a:t>
-            </a:r>
-          </a:p>
-        </p:txBody>
-      </p:sp>
-      <p:sp>
-        <p:nvSpPr>
-          <p:cNvPr id="22" name="フローチャート: 結合子 21">
-            <a:extLst>
-              <a:ext uri="{FF2B5EF4-FFF2-40B4-BE49-F238E27FC236}">
-                <a16:creationId xmlns:a16="http://schemas.microsoft.com/office/drawing/2014/main" id="{936D5D02-0A0D-320E-12A3-1F8D9E16D0AD}"/>
-              </a:ext>
-            </a:extLst>
-          </p:cNvPr>
-          <p:cNvSpPr/>
-          <p:nvPr/>
-        </p:nvSpPr>
-        <p:spPr>
-          <a:xfrm>
-            <a:off x="6974872" y="2369399"/>
-            <a:ext cx="485830" cy="485830"/>
-          </a:xfrm>
-          <a:prstGeom prst="flowChartConnector">
-            <a:avLst/>
-          </a:prstGeom>
-          <a:solidFill>
-            <a:schemeClr val="accent2"/>
-          </a:solidFill>
-          <a:ln>
-            <a:solidFill>
-              <a:schemeClr val="bg1"/>
-            </a:solidFill>
-          </a:ln>
-        </p:spPr>
-        <p:style>
-          <a:lnRef idx="2">
-            <a:schemeClr val="accent1">
-              <a:shade val="50000"/>
-            </a:schemeClr>
-          </a:lnRef>
-          <a:fillRef idx="1">
-            <a:schemeClr val="accent1"/>
-          </a:fillRef>
-          <a:effectRef idx="0">
-            <a:schemeClr val="accent1"/>
-          </a:effectRef>
-          <a:fontRef idx="minor">
-            <a:schemeClr val="lt1"/>
-          </a:fontRef>
-        </p:style>
-        <p:txBody>
-          <a:bodyPr rtlCol="0" anchor="ctr"/>
-          <a:lstStyle/>
-          <a:p>
-            <a:pPr algn="ctr"/>
-            <a:r>
-              <a:rPr kumimoji="1" lang="en-US" altLang="ja-JP" dirty="0">
-                <a:latin typeface="HGｺﾞｼｯｸE" panose="020B0909000000000000" pitchFamily="49" charset="-128"/>
-                <a:ea typeface="HGｺﾞｼｯｸE" panose="020B0909000000000000" pitchFamily="49" charset="-128"/>
-              </a:rPr>
-              <a:t>2</a:t>
-            </a:r>
-            <a:endParaRPr kumimoji="1" lang="ja-JP" altLang="en-US" dirty="0">
-              <a:latin typeface="HGｺﾞｼｯｸE" panose="020B0909000000000000" pitchFamily="49" charset="-128"/>
-              <a:ea typeface="HGｺﾞｼｯｸE" panose="020B0909000000000000" pitchFamily="49" charset="-128"/>
-            </a:endParaRPr>
-          </a:p>
-        </p:txBody>
-      </p:sp>
-      <p:sp>
-        <p:nvSpPr>
-          <p:cNvPr id="27" name="フローチャート: 結合子 26">
-            <a:extLst>
-              <a:ext uri="{FF2B5EF4-FFF2-40B4-BE49-F238E27FC236}">
-                <a16:creationId xmlns:a16="http://schemas.microsoft.com/office/drawing/2014/main" id="{6ED8EB59-FEBF-4494-7BFC-4C311D3718FD}"/>
-              </a:ext>
-            </a:extLst>
-          </p:cNvPr>
-          <p:cNvSpPr/>
-          <p:nvPr/>
-        </p:nvSpPr>
-        <p:spPr>
-          <a:xfrm>
-            <a:off x="1838459" y="4548330"/>
-            <a:ext cx="485830" cy="485830"/>
-          </a:xfrm>
-          <a:prstGeom prst="flowChartConnector">
-            <a:avLst/>
-          </a:prstGeom>
-          <a:solidFill>
-            <a:schemeClr val="accent2"/>
-          </a:solidFill>
-          <a:ln>
-            <a:solidFill>
-              <a:schemeClr val="bg1"/>
-            </a:solidFill>
-          </a:ln>
-        </p:spPr>
-        <p:style>
-          <a:lnRef idx="2">
-            <a:schemeClr val="accent1">
-              <a:shade val="50000"/>
-            </a:schemeClr>
-          </a:lnRef>
-          <a:fillRef idx="1">
-            <a:schemeClr val="accent1"/>
-          </a:fillRef>
-          <a:effectRef idx="0">
-            <a:schemeClr val="accent1"/>
-          </a:effectRef>
-          <a:fontRef idx="minor">
-            <a:schemeClr val="lt1"/>
-          </a:fontRef>
-        </p:style>
-        <p:txBody>
-          <a:bodyPr rtlCol="0" anchor="ctr"/>
-          <a:lstStyle/>
-          <a:p>
-            <a:pPr algn="ctr"/>
-            <a:r>
-              <a:rPr kumimoji="1" lang="en-US" altLang="ja-JP" dirty="0">
-                <a:latin typeface="HGｺﾞｼｯｸE" panose="020B0909000000000000" pitchFamily="49" charset="-128"/>
-                <a:ea typeface="HGｺﾞｼｯｸE" panose="020B0909000000000000" pitchFamily="49" charset="-128"/>
-              </a:rPr>
-              <a:t>1</a:t>
-            </a:r>
-            <a:endParaRPr kumimoji="1" lang="ja-JP" altLang="en-US" dirty="0">
-              <a:latin typeface="HGｺﾞｼｯｸE" panose="020B0909000000000000" pitchFamily="49" charset="-128"/>
-              <a:ea typeface="HGｺﾞｼｯｸE" panose="020B0909000000000000" pitchFamily="49" charset="-128"/>
-            </a:endParaRPr>
-          </a:p>
-        </p:txBody>
-      </p:sp>
-    </p:spTree>
-    <p:extLst>
-      <p:ext uri="{BB962C8B-B14F-4D97-AF65-F5344CB8AC3E}">
-        <p14:creationId xmlns:p14="http://schemas.microsoft.com/office/powerpoint/2010/main" val="3320039458"/>
-      </p:ext>
-    </p:extLst>
-  </p:cSld>
-  <p:clrMapOvr>
-    <a:masterClrMapping/>
-  </p:clrMapOvr>
-</p:sld>
-</file>
-
-<file path=ppt/slides/slide14.xml><?xml version="1.0" encoding="utf-8"?>
-<p:sld xmlns:a="http://schemas.openxmlformats.org/drawingml/2006/main" xmlns:r="http://schemas.openxmlformats.org/officeDocument/2006/relationships" xmlns:p="http://schemas.openxmlformats.org/presentationml/2006/main">
-  <p:cSld>
-    <p:spTree>
-      <p:nvGrpSpPr>
-        <p:cNvPr id="1" name=""/>
-        <p:cNvGrpSpPr/>
-        <p:nvPr/>
-      </p:nvGrpSpPr>
-      <p:grpSpPr>
-        <a:xfrm>
-          <a:off x="0" y="0"/>
-          <a:ext cx="0" cy="0"/>
-          <a:chOff x="0" y="0"/>
-          <a:chExt cx="0" cy="0"/>
-        </a:xfrm>
-      </p:grpSpPr>
-      <p:pic>
-        <p:nvPicPr>
-          <p:cNvPr id="5" name="図 4">
-            <a:extLst>
-              <a:ext uri="{FF2B5EF4-FFF2-40B4-BE49-F238E27FC236}">
-                <a16:creationId xmlns:a16="http://schemas.microsoft.com/office/drawing/2014/main" id="{3507973E-868D-55E1-3EBB-8EE2F1206118}"/>
-              </a:ext>
-            </a:extLst>
-          </p:cNvPr>
-          <p:cNvPicPr>
-            <a:picLocks noChangeAspect="1"/>
-          </p:cNvPicPr>
-          <p:nvPr/>
-        </p:nvPicPr>
-        <p:blipFill>
-          <a:blip r:embed="rId3"/>
-          <a:stretch>
-            <a:fillRect/>
-          </a:stretch>
-        </p:blipFill>
-        <p:spPr>
-          <a:xfrm>
             <a:off x="5637652" y="3750173"/>
             <a:ext cx="6278636" cy="2975306"/>
           </a:xfrm>
@@ -8550,7 +7741,7 @@
 </p:sld>
 </file>
 
-<file path=ppt/slides/slide15.xml><?xml version="1.0" encoding="utf-8"?>
+<file path=ppt/slides/slide14.xml><?xml version="1.0" encoding="utf-8"?>
 <p:sld xmlns:a="http://schemas.openxmlformats.org/drawingml/2006/main" xmlns:r="http://schemas.openxmlformats.org/officeDocument/2006/relationships" xmlns:p="http://schemas.openxmlformats.org/presentationml/2006/main">
   <p:cSld>
     <p:spTree>
@@ -8569,10 +7760,10 @@
       </p:grpSpPr>
       <p:pic>
         <p:nvPicPr>
-          <p:cNvPr id="10" name="図 9">
-            <a:extLst>
-              <a:ext uri="{FF2B5EF4-FFF2-40B4-BE49-F238E27FC236}">
-                <a16:creationId xmlns:a16="http://schemas.microsoft.com/office/drawing/2014/main" id="{A4D618F0-5685-A255-784A-CA03711F3F36}"/>
+          <p:cNvPr id="7" name="図 6">
+            <a:extLst>
+              <a:ext uri="{FF2B5EF4-FFF2-40B4-BE49-F238E27FC236}">
+                <a16:creationId xmlns:a16="http://schemas.microsoft.com/office/drawing/2014/main" id="{82384C32-BD02-D27B-839E-6EF19744ADFE}"/>
               </a:ext>
             </a:extLst>
           </p:cNvPr>
@@ -8583,13 +7774,13 @@
         </p:nvPicPr>
         <p:blipFill rotWithShape="1">
           <a:blip r:embed="rId3"/>
-          <a:srcRect l="24247" t="12206" r="21470" b="23564"/>
+          <a:srcRect l="-1" t="9058" r="326" b="5696"/>
           <a:stretch/>
         </p:blipFill>
         <p:spPr>
           <a:xfrm>
-            <a:off x="6979536" y="3366753"/>
-            <a:ext cx="5023285" cy="3341758"/>
+            <a:off x="6395065" y="622660"/>
+            <a:ext cx="5593560" cy="2689599"/>
           </a:xfrm>
           <a:prstGeom prst="rect">
             <a:avLst/>
@@ -8598,10 +7789,10 @@
       </p:pic>
       <p:pic>
         <p:nvPicPr>
-          <p:cNvPr id="5" name="図 4">
-            <a:extLst>
-              <a:ext uri="{FF2B5EF4-FFF2-40B4-BE49-F238E27FC236}">
-                <a16:creationId xmlns:a16="http://schemas.microsoft.com/office/drawing/2014/main" id="{61FD2130-F03E-D44A-C9F6-66BB840EA345}"/>
+          <p:cNvPr id="12" name="図 11">
+            <a:extLst>
+              <a:ext uri="{FF2B5EF4-FFF2-40B4-BE49-F238E27FC236}">
+                <a16:creationId xmlns:a16="http://schemas.microsoft.com/office/drawing/2014/main" id="{184F9B8D-A967-7F8C-A54D-F5A85C5171F8}"/>
               </a:ext>
             </a:extLst>
           </p:cNvPr>
@@ -8612,13 +7803,13 @@
         </p:nvPicPr>
         <p:blipFill rotWithShape="1">
           <a:blip r:embed="rId4"/>
-          <a:srcRect t="9927" b="5302"/>
+          <a:srcRect l="24203" t="12001" r="21557" b="24093"/>
           <a:stretch/>
         </p:blipFill>
         <p:spPr>
           <a:xfrm>
-            <a:off x="6395065" y="622585"/>
-            <a:ext cx="5590116" cy="2664248"/>
+            <a:off x="576753" y="3366754"/>
+            <a:ext cx="5040831" cy="3339172"/>
           </a:xfrm>
           <a:prstGeom prst="rect">
             <a:avLst/>
@@ -8627,10 +7818,10 @@
       </p:pic>
       <p:pic>
         <p:nvPicPr>
-          <p:cNvPr id="16" name="図 15">
-            <a:extLst>
-              <a:ext uri="{FF2B5EF4-FFF2-40B4-BE49-F238E27FC236}">
-                <a16:creationId xmlns:a16="http://schemas.microsoft.com/office/drawing/2014/main" id="{8A42D208-5B97-8A98-1D08-C01383EA69BE}"/>
+          <p:cNvPr id="4" name="図 3">
+            <a:extLst>
+              <a:ext uri="{FF2B5EF4-FFF2-40B4-BE49-F238E27FC236}">
+                <a16:creationId xmlns:a16="http://schemas.microsoft.com/office/drawing/2014/main" id="{94EA2C94-32F3-D5FE-BFE7-E9ABFD714CC9}"/>
               </a:ext>
             </a:extLst>
           </p:cNvPr>
@@ -8641,13 +7832,13 @@
         </p:nvPicPr>
         <p:blipFill rotWithShape="1">
           <a:blip r:embed="rId5"/>
-          <a:srcRect l="24293" t="11833" r="21429" b="24099"/>
+          <a:srcRect l="24348" t="11768" r="21522" b="24046"/>
           <a:stretch/>
         </p:blipFill>
         <p:spPr>
           <a:xfrm>
-            <a:off x="573743" y="3383278"/>
-            <a:ext cx="5006836" cy="3322647"/>
+            <a:off x="6999192" y="3366753"/>
+            <a:ext cx="4983972" cy="3322647"/>
           </a:xfrm>
           <a:prstGeom prst="rect">
             <a:avLst/>
@@ -8704,7 +7895,7 @@
         </p:nvSpPr>
         <p:spPr>
           <a:xfrm>
-            <a:off x="4978568" y="4682156"/>
+            <a:off x="5132881" y="4999026"/>
             <a:ext cx="2524368" cy="1466825"/>
           </a:xfrm>
           <a:prstGeom prst="rightArrow">
@@ -8787,7 +7978,7 @@
         </p:nvSpPr>
         <p:spPr>
           <a:xfrm>
-            <a:off x="622069" y="1529023"/>
+            <a:off x="764394" y="1529023"/>
             <a:ext cx="4665548" cy="1294725"/>
           </a:xfrm>
           <a:prstGeom prst="roundRect">
@@ -8927,7 +8118,110 @@
     </p:spTree>
     <p:extLst>
       <p:ext uri="{BB962C8B-B14F-4D97-AF65-F5344CB8AC3E}">
-        <p14:creationId xmlns:p14="http://schemas.microsoft.com/office/powerpoint/2010/main" val="155327494"/>
+        <p14:creationId xmlns:p14="http://schemas.microsoft.com/office/powerpoint/2010/main" val="3642466289"/>
+      </p:ext>
+    </p:extLst>
+  </p:cSld>
+  <p:clrMapOvr>
+    <a:masterClrMapping/>
+  </p:clrMapOvr>
+</p:sld>
+</file>
+
+<file path=ppt/slides/slide15.xml><?xml version="1.0" encoding="utf-8"?>
+<p:sld xmlns:a="http://schemas.openxmlformats.org/drawingml/2006/main" xmlns:r="http://schemas.openxmlformats.org/officeDocument/2006/relationships" xmlns:p="http://schemas.openxmlformats.org/presentationml/2006/main">
+  <p:cSld>
+    <p:spTree>
+      <p:nvGrpSpPr>
+        <p:cNvPr id="1" name=""/>
+        <p:cNvGrpSpPr/>
+        <p:nvPr/>
+      </p:nvGrpSpPr>
+      <p:grpSpPr>
+        <a:xfrm>
+          <a:off x="0" y="0"/>
+          <a:ext cx="0" cy="0"/>
+          <a:chOff x="0" y="0"/>
+          <a:chExt cx="0" cy="0"/>
+        </a:xfrm>
+      </p:grpSpPr>
+      <p:pic>
+        <p:nvPicPr>
+          <p:cNvPr id="10" name="図 9" descr="カーテン が含まれている画像&#10;&#10;自動的に生成された説明">
+            <a:extLst>
+              <a:ext uri="{FF2B5EF4-FFF2-40B4-BE49-F238E27FC236}">
+                <a16:creationId xmlns:a16="http://schemas.microsoft.com/office/drawing/2014/main" id="{3BFCBF50-5650-0F99-E72E-1F161F7507D2}"/>
+              </a:ext>
+            </a:extLst>
+          </p:cNvPr>
+          <p:cNvPicPr>
+            <a:picLocks noChangeAspect="1"/>
+          </p:cNvPicPr>
+          <p:nvPr/>
+        </p:nvPicPr>
+        <p:blipFill rotWithShape="1">
+          <a:blip r:embed="rId3">
+            <a:extLst>
+              <a:ext uri="{28A0092B-C50C-407E-A947-70E740481C1C}">
+                <a14:useLocalDpi xmlns:a14="http://schemas.microsoft.com/office/drawing/2010/main" val="0"/>
+              </a:ext>
+            </a:extLst>
+          </a:blip>
+          <a:srcRect b="325"/>
+          <a:stretch/>
+        </p:blipFill>
+        <p:spPr>
+          <a:xfrm>
+            <a:off x="-1" y="0"/>
+            <a:ext cx="12192001" cy="6858000"/>
+          </a:xfrm>
+          <a:prstGeom prst="rect">
+            <a:avLst/>
+          </a:prstGeom>
+        </p:spPr>
+      </p:pic>
+      <p:pic>
+        <p:nvPicPr>
+          <p:cNvPr id="4" name="図 3">
+            <a:extLst>
+              <a:ext uri="{FF2B5EF4-FFF2-40B4-BE49-F238E27FC236}">
+                <a16:creationId xmlns:a16="http://schemas.microsoft.com/office/drawing/2014/main" id="{7A33A7C0-7A5E-46F4-B3A1-82ECAD324DE4}"/>
+              </a:ext>
+              <a:ext uri="{C183D7F6-B498-43B3-948B-1728B52AA6E4}">
+                <adec:decorative xmlns:adec="http://schemas.microsoft.com/office/drawing/2017/decorative" val="1"/>
+              </a:ext>
+            </a:extLst>
+          </p:cNvPr>
+          <p:cNvPicPr>
+            <a:picLocks noChangeAspect="1"/>
+          </p:cNvPicPr>
+          <p:nvPr/>
+        </p:nvPicPr>
+        <p:blipFill rotWithShape="1">
+          <a:blip r:embed="rId4">
+            <a:extLst>
+              <a:ext uri="{28A0092B-C50C-407E-A947-70E740481C1C}">
+                <a14:useLocalDpi xmlns:a14="http://schemas.microsoft.com/office/drawing/2010/main" val="0"/>
+              </a:ext>
+            </a:extLst>
+          </a:blip>
+          <a:srcRect t="43891" r="334" b="41874"/>
+          <a:stretch/>
+        </p:blipFill>
+        <p:spPr>
+          <a:xfrm>
+            <a:off x="1116141" y="2940843"/>
+            <a:ext cx="9959718" cy="976314"/>
+          </a:xfrm>
+          <a:prstGeom prst="rect">
+            <a:avLst/>
+          </a:prstGeom>
+        </p:spPr>
+      </p:pic>
+    </p:spTree>
+    <p:extLst>
+      <p:ext uri="{BB962C8B-B14F-4D97-AF65-F5344CB8AC3E}">
+        <p14:creationId xmlns:p14="http://schemas.microsoft.com/office/powerpoint/2010/main" val="3111504861"/>
       </p:ext>
     </p:extLst>
   </p:cSld>
@@ -8969,109 +8263,6 @@
           <p:nvPr/>
         </p:nvPicPr>
         <p:blipFill rotWithShape="1">
-          <a:blip r:embed="rId3">
-            <a:extLst>
-              <a:ext uri="{28A0092B-C50C-407E-A947-70E740481C1C}">
-                <a14:useLocalDpi xmlns:a14="http://schemas.microsoft.com/office/drawing/2010/main" val="0"/>
-              </a:ext>
-            </a:extLst>
-          </a:blip>
-          <a:srcRect b="325"/>
-          <a:stretch/>
-        </p:blipFill>
-        <p:spPr>
-          <a:xfrm>
-            <a:off x="-1" y="0"/>
-            <a:ext cx="12192001" cy="6858000"/>
-          </a:xfrm>
-          <a:prstGeom prst="rect">
-            <a:avLst/>
-          </a:prstGeom>
-        </p:spPr>
-      </p:pic>
-      <p:pic>
-        <p:nvPicPr>
-          <p:cNvPr id="4" name="図 3">
-            <a:extLst>
-              <a:ext uri="{FF2B5EF4-FFF2-40B4-BE49-F238E27FC236}">
-                <a16:creationId xmlns:a16="http://schemas.microsoft.com/office/drawing/2014/main" id="{7A33A7C0-7A5E-46F4-B3A1-82ECAD324DE4}"/>
-              </a:ext>
-              <a:ext uri="{C183D7F6-B498-43B3-948B-1728B52AA6E4}">
-                <adec:decorative xmlns:adec="http://schemas.microsoft.com/office/drawing/2017/decorative" val="1"/>
-              </a:ext>
-            </a:extLst>
-          </p:cNvPr>
-          <p:cNvPicPr>
-            <a:picLocks noChangeAspect="1"/>
-          </p:cNvPicPr>
-          <p:nvPr/>
-        </p:nvPicPr>
-        <p:blipFill rotWithShape="1">
-          <a:blip r:embed="rId4">
-            <a:extLst>
-              <a:ext uri="{28A0092B-C50C-407E-A947-70E740481C1C}">
-                <a14:useLocalDpi xmlns:a14="http://schemas.microsoft.com/office/drawing/2010/main" val="0"/>
-              </a:ext>
-            </a:extLst>
-          </a:blip>
-          <a:srcRect t="43891" r="334" b="41874"/>
-          <a:stretch/>
-        </p:blipFill>
-        <p:spPr>
-          <a:xfrm>
-            <a:off x="1116141" y="2940843"/>
-            <a:ext cx="9959718" cy="976314"/>
-          </a:xfrm>
-          <a:prstGeom prst="rect">
-            <a:avLst/>
-          </a:prstGeom>
-        </p:spPr>
-      </p:pic>
-    </p:spTree>
-    <p:extLst>
-      <p:ext uri="{BB962C8B-B14F-4D97-AF65-F5344CB8AC3E}">
-        <p14:creationId xmlns:p14="http://schemas.microsoft.com/office/powerpoint/2010/main" val="3111504861"/>
-      </p:ext>
-    </p:extLst>
-  </p:cSld>
-  <p:clrMapOvr>
-    <a:masterClrMapping/>
-  </p:clrMapOvr>
-</p:sld>
-</file>
-
-<file path=ppt/slides/slide17.xml><?xml version="1.0" encoding="utf-8"?>
-<p:sld xmlns:a="http://schemas.openxmlformats.org/drawingml/2006/main" xmlns:r="http://schemas.openxmlformats.org/officeDocument/2006/relationships" xmlns:p="http://schemas.openxmlformats.org/presentationml/2006/main">
-  <p:cSld>
-    <p:spTree>
-      <p:nvGrpSpPr>
-        <p:cNvPr id="1" name=""/>
-        <p:cNvGrpSpPr/>
-        <p:nvPr/>
-      </p:nvGrpSpPr>
-      <p:grpSpPr>
-        <a:xfrm>
-          <a:off x="0" y="0"/>
-          <a:ext cx="0" cy="0"/>
-          <a:chOff x="0" y="0"/>
-          <a:chExt cx="0" cy="0"/>
-        </a:xfrm>
-      </p:grpSpPr>
-      <p:pic>
-        <p:nvPicPr>
-          <p:cNvPr id="10" name="図 9" descr="カーテン が含まれている画像&#10;&#10;自動的に生成された説明">
-            <a:extLst>
-              <a:ext uri="{FF2B5EF4-FFF2-40B4-BE49-F238E27FC236}">
-                <a16:creationId xmlns:a16="http://schemas.microsoft.com/office/drawing/2014/main" id="{3BFCBF50-5650-0F99-E72E-1F161F7507D2}"/>
-              </a:ext>
-            </a:extLst>
-          </p:cNvPr>
-          <p:cNvPicPr>
-            <a:picLocks noChangeAspect="1"/>
-          </p:cNvPicPr>
-          <p:nvPr/>
-        </p:nvPicPr>
-        <p:blipFill rotWithShape="1">
           <a:blip r:embed="rId2">
             <a:extLst>
               <a:ext uri="{28A0092B-C50C-407E-A947-70E740481C1C}">
@@ -9140,7 +8331,7 @@
 </p:sld>
 </file>
 
-<file path=ppt/slides/slide18.xml><?xml version="1.0" encoding="utf-8"?>
+<file path=ppt/slides/slide17.xml><?xml version="1.0" encoding="utf-8"?>
 <p:sld xmlns:a="http://schemas.openxmlformats.org/drawingml/2006/main" xmlns:r="http://schemas.openxmlformats.org/officeDocument/2006/relationships" xmlns:p="http://schemas.openxmlformats.org/presentationml/2006/main">
   <p:cSld>
     <p:spTree>
@@ -9470,7 +8661,7 @@
 </p:sld>
 </file>
 
-<file path=ppt/slides/slide19.xml><?xml version="1.0" encoding="utf-8"?>
+<file path=ppt/slides/slide18.xml><?xml version="1.0" encoding="utf-8"?>
 <p:sld xmlns:a="http://schemas.openxmlformats.org/drawingml/2006/main" xmlns:r="http://schemas.openxmlformats.org/officeDocument/2006/relationships" xmlns:p="http://schemas.openxmlformats.org/presentationml/2006/main">
   <p:cSld>
     <p:spTree>
@@ -9564,6 +8755,416 @@
     <p:extLst>
       <p:ext uri="{BB962C8B-B14F-4D97-AF65-F5344CB8AC3E}">
         <p14:creationId xmlns:p14="http://schemas.microsoft.com/office/powerpoint/2010/main" val="3344695076"/>
+      </p:ext>
+    </p:extLst>
+  </p:cSld>
+  <p:clrMapOvr>
+    <a:masterClrMapping/>
+  </p:clrMapOvr>
+</p:sld>
+</file>
+
+<file path=ppt/slides/slide19.xml><?xml version="1.0" encoding="utf-8"?>
+<p:sld xmlns:a="http://schemas.openxmlformats.org/drawingml/2006/main" xmlns:r="http://schemas.openxmlformats.org/officeDocument/2006/relationships" xmlns:p="http://schemas.openxmlformats.org/presentationml/2006/main">
+  <p:cSld>
+    <p:spTree>
+      <p:nvGrpSpPr>
+        <p:cNvPr id="1" name=""/>
+        <p:cNvGrpSpPr/>
+        <p:nvPr/>
+      </p:nvGrpSpPr>
+      <p:grpSpPr>
+        <a:xfrm>
+          <a:off x="0" y="0"/>
+          <a:ext cx="0" cy="0"/>
+          <a:chOff x="0" y="0"/>
+          <a:chExt cx="0" cy="0"/>
+        </a:xfrm>
+      </p:grpSpPr>
+      <p:sp>
+        <p:nvSpPr>
+          <p:cNvPr id="3" name="コンテンツ プレースホルダー 2">
+            <a:extLst>
+              <a:ext uri="{FF2B5EF4-FFF2-40B4-BE49-F238E27FC236}">
+                <a16:creationId xmlns:a16="http://schemas.microsoft.com/office/drawing/2014/main" id="{CC96BA86-5DEC-0C8A-0D37-9901BCB94BED}"/>
+              </a:ext>
+            </a:extLst>
+          </p:cNvPr>
+          <p:cNvSpPr>
+            <a:spLocks noGrp="1"/>
+          </p:cNvSpPr>
+          <p:nvPr>
+            <p:ph idx="1"/>
+          </p:nvPr>
+        </p:nvSpPr>
+        <p:spPr>
+          <a:xfrm>
+            <a:off x="838200" y="1534886"/>
+            <a:ext cx="10515600" cy="5127171"/>
+          </a:xfrm>
+        </p:spPr>
+        <p:txBody>
+          <a:bodyPr/>
+          <a:lstStyle/>
+          <a:p>
+            <a:pPr marL="0" indent="0">
+              <a:buNone/>
+            </a:pPr>
+            <a:r>
+              <a:rPr kumimoji="1" lang="ja-JP" altLang="en-US" dirty="0">
+                <a:latin typeface="HGｺﾞｼｯｸE" panose="020B0909000000000000" pitchFamily="49" charset="-128"/>
+                <a:ea typeface="HGｺﾞｼｯｸE" panose="020B0909000000000000" pitchFamily="49" charset="-128"/>
+              </a:rPr>
+              <a:t>担当</a:t>
+            </a:r>
+            <a:endParaRPr kumimoji="1" lang="en-US" altLang="ja-JP" dirty="0">
+              <a:latin typeface="HGｺﾞｼｯｸE" panose="020B0909000000000000" pitchFamily="49" charset="-128"/>
+              <a:ea typeface="HGｺﾞｼｯｸE" panose="020B0909000000000000" pitchFamily="49" charset="-128"/>
+            </a:endParaRPr>
+          </a:p>
+          <a:p>
+            <a:pPr>
+              <a:buClr>
+                <a:schemeClr val="accent2">
+                  <a:lumMod val="75000"/>
+                </a:schemeClr>
+              </a:buClr>
+            </a:pPr>
+            <a:r>
+              <a:rPr lang="ja-JP" altLang="en-US" dirty="0">
+                <a:latin typeface="HGｺﾞｼｯｸM" panose="020B0609000000000000" pitchFamily="49" charset="-128"/>
+                <a:ea typeface="HGｺﾞｼｯｸM" panose="020B0609000000000000" pitchFamily="49" charset="-128"/>
+              </a:rPr>
+              <a:t>チームリーダー</a:t>
+            </a:r>
+            <a:endParaRPr lang="en-US" altLang="ja-JP" dirty="0">
+              <a:latin typeface="HGｺﾞｼｯｸM" panose="020B0609000000000000" pitchFamily="49" charset="-128"/>
+              <a:ea typeface="HGｺﾞｼｯｸM" panose="020B0609000000000000" pitchFamily="49" charset="-128"/>
+            </a:endParaRPr>
+          </a:p>
+          <a:p>
+            <a:pPr>
+              <a:buClr>
+                <a:schemeClr val="accent2">
+                  <a:lumMod val="75000"/>
+                </a:schemeClr>
+              </a:buClr>
+            </a:pPr>
+            <a:r>
+              <a:rPr kumimoji="1" lang="en-US" altLang="ja-JP" dirty="0">
+                <a:latin typeface="HGｺﾞｼｯｸM" panose="020B0609000000000000" pitchFamily="49" charset="-128"/>
+                <a:ea typeface="HGｺﾞｼｯｸM" panose="020B0609000000000000" pitchFamily="49" charset="-128"/>
+              </a:rPr>
+              <a:t>Java</a:t>
+            </a:r>
+            <a:r>
+              <a:rPr kumimoji="1" lang="ja-JP" altLang="en-US" dirty="0">
+                <a:latin typeface="HGｺﾞｼｯｸM" panose="020B0609000000000000" pitchFamily="49" charset="-128"/>
+                <a:ea typeface="HGｺﾞｼｯｸM" panose="020B0609000000000000" pitchFamily="49" charset="-128"/>
+              </a:rPr>
+              <a:t>、</a:t>
+            </a:r>
+            <a:r>
+              <a:rPr lang="en-US" altLang="ja-JP" dirty="0">
+                <a:latin typeface="HGｺﾞｼｯｸM" panose="020B0609000000000000" pitchFamily="49" charset="-128"/>
+                <a:ea typeface="HGｺﾞｼｯｸM" panose="020B0609000000000000" pitchFamily="49" charset="-128"/>
+              </a:rPr>
+              <a:t>JavaScript</a:t>
+            </a:r>
+          </a:p>
+          <a:p>
+            <a:pPr marL="0" indent="0">
+              <a:buNone/>
+            </a:pPr>
+            <a:r>
+              <a:rPr kumimoji="1" lang="ja-JP" altLang="en-US" dirty="0">
+                <a:latin typeface="HGｺﾞｼｯｸE" panose="020B0909000000000000" pitchFamily="49" charset="-128"/>
+                <a:ea typeface="HGｺﾞｼｯｸE" panose="020B0909000000000000" pitchFamily="49" charset="-128"/>
+              </a:rPr>
+              <a:t>苦労した点</a:t>
+            </a:r>
+            <a:endParaRPr kumimoji="1" lang="en-US" altLang="ja-JP" dirty="0">
+              <a:latin typeface="HGｺﾞｼｯｸE" panose="020B0909000000000000" pitchFamily="49" charset="-128"/>
+              <a:ea typeface="HGｺﾞｼｯｸE" panose="020B0909000000000000" pitchFamily="49" charset="-128"/>
+            </a:endParaRPr>
+          </a:p>
+          <a:p>
+            <a:pPr>
+              <a:buClr>
+                <a:schemeClr val="accent2">
+                  <a:lumMod val="75000"/>
+                </a:schemeClr>
+              </a:buClr>
+            </a:pPr>
+            <a:r>
+              <a:rPr lang="ja-JP" altLang="en-US" dirty="0">
+                <a:latin typeface="HGｺﾞｼｯｸM" panose="020B0609000000000000" pitchFamily="49" charset="-128"/>
+                <a:ea typeface="HGｺﾞｼｯｸM" panose="020B0609000000000000" pitchFamily="49" charset="-128"/>
+              </a:rPr>
+              <a:t>計画を立て、メンバーに仕事を割り振ること</a:t>
+            </a:r>
+            <a:endParaRPr lang="en-US" altLang="ja-JP" dirty="0">
+              <a:latin typeface="HGｺﾞｼｯｸM" panose="020B0609000000000000" pitchFamily="49" charset="-128"/>
+              <a:ea typeface="HGｺﾞｼｯｸM" panose="020B0609000000000000" pitchFamily="49" charset="-128"/>
+            </a:endParaRPr>
+          </a:p>
+          <a:p>
+            <a:pPr>
+              <a:buClr>
+                <a:schemeClr val="accent2">
+                  <a:lumMod val="75000"/>
+                </a:schemeClr>
+              </a:buClr>
+            </a:pPr>
+            <a:r>
+              <a:rPr lang="ja-JP" altLang="en-US" dirty="0">
+                <a:latin typeface="HGｺﾞｼｯｸM" panose="020B0609000000000000" pitchFamily="49" charset="-128"/>
+                <a:ea typeface="HGｺﾞｼｯｸM" panose="020B0609000000000000" pitchFamily="49" charset="-128"/>
+              </a:rPr>
+              <a:t>各メンバーの進捗確認</a:t>
+            </a:r>
+            <a:endParaRPr lang="en-US" altLang="ja-JP" dirty="0">
+              <a:latin typeface="HGｺﾞｼｯｸM" panose="020B0609000000000000" pitchFamily="49" charset="-128"/>
+              <a:ea typeface="HGｺﾞｼｯｸM" panose="020B0609000000000000" pitchFamily="49" charset="-128"/>
+            </a:endParaRPr>
+          </a:p>
+          <a:p>
+            <a:pPr>
+              <a:buClr>
+                <a:schemeClr val="accent2">
+                  <a:lumMod val="75000"/>
+                </a:schemeClr>
+              </a:buClr>
+            </a:pPr>
+            <a:r>
+              <a:rPr lang="ja-JP" altLang="en-US" dirty="0">
+                <a:latin typeface="HGｺﾞｼｯｸM" panose="020B0609000000000000" pitchFamily="49" charset="-128"/>
+                <a:ea typeface="HGｺﾞｼｯｸM" panose="020B0609000000000000" pitchFamily="49" charset="-128"/>
+              </a:rPr>
+              <a:t>習っていなかった</a:t>
+            </a:r>
+            <a:r>
+              <a:rPr lang="en-US" altLang="ja-JP" dirty="0">
+                <a:latin typeface="HGｺﾞｼｯｸM" panose="020B0609000000000000" pitchFamily="49" charset="-128"/>
+                <a:ea typeface="HGｺﾞｼｯｸM" panose="020B0609000000000000" pitchFamily="49" charset="-128"/>
+              </a:rPr>
+              <a:t>JavaScript</a:t>
+            </a:r>
+            <a:r>
+              <a:rPr lang="ja-JP" altLang="en-US" dirty="0">
+                <a:latin typeface="HGｺﾞｼｯｸM" panose="020B0609000000000000" pitchFamily="49" charset="-128"/>
+                <a:ea typeface="HGｺﾞｼｯｸM" panose="020B0609000000000000" pitchFamily="49" charset="-128"/>
+              </a:rPr>
+              <a:t>の技術</a:t>
+            </a:r>
+            <a:endParaRPr kumimoji="1" lang="en-US" altLang="ja-JP" dirty="0">
+              <a:latin typeface="HGｺﾞｼｯｸM" panose="020B0609000000000000" pitchFamily="49" charset="-128"/>
+              <a:ea typeface="HGｺﾞｼｯｸM" panose="020B0609000000000000" pitchFamily="49" charset="-128"/>
+            </a:endParaRPr>
+          </a:p>
+          <a:p>
+            <a:pPr marL="0" indent="0">
+              <a:buNone/>
+            </a:pPr>
+            <a:r>
+              <a:rPr kumimoji="1" lang="ja-JP" altLang="en-US" dirty="0">
+                <a:latin typeface="HGｺﾞｼｯｸE" panose="020B0909000000000000" pitchFamily="49" charset="-128"/>
+                <a:ea typeface="HGｺﾞｼｯｸE" panose="020B0909000000000000" pitchFamily="49" charset="-128"/>
+              </a:rPr>
+              <a:t>成果</a:t>
+            </a:r>
+            <a:endParaRPr kumimoji="1" lang="en-US" altLang="ja-JP" dirty="0">
+              <a:latin typeface="HGｺﾞｼｯｸE" panose="020B0909000000000000" pitchFamily="49" charset="-128"/>
+              <a:ea typeface="HGｺﾞｼｯｸE" panose="020B0909000000000000" pitchFamily="49" charset="-128"/>
+            </a:endParaRPr>
+          </a:p>
+          <a:p>
+            <a:pPr>
+              <a:buClr>
+                <a:schemeClr val="accent2">
+                  <a:lumMod val="75000"/>
+                </a:schemeClr>
+              </a:buClr>
+            </a:pPr>
+            <a:r>
+              <a:rPr kumimoji="1" lang="ja-JP" altLang="en-US" dirty="0">
+                <a:latin typeface="HGｺﾞｼｯｸM" panose="020B0609000000000000" pitchFamily="49" charset="-128"/>
+                <a:ea typeface="HGｺﾞｼｯｸM" panose="020B0609000000000000" pitchFamily="49" charset="-128"/>
+              </a:rPr>
+              <a:t>チームマネジメントの経験を積むことができた</a:t>
+            </a:r>
+            <a:endParaRPr kumimoji="1" lang="en-US" altLang="ja-JP" dirty="0">
+              <a:latin typeface="HGｺﾞｼｯｸM" panose="020B0609000000000000" pitchFamily="49" charset="-128"/>
+              <a:ea typeface="HGｺﾞｼｯｸM" panose="020B0609000000000000" pitchFamily="49" charset="-128"/>
+            </a:endParaRPr>
+          </a:p>
+          <a:p>
+            <a:pPr>
+              <a:buClr>
+                <a:schemeClr val="accent2">
+                  <a:lumMod val="75000"/>
+                </a:schemeClr>
+              </a:buClr>
+            </a:pPr>
+            <a:r>
+              <a:rPr kumimoji="1" lang="ja-JP" altLang="en-US" dirty="0">
+                <a:latin typeface="HGｺﾞｼｯｸM" panose="020B0609000000000000" pitchFamily="49" charset="-128"/>
+                <a:ea typeface="HGｺﾞｼｯｸM" panose="020B0609000000000000" pitchFamily="49" charset="-128"/>
+              </a:rPr>
+              <a:t>新しい技術（</a:t>
+            </a:r>
+            <a:r>
+              <a:rPr kumimoji="1" lang="en-US" altLang="ja-JP" dirty="0">
+                <a:latin typeface="HGｺﾞｼｯｸM" panose="020B0609000000000000" pitchFamily="49" charset="-128"/>
+                <a:ea typeface="HGｺﾞｼｯｸM" panose="020B0609000000000000" pitchFamily="49" charset="-128"/>
+              </a:rPr>
+              <a:t>JavaScript</a:t>
+            </a:r>
+            <a:r>
+              <a:rPr kumimoji="1" lang="ja-JP" altLang="en-US" dirty="0">
+                <a:latin typeface="HGｺﾞｼｯｸM" panose="020B0609000000000000" pitchFamily="49" charset="-128"/>
+                <a:ea typeface="HGｺﾞｼｯｸM" panose="020B0609000000000000" pitchFamily="49" charset="-128"/>
+              </a:rPr>
+              <a:t>等）を知ることができた</a:t>
+            </a:r>
+            <a:endParaRPr kumimoji="1" lang="en-US" altLang="ja-JP" dirty="0">
+              <a:latin typeface="HGｺﾞｼｯｸM" panose="020B0609000000000000" pitchFamily="49" charset="-128"/>
+              <a:ea typeface="HGｺﾞｼｯｸM" panose="020B0609000000000000" pitchFamily="49" charset="-128"/>
+            </a:endParaRPr>
+          </a:p>
+          <a:p>
+            <a:pPr>
+              <a:buClr>
+                <a:srgbClr val="FFA333"/>
+              </a:buClr>
+            </a:pPr>
+            <a:endParaRPr kumimoji="1" lang="ja-JP" altLang="en-US" dirty="0">
+              <a:latin typeface="HGｺﾞｼｯｸM" panose="020B0609000000000000" pitchFamily="49" charset="-128"/>
+              <a:ea typeface="HGｺﾞｼｯｸM" panose="020B0609000000000000" pitchFamily="49" charset="-128"/>
+            </a:endParaRPr>
+          </a:p>
+        </p:txBody>
+      </p:sp>
+      <p:sp>
+        <p:nvSpPr>
+          <p:cNvPr id="4" name="四角形: 角を丸くする 3">
+            <a:extLst>
+              <a:ext uri="{FF2B5EF4-FFF2-40B4-BE49-F238E27FC236}">
+                <a16:creationId xmlns:a16="http://schemas.microsoft.com/office/drawing/2014/main" id="{AF247C9C-C3E7-2294-3EBC-27311E4FB740}"/>
+              </a:ext>
+            </a:extLst>
+          </p:cNvPr>
+          <p:cNvSpPr/>
+          <p:nvPr/>
+        </p:nvSpPr>
+        <p:spPr>
+          <a:xfrm>
+            <a:off x="838200" y="195943"/>
+            <a:ext cx="10515600" cy="1209519"/>
+          </a:xfrm>
+          <a:prstGeom prst="roundRect">
+            <a:avLst/>
+          </a:prstGeom>
+          <a:solidFill>
+            <a:srgbClr val="FFA333"/>
+          </a:solidFill>
+          <a:ln w="38100">
+            <a:noFill/>
+          </a:ln>
+        </p:spPr>
+        <p:style>
+          <a:lnRef idx="2">
+            <a:schemeClr val="accent1">
+              <a:shade val="50000"/>
+            </a:schemeClr>
+          </a:lnRef>
+          <a:fillRef idx="1">
+            <a:schemeClr val="accent1"/>
+          </a:fillRef>
+          <a:effectRef idx="0">
+            <a:schemeClr val="accent1"/>
+          </a:effectRef>
+          <a:fontRef idx="minor">
+            <a:schemeClr val="lt1"/>
+          </a:fontRef>
+        </p:style>
+        <p:txBody>
+          <a:bodyPr rtlCol="0" anchor="ctr"/>
+          <a:lstStyle/>
+          <a:p>
+            <a:pPr marL="0" marR="0" lvl="0" indent="0" algn="l" defTabSz="914400" rtl="0" eaLnBrk="1" fontAlgn="auto" latinLnBrk="0" hangingPunct="1">
+              <a:lnSpc>
+                <a:spcPct val="100000"/>
+              </a:lnSpc>
+              <a:spcBef>
+                <a:spcPts val="0"/>
+              </a:spcBef>
+              <a:spcAft>
+                <a:spcPts val="0"/>
+              </a:spcAft>
+              <a:buClrTx/>
+              <a:buSzTx/>
+              <a:buFontTx/>
+              <a:buNone/>
+              <a:tabLst/>
+              <a:defRPr/>
+            </a:pPr>
+            <a:r>
+              <a:rPr lang="ja-JP" altLang="en-US" sz="4400" dirty="0">
+                <a:solidFill>
+                  <a:prstClr val="white"/>
+                </a:solidFill>
+                <a:latin typeface="HGｺﾞｼｯｸE" panose="020B0909000000000000" pitchFamily="49" charset="-128"/>
+                <a:ea typeface="HGｺﾞｼｯｸE" panose="020B0909000000000000" pitchFamily="49" charset="-128"/>
+              </a:rPr>
+              <a:t>髙林 隼仁</a:t>
+            </a:r>
+            <a:endParaRPr lang="en-US" altLang="ja-JP" sz="4400" dirty="0">
+              <a:solidFill>
+                <a:prstClr val="white"/>
+              </a:solidFill>
+              <a:latin typeface="HGｺﾞｼｯｸE" panose="020B0909000000000000" pitchFamily="49" charset="-128"/>
+              <a:ea typeface="HGｺﾞｼｯｸE" panose="020B0909000000000000" pitchFamily="49" charset="-128"/>
+            </a:endParaRPr>
+          </a:p>
+          <a:p>
+            <a:pPr lvl="0">
+              <a:defRPr/>
+            </a:pPr>
+            <a:r>
+              <a:rPr lang="ja-JP" altLang="en-US" sz="3600" dirty="0">
+                <a:solidFill>
+                  <a:prstClr val="white"/>
+                </a:solidFill>
+                <a:latin typeface="HGｺﾞｼｯｸE" panose="020B0909000000000000" pitchFamily="49" charset="-128"/>
+                <a:ea typeface="HGｺﾞｼｯｸE" panose="020B0909000000000000" pitchFamily="49" charset="-128"/>
+              </a:rPr>
+              <a:t>（知識工学株式会社</a:t>
+            </a:r>
+            <a:r>
+              <a:rPr kumimoji="1" lang="ja-JP" altLang="en-US" sz="3600" b="0" i="0" u="none" strike="noStrike" kern="1200" cap="none" spc="0" normalizeH="0" baseline="0" noProof="0" dirty="0">
+                <a:ln>
+                  <a:noFill/>
+                </a:ln>
+                <a:solidFill>
+                  <a:prstClr val="white"/>
+                </a:solidFill>
+                <a:effectLst/>
+                <a:uLnTx/>
+                <a:uFillTx/>
+                <a:latin typeface="HGｺﾞｼｯｸE" panose="020B0909000000000000" pitchFamily="49" charset="-128"/>
+                <a:ea typeface="HGｺﾞｼｯｸE" panose="020B0909000000000000" pitchFamily="49" charset="-128"/>
+                <a:cs typeface="+mn-cs"/>
+              </a:rPr>
+              <a:t>）</a:t>
+            </a:r>
+          </a:p>
+        </p:txBody>
+      </p:sp>
+    </p:spTree>
+    <p:extLst>
+      <p:ext uri="{BB962C8B-B14F-4D97-AF65-F5344CB8AC3E}">
+        <p14:creationId xmlns:p14="http://schemas.microsoft.com/office/powerpoint/2010/main" val="3087343357"/>
       </p:ext>
     </p:extLst>
   </p:cSld>
@@ -9856,416 +9457,6 @@
         </p:nvSpPr>
         <p:spPr>
           <a:xfrm>
-            <a:off x="838200" y="1534886"/>
-            <a:ext cx="10515600" cy="5127171"/>
-          </a:xfrm>
-        </p:spPr>
-        <p:txBody>
-          <a:bodyPr/>
-          <a:lstStyle/>
-          <a:p>
-            <a:pPr marL="0" indent="0">
-              <a:buNone/>
-            </a:pPr>
-            <a:r>
-              <a:rPr kumimoji="1" lang="ja-JP" altLang="en-US" dirty="0">
-                <a:latin typeface="HGｺﾞｼｯｸE" panose="020B0909000000000000" pitchFamily="49" charset="-128"/>
-                <a:ea typeface="HGｺﾞｼｯｸE" panose="020B0909000000000000" pitchFamily="49" charset="-128"/>
-              </a:rPr>
-              <a:t>担当</a:t>
-            </a:r>
-            <a:endParaRPr kumimoji="1" lang="en-US" altLang="ja-JP" dirty="0">
-              <a:latin typeface="HGｺﾞｼｯｸE" panose="020B0909000000000000" pitchFamily="49" charset="-128"/>
-              <a:ea typeface="HGｺﾞｼｯｸE" panose="020B0909000000000000" pitchFamily="49" charset="-128"/>
-            </a:endParaRPr>
-          </a:p>
-          <a:p>
-            <a:pPr>
-              <a:buClr>
-                <a:schemeClr val="accent2">
-                  <a:lumMod val="75000"/>
-                </a:schemeClr>
-              </a:buClr>
-            </a:pPr>
-            <a:r>
-              <a:rPr lang="ja-JP" altLang="en-US" dirty="0">
-                <a:latin typeface="HGｺﾞｼｯｸM" panose="020B0609000000000000" pitchFamily="49" charset="-128"/>
-                <a:ea typeface="HGｺﾞｼｯｸM" panose="020B0609000000000000" pitchFamily="49" charset="-128"/>
-              </a:rPr>
-              <a:t>チームリーダー</a:t>
-            </a:r>
-            <a:endParaRPr lang="en-US" altLang="ja-JP" dirty="0">
-              <a:latin typeface="HGｺﾞｼｯｸM" panose="020B0609000000000000" pitchFamily="49" charset="-128"/>
-              <a:ea typeface="HGｺﾞｼｯｸM" panose="020B0609000000000000" pitchFamily="49" charset="-128"/>
-            </a:endParaRPr>
-          </a:p>
-          <a:p>
-            <a:pPr>
-              <a:buClr>
-                <a:schemeClr val="accent2">
-                  <a:lumMod val="75000"/>
-                </a:schemeClr>
-              </a:buClr>
-            </a:pPr>
-            <a:r>
-              <a:rPr kumimoji="1" lang="en-US" altLang="ja-JP" dirty="0">
-                <a:latin typeface="HGｺﾞｼｯｸM" panose="020B0609000000000000" pitchFamily="49" charset="-128"/>
-                <a:ea typeface="HGｺﾞｼｯｸM" panose="020B0609000000000000" pitchFamily="49" charset="-128"/>
-              </a:rPr>
-              <a:t>Java</a:t>
-            </a:r>
-            <a:r>
-              <a:rPr kumimoji="1" lang="ja-JP" altLang="en-US" dirty="0">
-                <a:latin typeface="HGｺﾞｼｯｸM" panose="020B0609000000000000" pitchFamily="49" charset="-128"/>
-                <a:ea typeface="HGｺﾞｼｯｸM" panose="020B0609000000000000" pitchFamily="49" charset="-128"/>
-              </a:rPr>
-              <a:t>、</a:t>
-            </a:r>
-            <a:r>
-              <a:rPr lang="en-US" altLang="ja-JP" dirty="0">
-                <a:latin typeface="HGｺﾞｼｯｸM" panose="020B0609000000000000" pitchFamily="49" charset="-128"/>
-                <a:ea typeface="HGｺﾞｼｯｸM" panose="020B0609000000000000" pitchFamily="49" charset="-128"/>
-              </a:rPr>
-              <a:t>JavaScript</a:t>
-            </a:r>
-          </a:p>
-          <a:p>
-            <a:pPr marL="0" indent="0">
-              <a:buNone/>
-            </a:pPr>
-            <a:r>
-              <a:rPr kumimoji="1" lang="ja-JP" altLang="en-US" dirty="0">
-                <a:latin typeface="HGｺﾞｼｯｸE" panose="020B0909000000000000" pitchFamily="49" charset="-128"/>
-                <a:ea typeface="HGｺﾞｼｯｸE" panose="020B0909000000000000" pitchFamily="49" charset="-128"/>
-              </a:rPr>
-              <a:t>苦労した点</a:t>
-            </a:r>
-            <a:endParaRPr kumimoji="1" lang="en-US" altLang="ja-JP" dirty="0">
-              <a:latin typeface="HGｺﾞｼｯｸE" panose="020B0909000000000000" pitchFamily="49" charset="-128"/>
-              <a:ea typeface="HGｺﾞｼｯｸE" panose="020B0909000000000000" pitchFamily="49" charset="-128"/>
-            </a:endParaRPr>
-          </a:p>
-          <a:p>
-            <a:pPr>
-              <a:buClr>
-                <a:schemeClr val="accent2">
-                  <a:lumMod val="75000"/>
-                </a:schemeClr>
-              </a:buClr>
-            </a:pPr>
-            <a:r>
-              <a:rPr lang="ja-JP" altLang="en-US" dirty="0">
-                <a:latin typeface="HGｺﾞｼｯｸM" panose="020B0609000000000000" pitchFamily="49" charset="-128"/>
-                <a:ea typeface="HGｺﾞｼｯｸM" panose="020B0609000000000000" pitchFamily="49" charset="-128"/>
-              </a:rPr>
-              <a:t>計画を立て、メンバーに仕事を割り振ること</a:t>
-            </a:r>
-            <a:endParaRPr lang="en-US" altLang="ja-JP" dirty="0">
-              <a:latin typeface="HGｺﾞｼｯｸM" panose="020B0609000000000000" pitchFamily="49" charset="-128"/>
-              <a:ea typeface="HGｺﾞｼｯｸM" panose="020B0609000000000000" pitchFamily="49" charset="-128"/>
-            </a:endParaRPr>
-          </a:p>
-          <a:p>
-            <a:pPr>
-              <a:buClr>
-                <a:schemeClr val="accent2">
-                  <a:lumMod val="75000"/>
-                </a:schemeClr>
-              </a:buClr>
-            </a:pPr>
-            <a:r>
-              <a:rPr lang="ja-JP" altLang="en-US" dirty="0">
-                <a:latin typeface="HGｺﾞｼｯｸM" panose="020B0609000000000000" pitchFamily="49" charset="-128"/>
-                <a:ea typeface="HGｺﾞｼｯｸM" panose="020B0609000000000000" pitchFamily="49" charset="-128"/>
-              </a:rPr>
-              <a:t>各メンバーの進捗確認</a:t>
-            </a:r>
-            <a:endParaRPr lang="en-US" altLang="ja-JP" dirty="0">
-              <a:latin typeface="HGｺﾞｼｯｸM" panose="020B0609000000000000" pitchFamily="49" charset="-128"/>
-              <a:ea typeface="HGｺﾞｼｯｸM" panose="020B0609000000000000" pitchFamily="49" charset="-128"/>
-            </a:endParaRPr>
-          </a:p>
-          <a:p>
-            <a:pPr>
-              <a:buClr>
-                <a:schemeClr val="accent2">
-                  <a:lumMod val="75000"/>
-                </a:schemeClr>
-              </a:buClr>
-            </a:pPr>
-            <a:r>
-              <a:rPr lang="ja-JP" altLang="en-US" dirty="0">
-                <a:latin typeface="HGｺﾞｼｯｸM" panose="020B0609000000000000" pitchFamily="49" charset="-128"/>
-                <a:ea typeface="HGｺﾞｼｯｸM" panose="020B0609000000000000" pitchFamily="49" charset="-128"/>
-              </a:rPr>
-              <a:t>習っていなかった</a:t>
-            </a:r>
-            <a:r>
-              <a:rPr lang="en-US" altLang="ja-JP" dirty="0">
-                <a:latin typeface="HGｺﾞｼｯｸM" panose="020B0609000000000000" pitchFamily="49" charset="-128"/>
-                <a:ea typeface="HGｺﾞｼｯｸM" panose="020B0609000000000000" pitchFamily="49" charset="-128"/>
-              </a:rPr>
-              <a:t>JavaScript</a:t>
-            </a:r>
-            <a:r>
-              <a:rPr lang="ja-JP" altLang="en-US" dirty="0">
-                <a:latin typeface="HGｺﾞｼｯｸM" panose="020B0609000000000000" pitchFamily="49" charset="-128"/>
-                <a:ea typeface="HGｺﾞｼｯｸM" panose="020B0609000000000000" pitchFamily="49" charset="-128"/>
-              </a:rPr>
-              <a:t>の技術</a:t>
-            </a:r>
-            <a:endParaRPr kumimoji="1" lang="en-US" altLang="ja-JP" dirty="0">
-              <a:latin typeface="HGｺﾞｼｯｸM" panose="020B0609000000000000" pitchFamily="49" charset="-128"/>
-              <a:ea typeface="HGｺﾞｼｯｸM" panose="020B0609000000000000" pitchFamily="49" charset="-128"/>
-            </a:endParaRPr>
-          </a:p>
-          <a:p>
-            <a:pPr marL="0" indent="0">
-              <a:buNone/>
-            </a:pPr>
-            <a:r>
-              <a:rPr kumimoji="1" lang="ja-JP" altLang="en-US" dirty="0">
-                <a:latin typeface="HGｺﾞｼｯｸE" panose="020B0909000000000000" pitchFamily="49" charset="-128"/>
-                <a:ea typeface="HGｺﾞｼｯｸE" panose="020B0909000000000000" pitchFamily="49" charset="-128"/>
-              </a:rPr>
-              <a:t>成果</a:t>
-            </a:r>
-            <a:endParaRPr kumimoji="1" lang="en-US" altLang="ja-JP" dirty="0">
-              <a:latin typeface="HGｺﾞｼｯｸE" panose="020B0909000000000000" pitchFamily="49" charset="-128"/>
-              <a:ea typeface="HGｺﾞｼｯｸE" panose="020B0909000000000000" pitchFamily="49" charset="-128"/>
-            </a:endParaRPr>
-          </a:p>
-          <a:p>
-            <a:pPr>
-              <a:buClr>
-                <a:schemeClr val="accent2">
-                  <a:lumMod val="75000"/>
-                </a:schemeClr>
-              </a:buClr>
-            </a:pPr>
-            <a:r>
-              <a:rPr kumimoji="1" lang="ja-JP" altLang="en-US" dirty="0">
-                <a:latin typeface="HGｺﾞｼｯｸM" panose="020B0609000000000000" pitchFamily="49" charset="-128"/>
-                <a:ea typeface="HGｺﾞｼｯｸM" panose="020B0609000000000000" pitchFamily="49" charset="-128"/>
-              </a:rPr>
-              <a:t>チームマネジメントの経験を積むことができた</a:t>
-            </a:r>
-            <a:endParaRPr kumimoji="1" lang="en-US" altLang="ja-JP" dirty="0">
-              <a:latin typeface="HGｺﾞｼｯｸM" panose="020B0609000000000000" pitchFamily="49" charset="-128"/>
-              <a:ea typeface="HGｺﾞｼｯｸM" panose="020B0609000000000000" pitchFamily="49" charset="-128"/>
-            </a:endParaRPr>
-          </a:p>
-          <a:p>
-            <a:pPr>
-              <a:buClr>
-                <a:schemeClr val="accent2">
-                  <a:lumMod val="75000"/>
-                </a:schemeClr>
-              </a:buClr>
-            </a:pPr>
-            <a:r>
-              <a:rPr kumimoji="1" lang="ja-JP" altLang="en-US" dirty="0">
-                <a:latin typeface="HGｺﾞｼｯｸM" panose="020B0609000000000000" pitchFamily="49" charset="-128"/>
-                <a:ea typeface="HGｺﾞｼｯｸM" panose="020B0609000000000000" pitchFamily="49" charset="-128"/>
-              </a:rPr>
-              <a:t>新しい技術（</a:t>
-            </a:r>
-            <a:r>
-              <a:rPr kumimoji="1" lang="en-US" altLang="ja-JP" dirty="0">
-                <a:latin typeface="HGｺﾞｼｯｸM" panose="020B0609000000000000" pitchFamily="49" charset="-128"/>
-                <a:ea typeface="HGｺﾞｼｯｸM" panose="020B0609000000000000" pitchFamily="49" charset="-128"/>
-              </a:rPr>
-              <a:t>JavaScript</a:t>
-            </a:r>
-            <a:r>
-              <a:rPr kumimoji="1" lang="ja-JP" altLang="en-US" dirty="0">
-                <a:latin typeface="HGｺﾞｼｯｸM" panose="020B0609000000000000" pitchFamily="49" charset="-128"/>
-                <a:ea typeface="HGｺﾞｼｯｸM" panose="020B0609000000000000" pitchFamily="49" charset="-128"/>
-              </a:rPr>
-              <a:t>等）を知ることができた</a:t>
-            </a:r>
-            <a:endParaRPr kumimoji="1" lang="en-US" altLang="ja-JP" dirty="0">
-              <a:latin typeface="HGｺﾞｼｯｸM" panose="020B0609000000000000" pitchFamily="49" charset="-128"/>
-              <a:ea typeface="HGｺﾞｼｯｸM" panose="020B0609000000000000" pitchFamily="49" charset="-128"/>
-            </a:endParaRPr>
-          </a:p>
-          <a:p>
-            <a:pPr>
-              <a:buClr>
-                <a:srgbClr val="FFA333"/>
-              </a:buClr>
-            </a:pPr>
-            <a:endParaRPr kumimoji="1" lang="ja-JP" altLang="en-US" dirty="0">
-              <a:latin typeface="HGｺﾞｼｯｸM" panose="020B0609000000000000" pitchFamily="49" charset="-128"/>
-              <a:ea typeface="HGｺﾞｼｯｸM" panose="020B0609000000000000" pitchFamily="49" charset="-128"/>
-            </a:endParaRPr>
-          </a:p>
-        </p:txBody>
-      </p:sp>
-      <p:sp>
-        <p:nvSpPr>
-          <p:cNvPr id="4" name="四角形: 角を丸くする 3">
-            <a:extLst>
-              <a:ext uri="{FF2B5EF4-FFF2-40B4-BE49-F238E27FC236}">
-                <a16:creationId xmlns:a16="http://schemas.microsoft.com/office/drawing/2014/main" id="{AF247C9C-C3E7-2294-3EBC-27311E4FB740}"/>
-              </a:ext>
-            </a:extLst>
-          </p:cNvPr>
-          <p:cNvSpPr/>
-          <p:nvPr/>
-        </p:nvSpPr>
-        <p:spPr>
-          <a:xfrm>
-            <a:off x="838200" y="195943"/>
-            <a:ext cx="10515600" cy="1209519"/>
-          </a:xfrm>
-          <a:prstGeom prst="roundRect">
-            <a:avLst/>
-          </a:prstGeom>
-          <a:solidFill>
-            <a:srgbClr val="FFA333"/>
-          </a:solidFill>
-          <a:ln w="38100">
-            <a:noFill/>
-          </a:ln>
-        </p:spPr>
-        <p:style>
-          <a:lnRef idx="2">
-            <a:schemeClr val="accent1">
-              <a:shade val="50000"/>
-            </a:schemeClr>
-          </a:lnRef>
-          <a:fillRef idx="1">
-            <a:schemeClr val="accent1"/>
-          </a:fillRef>
-          <a:effectRef idx="0">
-            <a:schemeClr val="accent1"/>
-          </a:effectRef>
-          <a:fontRef idx="minor">
-            <a:schemeClr val="lt1"/>
-          </a:fontRef>
-        </p:style>
-        <p:txBody>
-          <a:bodyPr rtlCol="0" anchor="ctr"/>
-          <a:lstStyle/>
-          <a:p>
-            <a:pPr marL="0" marR="0" lvl="0" indent="0" algn="l" defTabSz="914400" rtl="0" eaLnBrk="1" fontAlgn="auto" latinLnBrk="0" hangingPunct="1">
-              <a:lnSpc>
-                <a:spcPct val="100000"/>
-              </a:lnSpc>
-              <a:spcBef>
-                <a:spcPts val="0"/>
-              </a:spcBef>
-              <a:spcAft>
-                <a:spcPts val="0"/>
-              </a:spcAft>
-              <a:buClrTx/>
-              <a:buSzTx/>
-              <a:buFontTx/>
-              <a:buNone/>
-              <a:tabLst/>
-              <a:defRPr/>
-            </a:pPr>
-            <a:r>
-              <a:rPr lang="ja-JP" altLang="en-US" sz="4400" dirty="0">
-                <a:solidFill>
-                  <a:prstClr val="white"/>
-                </a:solidFill>
-                <a:latin typeface="HGｺﾞｼｯｸE" panose="020B0909000000000000" pitchFamily="49" charset="-128"/>
-                <a:ea typeface="HGｺﾞｼｯｸE" panose="020B0909000000000000" pitchFamily="49" charset="-128"/>
-              </a:rPr>
-              <a:t>髙林 隼仁</a:t>
-            </a:r>
-            <a:endParaRPr lang="en-US" altLang="ja-JP" sz="4400" dirty="0">
-              <a:solidFill>
-                <a:prstClr val="white"/>
-              </a:solidFill>
-              <a:latin typeface="HGｺﾞｼｯｸE" panose="020B0909000000000000" pitchFamily="49" charset="-128"/>
-              <a:ea typeface="HGｺﾞｼｯｸE" panose="020B0909000000000000" pitchFamily="49" charset="-128"/>
-            </a:endParaRPr>
-          </a:p>
-          <a:p>
-            <a:pPr lvl="0">
-              <a:defRPr/>
-            </a:pPr>
-            <a:r>
-              <a:rPr lang="ja-JP" altLang="en-US" sz="3600" dirty="0">
-                <a:solidFill>
-                  <a:prstClr val="white"/>
-                </a:solidFill>
-                <a:latin typeface="HGｺﾞｼｯｸE" panose="020B0909000000000000" pitchFamily="49" charset="-128"/>
-                <a:ea typeface="HGｺﾞｼｯｸE" panose="020B0909000000000000" pitchFamily="49" charset="-128"/>
-              </a:rPr>
-              <a:t>（知識工学株式会社</a:t>
-            </a:r>
-            <a:r>
-              <a:rPr kumimoji="1" lang="ja-JP" altLang="en-US" sz="3600" b="0" i="0" u="none" strike="noStrike" kern="1200" cap="none" spc="0" normalizeH="0" baseline="0" noProof="0" dirty="0">
-                <a:ln>
-                  <a:noFill/>
-                </a:ln>
-                <a:solidFill>
-                  <a:prstClr val="white"/>
-                </a:solidFill>
-                <a:effectLst/>
-                <a:uLnTx/>
-                <a:uFillTx/>
-                <a:latin typeface="HGｺﾞｼｯｸE" panose="020B0909000000000000" pitchFamily="49" charset="-128"/>
-                <a:ea typeface="HGｺﾞｼｯｸE" panose="020B0909000000000000" pitchFamily="49" charset="-128"/>
-                <a:cs typeface="+mn-cs"/>
-              </a:rPr>
-              <a:t>）</a:t>
-            </a:r>
-          </a:p>
-        </p:txBody>
-      </p:sp>
-    </p:spTree>
-    <p:extLst>
-      <p:ext uri="{BB962C8B-B14F-4D97-AF65-F5344CB8AC3E}">
-        <p14:creationId xmlns:p14="http://schemas.microsoft.com/office/powerpoint/2010/main" val="3087343357"/>
-      </p:ext>
-    </p:extLst>
-  </p:cSld>
-  <p:clrMapOvr>
-    <a:masterClrMapping/>
-  </p:clrMapOvr>
-</p:sld>
-</file>
-
-<file path=ppt/slides/slide21.xml><?xml version="1.0" encoding="utf-8"?>
-<p:sld xmlns:a="http://schemas.openxmlformats.org/drawingml/2006/main" xmlns:r="http://schemas.openxmlformats.org/officeDocument/2006/relationships" xmlns:p="http://schemas.openxmlformats.org/presentationml/2006/main">
-  <p:cSld>
-    <p:spTree>
-      <p:nvGrpSpPr>
-        <p:cNvPr id="1" name=""/>
-        <p:cNvGrpSpPr/>
-        <p:nvPr/>
-      </p:nvGrpSpPr>
-      <p:grpSpPr>
-        <a:xfrm>
-          <a:off x="0" y="0"/>
-          <a:ext cx="0" cy="0"/>
-          <a:chOff x="0" y="0"/>
-          <a:chExt cx="0" cy="0"/>
-        </a:xfrm>
-      </p:grpSpPr>
-      <p:sp>
-        <p:nvSpPr>
-          <p:cNvPr id="3" name="コンテンツ プレースホルダー 2">
-            <a:extLst>
-              <a:ext uri="{FF2B5EF4-FFF2-40B4-BE49-F238E27FC236}">
-                <a16:creationId xmlns:a16="http://schemas.microsoft.com/office/drawing/2014/main" id="{CC96BA86-5DEC-0C8A-0D37-9901BCB94BED}"/>
-              </a:ext>
-            </a:extLst>
-          </p:cNvPr>
-          <p:cNvSpPr>
-            <a:spLocks noGrp="1"/>
-          </p:cNvSpPr>
-          <p:nvPr>
-            <p:ph idx="1"/>
-          </p:nvPr>
-        </p:nvSpPr>
-        <p:spPr>
-          <a:xfrm>
             <a:off x="838200" y="1825625"/>
             <a:ext cx="10515600" cy="4836432"/>
           </a:xfrm>
@@ -10644,7 +9835,7 @@
 </p:sld>
 </file>
 
-<file path=ppt/slides/slide22.xml><?xml version="1.0" encoding="utf-8"?>
+<file path=ppt/slides/slide21.xml><?xml version="1.0" encoding="utf-8"?>
 <p:sld xmlns:a="http://schemas.openxmlformats.org/drawingml/2006/main" xmlns:r="http://schemas.openxmlformats.org/officeDocument/2006/relationships" xmlns:p="http://schemas.openxmlformats.org/presentationml/2006/main">
   <p:cSld>
     <p:spTree>
@@ -11021,7 +10212,7 @@
 </p:sld>
 </file>
 
-<file path=ppt/slides/slide23.xml><?xml version="1.0" encoding="utf-8"?>
+<file path=ppt/slides/slide22.xml><?xml version="1.0" encoding="utf-8"?>
 <p:sld xmlns:a="http://schemas.openxmlformats.org/drawingml/2006/main" xmlns:r="http://schemas.openxmlformats.org/officeDocument/2006/relationships" xmlns:p="http://schemas.openxmlformats.org/presentationml/2006/main">
   <p:cSld>
     <p:spTree>
@@ -11396,7 +10587,7 @@
 </p:sld>
 </file>
 
-<file path=ppt/slides/slide24.xml><?xml version="1.0" encoding="utf-8"?>
+<file path=ppt/slides/slide23.xml><?xml version="1.0" encoding="utf-8"?>
 <p:sld xmlns:a="http://schemas.openxmlformats.org/drawingml/2006/main" xmlns:r="http://schemas.openxmlformats.org/officeDocument/2006/relationships" xmlns:p="http://schemas.openxmlformats.org/presentationml/2006/main">
   <p:cSld>
     <p:spTree>
@@ -11797,7 +10988,7 @@
 </p:sld>
 </file>
 
-<file path=ppt/slides/slide25.xml><?xml version="1.0" encoding="utf-8"?>
+<file path=ppt/slides/slide24.xml><?xml version="1.0" encoding="utf-8"?>
 <p:sld xmlns:a="http://schemas.openxmlformats.org/drawingml/2006/main" xmlns:r="http://schemas.openxmlformats.org/officeDocument/2006/relationships" xmlns:p="http://schemas.openxmlformats.org/presentationml/2006/main">
   <p:cSld>
     <p:spTree>
@@ -11900,7 +11091,7 @@
 </p:sld>
 </file>
 
-<file path=ppt/slides/slide26.xml><?xml version="1.0" encoding="utf-8"?>
+<file path=ppt/slides/slide25.xml><?xml version="1.0" encoding="utf-8"?>
 <p:sld xmlns:a="http://schemas.openxmlformats.org/drawingml/2006/main" xmlns:r="http://schemas.openxmlformats.org/officeDocument/2006/relationships" xmlns:p="http://schemas.openxmlformats.org/presentationml/2006/main">
   <p:cSld>
     <p:spTree>

--- a/doc/プレゼン資料_F3_なかおっち.pptx
+++ b/doc/プレゼン資料_F3_なかおっち.pptx
@@ -11555,8 +11555,8 @@
         </p:nvSpPr>
         <p:spPr>
           <a:xfrm>
-            <a:off x="965536" y="2470576"/>
-            <a:ext cx="10388264" cy="2596724"/>
+            <a:off x="965536" y="2470575"/>
+            <a:ext cx="10388264" cy="2909807"/>
           </a:xfrm>
           <a:prstGeom prst="rect">
             <a:avLst/>
@@ -11608,7 +11608,7 @@
         <p:spPr>
           <a:xfrm>
             <a:off x="965536" y="2602040"/>
-            <a:ext cx="10388264" cy="2308324"/>
+            <a:ext cx="10388264" cy="2677656"/>
           </a:xfrm>
           <a:prstGeom prst="rect">
             <a:avLst/>
@@ -11671,7 +11671,7 @@
                 <a:latin typeface="HGｺﾞｼｯｸM" panose="020B0609000000000000" pitchFamily="49" charset="-128"/>
                 <a:ea typeface="HGｺﾞｼｯｸM" panose="020B0609000000000000" pitchFamily="49" charset="-128"/>
               </a:rPr>
-              <a:t>したがって、若者を中心に人気のある育成ゲームの要素を取り入れた</a:t>
+              <a:t>→若者を中心に人気のある育成ゲームの要素を取り入れた</a:t>
             </a:r>
             <a:endParaRPr lang="en-US" altLang="ja-JP" sz="2400" dirty="0">
               <a:latin typeface="HGｺﾞｼｯｸM" panose="020B0609000000000000" pitchFamily="49" charset="-128"/>
@@ -11684,7 +11684,20 @@
                 <a:latin typeface="HGｺﾞｼｯｸM" panose="020B0609000000000000" pitchFamily="49" charset="-128"/>
                 <a:ea typeface="HGｺﾞｼｯｸM" panose="020B0609000000000000" pitchFamily="49" charset="-128"/>
               </a:rPr>
-              <a:t>アプリケーションを作成し、仕事に対するモチベーション向上を目指した。</a:t>
+              <a:t>　アプリケーションを作成し、</a:t>
+            </a:r>
+            <a:endParaRPr lang="en-US" altLang="ja-JP" sz="2400" dirty="0">
+              <a:latin typeface="HGｺﾞｼｯｸM" panose="020B0609000000000000" pitchFamily="49" charset="-128"/>
+              <a:ea typeface="HGｺﾞｼｯｸM" panose="020B0609000000000000" pitchFamily="49" charset="-128"/>
+            </a:endParaRPr>
+          </a:p>
+          <a:p>
+            <a:r>
+              <a:rPr lang="ja-JP" altLang="en-US" sz="2400" dirty="0">
+                <a:latin typeface="HGｺﾞｼｯｸM" panose="020B0609000000000000" pitchFamily="49" charset="-128"/>
+                <a:ea typeface="HGｺﾞｼｯｸM" panose="020B0609000000000000" pitchFamily="49" charset="-128"/>
+              </a:rPr>
+              <a:t>　仕事に対するモチベーション向上を目指した。</a:t>
             </a:r>
             <a:endParaRPr lang="en-US" altLang="ja-JP" sz="2400" dirty="0">
               <a:latin typeface="HGｺﾞｼｯｸM" panose="020B0609000000000000" pitchFamily="49" charset="-128"/>
